--- a/notes/searching.pptx
+++ b/notes/searching.pptx
@@ -9,10 +9,10 @@
   </p:notesMasterIdLst>
   <p:sldIdLst>
     <p:sldId id="256" r:id="rId2"/>
-    <p:sldId id="257" r:id="rId3"/>
-    <p:sldId id="267" r:id="rId4"/>
-    <p:sldId id="263" r:id="rId5"/>
-    <p:sldId id="266" r:id="rId6"/>
+    <p:sldId id="294" r:id="rId3"/>
+    <p:sldId id="269" r:id="rId4"/>
+    <p:sldId id="290" r:id="rId5"/>
+    <p:sldId id="293" r:id="rId6"/>
   </p:sldIdLst>
   <p:sldSz cx="12192000" cy="6858000"/>
   <p:notesSz cx="6858000" cy="9144000"/>
@@ -204,7 +204,7 @@
           <a:p>
             <a:fld id="{690847EA-AC25-3D4E-89E1-FD3F6A9702B6}" type="datetimeFigureOut">
               <a:rPr lang="en-US" smtClean="0"/>
-              <a:t>1/21/19</a:t>
+              <a:t>2/4/19</a:t>
             </a:fld>
             <a:endParaRPr lang="en-US"/>
           </a:p>
@@ -523,7 +523,7 @@
           <p:cNvPr id="2" name="Title 1">
             <a:extLst>
               <a:ext uri="{FF2B5EF4-FFF2-40B4-BE49-F238E27FC236}">
-                <a16:creationId xmlns:a16="http://schemas.microsoft.com/office/drawing/2014/main" xmlns="" id="{7F52FB7A-F12B-CD4D-8559-650F4868E982}"/>
+                <a16:creationId xmlns:a16="http://schemas.microsoft.com/office/drawing/2014/main" id="{7F52FB7A-F12B-CD4D-8559-650F4868E982}"/>
               </a:ext>
             </a:extLst>
           </p:cNvPr>
@@ -549,7 +549,7 @@
           </a:lstStyle>
           <a:p>
             <a:r>
-              <a:rPr lang="en-US" smtClean="0"/>
+              <a:rPr lang="en-US"/>
               <a:t>Click to edit Master title style</a:t>
             </a:r>
             <a:endParaRPr lang="en-US" dirty="0"/>
@@ -561,7 +561,7 @@
           <p:cNvPr id="3" name="Subtitle 2">
             <a:extLst>
               <a:ext uri="{FF2B5EF4-FFF2-40B4-BE49-F238E27FC236}">
-                <a16:creationId xmlns:a16="http://schemas.microsoft.com/office/drawing/2014/main" xmlns="" id="{688CBB88-B56E-EA42-A61B-D3AB7F012C62}"/>
+                <a16:creationId xmlns:a16="http://schemas.microsoft.com/office/drawing/2014/main" id="{688CBB88-B56E-EA42-A61B-D3AB7F012C62}"/>
               </a:ext>
             </a:extLst>
           </p:cNvPr>
@@ -620,7 +620,7 @@
           </a:lstStyle>
           <a:p>
             <a:r>
-              <a:rPr lang="en-US" smtClean="0"/>
+              <a:rPr lang="en-US"/>
               <a:t>Click to edit Master subtitle style</a:t>
             </a:r>
             <a:endParaRPr lang="en-US" dirty="0"/>
@@ -632,7 +632,7 @@
           <p:cNvPr id="4" name="Date Placeholder 3">
             <a:extLst>
               <a:ext uri="{FF2B5EF4-FFF2-40B4-BE49-F238E27FC236}">
-                <a16:creationId xmlns:a16="http://schemas.microsoft.com/office/drawing/2014/main" xmlns="" id="{D39696A1-F8B2-954E-A5DA-2331840D05E7}"/>
+                <a16:creationId xmlns:a16="http://schemas.microsoft.com/office/drawing/2014/main" id="{D39696A1-F8B2-954E-A5DA-2331840D05E7}"/>
               </a:ext>
             </a:extLst>
           </p:cNvPr>
@@ -650,7 +650,7 @@
           <a:p>
             <a:fld id="{BE5295ED-3BAF-1140-8495-3D368771D6B1}" type="datetimeFigureOut">
               <a:rPr lang="en-US" smtClean="0"/>
-              <a:t>1/21/19</a:t>
+              <a:t>2/4/19</a:t>
             </a:fld>
             <a:endParaRPr lang="en-US"/>
           </a:p>
@@ -661,7 +661,7 @@
           <p:cNvPr id="9" name="Picture 8">
             <a:extLst>
               <a:ext uri="{FF2B5EF4-FFF2-40B4-BE49-F238E27FC236}">
-                <a16:creationId xmlns:a16="http://schemas.microsoft.com/office/drawing/2014/main" xmlns="" id="{D37D1E7E-83ED-BD4B-A5AF-D8AC09D68B82}"/>
+                <a16:creationId xmlns:a16="http://schemas.microsoft.com/office/drawing/2014/main" id="{D37D1E7E-83ED-BD4B-A5AF-D8AC09D68B82}"/>
               </a:ext>
             </a:extLst>
           </p:cNvPr>
@@ -691,7 +691,7 @@
           <p:cNvPr id="5" name="Footer Placeholder 4">
             <a:extLst>
               <a:ext uri="{FF2B5EF4-FFF2-40B4-BE49-F238E27FC236}">
-                <a16:creationId xmlns:a16="http://schemas.microsoft.com/office/drawing/2014/main" xmlns="" id="{09C0CB5C-B84A-514A-A5A0-C5AC9E73E00D}"/>
+                <a16:creationId xmlns:a16="http://schemas.microsoft.com/office/drawing/2014/main" id="{09C0CB5C-B84A-514A-A5A0-C5AC9E73E00D}"/>
               </a:ext>
             </a:extLst>
           </p:cNvPr>
@@ -716,7 +716,7 @@
           <p:cNvPr id="6" name="Slide Number Placeholder 5">
             <a:extLst>
               <a:ext uri="{FF2B5EF4-FFF2-40B4-BE49-F238E27FC236}">
-                <a16:creationId xmlns:a16="http://schemas.microsoft.com/office/drawing/2014/main" xmlns="" id="{DE574622-2C96-C042-83BF-1A726042196F}"/>
+                <a16:creationId xmlns:a16="http://schemas.microsoft.com/office/drawing/2014/main" id="{DE574622-2C96-C042-83BF-1A726042196F}"/>
               </a:ext>
             </a:extLst>
           </p:cNvPr>
@@ -775,7 +775,7 @@
           <p:cNvPr id="2" name="Title 1">
             <a:extLst>
               <a:ext uri="{FF2B5EF4-FFF2-40B4-BE49-F238E27FC236}">
-                <a16:creationId xmlns:a16="http://schemas.microsoft.com/office/drawing/2014/main" xmlns="" id="{54AD0108-3981-1549-A4CB-4D0FE6FDB89F}"/>
+                <a16:creationId xmlns:a16="http://schemas.microsoft.com/office/drawing/2014/main" id="{54AD0108-3981-1549-A4CB-4D0FE6FDB89F}"/>
               </a:ext>
             </a:extLst>
           </p:cNvPr>
@@ -792,10 +792,9 @@
           <a:lstStyle/>
           <a:p>
             <a:r>
-              <a:rPr lang="en-US" smtClean="0"/>
+              <a:rPr lang="en-US"/>
               <a:t>Click to edit Master title style</a:t>
             </a:r>
-            <a:endParaRPr lang="en-US"/>
           </a:p>
         </p:txBody>
       </p:sp>
@@ -804,7 +803,7 @@
           <p:cNvPr id="3" name="Vertical Text Placeholder 2">
             <a:extLst>
               <a:ext uri="{FF2B5EF4-FFF2-40B4-BE49-F238E27FC236}">
-                <a16:creationId xmlns:a16="http://schemas.microsoft.com/office/drawing/2014/main" xmlns="" id="{8BE5A093-2AD2-9349-B50A-B7B88209B5BA}"/>
+                <a16:creationId xmlns:a16="http://schemas.microsoft.com/office/drawing/2014/main" id="{8BE5A093-2AD2-9349-B50A-B7B88209B5BA}"/>
               </a:ext>
             </a:extLst>
           </p:cNvPr>
@@ -822,38 +821,37 @@
           <a:p>
             <a:pPr lvl="0"/>
             <a:r>
-              <a:rPr lang="en-US" smtClean="0"/>
+              <a:rPr lang="en-US"/>
               <a:t>Click to edit Master text styles</a:t>
             </a:r>
           </a:p>
           <a:p>
             <a:pPr lvl="1"/>
             <a:r>
-              <a:rPr lang="en-US" smtClean="0"/>
+              <a:rPr lang="en-US"/>
               <a:t>Second level</a:t>
             </a:r>
           </a:p>
           <a:p>
             <a:pPr lvl="2"/>
             <a:r>
-              <a:rPr lang="en-US" smtClean="0"/>
+              <a:rPr lang="en-US"/>
               <a:t>Third level</a:t>
             </a:r>
           </a:p>
           <a:p>
             <a:pPr lvl="3"/>
             <a:r>
-              <a:rPr lang="en-US" smtClean="0"/>
+              <a:rPr lang="en-US"/>
               <a:t>Fourth level</a:t>
             </a:r>
           </a:p>
           <a:p>
             <a:pPr lvl="4"/>
             <a:r>
-              <a:rPr lang="en-US" smtClean="0"/>
+              <a:rPr lang="en-US"/>
               <a:t>Fifth level</a:t>
             </a:r>
-            <a:endParaRPr lang="en-US"/>
           </a:p>
         </p:txBody>
       </p:sp>
@@ -862,7 +860,7 @@
           <p:cNvPr id="4" name="Date Placeholder 3">
             <a:extLst>
               <a:ext uri="{FF2B5EF4-FFF2-40B4-BE49-F238E27FC236}">
-                <a16:creationId xmlns:a16="http://schemas.microsoft.com/office/drawing/2014/main" xmlns="" id="{0AF4A06B-5DBB-424F-86C1-EE1F0C6A2ABE}"/>
+                <a16:creationId xmlns:a16="http://schemas.microsoft.com/office/drawing/2014/main" id="{0AF4A06B-5DBB-424F-86C1-EE1F0C6A2ABE}"/>
               </a:ext>
             </a:extLst>
           </p:cNvPr>
@@ -880,7 +878,7 @@
           <a:p>
             <a:fld id="{BE5295ED-3BAF-1140-8495-3D368771D6B1}" type="datetimeFigureOut">
               <a:rPr lang="en-US" smtClean="0"/>
-              <a:t>1/21/19</a:t>
+              <a:t>2/4/19</a:t>
             </a:fld>
             <a:endParaRPr lang="en-US"/>
           </a:p>
@@ -891,7 +889,7 @@
           <p:cNvPr id="5" name="Footer Placeholder 4">
             <a:extLst>
               <a:ext uri="{FF2B5EF4-FFF2-40B4-BE49-F238E27FC236}">
-                <a16:creationId xmlns:a16="http://schemas.microsoft.com/office/drawing/2014/main" xmlns="" id="{9613209C-1F52-C646-8EE1-58E8EB857566}"/>
+                <a16:creationId xmlns:a16="http://schemas.microsoft.com/office/drawing/2014/main" id="{9613209C-1F52-C646-8EE1-58E8EB857566}"/>
               </a:ext>
             </a:extLst>
           </p:cNvPr>
@@ -916,7 +914,7 @@
           <p:cNvPr id="6" name="Slide Number Placeholder 5">
             <a:extLst>
               <a:ext uri="{FF2B5EF4-FFF2-40B4-BE49-F238E27FC236}">
-                <a16:creationId xmlns:a16="http://schemas.microsoft.com/office/drawing/2014/main" xmlns="" id="{FE82EF7B-DC76-6F4E-8772-BDFDBF4B2998}"/>
+                <a16:creationId xmlns:a16="http://schemas.microsoft.com/office/drawing/2014/main" id="{FE82EF7B-DC76-6F4E-8772-BDFDBF4B2998}"/>
               </a:ext>
             </a:extLst>
           </p:cNvPr>
@@ -975,7 +973,7 @@
           <p:cNvPr id="2" name="Vertical Title 1">
             <a:extLst>
               <a:ext uri="{FF2B5EF4-FFF2-40B4-BE49-F238E27FC236}">
-                <a16:creationId xmlns:a16="http://schemas.microsoft.com/office/drawing/2014/main" xmlns="" id="{840C42BC-E1BF-794A-BEEC-437117636224}"/>
+                <a16:creationId xmlns:a16="http://schemas.microsoft.com/office/drawing/2014/main" id="{840C42BC-E1BF-794A-BEEC-437117636224}"/>
               </a:ext>
             </a:extLst>
           </p:cNvPr>
@@ -997,10 +995,9 @@
           <a:lstStyle/>
           <a:p>
             <a:r>
-              <a:rPr lang="en-US" smtClean="0"/>
+              <a:rPr lang="en-US"/>
               <a:t>Click to edit Master title style</a:t>
             </a:r>
-            <a:endParaRPr lang="en-US"/>
           </a:p>
         </p:txBody>
       </p:sp>
@@ -1009,7 +1006,7 @@
           <p:cNvPr id="3" name="Vertical Text Placeholder 2">
             <a:extLst>
               <a:ext uri="{FF2B5EF4-FFF2-40B4-BE49-F238E27FC236}">
-                <a16:creationId xmlns:a16="http://schemas.microsoft.com/office/drawing/2014/main" xmlns="" id="{64FC45AD-B77B-694D-92CA-D4FA914DE835}"/>
+                <a16:creationId xmlns:a16="http://schemas.microsoft.com/office/drawing/2014/main" id="{64FC45AD-B77B-694D-92CA-D4FA914DE835}"/>
               </a:ext>
             </a:extLst>
           </p:cNvPr>
@@ -1032,38 +1029,37 @@
           <a:p>
             <a:pPr lvl="0"/>
             <a:r>
-              <a:rPr lang="en-US" smtClean="0"/>
+              <a:rPr lang="en-US"/>
               <a:t>Click to edit Master text styles</a:t>
             </a:r>
           </a:p>
           <a:p>
             <a:pPr lvl="1"/>
             <a:r>
-              <a:rPr lang="en-US" smtClean="0"/>
+              <a:rPr lang="en-US"/>
               <a:t>Second level</a:t>
             </a:r>
           </a:p>
           <a:p>
             <a:pPr lvl="2"/>
             <a:r>
-              <a:rPr lang="en-US" smtClean="0"/>
+              <a:rPr lang="en-US"/>
               <a:t>Third level</a:t>
             </a:r>
           </a:p>
           <a:p>
             <a:pPr lvl="3"/>
             <a:r>
-              <a:rPr lang="en-US" smtClean="0"/>
+              <a:rPr lang="en-US"/>
               <a:t>Fourth level</a:t>
             </a:r>
           </a:p>
           <a:p>
             <a:pPr lvl="4"/>
             <a:r>
-              <a:rPr lang="en-US" smtClean="0"/>
+              <a:rPr lang="en-US"/>
               <a:t>Fifth level</a:t>
             </a:r>
-            <a:endParaRPr lang="en-US"/>
           </a:p>
         </p:txBody>
       </p:sp>
@@ -1072,7 +1068,7 @@
           <p:cNvPr id="4" name="Date Placeholder 3">
             <a:extLst>
               <a:ext uri="{FF2B5EF4-FFF2-40B4-BE49-F238E27FC236}">
-                <a16:creationId xmlns:a16="http://schemas.microsoft.com/office/drawing/2014/main" xmlns="" id="{B58149C7-B7AF-EE43-98CF-1D7CBDC4C51C}"/>
+                <a16:creationId xmlns:a16="http://schemas.microsoft.com/office/drawing/2014/main" id="{B58149C7-B7AF-EE43-98CF-1D7CBDC4C51C}"/>
               </a:ext>
             </a:extLst>
           </p:cNvPr>
@@ -1090,7 +1086,7 @@
           <a:p>
             <a:fld id="{BE5295ED-3BAF-1140-8495-3D368771D6B1}" type="datetimeFigureOut">
               <a:rPr lang="en-US" smtClean="0"/>
-              <a:t>1/21/19</a:t>
+              <a:t>2/4/19</a:t>
             </a:fld>
             <a:endParaRPr lang="en-US"/>
           </a:p>
@@ -1101,7 +1097,7 @@
           <p:cNvPr id="5" name="Footer Placeholder 4">
             <a:extLst>
               <a:ext uri="{FF2B5EF4-FFF2-40B4-BE49-F238E27FC236}">
-                <a16:creationId xmlns:a16="http://schemas.microsoft.com/office/drawing/2014/main" xmlns="" id="{8AE26FA7-F97E-754E-B4CA-D37F6E57F82F}"/>
+                <a16:creationId xmlns:a16="http://schemas.microsoft.com/office/drawing/2014/main" id="{8AE26FA7-F97E-754E-B4CA-D37F6E57F82F}"/>
               </a:ext>
             </a:extLst>
           </p:cNvPr>
@@ -1126,7 +1122,7 @@
           <p:cNvPr id="6" name="Slide Number Placeholder 5">
             <a:extLst>
               <a:ext uri="{FF2B5EF4-FFF2-40B4-BE49-F238E27FC236}">
-                <a16:creationId xmlns:a16="http://schemas.microsoft.com/office/drawing/2014/main" xmlns="" id="{B97E1139-0060-E346-9F3F-28F3A5272DF9}"/>
+                <a16:creationId xmlns:a16="http://schemas.microsoft.com/office/drawing/2014/main" id="{B97E1139-0060-E346-9F3F-28F3A5272DF9}"/>
               </a:ext>
             </a:extLst>
           </p:cNvPr>
@@ -1185,7 +1181,7 @@
           <p:cNvPr id="2" name="Title 1">
             <a:extLst>
               <a:ext uri="{FF2B5EF4-FFF2-40B4-BE49-F238E27FC236}">
-                <a16:creationId xmlns:a16="http://schemas.microsoft.com/office/drawing/2014/main" xmlns="" id="{DE8803A6-7D46-8F41-8AFA-F2DCEB5BCD6E}"/>
+                <a16:creationId xmlns:a16="http://schemas.microsoft.com/office/drawing/2014/main" id="{DE8803A6-7D46-8F41-8AFA-F2DCEB5BCD6E}"/>
               </a:ext>
             </a:extLst>
           </p:cNvPr>
@@ -1202,10 +1198,9 @@
           <a:lstStyle/>
           <a:p>
             <a:r>
-              <a:rPr lang="en-US" smtClean="0"/>
+              <a:rPr lang="en-US"/>
               <a:t>Click to edit Master title style</a:t>
             </a:r>
-            <a:endParaRPr lang="en-US"/>
           </a:p>
         </p:txBody>
       </p:sp>
@@ -1214,7 +1209,7 @@
           <p:cNvPr id="3" name="Content Placeholder 2">
             <a:extLst>
               <a:ext uri="{FF2B5EF4-FFF2-40B4-BE49-F238E27FC236}">
-                <a16:creationId xmlns:a16="http://schemas.microsoft.com/office/drawing/2014/main" xmlns="" id="{66CB9CE8-C78D-C445-BCD6-A816A89CE00B}"/>
+                <a16:creationId xmlns:a16="http://schemas.microsoft.com/office/drawing/2014/main" id="{66CB9CE8-C78D-C445-BCD6-A816A89CE00B}"/>
               </a:ext>
             </a:extLst>
           </p:cNvPr>
@@ -1232,38 +1227,37 @@
           <a:p>
             <a:pPr lvl="0"/>
             <a:r>
-              <a:rPr lang="en-US" smtClean="0"/>
+              <a:rPr lang="en-US"/>
               <a:t>Click to edit Master text styles</a:t>
             </a:r>
           </a:p>
           <a:p>
             <a:pPr lvl="1"/>
             <a:r>
-              <a:rPr lang="en-US" smtClean="0"/>
+              <a:rPr lang="en-US"/>
               <a:t>Second level</a:t>
             </a:r>
           </a:p>
           <a:p>
             <a:pPr lvl="2"/>
             <a:r>
-              <a:rPr lang="en-US" smtClean="0"/>
+              <a:rPr lang="en-US"/>
               <a:t>Third level</a:t>
             </a:r>
           </a:p>
           <a:p>
             <a:pPr lvl="3"/>
             <a:r>
-              <a:rPr lang="en-US" smtClean="0"/>
+              <a:rPr lang="en-US"/>
               <a:t>Fourth level</a:t>
             </a:r>
           </a:p>
           <a:p>
             <a:pPr lvl="4"/>
             <a:r>
-              <a:rPr lang="en-US" smtClean="0"/>
+              <a:rPr lang="en-US"/>
               <a:t>Fifth level</a:t>
             </a:r>
-            <a:endParaRPr lang="en-US"/>
           </a:p>
         </p:txBody>
       </p:sp>
@@ -1272,7 +1266,7 @@
           <p:cNvPr id="4" name="Date Placeholder 3">
             <a:extLst>
               <a:ext uri="{FF2B5EF4-FFF2-40B4-BE49-F238E27FC236}">
-                <a16:creationId xmlns:a16="http://schemas.microsoft.com/office/drawing/2014/main" xmlns="" id="{578F461B-9225-E941-B67E-F1CFC15D204F}"/>
+                <a16:creationId xmlns:a16="http://schemas.microsoft.com/office/drawing/2014/main" id="{578F461B-9225-E941-B67E-F1CFC15D204F}"/>
               </a:ext>
             </a:extLst>
           </p:cNvPr>
@@ -1290,7 +1284,7 @@
           <a:p>
             <a:fld id="{BE5295ED-3BAF-1140-8495-3D368771D6B1}" type="datetimeFigureOut">
               <a:rPr lang="en-US" smtClean="0"/>
-              <a:t>1/21/19</a:t>
+              <a:t>2/4/19</a:t>
             </a:fld>
             <a:endParaRPr lang="en-US"/>
           </a:p>
@@ -1301,7 +1295,7 @@
           <p:cNvPr id="5" name="Footer Placeholder 4">
             <a:extLst>
               <a:ext uri="{FF2B5EF4-FFF2-40B4-BE49-F238E27FC236}">
-                <a16:creationId xmlns:a16="http://schemas.microsoft.com/office/drawing/2014/main" xmlns="" id="{DEAF1779-EEC5-F146-A237-56494528F2A0}"/>
+                <a16:creationId xmlns:a16="http://schemas.microsoft.com/office/drawing/2014/main" id="{DEAF1779-EEC5-F146-A237-56494528F2A0}"/>
               </a:ext>
             </a:extLst>
           </p:cNvPr>
@@ -1326,7 +1320,7 @@
           <p:cNvPr id="6" name="Slide Number Placeholder 5">
             <a:extLst>
               <a:ext uri="{FF2B5EF4-FFF2-40B4-BE49-F238E27FC236}">
-                <a16:creationId xmlns:a16="http://schemas.microsoft.com/office/drawing/2014/main" xmlns="" id="{BFDDC0FB-2EE9-7F42-B0DF-CFF627C92561}"/>
+                <a16:creationId xmlns:a16="http://schemas.microsoft.com/office/drawing/2014/main" id="{BFDDC0FB-2EE9-7F42-B0DF-CFF627C92561}"/>
               </a:ext>
             </a:extLst>
           </p:cNvPr>
@@ -1385,7 +1379,7 @@
           <p:cNvPr id="2" name="Title 1">
             <a:extLst>
               <a:ext uri="{FF2B5EF4-FFF2-40B4-BE49-F238E27FC236}">
-                <a16:creationId xmlns:a16="http://schemas.microsoft.com/office/drawing/2014/main" xmlns="" id="{F356AC19-07B6-0644-A04B-3160E5287583}"/>
+                <a16:creationId xmlns:a16="http://schemas.microsoft.com/office/drawing/2014/main" id="{F356AC19-07B6-0644-A04B-3160E5287583}"/>
               </a:ext>
             </a:extLst>
           </p:cNvPr>
@@ -1411,10 +1405,9 @@
           </a:lstStyle>
           <a:p>
             <a:r>
-              <a:rPr lang="en-US" smtClean="0"/>
+              <a:rPr lang="en-US"/>
               <a:t>Click to edit Master title style</a:t>
             </a:r>
-            <a:endParaRPr lang="en-US"/>
           </a:p>
         </p:txBody>
       </p:sp>
@@ -1423,7 +1416,7 @@
           <p:cNvPr id="3" name="Text Placeholder 2">
             <a:extLst>
               <a:ext uri="{FF2B5EF4-FFF2-40B4-BE49-F238E27FC236}">
-                <a16:creationId xmlns:a16="http://schemas.microsoft.com/office/drawing/2014/main" xmlns="" id="{47B01923-58A4-F843-9053-52A8CD139D11}"/>
+                <a16:creationId xmlns:a16="http://schemas.microsoft.com/office/drawing/2014/main" id="{47B01923-58A4-F843-9053-52A8CD139D11}"/>
               </a:ext>
             </a:extLst>
           </p:cNvPr>
@@ -1537,7 +1530,7 @@
           <a:p>
             <a:pPr lvl="0"/>
             <a:r>
-              <a:rPr lang="en-US" smtClean="0"/>
+              <a:rPr lang="en-US"/>
               <a:t>Click to edit Master text styles</a:t>
             </a:r>
           </a:p>
@@ -1548,7 +1541,7 @@
           <p:cNvPr id="4" name="Date Placeholder 3">
             <a:extLst>
               <a:ext uri="{FF2B5EF4-FFF2-40B4-BE49-F238E27FC236}">
-                <a16:creationId xmlns:a16="http://schemas.microsoft.com/office/drawing/2014/main" xmlns="" id="{BC87314D-7828-F741-9D95-55EC91A61391}"/>
+                <a16:creationId xmlns:a16="http://schemas.microsoft.com/office/drawing/2014/main" id="{BC87314D-7828-F741-9D95-55EC91A61391}"/>
               </a:ext>
             </a:extLst>
           </p:cNvPr>
@@ -1566,7 +1559,7 @@
           <a:p>
             <a:fld id="{BE5295ED-3BAF-1140-8495-3D368771D6B1}" type="datetimeFigureOut">
               <a:rPr lang="en-US" smtClean="0"/>
-              <a:t>1/21/19</a:t>
+              <a:t>2/4/19</a:t>
             </a:fld>
             <a:endParaRPr lang="en-US"/>
           </a:p>
@@ -1577,7 +1570,7 @@
           <p:cNvPr id="5" name="Footer Placeholder 4">
             <a:extLst>
               <a:ext uri="{FF2B5EF4-FFF2-40B4-BE49-F238E27FC236}">
-                <a16:creationId xmlns:a16="http://schemas.microsoft.com/office/drawing/2014/main" xmlns="" id="{C32D0851-13E6-424D-9C2E-1FAE4644C813}"/>
+                <a16:creationId xmlns:a16="http://schemas.microsoft.com/office/drawing/2014/main" id="{C32D0851-13E6-424D-9C2E-1FAE4644C813}"/>
               </a:ext>
             </a:extLst>
           </p:cNvPr>
@@ -1602,7 +1595,7 @@
           <p:cNvPr id="6" name="Slide Number Placeholder 5">
             <a:extLst>
               <a:ext uri="{FF2B5EF4-FFF2-40B4-BE49-F238E27FC236}">
-                <a16:creationId xmlns:a16="http://schemas.microsoft.com/office/drawing/2014/main" xmlns="" id="{E90D49C9-EC39-7F42-A3C5-326D1EF2DF29}"/>
+                <a16:creationId xmlns:a16="http://schemas.microsoft.com/office/drawing/2014/main" id="{E90D49C9-EC39-7F42-A3C5-326D1EF2DF29}"/>
               </a:ext>
             </a:extLst>
           </p:cNvPr>
@@ -1661,7 +1654,7 @@
           <p:cNvPr id="2" name="Title 1">
             <a:extLst>
               <a:ext uri="{FF2B5EF4-FFF2-40B4-BE49-F238E27FC236}">
-                <a16:creationId xmlns:a16="http://schemas.microsoft.com/office/drawing/2014/main" xmlns="" id="{07AA3E1F-D8B9-BF42-8A66-0B4BB621D4EE}"/>
+                <a16:creationId xmlns:a16="http://schemas.microsoft.com/office/drawing/2014/main" id="{07AA3E1F-D8B9-BF42-8A66-0B4BB621D4EE}"/>
               </a:ext>
             </a:extLst>
           </p:cNvPr>
@@ -1678,10 +1671,9 @@
           <a:lstStyle/>
           <a:p>
             <a:r>
-              <a:rPr lang="en-US" smtClean="0"/>
+              <a:rPr lang="en-US"/>
               <a:t>Click to edit Master title style</a:t>
             </a:r>
-            <a:endParaRPr lang="en-US"/>
           </a:p>
         </p:txBody>
       </p:sp>
@@ -1690,7 +1682,7 @@
           <p:cNvPr id="3" name="Content Placeholder 2">
             <a:extLst>
               <a:ext uri="{FF2B5EF4-FFF2-40B4-BE49-F238E27FC236}">
-                <a16:creationId xmlns:a16="http://schemas.microsoft.com/office/drawing/2014/main" xmlns="" id="{98FF2411-0A6B-CE40-888E-DF6851057E2E}"/>
+                <a16:creationId xmlns:a16="http://schemas.microsoft.com/office/drawing/2014/main" id="{98FF2411-0A6B-CE40-888E-DF6851057E2E}"/>
               </a:ext>
             </a:extLst>
           </p:cNvPr>
@@ -1713,38 +1705,37 @@
           <a:p>
             <a:pPr lvl="0"/>
             <a:r>
-              <a:rPr lang="en-US" smtClean="0"/>
+              <a:rPr lang="en-US"/>
               <a:t>Click to edit Master text styles</a:t>
             </a:r>
           </a:p>
           <a:p>
             <a:pPr lvl="1"/>
             <a:r>
-              <a:rPr lang="en-US" smtClean="0"/>
+              <a:rPr lang="en-US"/>
               <a:t>Second level</a:t>
             </a:r>
           </a:p>
           <a:p>
             <a:pPr lvl="2"/>
             <a:r>
-              <a:rPr lang="en-US" smtClean="0"/>
+              <a:rPr lang="en-US"/>
               <a:t>Third level</a:t>
             </a:r>
           </a:p>
           <a:p>
             <a:pPr lvl="3"/>
             <a:r>
-              <a:rPr lang="en-US" smtClean="0"/>
+              <a:rPr lang="en-US"/>
               <a:t>Fourth level</a:t>
             </a:r>
           </a:p>
           <a:p>
             <a:pPr lvl="4"/>
             <a:r>
-              <a:rPr lang="en-US" smtClean="0"/>
+              <a:rPr lang="en-US"/>
               <a:t>Fifth level</a:t>
             </a:r>
-            <a:endParaRPr lang="en-US"/>
           </a:p>
         </p:txBody>
       </p:sp>
@@ -1753,7 +1744,7 @@
           <p:cNvPr id="4" name="Content Placeholder 3">
             <a:extLst>
               <a:ext uri="{FF2B5EF4-FFF2-40B4-BE49-F238E27FC236}">
-                <a16:creationId xmlns:a16="http://schemas.microsoft.com/office/drawing/2014/main" xmlns="" id="{9BA4D581-7115-1543-BEFA-9BDA990CC539}"/>
+                <a16:creationId xmlns:a16="http://schemas.microsoft.com/office/drawing/2014/main" id="{9BA4D581-7115-1543-BEFA-9BDA990CC539}"/>
               </a:ext>
             </a:extLst>
           </p:cNvPr>
@@ -1776,38 +1767,37 @@
           <a:p>
             <a:pPr lvl="0"/>
             <a:r>
-              <a:rPr lang="en-US" smtClean="0"/>
+              <a:rPr lang="en-US"/>
               <a:t>Click to edit Master text styles</a:t>
             </a:r>
           </a:p>
           <a:p>
             <a:pPr lvl="1"/>
             <a:r>
-              <a:rPr lang="en-US" smtClean="0"/>
+              <a:rPr lang="en-US"/>
               <a:t>Second level</a:t>
             </a:r>
           </a:p>
           <a:p>
             <a:pPr lvl="2"/>
             <a:r>
-              <a:rPr lang="en-US" smtClean="0"/>
+              <a:rPr lang="en-US"/>
               <a:t>Third level</a:t>
             </a:r>
           </a:p>
           <a:p>
             <a:pPr lvl="3"/>
             <a:r>
-              <a:rPr lang="en-US" smtClean="0"/>
+              <a:rPr lang="en-US"/>
               <a:t>Fourth level</a:t>
             </a:r>
           </a:p>
           <a:p>
             <a:pPr lvl="4"/>
             <a:r>
-              <a:rPr lang="en-US" smtClean="0"/>
+              <a:rPr lang="en-US"/>
               <a:t>Fifth level</a:t>
             </a:r>
-            <a:endParaRPr lang="en-US"/>
           </a:p>
         </p:txBody>
       </p:sp>
@@ -1816,7 +1806,7 @@
           <p:cNvPr id="5" name="Date Placeholder 4">
             <a:extLst>
               <a:ext uri="{FF2B5EF4-FFF2-40B4-BE49-F238E27FC236}">
-                <a16:creationId xmlns:a16="http://schemas.microsoft.com/office/drawing/2014/main" xmlns="" id="{0E2641F9-C3D3-084B-B988-17CA1EABF878}"/>
+                <a16:creationId xmlns:a16="http://schemas.microsoft.com/office/drawing/2014/main" id="{0E2641F9-C3D3-084B-B988-17CA1EABF878}"/>
               </a:ext>
             </a:extLst>
           </p:cNvPr>
@@ -1834,7 +1824,7 @@
           <a:p>
             <a:fld id="{BE5295ED-3BAF-1140-8495-3D368771D6B1}" type="datetimeFigureOut">
               <a:rPr lang="en-US" smtClean="0"/>
-              <a:t>1/21/19</a:t>
+              <a:t>2/4/19</a:t>
             </a:fld>
             <a:endParaRPr lang="en-US"/>
           </a:p>
@@ -1845,7 +1835,7 @@
           <p:cNvPr id="6" name="Footer Placeholder 5">
             <a:extLst>
               <a:ext uri="{FF2B5EF4-FFF2-40B4-BE49-F238E27FC236}">
-                <a16:creationId xmlns:a16="http://schemas.microsoft.com/office/drawing/2014/main" xmlns="" id="{AAD4858C-8C04-8743-B0F9-F00677985506}"/>
+                <a16:creationId xmlns:a16="http://schemas.microsoft.com/office/drawing/2014/main" id="{AAD4858C-8C04-8743-B0F9-F00677985506}"/>
               </a:ext>
             </a:extLst>
           </p:cNvPr>
@@ -1870,7 +1860,7 @@
           <p:cNvPr id="7" name="Slide Number Placeholder 6">
             <a:extLst>
               <a:ext uri="{FF2B5EF4-FFF2-40B4-BE49-F238E27FC236}">
-                <a16:creationId xmlns:a16="http://schemas.microsoft.com/office/drawing/2014/main" xmlns="" id="{39361CAC-0734-F24D-9D05-BAA72489F4AF}"/>
+                <a16:creationId xmlns:a16="http://schemas.microsoft.com/office/drawing/2014/main" id="{39361CAC-0734-F24D-9D05-BAA72489F4AF}"/>
               </a:ext>
             </a:extLst>
           </p:cNvPr>
@@ -1929,7 +1919,7 @@
           <p:cNvPr id="2" name="Title 1">
             <a:extLst>
               <a:ext uri="{FF2B5EF4-FFF2-40B4-BE49-F238E27FC236}">
-                <a16:creationId xmlns:a16="http://schemas.microsoft.com/office/drawing/2014/main" xmlns="" id="{3C8E1E6B-81D0-B64C-A830-30B6E4083065}"/>
+                <a16:creationId xmlns:a16="http://schemas.microsoft.com/office/drawing/2014/main" id="{3C8E1E6B-81D0-B64C-A830-30B6E4083065}"/>
               </a:ext>
             </a:extLst>
           </p:cNvPr>
@@ -1951,10 +1941,9 @@
           <a:lstStyle/>
           <a:p>
             <a:r>
-              <a:rPr lang="en-US" smtClean="0"/>
+              <a:rPr lang="en-US"/>
               <a:t>Click to edit Master title style</a:t>
             </a:r>
-            <a:endParaRPr lang="en-US"/>
           </a:p>
         </p:txBody>
       </p:sp>
@@ -1963,7 +1952,7 @@
           <p:cNvPr id="3" name="Text Placeholder 2">
             <a:extLst>
               <a:ext uri="{FF2B5EF4-FFF2-40B4-BE49-F238E27FC236}">
-                <a16:creationId xmlns:a16="http://schemas.microsoft.com/office/drawing/2014/main" xmlns="" id="{29B405A4-EAA4-5447-AAB9-39AC9B0B5FB4}"/>
+                <a16:creationId xmlns:a16="http://schemas.microsoft.com/office/drawing/2014/main" id="{29B405A4-EAA4-5447-AAB9-39AC9B0B5FB4}"/>
               </a:ext>
             </a:extLst>
           </p:cNvPr>
@@ -2023,7 +2012,7 @@
           <a:p>
             <a:pPr lvl="0"/>
             <a:r>
-              <a:rPr lang="en-US" smtClean="0"/>
+              <a:rPr lang="en-US"/>
               <a:t>Click to edit Master text styles</a:t>
             </a:r>
           </a:p>
@@ -2034,7 +2023,7 @@
           <p:cNvPr id="4" name="Content Placeholder 3">
             <a:extLst>
               <a:ext uri="{FF2B5EF4-FFF2-40B4-BE49-F238E27FC236}">
-                <a16:creationId xmlns:a16="http://schemas.microsoft.com/office/drawing/2014/main" xmlns="" id="{BC6A46CB-5940-1340-AE42-99C42BBA88F7}"/>
+                <a16:creationId xmlns:a16="http://schemas.microsoft.com/office/drawing/2014/main" id="{BC6A46CB-5940-1340-AE42-99C42BBA88F7}"/>
               </a:ext>
             </a:extLst>
           </p:cNvPr>
@@ -2057,38 +2046,37 @@
           <a:p>
             <a:pPr lvl="0"/>
             <a:r>
-              <a:rPr lang="en-US" smtClean="0"/>
+              <a:rPr lang="en-US"/>
               <a:t>Click to edit Master text styles</a:t>
             </a:r>
           </a:p>
           <a:p>
             <a:pPr lvl="1"/>
             <a:r>
-              <a:rPr lang="en-US" smtClean="0"/>
+              <a:rPr lang="en-US"/>
               <a:t>Second level</a:t>
             </a:r>
           </a:p>
           <a:p>
             <a:pPr lvl="2"/>
             <a:r>
-              <a:rPr lang="en-US" smtClean="0"/>
+              <a:rPr lang="en-US"/>
               <a:t>Third level</a:t>
             </a:r>
           </a:p>
           <a:p>
             <a:pPr lvl="3"/>
             <a:r>
-              <a:rPr lang="en-US" smtClean="0"/>
+              <a:rPr lang="en-US"/>
               <a:t>Fourth level</a:t>
             </a:r>
           </a:p>
           <a:p>
             <a:pPr lvl="4"/>
             <a:r>
-              <a:rPr lang="en-US" smtClean="0"/>
+              <a:rPr lang="en-US"/>
               <a:t>Fifth level</a:t>
             </a:r>
-            <a:endParaRPr lang="en-US"/>
           </a:p>
         </p:txBody>
       </p:sp>
@@ -2097,7 +2085,7 @@
           <p:cNvPr id="5" name="Text Placeholder 4">
             <a:extLst>
               <a:ext uri="{FF2B5EF4-FFF2-40B4-BE49-F238E27FC236}">
-                <a16:creationId xmlns:a16="http://schemas.microsoft.com/office/drawing/2014/main" xmlns="" id="{5AABB1F0-6F50-BD42-93D9-BCBB5339B228}"/>
+                <a16:creationId xmlns:a16="http://schemas.microsoft.com/office/drawing/2014/main" id="{5AABB1F0-6F50-BD42-93D9-BCBB5339B228}"/>
               </a:ext>
             </a:extLst>
           </p:cNvPr>
@@ -2157,7 +2145,7 @@
           <a:p>
             <a:pPr lvl="0"/>
             <a:r>
-              <a:rPr lang="en-US" smtClean="0"/>
+              <a:rPr lang="en-US"/>
               <a:t>Click to edit Master text styles</a:t>
             </a:r>
           </a:p>
@@ -2168,7 +2156,7 @@
           <p:cNvPr id="6" name="Content Placeholder 5">
             <a:extLst>
               <a:ext uri="{FF2B5EF4-FFF2-40B4-BE49-F238E27FC236}">
-                <a16:creationId xmlns:a16="http://schemas.microsoft.com/office/drawing/2014/main" xmlns="" id="{026D6CE6-9799-C543-AE82-CE9E9ED9B5AC}"/>
+                <a16:creationId xmlns:a16="http://schemas.microsoft.com/office/drawing/2014/main" id="{026D6CE6-9799-C543-AE82-CE9E9ED9B5AC}"/>
               </a:ext>
             </a:extLst>
           </p:cNvPr>
@@ -2191,38 +2179,37 @@
           <a:p>
             <a:pPr lvl="0"/>
             <a:r>
-              <a:rPr lang="en-US" smtClean="0"/>
+              <a:rPr lang="en-US"/>
               <a:t>Click to edit Master text styles</a:t>
             </a:r>
           </a:p>
           <a:p>
             <a:pPr lvl="1"/>
             <a:r>
-              <a:rPr lang="en-US" smtClean="0"/>
+              <a:rPr lang="en-US"/>
               <a:t>Second level</a:t>
             </a:r>
           </a:p>
           <a:p>
             <a:pPr lvl="2"/>
             <a:r>
-              <a:rPr lang="en-US" smtClean="0"/>
+              <a:rPr lang="en-US"/>
               <a:t>Third level</a:t>
             </a:r>
           </a:p>
           <a:p>
             <a:pPr lvl="3"/>
             <a:r>
-              <a:rPr lang="en-US" smtClean="0"/>
+              <a:rPr lang="en-US"/>
               <a:t>Fourth level</a:t>
             </a:r>
           </a:p>
           <a:p>
             <a:pPr lvl="4"/>
             <a:r>
-              <a:rPr lang="en-US" smtClean="0"/>
+              <a:rPr lang="en-US"/>
               <a:t>Fifth level</a:t>
             </a:r>
-            <a:endParaRPr lang="en-US"/>
           </a:p>
         </p:txBody>
       </p:sp>
@@ -2231,7 +2218,7 @@
           <p:cNvPr id="7" name="Date Placeholder 6">
             <a:extLst>
               <a:ext uri="{FF2B5EF4-FFF2-40B4-BE49-F238E27FC236}">
-                <a16:creationId xmlns:a16="http://schemas.microsoft.com/office/drawing/2014/main" xmlns="" id="{95E3C5AE-6923-5E44-AA54-47980E1298C1}"/>
+                <a16:creationId xmlns:a16="http://schemas.microsoft.com/office/drawing/2014/main" id="{95E3C5AE-6923-5E44-AA54-47980E1298C1}"/>
               </a:ext>
             </a:extLst>
           </p:cNvPr>
@@ -2249,7 +2236,7 @@
           <a:p>
             <a:fld id="{BE5295ED-3BAF-1140-8495-3D368771D6B1}" type="datetimeFigureOut">
               <a:rPr lang="en-US" smtClean="0"/>
-              <a:t>1/21/19</a:t>
+              <a:t>2/4/19</a:t>
             </a:fld>
             <a:endParaRPr lang="en-US"/>
           </a:p>
@@ -2260,7 +2247,7 @@
           <p:cNvPr id="8" name="Footer Placeholder 7">
             <a:extLst>
               <a:ext uri="{FF2B5EF4-FFF2-40B4-BE49-F238E27FC236}">
-                <a16:creationId xmlns:a16="http://schemas.microsoft.com/office/drawing/2014/main" xmlns="" id="{F4AFB1E3-6828-E94D-AAA8-F7B6244938AD}"/>
+                <a16:creationId xmlns:a16="http://schemas.microsoft.com/office/drawing/2014/main" id="{F4AFB1E3-6828-E94D-AAA8-F7B6244938AD}"/>
               </a:ext>
             </a:extLst>
           </p:cNvPr>
@@ -2285,7 +2272,7 @@
           <p:cNvPr id="9" name="Slide Number Placeholder 8">
             <a:extLst>
               <a:ext uri="{FF2B5EF4-FFF2-40B4-BE49-F238E27FC236}">
-                <a16:creationId xmlns:a16="http://schemas.microsoft.com/office/drawing/2014/main" xmlns="" id="{D81DD239-2AB5-E34B-9A56-32C9F61E1CE1}"/>
+                <a16:creationId xmlns:a16="http://schemas.microsoft.com/office/drawing/2014/main" id="{D81DD239-2AB5-E34B-9A56-32C9F61E1CE1}"/>
               </a:ext>
             </a:extLst>
           </p:cNvPr>
@@ -2344,7 +2331,7 @@
           <p:cNvPr id="2" name="Title 1">
             <a:extLst>
               <a:ext uri="{FF2B5EF4-FFF2-40B4-BE49-F238E27FC236}">
-                <a16:creationId xmlns:a16="http://schemas.microsoft.com/office/drawing/2014/main" xmlns="" id="{80FD57B6-4625-2149-BB04-012454937A75}"/>
+                <a16:creationId xmlns:a16="http://schemas.microsoft.com/office/drawing/2014/main" id="{80FD57B6-4625-2149-BB04-012454937A75}"/>
               </a:ext>
             </a:extLst>
           </p:cNvPr>
@@ -2361,10 +2348,9 @@
           <a:lstStyle/>
           <a:p>
             <a:r>
-              <a:rPr lang="en-US" smtClean="0"/>
+              <a:rPr lang="en-US"/>
               <a:t>Click to edit Master title style</a:t>
             </a:r>
-            <a:endParaRPr lang="en-US"/>
           </a:p>
         </p:txBody>
       </p:sp>
@@ -2373,7 +2359,7 @@
           <p:cNvPr id="3" name="Date Placeholder 2">
             <a:extLst>
               <a:ext uri="{FF2B5EF4-FFF2-40B4-BE49-F238E27FC236}">
-                <a16:creationId xmlns:a16="http://schemas.microsoft.com/office/drawing/2014/main" xmlns="" id="{7067FAF0-5A46-1542-A59B-4155824CAB3A}"/>
+                <a16:creationId xmlns:a16="http://schemas.microsoft.com/office/drawing/2014/main" id="{7067FAF0-5A46-1542-A59B-4155824CAB3A}"/>
               </a:ext>
             </a:extLst>
           </p:cNvPr>
@@ -2391,7 +2377,7 @@
           <a:p>
             <a:fld id="{BE5295ED-3BAF-1140-8495-3D368771D6B1}" type="datetimeFigureOut">
               <a:rPr lang="en-US" smtClean="0"/>
-              <a:t>1/21/19</a:t>
+              <a:t>2/4/19</a:t>
             </a:fld>
             <a:endParaRPr lang="en-US"/>
           </a:p>
@@ -2402,7 +2388,7 @@
           <p:cNvPr id="4" name="Footer Placeholder 3">
             <a:extLst>
               <a:ext uri="{FF2B5EF4-FFF2-40B4-BE49-F238E27FC236}">
-                <a16:creationId xmlns:a16="http://schemas.microsoft.com/office/drawing/2014/main" xmlns="" id="{6561CD37-7AB8-114F-B8A6-411954022946}"/>
+                <a16:creationId xmlns:a16="http://schemas.microsoft.com/office/drawing/2014/main" id="{6561CD37-7AB8-114F-B8A6-411954022946}"/>
               </a:ext>
             </a:extLst>
           </p:cNvPr>
@@ -2427,7 +2413,7 @@
           <p:cNvPr id="5" name="Slide Number Placeholder 4">
             <a:extLst>
               <a:ext uri="{FF2B5EF4-FFF2-40B4-BE49-F238E27FC236}">
-                <a16:creationId xmlns:a16="http://schemas.microsoft.com/office/drawing/2014/main" xmlns="" id="{874264D7-8895-EE45-9658-C5FF8F42DA51}"/>
+                <a16:creationId xmlns:a16="http://schemas.microsoft.com/office/drawing/2014/main" id="{874264D7-8895-EE45-9658-C5FF8F42DA51}"/>
               </a:ext>
             </a:extLst>
           </p:cNvPr>
@@ -2486,7 +2472,7 @@
           <p:cNvPr id="2" name="Date Placeholder 1">
             <a:extLst>
               <a:ext uri="{FF2B5EF4-FFF2-40B4-BE49-F238E27FC236}">
-                <a16:creationId xmlns:a16="http://schemas.microsoft.com/office/drawing/2014/main" xmlns="" id="{EF8BB7FA-2258-C64B-9A1D-816834763FBE}"/>
+                <a16:creationId xmlns:a16="http://schemas.microsoft.com/office/drawing/2014/main" id="{EF8BB7FA-2258-C64B-9A1D-816834763FBE}"/>
               </a:ext>
             </a:extLst>
           </p:cNvPr>
@@ -2504,7 +2490,7 @@
           <a:p>
             <a:fld id="{BE5295ED-3BAF-1140-8495-3D368771D6B1}" type="datetimeFigureOut">
               <a:rPr lang="en-US" smtClean="0"/>
-              <a:t>1/21/19</a:t>
+              <a:t>2/4/19</a:t>
             </a:fld>
             <a:endParaRPr lang="en-US"/>
           </a:p>
@@ -2515,7 +2501,7 @@
           <p:cNvPr id="3" name="Footer Placeholder 2">
             <a:extLst>
               <a:ext uri="{FF2B5EF4-FFF2-40B4-BE49-F238E27FC236}">
-                <a16:creationId xmlns:a16="http://schemas.microsoft.com/office/drawing/2014/main" xmlns="" id="{307C2AD0-8E67-9E4C-A046-98757BA7AE48}"/>
+                <a16:creationId xmlns:a16="http://schemas.microsoft.com/office/drawing/2014/main" id="{307C2AD0-8E67-9E4C-A046-98757BA7AE48}"/>
               </a:ext>
             </a:extLst>
           </p:cNvPr>
@@ -2540,7 +2526,7 @@
           <p:cNvPr id="4" name="Slide Number Placeholder 3">
             <a:extLst>
               <a:ext uri="{FF2B5EF4-FFF2-40B4-BE49-F238E27FC236}">
-                <a16:creationId xmlns:a16="http://schemas.microsoft.com/office/drawing/2014/main" xmlns="" id="{909EE54A-96EF-5D44-ABA5-5EDA7C0F21A7}"/>
+                <a16:creationId xmlns:a16="http://schemas.microsoft.com/office/drawing/2014/main" id="{909EE54A-96EF-5D44-ABA5-5EDA7C0F21A7}"/>
               </a:ext>
             </a:extLst>
           </p:cNvPr>
@@ -2599,7 +2585,7 @@
           <p:cNvPr id="2" name="Title 1">
             <a:extLst>
               <a:ext uri="{FF2B5EF4-FFF2-40B4-BE49-F238E27FC236}">
-                <a16:creationId xmlns:a16="http://schemas.microsoft.com/office/drawing/2014/main" xmlns="" id="{000CAFB7-F9F1-984C-8249-31FF41D0C8D2}"/>
+                <a16:creationId xmlns:a16="http://schemas.microsoft.com/office/drawing/2014/main" id="{000CAFB7-F9F1-984C-8249-31FF41D0C8D2}"/>
               </a:ext>
             </a:extLst>
           </p:cNvPr>
@@ -2625,10 +2611,9 @@
           </a:lstStyle>
           <a:p>
             <a:r>
-              <a:rPr lang="en-US" smtClean="0"/>
+              <a:rPr lang="en-US"/>
               <a:t>Click to edit Master title style</a:t>
             </a:r>
-            <a:endParaRPr lang="en-US"/>
           </a:p>
         </p:txBody>
       </p:sp>
@@ -2637,7 +2622,7 @@
           <p:cNvPr id="3" name="Content Placeholder 2">
             <a:extLst>
               <a:ext uri="{FF2B5EF4-FFF2-40B4-BE49-F238E27FC236}">
-                <a16:creationId xmlns:a16="http://schemas.microsoft.com/office/drawing/2014/main" xmlns="" id="{06B2E12F-F459-C348-A8E3-36E8F0A40AD4}"/>
+                <a16:creationId xmlns:a16="http://schemas.microsoft.com/office/drawing/2014/main" id="{06B2E12F-F459-C348-A8E3-36E8F0A40AD4}"/>
               </a:ext>
             </a:extLst>
           </p:cNvPr>
@@ -2688,38 +2673,37 @@
           <a:p>
             <a:pPr lvl="0"/>
             <a:r>
-              <a:rPr lang="en-US" smtClean="0"/>
+              <a:rPr lang="en-US"/>
               <a:t>Click to edit Master text styles</a:t>
             </a:r>
           </a:p>
           <a:p>
             <a:pPr lvl="1"/>
             <a:r>
-              <a:rPr lang="en-US" smtClean="0"/>
+              <a:rPr lang="en-US"/>
               <a:t>Second level</a:t>
             </a:r>
           </a:p>
           <a:p>
             <a:pPr lvl="2"/>
             <a:r>
-              <a:rPr lang="en-US" smtClean="0"/>
+              <a:rPr lang="en-US"/>
               <a:t>Third level</a:t>
             </a:r>
           </a:p>
           <a:p>
             <a:pPr lvl="3"/>
             <a:r>
-              <a:rPr lang="en-US" smtClean="0"/>
+              <a:rPr lang="en-US"/>
               <a:t>Fourth level</a:t>
             </a:r>
           </a:p>
           <a:p>
             <a:pPr lvl="4"/>
             <a:r>
-              <a:rPr lang="en-US" smtClean="0"/>
+              <a:rPr lang="en-US"/>
               <a:t>Fifth level</a:t>
             </a:r>
-            <a:endParaRPr lang="en-US"/>
           </a:p>
         </p:txBody>
       </p:sp>
@@ -2728,7 +2712,7 @@
           <p:cNvPr id="4" name="Text Placeholder 3">
             <a:extLst>
               <a:ext uri="{FF2B5EF4-FFF2-40B4-BE49-F238E27FC236}">
-                <a16:creationId xmlns:a16="http://schemas.microsoft.com/office/drawing/2014/main" xmlns="" id="{4399425A-00AD-904F-AB89-EDD4C258BDD8}"/>
+                <a16:creationId xmlns:a16="http://schemas.microsoft.com/office/drawing/2014/main" id="{4399425A-00AD-904F-AB89-EDD4C258BDD8}"/>
               </a:ext>
             </a:extLst>
           </p:cNvPr>
@@ -2788,7 +2772,7 @@
           <a:p>
             <a:pPr lvl="0"/>
             <a:r>
-              <a:rPr lang="en-US" smtClean="0"/>
+              <a:rPr lang="en-US"/>
               <a:t>Click to edit Master text styles</a:t>
             </a:r>
           </a:p>
@@ -2799,7 +2783,7 @@
           <p:cNvPr id="5" name="Date Placeholder 4">
             <a:extLst>
               <a:ext uri="{FF2B5EF4-FFF2-40B4-BE49-F238E27FC236}">
-                <a16:creationId xmlns:a16="http://schemas.microsoft.com/office/drawing/2014/main" xmlns="" id="{293D3BF2-FBC9-5649-9190-E1C778FEB9B3}"/>
+                <a16:creationId xmlns:a16="http://schemas.microsoft.com/office/drawing/2014/main" id="{293D3BF2-FBC9-5649-9190-E1C778FEB9B3}"/>
               </a:ext>
             </a:extLst>
           </p:cNvPr>
@@ -2817,7 +2801,7 @@
           <a:p>
             <a:fld id="{BE5295ED-3BAF-1140-8495-3D368771D6B1}" type="datetimeFigureOut">
               <a:rPr lang="en-US" smtClean="0"/>
-              <a:t>1/21/19</a:t>
+              <a:t>2/4/19</a:t>
             </a:fld>
             <a:endParaRPr lang="en-US"/>
           </a:p>
@@ -2828,7 +2812,7 @@
           <p:cNvPr id="6" name="Footer Placeholder 5">
             <a:extLst>
               <a:ext uri="{FF2B5EF4-FFF2-40B4-BE49-F238E27FC236}">
-                <a16:creationId xmlns:a16="http://schemas.microsoft.com/office/drawing/2014/main" xmlns="" id="{DE4A4D89-3A9B-2B45-87F5-3F69071351CB}"/>
+                <a16:creationId xmlns:a16="http://schemas.microsoft.com/office/drawing/2014/main" id="{DE4A4D89-3A9B-2B45-87F5-3F69071351CB}"/>
               </a:ext>
             </a:extLst>
           </p:cNvPr>
@@ -2853,7 +2837,7 @@
           <p:cNvPr id="7" name="Slide Number Placeholder 6">
             <a:extLst>
               <a:ext uri="{FF2B5EF4-FFF2-40B4-BE49-F238E27FC236}">
-                <a16:creationId xmlns:a16="http://schemas.microsoft.com/office/drawing/2014/main" xmlns="" id="{0977A05E-3521-3141-96F8-AC86CB2FDB94}"/>
+                <a16:creationId xmlns:a16="http://schemas.microsoft.com/office/drawing/2014/main" id="{0977A05E-3521-3141-96F8-AC86CB2FDB94}"/>
               </a:ext>
             </a:extLst>
           </p:cNvPr>
@@ -2912,7 +2896,7 @@
           <p:cNvPr id="2" name="Title 1">
             <a:extLst>
               <a:ext uri="{FF2B5EF4-FFF2-40B4-BE49-F238E27FC236}">
-                <a16:creationId xmlns:a16="http://schemas.microsoft.com/office/drawing/2014/main" xmlns="" id="{B159E5D8-D804-C44E-9873-BF2EF3C22647}"/>
+                <a16:creationId xmlns:a16="http://schemas.microsoft.com/office/drawing/2014/main" id="{B159E5D8-D804-C44E-9873-BF2EF3C22647}"/>
               </a:ext>
             </a:extLst>
           </p:cNvPr>
@@ -2938,10 +2922,9 @@
           </a:lstStyle>
           <a:p>
             <a:r>
-              <a:rPr lang="en-US" smtClean="0"/>
+              <a:rPr lang="en-US"/>
               <a:t>Click to edit Master title style</a:t>
             </a:r>
-            <a:endParaRPr lang="en-US"/>
           </a:p>
         </p:txBody>
       </p:sp>
@@ -2950,7 +2933,7 @@
           <p:cNvPr id="3" name="Picture Placeholder 2">
             <a:extLst>
               <a:ext uri="{FF2B5EF4-FFF2-40B4-BE49-F238E27FC236}">
-                <a16:creationId xmlns:a16="http://schemas.microsoft.com/office/drawing/2014/main" xmlns="" id="{8DE226E2-A399-FD45-ACF1-DBE31FCC2871}"/>
+                <a16:creationId xmlns:a16="http://schemas.microsoft.com/office/drawing/2014/main" id="{8DE226E2-A399-FD45-ACF1-DBE31FCC2871}"/>
               </a:ext>
             </a:extLst>
           </p:cNvPr>
@@ -3009,10 +2992,9 @@
           </a:lstStyle>
           <a:p>
             <a:r>
-              <a:rPr lang="en-US" smtClean="0"/>
+              <a:rPr lang="en-US"/>
               <a:t>Drag picture to placeholder or click icon to add</a:t>
             </a:r>
-            <a:endParaRPr lang="en-US"/>
           </a:p>
         </p:txBody>
       </p:sp>
@@ -3021,7 +3003,7 @@
           <p:cNvPr id="4" name="Text Placeholder 3">
             <a:extLst>
               <a:ext uri="{FF2B5EF4-FFF2-40B4-BE49-F238E27FC236}">
-                <a16:creationId xmlns:a16="http://schemas.microsoft.com/office/drawing/2014/main" xmlns="" id="{45132876-E772-7942-AF60-F9248CEB991E}"/>
+                <a16:creationId xmlns:a16="http://schemas.microsoft.com/office/drawing/2014/main" id="{45132876-E772-7942-AF60-F9248CEB991E}"/>
               </a:ext>
             </a:extLst>
           </p:cNvPr>
@@ -3081,7 +3063,7 @@
           <a:p>
             <a:pPr lvl="0"/>
             <a:r>
-              <a:rPr lang="en-US" smtClean="0"/>
+              <a:rPr lang="en-US"/>
               <a:t>Click to edit Master text styles</a:t>
             </a:r>
           </a:p>
@@ -3092,7 +3074,7 @@
           <p:cNvPr id="5" name="Date Placeholder 4">
             <a:extLst>
               <a:ext uri="{FF2B5EF4-FFF2-40B4-BE49-F238E27FC236}">
-                <a16:creationId xmlns:a16="http://schemas.microsoft.com/office/drawing/2014/main" xmlns="" id="{19E69457-B63D-0B4C-BD6B-44AC10E73E08}"/>
+                <a16:creationId xmlns:a16="http://schemas.microsoft.com/office/drawing/2014/main" id="{19E69457-B63D-0B4C-BD6B-44AC10E73E08}"/>
               </a:ext>
             </a:extLst>
           </p:cNvPr>
@@ -3110,7 +3092,7 @@
           <a:p>
             <a:fld id="{BE5295ED-3BAF-1140-8495-3D368771D6B1}" type="datetimeFigureOut">
               <a:rPr lang="en-US" smtClean="0"/>
-              <a:t>1/21/19</a:t>
+              <a:t>2/4/19</a:t>
             </a:fld>
             <a:endParaRPr lang="en-US"/>
           </a:p>
@@ -3121,7 +3103,7 @@
           <p:cNvPr id="6" name="Footer Placeholder 5">
             <a:extLst>
               <a:ext uri="{FF2B5EF4-FFF2-40B4-BE49-F238E27FC236}">
-                <a16:creationId xmlns:a16="http://schemas.microsoft.com/office/drawing/2014/main" xmlns="" id="{B58CAADF-CF61-2C42-B5B5-FB24616F2E9E}"/>
+                <a16:creationId xmlns:a16="http://schemas.microsoft.com/office/drawing/2014/main" id="{B58CAADF-CF61-2C42-B5B5-FB24616F2E9E}"/>
               </a:ext>
             </a:extLst>
           </p:cNvPr>
@@ -3146,7 +3128,7 @@
           <p:cNvPr id="7" name="Slide Number Placeholder 6">
             <a:extLst>
               <a:ext uri="{FF2B5EF4-FFF2-40B4-BE49-F238E27FC236}">
-                <a16:creationId xmlns:a16="http://schemas.microsoft.com/office/drawing/2014/main" xmlns="" id="{65966FA6-0481-E74C-B020-CE2EC5AD4553}"/>
+                <a16:creationId xmlns:a16="http://schemas.microsoft.com/office/drawing/2014/main" id="{65966FA6-0481-E74C-B020-CE2EC5AD4553}"/>
               </a:ext>
             </a:extLst>
           </p:cNvPr>
@@ -3235,7 +3217,7 @@
           <p:cNvPr id="2" name="Title Placeholder 1">
             <a:extLst>
               <a:ext uri="{FF2B5EF4-FFF2-40B4-BE49-F238E27FC236}">
-                <a16:creationId xmlns:a16="http://schemas.microsoft.com/office/drawing/2014/main" xmlns="" id="{CD2DEF36-CDDB-4C49-A6CD-A99D898F90A8}"/>
+                <a16:creationId xmlns:a16="http://schemas.microsoft.com/office/drawing/2014/main" id="{CD2DEF36-CDDB-4C49-A6CD-A99D898F90A8}"/>
               </a:ext>
             </a:extLst>
           </p:cNvPr>
@@ -3262,7 +3244,7 @@
           <a:lstStyle/>
           <a:p>
             <a:r>
-              <a:rPr lang="en-US" smtClean="0"/>
+              <a:rPr lang="en-US"/>
               <a:t>Click to edit Master title style</a:t>
             </a:r>
             <a:endParaRPr lang="en-US" dirty="0"/>
@@ -3274,7 +3256,7 @@
           <p:cNvPr id="3" name="Text Placeholder 2">
             <a:extLst>
               <a:ext uri="{FF2B5EF4-FFF2-40B4-BE49-F238E27FC236}">
-                <a16:creationId xmlns:a16="http://schemas.microsoft.com/office/drawing/2014/main" xmlns="" id="{064B4B30-356C-9846-B509-AC7C68F5C235}"/>
+                <a16:creationId xmlns:a16="http://schemas.microsoft.com/office/drawing/2014/main" id="{064B4B30-356C-9846-B509-AC7C68F5C235}"/>
               </a:ext>
             </a:extLst>
           </p:cNvPr>
@@ -3341,7 +3323,7 @@
           <p:cNvPr id="4" name="Date Placeholder 3">
             <a:extLst>
               <a:ext uri="{FF2B5EF4-FFF2-40B4-BE49-F238E27FC236}">
-                <a16:creationId xmlns:a16="http://schemas.microsoft.com/office/drawing/2014/main" xmlns="" id="{B31B3BF9-B9A0-8240-889B-D82F503CEA58}"/>
+                <a16:creationId xmlns:a16="http://schemas.microsoft.com/office/drawing/2014/main" id="{B31B3BF9-B9A0-8240-889B-D82F503CEA58}"/>
               </a:ext>
             </a:extLst>
           </p:cNvPr>
@@ -3377,7 +3359,7 @@
           <a:p>
             <a:fld id="{BE5295ED-3BAF-1140-8495-3D368771D6B1}" type="datetimeFigureOut">
               <a:rPr lang="en-US" smtClean="0"/>
-              <a:t>1/21/19</a:t>
+              <a:t>2/4/19</a:t>
             </a:fld>
             <a:endParaRPr lang="en-US"/>
           </a:p>
@@ -3388,7 +3370,7 @@
           <p:cNvPr id="5" name="Footer Placeholder 4">
             <a:extLst>
               <a:ext uri="{FF2B5EF4-FFF2-40B4-BE49-F238E27FC236}">
-                <a16:creationId xmlns:a16="http://schemas.microsoft.com/office/drawing/2014/main" xmlns="" id="{A7B03E69-EC06-8B44-9E5D-DAAB988B584E}"/>
+                <a16:creationId xmlns:a16="http://schemas.microsoft.com/office/drawing/2014/main" id="{A7B03E69-EC06-8B44-9E5D-DAAB988B584E}"/>
               </a:ext>
             </a:extLst>
           </p:cNvPr>
@@ -3431,7 +3413,7 @@
           <p:cNvPr id="6" name="Slide Number Placeholder 5">
             <a:extLst>
               <a:ext uri="{FF2B5EF4-FFF2-40B4-BE49-F238E27FC236}">
-                <a16:creationId xmlns:a16="http://schemas.microsoft.com/office/drawing/2014/main" xmlns="" id="{7CC6A4C2-258B-1E46-850A-BA76C2CB7B7E}"/>
+                <a16:creationId xmlns:a16="http://schemas.microsoft.com/office/drawing/2014/main" id="{7CC6A4C2-258B-1E46-850A-BA76C2CB7B7E}"/>
               </a:ext>
             </a:extLst>
           </p:cNvPr>
@@ -3478,7 +3460,7 @@
           <p:cNvPr id="7" name="Picture 6">
             <a:extLst>
               <a:ext uri="{FF2B5EF4-FFF2-40B4-BE49-F238E27FC236}">
-                <a16:creationId xmlns:a16="http://schemas.microsoft.com/office/drawing/2014/main" xmlns="" id="{F606D4DA-1395-A54D-AB1D-F496808E6208}"/>
+                <a16:creationId xmlns:a16="http://schemas.microsoft.com/office/drawing/2014/main" id="{F606D4DA-1395-A54D-AB1D-F496808E6208}"/>
               </a:ext>
             </a:extLst>
           </p:cNvPr>
@@ -3829,7 +3811,7 @@
           <p:cNvPr id="2" name="Title 1">
             <a:extLst>
               <a:ext uri="{FF2B5EF4-FFF2-40B4-BE49-F238E27FC236}">
-                <a16:creationId xmlns:a16="http://schemas.microsoft.com/office/drawing/2014/main" xmlns="" id="{DDB4A5C5-CE37-5241-A9FF-85F98EF1E91E}"/>
+                <a16:creationId xmlns:a16="http://schemas.microsoft.com/office/drawing/2014/main" id="{DDB4A5C5-CE37-5241-A9FF-85F98EF1E91E}"/>
               </a:ext>
             </a:extLst>
           </p:cNvPr>
@@ -3849,8 +3831,8 @@
           <a:p>
             <a:pPr algn="l"/>
             <a:r>
-              <a:rPr lang="en-US" b="1" dirty="0" smtClean="0"/>
-              <a:t>title</a:t>
+              <a:rPr lang="en-US" b="1" dirty="0"/>
+              <a:t>Searching</a:t>
             </a:r>
             <a:endParaRPr lang="en-US" dirty="0"/>
           </a:p>
@@ -3861,7 +3843,7 @@
           <p:cNvPr id="3" name="Subtitle 2">
             <a:extLst>
               <a:ext uri="{FF2B5EF4-FFF2-40B4-BE49-F238E27FC236}">
-                <a16:creationId xmlns:a16="http://schemas.microsoft.com/office/drawing/2014/main" xmlns="" id="{5EF75859-F09F-414F-8571-4D3854CD3C44}"/>
+                <a16:creationId xmlns:a16="http://schemas.microsoft.com/office/drawing/2014/main" id="{5EF75859-F09F-414F-8571-4D3854CD3C44}"/>
               </a:ext>
             </a:extLst>
           </p:cNvPr>
@@ -3885,10 +3867,6 @@
           <a:lstStyle/>
           <a:p>
             <a:pPr algn="l"/>
-            <a:r>
-              <a:rPr lang="en-US" dirty="0" smtClean="0"/>
-              <a:t>subtitle</a:t>
-            </a:r>
             <a:endParaRPr lang="en-US" dirty="0"/>
           </a:p>
         </p:txBody>
@@ -3898,7 +3876,7 @@
           <p:cNvPr id="5" name="Rectangle 4">
             <a:extLst>
               <a:ext uri="{FF2B5EF4-FFF2-40B4-BE49-F238E27FC236}">
-                <a16:creationId xmlns:a16="http://schemas.microsoft.com/office/drawing/2014/main" xmlns="" id="{39D37F11-0EC0-C645-ADE9-CE8BFDF0B2D4}"/>
+                <a16:creationId xmlns:a16="http://schemas.microsoft.com/office/drawing/2014/main" id="{39D37F11-0EC0-C645-ADE9-CE8BFDF0B2D4}"/>
               </a:ext>
             </a:extLst>
           </p:cNvPr>
@@ -3929,11 +3907,7 @@
             </a:br>
             <a:r>
               <a:rPr lang="en-US" b="1" dirty="0"/>
-              <a:t>University of San </a:t>
-            </a:r>
-            <a:r>
-              <a:rPr lang="en-US" b="1" dirty="0" smtClean="0"/>
-              <a:t>Francisco</a:t>
+              <a:t>University of San Francisco</a:t>
             </a:r>
             <a:endParaRPr lang="en-US" dirty="0"/>
           </a:p>
@@ -3974,7 +3948,7 @@
           <p:cNvPr id="2" name="Title 1">
             <a:extLst>
               <a:ext uri="{FF2B5EF4-FFF2-40B4-BE49-F238E27FC236}">
-                <a16:creationId xmlns:a16="http://schemas.microsoft.com/office/drawing/2014/main" xmlns="" id="{A185EBC6-4BD2-BC44-A1AC-AF91420A6115}"/>
+                <a16:creationId xmlns:a16="http://schemas.microsoft.com/office/drawing/2014/main" id="{ED798003-BDB8-ED43-9E87-05960D700963}"/>
               </a:ext>
             </a:extLst>
           </p:cNvPr>
@@ -3985,21 +3959,12 @@
             <p:ph type="title"/>
           </p:nvPr>
         </p:nvSpPr>
-        <p:spPr>
-          <a:xfrm>
-            <a:off x="506001" y="365125"/>
-            <a:ext cx="10847799" cy="1325563"/>
-          </a:xfrm>
-        </p:spPr>
+        <p:spPr/>
         <p:txBody>
           <a:bodyPr/>
           <a:lstStyle/>
           <a:p>
-            <a:r>
-              <a:rPr lang="en-US" dirty="0" smtClean="0"/>
-              <a:t>title</a:t>
-            </a:r>
-            <a:endParaRPr lang="en-US" dirty="0"/>
+            <a:endParaRPr lang="en-US"/>
           </a:p>
         </p:txBody>
       </p:sp>
@@ -4008,7 +3973,7 @@
           <p:cNvPr id="3" name="Content Placeholder 2">
             <a:extLst>
               <a:ext uri="{FF2B5EF4-FFF2-40B4-BE49-F238E27FC236}">
-                <a16:creationId xmlns:a16="http://schemas.microsoft.com/office/drawing/2014/main" xmlns="" id="{6E86806C-58D4-C149-BBDA-6F730B8C6887}"/>
+                <a16:creationId xmlns:a16="http://schemas.microsoft.com/office/drawing/2014/main" id="{5EB237E2-4FB5-FC4B-937F-D3E170BA652A}"/>
               </a:ext>
             </a:extLst>
           </p:cNvPr>
@@ -4019,28 +3984,61 @@
             <p:ph idx="1"/>
           </p:nvPr>
         </p:nvSpPr>
-        <p:spPr>
-          <a:xfrm>
-            <a:off x="506001" y="1805076"/>
-            <a:ext cx="11155167" cy="4351338"/>
-          </a:xfrm>
-        </p:spPr>
+        <p:spPr/>
         <p:txBody>
           <a:bodyPr/>
           <a:lstStyle/>
           <a:p>
             <a:r>
-              <a:rPr lang="en-US" dirty="0" smtClean="0"/>
-              <a:t>stuff</a:t>
-            </a:r>
-            <a:endParaRPr lang="en-US" dirty="0"/>
+              <a:rPr lang="en-US" dirty="0"/>
+              <a:t>linear</a:t>
+            </a:r>
+          </a:p>
+          <a:p>
+            <a:r>
+              <a:rPr lang="en-US" dirty="0"/>
+              <a:t>binary</a:t>
+            </a:r>
+          </a:p>
+          <a:p>
+            <a:r>
+              <a:rPr lang="en-US" dirty="0"/>
+              <a:t>binary search tree</a:t>
+            </a:r>
+          </a:p>
+          <a:p>
+            <a:r>
+              <a:rPr lang="en-US" dirty="0"/>
+              <a:t>hash table</a:t>
+            </a:r>
+          </a:p>
+          <a:p>
+            <a:r>
+              <a:rPr lang="en-US" dirty="0" err="1"/>
+              <a:t>Trie</a:t>
+            </a:r>
+            <a:r>
+              <a:rPr lang="en-US" dirty="0"/>
+              <a:t>; if strings are very long, comparing at each node or against lots of other keys can be very slow. Better to use the key to help us navigate and do a comparison only the end. </a:t>
+            </a:r>
+            <a:r>
+              <a:rPr lang="en-US" dirty="0" err="1"/>
+              <a:t>trie</a:t>
+            </a:r>
+            <a:r>
+              <a:rPr lang="en-US"/>
+              <a:t> Can be up to a certain depth and then we search from their, simulating a hash table like thing.</a:t>
+            </a:r>
+          </a:p>
+          <a:p>
+            <a:endParaRPr lang="en-US"/>
           </a:p>
         </p:txBody>
       </p:sp>
     </p:spTree>
     <p:extLst>
       <p:ext uri="{BB962C8B-B14F-4D97-AF65-F5344CB8AC3E}">
-        <p14:creationId xmlns:p14="http://schemas.microsoft.com/office/powerpoint/2010/main" val="2439290592"/>
+        <p14:creationId xmlns:p14="http://schemas.microsoft.com/office/powerpoint/2010/main" val="3269235379"/>
       </p:ext>
     </p:extLst>
   </p:cSld>
@@ -4069,7 +4067,13 @@
       </p:grpSpPr>
       <p:sp>
         <p:nvSpPr>
-          <p:cNvPr id="2" name="Title 1"/>
+          <p:cNvPr id="2" name="Title 1">
+            <a:extLst>
+              <a:ext uri="{FF2B5EF4-FFF2-40B4-BE49-F238E27FC236}">
+                <a16:creationId xmlns:a16="http://schemas.microsoft.com/office/drawing/2014/main" id="{ACBF85EB-2A64-0149-B03A-5F11B2A1D5F1}"/>
+              </a:ext>
+            </a:extLst>
+          </p:cNvPr>
           <p:cNvSpPr>
             <a:spLocks noGrp="1"/>
           </p:cNvSpPr>
@@ -4083,288 +4087,85 @@
           <a:lstStyle/>
           <a:p>
             <a:r>
-              <a:rPr lang="en-US" dirty="0" smtClean="0"/>
-              <a:t>Binary search</a:t>
+              <a:rPr lang="en-US" dirty="0"/>
+              <a:t>pattern matching</a:t>
+            </a:r>
+          </a:p>
+        </p:txBody>
+      </p:sp>
+      <p:sp>
+        <p:nvSpPr>
+          <p:cNvPr id="3" name="Content Placeholder 2">
+            <a:extLst>
+              <a:ext uri="{FF2B5EF4-FFF2-40B4-BE49-F238E27FC236}">
+                <a16:creationId xmlns:a16="http://schemas.microsoft.com/office/drawing/2014/main" id="{AF9B1CA4-509A-F749-8370-9BF64615DA76}"/>
+              </a:ext>
+            </a:extLst>
+          </p:cNvPr>
+          <p:cNvSpPr>
+            <a:spLocks noGrp="1"/>
+          </p:cNvSpPr>
+          <p:nvPr>
+            <p:ph idx="1"/>
+          </p:nvPr>
+        </p:nvSpPr>
+        <p:spPr/>
+        <p:txBody>
+          <a:bodyPr>
+            <a:normAutofit fontScale="92500" lnSpcReduction="10000"/>
+          </a:bodyPr>
+          <a:lstStyle/>
+          <a:p>
+            <a:r>
+              <a:rPr lang="en-US" dirty="0"/>
+              <a:t>given a text of length n and a pattern of length m, find an occurrence of the pattern or all occurrences. </a:t>
+            </a:r>
+          </a:p>
+          <a:p>
+            <a:r>
+              <a:rPr lang="en-US" dirty="0"/>
+              <a:t>brute force is O(nm).  </a:t>
+            </a:r>
+          </a:p>
+          <a:p>
+            <a:r>
+              <a:rPr lang="en-US" dirty="0"/>
+              <a:t>theoretical best case algorithm exists for O(n + m).</a:t>
+            </a:r>
+          </a:p>
+          <a:p>
+            <a:r>
+              <a:rPr lang="en-US" dirty="0"/>
+              <a:t>break text into fixed sized windows/chunks, and create a hash table from all of those. then lookups can be O(1) to find the pattern up to a fixed  length. but the target of the hash could also be a list of all the locations for that prefix of size k.</a:t>
+            </a:r>
+          </a:p>
+          <a:p>
+            <a:r>
+              <a:rPr lang="en-US" dirty="0"/>
+              <a:t>string searching (Rabin-Karp) </a:t>
+            </a:r>
+            <a:r>
+              <a:rPr lang="en-US" dirty="0">
+                <a:hlinkClick r:id="rId2"/>
+              </a:rPr>
+              <a:t>https://en.wikipedia.org/wiki/Rabin%E2%80%93Karp_algorithm</a:t>
+            </a:r>
+            <a:r>
+              <a:rPr lang="en-US" dirty="0"/>
+              <a:t> are better than nm but I prefer using </a:t>
+            </a:r>
+            <a:r>
+              <a:rPr lang="en-US" dirty="0" err="1"/>
+              <a:t>trie</a:t>
             </a:r>
             <a:endParaRPr lang="en-US" dirty="0"/>
-          </a:p>
-        </p:txBody>
-      </p:sp>
-      <p:sp>
-        <p:nvSpPr>
-          <p:cNvPr id="3" name="Content Placeholder 2"/>
-          <p:cNvSpPr>
-            <a:spLocks noGrp="1"/>
-          </p:cNvSpPr>
-          <p:nvPr>
-            <p:ph idx="1"/>
-          </p:nvPr>
-        </p:nvSpPr>
-        <p:spPr/>
-        <p:txBody>
-          <a:bodyPr/>
-          <a:lstStyle/>
-          <a:p>
-            <a:r>
-              <a:rPr lang="en-US" dirty="0" smtClean="0"/>
-              <a:t>If we know data is sorted, we can search faster than linearly</a:t>
-            </a:r>
-          </a:p>
-          <a:p>
-            <a:r>
-              <a:rPr lang="en-US" dirty="0" smtClean="0"/>
-              <a:t>Means we don’t have to examine every element worst-case</a:t>
-            </a:r>
-            <a:endParaRPr lang="en-US" dirty="0"/>
-          </a:p>
-        </p:txBody>
-      </p:sp>
-      <p:pic>
-        <p:nvPicPr>
-          <p:cNvPr id="6" name="Picture 5"/>
-          <p:cNvPicPr>
-            <a:picLocks noChangeAspect="1"/>
-          </p:cNvPicPr>
-          <p:nvPr/>
-        </p:nvPicPr>
-        <p:blipFill>
-          <a:blip r:embed="rId2">
-            <a:extLst>
-              <a:ext uri="{28A0092B-C50C-407E-A947-70E740481C1C}">
-                <a14:useLocalDpi xmlns:a14="http://schemas.microsoft.com/office/drawing/2010/main" val="0"/>
-              </a:ext>
-            </a:extLst>
-          </a:blip>
-          <a:stretch>
-            <a:fillRect/>
-          </a:stretch>
-        </p:blipFill>
-        <p:spPr>
-          <a:xfrm>
-            <a:off x="8319797" y="3368158"/>
-            <a:ext cx="3649215" cy="2713112"/>
-          </a:xfrm>
-          <a:prstGeom prst="rect">
-            <a:avLst/>
-          </a:prstGeom>
-        </p:spPr>
-      </p:pic>
-      <p:sp>
-        <p:nvSpPr>
-          <p:cNvPr id="7" name="Rectangle 6"/>
-          <p:cNvSpPr/>
-          <p:nvPr/>
-        </p:nvSpPr>
-        <p:spPr>
-          <a:xfrm>
-            <a:off x="297415" y="6311900"/>
-            <a:ext cx="7453720" cy="307777"/>
-          </a:xfrm>
-          <a:prstGeom prst="rect">
-            <a:avLst/>
-          </a:prstGeom>
-        </p:spPr>
-        <p:txBody>
-          <a:bodyPr wrap="square">
-            <a:spAutoFit/>
-          </a:bodyPr>
-          <a:lstStyle/>
-          <a:p>
-            <a:r>
-              <a:rPr lang="en-US" sz="1400" smtClean="0"/>
-              <a:t>See http</a:t>
-            </a:r>
-            <a:r>
-              <a:rPr lang="en-US" sz="1400" dirty="0"/>
-              <a:t>://</a:t>
-            </a:r>
-            <a:r>
-              <a:rPr lang="en-US" sz="1400" dirty="0" err="1"/>
-              <a:t>interactivepython.org</a:t>
-            </a:r>
-            <a:r>
-              <a:rPr lang="en-US" sz="1400" dirty="0"/>
-              <a:t>/</a:t>
-            </a:r>
-            <a:r>
-              <a:rPr lang="en-US" sz="1400" dirty="0" err="1"/>
-              <a:t>runestone</a:t>
-            </a:r>
-            <a:r>
-              <a:rPr lang="en-US" sz="1400" dirty="0"/>
-              <a:t>/static/</a:t>
-            </a:r>
-            <a:r>
-              <a:rPr lang="en-US" sz="1400" dirty="0" err="1"/>
-              <a:t>pythonds</a:t>
-            </a:r>
-            <a:r>
-              <a:rPr lang="en-US" sz="1400" dirty="0"/>
-              <a:t>/</a:t>
-            </a:r>
-            <a:r>
-              <a:rPr lang="en-US" sz="1400" dirty="0" err="1"/>
-              <a:t>SortSearch</a:t>
-            </a:r>
-            <a:r>
-              <a:rPr lang="en-US" sz="1400" dirty="0"/>
-              <a:t>/</a:t>
-            </a:r>
-            <a:r>
-              <a:rPr lang="en-US" sz="1400" dirty="0" err="1"/>
-              <a:t>TheBinarySearch.html</a:t>
-            </a:r>
-            <a:endParaRPr lang="en-US" sz="1400" dirty="0"/>
-          </a:p>
-        </p:txBody>
-      </p:sp>
-      <p:sp>
-        <p:nvSpPr>
-          <p:cNvPr id="10" name="TextBox 9"/>
-          <p:cNvSpPr txBox="1"/>
-          <p:nvPr/>
-        </p:nvSpPr>
-        <p:spPr>
-          <a:xfrm>
-            <a:off x="395914" y="3076720"/>
-            <a:ext cx="7823054" cy="2308324"/>
-          </a:xfrm>
-          <a:prstGeom prst="rect">
-            <a:avLst/>
-          </a:prstGeom>
-          <a:noFill/>
-          <a:ln>
-            <a:solidFill>
-              <a:schemeClr val="accent1"/>
-            </a:solidFill>
-          </a:ln>
-        </p:spPr>
-        <p:txBody>
-          <a:bodyPr wrap="square" rtlCol="0">
-            <a:spAutoFit/>
-          </a:bodyPr>
-          <a:lstStyle/>
-          <a:p>
-            <a:r>
-              <a:rPr lang="en-US" sz="2400" dirty="0" smtClean="0">
-                <a:latin typeface="Monaco" charset="0"/>
-                <a:ea typeface="Monaco" charset="0"/>
-                <a:cs typeface="Monaco" charset="0"/>
-              </a:rPr>
-              <a:t>left = 0; right = n-1</a:t>
-            </a:r>
-          </a:p>
-          <a:p>
-            <a:r>
-              <a:rPr lang="en-US" sz="2400" dirty="0" smtClean="0">
-                <a:latin typeface="Monaco" charset="0"/>
-                <a:ea typeface="Monaco" charset="0"/>
-                <a:cs typeface="Monaco" charset="0"/>
-              </a:rPr>
-              <a:t>while left&lt;=right:    </a:t>
-            </a:r>
-            <a:endParaRPr lang="en-US" sz="2400" dirty="0">
-              <a:latin typeface="Monaco" charset="0"/>
-              <a:ea typeface="Monaco" charset="0"/>
-              <a:cs typeface="Monaco" charset="0"/>
-            </a:endParaRPr>
-          </a:p>
-          <a:p>
-            <a:r>
-              <a:rPr lang="en-US" sz="2400" dirty="0" smtClean="0">
-                <a:latin typeface="Monaco" charset="0"/>
-                <a:ea typeface="Monaco" charset="0"/>
-                <a:cs typeface="Monaco" charset="0"/>
-              </a:rPr>
-              <a:t>    mid </a:t>
-            </a:r>
-            <a:r>
-              <a:rPr lang="en-US" sz="2400" dirty="0">
-                <a:latin typeface="Monaco" charset="0"/>
-                <a:ea typeface="Monaco" charset="0"/>
-                <a:cs typeface="Monaco" charset="0"/>
-              </a:rPr>
-              <a:t>= (first + last</a:t>
-            </a:r>
-            <a:r>
-              <a:rPr lang="en-US" sz="2400" dirty="0" smtClean="0">
-                <a:latin typeface="Monaco" charset="0"/>
-                <a:ea typeface="Monaco" charset="0"/>
-                <a:cs typeface="Monaco" charset="0"/>
-              </a:rPr>
-              <a:t>)/2</a:t>
-            </a:r>
-          </a:p>
-          <a:p>
-            <a:r>
-              <a:rPr lang="en-US" sz="2400" dirty="0">
-                <a:latin typeface="Monaco" charset="0"/>
-                <a:ea typeface="Monaco" charset="0"/>
-                <a:cs typeface="Monaco" charset="0"/>
-              </a:rPr>
-              <a:t> </a:t>
-            </a:r>
-            <a:r>
-              <a:rPr lang="en-US" sz="2400" dirty="0" smtClean="0">
-                <a:latin typeface="Monaco" charset="0"/>
-                <a:ea typeface="Monaco" charset="0"/>
-                <a:cs typeface="Monaco" charset="0"/>
-              </a:rPr>
-              <a:t>   if a[mid]==x: return </a:t>
-            </a:r>
-            <a:r>
-              <a:rPr lang="en-US" sz="2400" dirty="0">
-                <a:latin typeface="Monaco" charset="0"/>
-                <a:ea typeface="Monaco" charset="0"/>
-                <a:cs typeface="Monaco" charset="0"/>
-              </a:rPr>
-              <a:t>mid </a:t>
-            </a:r>
-            <a:endParaRPr lang="en-US" sz="2400" dirty="0" smtClean="0">
-              <a:latin typeface="Monaco" charset="0"/>
-              <a:ea typeface="Monaco" charset="0"/>
-              <a:cs typeface="Monaco" charset="0"/>
-            </a:endParaRPr>
-          </a:p>
-          <a:p>
-            <a:r>
-              <a:rPr lang="en-US" sz="2400" dirty="0" smtClean="0">
-                <a:latin typeface="Monaco" charset="0"/>
-                <a:ea typeface="Monaco" charset="0"/>
-                <a:cs typeface="Monaco" charset="0"/>
-              </a:rPr>
-              <a:t>    if x &lt; a[mid]: right = mid-1</a:t>
-            </a:r>
-          </a:p>
-          <a:p>
-            <a:r>
-              <a:rPr lang="en-US" sz="2400" dirty="0">
-                <a:latin typeface="Monaco" charset="0"/>
-                <a:ea typeface="Monaco" charset="0"/>
-                <a:cs typeface="Monaco" charset="0"/>
-              </a:rPr>
-              <a:t> </a:t>
-            </a:r>
-            <a:r>
-              <a:rPr lang="en-US" sz="2400" dirty="0" smtClean="0">
-                <a:latin typeface="Monaco" charset="0"/>
-                <a:ea typeface="Monaco" charset="0"/>
-                <a:cs typeface="Monaco" charset="0"/>
-              </a:rPr>
-              <a:t>   else: left = mid+1</a:t>
-            </a:r>
-            <a:endParaRPr lang="en-US" sz="2400" dirty="0">
-              <a:latin typeface="Monaco" charset="0"/>
-              <a:ea typeface="Monaco" charset="0"/>
-              <a:cs typeface="Monaco" charset="0"/>
-            </a:endParaRPr>
           </a:p>
         </p:txBody>
       </p:sp>
     </p:spTree>
     <p:extLst>
       <p:ext uri="{BB962C8B-B14F-4D97-AF65-F5344CB8AC3E}">
-        <p14:creationId xmlns:p14="http://schemas.microsoft.com/office/powerpoint/2010/main" val="1244669942"/>
+        <p14:creationId xmlns:p14="http://schemas.microsoft.com/office/powerpoint/2010/main" val="434236956"/>
       </p:ext>
     </p:extLst>
   </p:cSld>
@@ -4393,13 +4194,7 @@
       </p:grpSpPr>
       <p:sp>
         <p:nvSpPr>
-          <p:cNvPr id="2" name="Title 1">
-            <a:extLst>
-              <a:ext uri="{FF2B5EF4-FFF2-40B4-BE49-F238E27FC236}">
-                <a16:creationId xmlns:a16="http://schemas.microsoft.com/office/drawing/2014/main" xmlns="" id="{15B653DF-196F-B948-A99F-64195A19F661}"/>
-              </a:ext>
-            </a:extLst>
-          </p:cNvPr>
+          <p:cNvPr id="9" name="Title 1"/>
           <p:cNvSpPr>
             <a:spLocks noGrp="1"/>
           </p:cNvSpPr>
@@ -4407,48 +4202,367 @@
             <p:ph type="title"/>
           </p:nvPr>
         </p:nvSpPr>
-        <p:spPr/>
+        <p:spPr>
+          <a:xfrm>
+            <a:off x="838200" y="365125"/>
+            <a:ext cx="10515600" cy="1325563"/>
+          </a:xfrm>
+        </p:spPr>
         <p:txBody>
           <a:bodyPr/>
           <a:lstStyle/>
           <a:p>
             <a:r>
-              <a:rPr lang="en-US" dirty="0" smtClean="0"/>
-              <a:t>title</a:t>
-            </a:r>
-            <a:endParaRPr lang="en-US" dirty="0"/>
-          </a:p>
-        </p:txBody>
-      </p:sp>
-      <p:sp>
-        <p:nvSpPr>
-          <p:cNvPr id="3" name="Text Placeholder 2">
-            <a:extLst>
-              <a:ext uri="{FF2B5EF4-FFF2-40B4-BE49-F238E27FC236}">
-                <a16:creationId xmlns:a16="http://schemas.microsoft.com/office/drawing/2014/main" xmlns="" id="{A130551D-F101-0A4F-AFCF-264470ACE062}"/>
-              </a:ext>
-            </a:extLst>
-          </p:cNvPr>
-          <p:cNvSpPr>
-            <a:spLocks noGrp="1"/>
-          </p:cNvSpPr>
-          <p:nvPr>
-            <p:ph type="body" idx="1"/>
-          </p:nvPr>
-        </p:nvSpPr>
-        <p:spPr/>
+              <a:rPr lang="en-US" i="1" dirty="0"/>
+              <a:t>Binary search</a:t>
+            </a:r>
+          </a:p>
+        </p:txBody>
+      </p:sp>
+      <p:sp>
+        <p:nvSpPr>
+          <p:cNvPr id="10" name="Content Placeholder 2"/>
+          <p:cNvSpPr>
+            <a:spLocks noGrp="1"/>
+          </p:cNvSpPr>
+          <p:nvPr>
+            <p:ph idx="1"/>
+          </p:nvPr>
+        </p:nvSpPr>
+        <p:spPr>
+          <a:xfrm>
+            <a:off x="838199" y="1550020"/>
+            <a:ext cx="10836349" cy="4626943"/>
+          </a:xfrm>
+        </p:spPr>
         <p:txBody>
           <a:bodyPr/>
           <a:lstStyle/>
           <a:p>
-            <a:endParaRPr lang="en-US"/>
+            <a:r>
+              <a:rPr lang="en-US" dirty="0"/>
+              <a:t>If we know data is sorted, we can search much faster than linearly</a:t>
+            </a:r>
+          </a:p>
+          <a:p>
+            <a:r>
+              <a:rPr lang="en-US" dirty="0"/>
+              <a:t>Means we don’t have to examine every element even worst-case</a:t>
+            </a:r>
+          </a:p>
+        </p:txBody>
+      </p:sp>
+      <p:pic>
+        <p:nvPicPr>
+          <p:cNvPr id="11" name="Picture 10"/>
+          <p:cNvPicPr>
+            <a:picLocks noChangeAspect="1"/>
+          </p:cNvPicPr>
+          <p:nvPr/>
+        </p:nvPicPr>
+        <p:blipFill>
+          <a:blip r:embed="rId2">
+            <a:extLst>
+              <a:ext uri="{28A0092B-C50C-407E-A947-70E740481C1C}">
+                <a14:useLocalDpi xmlns:a14="http://schemas.microsoft.com/office/drawing/2010/main" val="0"/>
+              </a:ext>
+            </a:extLst>
+          </a:blip>
+          <a:stretch>
+            <a:fillRect/>
+          </a:stretch>
+        </p:blipFill>
+        <p:spPr>
+          <a:xfrm>
+            <a:off x="7848852" y="2764499"/>
+            <a:ext cx="3649215" cy="2713112"/>
+          </a:xfrm>
+          <a:prstGeom prst="rect">
+            <a:avLst/>
+          </a:prstGeom>
+        </p:spPr>
+      </p:pic>
+      <p:sp>
+        <p:nvSpPr>
+          <p:cNvPr id="12" name="Rectangle 11"/>
+          <p:cNvSpPr/>
+          <p:nvPr/>
+        </p:nvSpPr>
+        <p:spPr>
+          <a:xfrm>
+            <a:off x="297415" y="6311900"/>
+            <a:ext cx="7453720" cy="307777"/>
+          </a:xfrm>
+          <a:prstGeom prst="rect">
+            <a:avLst/>
+          </a:prstGeom>
+        </p:spPr>
+        <p:txBody>
+          <a:bodyPr wrap="square">
+            <a:spAutoFit/>
+          </a:bodyPr>
+          <a:lstStyle/>
+          <a:p>
+            <a:r>
+              <a:rPr lang="en-US" sz="1400"/>
+              <a:t>See http</a:t>
+            </a:r>
+            <a:r>
+              <a:rPr lang="en-US" sz="1400" dirty="0"/>
+              <a:t>://</a:t>
+            </a:r>
+            <a:r>
+              <a:rPr lang="en-US" sz="1400" dirty="0" err="1"/>
+              <a:t>interactivepython.org</a:t>
+            </a:r>
+            <a:r>
+              <a:rPr lang="en-US" sz="1400" dirty="0"/>
+              <a:t>/</a:t>
+            </a:r>
+            <a:r>
+              <a:rPr lang="en-US" sz="1400" dirty="0" err="1"/>
+              <a:t>runestone</a:t>
+            </a:r>
+            <a:r>
+              <a:rPr lang="en-US" sz="1400" dirty="0"/>
+              <a:t>/static/</a:t>
+            </a:r>
+            <a:r>
+              <a:rPr lang="en-US" sz="1400" dirty="0" err="1"/>
+              <a:t>pythonds</a:t>
+            </a:r>
+            <a:r>
+              <a:rPr lang="en-US" sz="1400" dirty="0"/>
+              <a:t>/</a:t>
+            </a:r>
+            <a:r>
+              <a:rPr lang="en-US" sz="1400" dirty="0" err="1"/>
+              <a:t>SortSearch</a:t>
+            </a:r>
+            <a:r>
+              <a:rPr lang="en-US" sz="1400" dirty="0"/>
+              <a:t>/</a:t>
+            </a:r>
+            <a:r>
+              <a:rPr lang="en-US" sz="1400" dirty="0" err="1"/>
+              <a:t>TheBinarySearch.html</a:t>
+            </a:r>
+            <a:endParaRPr lang="en-US" sz="1400" dirty="0"/>
+          </a:p>
+        </p:txBody>
+      </p:sp>
+      <p:sp>
+        <p:nvSpPr>
+          <p:cNvPr id="13" name="TextBox 12"/>
+          <p:cNvSpPr txBox="1"/>
+          <p:nvPr/>
+        </p:nvSpPr>
+        <p:spPr>
+          <a:xfrm>
+            <a:off x="867719" y="2720672"/>
+            <a:ext cx="6313111" cy="2800767"/>
+          </a:xfrm>
+          <a:prstGeom prst="rect">
+            <a:avLst/>
+          </a:prstGeom>
+          <a:noFill/>
+          <a:ln>
+            <a:solidFill>
+              <a:schemeClr val="accent1"/>
+            </a:solidFill>
+          </a:ln>
+        </p:spPr>
+        <p:txBody>
+          <a:bodyPr wrap="square" rtlCol="0">
+            <a:spAutoFit/>
+          </a:bodyPr>
+          <a:lstStyle/>
+          <a:p>
+            <a:r>
+              <a:rPr lang="en-US" sz="2200" dirty="0">
+                <a:latin typeface="Monaco" charset="0"/>
+                <a:ea typeface="Monaco" charset="0"/>
+                <a:cs typeface="Monaco" charset="0"/>
+              </a:rPr>
+              <a:t>def </a:t>
+            </a:r>
+            <a:r>
+              <a:rPr lang="en-US" sz="2200" dirty="0" err="1">
+                <a:latin typeface="Monaco" charset="0"/>
+                <a:ea typeface="Monaco" charset="0"/>
+                <a:cs typeface="Monaco" charset="0"/>
+              </a:rPr>
+              <a:t>binsearch</a:t>
+            </a:r>
+            <a:r>
+              <a:rPr lang="en-US" sz="2200" dirty="0">
+                <a:latin typeface="Monaco" charset="0"/>
+                <a:ea typeface="Monaco" charset="0"/>
+                <a:cs typeface="Monaco" charset="0"/>
+              </a:rPr>
+              <a:t>(</a:t>
+            </a:r>
+            <a:r>
+              <a:rPr lang="en-US" sz="2200" dirty="0" err="1">
+                <a:latin typeface="Monaco" charset="0"/>
+                <a:ea typeface="Monaco" charset="0"/>
+                <a:cs typeface="Monaco" charset="0"/>
+              </a:rPr>
+              <a:t>a,x</a:t>
+            </a:r>
+            <a:r>
+              <a:rPr lang="en-US" sz="2200" dirty="0">
+                <a:latin typeface="Monaco" charset="0"/>
+                <a:ea typeface="Monaco" charset="0"/>
+                <a:cs typeface="Monaco" charset="0"/>
+              </a:rPr>
+              <a:t>):</a:t>
+            </a:r>
+          </a:p>
+          <a:p>
+            <a:r>
+              <a:rPr lang="en-US" sz="2200" dirty="0">
+                <a:latin typeface="Monaco" charset="0"/>
+                <a:ea typeface="Monaco" charset="0"/>
+                <a:cs typeface="Monaco" charset="0"/>
+              </a:rPr>
+              <a:t>    left = 0; right = </a:t>
+            </a:r>
+            <a:r>
+              <a:rPr lang="en-US" sz="2200" dirty="0" err="1">
+                <a:latin typeface="Monaco" charset="0"/>
+                <a:ea typeface="Monaco" charset="0"/>
+                <a:cs typeface="Monaco" charset="0"/>
+              </a:rPr>
+              <a:t>len</a:t>
+            </a:r>
+            <a:r>
+              <a:rPr lang="en-US" sz="2200" dirty="0">
+                <a:latin typeface="Monaco" charset="0"/>
+                <a:ea typeface="Monaco" charset="0"/>
+                <a:cs typeface="Monaco" charset="0"/>
+              </a:rPr>
+              <a:t>(a)-1</a:t>
+            </a:r>
+          </a:p>
+          <a:p>
+            <a:r>
+              <a:rPr lang="en-US" sz="2200" dirty="0">
+                <a:latin typeface="Monaco" charset="0"/>
+                <a:ea typeface="Monaco" charset="0"/>
+                <a:cs typeface="Monaco" charset="0"/>
+              </a:rPr>
+              <a:t>    while left&lt;=right:    </a:t>
+            </a:r>
+          </a:p>
+          <a:p>
+            <a:r>
+              <a:rPr lang="en-US" sz="2200" dirty="0">
+                <a:latin typeface="Monaco" charset="0"/>
+                <a:ea typeface="Monaco" charset="0"/>
+                <a:cs typeface="Monaco" charset="0"/>
+              </a:rPr>
+              <a:t>        mid = </a:t>
+            </a:r>
+            <a:r>
+              <a:rPr lang="en-US" sz="2200" dirty="0" err="1">
+                <a:latin typeface="Monaco" charset="0"/>
+                <a:ea typeface="Monaco" charset="0"/>
+                <a:cs typeface="Monaco" charset="0"/>
+              </a:rPr>
+              <a:t>int</a:t>
+            </a:r>
+            <a:r>
+              <a:rPr lang="en-US" sz="2200" dirty="0">
+                <a:latin typeface="Monaco" charset="0"/>
+                <a:ea typeface="Monaco" charset="0"/>
+                <a:cs typeface="Monaco" charset="0"/>
+              </a:rPr>
+              <a:t>((left + right)/2)</a:t>
+            </a:r>
+          </a:p>
+          <a:p>
+            <a:r>
+              <a:rPr lang="en-US" sz="2200" dirty="0">
+                <a:latin typeface="Monaco" charset="0"/>
+                <a:ea typeface="Monaco" charset="0"/>
+                <a:cs typeface="Monaco" charset="0"/>
+              </a:rPr>
+              <a:t>        if a[mid]==x: return mid </a:t>
+            </a:r>
+          </a:p>
+          <a:p>
+            <a:r>
+              <a:rPr lang="en-US" sz="2200" dirty="0">
+                <a:latin typeface="Monaco" charset="0"/>
+                <a:ea typeface="Monaco" charset="0"/>
+                <a:cs typeface="Monaco" charset="0"/>
+              </a:rPr>
+              <a:t>        if x &lt; a[mid]: right = mid-1</a:t>
+            </a:r>
+          </a:p>
+          <a:p>
+            <a:r>
+              <a:rPr lang="en-US" sz="2200" dirty="0">
+                <a:latin typeface="Monaco" charset="0"/>
+                <a:ea typeface="Monaco" charset="0"/>
+                <a:cs typeface="Monaco" charset="0"/>
+              </a:rPr>
+              <a:t>        else: left = mid+1</a:t>
+            </a:r>
+          </a:p>
+          <a:p>
+            <a:r>
+              <a:rPr lang="en-US" sz="2200" dirty="0">
+                <a:latin typeface="Monaco" charset="0"/>
+                <a:ea typeface="Monaco" charset="0"/>
+                <a:cs typeface="Monaco" charset="0"/>
+              </a:rPr>
+              <a:t>    return -1</a:t>
+            </a:r>
+          </a:p>
+        </p:txBody>
+      </p:sp>
+      <p:sp>
+        <p:nvSpPr>
+          <p:cNvPr id="14" name="Rectangle 13"/>
+          <p:cNvSpPr/>
+          <p:nvPr/>
+        </p:nvSpPr>
+        <p:spPr>
+          <a:xfrm>
+            <a:off x="297415" y="5715298"/>
+            <a:ext cx="10230686" cy="461665"/>
+          </a:xfrm>
+          <a:prstGeom prst="rect">
+            <a:avLst/>
+          </a:prstGeom>
+        </p:spPr>
+        <p:txBody>
+          <a:bodyPr wrap="none">
+            <a:spAutoFit/>
+          </a:bodyPr>
+          <a:lstStyle/>
+          <a:p>
+            <a:r>
+              <a:rPr lang="en-US" sz="2400" dirty="0">
+                <a:solidFill>
+                  <a:srgbClr val="C00000"/>
+                </a:solidFill>
+              </a:rPr>
+              <a:t>Exercise</a:t>
+            </a:r>
+            <a:r>
+              <a:rPr lang="en-US" sz="2400" dirty="0"/>
+              <a:t>: What is complexity? Show recurrence relation then closed form.</a:t>
+            </a:r>
           </a:p>
         </p:txBody>
       </p:sp>
     </p:spTree>
     <p:extLst>
       <p:ext uri="{BB962C8B-B14F-4D97-AF65-F5344CB8AC3E}">
-        <p14:creationId xmlns:p14="http://schemas.microsoft.com/office/powerpoint/2010/main" val="100416545"/>
+        <p14:creationId xmlns:p14="http://schemas.microsoft.com/office/powerpoint/2010/main" val="2363239464"/>
       </p:ext>
     </p:extLst>
   </p:cSld>
@@ -4480,7 +4594,7 @@
           <p:cNvPr id="2" name="Title 1">
             <a:extLst>
               <a:ext uri="{FF2B5EF4-FFF2-40B4-BE49-F238E27FC236}">
-                <a16:creationId xmlns:a16="http://schemas.microsoft.com/office/drawing/2014/main" xmlns="" id="{A635CC5E-35CB-EE4F-92B1-28E459CFA7DA}"/>
+                <a16:creationId xmlns:a16="http://schemas.microsoft.com/office/drawing/2014/main" id="{09C1B5BB-CBC3-2E42-9D5F-75DBE3EC8D88}"/>
               </a:ext>
             </a:extLst>
           </p:cNvPr>
@@ -4491,55 +4605,363 @@
             <p:ph type="title"/>
           </p:nvPr>
         </p:nvSpPr>
-        <p:spPr/>
+        <p:spPr>
+          <a:xfrm>
+            <a:off x="827926" y="129169"/>
+            <a:ext cx="10515600" cy="817385"/>
+          </a:xfrm>
+        </p:spPr>
         <p:txBody>
           <a:bodyPr/>
           <a:lstStyle/>
           <a:p>
             <a:r>
-              <a:rPr lang="en-US" dirty="0" smtClean="0"/>
-              <a:t>title</a:t>
-            </a:r>
-            <a:endParaRPr lang="en-US" dirty="0"/>
-          </a:p>
-        </p:txBody>
-      </p:sp>
-      <p:sp>
-        <p:nvSpPr>
-          <p:cNvPr id="4" name="Content Placeholder 3"/>
-          <p:cNvSpPr>
-            <a:spLocks noGrp="1"/>
-          </p:cNvSpPr>
-          <p:nvPr>
-            <p:ph idx="1"/>
-          </p:nvPr>
-        </p:nvSpPr>
-        <p:spPr/>
-        <p:txBody>
-          <a:bodyPr/>
-          <a:lstStyle/>
-          <a:p>
-            <a:endParaRPr lang="en-US"/>
+              <a:rPr lang="en-US" dirty="0"/>
+              <a:t>Compare to (tail-)recursive version</a:t>
+            </a:r>
+          </a:p>
+        </p:txBody>
+      </p:sp>
+      <p:sp>
+        <p:nvSpPr>
+          <p:cNvPr id="4" name="TextBox 3">
+            <a:extLst>
+              <a:ext uri="{FF2B5EF4-FFF2-40B4-BE49-F238E27FC236}">
+                <a16:creationId xmlns:a16="http://schemas.microsoft.com/office/drawing/2014/main" id="{7E7BCA4B-0623-3A41-A4D9-0AF68320BA90}"/>
+              </a:ext>
+            </a:extLst>
+          </p:cNvPr>
+          <p:cNvSpPr txBox="1"/>
+          <p:nvPr/>
+        </p:nvSpPr>
+        <p:spPr>
+          <a:xfrm>
+            <a:off x="2815119" y="4814850"/>
+            <a:ext cx="5126804" cy="1938992"/>
+          </a:xfrm>
+          <a:prstGeom prst="rect">
+            <a:avLst/>
+          </a:prstGeom>
+          <a:noFill/>
+          <a:ln>
+            <a:solidFill>
+              <a:schemeClr val="accent1"/>
+            </a:solidFill>
+          </a:ln>
+        </p:spPr>
+        <p:txBody>
+          <a:bodyPr wrap="square" rtlCol="0">
+            <a:spAutoFit/>
+          </a:bodyPr>
+          <a:lstStyle/>
+          <a:p>
+            <a:r>
+              <a:rPr lang="en-US" sz="2000" dirty="0">
+                <a:latin typeface="Monaco" charset="0"/>
+                <a:ea typeface="Monaco" charset="0"/>
+                <a:cs typeface="Monaco" charset="0"/>
+              </a:rPr>
+              <a:t>left = 0; right = </a:t>
+            </a:r>
+            <a:r>
+              <a:rPr lang="en-US" sz="2000" dirty="0" err="1">
+                <a:latin typeface="Monaco" charset="0"/>
+                <a:ea typeface="Monaco" charset="0"/>
+                <a:cs typeface="Monaco" charset="0"/>
+              </a:rPr>
+              <a:t>len</a:t>
+            </a:r>
+            <a:r>
+              <a:rPr lang="en-US" sz="2000" dirty="0">
+                <a:latin typeface="Monaco" charset="0"/>
+                <a:ea typeface="Monaco" charset="0"/>
+                <a:cs typeface="Monaco" charset="0"/>
+              </a:rPr>
+              <a:t>(a)-1</a:t>
+            </a:r>
+          </a:p>
+          <a:p>
+            <a:r>
+              <a:rPr lang="en-US" sz="2000" dirty="0">
+                <a:latin typeface="Monaco" charset="0"/>
+                <a:ea typeface="Monaco" charset="0"/>
+                <a:cs typeface="Monaco" charset="0"/>
+              </a:rPr>
+              <a:t>while left&lt;=right:    </a:t>
+            </a:r>
+          </a:p>
+          <a:p>
+            <a:r>
+              <a:rPr lang="en-US" sz="2000" dirty="0">
+                <a:latin typeface="Monaco" charset="0"/>
+                <a:ea typeface="Monaco" charset="0"/>
+                <a:cs typeface="Monaco" charset="0"/>
+              </a:rPr>
+              <a:t>    mid = </a:t>
+            </a:r>
+            <a:r>
+              <a:rPr lang="en-US" sz="2000" dirty="0" err="1">
+                <a:latin typeface="Monaco" charset="0"/>
+                <a:ea typeface="Monaco" charset="0"/>
+                <a:cs typeface="Monaco" charset="0"/>
+              </a:rPr>
+              <a:t>int</a:t>
+            </a:r>
+            <a:r>
+              <a:rPr lang="en-US" sz="2000" dirty="0">
+                <a:latin typeface="Monaco" charset="0"/>
+                <a:ea typeface="Monaco" charset="0"/>
+                <a:cs typeface="Monaco" charset="0"/>
+              </a:rPr>
+              <a:t>((left + right)/2)</a:t>
+            </a:r>
+          </a:p>
+          <a:p>
+            <a:r>
+              <a:rPr lang="en-US" sz="2000" dirty="0">
+                <a:latin typeface="Monaco" charset="0"/>
+                <a:ea typeface="Monaco" charset="0"/>
+                <a:cs typeface="Monaco" charset="0"/>
+              </a:rPr>
+              <a:t>    if a[mid]==x: return mid </a:t>
+            </a:r>
+          </a:p>
+          <a:p>
+            <a:r>
+              <a:rPr lang="en-US" sz="2000" dirty="0">
+                <a:latin typeface="Monaco" charset="0"/>
+                <a:ea typeface="Monaco" charset="0"/>
+                <a:cs typeface="Monaco" charset="0"/>
+              </a:rPr>
+              <a:t>    if x &lt; a[mid]: right = mid-1</a:t>
+            </a:r>
+          </a:p>
+          <a:p>
+            <a:r>
+              <a:rPr lang="en-US" sz="2000" dirty="0">
+                <a:latin typeface="Monaco" charset="0"/>
+                <a:ea typeface="Monaco" charset="0"/>
+                <a:cs typeface="Monaco" charset="0"/>
+              </a:rPr>
+              <a:t>    else: left = mid+1</a:t>
+            </a:r>
+          </a:p>
+        </p:txBody>
+      </p:sp>
+      <p:sp>
+        <p:nvSpPr>
+          <p:cNvPr id="5" name="TextBox 4">
+            <a:extLst>
+              <a:ext uri="{FF2B5EF4-FFF2-40B4-BE49-F238E27FC236}">
+                <a16:creationId xmlns:a16="http://schemas.microsoft.com/office/drawing/2014/main" id="{70BF3154-BC65-AF47-96F1-85EF98CC7A01}"/>
+              </a:ext>
+            </a:extLst>
+          </p:cNvPr>
+          <p:cNvSpPr txBox="1"/>
+          <p:nvPr/>
+        </p:nvSpPr>
+        <p:spPr>
+          <a:xfrm>
+            <a:off x="1605695" y="984817"/>
+            <a:ext cx="7823054" cy="3416320"/>
+          </a:xfrm>
+          <a:prstGeom prst="rect">
+            <a:avLst/>
+          </a:prstGeom>
+          <a:noFill/>
+          <a:ln>
+            <a:solidFill>
+              <a:schemeClr val="accent1"/>
+            </a:solidFill>
+          </a:ln>
+        </p:spPr>
+        <p:txBody>
+          <a:bodyPr wrap="square" rtlCol="0">
+            <a:spAutoFit/>
+          </a:bodyPr>
+          <a:lstStyle/>
+          <a:p>
+            <a:r>
+              <a:rPr lang="en-US" sz="2400" dirty="0">
+                <a:latin typeface="Monaco" charset="0"/>
+                <a:ea typeface="Monaco" charset="0"/>
+                <a:cs typeface="Monaco" charset="0"/>
+              </a:rPr>
+              <a:t>def </a:t>
+            </a:r>
+            <a:r>
+              <a:rPr lang="en-US" sz="2400" dirty="0" err="1">
+                <a:latin typeface="Monaco" charset="0"/>
+                <a:ea typeface="Monaco" charset="0"/>
+                <a:cs typeface="Monaco" charset="0"/>
+              </a:rPr>
+              <a:t>binsearch</a:t>
+            </a:r>
+            <a:r>
+              <a:rPr lang="en-US" sz="2400" dirty="0">
+                <a:latin typeface="Monaco" charset="0"/>
+                <a:ea typeface="Monaco" charset="0"/>
+                <a:cs typeface="Monaco" charset="0"/>
+              </a:rPr>
+              <a:t>(</a:t>
+            </a:r>
+            <a:r>
+              <a:rPr lang="en-US" sz="2400" dirty="0" err="1">
+                <a:latin typeface="Monaco" charset="0"/>
+                <a:ea typeface="Monaco" charset="0"/>
+                <a:cs typeface="Monaco" charset="0"/>
+              </a:rPr>
+              <a:t>a,x,left,right</a:t>
+            </a:r>
+            <a:r>
+              <a:rPr lang="en-US" sz="2400" dirty="0">
+                <a:latin typeface="Monaco" charset="0"/>
+                <a:ea typeface="Monaco" charset="0"/>
+                <a:cs typeface="Monaco" charset="0"/>
+              </a:rPr>
+              <a:t>):</a:t>
+            </a:r>
+          </a:p>
+          <a:p>
+            <a:r>
+              <a:rPr lang="en-US" sz="2400" dirty="0">
+                <a:latin typeface="Monaco" charset="0"/>
+                <a:ea typeface="Monaco" charset="0"/>
+                <a:cs typeface="Monaco" charset="0"/>
+              </a:rPr>
+              <a:t>    print(left, right)</a:t>
+            </a:r>
+          </a:p>
+          <a:p>
+            <a:r>
+              <a:rPr lang="en-US" sz="2400" dirty="0">
+                <a:latin typeface="Monaco" charset="0"/>
+                <a:ea typeface="Monaco" charset="0"/>
+                <a:cs typeface="Monaco" charset="0"/>
+              </a:rPr>
+              <a:t>    if left &gt; right: return -1</a:t>
+            </a:r>
+          </a:p>
+          <a:p>
+            <a:r>
+              <a:rPr lang="en-US" sz="2400" dirty="0">
+                <a:latin typeface="Monaco" charset="0"/>
+                <a:ea typeface="Monaco" charset="0"/>
+                <a:cs typeface="Monaco" charset="0"/>
+              </a:rPr>
+              <a:t>    mid = </a:t>
+            </a:r>
+            <a:r>
+              <a:rPr lang="en-US" sz="2400" dirty="0" err="1">
+                <a:latin typeface="Monaco" charset="0"/>
+                <a:ea typeface="Monaco" charset="0"/>
+                <a:cs typeface="Monaco" charset="0"/>
+              </a:rPr>
+              <a:t>int</a:t>
+            </a:r>
+            <a:r>
+              <a:rPr lang="en-US" sz="2400" dirty="0">
+                <a:latin typeface="Monaco" charset="0"/>
+                <a:ea typeface="Monaco" charset="0"/>
+                <a:cs typeface="Monaco" charset="0"/>
+              </a:rPr>
+              <a:t>((left + right)/2)</a:t>
+            </a:r>
+          </a:p>
+          <a:p>
+            <a:r>
+              <a:rPr lang="en-US" sz="2400" dirty="0">
+                <a:latin typeface="Monaco" charset="0"/>
+                <a:ea typeface="Monaco" charset="0"/>
+                <a:cs typeface="Monaco" charset="0"/>
+              </a:rPr>
+              <a:t>    if a[mid]==x: return mid </a:t>
+            </a:r>
+          </a:p>
+          <a:p>
+            <a:r>
+              <a:rPr lang="en-US" sz="2400" dirty="0">
+                <a:latin typeface="Monaco" charset="0"/>
+                <a:ea typeface="Monaco" charset="0"/>
+                <a:cs typeface="Monaco" charset="0"/>
+              </a:rPr>
+              <a:t>    if x &lt; a[mid]:</a:t>
+            </a:r>
+          </a:p>
+          <a:p>
+            <a:r>
+              <a:rPr lang="en-US" sz="2400" dirty="0">
+                <a:latin typeface="Monaco" charset="0"/>
+                <a:ea typeface="Monaco" charset="0"/>
+                <a:cs typeface="Monaco" charset="0"/>
+              </a:rPr>
+              <a:t>        return </a:t>
+            </a:r>
+            <a:r>
+              <a:rPr lang="en-US" sz="2400" dirty="0" err="1">
+                <a:latin typeface="Monaco" charset="0"/>
+                <a:ea typeface="Monaco" charset="0"/>
+                <a:cs typeface="Monaco" charset="0"/>
+              </a:rPr>
+              <a:t>binsearch</a:t>
+            </a:r>
+            <a:r>
+              <a:rPr lang="en-US" sz="2400" dirty="0">
+                <a:latin typeface="Monaco" charset="0"/>
+                <a:ea typeface="Monaco" charset="0"/>
+                <a:cs typeface="Monaco" charset="0"/>
+              </a:rPr>
+              <a:t>(a,x,left,mid-1)</a:t>
+            </a:r>
+          </a:p>
+          <a:p>
+            <a:r>
+              <a:rPr lang="en-US" sz="2400" dirty="0">
+                <a:latin typeface="Monaco" charset="0"/>
+                <a:ea typeface="Monaco" charset="0"/>
+                <a:cs typeface="Monaco" charset="0"/>
+              </a:rPr>
+              <a:t>    else:</a:t>
+            </a:r>
+          </a:p>
+          <a:p>
+            <a:r>
+              <a:rPr lang="en-US" sz="2400" dirty="0">
+                <a:latin typeface="Monaco" charset="0"/>
+                <a:ea typeface="Monaco" charset="0"/>
+                <a:cs typeface="Monaco" charset="0"/>
+              </a:rPr>
+              <a:t>        return </a:t>
+            </a:r>
+            <a:r>
+              <a:rPr lang="en-US" sz="2400" dirty="0" err="1">
+                <a:latin typeface="Monaco" charset="0"/>
+                <a:ea typeface="Monaco" charset="0"/>
+                <a:cs typeface="Monaco" charset="0"/>
+              </a:rPr>
+              <a:t>binsearch</a:t>
+            </a:r>
+            <a:r>
+              <a:rPr lang="en-US" sz="2400" dirty="0">
+                <a:latin typeface="Monaco" charset="0"/>
+                <a:ea typeface="Monaco" charset="0"/>
+                <a:cs typeface="Monaco" charset="0"/>
+              </a:rPr>
+              <a:t>(a,x,mid+1,right)</a:t>
+            </a:r>
           </a:p>
         </p:txBody>
       </p:sp>
     </p:spTree>
     <p:extLst>
       <p:ext uri="{BB962C8B-B14F-4D97-AF65-F5344CB8AC3E}">
-        <p14:creationId xmlns:p14="http://schemas.microsoft.com/office/powerpoint/2010/main" val="2582480925"/>
+        <p14:creationId xmlns:p14="http://schemas.microsoft.com/office/powerpoint/2010/main" val="2338247856"/>
       </p:ext>
     </p:extLst>
   </p:cSld>
   <p:clrMapOvr>
     <a:masterClrMapping/>
   </p:clrMapOvr>
-  <p:timing>
-    <p:tnLst>
-      <p:par>
-        <p:cTn id="1" dur="indefinite" restart="never" nodeType="tmRoot"/>
-      </p:par>
-    </p:tnLst>
-  </p:timing>
 </p:sld>
 </file>
 

--- a/notes/searching.pptx
+++ b/notes/searching.pptx
@@ -5,14 +5,15 @@
     <p:sldMasterId id="2147483648" r:id="rId1"/>
   </p:sldMasterIdLst>
   <p:notesMasterIdLst>
-    <p:notesMasterId r:id="rId7"/>
+    <p:notesMasterId r:id="rId8"/>
   </p:notesMasterIdLst>
   <p:sldIdLst>
     <p:sldId id="256" r:id="rId2"/>
     <p:sldId id="294" r:id="rId3"/>
-    <p:sldId id="269" r:id="rId4"/>
-    <p:sldId id="290" r:id="rId5"/>
-    <p:sldId id="293" r:id="rId6"/>
+    <p:sldId id="295" r:id="rId4"/>
+    <p:sldId id="269" r:id="rId5"/>
+    <p:sldId id="290" r:id="rId6"/>
+    <p:sldId id="293" r:id="rId7"/>
   </p:sldIdLst>
   <p:sldSz cx="12192000" cy="6858000"/>
   <p:notesSz cx="6858000" cy="9144000"/>
@@ -204,7 +205,7 @@
           <a:p>
             <a:fld id="{690847EA-AC25-3D4E-89E1-FD3F6A9702B6}" type="datetimeFigureOut">
               <a:rPr lang="en-US" smtClean="0"/>
-              <a:t>2/4/19</a:t>
+              <a:t>2/12/19</a:t>
             </a:fld>
             <a:endParaRPr lang="en-US"/>
           </a:p>
@@ -650,7 +651,7 @@
           <a:p>
             <a:fld id="{BE5295ED-3BAF-1140-8495-3D368771D6B1}" type="datetimeFigureOut">
               <a:rPr lang="en-US" smtClean="0"/>
-              <a:t>2/4/19</a:t>
+              <a:t>2/12/19</a:t>
             </a:fld>
             <a:endParaRPr lang="en-US"/>
           </a:p>
@@ -878,7 +879,7 @@
           <a:p>
             <a:fld id="{BE5295ED-3BAF-1140-8495-3D368771D6B1}" type="datetimeFigureOut">
               <a:rPr lang="en-US" smtClean="0"/>
-              <a:t>2/4/19</a:t>
+              <a:t>2/12/19</a:t>
             </a:fld>
             <a:endParaRPr lang="en-US"/>
           </a:p>
@@ -1086,7 +1087,7 @@
           <a:p>
             <a:fld id="{BE5295ED-3BAF-1140-8495-3D368771D6B1}" type="datetimeFigureOut">
               <a:rPr lang="en-US" smtClean="0"/>
-              <a:t>2/4/19</a:t>
+              <a:t>2/12/19</a:t>
             </a:fld>
             <a:endParaRPr lang="en-US"/>
           </a:p>
@@ -1284,7 +1285,7 @@
           <a:p>
             <a:fld id="{BE5295ED-3BAF-1140-8495-3D368771D6B1}" type="datetimeFigureOut">
               <a:rPr lang="en-US" smtClean="0"/>
-              <a:t>2/4/19</a:t>
+              <a:t>2/12/19</a:t>
             </a:fld>
             <a:endParaRPr lang="en-US"/>
           </a:p>
@@ -1559,7 +1560,7 @@
           <a:p>
             <a:fld id="{BE5295ED-3BAF-1140-8495-3D368771D6B1}" type="datetimeFigureOut">
               <a:rPr lang="en-US" smtClean="0"/>
-              <a:t>2/4/19</a:t>
+              <a:t>2/12/19</a:t>
             </a:fld>
             <a:endParaRPr lang="en-US"/>
           </a:p>
@@ -1824,7 +1825,7 @@
           <a:p>
             <a:fld id="{BE5295ED-3BAF-1140-8495-3D368771D6B1}" type="datetimeFigureOut">
               <a:rPr lang="en-US" smtClean="0"/>
-              <a:t>2/4/19</a:t>
+              <a:t>2/12/19</a:t>
             </a:fld>
             <a:endParaRPr lang="en-US"/>
           </a:p>
@@ -2236,7 +2237,7 @@
           <a:p>
             <a:fld id="{BE5295ED-3BAF-1140-8495-3D368771D6B1}" type="datetimeFigureOut">
               <a:rPr lang="en-US" smtClean="0"/>
-              <a:t>2/4/19</a:t>
+              <a:t>2/12/19</a:t>
             </a:fld>
             <a:endParaRPr lang="en-US"/>
           </a:p>
@@ -2377,7 +2378,7 @@
           <a:p>
             <a:fld id="{BE5295ED-3BAF-1140-8495-3D368771D6B1}" type="datetimeFigureOut">
               <a:rPr lang="en-US" smtClean="0"/>
-              <a:t>2/4/19</a:t>
+              <a:t>2/12/19</a:t>
             </a:fld>
             <a:endParaRPr lang="en-US"/>
           </a:p>
@@ -2490,7 +2491,7 @@
           <a:p>
             <a:fld id="{BE5295ED-3BAF-1140-8495-3D368771D6B1}" type="datetimeFigureOut">
               <a:rPr lang="en-US" smtClean="0"/>
-              <a:t>2/4/19</a:t>
+              <a:t>2/12/19</a:t>
             </a:fld>
             <a:endParaRPr lang="en-US"/>
           </a:p>
@@ -2801,7 +2802,7 @@
           <a:p>
             <a:fld id="{BE5295ED-3BAF-1140-8495-3D368771D6B1}" type="datetimeFigureOut">
               <a:rPr lang="en-US" smtClean="0"/>
-              <a:t>2/4/19</a:t>
+              <a:t>2/12/19</a:t>
             </a:fld>
             <a:endParaRPr lang="en-US"/>
           </a:p>
@@ -3092,7 +3093,7 @@
           <a:p>
             <a:fld id="{BE5295ED-3BAF-1140-8495-3D368771D6B1}" type="datetimeFigureOut">
               <a:rPr lang="en-US" smtClean="0"/>
-              <a:t>2/4/19</a:t>
+              <a:t>2/12/19</a:t>
             </a:fld>
             <a:endParaRPr lang="en-US"/>
           </a:p>
@@ -3359,7 +3360,7 @@
           <a:p>
             <a:fld id="{BE5295ED-3BAF-1140-8495-3D368771D6B1}" type="datetimeFigureOut">
               <a:rPr lang="en-US" smtClean="0"/>
-              <a:t>2/4/19</a:t>
+              <a:t>2/12/19</a:t>
             </a:fld>
             <a:endParaRPr lang="en-US"/>
           </a:p>
@@ -3959,79 +3960,84 @@
             <p:ph type="title"/>
           </p:nvPr>
         </p:nvSpPr>
+        <p:spPr>
+          <a:xfrm>
+            <a:off x="359596" y="365125"/>
+            <a:ext cx="11281024" cy="1325563"/>
+          </a:xfrm>
+        </p:spPr>
+        <p:txBody>
+          <a:bodyPr/>
+          <a:lstStyle/>
+          <a:p>
+            <a:r>
+              <a:rPr lang="en-US" dirty="0"/>
+              <a:t>Common searching/membership strategies</a:t>
+            </a:r>
+          </a:p>
+        </p:txBody>
+      </p:sp>
+      <p:sp>
+        <p:nvSpPr>
+          <p:cNvPr id="3" name="Content Placeholder 2">
+            <a:extLst>
+              <a:ext uri="{FF2B5EF4-FFF2-40B4-BE49-F238E27FC236}">
+                <a16:creationId xmlns:a16="http://schemas.microsoft.com/office/drawing/2014/main" id="{5EB237E2-4FB5-FC4B-937F-D3E170BA652A}"/>
+              </a:ext>
+            </a:extLst>
+          </p:cNvPr>
+          <p:cNvSpPr>
+            <a:spLocks noGrp="1"/>
+          </p:cNvSpPr>
+          <p:nvPr>
+            <p:ph idx="1"/>
+          </p:nvPr>
+        </p:nvSpPr>
         <p:spPr/>
         <p:txBody>
-          <a:bodyPr/>
-          <a:lstStyle/>
-          <a:p>
-            <a:endParaRPr lang="en-US"/>
-          </a:p>
-        </p:txBody>
-      </p:sp>
-      <p:sp>
-        <p:nvSpPr>
-          <p:cNvPr id="3" name="Content Placeholder 2">
-            <a:extLst>
-              <a:ext uri="{FF2B5EF4-FFF2-40B4-BE49-F238E27FC236}">
-                <a16:creationId xmlns:a16="http://schemas.microsoft.com/office/drawing/2014/main" id="{5EB237E2-4FB5-FC4B-937F-D3E170BA652A}"/>
-              </a:ext>
-            </a:extLst>
-          </p:cNvPr>
-          <p:cNvSpPr>
-            <a:spLocks noGrp="1"/>
-          </p:cNvSpPr>
-          <p:nvPr>
-            <p:ph idx="1"/>
-          </p:nvPr>
-        </p:nvSpPr>
-        <p:spPr/>
-        <p:txBody>
-          <a:bodyPr/>
-          <a:lstStyle/>
-          <a:p>
+          <a:bodyPr>
+            <a:normAutofit/>
+          </a:bodyPr>
+          <a:lstStyle/>
+          <a:p>
+            <a:r>
+              <a:rPr lang="en-US" b="1" dirty="0"/>
+              <a:t>linear</a:t>
+            </a:r>
             <a:r>
               <a:rPr lang="en-US" dirty="0"/>
-              <a:t>linear</a:t>
-            </a:r>
-          </a:p>
-          <a:p>
+              <a:t>: scan data structure looking for element(s)</a:t>
+            </a:r>
+          </a:p>
+          <a:p>
+            <a:r>
+              <a:rPr lang="en-US" b="1" dirty="0"/>
+              <a:t>binary search</a:t>
+            </a:r>
             <a:r>
               <a:rPr lang="en-US" dirty="0"/>
-              <a:t>binary</a:t>
-            </a:r>
-          </a:p>
-          <a:p>
+              <a:t>: if array and sorted, split recursively in half</a:t>
+            </a:r>
+          </a:p>
+          <a:p>
+            <a:r>
+              <a:rPr lang="en-US" b="1" dirty="0"/>
+              <a:t>binary search tree</a:t>
+            </a:r>
             <a:r>
               <a:rPr lang="en-US" dirty="0"/>
-              <a:t>binary search tree</a:t>
-            </a:r>
-          </a:p>
-          <a:p>
+              <a:t>: subtree to left has elements less than current node and subtree to the right has elements greater than</a:t>
+            </a:r>
+          </a:p>
+          <a:p>
+            <a:r>
+              <a:rPr lang="en-US" b="1" dirty="0"/>
+              <a:t>hash table</a:t>
+            </a:r>
             <a:r>
               <a:rPr lang="en-US" dirty="0"/>
-              <a:t>hash table</a:t>
-            </a:r>
-          </a:p>
-          <a:p>
-            <a:r>
-              <a:rPr lang="en-US" dirty="0" err="1"/>
-              <a:t>Trie</a:t>
-            </a:r>
-            <a:r>
-              <a:rPr lang="en-US" dirty="0"/>
-              <a:t>; if strings are very long, comparing at each node or against lots of other keys can be very slow. Better to use the key to help us navigate and do a comparison only the end. </a:t>
-            </a:r>
-            <a:r>
-              <a:rPr lang="en-US" dirty="0" err="1"/>
-              <a:t>trie</a:t>
-            </a:r>
-            <a:r>
-              <a:rPr lang="en-US"/>
-              <a:t> Can be up to a certain depth and then we search from their, simulating a hash table like thing.</a:t>
-            </a:r>
-          </a:p>
-          <a:p>
-            <a:endParaRPr lang="en-US"/>
+              <a:t>: function maps key to bucket, linear search in bucket</a:t>
+            </a:r>
           </a:p>
         </p:txBody>
       </p:sp>
@@ -4070,7 +4076,7 @@
           <p:cNvPr id="2" name="Title 1">
             <a:extLst>
               <a:ext uri="{FF2B5EF4-FFF2-40B4-BE49-F238E27FC236}">
-                <a16:creationId xmlns:a16="http://schemas.microsoft.com/office/drawing/2014/main" id="{ACBF85EB-2A64-0149-B03A-5F11B2A1D5F1}"/>
+                <a16:creationId xmlns:a16="http://schemas.microsoft.com/office/drawing/2014/main" id="{D156A618-0D95-BE47-93F3-956FE1168AA9}"/>
               </a:ext>
             </a:extLst>
           </p:cNvPr>
@@ -4086,10 +4092,7 @@
           <a:bodyPr/>
           <a:lstStyle/>
           <a:p>
-            <a:r>
-              <a:rPr lang="en-US" dirty="0"/>
-              <a:t>pattern matching</a:t>
-            </a:r>
+            <a:endParaRPr lang="en-US" dirty="0"/>
           </a:p>
         </p:txBody>
       </p:sp>
@@ -4098,7 +4101,7 @@
           <p:cNvPr id="3" name="Content Placeholder 2">
             <a:extLst>
               <a:ext uri="{FF2B5EF4-FFF2-40B4-BE49-F238E27FC236}">
-                <a16:creationId xmlns:a16="http://schemas.microsoft.com/office/drawing/2014/main" id="{AF9B1CA4-509A-F749-8370-9BF64615DA76}"/>
+                <a16:creationId xmlns:a16="http://schemas.microsoft.com/office/drawing/2014/main" id="{8457E320-B48F-0D40-BE39-B5131D8D2B5B}"/>
               </a:ext>
             </a:extLst>
           </p:cNvPr>
@@ -4111,53 +4114,19 @@
         </p:nvSpPr>
         <p:spPr/>
         <p:txBody>
-          <a:bodyPr>
-            <a:normAutofit fontScale="92500" lnSpcReduction="10000"/>
-          </a:bodyPr>
-          <a:lstStyle/>
-          <a:p>
-            <a:r>
-              <a:rPr lang="en-US" dirty="0"/>
-              <a:t>given a text of length n and a pattern of length m, find an occurrence of the pattern or all occurrences. </a:t>
-            </a:r>
-          </a:p>
-          <a:p>
-            <a:r>
-              <a:rPr lang="en-US" dirty="0"/>
-              <a:t>brute force is O(nm).  </a:t>
-            </a:r>
-          </a:p>
-          <a:p>
-            <a:r>
-              <a:rPr lang="en-US" dirty="0"/>
-              <a:t>theoretical best case algorithm exists for O(n + m).</a:t>
-            </a:r>
-          </a:p>
-          <a:p>
-            <a:r>
-              <a:rPr lang="en-US" dirty="0"/>
-              <a:t>break text into fixed sized windows/chunks, and create a hash table from all of those. then lookups can be O(1) to find the pattern up to a fixed  length. but the target of the hash could also be a list of all the locations for that prefix of size k.</a:t>
-            </a:r>
-          </a:p>
-          <a:p>
-            <a:r>
-              <a:rPr lang="en-US" dirty="0"/>
-              <a:t>string searching (Rabin-Karp) </a:t>
-            </a:r>
-            <a:r>
-              <a:rPr lang="en-US" dirty="0">
-                <a:hlinkClick r:id="rId2"/>
-              </a:rPr>
-              <a:t>https://en.wikipedia.org/wiki/Rabin%E2%80%93Karp_algorithm</a:t>
-            </a:r>
-            <a:r>
-              <a:rPr lang="en-US" dirty="0"/>
-              <a:t> are better than nm but I prefer using </a:t>
-            </a:r>
+          <a:bodyPr/>
+          <a:lstStyle/>
+          <a:p>
             <a:r>
               <a:rPr lang="en-US" dirty="0" err="1"/>
               <a:t>trie</a:t>
             </a:r>
+            <a:r>
+              <a:rPr lang="en-US" dirty="0"/>
+              <a:t>; if strings are very long, comparing at each node or against lots of other keys can be very slow. Better to use the key to help us navigate and do a comparison only the end. Can be up to a certain depth and then we search from their, simulating a hash table like thing.</a:t>
+            </a:r>
+          </a:p>
+          <a:p>
             <a:endParaRPr lang="en-US" dirty="0"/>
           </a:p>
         </p:txBody>
@@ -4165,7 +4134,7 @@
     </p:spTree>
     <p:extLst>
       <p:ext uri="{BB962C8B-B14F-4D97-AF65-F5344CB8AC3E}">
-        <p14:creationId xmlns:p14="http://schemas.microsoft.com/office/powerpoint/2010/main" val="434236956"/>
+        <p14:creationId xmlns:p14="http://schemas.microsoft.com/office/powerpoint/2010/main" val="2652843085"/>
       </p:ext>
     </p:extLst>
   </p:cSld>
@@ -4194,6 +4163,133 @@
       </p:grpSpPr>
       <p:sp>
         <p:nvSpPr>
+          <p:cNvPr id="2" name="Title 1">
+            <a:extLst>
+              <a:ext uri="{FF2B5EF4-FFF2-40B4-BE49-F238E27FC236}">
+                <a16:creationId xmlns:a16="http://schemas.microsoft.com/office/drawing/2014/main" id="{ACBF85EB-2A64-0149-B03A-5F11B2A1D5F1}"/>
+              </a:ext>
+            </a:extLst>
+          </p:cNvPr>
+          <p:cNvSpPr>
+            <a:spLocks noGrp="1"/>
+          </p:cNvSpPr>
+          <p:nvPr>
+            <p:ph type="title"/>
+          </p:nvPr>
+        </p:nvSpPr>
+        <p:spPr/>
+        <p:txBody>
+          <a:bodyPr/>
+          <a:lstStyle/>
+          <a:p>
+            <a:r>
+              <a:rPr lang="en-US" dirty="0"/>
+              <a:t>pattern matching</a:t>
+            </a:r>
+          </a:p>
+        </p:txBody>
+      </p:sp>
+      <p:sp>
+        <p:nvSpPr>
+          <p:cNvPr id="3" name="Content Placeholder 2">
+            <a:extLst>
+              <a:ext uri="{FF2B5EF4-FFF2-40B4-BE49-F238E27FC236}">
+                <a16:creationId xmlns:a16="http://schemas.microsoft.com/office/drawing/2014/main" id="{AF9B1CA4-509A-F749-8370-9BF64615DA76}"/>
+              </a:ext>
+            </a:extLst>
+          </p:cNvPr>
+          <p:cNvSpPr>
+            <a:spLocks noGrp="1"/>
+          </p:cNvSpPr>
+          <p:nvPr>
+            <p:ph idx="1"/>
+          </p:nvPr>
+        </p:nvSpPr>
+        <p:spPr/>
+        <p:txBody>
+          <a:bodyPr>
+            <a:normAutofit fontScale="92500" lnSpcReduction="10000"/>
+          </a:bodyPr>
+          <a:lstStyle/>
+          <a:p>
+            <a:r>
+              <a:rPr lang="en-US" dirty="0"/>
+              <a:t>given a text of length n and a pattern of length m, find an occurrence of the pattern or all occurrences. </a:t>
+            </a:r>
+          </a:p>
+          <a:p>
+            <a:r>
+              <a:rPr lang="en-US" dirty="0"/>
+              <a:t>brute force is O(nm).  </a:t>
+            </a:r>
+          </a:p>
+          <a:p>
+            <a:r>
+              <a:rPr lang="en-US" dirty="0"/>
+              <a:t>theoretical best case algorithm exists for O(n + m).</a:t>
+            </a:r>
+          </a:p>
+          <a:p>
+            <a:r>
+              <a:rPr lang="en-US" dirty="0"/>
+              <a:t>break text into fixed sized windows/chunks, and create a hash table from all of those. then lookups can be O(1) to find the pattern up to a fixed  length. but the target of the hash could also be a list of all the locations for that prefix of size k.</a:t>
+            </a:r>
+          </a:p>
+          <a:p>
+            <a:r>
+              <a:rPr lang="en-US" dirty="0"/>
+              <a:t>string searching (Rabin-Karp) </a:t>
+            </a:r>
+            <a:r>
+              <a:rPr lang="en-US" dirty="0">
+                <a:hlinkClick r:id="rId2"/>
+              </a:rPr>
+              <a:t>https://en.wikipedia.org/wiki/Rabin%E2%80%93Karp_algorithm</a:t>
+            </a:r>
+            <a:r>
+              <a:rPr lang="en-US" dirty="0"/>
+              <a:t> are better than nm but I prefer using </a:t>
+            </a:r>
+            <a:r>
+              <a:rPr lang="en-US" dirty="0" err="1"/>
+              <a:t>trie</a:t>
+            </a:r>
+            <a:endParaRPr lang="en-US" dirty="0"/>
+          </a:p>
+        </p:txBody>
+      </p:sp>
+    </p:spTree>
+    <p:extLst>
+      <p:ext uri="{BB962C8B-B14F-4D97-AF65-F5344CB8AC3E}">
+        <p14:creationId xmlns:p14="http://schemas.microsoft.com/office/powerpoint/2010/main" val="434236956"/>
+      </p:ext>
+    </p:extLst>
+  </p:cSld>
+  <p:clrMapOvr>
+    <a:masterClrMapping/>
+  </p:clrMapOvr>
+</p:sld>
+</file>
+
+<file path=ppt/slides/slide5.xml><?xml version="1.0" encoding="utf-8"?>
+<p:sld xmlns:a="http://schemas.openxmlformats.org/drawingml/2006/main" xmlns:r="http://schemas.openxmlformats.org/officeDocument/2006/relationships" xmlns:p="http://schemas.openxmlformats.org/presentationml/2006/main">
+  <p:cSld>
+    <p:spTree>
+      <p:nvGrpSpPr>
+        <p:cNvPr id="1" name=""/>
+        <p:cNvGrpSpPr/>
+        <p:nvPr/>
+      </p:nvGrpSpPr>
+      <p:grpSpPr>
+        <a:xfrm>
+          <a:off x="0" y="0"/>
+          <a:ext cx="0" cy="0"/>
+          <a:chOff x="0" y="0"/>
+          <a:chExt cx="0" cy="0"/>
+        </a:xfrm>
+      </p:grpSpPr>
+      <p:sp>
+        <p:nvSpPr>
           <p:cNvPr id="9" name="Title 1"/>
           <p:cNvSpPr>
             <a:spLocks noGrp="1"/>
@@ -4572,7 +4668,7 @@
 </p:sld>
 </file>
 
-<file path=ppt/slides/slide5.xml><?xml version="1.0" encoding="utf-8"?>
+<file path=ppt/slides/slide6.xml><?xml version="1.0" encoding="utf-8"?>
 <p:sld xmlns:a="http://schemas.openxmlformats.org/drawingml/2006/main" xmlns:r="http://schemas.openxmlformats.org/officeDocument/2006/relationships" xmlns:p="http://schemas.openxmlformats.org/presentationml/2006/main">
   <p:cSld>
     <p:spTree>

--- a/notes/searching.pptx
+++ b/notes/searching.pptx
@@ -5,15 +5,19 @@
     <p:sldMasterId id="2147483648" r:id="rId1"/>
   </p:sldMasterIdLst>
   <p:notesMasterIdLst>
-    <p:notesMasterId r:id="rId8"/>
+    <p:notesMasterId r:id="rId12"/>
   </p:notesMasterIdLst>
   <p:sldIdLst>
     <p:sldId id="256" r:id="rId2"/>
     <p:sldId id="294" r:id="rId3"/>
-    <p:sldId id="295" r:id="rId4"/>
-    <p:sldId id="269" r:id="rId5"/>
-    <p:sldId id="290" r:id="rId6"/>
-    <p:sldId id="293" r:id="rId7"/>
+    <p:sldId id="290" r:id="rId4"/>
+    <p:sldId id="293" r:id="rId5"/>
+    <p:sldId id="269" r:id="rId6"/>
+    <p:sldId id="296" r:id="rId7"/>
+    <p:sldId id="298" r:id="rId8"/>
+    <p:sldId id="297" r:id="rId9"/>
+    <p:sldId id="299" r:id="rId10"/>
+    <p:sldId id="295" r:id="rId11"/>
   </p:sldIdLst>
   <p:sldSz cx="12192000" cy="6858000"/>
   <p:notesSz cx="6858000" cy="9144000"/>
@@ -205,7 +209,7 @@
           <a:p>
             <a:fld id="{690847EA-AC25-3D4E-89E1-FD3F6A9702B6}" type="datetimeFigureOut">
               <a:rPr lang="en-US" smtClean="0"/>
-              <a:t>2/12/19</a:t>
+              <a:t>2/20/19</a:t>
             </a:fld>
             <a:endParaRPr lang="en-US"/>
           </a:p>
@@ -651,7 +655,7 @@
           <a:p>
             <a:fld id="{BE5295ED-3BAF-1140-8495-3D368771D6B1}" type="datetimeFigureOut">
               <a:rPr lang="en-US" smtClean="0"/>
-              <a:t>2/12/19</a:t>
+              <a:t>2/20/19</a:t>
             </a:fld>
             <a:endParaRPr lang="en-US"/>
           </a:p>
@@ -879,7 +883,7 @@
           <a:p>
             <a:fld id="{BE5295ED-3BAF-1140-8495-3D368771D6B1}" type="datetimeFigureOut">
               <a:rPr lang="en-US" smtClean="0"/>
-              <a:t>2/12/19</a:t>
+              <a:t>2/20/19</a:t>
             </a:fld>
             <a:endParaRPr lang="en-US"/>
           </a:p>
@@ -1087,7 +1091,7 @@
           <a:p>
             <a:fld id="{BE5295ED-3BAF-1140-8495-3D368771D6B1}" type="datetimeFigureOut">
               <a:rPr lang="en-US" smtClean="0"/>
-              <a:t>2/12/19</a:t>
+              <a:t>2/20/19</a:t>
             </a:fld>
             <a:endParaRPr lang="en-US"/>
           </a:p>
@@ -1285,7 +1289,7 @@
           <a:p>
             <a:fld id="{BE5295ED-3BAF-1140-8495-3D368771D6B1}" type="datetimeFigureOut">
               <a:rPr lang="en-US" smtClean="0"/>
-              <a:t>2/12/19</a:t>
+              <a:t>2/20/19</a:t>
             </a:fld>
             <a:endParaRPr lang="en-US"/>
           </a:p>
@@ -1560,7 +1564,7 @@
           <a:p>
             <a:fld id="{BE5295ED-3BAF-1140-8495-3D368771D6B1}" type="datetimeFigureOut">
               <a:rPr lang="en-US" smtClean="0"/>
-              <a:t>2/12/19</a:t>
+              <a:t>2/20/19</a:t>
             </a:fld>
             <a:endParaRPr lang="en-US"/>
           </a:p>
@@ -1825,7 +1829,7 @@
           <a:p>
             <a:fld id="{BE5295ED-3BAF-1140-8495-3D368771D6B1}" type="datetimeFigureOut">
               <a:rPr lang="en-US" smtClean="0"/>
-              <a:t>2/12/19</a:t>
+              <a:t>2/20/19</a:t>
             </a:fld>
             <a:endParaRPr lang="en-US"/>
           </a:p>
@@ -2237,7 +2241,7 @@
           <a:p>
             <a:fld id="{BE5295ED-3BAF-1140-8495-3D368771D6B1}" type="datetimeFigureOut">
               <a:rPr lang="en-US" smtClean="0"/>
-              <a:t>2/12/19</a:t>
+              <a:t>2/20/19</a:t>
             </a:fld>
             <a:endParaRPr lang="en-US"/>
           </a:p>
@@ -2378,7 +2382,7 @@
           <a:p>
             <a:fld id="{BE5295ED-3BAF-1140-8495-3D368771D6B1}" type="datetimeFigureOut">
               <a:rPr lang="en-US" smtClean="0"/>
-              <a:t>2/12/19</a:t>
+              <a:t>2/20/19</a:t>
             </a:fld>
             <a:endParaRPr lang="en-US"/>
           </a:p>
@@ -2491,7 +2495,7 @@
           <a:p>
             <a:fld id="{BE5295ED-3BAF-1140-8495-3D368771D6B1}" type="datetimeFigureOut">
               <a:rPr lang="en-US" smtClean="0"/>
-              <a:t>2/12/19</a:t>
+              <a:t>2/20/19</a:t>
             </a:fld>
             <a:endParaRPr lang="en-US"/>
           </a:p>
@@ -2802,7 +2806,7 @@
           <a:p>
             <a:fld id="{BE5295ED-3BAF-1140-8495-3D368771D6B1}" type="datetimeFigureOut">
               <a:rPr lang="en-US" smtClean="0"/>
-              <a:t>2/12/19</a:t>
+              <a:t>2/20/19</a:t>
             </a:fld>
             <a:endParaRPr lang="en-US"/>
           </a:p>
@@ -3093,7 +3097,7 @@
           <a:p>
             <a:fld id="{BE5295ED-3BAF-1140-8495-3D368771D6B1}" type="datetimeFigureOut">
               <a:rPr lang="en-US" smtClean="0"/>
-              <a:t>2/12/19</a:t>
+              <a:t>2/20/19</a:t>
             </a:fld>
             <a:endParaRPr lang="en-US"/>
           </a:p>
@@ -3360,7 +3364,7 @@
           <a:p>
             <a:fld id="{BE5295ED-3BAF-1140-8495-3D368771D6B1}" type="datetimeFigureOut">
               <a:rPr lang="en-US" smtClean="0"/>
-              <a:t>2/12/19</a:t>
+              <a:t>2/20/19</a:t>
             </a:fld>
             <a:endParaRPr lang="en-US"/>
           </a:p>
@@ -3927,6 +3931,96 @@
 </p:sld>
 </file>
 
+<file path=ppt/slides/slide10.xml><?xml version="1.0" encoding="utf-8"?>
+<p:sld xmlns:a="http://schemas.openxmlformats.org/drawingml/2006/main" xmlns:r="http://schemas.openxmlformats.org/officeDocument/2006/relationships" xmlns:p="http://schemas.openxmlformats.org/presentationml/2006/main">
+  <p:cSld>
+    <p:spTree>
+      <p:nvGrpSpPr>
+        <p:cNvPr id="1" name=""/>
+        <p:cNvGrpSpPr/>
+        <p:nvPr/>
+      </p:nvGrpSpPr>
+      <p:grpSpPr>
+        <a:xfrm>
+          <a:off x="0" y="0"/>
+          <a:ext cx="0" cy="0"/>
+          <a:chOff x="0" y="0"/>
+          <a:chExt cx="0" cy="0"/>
+        </a:xfrm>
+      </p:grpSpPr>
+      <p:sp>
+        <p:nvSpPr>
+          <p:cNvPr id="2" name="Title 1">
+            <a:extLst>
+              <a:ext uri="{FF2B5EF4-FFF2-40B4-BE49-F238E27FC236}">
+                <a16:creationId xmlns:a16="http://schemas.microsoft.com/office/drawing/2014/main" id="{D156A618-0D95-BE47-93F3-956FE1168AA9}"/>
+              </a:ext>
+            </a:extLst>
+          </p:cNvPr>
+          <p:cNvSpPr>
+            <a:spLocks noGrp="1"/>
+          </p:cNvSpPr>
+          <p:nvPr>
+            <p:ph type="title"/>
+          </p:nvPr>
+        </p:nvSpPr>
+        <p:spPr/>
+        <p:txBody>
+          <a:bodyPr/>
+          <a:lstStyle/>
+          <a:p>
+            <a:endParaRPr lang="en-US" dirty="0"/>
+          </a:p>
+        </p:txBody>
+      </p:sp>
+      <p:sp>
+        <p:nvSpPr>
+          <p:cNvPr id="3" name="Content Placeholder 2">
+            <a:extLst>
+              <a:ext uri="{FF2B5EF4-FFF2-40B4-BE49-F238E27FC236}">
+                <a16:creationId xmlns:a16="http://schemas.microsoft.com/office/drawing/2014/main" id="{8457E320-B48F-0D40-BE39-B5131D8D2B5B}"/>
+              </a:ext>
+            </a:extLst>
+          </p:cNvPr>
+          <p:cNvSpPr>
+            <a:spLocks noGrp="1"/>
+          </p:cNvSpPr>
+          <p:nvPr>
+            <p:ph idx="1"/>
+          </p:nvPr>
+        </p:nvSpPr>
+        <p:spPr/>
+        <p:txBody>
+          <a:bodyPr/>
+          <a:lstStyle/>
+          <a:p>
+            <a:r>
+              <a:rPr lang="en-US" dirty="0" err="1"/>
+              <a:t>trie</a:t>
+            </a:r>
+            <a:r>
+              <a:rPr lang="en-US" dirty="0"/>
+              <a:t>; if strings are very long, comparing at each node or against lots of other keys can be very slow. Better to use the key to help us navigate and do a comparison only the end. Can be up to a certain depth and then we search from their, simulating a hash table like thing.</a:t>
+            </a:r>
+          </a:p>
+          <a:p>
+            <a:endParaRPr lang="en-US" dirty="0"/>
+          </a:p>
+        </p:txBody>
+      </p:sp>
+    </p:spTree>
+    <p:extLst>
+      <p:ext uri="{BB962C8B-B14F-4D97-AF65-F5344CB8AC3E}">
+        <p14:creationId xmlns:p14="http://schemas.microsoft.com/office/powerpoint/2010/main" val="2652843085"/>
+      </p:ext>
+    </p:extLst>
+  </p:cSld>
+  <p:clrMapOvr>
+    <a:masterClrMapping/>
+  </p:clrMapOvr>
+</p:sld>
+</file>
+
 <file path=ppt/slides/slide2.xml><?xml version="1.0" encoding="utf-8"?>
 <p:sld xmlns:a="http://schemas.openxmlformats.org/drawingml/2006/main" xmlns:r="http://schemas.openxmlformats.org/officeDocument/2006/relationships" xmlns:p="http://schemas.openxmlformats.org/presentationml/2006/main">
   <p:cSld>
@@ -4036,7 +4130,17 @@
             </a:r>
             <a:r>
               <a:rPr lang="en-US" dirty="0"/>
-              <a:t>: function maps key to bucket, linear search in bucket</a:t>
+              <a:t>: function maps key to bucket, linear search in bucket; recall search index project from MSDS692; for word search, not arbitrary string search in document(s)</a:t>
+            </a:r>
+          </a:p>
+          <a:p>
+            <a:r>
+              <a:rPr lang="en-US" b="1" dirty="0"/>
+              <a:t>state machines </a:t>
+            </a:r>
+            <a:r>
+              <a:rPr lang="en-US" dirty="0"/>
+              <a:t>(graphs)</a:t>
             </a:r>
           </a:p>
         </p:txBody>
@@ -4073,13 +4177,7 @@
       </p:grpSpPr>
       <p:sp>
         <p:nvSpPr>
-          <p:cNvPr id="2" name="Title 1">
-            <a:extLst>
-              <a:ext uri="{FF2B5EF4-FFF2-40B4-BE49-F238E27FC236}">
-                <a16:creationId xmlns:a16="http://schemas.microsoft.com/office/drawing/2014/main" id="{D156A618-0D95-BE47-93F3-956FE1168AA9}"/>
-              </a:ext>
-            </a:extLst>
-          </p:cNvPr>
+          <p:cNvPr id="9" name="Title 1"/>
           <p:cNvSpPr>
             <a:spLocks noGrp="1"/>
           </p:cNvSpPr>
@@ -4087,24 +4185,26 @@
             <p:ph type="title"/>
           </p:nvPr>
         </p:nvSpPr>
-        <p:spPr/>
+        <p:spPr>
+          <a:xfrm>
+            <a:off x="838200" y="365125"/>
+            <a:ext cx="10515600" cy="1325563"/>
+          </a:xfrm>
+        </p:spPr>
         <p:txBody>
           <a:bodyPr/>
           <a:lstStyle/>
           <a:p>
-            <a:endParaRPr lang="en-US" dirty="0"/>
-          </a:p>
-        </p:txBody>
-      </p:sp>
-      <p:sp>
-        <p:nvSpPr>
-          <p:cNvPr id="3" name="Content Placeholder 2">
-            <a:extLst>
-              <a:ext uri="{FF2B5EF4-FFF2-40B4-BE49-F238E27FC236}">
-                <a16:creationId xmlns:a16="http://schemas.microsoft.com/office/drawing/2014/main" id="{8457E320-B48F-0D40-BE39-B5131D8D2B5B}"/>
-              </a:ext>
-            </a:extLst>
-          </p:cNvPr>
+            <a:r>
+              <a:rPr lang="en-US" i="1" dirty="0"/>
+              <a:t>Binary search (review sort of)</a:t>
+            </a:r>
+          </a:p>
+        </p:txBody>
+      </p:sp>
+      <p:sp>
+        <p:nvSpPr>
+          <p:cNvPr id="10" name="Content Placeholder 2"/>
           <p:cNvSpPr>
             <a:spLocks noGrp="1"/>
           </p:cNvSpPr>
@@ -4112,29 +4212,304 @@
             <p:ph idx="1"/>
           </p:nvPr>
         </p:nvSpPr>
-        <p:spPr/>
+        <p:spPr>
+          <a:xfrm>
+            <a:off x="838199" y="1550020"/>
+            <a:ext cx="10836349" cy="4626943"/>
+          </a:xfrm>
+        </p:spPr>
         <p:txBody>
           <a:bodyPr/>
           <a:lstStyle/>
           <a:p>
             <a:r>
-              <a:rPr lang="en-US" dirty="0" err="1"/>
-              <a:t>trie</a:t>
-            </a:r>
-            <a:r>
               <a:rPr lang="en-US" dirty="0"/>
-              <a:t>; if strings are very long, comparing at each node or against lots of other keys can be very slow. Better to use the key to help us navigate and do a comparison only the end. Can be up to a certain depth and then we search from their, simulating a hash table like thing.</a:t>
-            </a:r>
-          </a:p>
-          <a:p>
-            <a:endParaRPr lang="en-US" dirty="0"/>
+              <a:t>If we know data is sorted, we can search much faster than linearly</a:t>
+            </a:r>
+          </a:p>
+          <a:p>
+            <a:r>
+              <a:rPr lang="en-US" dirty="0"/>
+              <a:t>Means we don’t have to examine every element even worst-case</a:t>
+            </a:r>
+          </a:p>
+        </p:txBody>
+      </p:sp>
+      <p:pic>
+        <p:nvPicPr>
+          <p:cNvPr id="11" name="Picture 10"/>
+          <p:cNvPicPr>
+            <a:picLocks noChangeAspect="1"/>
+          </p:cNvPicPr>
+          <p:nvPr/>
+        </p:nvPicPr>
+        <p:blipFill>
+          <a:blip r:embed="rId2">
+            <a:extLst>
+              <a:ext uri="{28A0092B-C50C-407E-A947-70E740481C1C}">
+                <a14:useLocalDpi xmlns:a14="http://schemas.microsoft.com/office/drawing/2010/main" val="0"/>
+              </a:ext>
+            </a:extLst>
+          </a:blip>
+          <a:stretch>
+            <a:fillRect/>
+          </a:stretch>
+        </p:blipFill>
+        <p:spPr>
+          <a:xfrm>
+            <a:off x="7848852" y="2764499"/>
+            <a:ext cx="3649215" cy="2713112"/>
+          </a:xfrm>
+          <a:prstGeom prst="rect">
+            <a:avLst/>
+          </a:prstGeom>
+        </p:spPr>
+      </p:pic>
+      <p:sp>
+        <p:nvSpPr>
+          <p:cNvPr id="12" name="Rectangle 11"/>
+          <p:cNvSpPr/>
+          <p:nvPr/>
+        </p:nvSpPr>
+        <p:spPr>
+          <a:xfrm>
+            <a:off x="297415" y="6311900"/>
+            <a:ext cx="7453720" cy="307777"/>
+          </a:xfrm>
+          <a:prstGeom prst="rect">
+            <a:avLst/>
+          </a:prstGeom>
+        </p:spPr>
+        <p:txBody>
+          <a:bodyPr wrap="square">
+            <a:spAutoFit/>
+          </a:bodyPr>
+          <a:lstStyle/>
+          <a:p>
+            <a:r>
+              <a:rPr lang="en-US" sz="1400"/>
+              <a:t>See http</a:t>
+            </a:r>
+            <a:r>
+              <a:rPr lang="en-US" sz="1400" dirty="0"/>
+              <a:t>://</a:t>
+            </a:r>
+            <a:r>
+              <a:rPr lang="en-US" sz="1400" dirty="0" err="1"/>
+              <a:t>interactivepython.org</a:t>
+            </a:r>
+            <a:r>
+              <a:rPr lang="en-US" sz="1400" dirty="0"/>
+              <a:t>/</a:t>
+            </a:r>
+            <a:r>
+              <a:rPr lang="en-US" sz="1400" dirty="0" err="1"/>
+              <a:t>runestone</a:t>
+            </a:r>
+            <a:r>
+              <a:rPr lang="en-US" sz="1400" dirty="0"/>
+              <a:t>/static/</a:t>
+            </a:r>
+            <a:r>
+              <a:rPr lang="en-US" sz="1400" dirty="0" err="1"/>
+              <a:t>pythonds</a:t>
+            </a:r>
+            <a:r>
+              <a:rPr lang="en-US" sz="1400" dirty="0"/>
+              <a:t>/</a:t>
+            </a:r>
+            <a:r>
+              <a:rPr lang="en-US" sz="1400" dirty="0" err="1"/>
+              <a:t>SortSearch</a:t>
+            </a:r>
+            <a:r>
+              <a:rPr lang="en-US" sz="1400" dirty="0"/>
+              <a:t>/</a:t>
+            </a:r>
+            <a:r>
+              <a:rPr lang="en-US" sz="1400" dirty="0" err="1"/>
+              <a:t>TheBinarySearch.html</a:t>
+            </a:r>
+            <a:endParaRPr lang="en-US" sz="1400" dirty="0"/>
+          </a:p>
+        </p:txBody>
+      </p:sp>
+      <p:sp>
+        <p:nvSpPr>
+          <p:cNvPr id="13" name="TextBox 12"/>
+          <p:cNvSpPr txBox="1"/>
+          <p:nvPr/>
+        </p:nvSpPr>
+        <p:spPr>
+          <a:xfrm>
+            <a:off x="867719" y="2720672"/>
+            <a:ext cx="6313111" cy="2800767"/>
+          </a:xfrm>
+          <a:prstGeom prst="rect">
+            <a:avLst/>
+          </a:prstGeom>
+          <a:noFill/>
+          <a:ln>
+            <a:solidFill>
+              <a:schemeClr val="accent1"/>
+            </a:solidFill>
+          </a:ln>
+        </p:spPr>
+        <p:txBody>
+          <a:bodyPr wrap="square" rtlCol="0">
+            <a:spAutoFit/>
+          </a:bodyPr>
+          <a:lstStyle/>
+          <a:p>
+            <a:r>
+              <a:rPr lang="en-US" sz="2200" dirty="0">
+                <a:latin typeface="Monaco" charset="0"/>
+                <a:ea typeface="Monaco" charset="0"/>
+                <a:cs typeface="Monaco" charset="0"/>
+              </a:rPr>
+              <a:t>def </a:t>
+            </a:r>
+            <a:r>
+              <a:rPr lang="en-US" sz="2200" dirty="0" err="1">
+                <a:latin typeface="Monaco" charset="0"/>
+                <a:ea typeface="Monaco" charset="0"/>
+                <a:cs typeface="Monaco" charset="0"/>
+              </a:rPr>
+              <a:t>binsearch</a:t>
+            </a:r>
+            <a:r>
+              <a:rPr lang="en-US" sz="2200" dirty="0">
+                <a:latin typeface="Monaco" charset="0"/>
+                <a:ea typeface="Monaco" charset="0"/>
+                <a:cs typeface="Monaco" charset="0"/>
+              </a:rPr>
+              <a:t>(</a:t>
+            </a:r>
+            <a:r>
+              <a:rPr lang="en-US" sz="2200" dirty="0" err="1">
+                <a:latin typeface="Monaco" charset="0"/>
+                <a:ea typeface="Monaco" charset="0"/>
+                <a:cs typeface="Monaco" charset="0"/>
+              </a:rPr>
+              <a:t>a,x</a:t>
+            </a:r>
+            <a:r>
+              <a:rPr lang="en-US" sz="2200" dirty="0">
+                <a:latin typeface="Monaco" charset="0"/>
+                <a:ea typeface="Monaco" charset="0"/>
+                <a:cs typeface="Monaco" charset="0"/>
+              </a:rPr>
+              <a:t>):</a:t>
+            </a:r>
+          </a:p>
+          <a:p>
+            <a:r>
+              <a:rPr lang="en-US" sz="2200" dirty="0">
+                <a:latin typeface="Monaco" charset="0"/>
+                <a:ea typeface="Monaco" charset="0"/>
+                <a:cs typeface="Monaco" charset="0"/>
+              </a:rPr>
+              <a:t>    left = 0; right = </a:t>
+            </a:r>
+            <a:r>
+              <a:rPr lang="en-US" sz="2200" dirty="0" err="1">
+                <a:latin typeface="Monaco" charset="0"/>
+                <a:ea typeface="Monaco" charset="0"/>
+                <a:cs typeface="Monaco" charset="0"/>
+              </a:rPr>
+              <a:t>len</a:t>
+            </a:r>
+            <a:r>
+              <a:rPr lang="en-US" sz="2200" dirty="0">
+                <a:latin typeface="Monaco" charset="0"/>
+                <a:ea typeface="Monaco" charset="0"/>
+                <a:cs typeface="Monaco" charset="0"/>
+              </a:rPr>
+              <a:t>(a)-1</a:t>
+            </a:r>
+          </a:p>
+          <a:p>
+            <a:r>
+              <a:rPr lang="en-US" sz="2200" dirty="0">
+                <a:latin typeface="Monaco" charset="0"/>
+                <a:ea typeface="Monaco" charset="0"/>
+                <a:cs typeface="Monaco" charset="0"/>
+              </a:rPr>
+              <a:t>    while left&lt;=right:    </a:t>
+            </a:r>
+          </a:p>
+          <a:p>
+            <a:r>
+              <a:rPr lang="en-US" sz="2200" dirty="0">
+                <a:latin typeface="Monaco" charset="0"/>
+                <a:ea typeface="Monaco" charset="0"/>
+                <a:cs typeface="Monaco" charset="0"/>
+              </a:rPr>
+              <a:t>        mid = </a:t>
+            </a:r>
+            <a:r>
+              <a:rPr lang="en-US" sz="2200" dirty="0" err="1">
+                <a:latin typeface="Monaco" charset="0"/>
+                <a:ea typeface="Monaco" charset="0"/>
+                <a:cs typeface="Monaco" charset="0"/>
+              </a:rPr>
+              <a:t>int</a:t>
+            </a:r>
+            <a:r>
+              <a:rPr lang="en-US" sz="2200" dirty="0">
+                <a:latin typeface="Monaco" charset="0"/>
+                <a:ea typeface="Monaco" charset="0"/>
+                <a:cs typeface="Monaco" charset="0"/>
+              </a:rPr>
+              <a:t>((left + right)/2)</a:t>
+            </a:r>
+          </a:p>
+          <a:p>
+            <a:r>
+              <a:rPr lang="en-US" sz="2200" dirty="0">
+                <a:latin typeface="Monaco" charset="0"/>
+                <a:ea typeface="Monaco" charset="0"/>
+                <a:cs typeface="Monaco" charset="0"/>
+              </a:rPr>
+              <a:t>        if a[mid]==x: return mid </a:t>
+            </a:r>
+          </a:p>
+          <a:p>
+            <a:r>
+              <a:rPr lang="en-US" sz="2200" dirty="0">
+                <a:latin typeface="Monaco" charset="0"/>
+                <a:ea typeface="Monaco" charset="0"/>
+                <a:cs typeface="Monaco" charset="0"/>
+              </a:rPr>
+              <a:t>        if x &lt; a[mid]: right = mid-1</a:t>
+            </a:r>
+          </a:p>
+          <a:p>
+            <a:r>
+              <a:rPr lang="en-US" sz="2200" dirty="0">
+                <a:latin typeface="Monaco" charset="0"/>
+                <a:ea typeface="Monaco" charset="0"/>
+                <a:cs typeface="Monaco" charset="0"/>
+              </a:rPr>
+              <a:t>        else: left = mid+1</a:t>
+            </a:r>
+          </a:p>
+          <a:p>
+            <a:r>
+              <a:rPr lang="en-US" sz="2200" dirty="0">
+                <a:latin typeface="Monaco" charset="0"/>
+                <a:ea typeface="Monaco" charset="0"/>
+                <a:cs typeface="Monaco" charset="0"/>
+              </a:rPr>
+              <a:t>    return -1</a:t>
+            </a:r>
           </a:p>
         </p:txBody>
       </p:sp>
     </p:spTree>
     <p:extLst>
       <p:ext uri="{BB962C8B-B14F-4D97-AF65-F5344CB8AC3E}">
-        <p14:creationId xmlns:p14="http://schemas.microsoft.com/office/powerpoint/2010/main" val="2652843085"/>
+        <p14:creationId xmlns:p14="http://schemas.microsoft.com/office/powerpoint/2010/main" val="2363239464"/>
       </p:ext>
     </p:extLst>
   </p:cSld>
@@ -4166,7 +4541,7 @@
           <p:cNvPr id="2" name="Title 1">
             <a:extLst>
               <a:ext uri="{FF2B5EF4-FFF2-40B4-BE49-F238E27FC236}">
-                <a16:creationId xmlns:a16="http://schemas.microsoft.com/office/drawing/2014/main" id="{ACBF85EB-2A64-0149-B03A-5F11B2A1D5F1}"/>
+                <a16:creationId xmlns:a16="http://schemas.microsoft.com/office/drawing/2014/main" id="{09C1B5BB-CBC3-2E42-9D5F-75DBE3EC8D88}"/>
               </a:ext>
             </a:extLst>
           </p:cNvPr>
@@ -4177,91 +4552,357 @@
             <p:ph type="title"/>
           </p:nvPr>
         </p:nvSpPr>
-        <p:spPr/>
+        <p:spPr>
+          <a:xfrm>
+            <a:off x="827926" y="129169"/>
+            <a:ext cx="10515600" cy="817385"/>
+          </a:xfrm>
+        </p:spPr>
         <p:txBody>
           <a:bodyPr/>
           <a:lstStyle/>
           <a:p>
             <a:r>
               <a:rPr lang="en-US" dirty="0"/>
-              <a:t>pattern matching</a:t>
-            </a:r>
-          </a:p>
-        </p:txBody>
-      </p:sp>
-      <p:sp>
-        <p:nvSpPr>
-          <p:cNvPr id="3" name="Content Placeholder 2">
-            <a:extLst>
-              <a:ext uri="{FF2B5EF4-FFF2-40B4-BE49-F238E27FC236}">
-                <a16:creationId xmlns:a16="http://schemas.microsoft.com/office/drawing/2014/main" id="{AF9B1CA4-509A-F749-8370-9BF64615DA76}"/>
-              </a:ext>
-            </a:extLst>
-          </p:cNvPr>
-          <p:cNvSpPr>
-            <a:spLocks noGrp="1"/>
-          </p:cNvSpPr>
-          <p:nvPr>
-            <p:ph idx="1"/>
-          </p:nvPr>
-        </p:nvSpPr>
-        <p:spPr/>
-        <p:txBody>
-          <a:bodyPr>
-            <a:normAutofit fontScale="92500" lnSpcReduction="10000"/>
+              <a:t>Compare to (tail-)recursive version</a:t>
+            </a:r>
+          </a:p>
+        </p:txBody>
+      </p:sp>
+      <p:sp>
+        <p:nvSpPr>
+          <p:cNvPr id="4" name="TextBox 3">
+            <a:extLst>
+              <a:ext uri="{FF2B5EF4-FFF2-40B4-BE49-F238E27FC236}">
+                <a16:creationId xmlns:a16="http://schemas.microsoft.com/office/drawing/2014/main" id="{7E7BCA4B-0623-3A41-A4D9-0AF68320BA90}"/>
+              </a:ext>
+            </a:extLst>
+          </p:cNvPr>
+          <p:cNvSpPr txBox="1"/>
+          <p:nvPr/>
+        </p:nvSpPr>
+        <p:spPr>
+          <a:xfrm>
+            <a:off x="2815119" y="4814850"/>
+            <a:ext cx="5126804" cy="1938992"/>
+          </a:xfrm>
+          <a:prstGeom prst="rect">
+            <a:avLst/>
+          </a:prstGeom>
+          <a:noFill/>
+          <a:ln>
+            <a:solidFill>
+              <a:schemeClr val="accent1"/>
+            </a:solidFill>
+          </a:ln>
+        </p:spPr>
+        <p:txBody>
+          <a:bodyPr wrap="square" rtlCol="0">
+            <a:spAutoFit/>
           </a:bodyPr>
           <a:lstStyle/>
           <a:p>
             <a:r>
-              <a:rPr lang="en-US" dirty="0"/>
-              <a:t>given a text of length n and a pattern of length m, find an occurrence of the pattern or all occurrences. </a:t>
-            </a:r>
-          </a:p>
-          <a:p>
-            <a:r>
-              <a:rPr lang="en-US" dirty="0"/>
-              <a:t>brute force is O(nm).  </a:t>
-            </a:r>
-          </a:p>
-          <a:p>
-            <a:r>
-              <a:rPr lang="en-US" dirty="0"/>
-              <a:t>theoretical best case algorithm exists for O(n + m).</a:t>
-            </a:r>
-          </a:p>
-          <a:p>
-            <a:r>
-              <a:rPr lang="en-US" dirty="0"/>
-              <a:t>break text into fixed sized windows/chunks, and create a hash table from all of those. then lookups can be O(1) to find the pattern up to a fixed  length. but the target of the hash could also be a list of all the locations for that prefix of size k.</a:t>
-            </a:r>
-          </a:p>
-          <a:p>
-            <a:r>
-              <a:rPr lang="en-US" dirty="0"/>
-              <a:t>string searching (Rabin-Karp) </a:t>
-            </a:r>
-            <a:r>
-              <a:rPr lang="en-US" dirty="0">
-                <a:hlinkClick r:id="rId2"/>
-              </a:rPr>
-              <a:t>https://en.wikipedia.org/wiki/Rabin%E2%80%93Karp_algorithm</a:t>
-            </a:r>
-            <a:r>
-              <a:rPr lang="en-US" dirty="0"/>
-              <a:t> are better than nm but I prefer using </a:t>
-            </a:r>
-            <a:r>
-              <a:rPr lang="en-US" dirty="0" err="1"/>
-              <a:t>trie</a:t>
-            </a:r>
-            <a:endParaRPr lang="en-US" dirty="0"/>
+              <a:rPr lang="en-US" sz="2000" dirty="0">
+                <a:latin typeface="Monaco" charset="0"/>
+                <a:ea typeface="Monaco" charset="0"/>
+                <a:cs typeface="Monaco" charset="0"/>
+              </a:rPr>
+              <a:t>left = 0; right = </a:t>
+            </a:r>
+            <a:r>
+              <a:rPr lang="en-US" sz="2000" dirty="0" err="1">
+                <a:latin typeface="Monaco" charset="0"/>
+                <a:ea typeface="Monaco" charset="0"/>
+                <a:cs typeface="Monaco" charset="0"/>
+              </a:rPr>
+              <a:t>len</a:t>
+            </a:r>
+            <a:r>
+              <a:rPr lang="en-US" sz="2000" dirty="0">
+                <a:latin typeface="Monaco" charset="0"/>
+                <a:ea typeface="Monaco" charset="0"/>
+                <a:cs typeface="Monaco" charset="0"/>
+              </a:rPr>
+              <a:t>(a)-1</a:t>
+            </a:r>
+          </a:p>
+          <a:p>
+            <a:r>
+              <a:rPr lang="en-US" sz="2000" dirty="0">
+                <a:latin typeface="Monaco" charset="0"/>
+                <a:ea typeface="Monaco" charset="0"/>
+                <a:cs typeface="Monaco" charset="0"/>
+              </a:rPr>
+              <a:t>while left&lt;=right:    </a:t>
+            </a:r>
+          </a:p>
+          <a:p>
+            <a:r>
+              <a:rPr lang="en-US" sz="2000" dirty="0">
+                <a:latin typeface="Monaco" charset="0"/>
+                <a:ea typeface="Monaco" charset="0"/>
+                <a:cs typeface="Monaco" charset="0"/>
+              </a:rPr>
+              <a:t>    mid = </a:t>
+            </a:r>
+            <a:r>
+              <a:rPr lang="en-US" sz="2000" dirty="0" err="1">
+                <a:latin typeface="Monaco" charset="0"/>
+                <a:ea typeface="Monaco" charset="0"/>
+                <a:cs typeface="Monaco" charset="0"/>
+              </a:rPr>
+              <a:t>int</a:t>
+            </a:r>
+            <a:r>
+              <a:rPr lang="en-US" sz="2000" dirty="0">
+                <a:latin typeface="Monaco" charset="0"/>
+                <a:ea typeface="Monaco" charset="0"/>
+                <a:cs typeface="Monaco" charset="0"/>
+              </a:rPr>
+              <a:t>((left + right)/2)</a:t>
+            </a:r>
+          </a:p>
+          <a:p>
+            <a:r>
+              <a:rPr lang="en-US" sz="2000" dirty="0">
+                <a:latin typeface="Monaco" charset="0"/>
+                <a:ea typeface="Monaco" charset="0"/>
+                <a:cs typeface="Monaco" charset="0"/>
+              </a:rPr>
+              <a:t>    if a[mid]==x: return mid </a:t>
+            </a:r>
+          </a:p>
+          <a:p>
+            <a:r>
+              <a:rPr lang="en-US" sz="2000" dirty="0">
+                <a:latin typeface="Monaco" charset="0"/>
+                <a:ea typeface="Monaco" charset="0"/>
+                <a:cs typeface="Monaco" charset="0"/>
+              </a:rPr>
+              <a:t>    if x &lt; a[mid]: right = mid-1</a:t>
+            </a:r>
+          </a:p>
+          <a:p>
+            <a:r>
+              <a:rPr lang="en-US" sz="2000" dirty="0">
+                <a:latin typeface="Monaco" charset="0"/>
+                <a:ea typeface="Monaco" charset="0"/>
+                <a:cs typeface="Monaco" charset="0"/>
+              </a:rPr>
+              <a:t>    else: left = mid+1</a:t>
+            </a:r>
+          </a:p>
+        </p:txBody>
+      </p:sp>
+      <p:sp>
+        <p:nvSpPr>
+          <p:cNvPr id="5" name="TextBox 4">
+            <a:extLst>
+              <a:ext uri="{FF2B5EF4-FFF2-40B4-BE49-F238E27FC236}">
+                <a16:creationId xmlns:a16="http://schemas.microsoft.com/office/drawing/2014/main" id="{70BF3154-BC65-AF47-96F1-85EF98CC7A01}"/>
+              </a:ext>
+            </a:extLst>
+          </p:cNvPr>
+          <p:cNvSpPr txBox="1"/>
+          <p:nvPr/>
+        </p:nvSpPr>
+        <p:spPr>
+          <a:xfrm>
+            <a:off x="1605695" y="984817"/>
+            <a:ext cx="7823054" cy="3416320"/>
+          </a:xfrm>
+          <a:prstGeom prst="rect">
+            <a:avLst/>
+          </a:prstGeom>
+          <a:noFill/>
+          <a:ln>
+            <a:solidFill>
+              <a:schemeClr val="accent1"/>
+            </a:solidFill>
+          </a:ln>
+        </p:spPr>
+        <p:txBody>
+          <a:bodyPr wrap="square" rtlCol="0">
+            <a:spAutoFit/>
+          </a:bodyPr>
+          <a:lstStyle/>
+          <a:p>
+            <a:r>
+              <a:rPr lang="en-US" sz="2400" dirty="0">
+                <a:latin typeface="Monaco" charset="0"/>
+                <a:ea typeface="Monaco" charset="0"/>
+                <a:cs typeface="Monaco" charset="0"/>
+              </a:rPr>
+              <a:t>def </a:t>
+            </a:r>
+            <a:r>
+              <a:rPr lang="en-US" sz="2400" dirty="0" err="1">
+                <a:latin typeface="Monaco" charset="0"/>
+                <a:ea typeface="Monaco" charset="0"/>
+                <a:cs typeface="Monaco" charset="0"/>
+              </a:rPr>
+              <a:t>binsearch</a:t>
+            </a:r>
+            <a:r>
+              <a:rPr lang="en-US" sz="2400" dirty="0">
+                <a:latin typeface="Monaco" charset="0"/>
+                <a:ea typeface="Monaco" charset="0"/>
+                <a:cs typeface="Monaco" charset="0"/>
+              </a:rPr>
+              <a:t>(</a:t>
+            </a:r>
+            <a:r>
+              <a:rPr lang="en-US" sz="2400" dirty="0" err="1">
+                <a:latin typeface="Monaco" charset="0"/>
+                <a:ea typeface="Monaco" charset="0"/>
+                <a:cs typeface="Monaco" charset="0"/>
+              </a:rPr>
+              <a:t>a,x,left,right</a:t>
+            </a:r>
+            <a:r>
+              <a:rPr lang="en-US" sz="2400" dirty="0">
+                <a:latin typeface="Monaco" charset="0"/>
+                <a:ea typeface="Monaco" charset="0"/>
+                <a:cs typeface="Monaco" charset="0"/>
+              </a:rPr>
+              <a:t>):</a:t>
+            </a:r>
+          </a:p>
+          <a:p>
+            <a:r>
+              <a:rPr lang="en-US" sz="2400" dirty="0">
+                <a:latin typeface="Monaco" charset="0"/>
+                <a:ea typeface="Monaco" charset="0"/>
+                <a:cs typeface="Monaco" charset="0"/>
+              </a:rPr>
+              <a:t>    print(left, right)</a:t>
+            </a:r>
+          </a:p>
+          <a:p>
+            <a:r>
+              <a:rPr lang="en-US" sz="2400" dirty="0">
+                <a:latin typeface="Monaco" charset="0"/>
+                <a:ea typeface="Monaco" charset="0"/>
+                <a:cs typeface="Monaco" charset="0"/>
+              </a:rPr>
+              <a:t>    if left &gt; right: return -1</a:t>
+            </a:r>
+          </a:p>
+          <a:p>
+            <a:r>
+              <a:rPr lang="en-US" sz="2400" dirty="0">
+                <a:latin typeface="Monaco" charset="0"/>
+                <a:ea typeface="Monaco" charset="0"/>
+                <a:cs typeface="Monaco" charset="0"/>
+              </a:rPr>
+              <a:t>    mid = </a:t>
+            </a:r>
+            <a:r>
+              <a:rPr lang="en-US" sz="2400" dirty="0" err="1">
+                <a:latin typeface="Monaco" charset="0"/>
+                <a:ea typeface="Monaco" charset="0"/>
+                <a:cs typeface="Monaco" charset="0"/>
+              </a:rPr>
+              <a:t>int</a:t>
+            </a:r>
+            <a:r>
+              <a:rPr lang="en-US" sz="2400" dirty="0">
+                <a:latin typeface="Monaco" charset="0"/>
+                <a:ea typeface="Monaco" charset="0"/>
+                <a:cs typeface="Monaco" charset="0"/>
+              </a:rPr>
+              <a:t>((left + right)/2)</a:t>
+            </a:r>
+          </a:p>
+          <a:p>
+            <a:r>
+              <a:rPr lang="en-US" sz="2400" dirty="0">
+                <a:latin typeface="Monaco" charset="0"/>
+                <a:ea typeface="Monaco" charset="0"/>
+                <a:cs typeface="Monaco" charset="0"/>
+              </a:rPr>
+              <a:t>    if a[mid]==x: return mid </a:t>
+            </a:r>
+          </a:p>
+          <a:p>
+            <a:r>
+              <a:rPr lang="en-US" sz="2400" dirty="0">
+                <a:latin typeface="Monaco" charset="0"/>
+                <a:ea typeface="Monaco" charset="0"/>
+                <a:cs typeface="Monaco" charset="0"/>
+              </a:rPr>
+              <a:t>    if x &lt; a[mid]:</a:t>
+            </a:r>
+          </a:p>
+          <a:p>
+            <a:r>
+              <a:rPr lang="en-US" sz="2400" dirty="0">
+                <a:latin typeface="Monaco" charset="0"/>
+                <a:ea typeface="Monaco" charset="0"/>
+                <a:cs typeface="Monaco" charset="0"/>
+              </a:rPr>
+              <a:t>        return </a:t>
+            </a:r>
+            <a:r>
+              <a:rPr lang="en-US" sz="2400" dirty="0" err="1">
+                <a:latin typeface="Monaco" charset="0"/>
+                <a:ea typeface="Monaco" charset="0"/>
+                <a:cs typeface="Monaco" charset="0"/>
+              </a:rPr>
+              <a:t>binsearch</a:t>
+            </a:r>
+            <a:r>
+              <a:rPr lang="en-US" sz="2400" dirty="0">
+                <a:latin typeface="Monaco" charset="0"/>
+                <a:ea typeface="Monaco" charset="0"/>
+                <a:cs typeface="Monaco" charset="0"/>
+              </a:rPr>
+              <a:t>(a,x,left,mid-1)</a:t>
+            </a:r>
+          </a:p>
+          <a:p>
+            <a:r>
+              <a:rPr lang="en-US" sz="2400" dirty="0">
+                <a:latin typeface="Monaco" charset="0"/>
+                <a:ea typeface="Monaco" charset="0"/>
+                <a:cs typeface="Monaco" charset="0"/>
+              </a:rPr>
+              <a:t>    else:</a:t>
+            </a:r>
+          </a:p>
+          <a:p>
+            <a:r>
+              <a:rPr lang="en-US" sz="2400" dirty="0">
+                <a:latin typeface="Monaco" charset="0"/>
+                <a:ea typeface="Monaco" charset="0"/>
+                <a:cs typeface="Monaco" charset="0"/>
+              </a:rPr>
+              <a:t>        return </a:t>
+            </a:r>
+            <a:r>
+              <a:rPr lang="en-US" sz="2400" dirty="0" err="1">
+                <a:latin typeface="Monaco" charset="0"/>
+                <a:ea typeface="Monaco" charset="0"/>
+                <a:cs typeface="Monaco" charset="0"/>
+              </a:rPr>
+              <a:t>binsearch</a:t>
+            </a:r>
+            <a:r>
+              <a:rPr lang="en-US" sz="2400" dirty="0">
+                <a:latin typeface="Monaco" charset="0"/>
+                <a:ea typeface="Monaco" charset="0"/>
+                <a:cs typeface="Monaco" charset="0"/>
+              </a:rPr>
+              <a:t>(a,x,mid+1,right)</a:t>
+            </a:r>
           </a:p>
         </p:txBody>
       </p:sp>
     </p:spTree>
     <p:extLst>
       <p:ext uri="{BB962C8B-B14F-4D97-AF65-F5344CB8AC3E}">
-        <p14:creationId xmlns:p14="http://schemas.microsoft.com/office/powerpoint/2010/main" val="434236956"/>
+        <p14:creationId xmlns:p14="http://schemas.microsoft.com/office/powerpoint/2010/main" val="2338247856"/>
       </p:ext>
     </p:extLst>
   </p:cSld>
@@ -4290,7 +4931,13 @@
       </p:grpSpPr>
       <p:sp>
         <p:nvSpPr>
-          <p:cNvPr id="9" name="Title 1"/>
+          <p:cNvPr id="2" name="Title 1">
+            <a:extLst>
+              <a:ext uri="{FF2B5EF4-FFF2-40B4-BE49-F238E27FC236}">
+                <a16:creationId xmlns:a16="http://schemas.microsoft.com/office/drawing/2014/main" id="{ACBF85EB-2A64-0149-B03A-5F11B2A1D5F1}"/>
+              </a:ext>
+            </a:extLst>
+          </p:cNvPr>
           <p:cNvSpPr>
             <a:spLocks noGrp="1"/>
           </p:cNvSpPr>
@@ -4298,26 +4945,27 @@
             <p:ph type="title"/>
           </p:nvPr>
         </p:nvSpPr>
-        <p:spPr>
-          <a:xfrm>
-            <a:off x="838200" y="365125"/>
-            <a:ext cx="10515600" cy="1325563"/>
-          </a:xfrm>
-        </p:spPr>
+        <p:spPr/>
         <p:txBody>
           <a:bodyPr/>
           <a:lstStyle/>
           <a:p>
             <a:r>
-              <a:rPr lang="en-US" i="1" dirty="0"/>
-              <a:t>Binary search</a:t>
-            </a:r>
-          </a:p>
-        </p:txBody>
-      </p:sp>
-      <p:sp>
-        <p:nvSpPr>
-          <p:cNvPr id="10" name="Content Placeholder 2"/>
+              <a:rPr lang="en-US" dirty="0"/>
+              <a:t>String matching</a:t>
+            </a:r>
+          </a:p>
+        </p:txBody>
+      </p:sp>
+      <p:sp>
+        <p:nvSpPr>
+          <p:cNvPr id="3" name="Content Placeholder 2">
+            <a:extLst>
+              <a:ext uri="{FF2B5EF4-FFF2-40B4-BE49-F238E27FC236}">
+                <a16:creationId xmlns:a16="http://schemas.microsoft.com/office/drawing/2014/main" id="{AF9B1CA4-509A-F749-8370-9BF64615DA76}"/>
+              </a:ext>
+            </a:extLst>
+          </p:cNvPr>
           <p:cNvSpPr>
             <a:spLocks noGrp="1"/>
           </p:cNvSpPr>
@@ -4325,332 +4973,36 @@
             <p:ph idx="1"/>
           </p:nvPr>
         </p:nvSpPr>
-        <p:spPr>
-          <a:xfrm>
-            <a:off x="838199" y="1550020"/>
-            <a:ext cx="10836349" cy="4626943"/>
-          </a:xfrm>
-        </p:spPr>
-        <p:txBody>
-          <a:bodyPr/>
-          <a:lstStyle/>
-          <a:p>
+        <p:spPr/>
+        <p:txBody>
+          <a:bodyPr>
+            <a:normAutofit/>
+          </a:bodyPr>
+          <a:lstStyle/>
+          <a:p>
+            <a:r>
+              <a:rPr lang="en-US" b="1" dirty="0"/>
+              <a:t>Problem</a:t>
+            </a:r>
             <a:r>
               <a:rPr lang="en-US" dirty="0"/>
-              <a:t>If we know data is sorted, we can search much faster than linearly</a:t>
+              <a:t>: Given a document of length n characters and a string of length m, find an occurrence or all occurrences</a:t>
             </a:r>
           </a:p>
           <a:p>
             <a:r>
               <a:rPr lang="en-US" dirty="0"/>
-              <a:t>Means we don’t have to examine every element even worst-case</a:t>
-            </a:r>
-          </a:p>
-        </p:txBody>
-      </p:sp>
-      <p:pic>
-        <p:nvPicPr>
-          <p:cNvPr id="11" name="Picture 10"/>
-          <p:cNvPicPr>
-            <a:picLocks noChangeAspect="1"/>
-          </p:cNvPicPr>
-          <p:nvPr/>
-        </p:nvPicPr>
-        <p:blipFill>
-          <a:blip r:embed="rId2">
-            <a:extLst>
-              <a:ext uri="{28A0092B-C50C-407E-A947-70E740481C1C}">
-                <a14:useLocalDpi xmlns:a14="http://schemas.microsoft.com/office/drawing/2010/main" val="0"/>
-              </a:ext>
-            </a:extLst>
-          </a:blip>
-          <a:stretch>
-            <a:fillRect/>
-          </a:stretch>
-        </p:blipFill>
-        <p:spPr>
-          <a:xfrm>
-            <a:off x="7848852" y="2764499"/>
-            <a:ext cx="3649215" cy="2713112"/>
-          </a:xfrm>
-          <a:prstGeom prst="rect">
-            <a:avLst/>
-          </a:prstGeom>
-        </p:spPr>
-      </p:pic>
-      <p:sp>
-        <p:nvSpPr>
-          <p:cNvPr id="12" name="Rectangle 11"/>
-          <p:cNvSpPr/>
-          <p:nvPr/>
-        </p:nvSpPr>
-        <p:spPr>
-          <a:xfrm>
-            <a:off x="297415" y="6311900"/>
-            <a:ext cx="7453720" cy="307777"/>
-          </a:xfrm>
-          <a:prstGeom prst="rect">
-            <a:avLst/>
-          </a:prstGeom>
-        </p:spPr>
-        <p:txBody>
-          <a:bodyPr wrap="square">
-            <a:spAutoFit/>
-          </a:bodyPr>
-          <a:lstStyle/>
-          <a:p>
-            <a:r>
-              <a:rPr lang="en-US" sz="1400"/>
-              <a:t>See http</a:t>
-            </a:r>
-            <a:r>
-              <a:rPr lang="en-US" sz="1400" dirty="0"/>
-              <a:t>://</a:t>
-            </a:r>
-            <a:r>
-              <a:rPr lang="en-US" sz="1400" dirty="0" err="1"/>
-              <a:t>interactivepython.org</a:t>
-            </a:r>
-            <a:r>
-              <a:rPr lang="en-US" sz="1400" dirty="0"/>
-              <a:t>/</a:t>
-            </a:r>
-            <a:r>
-              <a:rPr lang="en-US" sz="1400" dirty="0" err="1"/>
-              <a:t>runestone</a:t>
-            </a:r>
-            <a:r>
-              <a:rPr lang="en-US" sz="1400" dirty="0"/>
-              <a:t>/static/</a:t>
-            </a:r>
-            <a:r>
-              <a:rPr lang="en-US" sz="1400" dirty="0" err="1"/>
-              <a:t>pythonds</a:t>
-            </a:r>
-            <a:r>
-              <a:rPr lang="en-US" sz="1400" dirty="0"/>
-              <a:t>/</a:t>
-            </a:r>
-            <a:r>
-              <a:rPr lang="en-US" sz="1400" dirty="0" err="1"/>
-              <a:t>SortSearch</a:t>
-            </a:r>
-            <a:r>
-              <a:rPr lang="en-US" sz="1400" dirty="0"/>
-              <a:t>/</a:t>
-            </a:r>
-            <a:r>
-              <a:rPr lang="en-US" sz="1400" dirty="0" err="1"/>
-              <a:t>TheBinarySearch.html</a:t>
-            </a:r>
-            <a:endParaRPr lang="en-US" sz="1400" dirty="0"/>
-          </a:p>
-        </p:txBody>
-      </p:sp>
-      <p:sp>
-        <p:nvSpPr>
-          <p:cNvPr id="13" name="TextBox 12"/>
-          <p:cNvSpPr txBox="1"/>
-          <p:nvPr/>
-        </p:nvSpPr>
-        <p:spPr>
-          <a:xfrm>
-            <a:off x="867719" y="2720672"/>
-            <a:ext cx="6313111" cy="2800767"/>
-          </a:xfrm>
-          <a:prstGeom prst="rect">
-            <a:avLst/>
-          </a:prstGeom>
-          <a:noFill/>
-          <a:ln>
-            <a:solidFill>
-              <a:schemeClr val="accent1"/>
-            </a:solidFill>
-          </a:ln>
-        </p:spPr>
-        <p:txBody>
-          <a:bodyPr wrap="square" rtlCol="0">
-            <a:spAutoFit/>
-          </a:bodyPr>
-          <a:lstStyle/>
-          <a:p>
-            <a:r>
-              <a:rPr lang="en-US" sz="2200" dirty="0">
-                <a:latin typeface="Monaco" charset="0"/>
-                <a:ea typeface="Monaco" charset="0"/>
-                <a:cs typeface="Monaco" charset="0"/>
-              </a:rPr>
-              <a:t>def </a:t>
-            </a:r>
-            <a:r>
-              <a:rPr lang="en-US" sz="2200" dirty="0" err="1">
-                <a:latin typeface="Monaco" charset="0"/>
-                <a:ea typeface="Monaco" charset="0"/>
-                <a:cs typeface="Monaco" charset="0"/>
-              </a:rPr>
-              <a:t>binsearch</a:t>
-            </a:r>
-            <a:r>
-              <a:rPr lang="en-US" sz="2200" dirty="0">
-                <a:latin typeface="Monaco" charset="0"/>
-                <a:ea typeface="Monaco" charset="0"/>
-                <a:cs typeface="Monaco" charset="0"/>
-              </a:rPr>
-              <a:t>(</a:t>
-            </a:r>
-            <a:r>
-              <a:rPr lang="en-US" sz="2200" dirty="0" err="1">
-                <a:latin typeface="Monaco" charset="0"/>
-                <a:ea typeface="Monaco" charset="0"/>
-                <a:cs typeface="Monaco" charset="0"/>
-              </a:rPr>
-              <a:t>a,x</a:t>
-            </a:r>
-            <a:r>
-              <a:rPr lang="en-US" sz="2200" dirty="0">
-                <a:latin typeface="Monaco" charset="0"/>
-                <a:ea typeface="Monaco" charset="0"/>
-                <a:cs typeface="Monaco" charset="0"/>
-              </a:rPr>
-              <a:t>):</a:t>
-            </a:r>
-          </a:p>
-          <a:p>
-            <a:r>
-              <a:rPr lang="en-US" sz="2200" dirty="0">
-                <a:latin typeface="Monaco" charset="0"/>
-                <a:ea typeface="Monaco" charset="0"/>
-                <a:cs typeface="Monaco" charset="0"/>
-              </a:rPr>
-              <a:t>    left = 0; right = </a:t>
-            </a:r>
-            <a:r>
-              <a:rPr lang="en-US" sz="2200" dirty="0" err="1">
-                <a:latin typeface="Monaco" charset="0"/>
-                <a:ea typeface="Monaco" charset="0"/>
-                <a:cs typeface="Monaco" charset="0"/>
-              </a:rPr>
-              <a:t>len</a:t>
-            </a:r>
-            <a:r>
-              <a:rPr lang="en-US" sz="2200" dirty="0">
-                <a:latin typeface="Monaco" charset="0"/>
-                <a:ea typeface="Monaco" charset="0"/>
-                <a:cs typeface="Monaco" charset="0"/>
-              </a:rPr>
-              <a:t>(a)-1</a:t>
-            </a:r>
-          </a:p>
-          <a:p>
-            <a:r>
-              <a:rPr lang="en-US" sz="2200" dirty="0">
-                <a:latin typeface="Monaco" charset="0"/>
-                <a:ea typeface="Monaco" charset="0"/>
-                <a:cs typeface="Monaco" charset="0"/>
-              </a:rPr>
-              <a:t>    while left&lt;=right:    </a:t>
-            </a:r>
-          </a:p>
-          <a:p>
-            <a:r>
-              <a:rPr lang="en-US" sz="2200" dirty="0">
-                <a:latin typeface="Monaco" charset="0"/>
-                <a:ea typeface="Monaco" charset="0"/>
-                <a:cs typeface="Monaco" charset="0"/>
-              </a:rPr>
-              <a:t>        mid = </a:t>
-            </a:r>
-            <a:r>
-              <a:rPr lang="en-US" sz="2200" dirty="0" err="1">
-                <a:latin typeface="Monaco" charset="0"/>
-                <a:ea typeface="Monaco" charset="0"/>
-                <a:cs typeface="Monaco" charset="0"/>
-              </a:rPr>
-              <a:t>int</a:t>
-            </a:r>
-            <a:r>
-              <a:rPr lang="en-US" sz="2200" dirty="0">
-                <a:latin typeface="Monaco" charset="0"/>
-                <a:ea typeface="Monaco" charset="0"/>
-                <a:cs typeface="Monaco" charset="0"/>
-              </a:rPr>
-              <a:t>((left + right)/2)</a:t>
-            </a:r>
-          </a:p>
-          <a:p>
-            <a:r>
-              <a:rPr lang="en-US" sz="2200" dirty="0">
-                <a:latin typeface="Monaco" charset="0"/>
-                <a:ea typeface="Monaco" charset="0"/>
-                <a:cs typeface="Monaco" charset="0"/>
-              </a:rPr>
-              <a:t>        if a[mid]==x: return mid </a:t>
-            </a:r>
-          </a:p>
-          <a:p>
-            <a:r>
-              <a:rPr lang="en-US" sz="2200" dirty="0">
-                <a:latin typeface="Monaco" charset="0"/>
-                <a:ea typeface="Monaco" charset="0"/>
-                <a:cs typeface="Monaco" charset="0"/>
-              </a:rPr>
-              <a:t>        if x &lt; a[mid]: right = mid-1</a:t>
-            </a:r>
-          </a:p>
-          <a:p>
-            <a:r>
-              <a:rPr lang="en-US" sz="2200" dirty="0">
-                <a:latin typeface="Monaco" charset="0"/>
-                <a:ea typeface="Monaco" charset="0"/>
-                <a:cs typeface="Monaco" charset="0"/>
-              </a:rPr>
-              <a:t>        else: left = mid+1</a:t>
-            </a:r>
-          </a:p>
-          <a:p>
-            <a:r>
-              <a:rPr lang="en-US" sz="2200" dirty="0">
-                <a:latin typeface="Monaco" charset="0"/>
-                <a:ea typeface="Monaco" charset="0"/>
-                <a:cs typeface="Monaco" charset="0"/>
-              </a:rPr>
-              <a:t>    return -1</a:t>
-            </a:r>
-          </a:p>
-        </p:txBody>
-      </p:sp>
-      <p:sp>
-        <p:nvSpPr>
-          <p:cNvPr id="14" name="Rectangle 13"/>
-          <p:cNvSpPr/>
-          <p:nvPr/>
-        </p:nvSpPr>
-        <p:spPr>
-          <a:xfrm>
-            <a:off x="297415" y="5715298"/>
-            <a:ext cx="10230686" cy="461665"/>
-          </a:xfrm>
-          <a:prstGeom prst="rect">
-            <a:avLst/>
-          </a:prstGeom>
-        </p:spPr>
-        <p:txBody>
-          <a:bodyPr wrap="none">
-            <a:spAutoFit/>
-          </a:bodyPr>
-          <a:lstStyle/>
-          <a:p>
-            <a:r>
-              <a:rPr lang="en-US" sz="2400" dirty="0">
-                <a:solidFill>
-                  <a:srgbClr val="C00000"/>
-                </a:solidFill>
-              </a:rPr>
+              <a:t>Brute force algorithm is O(nm), but theoretical best case algorithm exists for O(n + m)</a:t>
+            </a:r>
+          </a:p>
+          <a:p>
+            <a:r>
+              <a:rPr lang="en-US" b="1" dirty="0"/>
               <a:t>Exercise</a:t>
             </a:r>
             <a:r>
-              <a:rPr lang="en-US" sz="2400" dirty="0"/>
-              <a:t>: What is complexity? Show recurrence relation then closed form.</a:t>
+              <a:rPr lang="en-US" dirty="0"/>
+              <a:t>: Describe brute force algorithm</a:t>
             </a:r>
           </a:p>
         </p:txBody>
@@ -4658,7 +5010,7 @@
     </p:spTree>
     <p:extLst>
       <p:ext uri="{BB962C8B-B14F-4D97-AF65-F5344CB8AC3E}">
-        <p14:creationId xmlns:p14="http://schemas.microsoft.com/office/powerpoint/2010/main" val="2363239464"/>
+        <p14:creationId xmlns:p14="http://schemas.microsoft.com/office/powerpoint/2010/main" val="434236956"/>
       </p:ext>
     </p:extLst>
   </p:cSld>
@@ -4690,7 +5042,7 @@
           <p:cNvPr id="2" name="Title 1">
             <a:extLst>
               <a:ext uri="{FF2B5EF4-FFF2-40B4-BE49-F238E27FC236}">
-                <a16:creationId xmlns:a16="http://schemas.microsoft.com/office/drawing/2014/main" id="{09C1B5BB-CBC3-2E42-9D5F-75DBE3EC8D88}"/>
+                <a16:creationId xmlns:a16="http://schemas.microsoft.com/office/drawing/2014/main" id="{4EB37A9A-DFAA-7946-88B2-AF1E3749D8A9}"/>
               </a:ext>
             </a:extLst>
           </p:cNvPr>
@@ -4700,20 +5052,195 @@
           <p:nvPr>
             <p:ph type="title"/>
           </p:nvPr>
+        </p:nvSpPr>
+        <p:spPr/>
+        <p:txBody>
+          <a:bodyPr/>
+          <a:lstStyle/>
+          <a:p>
+            <a:r>
+              <a:rPr lang="en-US" dirty="0"/>
+              <a:t>Hash searches</a:t>
+            </a:r>
+          </a:p>
+        </p:txBody>
+      </p:sp>
+      <p:sp>
+        <p:nvSpPr>
+          <p:cNvPr id="3" name="Content Placeholder 2">
+            <a:extLst>
+              <a:ext uri="{FF2B5EF4-FFF2-40B4-BE49-F238E27FC236}">
+                <a16:creationId xmlns:a16="http://schemas.microsoft.com/office/drawing/2014/main" id="{9C0AA4F5-5A70-9948-B06A-CD63868A984C}"/>
+              </a:ext>
+            </a:extLst>
+          </p:cNvPr>
+          <p:cNvSpPr>
+            <a:spLocks noGrp="1"/>
+          </p:cNvSpPr>
+          <p:nvPr>
+            <p:ph idx="1"/>
+          </p:nvPr>
+        </p:nvSpPr>
+        <p:spPr/>
+        <p:txBody>
+          <a:bodyPr>
+            <a:normAutofit/>
+          </a:bodyPr>
+          <a:lstStyle/>
+          <a:p>
+            <a:r>
+              <a:rPr lang="en-US" dirty="0"/>
+              <a:t>First, note that two equal strings have same hash code so we can compare </a:t>
+            </a:r>
+            <a:r>
+              <a:rPr lang="en-US" dirty="0" err="1"/>
+              <a:t>int</a:t>
+            </a:r>
+            <a:r>
+              <a:rPr lang="en-US" dirty="0"/>
+              <a:t> codes quickly even for huge strings</a:t>
+            </a:r>
+          </a:p>
+          <a:p>
+            <a:r>
+              <a:rPr lang="en-US" dirty="0"/>
+              <a:t>Rabin-Karp* algorithm uses hash table to get speed up but still O(nm) worst-case; works for any substring not just words</a:t>
+            </a:r>
+          </a:p>
+          <a:p>
+            <a:r>
+              <a:rPr lang="en-US" dirty="0"/>
+              <a:t>Idea: h = hash search string s; compute hash for doc[</a:t>
+            </a:r>
+            <a:r>
+              <a:rPr lang="en-US" dirty="0" err="1"/>
+              <a:t>i:i+m</a:t>
+            </a:r>
+            <a:r>
+              <a:rPr lang="en-US" dirty="0"/>
+              <a:t>] and compare to h; if same, compare s to doc[</a:t>
+            </a:r>
+            <a:r>
+              <a:rPr lang="en-US" dirty="0" err="1"/>
+              <a:t>i:i+m</a:t>
+            </a:r>
+            <a:r>
+              <a:rPr lang="en-US" dirty="0"/>
+              <a:t>], return if found; move </a:t>
+            </a:r>
+            <a:r>
+              <a:rPr lang="en-US" dirty="0" err="1"/>
+              <a:t>i</a:t>
+            </a:r>
+            <a:r>
+              <a:rPr lang="en-US" dirty="0"/>
+              <a:t> from 0 to n-m</a:t>
+            </a:r>
+          </a:p>
+          <a:p>
+            <a:endParaRPr lang="en-US" dirty="0"/>
+          </a:p>
+        </p:txBody>
+      </p:sp>
+      <p:sp>
+        <p:nvSpPr>
+          <p:cNvPr id="5" name="TextBox 4">
+            <a:extLst>
+              <a:ext uri="{FF2B5EF4-FFF2-40B4-BE49-F238E27FC236}">
+                <a16:creationId xmlns:a16="http://schemas.microsoft.com/office/drawing/2014/main" id="{4C9E2EBA-5391-654A-8F49-2D375A2B5F6A}"/>
+              </a:ext>
+            </a:extLst>
+          </p:cNvPr>
+          <p:cNvSpPr txBox="1"/>
+          <p:nvPr/>
         </p:nvSpPr>
         <p:spPr>
           <a:xfrm>
-            <a:off x="827926" y="129169"/>
-            <a:ext cx="10515600" cy="817385"/>
+            <a:off x="1119883" y="6311900"/>
+            <a:ext cx="6853158" cy="369332"/>
           </a:xfrm>
+          <a:prstGeom prst="rect">
+            <a:avLst/>
+          </a:prstGeom>
+          <a:noFill/>
         </p:spPr>
         <p:txBody>
+          <a:bodyPr wrap="none" rtlCol="0">
+            <a:spAutoFit/>
+          </a:bodyPr>
+          <a:lstStyle/>
+          <a:p>
+            <a:r>
+              <a:rPr lang="en-US" dirty="0"/>
+              <a:t>*</a:t>
+            </a:r>
+            <a:r>
+              <a:rPr lang="en-US" dirty="0">
+                <a:hlinkClick r:id="rId2"/>
+              </a:rPr>
+              <a:t>https://en.wikipedia.org/wiki/Rabin%E2%80%93Karp_algorithm</a:t>
+            </a:r>
+            <a:r>
+              <a:rPr lang="en-US" dirty="0"/>
+              <a:t> </a:t>
+            </a:r>
+          </a:p>
+        </p:txBody>
+      </p:sp>
+    </p:spTree>
+    <p:extLst>
+      <p:ext uri="{BB962C8B-B14F-4D97-AF65-F5344CB8AC3E}">
+        <p14:creationId xmlns:p14="http://schemas.microsoft.com/office/powerpoint/2010/main" val="199048830"/>
+      </p:ext>
+    </p:extLst>
+  </p:cSld>
+  <p:clrMapOvr>
+    <a:masterClrMapping/>
+  </p:clrMapOvr>
+</p:sld>
+</file>
+
+<file path=ppt/slides/slide7.xml><?xml version="1.0" encoding="utf-8"?>
+<p:sld xmlns:a="http://schemas.openxmlformats.org/drawingml/2006/main" xmlns:r="http://schemas.openxmlformats.org/officeDocument/2006/relationships" xmlns:p="http://schemas.openxmlformats.org/presentationml/2006/main">
+  <p:cSld>
+    <p:spTree>
+      <p:nvGrpSpPr>
+        <p:cNvPr id="1" name=""/>
+        <p:cNvGrpSpPr/>
+        <p:nvPr/>
+      </p:nvGrpSpPr>
+      <p:grpSpPr>
+        <a:xfrm>
+          <a:off x="0" y="0"/>
+          <a:ext cx="0" cy="0"/>
+          <a:chOff x="0" y="0"/>
+          <a:chExt cx="0" cy="0"/>
+        </a:xfrm>
+      </p:grpSpPr>
+      <p:sp>
+        <p:nvSpPr>
+          <p:cNvPr id="2" name="Title 1">
+            <a:extLst>
+              <a:ext uri="{FF2B5EF4-FFF2-40B4-BE49-F238E27FC236}">
+                <a16:creationId xmlns:a16="http://schemas.microsoft.com/office/drawing/2014/main" id="{A4EB9A59-6479-2A49-BA16-1514857AC95F}"/>
+              </a:ext>
+            </a:extLst>
+          </p:cNvPr>
+          <p:cNvSpPr>
+            <a:spLocks noGrp="1"/>
+          </p:cNvSpPr>
+          <p:nvPr>
+            <p:ph type="title"/>
+          </p:nvPr>
+        </p:nvSpPr>
+        <p:spPr/>
+        <p:txBody>
           <a:bodyPr/>
           <a:lstStyle/>
           <a:p>
             <a:r>
               <a:rPr lang="en-US" dirty="0"/>
-              <a:t>Compare to (tail-)recursive version</a:t>
+              <a:t>Rabin-Karp (almost)</a:t>
             </a:r>
           </a:p>
         </p:txBody>
@@ -4723,7 +5250,7 @@
           <p:cNvPr id="4" name="TextBox 3">
             <a:extLst>
               <a:ext uri="{FF2B5EF4-FFF2-40B4-BE49-F238E27FC236}">
-                <a16:creationId xmlns:a16="http://schemas.microsoft.com/office/drawing/2014/main" id="{7E7BCA4B-0623-3A41-A4D9-0AF68320BA90}"/>
+                <a16:creationId xmlns:a16="http://schemas.microsoft.com/office/drawing/2014/main" id="{2D135B6C-B890-1140-B2CE-91A97DAF6446}"/>
               </a:ext>
             </a:extLst>
           </p:cNvPr>
@@ -4732,8 +5259,8 @@
         </p:nvSpPr>
         <p:spPr>
           <a:xfrm>
-            <a:off x="2815119" y="4814850"/>
-            <a:ext cx="5126804" cy="1938992"/>
+            <a:off x="927600" y="1455825"/>
+            <a:ext cx="7754062" cy="2800767"/>
           </a:xfrm>
           <a:prstGeom prst="rect">
             <a:avLst/>
@@ -4752,15 +5279,41 @@
           <a:lstStyle/>
           <a:p>
             <a:r>
-              <a:rPr lang="en-US" sz="2000" dirty="0">
-                <a:latin typeface="Monaco" charset="0"/>
-                <a:ea typeface="Monaco" charset="0"/>
-                <a:cs typeface="Monaco" charset="0"/>
-              </a:rPr>
-              <a:t>left = 0; right = </a:t>
-            </a:r>
-            <a:r>
-              <a:rPr lang="en-US" sz="2000" dirty="0" err="1">
+              <a:rPr lang="en-US" sz="2200" dirty="0">
+                <a:latin typeface="Monaco" charset="0"/>
+                <a:ea typeface="Monaco" charset="0"/>
+                <a:cs typeface="Monaco" charset="0"/>
+              </a:rPr>
+              <a:t>def search(doc, s) -&gt; </a:t>
+            </a:r>
+            <a:r>
+              <a:rPr lang="en-US" sz="2200" dirty="0" err="1">
+                <a:latin typeface="Monaco" charset="0"/>
+                <a:ea typeface="Monaco" charset="0"/>
+                <a:cs typeface="Monaco" charset="0"/>
+              </a:rPr>
+              <a:t>int</a:t>
+            </a:r>
+            <a:r>
+              <a:rPr lang="en-US" sz="2200" dirty="0">
+                <a:latin typeface="Monaco" charset="0"/>
+                <a:ea typeface="Monaco" charset="0"/>
+                <a:cs typeface="Monaco" charset="0"/>
+              </a:rPr>
+              <a:t>:</a:t>
+            </a:r>
+          </a:p>
+          <a:p>
+            <a:r>
+              <a:rPr lang="en-US" sz="2200" dirty="0">
+                <a:latin typeface="Monaco" charset="0"/>
+                <a:ea typeface="Monaco" charset="0"/>
+                <a:cs typeface="Monaco" charset="0"/>
+              </a:rPr>
+              <a:t>    n = </a:t>
+            </a:r>
+            <a:r>
+              <a:rPr lang="en-US" sz="2200" dirty="0" err="1">
                 <a:latin typeface="Monaco" charset="0"/>
                 <a:ea typeface="Monaco" charset="0"/>
                 <a:cs typeface="Monaco" charset="0"/>
@@ -4768,78 +5321,213 @@
               <a:t>len</a:t>
             </a:r>
             <a:r>
-              <a:rPr lang="en-US" sz="2000" dirty="0">
-                <a:latin typeface="Monaco" charset="0"/>
-                <a:ea typeface="Monaco" charset="0"/>
-                <a:cs typeface="Monaco" charset="0"/>
-              </a:rPr>
-              <a:t>(a)-1</a:t>
-            </a:r>
-          </a:p>
-          <a:p>
-            <a:r>
-              <a:rPr lang="en-US" sz="2000" dirty="0">
-                <a:latin typeface="Monaco" charset="0"/>
-                <a:ea typeface="Monaco" charset="0"/>
-                <a:cs typeface="Monaco" charset="0"/>
-              </a:rPr>
-              <a:t>while left&lt;=right:    </a:t>
-            </a:r>
-          </a:p>
-          <a:p>
-            <a:r>
-              <a:rPr lang="en-US" sz="2000" dirty="0">
-                <a:latin typeface="Monaco" charset="0"/>
-                <a:ea typeface="Monaco" charset="0"/>
-                <a:cs typeface="Monaco" charset="0"/>
-              </a:rPr>
-              <a:t>    mid = </a:t>
-            </a:r>
-            <a:r>
-              <a:rPr lang="en-US" sz="2000" dirty="0" err="1">
-                <a:latin typeface="Monaco" charset="0"/>
-                <a:ea typeface="Monaco" charset="0"/>
-                <a:cs typeface="Monaco" charset="0"/>
-              </a:rPr>
-              <a:t>int</a:t>
-            </a:r>
-            <a:r>
-              <a:rPr lang="en-US" sz="2000" dirty="0">
-                <a:latin typeface="Monaco" charset="0"/>
-                <a:ea typeface="Monaco" charset="0"/>
-                <a:cs typeface="Monaco" charset="0"/>
-              </a:rPr>
-              <a:t>((left + right)/2)</a:t>
-            </a:r>
-          </a:p>
-          <a:p>
-            <a:r>
-              <a:rPr lang="en-US" sz="2000" dirty="0">
-                <a:latin typeface="Monaco" charset="0"/>
-                <a:ea typeface="Monaco" charset="0"/>
-                <a:cs typeface="Monaco" charset="0"/>
-              </a:rPr>
-              <a:t>    if a[mid]==x: return mid </a:t>
-            </a:r>
-          </a:p>
-          <a:p>
-            <a:r>
-              <a:rPr lang="en-US" sz="2000" dirty="0">
-                <a:latin typeface="Monaco" charset="0"/>
-                <a:ea typeface="Monaco" charset="0"/>
-                <a:cs typeface="Monaco" charset="0"/>
-              </a:rPr>
-              <a:t>    if x &lt; a[mid]: right = mid-1</a:t>
-            </a:r>
-          </a:p>
-          <a:p>
-            <a:r>
-              <a:rPr lang="en-US" sz="2000" dirty="0">
-                <a:latin typeface="Monaco" charset="0"/>
-                <a:ea typeface="Monaco" charset="0"/>
-                <a:cs typeface="Monaco" charset="0"/>
-              </a:rPr>
-              <a:t>    else: left = mid+1</a:t>
+              <a:rPr lang="en-US" sz="2200" dirty="0">
+                <a:latin typeface="Monaco" charset="0"/>
+                <a:ea typeface="Monaco" charset="0"/>
+                <a:cs typeface="Monaco" charset="0"/>
+              </a:rPr>
+              <a:t>(doc); m = </a:t>
+            </a:r>
+            <a:r>
+              <a:rPr lang="en-US" sz="2200" dirty="0" err="1">
+                <a:latin typeface="Monaco" charset="0"/>
+                <a:ea typeface="Monaco" charset="0"/>
+                <a:cs typeface="Monaco" charset="0"/>
+              </a:rPr>
+              <a:t>len</a:t>
+            </a:r>
+            <a:r>
+              <a:rPr lang="en-US" sz="2200" dirty="0">
+                <a:latin typeface="Monaco" charset="0"/>
+                <a:ea typeface="Monaco" charset="0"/>
+                <a:cs typeface="Monaco" charset="0"/>
+              </a:rPr>
+              <a:t>(s)</a:t>
+            </a:r>
+          </a:p>
+          <a:p>
+            <a:r>
+              <a:rPr lang="en-US" sz="2200" dirty="0">
+                <a:latin typeface="Monaco" charset="0"/>
+                <a:ea typeface="Monaco" charset="0"/>
+                <a:cs typeface="Monaco" charset="0"/>
+              </a:rPr>
+              <a:t>    </a:t>
+            </a:r>
+            <a:r>
+              <a:rPr lang="en-US" sz="2200" dirty="0" err="1">
+                <a:latin typeface="Monaco" charset="0"/>
+                <a:ea typeface="Monaco" charset="0"/>
+                <a:cs typeface="Monaco" charset="0"/>
+              </a:rPr>
+              <a:t>hs</a:t>
+            </a:r>
+            <a:r>
+              <a:rPr lang="en-US" sz="2200" dirty="0">
+                <a:latin typeface="Monaco" charset="0"/>
+                <a:ea typeface="Monaco" charset="0"/>
+                <a:cs typeface="Monaco" charset="0"/>
+              </a:rPr>
+              <a:t> = hash(s)</a:t>
+            </a:r>
+          </a:p>
+          <a:p>
+            <a:r>
+              <a:rPr lang="en-US" sz="2200" dirty="0">
+                <a:latin typeface="Monaco" charset="0"/>
+                <a:ea typeface="Monaco" charset="0"/>
+                <a:cs typeface="Monaco" charset="0"/>
+              </a:rPr>
+              <a:t>    for </a:t>
+            </a:r>
+            <a:r>
+              <a:rPr lang="en-US" sz="2200" dirty="0" err="1">
+                <a:latin typeface="Monaco" charset="0"/>
+                <a:ea typeface="Monaco" charset="0"/>
+                <a:cs typeface="Monaco" charset="0"/>
+              </a:rPr>
+              <a:t>i</a:t>
+            </a:r>
+            <a:r>
+              <a:rPr lang="en-US" sz="2200" dirty="0">
+                <a:latin typeface="Monaco" charset="0"/>
+                <a:ea typeface="Monaco" charset="0"/>
+                <a:cs typeface="Monaco" charset="0"/>
+              </a:rPr>
+              <a:t> in range(0,n-m+1):</a:t>
+            </a:r>
+          </a:p>
+          <a:p>
+            <a:r>
+              <a:rPr lang="en-US" sz="2200" dirty="0">
+                <a:latin typeface="Monaco" charset="0"/>
+                <a:ea typeface="Monaco" charset="0"/>
+                <a:cs typeface="Monaco" charset="0"/>
+              </a:rPr>
+              <a:t>        </a:t>
+            </a:r>
+            <a:r>
+              <a:rPr lang="en-US" sz="2200" dirty="0" err="1">
+                <a:latin typeface="Monaco" charset="0"/>
+                <a:ea typeface="Monaco" charset="0"/>
+                <a:cs typeface="Monaco" charset="0"/>
+              </a:rPr>
+              <a:t>hdoc</a:t>
+            </a:r>
+            <a:r>
+              <a:rPr lang="en-US" sz="2200" dirty="0">
+                <a:latin typeface="Monaco" charset="0"/>
+                <a:ea typeface="Monaco" charset="0"/>
+                <a:cs typeface="Monaco" charset="0"/>
+              </a:rPr>
+              <a:t> = hash(doc[</a:t>
+            </a:r>
+            <a:r>
+              <a:rPr lang="en-US" sz="2200" dirty="0" err="1">
+                <a:latin typeface="Monaco" charset="0"/>
+                <a:ea typeface="Monaco" charset="0"/>
+                <a:cs typeface="Monaco" charset="0"/>
+              </a:rPr>
+              <a:t>i:i+m</a:t>
+            </a:r>
+            <a:r>
+              <a:rPr lang="en-US" sz="2200" dirty="0">
+                <a:latin typeface="Monaco" charset="0"/>
+                <a:ea typeface="Monaco" charset="0"/>
+                <a:cs typeface="Monaco" charset="0"/>
+              </a:rPr>
+              <a:t>]) # slow O(m)</a:t>
+            </a:r>
+          </a:p>
+          <a:p>
+            <a:r>
+              <a:rPr lang="en-US" sz="2200" dirty="0">
+                <a:latin typeface="Monaco" charset="0"/>
+                <a:ea typeface="Monaco" charset="0"/>
+                <a:cs typeface="Monaco" charset="0"/>
+              </a:rPr>
+              <a:t>        if </a:t>
+            </a:r>
+            <a:r>
+              <a:rPr lang="en-US" sz="2200" dirty="0" err="1">
+                <a:latin typeface="Monaco" charset="0"/>
+                <a:ea typeface="Monaco" charset="0"/>
+                <a:cs typeface="Monaco" charset="0"/>
+              </a:rPr>
+              <a:t>hdoc</a:t>
+            </a:r>
+            <a:r>
+              <a:rPr lang="en-US" sz="2200" dirty="0">
+                <a:latin typeface="Monaco" charset="0"/>
+                <a:ea typeface="Monaco" charset="0"/>
+                <a:cs typeface="Monaco" charset="0"/>
+              </a:rPr>
+              <a:t>==</a:t>
+            </a:r>
+            <a:r>
+              <a:rPr lang="en-US" sz="2200" dirty="0" err="1">
+                <a:latin typeface="Monaco" charset="0"/>
+                <a:ea typeface="Monaco" charset="0"/>
+                <a:cs typeface="Monaco" charset="0"/>
+              </a:rPr>
+              <a:t>hs</a:t>
+            </a:r>
+            <a:r>
+              <a:rPr lang="en-US" sz="2200" dirty="0">
+                <a:latin typeface="Monaco" charset="0"/>
+                <a:ea typeface="Monaco" charset="0"/>
+                <a:cs typeface="Monaco" charset="0"/>
+              </a:rPr>
+              <a:t> and s==doc[</a:t>
+            </a:r>
+            <a:r>
+              <a:rPr lang="en-US" sz="2200" dirty="0" err="1">
+                <a:latin typeface="Monaco" charset="0"/>
+                <a:ea typeface="Monaco" charset="0"/>
+                <a:cs typeface="Monaco" charset="0"/>
+              </a:rPr>
+              <a:t>i:i+m</a:t>
+            </a:r>
+            <a:r>
+              <a:rPr lang="en-US" sz="2200" dirty="0">
+                <a:latin typeface="Monaco" charset="0"/>
+                <a:ea typeface="Monaco" charset="0"/>
+                <a:cs typeface="Monaco" charset="0"/>
+              </a:rPr>
+              <a:t>]:</a:t>
+            </a:r>
+          </a:p>
+          <a:p>
+            <a:r>
+              <a:rPr lang="en-US" sz="2200" dirty="0">
+                <a:latin typeface="Monaco" charset="0"/>
+                <a:ea typeface="Monaco" charset="0"/>
+                <a:cs typeface="Monaco" charset="0"/>
+              </a:rPr>
+              <a:t>            return </a:t>
+            </a:r>
+            <a:r>
+              <a:rPr lang="en-US" sz="2200" dirty="0" err="1">
+                <a:latin typeface="Monaco" charset="0"/>
+                <a:ea typeface="Monaco" charset="0"/>
+                <a:cs typeface="Monaco" charset="0"/>
+              </a:rPr>
+              <a:t>i</a:t>
+            </a:r>
+            <a:endParaRPr lang="en-US" sz="2200" dirty="0">
+              <a:latin typeface="Monaco" charset="0"/>
+              <a:ea typeface="Monaco" charset="0"/>
+              <a:cs typeface="Monaco" charset="0"/>
+            </a:endParaRPr>
+          </a:p>
+          <a:p>
+            <a:r>
+              <a:rPr lang="en-US" sz="2200" dirty="0">
+                <a:latin typeface="Monaco" charset="0"/>
+                <a:ea typeface="Monaco" charset="0"/>
+                <a:cs typeface="Monaco" charset="0"/>
+              </a:rPr>
+              <a:t>    return -1</a:t>
             </a:r>
           </a:p>
         </p:txBody>
@@ -4849,7 +5537,7 @@
           <p:cNvPr id="5" name="TextBox 4">
             <a:extLst>
               <a:ext uri="{FF2B5EF4-FFF2-40B4-BE49-F238E27FC236}">
-                <a16:creationId xmlns:a16="http://schemas.microsoft.com/office/drawing/2014/main" id="{70BF3154-BC65-AF47-96F1-85EF98CC7A01}"/>
+                <a16:creationId xmlns:a16="http://schemas.microsoft.com/office/drawing/2014/main" id="{53E89B64-E4C7-B349-8F4D-C096A24A66FC}"/>
               </a:ext>
             </a:extLst>
           </p:cNvPr>
@@ -4858,8 +5546,8 @@
         </p:nvSpPr>
         <p:spPr>
           <a:xfrm>
-            <a:off x="1605695" y="984817"/>
-            <a:ext cx="7823054" cy="3416320"/>
+            <a:off x="927600" y="4495491"/>
+            <a:ext cx="5790235" cy="769441"/>
           </a:xfrm>
           <a:prstGeom prst="rect">
             <a:avLst/>
@@ -4878,77 +5566,31 @@
           <a:lstStyle/>
           <a:p>
             <a:r>
-              <a:rPr lang="en-US" sz="2400" dirty="0">
-                <a:latin typeface="Monaco" charset="0"/>
-                <a:ea typeface="Monaco" charset="0"/>
-                <a:cs typeface="Monaco" charset="0"/>
-              </a:rPr>
-              <a:t>def </a:t>
-            </a:r>
-            <a:r>
-              <a:rPr lang="en-US" sz="2400" dirty="0" err="1">
-                <a:latin typeface="Monaco" charset="0"/>
-                <a:ea typeface="Monaco" charset="0"/>
-                <a:cs typeface="Monaco" charset="0"/>
-              </a:rPr>
-              <a:t>binsearch</a:t>
-            </a:r>
-            <a:r>
-              <a:rPr lang="en-US" sz="2400" dirty="0">
-                <a:latin typeface="Monaco" charset="0"/>
-                <a:ea typeface="Monaco" charset="0"/>
-                <a:cs typeface="Monaco" charset="0"/>
-              </a:rPr>
-              <a:t>(</a:t>
-            </a:r>
-            <a:r>
-              <a:rPr lang="en-US" sz="2400" dirty="0" err="1">
-                <a:latin typeface="Monaco" charset="0"/>
-                <a:ea typeface="Monaco" charset="0"/>
-                <a:cs typeface="Monaco" charset="0"/>
-              </a:rPr>
-              <a:t>a,x,left,right</a:t>
-            </a:r>
-            <a:r>
-              <a:rPr lang="en-US" sz="2400" dirty="0">
-                <a:latin typeface="Monaco" charset="0"/>
-                <a:ea typeface="Monaco" charset="0"/>
-                <a:cs typeface="Monaco" charset="0"/>
-              </a:rPr>
-              <a:t>):</a:t>
-            </a:r>
-          </a:p>
-          <a:p>
-            <a:r>
-              <a:rPr lang="en-US" sz="2400" dirty="0">
-                <a:latin typeface="Monaco" charset="0"/>
-                <a:ea typeface="Monaco" charset="0"/>
-                <a:cs typeface="Monaco" charset="0"/>
-              </a:rPr>
-              <a:t>    print(left, right)</a:t>
-            </a:r>
-          </a:p>
-          <a:p>
-            <a:r>
-              <a:rPr lang="en-US" sz="2400" dirty="0">
-                <a:latin typeface="Monaco" charset="0"/>
-                <a:ea typeface="Monaco" charset="0"/>
-                <a:cs typeface="Monaco" charset="0"/>
-              </a:rPr>
-              <a:t>    if left &gt; right: return -1</a:t>
-            </a:r>
-          </a:p>
-          <a:p>
-            <a:r>
-              <a:rPr lang="en-US" sz="2400" dirty="0">
-                <a:latin typeface="Monaco" charset="0"/>
-                <a:ea typeface="Monaco" charset="0"/>
-                <a:cs typeface="Monaco" charset="0"/>
-              </a:rPr>
-              <a:t>    mid = </a:t>
-            </a:r>
-            <a:r>
-              <a:rPr lang="en-US" sz="2400" dirty="0" err="1">
+              <a:rPr lang="en-US" sz="2200" dirty="0">
+                <a:latin typeface="Monaco" charset="0"/>
+                <a:ea typeface="Monaco" charset="0"/>
+                <a:cs typeface="Monaco" charset="0"/>
+              </a:rPr>
+              <a:t>def hash(</a:t>
+            </a:r>
+            <a:r>
+              <a:rPr lang="en-US" sz="2200" dirty="0" err="1">
+                <a:latin typeface="Monaco" charset="0"/>
+                <a:ea typeface="Monaco" charset="0"/>
+                <a:cs typeface="Monaco" charset="0"/>
+              </a:rPr>
+              <a:t>s:str</a:t>
+            </a:r>
+            <a:r>
+              <a:rPr lang="en-US" sz="2200" dirty="0">
+                <a:latin typeface="Monaco" charset="0"/>
+                <a:ea typeface="Monaco" charset="0"/>
+                <a:cs typeface="Monaco" charset="0"/>
+              </a:rPr>
+              <a:t>)-&gt;</a:t>
+            </a:r>
+            <a:r>
+              <a:rPr lang="en-US" sz="2200" dirty="0" err="1">
                 <a:latin typeface="Monaco" charset="0"/>
                 <a:ea typeface="Monaco" charset="0"/>
                 <a:cs typeface="Monaco" charset="0"/>
@@ -4956,94 +5598,73 @@
               <a:t>int</a:t>
             </a:r>
             <a:r>
-              <a:rPr lang="en-US" sz="2400" dirty="0">
-                <a:latin typeface="Monaco" charset="0"/>
-                <a:ea typeface="Monaco" charset="0"/>
-                <a:cs typeface="Monaco" charset="0"/>
-              </a:rPr>
-              <a:t>((left + right)/2)</a:t>
-            </a:r>
-          </a:p>
-          <a:p>
-            <a:r>
-              <a:rPr lang="en-US" sz="2400" dirty="0">
-                <a:latin typeface="Monaco" charset="0"/>
-                <a:ea typeface="Monaco" charset="0"/>
-                <a:cs typeface="Monaco" charset="0"/>
-              </a:rPr>
-              <a:t>    if a[mid]==x: return mid </a:t>
-            </a:r>
-          </a:p>
-          <a:p>
-            <a:r>
-              <a:rPr lang="en-US" sz="2400" dirty="0">
-                <a:latin typeface="Monaco" charset="0"/>
-                <a:ea typeface="Monaco" charset="0"/>
-                <a:cs typeface="Monaco" charset="0"/>
-              </a:rPr>
-              <a:t>    if x &lt; a[mid]:</a:t>
-            </a:r>
-          </a:p>
-          <a:p>
-            <a:r>
-              <a:rPr lang="en-US" sz="2400" dirty="0">
-                <a:latin typeface="Monaco" charset="0"/>
-                <a:ea typeface="Monaco" charset="0"/>
-                <a:cs typeface="Monaco" charset="0"/>
-              </a:rPr>
-              <a:t>        return </a:t>
-            </a:r>
-            <a:r>
-              <a:rPr lang="en-US" sz="2400" dirty="0" err="1">
-                <a:latin typeface="Monaco" charset="0"/>
-                <a:ea typeface="Monaco" charset="0"/>
-                <a:cs typeface="Monaco" charset="0"/>
-              </a:rPr>
-              <a:t>binsearch</a:t>
-            </a:r>
-            <a:r>
-              <a:rPr lang="en-US" sz="2400" dirty="0">
-                <a:latin typeface="Monaco" charset="0"/>
-                <a:ea typeface="Monaco" charset="0"/>
-                <a:cs typeface="Monaco" charset="0"/>
-              </a:rPr>
-              <a:t>(a,x,left,mid-1)</a:t>
-            </a:r>
-          </a:p>
-          <a:p>
-            <a:r>
-              <a:rPr lang="en-US" sz="2400" dirty="0">
-                <a:latin typeface="Monaco" charset="0"/>
-                <a:ea typeface="Monaco" charset="0"/>
-                <a:cs typeface="Monaco" charset="0"/>
-              </a:rPr>
-              <a:t>    else:</a:t>
-            </a:r>
-          </a:p>
-          <a:p>
-            <a:r>
-              <a:rPr lang="en-US" sz="2400" dirty="0">
-                <a:latin typeface="Monaco" charset="0"/>
-                <a:ea typeface="Monaco" charset="0"/>
-                <a:cs typeface="Monaco" charset="0"/>
-              </a:rPr>
-              <a:t>        return </a:t>
-            </a:r>
-            <a:r>
-              <a:rPr lang="en-US" sz="2400" dirty="0" err="1">
-                <a:latin typeface="Monaco" charset="0"/>
-                <a:ea typeface="Monaco" charset="0"/>
-                <a:cs typeface="Monaco" charset="0"/>
-              </a:rPr>
-              <a:t>binsearch</a:t>
-            </a:r>
-            <a:r>
-              <a:rPr lang="en-US" sz="2400" dirty="0">
-                <a:latin typeface="Monaco" charset="0"/>
-                <a:ea typeface="Monaco" charset="0"/>
-                <a:cs typeface="Monaco" charset="0"/>
-              </a:rPr>
-              <a:t>(a,x,mid+1,right)</a:t>
+              <a:rPr lang="en-US" sz="2200" dirty="0">
+                <a:latin typeface="Monaco" charset="0"/>
+                <a:ea typeface="Monaco" charset="0"/>
+                <a:cs typeface="Monaco" charset="0"/>
+              </a:rPr>
+              <a:t>:</a:t>
+            </a:r>
+          </a:p>
+          <a:p>
+            <a:r>
+              <a:rPr lang="en-US" sz="2200" dirty="0">
+                <a:latin typeface="Monaco" charset="0"/>
+                <a:ea typeface="Monaco" charset="0"/>
+                <a:cs typeface="Monaco" charset="0"/>
+              </a:rPr>
+              <a:t>    return sum(</a:t>
+            </a:r>
+            <a:r>
+              <a:rPr lang="en-US" sz="2200" dirty="0" err="1">
+                <a:latin typeface="Monaco" charset="0"/>
+                <a:ea typeface="Monaco" charset="0"/>
+                <a:cs typeface="Monaco" charset="0"/>
+              </a:rPr>
+              <a:t>ord</a:t>
+            </a:r>
+            <a:r>
+              <a:rPr lang="en-US" sz="2200" dirty="0">
+                <a:latin typeface="Monaco" charset="0"/>
+                <a:ea typeface="Monaco" charset="0"/>
+                <a:cs typeface="Monaco" charset="0"/>
+              </a:rPr>
+              <a:t>(c) for c in s)</a:t>
+            </a:r>
+          </a:p>
+        </p:txBody>
+      </p:sp>
+      <p:sp>
+        <p:nvSpPr>
+          <p:cNvPr id="6" name="TextBox 5">
+            <a:extLst>
+              <a:ext uri="{FF2B5EF4-FFF2-40B4-BE49-F238E27FC236}">
+                <a16:creationId xmlns:a16="http://schemas.microsoft.com/office/drawing/2014/main" id="{3F40E21E-742A-B249-8ED2-E5ECCDA9F1F5}"/>
+              </a:ext>
+            </a:extLst>
+          </p:cNvPr>
+          <p:cNvSpPr txBox="1"/>
+          <p:nvPr/>
+        </p:nvSpPr>
+        <p:spPr>
+          <a:xfrm>
+            <a:off x="927600" y="5804898"/>
+            <a:ext cx="3230372" cy="430887"/>
+          </a:xfrm>
+          <a:prstGeom prst="rect">
+            <a:avLst/>
+          </a:prstGeom>
+          <a:noFill/>
+        </p:spPr>
+        <p:txBody>
+          <a:bodyPr wrap="none" rtlCol="0">
+            <a:spAutoFit/>
+          </a:bodyPr>
+          <a:lstStyle/>
+          <a:p>
+            <a:r>
+              <a:rPr lang="en-US" sz="2200" dirty="0"/>
+              <a:t>See searching notebook</a:t>
             </a:r>
           </a:p>
         </p:txBody>
@@ -5051,13 +5672,476 @@
     </p:spTree>
     <p:extLst>
       <p:ext uri="{BB962C8B-B14F-4D97-AF65-F5344CB8AC3E}">
-        <p14:creationId xmlns:p14="http://schemas.microsoft.com/office/powerpoint/2010/main" val="2338247856"/>
+        <p14:creationId xmlns:p14="http://schemas.microsoft.com/office/powerpoint/2010/main" val="1260638181"/>
       </p:ext>
     </p:extLst>
   </p:cSld>
   <p:clrMapOvr>
     <a:masterClrMapping/>
   </p:clrMapOvr>
+</p:sld>
+</file>
+
+<file path=ppt/slides/slide8.xml><?xml version="1.0" encoding="utf-8"?>
+<p:sld xmlns:a="http://schemas.openxmlformats.org/drawingml/2006/main" xmlns:r="http://schemas.openxmlformats.org/officeDocument/2006/relationships" xmlns:p="http://schemas.openxmlformats.org/presentationml/2006/main">
+  <p:cSld>
+    <p:spTree>
+      <p:nvGrpSpPr>
+        <p:cNvPr id="1" name=""/>
+        <p:cNvGrpSpPr/>
+        <p:nvPr/>
+      </p:nvGrpSpPr>
+      <p:grpSpPr>
+        <a:xfrm>
+          <a:off x="0" y="0"/>
+          <a:ext cx="0" cy="0"/>
+          <a:chOff x="0" y="0"/>
+          <a:chExt cx="0" cy="0"/>
+        </a:xfrm>
+      </p:grpSpPr>
+      <p:sp>
+        <p:nvSpPr>
+          <p:cNvPr id="2" name="Title 1">
+            <a:extLst>
+              <a:ext uri="{FF2B5EF4-FFF2-40B4-BE49-F238E27FC236}">
+                <a16:creationId xmlns:a16="http://schemas.microsoft.com/office/drawing/2014/main" id="{607BE88F-AADC-BA4C-BF3B-E300F820ED32}"/>
+              </a:ext>
+            </a:extLst>
+          </p:cNvPr>
+          <p:cNvSpPr>
+            <a:spLocks noGrp="1"/>
+          </p:cNvSpPr>
+          <p:nvPr>
+            <p:ph type="title"/>
+          </p:nvPr>
+        </p:nvSpPr>
+        <p:spPr/>
+        <p:txBody>
+          <a:bodyPr/>
+          <a:lstStyle/>
+          <a:p>
+            <a:r>
+              <a:rPr lang="en-US" dirty="0"/>
+              <a:t>Issues</a:t>
+            </a:r>
+          </a:p>
+        </p:txBody>
+      </p:sp>
+      <p:sp>
+        <p:nvSpPr>
+          <p:cNvPr id="3" name="Content Placeholder 2">
+            <a:extLst>
+              <a:ext uri="{FF2B5EF4-FFF2-40B4-BE49-F238E27FC236}">
+                <a16:creationId xmlns:a16="http://schemas.microsoft.com/office/drawing/2014/main" id="{02F0A4A6-CB12-A24A-A35D-C94A020B3737}"/>
+              </a:ext>
+            </a:extLst>
+          </p:cNvPr>
+          <p:cNvSpPr>
+            <a:spLocks noGrp="1"/>
+          </p:cNvSpPr>
+          <p:nvPr>
+            <p:ph idx="1"/>
+          </p:nvPr>
+        </p:nvSpPr>
+        <p:spPr/>
+        <p:txBody>
+          <a:bodyPr/>
+          <a:lstStyle/>
+          <a:p>
+            <a:r>
+              <a:rPr lang="en-US" dirty="0"/>
+              <a:t>Naïve hash(doc[</a:t>
+            </a:r>
+            <a:r>
+              <a:rPr lang="en-US" dirty="0" err="1"/>
+              <a:t>i:i+m</a:t>
+            </a:r>
+            <a:r>
+              <a:rPr lang="en-US" dirty="0"/>
+              <a:t>]) is O(m) so use rolling hash: next hash is old hash minus doc[</a:t>
+            </a:r>
+            <a:r>
+              <a:rPr lang="en-US" dirty="0" err="1"/>
+              <a:t>i</a:t>
+            </a:r>
+            <a:r>
+              <a:rPr lang="en-US" dirty="0"/>
+              <a:t>] plus doc[</a:t>
+            </a:r>
+            <a:r>
+              <a:rPr lang="en-US" dirty="0" err="1"/>
+              <a:t>i+m</a:t>
+            </a:r>
+            <a:r>
+              <a:rPr lang="en-US" dirty="0"/>
+              <a:t>]; drop old one off, add in new char (see improved search() in notebook)</a:t>
+            </a:r>
+          </a:p>
+          <a:p>
+            <a:r>
+              <a:rPr lang="en-US" dirty="0"/>
+              <a:t>What about finding all occurrences?</a:t>
+            </a:r>
+          </a:p>
+          <a:p>
+            <a:r>
+              <a:rPr lang="en-US" dirty="0"/>
+              <a:t>What if search string is very long? Can get expensive.</a:t>
+            </a:r>
+          </a:p>
+          <a:p>
+            <a:r>
+              <a:rPr lang="en-US" dirty="0"/>
+              <a:t>Can we do better than O(nm) or even O(</a:t>
+            </a:r>
+            <a:r>
+              <a:rPr lang="en-US" dirty="0" err="1"/>
+              <a:t>n+m</a:t>
+            </a:r>
+            <a:r>
+              <a:rPr lang="en-US" dirty="0"/>
+              <a:t>) algorithms?</a:t>
+            </a:r>
+          </a:p>
+          <a:p>
+            <a:r>
+              <a:rPr lang="en-US" dirty="0"/>
+              <a:t>Yes. I claim we can do search for strings in doc in O(m) if we prepare a side data structure</a:t>
+            </a:r>
+          </a:p>
+          <a:p>
+            <a:r>
+              <a:rPr lang="en-US" dirty="0"/>
+              <a:t>How is this possible?!</a:t>
+            </a:r>
+          </a:p>
+        </p:txBody>
+      </p:sp>
+    </p:spTree>
+    <p:extLst>
+      <p:ext uri="{BB962C8B-B14F-4D97-AF65-F5344CB8AC3E}">
+        <p14:creationId xmlns:p14="http://schemas.microsoft.com/office/powerpoint/2010/main" val="1121790446"/>
+      </p:ext>
+    </p:extLst>
+  </p:cSld>
+  <p:clrMapOvr>
+    <a:masterClrMapping/>
+  </p:clrMapOvr>
+</p:sld>
+</file>
+
+<file path=ppt/slides/slide9.xml><?xml version="1.0" encoding="utf-8"?>
+<p:sld xmlns:a="http://schemas.openxmlformats.org/drawingml/2006/main" xmlns:r="http://schemas.openxmlformats.org/officeDocument/2006/relationships" xmlns:p="http://schemas.openxmlformats.org/presentationml/2006/main">
+  <p:cSld>
+    <p:spTree>
+      <p:nvGrpSpPr>
+        <p:cNvPr id="1" name=""/>
+        <p:cNvGrpSpPr/>
+        <p:nvPr/>
+      </p:nvGrpSpPr>
+      <p:grpSpPr>
+        <a:xfrm>
+          <a:off x="0" y="0"/>
+          <a:ext cx="0" cy="0"/>
+          <a:chOff x="0" y="0"/>
+          <a:chExt cx="0" cy="0"/>
+        </a:xfrm>
+      </p:grpSpPr>
+      <p:sp>
+        <p:nvSpPr>
+          <p:cNvPr id="2" name="Title 1">
+            <a:extLst>
+              <a:ext uri="{FF2B5EF4-FFF2-40B4-BE49-F238E27FC236}">
+                <a16:creationId xmlns:a16="http://schemas.microsoft.com/office/drawing/2014/main" id="{CF41B61C-99D7-154B-9EBE-1EED80B410E3}"/>
+              </a:ext>
+            </a:extLst>
+          </p:cNvPr>
+          <p:cNvSpPr>
+            <a:spLocks noGrp="1"/>
+          </p:cNvSpPr>
+          <p:nvPr>
+            <p:ph type="title"/>
+          </p:nvPr>
+        </p:nvSpPr>
+        <p:spPr/>
+        <p:txBody>
+          <a:bodyPr/>
+          <a:lstStyle/>
+          <a:p>
+            <a:r>
+              <a:rPr lang="en-US" dirty="0"/>
+              <a:t>Revisit nested bucket sort</a:t>
+            </a:r>
+          </a:p>
+        </p:txBody>
+      </p:sp>
+      <p:sp>
+        <p:nvSpPr>
+          <p:cNvPr id="3" name="Content Placeholder 2">
+            <a:extLst>
+              <a:ext uri="{FF2B5EF4-FFF2-40B4-BE49-F238E27FC236}">
+                <a16:creationId xmlns:a16="http://schemas.microsoft.com/office/drawing/2014/main" id="{A7F6ED6B-73D0-064B-BCFD-979A3BDDFCAE}"/>
+              </a:ext>
+            </a:extLst>
+          </p:cNvPr>
+          <p:cNvSpPr>
+            <a:spLocks noGrp="1"/>
+          </p:cNvSpPr>
+          <p:nvPr>
+            <p:ph idx="1"/>
+          </p:nvPr>
+        </p:nvSpPr>
+        <p:spPr/>
+        <p:txBody>
+          <a:bodyPr/>
+          <a:lstStyle/>
+          <a:p>
+            <a:r>
+              <a:rPr lang="en-US" dirty="0"/>
+              <a:t>Break up doc into words, make nested</a:t>
+            </a:r>
+            <a:br>
+              <a:rPr lang="en-US" dirty="0"/>
+            </a:br>
+            <a:r>
+              <a:rPr lang="en-US" dirty="0"/>
+              <a:t>bucket structure as before</a:t>
+            </a:r>
+          </a:p>
+          <a:p>
+            <a:r>
+              <a:rPr lang="en-US" dirty="0"/>
+              <a:t>To find a word, use s[</a:t>
+            </a:r>
+            <a:r>
+              <a:rPr lang="en-US" dirty="0" err="1"/>
+              <a:t>i</a:t>
+            </a:r>
+            <a:r>
+              <a:rPr lang="en-US" dirty="0"/>
+              <a:t>] to</a:t>
+            </a:r>
+            <a:br>
+              <a:rPr lang="en-US" dirty="0"/>
+            </a:br>
+            <a:r>
+              <a:rPr lang="en-US" dirty="0"/>
+              <a:t>navigate and find final “leaf”</a:t>
+            </a:r>
+            <a:br>
+              <a:rPr lang="en-US" dirty="0"/>
+            </a:br>
+            <a:r>
+              <a:rPr lang="en-US" dirty="0"/>
+              <a:t>with list of words with same</a:t>
+            </a:r>
+            <a:br>
+              <a:rPr lang="en-US" dirty="0"/>
+            </a:br>
+            <a:r>
+              <a:rPr lang="en-US" dirty="0"/>
+              <a:t>prefix, linearly search leaf</a:t>
+            </a:r>
+          </a:p>
+          <a:p>
+            <a:r>
+              <a:rPr lang="en-US" dirty="0"/>
+              <a:t>How long does it take to find s</a:t>
+            </a:r>
+            <a:br>
+              <a:rPr lang="en-US" dirty="0"/>
+            </a:br>
+            <a:r>
+              <a:rPr lang="en-US" dirty="0"/>
+              <a:t>for n=</a:t>
+            </a:r>
+            <a:r>
+              <a:rPr lang="en-US" dirty="0" err="1"/>
+              <a:t>len</a:t>
+            </a:r>
+            <a:r>
+              <a:rPr lang="en-US" dirty="0"/>
+              <a:t>(doc), m=</a:t>
+            </a:r>
+            <a:r>
+              <a:rPr lang="en-US" dirty="0" err="1"/>
+              <a:t>len</a:t>
+            </a:r>
+            <a:r>
+              <a:rPr lang="en-US" dirty="0"/>
+              <a:t>(s)?</a:t>
+            </a:r>
+            <a:br>
+              <a:rPr lang="en-US" dirty="0"/>
+            </a:br>
+            <a:r>
+              <a:rPr lang="en-US" dirty="0"/>
+              <a:t>T(</a:t>
+            </a:r>
+            <a:r>
+              <a:rPr lang="en-US" dirty="0" err="1"/>
+              <a:t>n,m</a:t>
+            </a:r>
+            <a:r>
+              <a:rPr lang="en-US" dirty="0"/>
+              <a:t>) =</a:t>
+            </a:r>
+          </a:p>
+        </p:txBody>
+      </p:sp>
+      <p:pic>
+        <p:nvPicPr>
+          <p:cNvPr id="4" name="Picture 3">
+            <a:extLst>
+              <a:ext uri="{FF2B5EF4-FFF2-40B4-BE49-F238E27FC236}">
+                <a16:creationId xmlns:a16="http://schemas.microsoft.com/office/drawing/2014/main" id="{52DC0C7F-5F5D-B84C-AD5B-A5950F736CDF}"/>
+              </a:ext>
+            </a:extLst>
+          </p:cNvPr>
+          <p:cNvPicPr>
+            <a:picLocks noChangeAspect="1"/>
+          </p:cNvPicPr>
+          <p:nvPr/>
+        </p:nvPicPr>
+        <p:blipFill>
+          <a:blip r:embed="rId2"/>
+          <a:stretch>
+            <a:fillRect/>
+          </a:stretch>
+        </p:blipFill>
+        <p:spPr>
+          <a:xfrm>
+            <a:off x="6309288" y="1690688"/>
+            <a:ext cx="5719640" cy="3935379"/>
+          </a:xfrm>
+          <a:prstGeom prst="rect">
+            <a:avLst/>
+          </a:prstGeom>
+        </p:spPr>
+      </p:pic>
+      <p:sp>
+        <p:nvSpPr>
+          <p:cNvPr id="5" name="TextBox 4">
+            <a:extLst>
+              <a:ext uri="{FF2B5EF4-FFF2-40B4-BE49-F238E27FC236}">
+                <a16:creationId xmlns:a16="http://schemas.microsoft.com/office/drawing/2014/main" id="{EE99548C-BBF5-2441-B596-130872DC60DB}"/>
+              </a:ext>
+            </a:extLst>
+          </p:cNvPr>
+          <p:cNvSpPr txBox="1"/>
+          <p:nvPr/>
+        </p:nvSpPr>
+        <p:spPr>
+          <a:xfrm>
+            <a:off x="2506894" y="5102847"/>
+            <a:ext cx="484428" cy="523220"/>
+          </a:xfrm>
+          <a:prstGeom prst="rect">
+            <a:avLst/>
+          </a:prstGeom>
+          <a:noFill/>
+        </p:spPr>
+        <p:txBody>
+          <a:bodyPr wrap="none" rtlCol="0">
+            <a:spAutoFit/>
+          </a:bodyPr>
+          <a:lstStyle/>
+          <a:p>
+            <a:r>
+              <a:rPr lang="en-US" sz="2800" dirty="0"/>
+              <a:t>m</a:t>
+            </a:r>
+          </a:p>
+        </p:txBody>
+      </p:sp>
+    </p:spTree>
+    <p:extLst>
+      <p:ext uri="{BB962C8B-B14F-4D97-AF65-F5344CB8AC3E}">
+        <p14:creationId xmlns:p14="http://schemas.microsoft.com/office/powerpoint/2010/main" val="3774975697"/>
+      </p:ext>
+    </p:extLst>
+  </p:cSld>
+  <p:clrMapOvr>
+    <a:masterClrMapping/>
+  </p:clrMapOvr>
+  <p:timing>
+    <p:tnLst>
+      <p:par>
+        <p:cTn id="1" dur="indefinite" restart="never" nodeType="tmRoot">
+          <p:childTnLst>
+            <p:seq concurrent="1" nextAc="seek">
+              <p:cTn id="2" dur="indefinite" nodeType="mainSeq">
+                <p:childTnLst>
+                  <p:par>
+                    <p:cTn id="3" fill="hold">
+                      <p:stCondLst>
+                        <p:cond delay="indefinite"/>
+                      </p:stCondLst>
+                      <p:childTnLst>
+                        <p:par>
+                          <p:cTn id="4" fill="hold">
+                            <p:stCondLst>
+                              <p:cond delay="0"/>
+                            </p:stCondLst>
+                            <p:childTnLst>
+                              <p:par>
+                                <p:cTn id="5" presetID="1" presetClass="entr" presetSubtype="0" fill="hold" grpId="0" nodeType="clickEffect">
+                                  <p:stCondLst>
+                                    <p:cond delay="0"/>
+                                  </p:stCondLst>
+                                  <p:childTnLst>
+                                    <p:set>
+                                      <p:cBhvr>
+                                        <p:cTn id="6" dur="1" fill="hold">
+                                          <p:stCondLst>
+                                            <p:cond delay="0"/>
+                                          </p:stCondLst>
+                                        </p:cTn>
+                                        <p:tgtEl>
+                                          <p:spTgt spid="5"/>
+                                        </p:tgtEl>
+                                        <p:attrNameLst>
+                                          <p:attrName>style.visibility</p:attrName>
+                                        </p:attrNameLst>
+                                      </p:cBhvr>
+                                      <p:to>
+                                        <p:strVal val="visible"/>
+                                      </p:to>
+                                    </p:set>
+                                  </p:childTnLst>
+                                </p:cTn>
+                              </p:par>
+                            </p:childTnLst>
+                          </p:cTn>
+                        </p:par>
+                      </p:childTnLst>
+                    </p:cTn>
+                  </p:par>
+                </p:childTnLst>
+              </p:cTn>
+              <p:prevCondLst>
+                <p:cond evt="onPrev" delay="0">
+                  <p:tgtEl>
+                    <p:sldTgt/>
+                  </p:tgtEl>
+                </p:cond>
+              </p:prevCondLst>
+              <p:nextCondLst>
+                <p:cond evt="onNext" delay="0">
+                  <p:tgtEl>
+                    <p:sldTgt/>
+                  </p:tgtEl>
+                </p:cond>
+              </p:nextCondLst>
+            </p:seq>
+          </p:childTnLst>
+        </p:cTn>
+      </p:par>
+    </p:tnLst>
+    <p:bldLst>
+      <p:bldP spid="5" grpId="0"/>
+    </p:bldLst>
+  </p:timing>
 </p:sld>
 </file>
 

--- a/notes/searching.pptx
+++ b/notes/searching.pptx
@@ -2,25 +2,31 @@
 <file path=ppt/presentation.xml><?xml version="1.0" encoding="utf-8"?>
 <p:presentation xmlns:a="http://schemas.openxmlformats.org/drawingml/2006/main" xmlns:r="http://schemas.openxmlformats.org/officeDocument/2006/relationships" xmlns:p="http://schemas.openxmlformats.org/presentationml/2006/main" saveSubsetFonts="1" autoCompressPictures="0">
   <p:sldMasterIdLst>
-    <p:sldMasterId id="2147483648" r:id="rId1"/>
+    <p:sldMasterId id="2147483672" r:id="rId1"/>
   </p:sldMasterIdLst>
   <p:notesMasterIdLst>
-    <p:notesMasterId r:id="rId12"/>
+    <p:notesMasterId r:id="rId15"/>
   </p:notesMasterIdLst>
+  <p:handoutMasterIdLst>
+    <p:handoutMasterId r:id="rId16"/>
+  </p:handoutMasterIdLst>
   <p:sldIdLst>
-    <p:sldId id="256" r:id="rId2"/>
-    <p:sldId id="294" r:id="rId3"/>
-    <p:sldId id="290" r:id="rId4"/>
-    <p:sldId id="293" r:id="rId5"/>
-    <p:sldId id="269" r:id="rId6"/>
-    <p:sldId id="296" r:id="rId7"/>
-    <p:sldId id="298" r:id="rId8"/>
-    <p:sldId id="297" r:id="rId9"/>
-    <p:sldId id="299" r:id="rId10"/>
-    <p:sldId id="295" r:id="rId11"/>
+    <p:sldId id="289" r:id="rId2"/>
+    <p:sldId id="290" r:id="rId3"/>
+    <p:sldId id="291" r:id="rId4"/>
+    <p:sldId id="292" r:id="rId5"/>
+    <p:sldId id="293" r:id="rId6"/>
+    <p:sldId id="294" r:id="rId7"/>
+    <p:sldId id="295" r:id="rId8"/>
+    <p:sldId id="296" r:id="rId9"/>
+    <p:sldId id="297" r:id="rId10"/>
+    <p:sldId id="298" r:id="rId11"/>
+    <p:sldId id="299" r:id="rId12"/>
+    <p:sldId id="300" r:id="rId13"/>
+    <p:sldId id="301" r:id="rId14"/>
   </p:sldIdLst>
   <p:sldSz cx="12192000" cy="6858000"/>
-  <p:notesSz cx="6858000" cy="9144000"/>
+  <p:notesSz cx="9144000" cy="6858000"/>
   <p:defaultTextStyle>
     <a:defPPr>
       <a:defRPr lang="en-US"/>
@@ -127,6 +133,174 @@
 </p:presentation>
 </file>
 
+<file path=ppt/handoutMasters/handoutMaster1.xml><?xml version="1.0" encoding="utf-8"?>
+<p:handoutMaster xmlns:a="http://schemas.openxmlformats.org/drawingml/2006/main" xmlns:r="http://schemas.openxmlformats.org/officeDocument/2006/relationships" xmlns:p="http://schemas.openxmlformats.org/presentationml/2006/main">
+  <p:cSld>
+    <p:bg>
+      <p:bgPr>
+        <a:solidFill>
+          <a:schemeClr val="bg1"/>
+        </a:solidFill>
+        <a:effectLst/>
+      </p:bgPr>
+    </p:bg>
+    <p:spTree>
+      <p:nvGrpSpPr>
+        <p:cNvPr id="1" name=""/>
+        <p:cNvGrpSpPr/>
+        <p:nvPr/>
+      </p:nvGrpSpPr>
+      <p:grpSpPr>
+        <a:xfrm>
+          <a:off x="0" y="0"/>
+          <a:ext cx="0" cy="0"/>
+          <a:chOff x="0" y="0"/>
+          <a:chExt cx="0" cy="0"/>
+        </a:xfrm>
+      </p:grpSpPr>
+      <p:sp>
+        <p:nvSpPr>
+          <p:cNvPr id="2" name="Header Placeholder 1"/>
+          <p:cNvSpPr>
+            <a:spLocks noGrp="1"/>
+          </p:cNvSpPr>
+          <p:nvPr>
+            <p:ph type="hdr" sz="quarter"/>
+          </p:nvPr>
+        </p:nvSpPr>
+        <p:spPr>
+          <a:xfrm>
+            <a:off x="0" y="0"/>
+            <a:ext cx="3962400" cy="344091"/>
+          </a:xfrm>
+          <a:prstGeom prst="rect">
+            <a:avLst/>
+          </a:prstGeom>
+        </p:spPr>
+        <p:txBody>
+          <a:bodyPr vert="horz" lIns="91440" tIns="45720" rIns="91440" bIns="45720" rtlCol="0"/>
+          <a:lstStyle>
+            <a:lvl1pPr algn="l">
+              <a:defRPr sz="1200"/>
+            </a:lvl1pPr>
+          </a:lstStyle>
+          <a:p>
+            <a:endParaRPr lang="en-US"/>
+          </a:p>
+        </p:txBody>
+      </p:sp>
+      <p:sp>
+        <p:nvSpPr>
+          <p:cNvPr id="3" name="Date Placeholder 2"/>
+          <p:cNvSpPr>
+            <a:spLocks noGrp="1"/>
+          </p:cNvSpPr>
+          <p:nvPr>
+            <p:ph type="dt" sz="quarter" idx="1"/>
+          </p:nvPr>
+        </p:nvSpPr>
+        <p:spPr>
+          <a:xfrm>
+            <a:off x="5179484" y="0"/>
+            <a:ext cx="3962400" cy="344091"/>
+          </a:xfrm>
+          <a:prstGeom prst="rect">
+            <a:avLst/>
+          </a:prstGeom>
+        </p:spPr>
+        <p:txBody>
+          <a:bodyPr vert="horz" lIns="91440" tIns="45720" rIns="91440" bIns="45720" rtlCol="0"/>
+          <a:lstStyle>
+            <a:lvl1pPr algn="r">
+              <a:defRPr sz="1200"/>
+            </a:lvl1pPr>
+          </a:lstStyle>
+          <a:p>
+            <a:fld id="{8A1B613A-EFF1-404F-BEE8-EFAE84A4E5E2}" type="datetimeFigureOut">
+              <a:rPr lang="en-US" smtClean="0"/>
+              <a:t>2/20/19</a:t>
+            </a:fld>
+            <a:endParaRPr lang="en-US"/>
+          </a:p>
+        </p:txBody>
+      </p:sp>
+      <p:sp>
+        <p:nvSpPr>
+          <p:cNvPr id="4" name="Footer Placeholder 3"/>
+          <p:cNvSpPr>
+            <a:spLocks noGrp="1"/>
+          </p:cNvSpPr>
+          <p:nvPr>
+            <p:ph type="ftr" sz="quarter" idx="2"/>
+          </p:nvPr>
+        </p:nvSpPr>
+        <p:spPr>
+          <a:xfrm>
+            <a:off x="0" y="6513910"/>
+            <a:ext cx="3962400" cy="344090"/>
+          </a:xfrm>
+          <a:prstGeom prst="rect">
+            <a:avLst/>
+          </a:prstGeom>
+        </p:spPr>
+        <p:txBody>
+          <a:bodyPr vert="horz" lIns="91440" tIns="45720" rIns="91440" bIns="45720" rtlCol="0" anchor="b"/>
+          <a:lstStyle>
+            <a:lvl1pPr algn="l">
+              <a:defRPr sz="1200"/>
+            </a:lvl1pPr>
+          </a:lstStyle>
+          <a:p>
+            <a:endParaRPr lang="en-US"/>
+          </a:p>
+        </p:txBody>
+      </p:sp>
+      <p:sp>
+        <p:nvSpPr>
+          <p:cNvPr id="5" name="Slide Number Placeholder 4"/>
+          <p:cNvSpPr>
+            <a:spLocks noGrp="1"/>
+          </p:cNvSpPr>
+          <p:nvPr>
+            <p:ph type="sldNum" sz="quarter" idx="3"/>
+          </p:nvPr>
+        </p:nvSpPr>
+        <p:spPr>
+          <a:xfrm>
+            <a:off x="5179484" y="6513910"/>
+            <a:ext cx="3962400" cy="344090"/>
+          </a:xfrm>
+          <a:prstGeom prst="rect">
+            <a:avLst/>
+          </a:prstGeom>
+        </p:spPr>
+        <p:txBody>
+          <a:bodyPr vert="horz" lIns="91440" tIns="45720" rIns="91440" bIns="45720" rtlCol="0" anchor="b"/>
+          <a:lstStyle>
+            <a:lvl1pPr algn="r">
+              <a:defRPr sz="1200"/>
+            </a:lvl1pPr>
+          </a:lstStyle>
+          <a:p>
+            <a:fld id="{0B0263B3-2E28-5740-9C58-1576E2307D1A}" type="slidenum">
+              <a:rPr lang="en-US" smtClean="0"/>
+              <a:t>‹#›</a:t>
+            </a:fld>
+            <a:endParaRPr lang="en-US"/>
+          </a:p>
+        </p:txBody>
+      </p:sp>
+    </p:spTree>
+    <p:extLst>
+      <p:ext uri="{BB962C8B-B14F-4D97-AF65-F5344CB8AC3E}">
+        <p14:creationId xmlns:p14="http://schemas.microsoft.com/office/powerpoint/2010/main" val="236670538"/>
+      </p:ext>
+    </p:extLst>
+  </p:cSld>
+  <p:clrMap bg1="lt1" tx1="dk1" bg2="lt2" tx2="dk2" accent1="accent1" accent2="accent2" accent3="accent3" accent4="accent4" accent5="accent5" accent6="accent6" hlink="hlink" folHlink="folHlink"/>
+</p:handoutMaster>
+</file>
+
 <file path=ppt/notesMasters/notesMaster1.xml><?xml version="1.0" encoding="utf-8"?>
 <p:notesMaster xmlns:a="http://schemas.openxmlformats.org/drawingml/2006/main" xmlns:r="http://schemas.openxmlformats.org/officeDocument/2006/relationships" xmlns:p="http://schemas.openxmlformats.org/presentationml/2006/main">
   <p:cSld>
@@ -162,7 +336,7 @@
         <p:spPr>
           <a:xfrm>
             <a:off x="0" y="0"/>
-            <a:ext cx="2971800" cy="458788"/>
+            <a:ext cx="3962400" cy="344091"/>
           </a:xfrm>
           <a:prstGeom prst="rect">
             <a:avLst/>
@@ -192,8 +366,8 @@
         </p:nvSpPr>
         <p:spPr>
           <a:xfrm>
-            <a:off x="3884613" y="0"/>
-            <a:ext cx="2971800" cy="458788"/>
+            <a:off x="5179484" y="0"/>
+            <a:ext cx="3962400" cy="344091"/>
           </a:xfrm>
           <a:prstGeom prst="rect">
             <a:avLst/>
@@ -227,8 +401,8 @@
         </p:nvSpPr>
         <p:spPr>
           <a:xfrm>
-            <a:off x="685800" y="1143000"/>
-            <a:ext cx="5486400" cy="3086100"/>
+            <a:off x="2514600" y="857250"/>
+            <a:ext cx="4114800" cy="2314575"/>
           </a:xfrm>
           <a:prstGeom prst="rect">
             <a:avLst/>
@@ -260,8 +434,8 @@
         </p:nvSpPr>
         <p:spPr>
           <a:xfrm>
-            <a:off x="685800" y="4400550"/>
-            <a:ext cx="5486400" cy="3600450"/>
+            <a:off x="914400" y="3300412"/>
+            <a:ext cx="7315200" cy="2700338"/>
           </a:xfrm>
           <a:prstGeom prst="rect">
             <a:avLst/>
@@ -319,8 +493,8 @@
         </p:nvSpPr>
         <p:spPr>
           <a:xfrm>
-            <a:off x="0" y="8685213"/>
-            <a:ext cx="2971800" cy="458787"/>
+            <a:off x="0" y="6513910"/>
+            <a:ext cx="3962400" cy="344090"/>
           </a:xfrm>
           <a:prstGeom prst="rect">
             <a:avLst/>
@@ -350,8 +524,8 @@
         </p:nvSpPr>
         <p:spPr>
           <a:xfrm>
-            <a:off x="3884613" y="8685213"/>
-            <a:ext cx="2971800" cy="458787"/>
+            <a:off x="5179484" y="6513910"/>
+            <a:ext cx="3962400" cy="344090"/>
           </a:xfrm>
           <a:prstGeom prst="rect">
             <a:avLst/>
@@ -479,36 +653,6 @@
 <file path=ppt/slideLayouts/slideLayout1.xml><?xml version="1.0" encoding="utf-8"?>
 <p:sldLayout xmlns:a="http://schemas.openxmlformats.org/drawingml/2006/main" xmlns:r="http://schemas.openxmlformats.org/officeDocument/2006/relationships" xmlns:p="http://schemas.openxmlformats.org/presentationml/2006/main" type="title" preserve="1">
   <p:cSld name="Title Slide">
-    <p:bg>
-      <p:bgPr>
-        <a:gradFill flip="none" rotWithShape="1">
-          <a:gsLst>
-            <a:gs pos="0">
-              <a:schemeClr val="accent3">
-                <a:lumMod val="0"/>
-                <a:lumOff val="100000"/>
-              </a:schemeClr>
-            </a:gs>
-            <a:gs pos="35000">
-              <a:schemeClr val="accent3">
-                <a:lumMod val="0"/>
-                <a:lumOff val="100000"/>
-              </a:schemeClr>
-            </a:gs>
-            <a:gs pos="100000">
-              <a:schemeClr val="accent3">
-                <a:lumMod val="100000"/>
-              </a:schemeClr>
-            </a:gs>
-          </a:gsLst>
-          <a:path path="circle">
-            <a:fillToRect l="50000" t="-80000" r="50000" b="180000"/>
-          </a:path>
-          <a:tileRect/>
-        </a:gradFill>
-        <a:effectLst/>
-      </p:bgPr>
-    </p:bg>
     <p:spTree>
       <p:nvGrpSpPr>
         <p:cNvPr id="1" name=""/>
@@ -528,7 +672,7 @@
           <p:cNvPr id="2" name="Title 1">
             <a:extLst>
               <a:ext uri="{FF2B5EF4-FFF2-40B4-BE49-F238E27FC236}">
-                <a16:creationId xmlns:a16="http://schemas.microsoft.com/office/drawing/2014/main" id="{7F52FB7A-F12B-CD4D-8559-650F4868E982}"/>
+                <a16:creationId xmlns="" xmlns:a16="http://schemas.microsoft.com/office/drawing/2014/main" id="{FCECE00E-B2E2-4D43-8A21-E17BBDC017E1}"/>
               </a:ext>
             </a:extLst>
           </p:cNvPr>
@@ -554,10 +698,10 @@
           </a:lstStyle>
           <a:p>
             <a:r>
-              <a:rPr lang="en-US"/>
+              <a:rPr lang="en-US" smtClean="0"/>
               <a:t>Click to edit Master title style</a:t>
             </a:r>
-            <a:endParaRPr lang="en-US" dirty="0"/>
+            <a:endParaRPr lang="en-US"/>
           </a:p>
         </p:txBody>
       </p:sp>
@@ -566,7 +710,7 @@
           <p:cNvPr id="3" name="Subtitle 2">
             <a:extLst>
               <a:ext uri="{FF2B5EF4-FFF2-40B4-BE49-F238E27FC236}">
-                <a16:creationId xmlns:a16="http://schemas.microsoft.com/office/drawing/2014/main" id="{688CBB88-B56E-EA42-A61B-D3AB7F012C62}"/>
+                <a16:creationId xmlns="" xmlns:a16="http://schemas.microsoft.com/office/drawing/2014/main" id="{0C4C7E7C-3478-264C-BF00-D75996D63509}"/>
               </a:ext>
             </a:extLst>
           </p:cNvPr>
@@ -625,10 +769,10 @@
           </a:lstStyle>
           <a:p>
             <a:r>
-              <a:rPr lang="en-US"/>
+              <a:rPr lang="en-US" smtClean="0"/>
               <a:t>Click to edit Master subtitle style</a:t>
             </a:r>
-            <a:endParaRPr lang="en-US" dirty="0"/>
+            <a:endParaRPr lang="en-US"/>
           </a:p>
         </p:txBody>
       </p:sp>
@@ -637,7 +781,7 @@
           <p:cNvPr id="4" name="Date Placeholder 3">
             <a:extLst>
               <a:ext uri="{FF2B5EF4-FFF2-40B4-BE49-F238E27FC236}">
-                <a16:creationId xmlns:a16="http://schemas.microsoft.com/office/drawing/2014/main" id="{D39696A1-F8B2-954E-A5DA-2331840D05E7}"/>
+                <a16:creationId xmlns="" xmlns:a16="http://schemas.microsoft.com/office/drawing/2014/main" id="{64E1EB94-602A-4843-8753-4DB51430704B}"/>
               </a:ext>
             </a:extLst>
           </p:cNvPr>
@@ -661,42 +805,12 @@
           </a:p>
         </p:txBody>
       </p:sp>
-      <p:pic>
-        <p:nvPicPr>
-          <p:cNvPr id="9" name="Picture 8">
-            <a:extLst>
-              <a:ext uri="{FF2B5EF4-FFF2-40B4-BE49-F238E27FC236}">
-                <a16:creationId xmlns:a16="http://schemas.microsoft.com/office/drawing/2014/main" id="{D37D1E7E-83ED-BD4B-A5AF-D8AC09D68B82}"/>
-              </a:ext>
-            </a:extLst>
-          </p:cNvPr>
-          <p:cNvPicPr>
-            <a:picLocks noChangeAspect="1"/>
-          </p:cNvPicPr>
-          <p:nvPr userDrawn="1"/>
-        </p:nvPicPr>
-        <p:blipFill>
-          <a:blip r:embed="rId2"/>
-          <a:stretch>
-            <a:fillRect/>
-          </a:stretch>
-        </p:blipFill>
-        <p:spPr>
-          <a:xfrm>
-            <a:off x="7854462" y="6283599"/>
-            <a:ext cx="4230446" cy="437876"/>
-          </a:xfrm>
-          <a:prstGeom prst="rect">
-            <a:avLst/>
-          </a:prstGeom>
-        </p:spPr>
-      </p:pic>
       <p:sp>
         <p:nvSpPr>
           <p:cNvPr id="5" name="Footer Placeholder 4">
             <a:extLst>
               <a:ext uri="{FF2B5EF4-FFF2-40B4-BE49-F238E27FC236}">
-                <a16:creationId xmlns:a16="http://schemas.microsoft.com/office/drawing/2014/main" id="{09C0CB5C-B84A-514A-A5A0-C5AC9E73E00D}"/>
+                <a16:creationId xmlns="" xmlns:a16="http://schemas.microsoft.com/office/drawing/2014/main" id="{FF136E26-0E46-B848-BBFC-A0D2BFA17F33}"/>
               </a:ext>
             </a:extLst>
           </p:cNvPr>
@@ -721,7 +835,7 @@
           <p:cNvPr id="6" name="Slide Number Placeholder 5">
             <a:extLst>
               <a:ext uri="{FF2B5EF4-FFF2-40B4-BE49-F238E27FC236}">
-                <a16:creationId xmlns:a16="http://schemas.microsoft.com/office/drawing/2014/main" id="{DE574622-2C96-C042-83BF-1A726042196F}"/>
+                <a16:creationId xmlns="" xmlns:a16="http://schemas.microsoft.com/office/drawing/2014/main" id="{CEAD4217-442E-6C4A-8D0F-CADFE9EACB6D}"/>
               </a:ext>
             </a:extLst>
           </p:cNvPr>
@@ -748,7 +862,7 @@
     </p:spTree>
     <p:extLst>
       <p:ext uri="{BB962C8B-B14F-4D97-AF65-F5344CB8AC3E}">
-        <p14:creationId xmlns:p14="http://schemas.microsoft.com/office/powerpoint/2010/main" val="1870774670"/>
+        <p14:creationId xmlns:p14="http://schemas.microsoft.com/office/powerpoint/2010/main" val="3922315868"/>
       </p:ext>
     </p:extLst>
   </p:cSld>
@@ -780,7 +894,7 @@
           <p:cNvPr id="2" name="Title 1">
             <a:extLst>
               <a:ext uri="{FF2B5EF4-FFF2-40B4-BE49-F238E27FC236}">
-                <a16:creationId xmlns:a16="http://schemas.microsoft.com/office/drawing/2014/main" id="{54AD0108-3981-1549-A4CB-4D0FE6FDB89F}"/>
+                <a16:creationId xmlns="" xmlns:a16="http://schemas.microsoft.com/office/drawing/2014/main" id="{F416C72F-B1B5-6442-B3EF-170DEDF83067}"/>
               </a:ext>
             </a:extLst>
           </p:cNvPr>
@@ -797,9 +911,10 @@
           <a:lstStyle/>
           <a:p>
             <a:r>
-              <a:rPr lang="en-US"/>
+              <a:rPr lang="en-US" smtClean="0"/>
               <a:t>Click to edit Master title style</a:t>
             </a:r>
+            <a:endParaRPr lang="en-US"/>
           </a:p>
         </p:txBody>
       </p:sp>
@@ -808,7 +923,7 @@
           <p:cNvPr id="3" name="Vertical Text Placeholder 2">
             <a:extLst>
               <a:ext uri="{FF2B5EF4-FFF2-40B4-BE49-F238E27FC236}">
-                <a16:creationId xmlns:a16="http://schemas.microsoft.com/office/drawing/2014/main" id="{8BE5A093-2AD2-9349-B50A-B7B88209B5BA}"/>
+                <a16:creationId xmlns="" xmlns:a16="http://schemas.microsoft.com/office/drawing/2014/main" id="{19182C6A-7EA1-C840-86BB-65DF578F4F4B}"/>
               </a:ext>
             </a:extLst>
           </p:cNvPr>
@@ -826,37 +941,38 @@
           <a:p>
             <a:pPr lvl="0"/>
             <a:r>
-              <a:rPr lang="en-US"/>
+              <a:rPr lang="en-US" smtClean="0"/>
               <a:t>Click to edit Master text styles</a:t>
             </a:r>
           </a:p>
           <a:p>
             <a:pPr lvl="1"/>
             <a:r>
-              <a:rPr lang="en-US"/>
+              <a:rPr lang="en-US" smtClean="0"/>
               <a:t>Second level</a:t>
             </a:r>
           </a:p>
           <a:p>
             <a:pPr lvl="2"/>
             <a:r>
-              <a:rPr lang="en-US"/>
+              <a:rPr lang="en-US" smtClean="0"/>
               <a:t>Third level</a:t>
             </a:r>
           </a:p>
           <a:p>
             <a:pPr lvl="3"/>
             <a:r>
-              <a:rPr lang="en-US"/>
+              <a:rPr lang="en-US" smtClean="0"/>
               <a:t>Fourth level</a:t>
             </a:r>
           </a:p>
           <a:p>
             <a:pPr lvl="4"/>
             <a:r>
-              <a:rPr lang="en-US"/>
+              <a:rPr lang="en-US" smtClean="0"/>
               <a:t>Fifth level</a:t>
             </a:r>
+            <a:endParaRPr lang="en-US"/>
           </a:p>
         </p:txBody>
       </p:sp>
@@ -865,7 +981,7 @@
           <p:cNvPr id="4" name="Date Placeholder 3">
             <a:extLst>
               <a:ext uri="{FF2B5EF4-FFF2-40B4-BE49-F238E27FC236}">
-                <a16:creationId xmlns:a16="http://schemas.microsoft.com/office/drawing/2014/main" id="{0AF4A06B-5DBB-424F-86C1-EE1F0C6A2ABE}"/>
+                <a16:creationId xmlns="" xmlns:a16="http://schemas.microsoft.com/office/drawing/2014/main" id="{DBCD3C4B-E6D4-B140-8126-90FD013DE38A}"/>
               </a:ext>
             </a:extLst>
           </p:cNvPr>
@@ -894,7 +1010,7 @@
           <p:cNvPr id="5" name="Footer Placeholder 4">
             <a:extLst>
               <a:ext uri="{FF2B5EF4-FFF2-40B4-BE49-F238E27FC236}">
-                <a16:creationId xmlns:a16="http://schemas.microsoft.com/office/drawing/2014/main" id="{9613209C-1F52-C646-8EE1-58E8EB857566}"/>
+                <a16:creationId xmlns="" xmlns:a16="http://schemas.microsoft.com/office/drawing/2014/main" id="{E26FD8A5-25AB-2742-9333-F1864AA98C6D}"/>
               </a:ext>
             </a:extLst>
           </p:cNvPr>
@@ -919,7 +1035,7 @@
           <p:cNvPr id="6" name="Slide Number Placeholder 5">
             <a:extLst>
               <a:ext uri="{FF2B5EF4-FFF2-40B4-BE49-F238E27FC236}">
-                <a16:creationId xmlns:a16="http://schemas.microsoft.com/office/drawing/2014/main" id="{FE82EF7B-DC76-6F4E-8772-BDFDBF4B2998}"/>
+                <a16:creationId xmlns="" xmlns:a16="http://schemas.microsoft.com/office/drawing/2014/main" id="{B4FFBFCA-F2F7-544E-BB46-A887273990B8}"/>
               </a:ext>
             </a:extLst>
           </p:cNvPr>
@@ -946,7 +1062,7 @@
     </p:spTree>
     <p:extLst>
       <p:ext uri="{BB962C8B-B14F-4D97-AF65-F5344CB8AC3E}">
-        <p14:creationId xmlns:p14="http://schemas.microsoft.com/office/powerpoint/2010/main" val="3503102968"/>
+        <p14:creationId xmlns:p14="http://schemas.microsoft.com/office/powerpoint/2010/main" val="1217018133"/>
       </p:ext>
     </p:extLst>
   </p:cSld>
@@ -978,7 +1094,7 @@
           <p:cNvPr id="2" name="Vertical Title 1">
             <a:extLst>
               <a:ext uri="{FF2B5EF4-FFF2-40B4-BE49-F238E27FC236}">
-                <a16:creationId xmlns:a16="http://schemas.microsoft.com/office/drawing/2014/main" id="{840C42BC-E1BF-794A-BEEC-437117636224}"/>
+                <a16:creationId xmlns="" xmlns:a16="http://schemas.microsoft.com/office/drawing/2014/main" id="{A54E5286-71CD-184D-922F-2C587370C871}"/>
               </a:ext>
             </a:extLst>
           </p:cNvPr>
@@ -1000,9 +1116,10 @@
           <a:lstStyle/>
           <a:p>
             <a:r>
-              <a:rPr lang="en-US"/>
+              <a:rPr lang="en-US" smtClean="0"/>
               <a:t>Click to edit Master title style</a:t>
             </a:r>
+            <a:endParaRPr lang="en-US"/>
           </a:p>
         </p:txBody>
       </p:sp>
@@ -1011,7 +1128,7 @@
           <p:cNvPr id="3" name="Vertical Text Placeholder 2">
             <a:extLst>
               <a:ext uri="{FF2B5EF4-FFF2-40B4-BE49-F238E27FC236}">
-                <a16:creationId xmlns:a16="http://schemas.microsoft.com/office/drawing/2014/main" id="{64FC45AD-B77B-694D-92CA-D4FA914DE835}"/>
+                <a16:creationId xmlns="" xmlns:a16="http://schemas.microsoft.com/office/drawing/2014/main" id="{8E6C93D7-83D1-8740-A256-2B405524A089}"/>
               </a:ext>
             </a:extLst>
           </p:cNvPr>
@@ -1034,37 +1151,38 @@
           <a:p>
             <a:pPr lvl="0"/>
             <a:r>
-              <a:rPr lang="en-US"/>
+              <a:rPr lang="en-US" smtClean="0"/>
               <a:t>Click to edit Master text styles</a:t>
             </a:r>
           </a:p>
           <a:p>
             <a:pPr lvl="1"/>
             <a:r>
-              <a:rPr lang="en-US"/>
+              <a:rPr lang="en-US" smtClean="0"/>
               <a:t>Second level</a:t>
             </a:r>
           </a:p>
           <a:p>
             <a:pPr lvl="2"/>
             <a:r>
-              <a:rPr lang="en-US"/>
+              <a:rPr lang="en-US" smtClean="0"/>
               <a:t>Third level</a:t>
             </a:r>
           </a:p>
           <a:p>
             <a:pPr lvl="3"/>
             <a:r>
-              <a:rPr lang="en-US"/>
+              <a:rPr lang="en-US" smtClean="0"/>
               <a:t>Fourth level</a:t>
             </a:r>
           </a:p>
           <a:p>
             <a:pPr lvl="4"/>
             <a:r>
-              <a:rPr lang="en-US"/>
+              <a:rPr lang="en-US" smtClean="0"/>
               <a:t>Fifth level</a:t>
             </a:r>
+            <a:endParaRPr lang="en-US"/>
           </a:p>
         </p:txBody>
       </p:sp>
@@ -1073,7 +1191,7 @@
           <p:cNvPr id="4" name="Date Placeholder 3">
             <a:extLst>
               <a:ext uri="{FF2B5EF4-FFF2-40B4-BE49-F238E27FC236}">
-                <a16:creationId xmlns:a16="http://schemas.microsoft.com/office/drawing/2014/main" id="{B58149C7-B7AF-EE43-98CF-1D7CBDC4C51C}"/>
+                <a16:creationId xmlns="" xmlns:a16="http://schemas.microsoft.com/office/drawing/2014/main" id="{C7CCB8DC-90E9-1D49-B70B-5103FBBD3972}"/>
               </a:ext>
             </a:extLst>
           </p:cNvPr>
@@ -1102,7 +1220,7 @@
           <p:cNvPr id="5" name="Footer Placeholder 4">
             <a:extLst>
               <a:ext uri="{FF2B5EF4-FFF2-40B4-BE49-F238E27FC236}">
-                <a16:creationId xmlns:a16="http://schemas.microsoft.com/office/drawing/2014/main" id="{8AE26FA7-F97E-754E-B4CA-D37F6E57F82F}"/>
+                <a16:creationId xmlns="" xmlns:a16="http://schemas.microsoft.com/office/drawing/2014/main" id="{0997D847-8768-9843-9B66-E6B3989BA3D2}"/>
               </a:ext>
             </a:extLst>
           </p:cNvPr>
@@ -1127,7 +1245,7 @@
           <p:cNvPr id="6" name="Slide Number Placeholder 5">
             <a:extLst>
               <a:ext uri="{FF2B5EF4-FFF2-40B4-BE49-F238E27FC236}">
-                <a16:creationId xmlns:a16="http://schemas.microsoft.com/office/drawing/2014/main" id="{B97E1139-0060-E346-9F3F-28F3A5272DF9}"/>
+                <a16:creationId xmlns="" xmlns:a16="http://schemas.microsoft.com/office/drawing/2014/main" id="{8E82CB94-E0A6-3E47-9F30-8DEB64C2027C}"/>
               </a:ext>
             </a:extLst>
           </p:cNvPr>
@@ -1154,7 +1272,7 @@
     </p:spTree>
     <p:extLst>
       <p:ext uri="{BB962C8B-B14F-4D97-AF65-F5344CB8AC3E}">
-        <p14:creationId xmlns:p14="http://schemas.microsoft.com/office/powerpoint/2010/main" val="3473483324"/>
+        <p14:creationId xmlns:p14="http://schemas.microsoft.com/office/powerpoint/2010/main" val="281686381"/>
       </p:ext>
     </p:extLst>
   </p:cSld>
@@ -1186,7 +1304,7 @@
           <p:cNvPr id="2" name="Title 1">
             <a:extLst>
               <a:ext uri="{FF2B5EF4-FFF2-40B4-BE49-F238E27FC236}">
-                <a16:creationId xmlns:a16="http://schemas.microsoft.com/office/drawing/2014/main" id="{DE8803A6-7D46-8F41-8AFA-F2DCEB5BCD6E}"/>
+                <a16:creationId xmlns="" xmlns:a16="http://schemas.microsoft.com/office/drawing/2014/main" id="{B8842375-E5EF-4D4E-AFD0-A94090E7DB29}"/>
               </a:ext>
             </a:extLst>
           </p:cNvPr>
@@ -1203,9 +1321,10 @@
           <a:lstStyle/>
           <a:p>
             <a:r>
-              <a:rPr lang="en-US"/>
+              <a:rPr lang="en-US" smtClean="0"/>
               <a:t>Click to edit Master title style</a:t>
             </a:r>
+            <a:endParaRPr lang="en-US"/>
           </a:p>
         </p:txBody>
       </p:sp>
@@ -1214,7 +1333,7 @@
           <p:cNvPr id="3" name="Content Placeholder 2">
             <a:extLst>
               <a:ext uri="{FF2B5EF4-FFF2-40B4-BE49-F238E27FC236}">
-                <a16:creationId xmlns:a16="http://schemas.microsoft.com/office/drawing/2014/main" id="{66CB9CE8-C78D-C445-BCD6-A816A89CE00B}"/>
+                <a16:creationId xmlns="" xmlns:a16="http://schemas.microsoft.com/office/drawing/2014/main" id="{F366F610-FF9B-2A4B-8E35-314B0D78D9D8}"/>
               </a:ext>
             </a:extLst>
           </p:cNvPr>
@@ -1232,37 +1351,38 @@
           <a:p>
             <a:pPr lvl="0"/>
             <a:r>
-              <a:rPr lang="en-US"/>
+              <a:rPr lang="en-US" smtClean="0"/>
               <a:t>Click to edit Master text styles</a:t>
             </a:r>
           </a:p>
           <a:p>
             <a:pPr lvl="1"/>
             <a:r>
-              <a:rPr lang="en-US"/>
+              <a:rPr lang="en-US" smtClean="0"/>
               <a:t>Second level</a:t>
             </a:r>
           </a:p>
           <a:p>
             <a:pPr lvl="2"/>
             <a:r>
-              <a:rPr lang="en-US"/>
+              <a:rPr lang="en-US" smtClean="0"/>
               <a:t>Third level</a:t>
             </a:r>
           </a:p>
           <a:p>
             <a:pPr lvl="3"/>
             <a:r>
-              <a:rPr lang="en-US"/>
+              <a:rPr lang="en-US" smtClean="0"/>
               <a:t>Fourth level</a:t>
             </a:r>
           </a:p>
           <a:p>
             <a:pPr lvl="4"/>
             <a:r>
-              <a:rPr lang="en-US"/>
+              <a:rPr lang="en-US" smtClean="0"/>
               <a:t>Fifth level</a:t>
             </a:r>
+            <a:endParaRPr lang="en-US"/>
           </a:p>
         </p:txBody>
       </p:sp>
@@ -1271,7 +1391,7 @@
           <p:cNvPr id="4" name="Date Placeholder 3">
             <a:extLst>
               <a:ext uri="{FF2B5EF4-FFF2-40B4-BE49-F238E27FC236}">
-                <a16:creationId xmlns:a16="http://schemas.microsoft.com/office/drawing/2014/main" id="{578F461B-9225-E941-B67E-F1CFC15D204F}"/>
+                <a16:creationId xmlns="" xmlns:a16="http://schemas.microsoft.com/office/drawing/2014/main" id="{1561E808-F7D2-E84B-8CD4-83F18272EA72}"/>
               </a:ext>
             </a:extLst>
           </p:cNvPr>
@@ -1300,7 +1420,7 @@
           <p:cNvPr id="5" name="Footer Placeholder 4">
             <a:extLst>
               <a:ext uri="{FF2B5EF4-FFF2-40B4-BE49-F238E27FC236}">
-                <a16:creationId xmlns:a16="http://schemas.microsoft.com/office/drawing/2014/main" id="{DEAF1779-EEC5-F146-A237-56494528F2A0}"/>
+                <a16:creationId xmlns="" xmlns:a16="http://schemas.microsoft.com/office/drawing/2014/main" id="{7B3AD9A1-B1EC-984E-A23E-0ECF6F652482}"/>
               </a:ext>
             </a:extLst>
           </p:cNvPr>
@@ -1325,7 +1445,7 @@
           <p:cNvPr id="6" name="Slide Number Placeholder 5">
             <a:extLst>
               <a:ext uri="{FF2B5EF4-FFF2-40B4-BE49-F238E27FC236}">
-                <a16:creationId xmlns:a16="http://schemas.microsoft.com/office/drawing/2014/main" id="{BFDDC0FB-2EE9-7F42-B0DF-CFF627C92561}"/>
+                <a16:creationId xmlns="" xmlns:a16="http://schemas.microsoft.com/office/drawing/2014/main" id="{01BFD94D-9604-2A43-AADF-14B0876B6EBB}"/>
               </a:ext>
             </a:extLst>
           </p:cNvPr>
@@ -1352,7 +1472,7 @@
     </p:spTree>
     <p:extLst>
       <p:ext uri="{BB962C8B-B14F-4D97-AF65-F5344CB8AC3E}">
-        <p14:creationId xmlns:p14="http://schemas.microsoft.com/office/powerpoint/2010/main" val="1599390684"/>
+        <p14:creationId xmlns:p14="http://schemas.microsoft.com/office/powerpoint/2010/main" val="262241414"/>
       </p:ext>
     </p:extLst>
   </p:cSld>
@@ -1384,7 +1504,7 @@
           <p:cNvPr id="2" name="Title 1">
             <a:extLst>
               <a:ext uri="{FF2B5EF4-FFF2-40B4-BE49-F238E27FC236}">
-                <a16:creationId xmlns:a16="http://schemas.microsoft.com/office/drawing/2014/main" id="{F356AC19-07B6-0644-A04B-3160E5287583}"/>
+                <a16:creationId xmlns="" xmlns:a16="http://schemas.microsoft.com/office/drawing/2014/main" id="{771589AC-2242-B445-BBEA-95D500596EE6}"/>
               </a:ext>
             </a:extLst>
           </p:cNvPr>
@@ -1410,9 +1530,10 @@
           </a:lstStyle>
           <a:p>
             <a:r>
-              <a:rPr lang="en-US"/>
+              <a:rPr lang="en-US" smtClean="0"/>
               <a:t>Click to edit Master title style</a:t>
             </a:r>
+            <a:endParaRPr lang="en-US"/>
           </a:p>
         </p:txBody>
       </p:sp>
@@ -1421,7 +1542,7 @@
           <p:cNvPr id="3" name="Text Placeholder 2">
             <a:extLst>
               <a:ext uri="{FF2B5EF4-FFF2-40B4-BE49-F238E27FC236}">
-                <a16:creationId xmlns:a16="http://schemas.microsoft.com/office/drawing/2014/main" id="{47B01923-58A4-F843-9053-52A8CD139D11}"/>
+                <a16:creationId xmlns="" xmlns:a16="http://schemas.microsoft.com/office/drawing/2014/main" id="{255D194C-D171-4B45-BA38-8D16CD1C3449}"/>
               </a:ext>
             </a:extLst>
           </p:cNvPr>
@@ -1535,7 +1656,7 @@
           <a:p>
             <a:pPr lvl="0"/>
             <a:r>
-              <a:rPr lang="en-US"/>
+              <a:rPr lang="en-US" smtClean="0"/>
               <a:t>Click to edit Master text styles</a:t>
             </a:r>
           </a:p>
@@ -1546,7 +1667,7 @@
           <p:cNvPr id="4" name="Date Placeholder 3">
             <a:extLst>
               <a:ext uri="{FF2B5EF4-FFF2-40B4-BE49-F238E27FC236}">
-                <a16:creationId xmlns:a16="http://schemas.microsoft.com/office/drawing/2014/main" id="{BC87314D-7828-F741-9D95-55EC91A61391}"/>
+                <a16:creationId xmlns="" xmlns:a16="http://schemas.microsoft.com/office/drawing/2014/main" id="{68A38244-2F9E-AB4A-B300-488462389FF9}"/>
               </a:ext>
             </a:extLst>
           </p:cNvPr>
@@ -1575,7 +1696,7 @@
           <p:cNvPr id="5" name="Footer Placeholder 4">
             <a:extLst>
               <a:ext uri="{FF2B5EF4-FFF2-40B4-BE49-F238E27FC236}">
-                <a16:creationId xmlns:a16="http://schemas.microsoft.com/office/drawing/2014/main" id="{C32D0851-13E6-424D-9C2E-1FAE4644C813}"/>
+                <a16:creationId xmlns="" xmlns:a16="http://schemas.microsoft.com/office/drawing/2014/main" id="{B33A7B5A-1475-C94F-AD18-1726D2BA89C2}"/>
               </a:ext>
             </a:extLst>
           </p:cNvPr>
@@ -1600,7 +1721,7 @@
           <p:cNvPr id="6" name="Slide Number Placeholder 5">
             <a:extLst>
               <a:ext uri="{FF2B5EF4-FFF2-40B4-BE49-F238E27FC236}">
-                <a16:creationId xmlns:a16="http://schemas.microsoft.com/office/drawing/2014/main" id="{E90D49C9-EC39-7F42-A3C5-326D1EF2DF29}"/>
+                <a16:creationId xmlns="" xmlns:a16="http://schemas.microsoft.com/office/drawing/2014/main" id="{8069DDF6-CCE5-3946-8A72-14D318AB4D22}"/>
               </a:ext>
             </a:extLst>
           </p:cNvPr>
@@ -1627,7 +1748,7 @@
     </p:spTree>
     <p:extLst>
       <p:ext uri="{BB962C8B-B14F-4D97-AF65-F5344CB8AC3E}">
-        <p14:creationId xmlns:p14="http://schemas.microsoft.com/office/powerpoint/2010/main" val="2025852139"/>
+        <p14:creationId xmlns:p14="http://schemas.microsoft.com/office/powerpoint/2010/main" val="3211843983"/>
       </p:ext>
     </p:extLst>
   </p:cSld>
@@ -1659,7 +1780,7 @@
           <p:cNvPr id="2" name="Title 1">
             <a:extLst>
               <a:ext uri="{FF2B5EF4-FFF2-40B4-BE49-F238E27FC236}">
-                <a16:creationId xmlns:a16="http://schemas.microsoft.com/office/drawing/2014/main" id="{07AA3E1F-D8B9-BF42-8A66-0B4BB621D4EE}"/>
+                <a16:creationId xmlns="" xmlns:a16="http://schemas.microsoft.com/office/drawing/2014/main" id="{AC1D2791-2196-8F4F-AD62-59B19A8810A3}"/>
               </a:ext>
             </a:extLst>
           </p:cNvPr>
@@ -1676,9 +1797,10 @@
           <a:lstStyle/>
           <a:p>
             <a:r>
-              <a:rPr lang="en-US"/>
+              <a:rPr lang="en-US" smtClean="0"/>
               <a:t>Click to edit Master title style</a:t>
             </a:r>
+            <a:endParaRPr lang="en-US"/>
           </a:p>
         </p:txBody>
       </p:sp>
@@ -1687,7 +1809,7 @@
           <p:cNvPr id="3" name="Content Placeholder 2">
             <a:extLst>
               <a:ext uri="{FF2B5EF4-FFF2-40B4-BE49-F238E27FC236}">
-                <a16:creationId xmlns:a16="http://schemas.microsoft.com/office/drawing/2014/main" id="{98FF2411-0A6B-CE40-888E-DF6851057E2E}"/>
+                <a16:creationId xmlns="" xmlns:a16="http://schemas.microsoft.com/office/drawing/2014/main" id="{3962F23A-0A28-6141-B0BF-D7B92C213877}"/>
               </a:ext>
             </a:extLst>
           </p:cNvPr>
@@ -1710,37 +1832,38 @@
           <a:p>
             <a:pPr lvl="0"/>
             <a:r>
-              <a:rPr lang="en-US"/>
+              <a:rPr lang="en-US" smtClean="0"/>
               <a:t>Click to edit Master text styles</a:t>
             </a:r>
           </a:p>
           <a:p>
             <a:pPr lvl="1"/>
             <a:r>
-              <a:rPr lang="en-US"/>
+              <a:rPr lang="en-US" smtClean="0"/>
               <a:t>Second level</a:t>
             </a:r>
           </a:p>
           <a:p>
             <a:pPr lvl="2"/>
             <a:r>
-              <a:rPr lang="en-US"/>
+              <a:rPr lang="en-US" smtClean="0"/>
               <a:t>Third level</a:t>
             </a:r>
           </a:p>
           <a:p>
             <a:pPr lvl="3"/>
             <a:r>
-              <a:rPr lang="en-US"/>
+              <a:rPr lang="en-US" smtClean="0"/>
               <a:t>Fourth level</a:t>
             </a:r>
           </a:p>
           <a:p>
             <a:pPr lvl="4"/>
             <a:r>
-              <a:rPr lang="en-US"/>
+              <a:rPr lang="en-US" smtClean="0"/>
               <a:t>Fifth level</a:t>
             </a:r>
+            <a:endParaRPr lang="en-US"/>
           </a:p>
         </p:txBody>
       </p:sp>
@@ -1749,7 +1872,7 @@
           <p:cNvPr id="4" name="Content Placeholder 3">
             <a:extLst>
               <a:ext uri="{FF2B5EF4-FFF2-40B4-BE49-F238E27FC236}">
-                <a16:creationId xmlns:a16="http://schemas.microsoft.com/office/drawing/2014/main" id="{9BA4D581-7115-1543-BEFA-9BDA990CC539}"/>
+                <a16:creationId xmlns="" xmlns:a16="http://schemas.microsoft.com/office/drawing/2014/main" id="{C36DF3E7-529D-1C40-B815-3C505F4D107E}"/>
               </a:ext>
             </a:extLst>
           </p:cNvPr>
@@ -1772,37 +1895,38 @@
           <a:p>
             <a:pPr lvl="0"/>
             <a:r>
-              <a:rPr lang="en-US"/>
+              <a:rPr lang="en-US" smtClean="0"/>
               <a:t>Click to edit Master text styles</a:t>
             </a:r>
           </a:p>
           <a:p>
             <a:pPr lvl="1"/>
             <a:r>
-              <a:rPr lang="en-US"/>
+              <a:rPr lang="en-US" smtClean="0"/>
               <a:t>Second level</a:t>
             </a:r>
           </a:p>
           <a:p>
             <a:pPr lvl="2"/>
             <a:r>
-              <a:rPr lang="en-US"/>
+              <a:rPr lang="en-US" smtClean="0"/>
               <a:t>Third level</a:t>
             </a:r>
           </a:p>
           <a:p>
             <a:pPr lvl="3"/>
             <a:r>
-              <a:rPr lang="en-US"/>
+              <a:rPr lang="en-US" smtClean="0"/>
               <a:t>Fourth level</a:t>
             </a:r>
           </a:p>
           <a:p>
             <a:pPr lvl="4"/>
             <a:r>
-              <a:rPr lang="en-US"/>
+              <a:rPr lang="en-US" smtClean="0"/>
               <a:t>Fifth level</a:t>
             </a:r>
+            <a:endParaRPr lang="en-US"/>
           </a:p>
         </p:txBody>
       </p:sp>
@@ -1811,7 +1935,7 @@
           <p:cNvPr id="5" name="Date Placeholder 4">
             <a:extLst>
               <a:ext uri="{FF2B5EF4-FFF2-40B4-BE49-F238E27FC236}">
-                <a16:creationId xmlns:a16="http://schemas.microsoft.com/office/drawing/2014/main" id="{0E2641F9-C3D3-084B-B988-17CA1EABF878}"/>
+                <a16:creationId xmlns="" xmlns:a16="http://schemas.microsoft.com/office/drawing/2014/main" id="{ECFEE966-F172-8C42-A9F6-013C2A368C90}"/>
               </a:ext>
             </a:extLst>
           </p:cNvPr>
@@ -1840,7 +1964,7 @@
           <p:cNvPr id="6" name="Footer Placeholder 5">
             <a:extLst>
               <a:ext uri="{FF2B5EF4-FFF2-40B4-BE49-F238E27FC236}">
-                <a16:creationId xmlns:a16="http://schemas.microsoft.com/office/drawing/2014/main" id="{AAD4858C-8C04-8743-B0F9-F00677985506}"/>
+                <a16:creationId xmlns="" xmlns:a16="http://schemas.microsoft.com/office/drawing/2014/main" id="{54FDED73-DCFA-6648-B65F-CBEDB1D3556B}"/>
               </a:ext>
             </a:extLst>
           </p:cNvPr>
@@ -1865,7 +1989,7 @@
           <p:cNvPr id="7" name="Slide Number Placeholder 6">
             <a:extLst>
               <a:ext uri="{FF2B5EF4-FFF2-40B4-BE49-F238E27FC236}">
-                <a16:creationId xmlns:a16="http://schemas.microsoft.com/office/drawing/2014/main" id="{39361CAC-0734-F24D-9D05-BAA72489F4AF}"/>
+                <a16:creationId xmlns="" xmlns:a16="http://schemas.microsoft.com/office/drawing/2014/main" id="{F3D072AD-ADC5-2943-B36C-F14AE6555C55}"/>
               </a:ext>
             </a:extLst>
           </p:cNvPr>
@@ -1892,7 +2016,7 @@
     </p:spTree>
     <p:extLst>
       <p:ext uri="{BB962C8B-B14F-4D97-AF65-F5344CB8AC3E}">
-        <p14:creationId xmlns:p14="http://schemas.microsoft.com/office/powerpoint/2010/main" val="1475799953"/>
+        <p14:creationId xmlns:p14="http://schemas.microsoft.com/office/powerpoint/2010/main" val="3021358687"/>
       </p:ext>
     </p:extLst>
   </p:cSld>
@@ -1924,7 +2048,7 @@
           <p:cNvPr id="2" name="Title 1">
             <a:extLst>
               <a:ext uri="{FF2B5EF4-FFF2-40B4-BE49-F238E27FC236}">
-                <a16:creationId xmlns:a16="http://schemas.microsoft.com/office/drawing/2014/main" id="{3C8E1E6B-81D0-B64C-A830-30B6E4083065}"/>
+                <a16:creationId xmlns="" xmlns:a16="http://schemas.microsoft.com/office/drawing/2014/main" id="{478E3FB4-66D6-9040-98CF-3DE68ABAAB18}"/>
               </a:ext>
             </a:extLst>
           </p:cNvPr>
@@ -1946,9 +2070,10 @@
           <a:lstStyle/>
           <a:p>
             <a:r>
-              <a:rPr lang="en-US"/>
+              <a:rPr lang="en-US" smtClean="0"/>
               <a:t>Click to edit Master title style</a:t>
             </a:r>
+            <a:endParaRPr lang="en-US"/>
           </a:p>
         </p:txBody>
       </p:sp>
@@ -1957,7 +2082,7 @@
           <p:cNvPr id="3" name="Text Placeholder 2">
             <a:extLst>
               <a:ext uri="{FF2B5EF4-FFF2-40B4-BE49-F238E27FC236}">
-                <a16:creationId xmlns:a16="http://schemas.microsoft.com/office/drawing/2014/main" id="{29B405A4-EAA4-5447-AAB9-39AC9B0B5FB4}"/>
+                <a16:creationId xmlns="" xmlns:a16="http://schemas.microsoft.com/office/drawing/2014/main" id="{C3B9CBA2-D589-E342-B02C-AFD0528E353B}"/>
               </a:ext>
             </a:extLst>
           </p:cNvPr>
@@ -2017,7 +2142,7 @@
           <a:p>
             <a:pPr lvl="0"/>
             <a:r>
-              <a:rPr lang="en-US"/>
+              <a:rPr lang="en-US" smtClean="0"/>
               <a:t>Click to edit Master text styles</a:t>
             </a:r>
           </a:p>
@@ -2028,7 +2153,7 @@
           <p:cNvPr id="4" name="Content Placeholder 3">
             <a:extLst>
               <a:ext uri="{FF2B5EF4-FFF2-40B4-BE49-F238E27FC236}">
-                <a16:creationId xmlns:a16="http://schemas.microsoft.com/office/drawing/2014/main" id="{BC6A46CB-5940-1340-AE42-99C42BBA88F7}"/>
+                <a16:creationId xmlns="" xmlns:a16="http://schemas.microsoft.com/office/drawing/2014/main" id="{F570E95A-9A57-7F42-A0D4-A9C36B16D13C}"/>
               </a:ext>
             </a:extLst>
           </p:cNvPr>
@@ -2051,37 +2176,38 @@
           <a:p>
             <a:pPr lvl="0"/>
             <a:r>
-              <a:rPr lang="en-US"/>
+              <a:rPr lang="en-US" smtClean="0"/>
               <a:t>Click to edit Master text styles</a:t>
             </a:r>
           </a:p>
           <a:p>
             <a:pPr lvl="1"/>
             <a:r>
-              <a:rPr lang="en-US"/>
+              <a:rPr lang="en-US" smtClean="0"/>
               <a:t>Second level</a:t>
             </a:r>
           </a:p>
           <a:p>
             <a:pPr lvl="2"/>
             <a:r>
-              <a:rPr lang="en-US"/>
+              <a:rPr lang="en-US" smtClean="0"/>
               <a:t>Third level</a:t>
             </a:r>
           </a:p>
           <a:p>
             <a:pPr lvl="3"/>
             <a:r>
-              <a:rPr lang="en-US"/>
+              <a:rPr lang="en-US" smtClean="0"/>
               <a:t>Fourth level</a:t>
             </a:r>
           </a:p>
           <a:p>
             <a:pPr lvl="4"/>
             <a:r>
-              <a:rPr lang="en-US"/>
+              <a:rPr lang="en-US" smtClean="0"/>
               <a:t>Fifth level</a:t>
             </a:r>
+            <a:endParaRPr lang="en-US"/>
           </a:p>
         </p:txBody>
       </p:sp>
@@ -2090,7 +2216,7 @@
           <p:cNvPr id="5" name="Text Placeholder 4">
             <a:extLst>
               <a:ext uri="{FF2B5EF4-FFF2-40B4-BE49-F238E27FC236}">
-                <a16:creationId xmlns:a16="http://schemas.microsoft.com/office/drawing/2014/main" id="{5AABB1F0-6F50-BD42-93D9-BCBB5339B228}"/>
+                <a16:creationId xmlns="" xmlns:a16="http://schemas.microsoft.com/office/drawing/2014/main" id="{B6A72F40-C7A9-CC45-82FB-CCCE1FE08B0B}"/>
               </a:ext>
             </a:extLst>
           </p:cNvPr>
@@ -2150,7 +2276,7 @@
           <a:p>
             <a:pPr lvl="0"/>
             <a:r>
-              <a:rPr lang="en-US"/>
+              <a:rPr lang="en-US" smtClean="0"/>
               <a:t>Click to edit Master text styles</a:t>
             </a:r>
           </a:p>
@@ -2161,7 +2287,7 @@
           <p:cNvPr id="6" name="Content Placeholder 5">
             <a:extLst>
               <a:ext uri="{FF2B5EF4-FFF2-40B4-BE49-F238E27FC236}">
-                <a16:creationId xmlns:a16="http://schemas.microsoft.com/office/drawing/2014/main" id="{026D6CE6-9799-C543-AE82-CE9E9ED9B5AC}"/>
+                <a16:creationId xmlns="" xmlns:a16="http://schemas.microsoft.com/office/drawing/2014/main" id="{9FDA6D2A-2E9D-714C-B9CB-D0F9D788FCD3}"/>
               </a:ext>
             </a:extLst>
           </p:cNvPr>
@@ -2184,37 +2310,38 @@
           <a:p>
             <a:pPr lvl="0"/>
             <a:r>
-              <a:rPr lang="en-US"/>
+              <a:rPr lang="en-US" smtClean="0"/>
               <a:t>Click to edit Master text styles</a:t>
             </a:r>
           </a:p>
           <a:p>
             <a:pPr lvl="1"/>
             <a:r>
-              <a:rPr lang="en-US"/>
+              <a:rPr lang="en-US" smtClean="0"/>
               <a:t>Second level</a:t>
             </a:r>
           </a:p>
           <a:p>
             <a:pPr lvl="2"/>
             <a:r>
-              <a:rPr lang="en-US"/>
+              <a:rPr lang="en-US" smtClean="0"/>
               <a:t>Third level</a:t>
             </a:r>
           </a:p>
           <a:p>
             <a:pPr lvl="3"/>
             <a:r>
-              <a:rPr lang="en-US"/>
+              <a:rPr lang="en-US" smtClean="0"/>
               <a:t>Fourth level</a:t>
             </a:r>
           </a:p>
           <a:p>
             <a:pPr lvl="4"/>
             <a:r>
-              <a:rPr lang="en-US"/>
+              <a:rPr lang="en-US" smtClean="0"/>
               <a:t>Fifth level</a:t>
             </a:r>
+            <a:endParaRPr lang="en-US"/>
           </a:p>
         </p:txBody>
       </p:sp>
@@ -2223,7 +2350,7 @@
           <p:cNvPr id="7" name="Date Placeholder 6">
             <a:extLst>
               <a:ext uri="{FF2B5EF4-FFF2-40B4-BE49-F238E27FC236}">
-                <a16:creationId xmlns:a16="http://schemas.microsoft.com/office/drawing/2014/main" id="{95E3C5AE-6923-5E44-AA54-47980E1298C1}"/>
+                <a16:creationId xmlns="" xmlns:a16="http://schemas.microsoft.com/office/drawing/2014/main" id="{1B7F3C0C-4D75-9C49-9075-FA8B3D33CF9B}"/>
               </a:ext>
             </a:extLst>
           </p:cNvPr>
@@ -2252,7 +2379,7 @@
           <p:cNvPr id="8" name="Footer Placeholder 7">
             <a:extLst>
               <a:ext uri="{FF2B5EF4-FFF2-40B4-BE49-F238E27FC236}">
-                <a16:creationId xmlns:a16="http://schemas.microsoft.com/office/drawing/2014/main" id="{F4AFB1E3-6828-E94D-AAA8-F7B6244938AD}"/>
+                <a16:creationId xmlns="" xmlns:a16="http://schemas.microsoft.com/office/drawing/2014/main" id="{9788C8FA-359A-5447-AA0E-98D16ECCC92D}"/>
               </a:ext>
             </a:extLst>
           </p:cNvPr>
@@ -2277,7 +2404,7 @@
           <p:cNvPr id="9" name="Slide Number Placeholder 8">
             <a:extLst>
               <a:ext uri="{FF2B5EF4-FFF2-40B4-BE49-F238E27FC236}">
-                <a16:creationId xmlns:a16="http://schemas.microsoft.com/office/drawing/2014/main" id="{D81DD239-2AB5-E34B-9A56-32C9F61E1CE1}"/>
+                <a16:creationId xmlns="" xmlns:a16="http://schemas.microsoft.com/office/drawing/2014/main" id="{3D69C8CD-0DF6-4E4C-A412-31B03845FA24}"/>
               </a:ext>
             </a:extLst>
           </p:cNvPr>
@@ -2304,7 +2431,7 @@
     </p:spTree>
     <p:extLst>
       <p:ext uri="{BB962C8B-B14F-4D97-AF65-F5344CB8AC3E}">
-        <p14:creationId xmlns:p14="http://schemas.microsoft.com/office/powerpoint/2010/main" val="3737698256"/>
+        <p14:creationId xmlns:p14="http://schemas.microsoft.com/office/powerpoint/2010/main" val="1893173265"/>
       </p:ext>
     </p:extLst>
   </p:cSld>
@@ -2336,7 +2463,7 @@
           <p:cNvPr id="2" name="Title 1">
             <a:extLst>
               <a:ext uri="{FF2B5EF4-FFF2-40B4-BE49-F238E27FC236}">
-                <a16:creationId xmlns:a16="http://schemas.microsoft.com/office/drawing/2014/main" id="{80FD57B6-4625-2149-BB04-012454937A75}"/>
+                <a16:creationId xmlns="" xmlns:a16="http://schemas.microsoft.com/office/drawing/2014/main" id="{13C48C8E-A743-0B4F-AB6E-AB828F1218C8}"/>
               </a:ext>
             </a:extLst>
           </p:cNvPr>
@@ -2353,9 +2480,10 @@
           <a:lstStyle/>
           <a:p>
             <a:r>
-              <a:rPr lang="en-US"/>
+              <a:rPr lang="en-US" smtClean="0"/>
               <a:t>Click to edit Master title style</a:t>
             </a:r>
+            <a:endParaRPr lang="en-US"/>
           </a:p>
         </p:txBody>
       </p:sp>
@@ -2364,7 +2492,7 @@
           <p:cNvPr id="3" name="Date Placeholder 2">
             <a:extLst>
               <a:ext uri="{FF2B5EF4-FFF2-40B4-BE49-F238E27FC236}">
-                <a16:creationId xmlns:a16="http://schemas.microsoft.com/office/drawing/2014/main" id="{7067FAF0-5A46-1542-A59B-4155824CAB3A}"/>
+                <a16:creationId xmlns="" xmlns:a16="http://schemas.microsoft.com/office/drawing/2014/main" id="{70FAB17F-6D86-B147-9346-A9B5242FC803}"/>
               </a:ext>
             </a:extLst>
           </p:cNvPr>
@@ -2393,7 +2521,7 @@
           <p:cNvPr id="4" name="Footer Placeholder 3">
             <a:extLst>
               <a:ext uri="{FF2B5EF4-FFF2-40B4-BE49-F238E27FC236}">
-                <a16:creationId xmlns:a16="http://schemas.microsoft.com/office/drawing/2014/main" id="{6561CD37-7AB8-114F-B8A6-411954022946}"/>
+                <a16:creationId xmlns="" xmlns:a16="http://schemas.microsoft.com/office/drawing/2014/main" id="{4B8A6F49-DCD7-7B4B-8496-2547B2A81C83}"/>
               </a:ext>
             </a:extLst>
           </p:cNvPr>
@@ -2418,7 +2546,7 @@
           <p:cNvPr id="5" name="Slide Number Placeholder 4">
             <a:extLst>
               <a:ext uri="{FF2B5EF4-FFF2-40B4-BE49-F238E27FC236}">
-                <a16:creationId xmlns:a16="http://schemas.microsoft.com/office/drawing/2014/main" id="{874264D7-8895-EE45-9658-C5FF8F42DA51}"/>
+                <a16:creationId xmlns="" xmlns:a16="http://schemas.microsoft.com/office/drawing/2014/main" id="{D4D1F89D-8541-BB4B-A145-D0DC66605C91}"/>
               </a:ext>
             </a:extLst>
           </p:cNvPr>
@@ -2445,7 +2573,7 @@
     </p:spTree>
     <p:extLst>
       <p:ext uri="{BB962C8B-B14F-4D97-AF65-F5344CB8AC3E}">
-        <p14:creationId xmlns:p14="http://schemas.microsoft.com/office/powerpoint/2010/main" val="2533307103"/>
+        <p14:creationId xmlns:p14="http://schemas.microsoft.com/office/powerpoint/2010/main" val="3749689027"/>
       </p:ext>
     </p:extLst>
   </p:cSld>
@@ -2477,7 +2605,7 @@
           <p:cNvPr id="2" name="Date Placeholder 1">
             <a:extLst>
               <a:ext uri="{FF2B5EF4-FFF2-40B4-BE49-F238E27FC236}">
-                <a16:creationId xmlns:a16="http://schemas.microsoft.com/office/drawing/2014/main" id="{EF8BB7FA-2258-C64B-9A1D-816834763FBE}"/>
+                <a16:creationId xmlns="" xmlns:a16="http://schemas.microsoft.com/office/drawing/2014/main" id="{AD68AA44-A589-744E-AB85-5B6ED8E7D8C0}"/>
               </a:ext>
             </a:extLst>
           </p:cNvPr>
@@ -2506,7 +2634,7 @@
           <p:cNvPr id="3" name="Footer Placeholder 2">
             <a:extLst>
               <a:ext uri="{FF2B5EF4-FFF2-40B4-BE49-F238E27FC236}">
-                <a16:creationId xmlns:a16="http://schemas.microsoft.com/office/drawing/2014/main" id="{307C2AD0-8E67-9E4C-A046-98757BA7AE48}"/>
+                <a16:creationId xmlns="" xmlns:a16="http://schemas.microsoft.com/office/drawing/2014/main" id="{1CA0E6D3-947A-FA4D-8626-2883D14EFE8D}"/>
               </a:ext>
             </a:extLst>
           </p:cNvPr>
@@ -2531,7 +2659,7 @@
           <p:cNvPr id="4" name="Slide Number Placeholder 3">
             <a:extLst>
               <a:ext uri="{FF2B5EF4-FFF2-40B4-BE49-F238E27FC236}">
-                <a16:creationId xmlns:a16="http://schemas.microsoft.com/office/drawing/2014/main" id="{909EE54A-96EF-5D44-ABA5-5EDA7C0F21A7}"/>
+                <a16:creationId xmlns="" xmlns:a16="http://schemas.microsoft.com/office/drawing/2014/main" id="{5BF0953F-E6D0-2240-B174-03015D0856A8}"/>
               </a:ext>
             </a:extLst>
           </p:cNvPr>
@@ -2558,7 +2686,7 @@
     </p:spTree>
     <p:extLst>
       <p:ext uri="{BB962C8B-B14F-4D97-AF65-F5344CB8AC3E}">
-        <p14:creationId xmlns:p14="http://schemas.microsoft.com/office/powerpoint/2010/main" val="3347381413"/>
+        <p14:creationId xmlns:p14="http://schemas.microsoft.com/office/powerpoint/2010/main" val="575761304"/>
       </p:ext>
     </p:extLst>
   </p:cSld>
@@ -2590,7 +2718,7 @@
           <p:cNvPr id="2" name="Title 1">
             <a:extLst>
               <a:ext uri="{FF2B5EF4-FFF2-40B4-BE49-F238E27FC236}">
-                <a16:creationId xmlns:a16="http://schemas.microsoft.com/office/drawing/2014/main" id="{000CAFB7-F9F1-984C-8249-31FF41D0C8D2}"/>
+                <a16:creationId xmlns="" xmlns:a16="http://schemas.microsoft.com/office/drawing/2014/main" id="{26FFD677-FF02-3E4E-8E32-44D146E24D90}"/>
               </a:ext>
             </a:extLst>
           </p:cNvPr>
@@ -2616,9 +2744,10 @@
           </a:lstStyle>
           <a:p>
             <a:r>
-              <a:rPr lang="en-US"/>
+              <a:rPr lang="en-US" smtClean="0"/>
               <a:t>Click to edit Master title style</a:t>
             </a:r>
+            <a:endParaRPr lang="en-US"/>
           </a:p>
         </p:txBody>
       </p:sp>
@@ -2627,7 +2756,7 @@
           <p:cNvPr id="3" name="Content Placeholder 2">
             <a:extLst>
               <a:ext uri="{FF2B5EF4-FFF2-40B4-BE49-F238E27FC236}">
-                <a16:creationId xmlns:a16="http://schemas.microsoft.com/office/drawing/2014/main" id="{06B2E12F-F459-C348-A8E3-36E8F0A40AD4}"/>
+                <a16:creationId xmlns="" xmlns:a16="http://schemas.microsoft.com/office/drawing/2014/main" id="{9942170F-E10D-1348-86CE-8E869B806F9B}"/>
               </a:ext>
             </a:extLst>
           </p:cNvPr>
@@ -2678,37 +2807,38 @@
           <a:p>
             <a:pPr lvl="0"/>
             <a:r>
-              <a:rPr lang="en-US"/>
+              <a:rPr lang="en-US" smtClean="0"/>
               <a:t>Click to edit Master text styles</a:t>
             </a:r>
           </a:p>
           <a:p>
             <a:pPr lvl="1"/>
             <a:r>
-              <a:rPr lang="en-US"/>
+              <a:rPr lang="en-US" smtClean="0"/>
               <a:t>Second level</a:t>
             </a:r>
           </a:p>
           <a:p>
             <a:pPr lvl="2"/>
             <a:r>
-              <a:rPr lang="en-US"/>
+              <a:rPr lang="en-US" smtClean="0"/>
               <a:t>Third level</a:t>
             </a:r>
           </a:p>
           <a:p>
             <a:pPr lvl="3"/>
             <a:r>
-              <a:rPr lang="en-US"/>
+              <a:rPr lang="en-US" smtClean="0"/>
               <a:t>Fourth level</a:t>
             </a:r>
           </a:p>
           <a:p>
             <a:pPr lvl="4"/>
             <a:r>
-              <a:rPr lang="en-US"/>
+              <a:rPr lang="en-US" smtClean="0"/>
               <a:t>Fifth level</a:t>
             </a:r>
+            <a:endParaRPr lang="en-US"/>
           </a:p>
         </p:txBody>
       </p:sp>
@@ -2717,7 +2847,7 @@
           <p:cNvPr id="4" name="Text Placeholder 3">
             <a:extLst>
               <a:ext uri="{FF2B5EF4-FFF2-40B4-BE49-F238E27FC236}">
-                <a16:creationId xmlns:a16="http://schemas.microsoft.com/office/drawing/2014/main" id="{4399425A-00AD-904F-AB89-EDD4C258BDD8}"/>
+                <a16:creationId xmlns="" xmlns:a16="http://schemas.microsoft.com/office/drawing/2014/main" id="{80772D86-2794-394C-A208-2D3E234A3A20}"/>
               </a:ext>
             </a:extLst>
           </p:cNvPr>
@@ -2777,7 +2907,7 @@
           <a:p>
             <a:pPr lvl="0"/>
             <a:r>
-              <a:rPr lang="en-US"/>
+              <a:rPr lang="en-US" smtClean="0"/>
               <a:t>Click to edit Master text styles</a:t>
             </a:r>
           </a:p>
@@ -2788,7 +2918,7 @@
           <p:cNvPr id="5" name="Date Placeholder 4">
             <a:extLst>
               <a:ext uri="{FF2B5EF4-FFF2-40B4-BE49-F238E27FC236}">
-                <a16:creationId xmlns:a16="http://schemas.microsoft.com/office/drawing/2014/main" id="{293D3BF2-FBC9-5649-9190-E1C778FEB9B3}"/>
+                <a16:creationId xmlns="" xmlns:a16="http://schemas.microsoft.com/office/drawing/2014/main" id="{B5314D31-901A-D944-B06D-3D8106F2A2BC}"/>
               </a:ext>
             </a:extLst>
           </p:cNvPr>
@@ -2817,7 +2947,7 @@
           <p:cNvPr id="6" name="Footer Placeholder 5">
             <a:extLst>
               <a:ext uri="{FF2B5EF4-FFF2-40B4-BE49-F238E27FC236}">
-                <a16:creationId xmlns:a16="http://schemas.microsoft.com/office/drawing/2014/main" id="{DE4A4D89-3A9B-2B45-87F5-3F69071351CB}"/>
+                <a16:creationId xmlns="" xmlns:a16="http://schemas.microsoft.com/office/drawing/2014/main" id="{BFFC6519-9D04-AC45-BB37-9DD413CC741D}"/>
               </a:ext>
             </a:extLst>
           </p:cNvPr>
@@ -2842,7 +2972,7 @@
           <p:cNvPr id="7" name="Slide Number Placeholder 6">
             <a:extLst>
               <a:ext uri="{FF2B5EF4-FFF2-40B4-BE49-F238E27FC236}">
-                <a16:creationId xmlns:a16="http://schemas.microsoft.com/office/drawing/2014/main" id="{0977A05E-3521-3141-96F8-AC86CB2FDB94}"/>
+                <a16:creationId xmlns="" xmlns:a16="http://schemas.microsoft.com/office/drawing/2014/main" id="{856ACFF3-3C93-FA41-80F3-4708944F9A8C}"/>
               </a:ext>
             </a:extLst>
           </p:cNvPr>
@@ -2869,7 +2999,7 @@
     </p:spTree>
     <p:extLst>
       <p:ext uri="{BB962C8B-B14F-4D97-AF65-F5344CB8AC3E}">
-        <p14:creationId xmlns:p14="http://schemas.microsoft.com/office/powerpoint/2010/main" val="4124050046"/>
+        <p14:creationId xmlns:p14="http://schemas.microsoft.com/office/powerpoint/2010/main" val="718813025"/>
       </p:ext>
     </p:extLst>
   </p:cSld>
@@ -2901,7 +3031,7 @@
           <p:cNvPr id="2" name="Title 1">
             <a:extLst>
               <a:ext uri="{FF2B5EF4-FFF2-40B4-BE49-F238E27FC236}">
-                <a16:creationId xmlns:a16="http://schemas.microsoft.com/office/drawing/2014/main" id="{B159E5D8-D804-C44E-9873-BF2EF3C22647}"/>
+                <a16:creationId xmlns="" xmlns:a16="http://schemas.microsoft.com/office/drawing/2014/main" id="{52F7D6A8-4C7A-ED44-A821-97E76FB58748}"/>
               </a:ext>
             </a:extLst>
           </p:cNvPr>
@@ -2927,9 +3057,10 @@
           </a:lstStyle>
           <a:p>
             <a:r>
-              <a:rPr lang="en-US"/>
+              <a:rPr lang="en-US" smtClean="0"/>
               <a:t>Click to edit Master title style</a:t>
             </a:r>
+            <a:endParaRPr lang="en-US"/>
           </a:p>
         </p:txBody>
       </p:sp>
@@ -2938,7 +3069,7 @@
           <p:cNvPr id="3" name="Picture Placeholder 2">
             <a:extLst>
               <a:ext uri="{FF2B5EF4-FFF2-40B4-BE49-F238E27FC236}">
-                <a16:creationId xmlns:a16="http://schemas.microsoft.com/office/drawing/2014/main" id="{8DE226E2-A399-FD45-ACF1-DBE31FCC2871}"/>
+                <a16:creationId xmlns="" xmlns:a16="http://schemas.microsoft.com/office/drawing/2014/main" id="{FFA0AABB-AB65-FB40-8DCA-227F017E16C5}"/>
               </a:ext>
             </a:extLst>
           </p:cNvPr>
@@ -2997,9 +3128,10 @@
           </a:lstStyle>
           <a:p>
             <a:r>
-              <a:rPr lang="en-US"/>
+              <a:rPr lang="en-US" smtClean="0"/>
               <a:t>Drag picture to placeholder or click icon to add</a:t>
             </a:r>
+            <a:endParaRPr lang="en-US"/>
           </a:p>
         </p:txBody>
       </p:sp>
@@ -3008,7 +3140,7 @@
           <p:cNvPr id="4" name="Text Placeholder 3">
             <a:extLst>
               <a:ext uri="{FF2B5EF4-FFF2-40B4-BE49-F238E27FC236}">
-                <a16:creationId xmlns:a16="http://schemas.microsoft.com/office/drawing/2014/main" id="{45132876-E772-7942-AF60-F9248CEB991E}"/>
+                <a16:creationId xmlns="" xmlns:a16="http://schemas.microsoft.com/office/drawing/2014/main" id="{67AC3EE9-FB8F-F642-BB10-A468CFF85E6A}"/>
               </a:ext>
             </a:extLst>
           </p:cNvPr>
@@ -3068,7 +3200,7 @@
           <a:p>
             <a:pPr lvl="0"/>
             <a:r>
-              <a:rPr lang="en-US"/>
+              <a:rPr lang="en-US" smtClean="0"/>
               <a:t>Click to edit Master text styles</a:t>
             </a:r>
           </a:p>
@@ -3079,7 +3211,7 @@
           <p:cNvPr id="5" name="Date Placeholder 4">
             <a:extLst>
               <a:ext uri="{FF2B5EF4-FFF2-40B4-BE49-F238E27FC236}">
-                <a16:creationId xmlns:a16="http://schemas.microsoft.com/office/drawing/2014/main" id="{19E69457-B63D-0B4C-BD6B-44AC10E73E08}"/>
+                <a16:creationId xmlns="" xmlns:a16="http://schemas.microsoft.com/office/drawing/2014/main" id="{0A0EC8A2-C616-8B40-8C9C-A15442358393}"/>
               </a:ext>
             </a:extLst>
           </p:cNvPr>
@@ -3108,7 +3240,7 @@
           <p:cNvPr id="6" name="Footer Placeholder 5">
             <a:extLst>
               <a:ext uri="{FF2B5EF4-FFF2-40B4-BE49-F238E27FC236}">
-                <a16:creationId xmlns:a16="http://schemas.microsoft.com/office/drawing/2014/main" id="{B58CAADF-CF61-2C42-B5B5-FB24616F2E9E}"/>
+                <a16:creationId xmlns="" xmlns:a16="http://schemas.microsoft.com/office/drawing/2014/main" id="{AA229EC7-73FC-4D43-8916-C76404AC37DC}"/>
               </a:ext>
             </a:extLst>
           </p:cNvPr>
@@ -3133,7 +3265,7 @@
           <p:cNvPr id="7" name="Slide Number Placeholder 6">
             <a:extLst>
               <a:ext uri="{FF2B5EF4-FFF2-40B4-BE49-F238E27FC236}">
-                <a16:creationId xmlns:a16="http://schemas.microsoft.com/office/drawing/2014/main" id="{65966FA6-0481-E74C-B020-CE2EC5AD4553}"/>
+                <a16:creationId xmlns="" xmlns:a16="http://schemas.microsoft.com/office/drawing/2014/main" id="{D84430E4-67BB-3342-B2B8-DFBE758CFA59}"/>
               </a:ext>
             </a:extLst>
           </p:cNvPr>
@@ -3160,7 +3292,7 @@
     </p:spTree>
     <p:extLst>
       <p:ext uri="{BB962C8B-B14F-4D97-AF65-F5344CB8AC3E}">
-        <p14:creationId xmlns:p14="http://schemas.microsoft.com/office/powerpoint/2010/main" val="1363498318"/>
+        <p14:creationId xmlns:p14="http://schemas.microsoft.com/office/powerpoint/2010/main" val="584440204"/>
       </p:ext>
     </p:extLst>
   </p:cSld>
@@ -3174,34 +3306,9 @@
 <p:sldMaster xmlns:a="http://schemas.openxmlformats.org/drawingml/2006/main" xmlns:r="http://schemas.openxmlformats.org/officeDocument/2006/relationships" xmlns:p="http://schemas.openxmlformats.org/presentationml/2006/main">
   <p:cSld>
     <p:bg>
-      <p:bgPr>
-        <a:gradFill flip="none" rotWithShape="1">
-          <a:gsLst>
-            <a:gs pos="0">
-              <a:schemeClr val="accent3">
-                <a:lumMod val="0"/>
-                <a:lumOff val="100000"/>
-              </a:schemeClr>
-            </a:gs>
-            <a:gs pos="35000">
-              <a:schemeClr val="accent3">
-                <a:lumMod val="0"/>
-                <a:lumOff val="100000"/>
-              </a:schemeClr>
-            </a:gs>
-            <a:gs pos="100000">
-              <a:schemeClr val="accent3">
-                <a:lumMod val="100000"/>
-              </a:schemeClr>
-            </a:gs>
-          </a:gsLst>
-          <a:path path="circle">
-            <a:fillToRect l="50000" t="-80000" r="50000" b="180000"/>
-          </a:path>
-          <a:tileRect/>
-        </a:gradFill>
-        <a:effectLst/>
-      </p:bgPr>
+      <p:bgRef idx="1001">
+        <a:schemeClr val="bg1"/>
+      </p:bgRef>
     </p:bg>
     <p:spTree>
       <p:nvGrpSpPr>
@@ -3222,7 +3329,7 @@
           <p:cNvPr id="2" name="Title Placeholder 1">
             <a:extLst>
               <a:ext uri="{FF2B5EF4-FFF2-40B4-BE49-F238E27FC236}">
-                <a16:creationId xmlns:a16="http://schemas.microsoft.com/office/drawing/2014/main" id="{CD2DEF36-CDDB-4C49-A6CD-A99D898F90A8}"/>
+                <a16:creationId xmlns="" xmlns:a16="http://schemas.microsoft.com/office/drawing/2014/main" id="{ED530927-E202-4648-95ED-A701F648A289}"/>
               </a:ext>
             </a:extLst>
           </p:cNvPr>
@@ -3249,10 +3356,10 @@
           <a:lstStyle/>
           <a:p>
             <a:r>
-              <a:rPr lang="en-US"/>
+              <a:rPr lang="en-US" smtClean="0"/>
               <a:t>Click to edit Master title style</a:t>
             </a:r>
-            <a:endParaRPr lang="en-US" dirty="0"/>
+            <a:endParaRPr lang="en-US"/>
           </a:p>
         </p:txBody>
       </p:sp>
@@ -3261,7 +3368,7 @@
           <p:cNvPr id="3" name="Text Placeholder 2">
             <a:extLst>
               <a:ext uri="{FF2B5EF4-FFF2-40B4-BE49-F238E27FC236}">
-                <a16:creationId xmlns:a16="http://schemas.microsoft.com/office/drawing/2014/main" id="{064B4B30-356C-9846-B509-AC7C68F5C235}"/>
+                <a16:creationId xmlns="" xmlns:a16="http://schemas.microsoft.com/office/drawing/2014/main" id="{F00E1E3E-B2FE-5A47-8C43-849DE842741B}"/>
               </a:ext>
             </a:extLst>
           </p:cNvPr>
@@ -3289,35 +3396,35 @@
           <a:p>
             <a:pPr lvl="0"/>
             <a:r>
-              <a:rPr lang="en-US" dirty="0"/>
+              <a:rPr lang="en-US"/>
               <a:t>Edit Master text styles</a:t>
             </a:r>
           </a:p>
           <a:p>
             <a:pPr lvl="1"/>
             <a:r>
-              <a:rPr lang="en-US" dirty="0"/>
+              <a:rPr lang="en-US"/>
               <a:t>Second level</a:t>
             </a:r>
           </a:p>
           <a:p>
             <a:pPr lvl="2"/>
             <a:r>
-              <a:rPr lang="en-US" dirty="0"/>
+              <a:rPr lang="en-US"/>
               <a:t>Third level</a:t>
             </a:r>
           </a:p>
           <a:p>
             <a:pPr lvl="3"/>
             <a:r>
-              <a:rPr lang="en-US" dirty="0"/>
+              <a:rPr lang="en-US"/>
               <a:t>Fourth level</a:t>
             </a:r>
           </a:p>
           <a:p>
             <a:pPr lvl="4"/>
             <a:r>
-              <a:rPr lang="en-US" dirty="0"/>
+              <a:rPr lang="en-US"/>
               <a:t>Fifth level</a:t>
             </a:r>
           </a:p>
@@ -3328,7 +3435,7 @@
           <p:cNvPr id="4" name="Date Placeholder 3">
             <a:extLst>
               <a:ext uri="{FF2B5EF4-FFF2-40B4-BE49-F238E27FC236}">
-                <a16:creationId xmlns:a16="http://schemas.microsoft.com/office/drawing/2014/main" id="{B31B3BF9-B9A0-8240-889B-D82F503CEA58}"/>
+                <a16:creationId xmlns="" xmlns:a16="http://schemas.microsoft.com/office/drawing/2014/main" id="{A51822C1-C9FC-554F-B744-0FF8DD0A61C0}"/>
               </a:ext>
             </a:extLst>
           </p:cNvPr>
@@ -3375,7 +3482,7 @@
           <p:cNvPr id="5" name="Footer Placeholder 4">
             <a:extLst>
               <a:ext uri="{FF2B5EF4-FFF2-40B4-BE49-F238E27FC236}">
-                <a16:creationId xmlns:a16="http://schemas.microsoft.com/office/drawing/2014/main" id="{A7B03E69-EC06-8B44-9E5D-DAAB988B584E}"/>
+                <a16:creationId xmlns="" xmlns:a16="http://schemas.microsoft.com/office/drawing/2014/main" id="{AA4916E3-9D5B-B647-A5DA-A5B78525EFFB}"/>
               </a:ext>
             </a:extLst>
           </p:cNvPr>
@@ -3418,7 +3525,7 @@
           <p:cNvPr id="6" name="Slide Number Placeholder 5">
             <a:extLst>
               <a:ext uri="{FF2B5EF4-FFF2-40B4-BE49-F238E27FC236}">
-                <a16:creationId xmlns:a16="http://schemas.microsoft.com/office/drawing/2014/main" id="{7CC6A4C2-258B-1E46-850A-BA76C2CB7B7E}"/>
+                <a16:creationId xmlns="" xmlns:a16="http://schemas.microsoft.com/office/drawing/2014/main" id="{11872E83-B77B-9647-AE80-95985B60F4F0}"/>
               </a:ext>
             </a:extLst>
           </p:cNvPr>
@@ -3465,7 +3572,7 @@
           <p:cNvPr id="7" name="Picture 6">
             <a:extLst>
               <a:ext uri="{FF2B5EF4-FFF2-40B4-BE49-F238E27FC236}">
-                <a16:creationId xmlns:a16="http://schemas.microsoft.com/office/drawing/2014/main" id="{F606D4DA-1395-A54D-AB1D-F496808E6208}"/>
+                <a16:creationId xmlns="" xmlns:a16="http://schemas.microsoft.com/office/drawing/2014/main" id="{F0F46825-E66D-B247-B71A-C48424207597}"/>
               </a:ext>
             </a:extLst>
           </p:cNvPr>
@@ -3482,8 +3589,8 @@
         </p:blipFill>
         <p:spPr>
           <a:xfrm>
-            <a:off x="7854462" y="6283599"/>
-            <a:ext cx="4230446" cy="437876"/>
+            <a:off x="7843577" y="6327977"/>
+            <a:ext cx="4075793" cy="421869"/>
           </a:xfrm>
           <a:prstGeom prst="rect">
             <a:avLst/>
@@ -3493,23 +3600,23 @@
     </p:spTree>
     <p:extLst>
       <p:ext uri="{BB962C8B-B14F-4D97-AF65-F5344CB8AC3E}">
-        <p14:creationId xmlns:p14="http://schemas.microsoft.com/office/powerpoint/2010/main" val="3185880746"/>
+        <p14:creationId xmlns:p14="http://schemas.microsoft.com/office/powerpoint/2010/main" val="3950742029"/>
       </p:ext>
     </p:extLst>
   </p:cSld>
   <p:clrMap bg1="lt1" tx1="dk1" bg2="lt2" tx2="dk2" accent1="accent1" accent2="accent2" accent3="accent3" accent4="accent4" accent5="accent5" accent6="accent6" hlink="hlink" folHlink="folHlink"/>
   <p:sldLayoutIdLst>
-    <p:sldLayoutId id="2147483649" r:id="rId1"/>
-    <p:sldLayoutId id="2147483650" r:id="rId2"/>
-    <p:sldLayoutId id="2147483651" r:id="rId3"/>
-    <p:sldLayoutId id="2147483652" r:id="rId4"/>
-    <p:sldLayoutId id="2147483653" r:id="rId5"/>
-    <p:sldLayoutId id="2147483654" r:id="rId6"/>
-    <p:sldLayoutId id="2147483655" r:id="rId7"/>
-    <p:sldLayoutId id="2147483656" r:id="rId8"/>
-    <p:sldLayoutId id="2147483657" r:id="rId9"/>
-    <p:sldLayoutId id="2147483658" r:id="rId10"/>
-    <p:sldLayoutId id="2147483659" r:id="rId11"/>
+    <p:sldLayoutId id="2147483673" r:id="rId1"/>
+    <p:sldLayoutId id="2147483674" r:id="rId2"/>
+    <p:sldLayoutId id="2147483675" r:id="rId3"/>
+    <p:sldLayoutId id="2147483676" r:id="rId4"/>
+    <p:sldLayoutId id="2147483677" r:id="rId5"/>
+    <p:sldLayoutId id="2147483678" r:id="rId6"/>
+    <p:sldLayoutId id="2147483679" r:id="rId7"/>
+    <p:sldLayoutId id="2147483680" r:id="rId8"/>
+    <p:sldLayoutId id="2147483681" r:id="rId9"/>
+    <p:sldLayoutId id="2147483682" r:id="rId10"/>
+    <p:sldLayoutId id="2147483683" r:id="rId11"/>
   </p:sldLayoutIdLst>
   <p:txStyles>
     <p:titleStyle>
@@ -3816,7 +3923,7 @@
           <p:cNvPr id="2" name="Title 1">
             <a:extLst>
               <a:ext uri="{FF2B5EF4-FFF2-40B4-BE49-F238E27FC236}">
-                <a16:creationId xmlns:a16="http://schemas.microsoft.com/office/drawing/2014/main" id="{DDB4A5C5-CE37-5241-A9FF-85F98EF1E91E}"/>
+                <a16:creationId xmlns:a16="http://schemas.microsoft.com/office/drawing/2014/main" xmlns="" id="{DDB4A5C5-CE37-5241-A9FF-85F98EF1E91E}"/>
               </a:ext>
             </a:extLst>
           </p:cNvPr>
@@ -3848,7 +3955,7 @@
           <p:cNvPr id="3" name="Subtitle 2">
             <a:extLst>
               <a:ext uri="{FF2B5EF4-FFF2-40B4-BE49-F238E27FC236}">
-                <a16:creationId xmlns:a16="http://schemas.microsoft.com/office/drawing/2014/main" id="{5EF75859-F09F-414F-8571-4D3854CD3C44}"/>
+                <a16:creationId xmlns:a16="http://schemas.microsoft.com/office/drawing/2014/main" xmlns="" id="{5EF75859-F09F-414F-8571-4D3854CD3C44}"/>
               </a:ext>
             </a:extLst>
           </p:cNvPr>
@@ -3881,7 +3988,7 @@
           <p:cNvPr id="5" name="Rectangle 4">
             <a:extLst>
               <a:ext uri="{FF2B5EF4-FFF2-40B4-BE49-F238E27FC236}">
-                <a16:creationId xmlns:a16="http://schemas.microsoft.com/office/drawing/2014/main" id="{39D37F11-0EC0-C645-ADE9-CE8BFDF0B2D4}"/>
+                <a16:creationId xmlns:a16="http://schemas.microsoft.com/office/drawing/2014/main" xmlns="" id="{39D37F11-0EC0-C645-ADE9-CE8BFDF0B2D4}"/>
               </a:ext>
             </a:extLst>
           </p:cNvPr>
@@ -3921,7 +4028,7 @@
     </p:spTree>
     <p:extLst>
       <p:ext uri="{BB962C8B-B14F-4D97-AF65-F5344CB8AC3E}">
-        <p14:creationId xmlns:p14="http://schemas.microsoft.com/office/powerpoint/2010/main" val="1593366124"/>
+        <p14:creationId xmlns:p14="http://schemas.microsoft.com/office/powerpoint/2010/main" val="993582668"/>
       </p:ext>
     </p:extLst>
   </p:cSld>
@@ -3953,7 +4060,7 @@
           <p:cNvPr id="2" name="Title 1">
             <a:extLst>
               <a:ext uri="{FF2B5EF4-FFF2-40B4-BE49-F238E27FC236}">
-                <a16:creationId xmlns:a16="http://schemas.microsoft.com/office/drawing/2014/main" id="{D156A618-0D95-BE47-93F3-956FE1168AA9}"/>
+                <a16:creationId xmlns:a16="http://schemas.microsoft.com/office/drawing/2014/main" xmlns="" id="{D156A618-0D95-BE47-93F3-956FE1168AA9}"/>
               </a:ext>
             </a:extLst>
           </p:cNvPr>
@@ -3969,49 +4076,1532 @@
           <a:bodyPr/>
           <a:lstStyle/>
           <a:p>
-            <a:endParaRPr lang="en-US" dirty="0"/>
-          </a:p>
-        </p:txBody>
-      </p:sp>
-      <p:sp>
-        <p:nvSpPr>
-          <p:cNvPr id="3" name="Content Placeholder 2">
-            <a:extLst>
-              <a:ext uri="{FF2B5EF4-FFF2-40B4-BE49-F238E27FC236}">
-                <a16:creationId xmlns:a16="http://schemas.microsoft.com/office/drawing/2014/main" id="{8457E320-B48F-0D40-BE39-B5131D8D2B5B}"/>
-              </a:ext>
-            </a:extLst>
-          </p:cNvPr>
-          <p:cNvSpPr>
-            <a:spLocks noGrp="1"/>
-          </p:cNvSpPr>
+            <a:r>
+              <a:rPr lang="en-US" dirty="0" smtClean="0"/>
+              <a:t>“</a:t>
+            </a:r>
+            <a:r>
+              <a:rPr lang="en-US" i="1" dirty="0" smtClean="0"/>
+              <a:t>Tries</a:t>
+            </a:r>
+            <a:r>
+              <a:rPr lang="en-US" dirty="0" smtClean="0"/>
+              <a:t>” or </a:t>
+            </a:r>
+            <a:r>
+              <a:rPr lang="en-US" i="1" dirty="0" smtClean="0"/>
+              <a:t>Prefix Trees</a:t>
+            </a:r>
+            <a:endParaRPr lang="en-US" i="1" dirty="0"/>
+          </a:p>
+        </p:txBody>
+      </p:sp>
+      <p:pic>
+        <p:nvPicPr>
+          <p:cNvPr id="6" name="Content Placeholder 5"/>
+          <p:cNvPicPr>
+            <a:picLocks noGrp="1" noChangeAspect="1"/>
+          </p:cNvPicPr>
           <p:nvPr>
             <p:ph idx="1"/>
           </p:nvPr>
-        </p:nvSpPr>
-        <p:spPr/>
-        <p:txBody>
-          <a:bodyPr/>
-          <a:lstStyle/>
-          <a:p>
-            <a:r>
-              <a:rPr lang="en-US" dirty="0" err="1"/>
-              <a:t>trie</a:t>
-            </a:r>
-            <a:r>
-              <a:rPr lang="en-US" dirty="0"/>
-              <a:t>; if strings are very long, comparing at each node or against lots of other keys can be very slow. Better to use the key to help us navigate and do a comparison only the end. Can be up to a certain depth and then we search from their, simulating a hash table like thing.</a:t>
-            </a:r>
-          </a:p>
-          <a:p>
-            <a:endParaRPr lang="en-US" dirty="0"/>
+        </p:nvPicPr>
+        <p:blipFill>
+          <a:blip r:embed="rId2">
+            <a:extLst>
+              <a:ext uri="{28A0092B-C50C-407E-A947-70E740481C1C}">
+                <a14:useLocalDpi xmlns:a14="http://schemas.microsoft.com/office/drawing/2010/main" val="0"/>
+              </a:ext>
+            </a:extLst>
+          </a:blip>
+          <a:stretch>
+            <a:fillRect/>
+          </a:stretch>
+        </p:blipFill>
+        <p:spPr>
+          <a:xfrm>
+            <a:off x="5818597" y="2031296"/>
+            <a:ext cx="5866729" cy="3198250"/>
+          </a:xfrm>
+        </p:spPr>
+      </p:pic>
+      <p:pic>
+        <p:nvPicPr>
+          <p:cNvPr id="8" name="Picture 7">
+            <a:extLst>
+              <a:ext uri="{FF2B5EF4-FFF2-40B4-BE49-F238E27FC236}">
+                <a16:creationId xmlns:a16="http://schemas.microsoft.com/office/drawing/2014/main" xmlns="" id="{52DC0C7F-5F5D-B84C-AD5B-A5950F736CDF}"/>
+              </a:ext>
+            </a:extLst>
+          </p:cNvPr>
+          <p:cNvPicPr>
+            <a:picLocks noChangeAspect="1"/>
+          </p:cNvPicPr>
+          <p:nvPr/>
+        </p:nvPicPr>
+        <p:blipFill>
+          <a:blip r:embed="rId3"/>
+          <a:stretch>
+            <a:fillRect/>
+          </a:stretch>
+        </p:blipFill>
+        <p:spPr>
+          <a:xfrm rot="3066503">
+            <a:off x="571571" y="2031297"/>
+            <a:ext cx="4358348" cy="2998746"/>
+          </a:xfrm>
+          <a:prstGeom prst="rect">
+            <a:avLst/>
+          </a:prstGeom>
+        </p:spPr>
+      </p:pic>
+      <p:sp>
+        <p:nvSpPr>
+          <p:cNvPr id="10" name="Right Arrow 9"/>
+          <p:cNvSpPr/>
+          <p:nvPr/>
+        </p:nvSpPr>
+        <p:spPr>
+          <a:xfrm>
+            <a:off x="5158501" y="3150526"/>
+            <a:ext cx="431514" cy="380144"/>
+          </a:xfrm>
+          <a:prstGeom prst="rightArrow">
+            <a:avLst/>
+          </a:prstGeom>
+        </p:spPr>
+        <p:style>
+          <a:lnRef idx="2">
+            <a:schemeClr val="accent1">
+              <a:shade val="50000"/>
+            </a:schemeClr>
+          </a:lnRef>
+          <a:fillRef idx="1">
+            <a:schemeClr val="accent1"/>
+          </a:fillRef>
+          <a:effectRef idx="0">
+            <a:schemeClr val="accent1"/>
+          </a:effectRef>
+          <a:fontRef idx="minor">
+            <a:schemeClr val="lt1"/>
+          </a:fontRef>
+        </p:style>
+        <p:txBody>
+          <a:bodyPr rtlCol="0" anchor="ctr"/>
+          <a:lstStyle/>
+          <a:p>
+            <a:pPr algn="ctr"/>
+            <a:endParaRPr lang="en-US"/>
+          </a:p>
+        </p:txBody>
+      </p:sp>
+      <p:sp>
+        <p:nvSpPr>
+          <p:cNvPr id="11" name="Curved Down Arrow 10"/>
+          <p:cNvSpPr/>
+          <p:nvPr/>
+        </p:nvSpPr>
+        <p:spPr>
+          <a:xfrm rot="3197979">
+            <a:off x="3575208" y="1905443"/>
+            <a:ext cx="943481" cy="620997"/>
+          </a:xfrm>
+          <a:prstGeom prst="curvedDownArrow">
+            <a:avLst/>
+          </a:prstGeom>
+        </p:spPr>
+        <p:style>
+          <a:lnRef idx="2">
+            <a:schemeClr val="accent1">
+              <a:shade val="50000"/>
+            </a:schemeClr>
+          </a:lnRef>
+          <a:fillRef idx="1">
+            <a:schemeClr val="accent1"/>
+          </a:fillRef>
+          <a:effectRef idx="0">
+            <a:schemeClr val="accent1"/>
+          </a:effectRef>
+          <a:fontRef idx="minor">
+            <a:schemeClr val="lt1"/>
+          </a:fontRef>
+        </p:style>
+        <p:txBody>
+          <a:bodyPr rtlCol="0" anchor="ctr"/>
+          <a:lstStyle/>
+          <a:p>
+            <a:pPr algn="ctr"/>
+            <a:endParaRPr lang="en-US">
+              <a:solidFill>
+                <a:schemeClr val="tx1"/>
+              </a:solidFill>
+            </a:endParaRPr>
+          </a:p>
+        </p:txBody>
+      </p:sp>
+      <p:sp>
+        <p:nvSpPr>
+          <p:cNvPr id="12" name="TextBox 11"/>
+          <p:cNvSpPr txBox="1"/>
+          <p:nvPr/>
+        </p:nvSpPr>
+        <p:spPr>
+          <a:xfrm>
+            <a:off x="215537" y="6234550"/>
+            <a:ext cx="7181774" cy="461665"/>
+          </a:xfrm>
+          <a:prstGeom prst="rect">
+            <a:avLst/>
+          </a:prstGeom>
+          <a:noFill/>
+        </p:spPr>
+        <p:txBody>
+          <a:bodyPr wrap="none" rtlCol="0">
+            <a:spAutoFit/>
+          </a:bodyPr>
+          <a:lstStyle/>
+          <a:p>
+            <a:r>
+              <a:rPr lang="en-US" sz="2400" dirty="0" smtClean="0"/>
+              <a:t>Convert buckets to nodes and rotate: we get a tree!</a:t>
+            </a:r>
+            <a:endParaRPr lang="en-US" sz="2400" dirty="0"/>
           </a:p>
         </p:txBody>
       </p:sp>
     </p:spTree>
     <p:extLst>
       <p:ext uri="{BB962C8B-B14F-4D97-AF65-F5344CB8AC3E}">
-        <p14:creationId xmlns:p14="http://schemas.microsoft.com/office/powerpoint/2010/main" val="2652843085"/>
+        <p14:creationId xmlns:p14="http://schemas.microsoft.com/office/powerpoint/2010/main" val="588307219"/>
+      </p:ext>
+    </p:extLst>
+  </p:cSld>
+  <p:clrMapOvr>
+    <a:masterClrMapping/>
+  </p:clrMapOvr>
+</p:sld>
+</file>
+
+<file path=ppt/slides/slide11.xml><?xml version="1.0" encoding="utf-8"?>
+<p:sld xmlns:a="http://schemas.openxmlformats.org/drawingml/2006/main" xmlns:r="http://schemas.openxmlformats.org/officeDocument/2006/relationships" xmlns:p="http://schemas.openxmlformats.org/presentationml/2006/main">
+  <p:cSld>
+    <p:spTree>
+      <p:nvGrpSpPr>
+        <p:cNvPr id="1" name=""/>
+        <p:cNvGrpSpPr/>
+        <p:nvPr/>
+      </p:nvGrpSpPr>
+      <p:grpSpPr>
+        <a:xfrm>
+          <a:off x="0" y="0"/>
+          <a:ext cx="0" cy="0"/>
+          <a:chOff x="0" y="0"/>
+          <a:chExt cx="0" cy="0"/>
+        </a:xfrm>
+      </p:grpSpPr>
+      <p:sp>
+        <p:nvSpPr>
+          <p:cNvPr id="2" name="Title 1"/>
+          <p:cNvSpPr>
+            <a:spLocks noGrp="1"/>
+          </p:cNvSpPr>
+          <p:nvPr>
+            <p:ph type="title"/>
+          </p:nvPr>
+        </p:nvSpPr>
+        <p:spPr/>
+        <p:txBody>
+          <a:bodyPr/>
+          <a:lstStyle/>
+          <a:p>
+            <a:r>
+              <a:rPr lang="en-US" dirty="0" smtClean="0"/>
+              <a:t>Adding string s to TRIE</a:t>
+            </a:r>
+            <a:endParaRPr lang="en-US" dirty="0"/>
+          </a:p>
+        </p:txBody>
+      </p:sp>
+      <p:sp>
+        <p:nvSpPr>
+          <p:cNvPr id="3" name="Content Placeholder 2"/>
+          <p:cNvSpPr>
+            <a:spLocks noGrp="1"/>
+          </p:cNvSpPr>
+          <p:nvPr>
+            <p:ph idx="1"/>
+          </p:nvPr>
+        </p:nvSpPr>
+        <p:spPr/>
+        <p:txBody>
+          <a:bodyPr/>
+          <a:lstStyle/>
+          <a:p>
+            <a:r>
+              <a:rPr lang="en-US" dirty="0" smtClean="0"/>
+              <a:t>Note: Now that we’re not sorting, order of</a:t>
+            </a:r>
+            <a:br>
+              <a:rPr lang="en-US" dirty="0" smtClean="0"/>
+            </a:br>
+            <a:r>
+              <a:rPr lang="en-US" dirty="0" smtClean="0"/>
+              <a:t>edges is not important; can use </a:t>
+            </a:r>
+            <a:r>
+              <a:rPr lang="en-US" dirty="0" err="1" smtClean="0"/>
+              <a:t>dict</a:t>
+            </a:r>
+            <a:r>
+              <a:rPr lang="en-US" dirty="0" smtClean="0"/>
+              <a:t>()</a:t>
+            </a:r>
+          </a:p>
+          <a:p>
+            <a:r>
+              <a:rPr lang="en-US" dirty="0" smtClean="0"/>
+              <a:t>Starting at the root, add edge labeled with</a:t>
+            </a:r>
+            <a:br>
+              <a:rPr lang="en-US" dirty="0" smtClean="0"/>
+            </a:br>
+            <a:r>
+              <a:rPr lang="en-US" dirty="0" smtClean="0"/>
+              <a:t>s[0] pointing to new node</a:t>
+            </a:r>
+          </a:p>
+          <a:p>
+            <a:r>
+              <a:rPr lang="en-US" dirty="0" smtClean="0"/>
+              <a:t>Traverse edge to child </a:t>
+            </a:r>
+            <a:r>
+              <a:rPr lang="en-US" dirty="0" err="1" smtClean="0"/>
+              <a:t>root.child</a:t>
+            </a:r>
+            <a:r>
+              <a:rPr lang="en-US" dirty="0" smtClean="0"/>
+              <a:t>[s[0]]</a:t>
+            </a:r>
+            <a:br>
+              <a:rPr lang="en-US" dirty="0" smtClean="0"/>
+            </a:br>
+            <a:r>
+              <a:rPr lang="en-US" dirty="0" smtClean="0"/>
+              <a:t>and add subtree for s[1:] to that child</a:t>
+            </a:r>
+          </a:p>
+          <a:p>
+            <a:r>
+              <a:rPr lang="en-US" dirty="0" err="1" smtClean="0"/>
+              <a:t>Recurse</a:t>
+            </a:r>
+            <a:r>
+              <a:rPr lang="en-US" dirty="0" smtClean="0"/>
+              <a:t> until out of chars in string s</a:t>
+            </a:r>
+            <a:endParaRPr lang="en-US" dirty="0"/>
+          </a:p>
+        </p:txBody>
+      </p:sp>
+      <p:pic>
+        <p:nvPicPr>
+          <p:cNvPr id="5" name="Picture 4"/>
+          <p:cNvPicPr>
+            <a:picLocks noChangeAspect="1"/>
+          </p:cNvPicPr>
+          <p:nvPr/>
+        </p:nvPicPr>
+        <p:blipFill>
+          <a:blip r:embed="rId2"/>
+          <a:stretch>
+            <a:fillRect/>
+          </a:stretch>
+        </p:blipFill>
+        <p:spPr>
+          <a:xfrm>
+            <a:off x="7943580" y="1825625"/>
+            <a:ext cx="3289300" cy="3949700"/>
+          </a:xfrm>
+          <a:prstGeom prst="rect">
+            <a:avLst/>
+          </a:prstGeom>
+        </p:spPr>
+      </p:pic>
+      <p:sp>
+        <p:nvSpPr>
+          <p:cNvPr id="7" name="TextBox 6">
+            <a:extLst>
+              <a:ext uri="{FF2B5EF4-FFF2-40B4-BE49-F238E27FC236}">
+                <a16:creationId xmlns:a16="http://schemas.microsoft.com/office/drawing/2014/main" xmlns="" id="{53E89B64-E4C7-B349-8F4D-C096A24A66FC}"/>
+              </a:ext>
+            </a:extLst>
+          </p:cNvPr>
+          <p:cNvSpPr txBox="1"/>
+          <p:nvPr/>
+        </p:nvSpPr>
+        <p:spPr>
+          <a:xfrm>
+            <a:off x="7513110" y="473908"/>
+            <a:ext cx="4150239" cy="1107996"/>
+          </a:xfrm>
+          <a:prstGeom prst="rect">
+            <a:avLst/>
+          </a:prstGeom>
+          <a:noFill/>
+          <a:ln>
+            <a:solidFill>
+              <a:schemeClr val="accent1"/>
+            </a:solidFill>
+          </a:ln>
+        </p:spPr>
+        <p:txBody>
+          <a:bodyPr wrap="square" rtlCol="0">
+            <a:spAutoFit/>
+          </a:bodyPr>
+          <a:lstStyle/>
+          <a:p>
+            <a:r>
+              <a:rPr lang="en-US" sz="2200" smtClean="0">
+                <a:latin typeface="Monaco" charset="0"/>
+                <a:ea typeface="Monaco" charset="0"/>
+                <a:cs typeface="Monaco" charset="0"/>
+              </a:rPr>
+              <a:t>class </a:t>
+            </a:r>
+            <a:r>
+              <a:rPr lang="en-US" sz="2200" dirty="0" err="1" smtClean="0">
+                <a:latin typeface="Monaco" charset="0"/>
+                <a:ea typeface="Monaco" charset="0"/>
+                <a:cs typeface="Monaco" charset="0"/>
+              </a:rPr>
+              <a:t>TrieNode</a:t>
+            </a:r>
+            <a:r>
+              <a:rPr lang="en-US" sz="2200" dirty="0" smtClean="0">
+                <a:latin typeface="Monaco" charset="0"/>
+                <a:ea typeface="Monaco" charset="0"/>
+                <a:cs typeface="Monaco" charset="0"/>
+              </a:rPr>
+              <a:t>:</a:t>
+            </a:r>
+          </a:p>
+          <a:p>
+            <a:r>
+              <a:rPr lang="en-US" sz="2200" dirty="0" smtClean="0">
+                <a:latin typeface="Monaco" charset="0"/>
+                <a:ea typeface="Monaco" charset="0"/>
+                <a:cs typeface="Monaco" charset="0"/>
+              </a:rPr>
+              <a:t>    </a:t>
+            </a:r>
+            <a:r>
+              <a:rPr lang="en-US" sz="2200" dirty="0" err="1" smtClean="0">
+                <a:latin typeface="Monaco" charset="0"/>
+                <a:ea typeface="Monaco" charset="0"/>
+                <a:cs typeface="Monaco" charset="0"/>
+              </a:rPr>
+              <a:t>def</a:t>
+            </a:r>
+            <a:r>
+              <a:rPr lang="en-US" sz="2200" dirty="0" smtClean="0">
+                <a:latin typeface="Monaco" charset="0"/>
+                <a:ea typeface="Monaco" charset="0"/>
+                <a:cs typeface="Monaco" charset="0"/>
+              </a:rPr>
+              <a:t> __</a:t>
+            </a:r>
+            <a:r>
+              <a:rPr lang="en-US" sz="2200" dirty="0" err="1" smtClean="0">
+                <a:latin typeface="Monaco" charset="0"/>
+                <a:ea typeface="Monaco" charset="0"/>
+                <a:cs typeface="Monaco" charset="0"/>
+              </a:rPr>
+              <a:t>init</a:t>
+            </a:r>
+            <a:r>
+              <a:rPr lang="en-US" sz="2200" dirty="0" smtClean="0">
+                <a:latin typeface="Monaco" charset="0"/>
+                <a:ea typeface="Monaco" charset="0"/>
+                <a:cs typeface="Monaco" charset="0"/>
+              </a:rPr>
+              <a:t>__(self):</a:t>
+            </a:r>
+          </a:p>
+          <a:p>
+            <a:r>
+              <a:rPr lang="en-US" sz="2200" dirty="0" smtClean="0">
+                <a:latin typeface="Monaco" charset="0"/>
+                <a:ea typeface="Monaco" charset="0"/>
+                <a:cs typeface="Monaco" charset="0"/>
+              </a:rPr>
+              <a:t>        </a:t>
+            </a:r>
+            <a:r>
+              <a:rPr lang="en-US" sz="2200" dirty="0" err="1" smtClean="0">
+                <a:latin typeface="Monaco" charset="0"/>
+                <a:ea typeface="Monaco" charset="0"/>
+                <a:cs typeface="Monaco" charset="0"/>
+              </a:rPr>
+              <a:t>self.edges</a:t>
+            </a:r>
+            <a:r>
+              <a:rPr lang="en-US" sz="2200" dirty="0" smtClean="0">
+                <a:latin typeface="Monaco" charset="0"/>
+                <a:ea typeface="Monaco" charset="0"/>
+                <a:cs typeface="Monaco" charset="0"/>
+              </a:rPr>
+              <a:t> = {}</a:t>
+            </a:r>
+            <a:endParaRPr lang="en-US" sz="2200" dirty="0">
+              <a:latin typeface="Monaco" charset="0"/>
+              <a:ea typeface="Monaco" charset="0"/>
+              <a:cs typeface="Monaco" charset="0"/>
+            </a:endParaRPr>
+          </a:p>
+        </p:txBody>
+      </p:sp>
+    </p:spTree>
+    <p:extLst>
+      <p:ext uri="{BB962C8B-B14F-4D97-AF65-F5344CB8AC3E}">
+        <p14:creationId xmlns:p14="http://schemas.microsoft.com/office/powerpoint/2010/main" val="664718945"/>
+      </p:ext>
+    </p:extLst>
+  </p:cSld>
+  <p:clrMapOvr>
+    <a:masterClrMapping/>
+  </p:clrMapOvr>
+</p:sld>
+</file>
+
+<file path=ppt/slides/slide12.xml><?xml version="1.0" encoding="utf-8"?>
+<p:sld xmlns:a="http://schemas.openxmlformats.org/drawingml/2006/main" xmlns:r="http://schemas.openxmlformats.org/officeDocument/2006/relationships" xmlns:p="http://schemas.openxmlformats.org/presentationml/2006/main">
+  <p:cSld>
+    <p:spTree>
+      <p:nvGrpSpPr>
+        <p:cNvPr id="1" name=""/>
+        <p:cNvGrpSpPr/>
+        <p:nvPr/>
+      </p:nvGrpSpPr>
+      <p:grpSpPr>
+        <a:xfrm>
+          <a:off x="0" y="0"/>
+          <a:ext cx="0" cy="0"/>
+          <a:chOff x="0" y="0"/>
+          <a:chExt cx="0" cy="0"/>
+        </a:xfrm>
+      </p:grpSpPr>
+      <p:sp>
+        <p:nvSpPr>
+          <p:cNvPr id="2" name="Title 1"/>
+          <p:cNvSpPr>
+            <a:spLocks noGrp="1"/>
+          </p:cNvSpPr>
+          <p:nvPr>
+            <p:ph type="title"/>
+          </p:nvPr>
+        </p:nvSpPr>
+        <p:spPr/>
+        <p:txBody>
+          <a:bodyPr/>
+          <a:lstStyle/>
+          <a:p>
+            <a:r>
+              <a:rPr lang="en-US" dirty="0" smtClean="0"/>
+              <a:t>Construction</a:t>
+            </a:r>
+            <a:endParaRPr lang="en-US" dirty="0"/>
+          </a:p>
+        </p:txBody>
+      </p:sp>
+      <p:sp>
+        <p:nvSpPr>
+          <p:cNvPr id="3" name="Content Placeholder 2"/>
+          <p:cNvSpPr>
+            <a:spLocks noGrp="1"/>
+          </p:cNvSpPr>
+          <p:nvPr>
+            <p:ph idx="1"/>
+          </p:nvPr>
+        </p:nvSpPr>
+        <p:spPr/>
+        <p:txBody>
+          <a:bodyPr/>
+          <a:lstStyle/>
+          <a:p>
+            <a:r>
+              <a:rPr lang="en-US" dirty="0" smtClean="0"/>
+              <a:t>add(root, “ape”)</a:t>
+            </a:r>
+            <a:endParaRPr lang="en-US" dirty="0"/>
+          </a:p>
+        </p:txBody>
+      </p:sp>
+      <p:pic>
+        <p:nvPicPr>
+          <p:cNvPr id="4" name="Picture 3"/>
+          <p:cNvPicPr>
+            <a:picLocks noChangeAspect="1"/>
+          </p:cNvPicPr>
+          <p:nvPr/>
+        </p:nvPicPr>
+        <p:blipFill>
+          <a:blip r:embed="rId2"/>
+          <a:stretch>
+            <a:fillRect/>
+          </a:stretch>
+        </p:blipFill>
+        <p:spPr>
+          <a:xfrm>
+            <a:off x="95870" y="3529790"/>
+            <a:ext cx="12096130" cy="2782110"/>
+          </a:xfrm>
+          <a:prstGeom prst="rect">
+            <a:avLst/>
+          </a:prstGeom>
+        </p:spPr>
+      </p:pic>
+      <p:sp>
+        <p:nvSpPr>
+          <p:cNvPr id="5" name="TextBox 4">
+            <a:extLst>
+              <a:ext uri="{FF2B5EF4-FFF2-40B4-BE49-F238E27FC236}">
+                <a16:creationId xmlns:a16="http://schemas.microsoft.com/office/drawing/2014/main" xmlns="" id="{53E89B64-E4C7-B349-8F4D-C096A24A66FC}"/>
+              </a:ext>
+            </a:extLst>
+          </p:cNvPr>
+          <p:cNvSpPr txBox="1"/>
+          <p:nvPr/>
+        </p:nvSpPr>
+        <p:spPr>
+          <a:xfrm>
+            <a:off x="7203561" y="473908"/>
+            <a:ext cx="4150239" cy="1107996"/>
+          </a:xfrm>
+          <a:prstGeom prst="rect">
+            <a:avLst/>
+          </a:prstGeom>
+          <a:noFill/>
+          <a:ln>
+            <a:solidFill>
+              <a:schemeClr val="accent1"/>
+            </a:solidFill>
+          </a:ln>
+        </p:spPr>
+        <p:txBody>
+          <a:bodyPr wrap="square" rtlCol="0">
+            <a:spAutoFit/>
+          </a:bodyPr>
+          <a:lstStyle/>
+          <a:p>
+            <a:r>
+              <a:rPr lang="en-US" sz="2200" smtClean="0">
+                <a:latin typeface="Monaco" charset="0"/>
+                <a:ea typeface="Monaco" charset="0"/>
+                <a:cs typeface="Monaco" charset="0"/>
+              </a:rPr>
+              <a:t>class </a:t>
+            </a:r>
+            <a:r>
+              <a:rPr lang="en-US" sz="2200" dirty="0" err="1" smtClean="0">
+                <a:latin typeface="Monaco" charset="0"/>
+                <a:ea typeface="Monaco" charset="0"/>
+                <a:cs typeface="Monaco" charset="0"/>
+              </a:rPr>
+              <a:t>TrieNode</a:t>
+            </a:r>
+            <a:r>
+              <a:rPr lang="en-US" sz="2200" dirty="0" smtClean="0">
+                <a:latin typeface="Monaco" charset="0"/>
+                <a:ea typeface="Monaco" charset="0"/>
+                <a:cs typeface="Monaco" charset="0"/>
+              </a:rPr>
+              <a:t>:</a:t>
+            </a:r>
+          </a:p>
+          <a:p>
+            <a:r>
+              <a:rPr lang="en-US" sz="2200" dirty="0" smtClean="0">
+                <a:latin typeface="Monaco" charset="0"/>
+                <a:ea typeface="Monaco" charset="0"/>
+                <a:cs typeface="Monaco" charset="0"/>
+              </a:rPr>
+              <a:t>    </a:t>
+            </a:r>
+            <a:r>
+              <a:rPr lang="en-US" sz="2200" dirty="0" err="1" smtClean="0">
+                <a:latin typeface="Monaco" charset="0"/>
+                <a:ea typeface="Monaco" charset="0"/>
+                <a:cs typeface="Monaco" charset="0"/>
+              </a:rPr>
+              <a:t>def</a:t>
+            </a:r>
+            <a:r>
+              <a:rPr lang="en-US" sz="2200" dirty="0" smtClean="0">
+                <a:latin typeface="Monaco" charset="0"/>
+                <a:ea typeface="Monaco" charset="0"/>
+                <a:cs typeface="Monaco" charset="0"/>
+              </a:rPr>
+              <a:t> __</a:t>
+            </a:r>
+            <a:r>
+              <a:rPr lang="en-US" sz="2200" dirty="0" err="1" smtClean="0">
+                <a:latin typeface="Monaco" charset="0"/>
+                <a:ea typeface="Monaco" charset="0"/>
+                <a:cs typeface="Monaco" charset="0"/>
+              </a:rPr>
+              <a:t>init</a:t>
+            </a:r>
+            <a:r>
+              <a:rPr lang="en-US" sz="2200" dirty="0" smtClean="0">
+                <a:latin typeface="Monaco" charset="0"/>
+                <a:ea typeface="Monaco" charset="0"/>
+                <a:cs typeface="Monaco" charset="0"/>
+              </a:rPr>
+              <a:t>__(self):</a:t>
+            </a:r>
+          </a:p>
+          <a:p>
+            <a:r>
+              <a:rPr lang="en-US" sz="2200" dirty="0" smtClean="0">
+                <a:latin typeface="Monaco" charset="0"/>
+                <a:ea typeface="Monaco" charset="0"/>
+                <a:cs typeface="Monaco" charset="0"/>
+              </a:rPr>
+              <a:t>        </a:t>
+            </a:r>
+            <a:r>
+              <a:rPr lang="en-US" sz="2200" dirty="0" err="1" smtClean="0">
+                <a:latin typeface="Monaco" charset="0"/>
+                <a:ea typeface="Monaco" charset="0"/>
+                <a:cs typeface="Monaco" charset="0"/>
+              </a:rPr>
+              <a:t>self.edges</a:t>
+            </a:r>
+            <a:r>
+              <a:rPr lang="en-US" sz="2200" dirty="0" smtClean="0">
+                <a:latin typeface="Monaco" charset="0"/>
+                <a:ea typeface="Monaco" charset="0"/>
+                <a:cs typeface="Monaco" charset="0"/>
+              </a:rPr>
+              <a:t> = {}</a:t>
+            </a:r>
+            <a:endParaRPr lang="en-US" sz="2200" dirty="0">
+              <a:latin typeface="Monaco" charset="0"/>
+              <a:ea typeface="Monaco" charset="0"/>
+              <a:cs typeface="Monaco" charset="0"/>
+            </a:endParaRPr>
+          </a:p>
+        </p:txBody>
+      </p:sp>
+      <p:sp>
+        <p:nvSpPr>
+          <p:cNvPr id="7" name="TextBox 6">
+            <a:extLst>
+              <a:ext uri="{FF2B5EF4-FFF2-40B4-BE49-F238E27FC236}">
+                <a16:creationId xmlns:a16="http://schemas.microsoft.com/office/drawing/2014/main" xmlns="" id="{53E89B64-E4C7-B349-8F4D-C096A24A66FC}"/>
+              </a:ext>
+            </a:extLst>
+          </p:cNvPr>
+          <p:cNvSpPr txBox="1"/>
+          <p:nvPr/>
+        </p:nvSpPr>
+        <p:spPr>
+          <a:xfrm>
+            <a:off x="4075890" y="2189084"/>
+            <a:ext cx="7277910" cy="1785104"/>
+          </a:xfrm>
+          <a:prstGeom prst="rect">
+            <a:avLst/>
+          </a:prstGeom>
+          <a:noFill/>
+          <a:ln>
+            <a:solidFill>
+              <a:schemeClr val="accent1"/>
+            </a:solidFill>
+          </a:ln>
+        </p:spPr>
+        <p:txBody>
+          <a:bodyPr wrap="square" rtlCol="0">
+            <a:spAutoFit/>
+          </a:bodyPr>
+          <a:lstStyle/>
+          <a:p>
+            <a:r>
+              <a:rPr lang="en-US" sz="2200" dirty="0" err="1">
+                <a:latin typeface="Monaco" charset="0"/>
+                <a:ea typeface="Monaco" charset="0"/>
+                <a:cs typeface="Monaco" charset="0"/>
+              </a:rPr>
+              <a:t>def</a:t>
+            </a:r>
+            <a:r>
+              <a:rPr lang="en-US" sz="2200" dirty="0">
+                <a:latin typeface="Monaco" charset="0"/>
+                <a:ea typeface="Monaco" charset="0"/>
+                <a:cs typeface="Monaco" charset="0"/>
+              </a:rPr>
+              <a:t> add(</a:t>
+            </a:r>
+            <a:r>
+              <a:rPr lang="en-US" sz="2200" dirty="0" err="1">
+                <a:latin typeface="Monaco" charset="0"/>
+                <a:ea typeface="Monaco" charset="0"/>
+                <a:cs typeface="Monaco" charset="0"/>
+              </a:rPr>
+              <a:t>p:TrieNode</a:t>
+            </a:r>
+            <a:r>
+              <a:rPr lang="en-US" sz="2200" dirty="0">
+                <a:latin typeface="Monaco" charset="0"/>
+                <a:ea typeface="Monaco" charset="0"/>
+                <a:cs typeface="Monaco" charset="0"/>
+              </a:rPr>
+              <a:t>, </a:t>
+            </a:r>
+            <a:r>
+              <a:rPr lang="en-US" sz="2200" dirty="0" err="1">
+                <a:latin typeface="Monaco" charset="0"/>
+                <a:ea typeface="Monaco" charset="0"/>
+                <a:cs typeface="Monaco" charset="0"/>
+              </a:rPr>
+              <a:t>s:str</a:t>
+            </a:r>
+            <a:r>
+              <a:rPr lang="en-US" sz="2200" dirty="0">
+                <a:latin typeface="Monaco" charset="0"/>
+                <a:ea typeface="Monaco" charset="0"/>
+                <a:cs typeface="Monaco" charset="0"/>
+              </a:rPr>
+              <a:t>, </a:t>
+            </a:r>
+            <a:r>
+              <a:rPr lang="en-US" sz="2200" dirty="0" err="1">
+                <a:latin typeface="Monaco" charset="0"/>
+                <a:ea typeface="Monaco" charset="0"/>
+                <a:cs typeface="Monaco" charset="0"/>
+              </a:rPr>
+              <a:t>i</a:t>
+            </a:r>
+            <a:r>
+              <a:rPr lang="en-US" sz="2200" dirty="0">
+                <a:latin typeface="Monaco" charset="0"/>
+                <a:ea typeface="Monaco" charset="0"/>
+                <a:cs typeface="Monaco" charset="0"/>
+              </a:rPr>
+              <a:t>=0) -&gt; None</a:t>
+            </a:r>
+            <a:r>
+              <a:rPr lang="en-US" sz="2200" dirty="0" smtClean="0">
+                <a:latin typeface="Monaco" charset="0"/>
+                <a:ea typeface="Monaco" charset="0"/>
+                <a:cs typeface="Monaco" charset="0"/>
+              </a:rPr>
+              <a:t>:</a:t>
+            </a:r>
+          </a:p>
+          <a:p>
+            <a:r>
+              <a:rPr lang="en-US" sz="2200" dirty="0" smtClean="0">
+                <a:latin typeface="Monaco" charset="0"/>
+                <a:ea typeface="Monaco" charset="0"/>
+                <a:cs typeface="Monaco" charset="0"/>
+              </a:rPr>
+              <a:t>    </a:t>
+            </a:r>
+            <a:r>
+              <a:rPr lang="en-US" sz="2200" dirty="0">
+                <a:latin typeface="Monaco" charset="0"/>
+                <a:ea typeface="Monaco" charset="0"/>
+                <a:cs typeface="Monaco" charset="0"/>
+              </a:rPr>
+              <a:t>if </a:t>
+            </a:r>
+            <a:r>
+              <a:rPr lang="en-US" sz="2200" dirty="0" err="1">
+                <a:latin typeface="Monaco" charset="0"/>
+                <a:ea typeface="Monaco" charset="0"/>
+                <a:cs typeface="Monaco" charset="0"/>
+              </a:rPr>
+              <a:t>i</a:t>
+            </a:r>
+            <a:r>
+              <a:rPr lang="en-US" sz="2200" dirty="0">
+                <a:latin typeface="Monaco" charset="0"/>
+                <a:ea typeface="Monaco" charset="0"/>
+                <a:cs typeface="Monaco" charset="0"/>
+              </a:rPr>
+              <a:t>&gt;=</a:t>
+            </a:r>
+            <a:r>
+              <a:rPr lang="en-US" sz="2200" dirty="0" err="1">
+                <a:latin typeface="Monaco" charset="0"/>
+                <a:ea typeface="Monaco" charset="0"/>
+                <a:cs typeface="Monaco" charset="0"/>
+              </a:rPr>
+              <a:t>len</a:t>
+            </a:r>
+            <a:r>
+              <a:rPr lang="en-US" sz="2200" dirty="0">
+                <a:latin typeface="Monaco" charset="0"/>
+                <a:ea typeface="Monaco" charset="0"/>
+                <a:cs typeface="Monaco" charset="0"/>
+              </a:rPr>
+              <a:t>(s): </a:t>
+            </a:r>
+            <a:r>
+              <a:rPr lang="en-US" sz="2200" dirty="0" smtClean="0">
+                <a:latin typeface="Monaco" charset="0"/>
+                <a:ea typeface="Monaco" charset="0"/>
+                <a:cs typeface="Monaco" charset="0"/>
+              </a:rPr>
+              <a:t>return</a:t>
+            </a:r>
+          </a:p>
+          <a:p>
+            <a:r>
+              <a:rPr lang="en-US" sz="2200" dirty="0" smtClean="0">
+                <a:latin typeface="Monaco" charset="0"/>
+                <a:ea typeface="Monaco" charset="0"/>
+                <a:cs typeface="Monaco" charset="0"/>
+              </a:rPr>
+              <a:t>    </a:t>
+            </a:r>
+            <a:r>
+              <a:rPr lang="en-US" sz="2200" dirty="0">
+                <a:latin typeface="Monaco" charset="0"/>
+                <a:ea typeface="Monaco" charset="0"/>
+                <a:cs typeface="Monaco" charset="0"/>
+              </a:rPr>
+              <a:t>if s[</a:t>
+            </a:r>
+            <a:r>
+              <a:rPr lang="en-US" sz="2200" dirty="0" err="1">
+                <a:latin typeface="Monaco" charset="0"/>
+                <a:ea typeface="Monaco" charset="0"/>
+                <a:cs typeface="Monaco" charset="0"/>
+              </a:rPr>
+              <a:t>i</a:t>
+            </a:r>
+            <a:r>
+              <a:rPr lang="en-US" sz="2200" dirty="0">
+                <a:latin typeface="Monaco" charset="0"/>
+                <a:ea typeface="Monaco" charset="0"/>
+                <a:cs typeface="Monaco" charset="0"/>
+              </a:rPr>
+              <a:t>] not in </a:t>
+            </a:r>
+            <a:r>
+              <a:rPr lang="en-US" sz="2200" dirty="0" err="1">
+                <a:latin typeface="Monaco" charset="0"/>
+                <a:ea typeface="Monaco" charset="0"/>
+                <a:cs typeface="Monaco" charset="0"/>
+              </a:rPr>
+              <a:t>p.edges</a:t>
+            </a:r>
+            <a:r>
+              <a:rPr lang="en-US" sz="2200" dirty="0" smtClean="0">
+                <a:latin typeface="Monaco" charset="0"/>
+                <a:ea typeface="Monaco" charset="0"/>
+                <a:cs typeface="Monaco" charset="0"/>
+              </a:rPr>
+              <a:t>:</a:t>
+            </a:r>
+          </a:p>
+          <a:p>
+            <a:r>
+              <a:rPr lang="en-US" sz="2200" dirty="0" smtClean="0">
+                <a:latin typeface="Monaco" charset="0"/>
+                <a:ea typeface="Monaco" charset="0"/>
+                <a:cs typeface="Monaco" charset="0"/>
+              </a:rPr>
+              <a:t>        </a:t>
+            </a:r>
+            <a:r>
+              <a:rPr lang="en-US" sz="2200" dirty="0" err="1">
+                <a:latin typeface="Monaco" charset="0"/>
+                <a:ea typeface="Monaco" charset="0"/>
+                <a:cs typeface="Monaco" charset="0"/>
+              </a:rPr>
+              <a:t>p.edges</a:t>
+            </a:r>
+            <a:r>
+              <a:rPr lang="en-US" sz="2200" dirty="0">
+                <a:latin typeface="Monaco" charset="0"/>
+                <a:ea typeface="Monaco" charset="0"/>
+                <a:cs typeface="Monaco" charset="0"/>
+              </a:rPr>
+              <a:t>[s[</a:t>
+            </a:r>
+            <a:r>
+              <a:rPr lang="en-US" sz="2200" dirty="0" err="1">
+                <a:latin typeface="Monaco" charset="0"/>
+                <a:ea typeface="Monaco" charset="0"/>
+                <a:cs typeface="Monaco" charset="0"/>
+              </a:rPr>
+              <a:t>i</a:t>
+            </a:r>
+            <a:r>
+              <a:rPr lang="en-US" sz="2200" dirty="0">
+                <a:latin typeface="Monaco" charset="0"/>
+                <a:ea typeface="Monaco" charset="0"/>
+                <a:cs typeface="Monaco" charset="0"/>
+              </a:rPr>
+              <a:t>]] = </a:t>
+            </a:r>
+            <a:r>
+              <a:rPr lang="en-US" sz="2200" dirty="0" err="1">
+                <a:latin typeface="Monaco" charset="0"/>
+                <a:ea typeface="Monaco" charset="0"/>
+                <a:cs typeface="Monaco" charset="0"/>
+              </a:rPr>
+              <a:t>TrieNode</a:t>
+            </a:r>
+            <a:r>
+              <a:rPr lang="en-US" sz="2200" dirty="0" smtClean="0">
+                <a:latin typeface="Monaco" charset="0"/>
+                <a:ea typeface="Monaco" charset="0"/>
+                <a:cs typeface="Monaco" charset="0"/>
+              </a:rPr>
+              <a:t>()</a:t>
+            </a:r>
+          </a:p>
+          <a:p>
+            <a:r>
+              <a:rPr lang="en-US" sz="2200" dirty="0" smtClean="0">
+                <a:latin typeface="Monaco" charset="0"/>
+                <a:ea typeface="Monaco" charset="0"/>
+                <a:cs typeface="Monaco" charset="0"/>
+              </a:rPr>
+              <a:t>    </a:t>
+            </a:r>
+            <a:r>
+              <a:rPr lang="en-US" sz="2200" dirty="0">
+                <a:latin typeface="Monaco" charset="0"/>
+                <a:ea typeface="Monaco" charset="0"/>
+                <a:cs typeface="Monaco" charset="0"/>
+              </a:rPr>
+              <a:t>add(</a:t>
+            </a:r>
+            <a:r>
+              <a:rPr lang="en-US" sz="2200" dirty="0" err="1">
+                <a:latin typeface="Monaco" charset="0"/>
+                <a:ea typeface="Monaco" charset="0"/>
+                <a:cs typeface="Monaco" charset="0"/>
+              </a:rPr>
+              <a:t>p.edges</a:t>
+            </a:r>
+            <a:r>
+              <a:rPr lang="en-US" sz="2200" dirty="0">
+                <a:latin typeface="Monaco" charset="0"/>
+                <a:ea typeface="Monaco" charset="0"/>
+                <a:cs typeface="Monaco" charset="0"/>
+              </a:rPr>
+              <a:t>[s[</a:t>
+            </a:r>
+            <a:r>
+              <a:rPr lang="en-US" sz="2200" dirty="0" err="1">
+                <a:latin typeface="Monaco" charset="0"/>
+                <a:ea typeface="Monaco" charset="0"/>
+                <a:cs typeface="Monaco" charset="0"/>
+              </a:rPr>
+              <a:t>i</a:t>
+            </a:r>
+            <a:r>
+              <a:rPr lang="en-US" sz="2200" dirty="0">
+                <a:latin typeface="Monaco" charset="0"/>
+                <a:ea typeface="Monaco" charset="0"/>
+                <a:cs typeface="Monaco" charset="0"/>
+              </a:rPr>
+              <a:t>]], s, i+1)</a:t>
+            </a:r>
+            <a:endParaRPr lang="en-US" sz="2200" dirty="0">
+              <a:latin typeface="Monaco" charset="0"/>
+              <a:ea typeface="Monaco" charset="0"/>
+              <a:cs typeface="Monaco" charset="0"/>
+            </a:endParaRPr>
+          </a:p>
+        </p:txBody>
+      </p:sp>
+    </p:spTree>
+    <p:extLst>
+      <p:ext uri="{BB962C8B-B14F-4D97-AF65-F5344CB8AC3E}">
+        <p14:creationId xmlns:p14="http://schemas.microsoft.com/office/powerpoint/2010/main" val="1231867933"/>
+      </p:ext>
+    </p:extLst>
+  </p:cSld>
+  <p:clrMapOvr>
+    <a:masterClrMapping/>
+  </p:clrMapOvr>
+</p:sld>
+</file>
+
+<file path=ppt/slides/slide13.xml><?xml version="1.0" encoding="utf-8"?>
+<p:sld xmlns:a="http://schemas.openxmlformats.org/drawingml/2006/main" xmlns:r="http://schemas.openxmlformats.org/officeDocument/2006/relationships" xmlns:p="http://schemas.openxmlformats.org/presentationml/2006/main">
+  <p:cSld>
+    <p:spTree>
+      <p:nvGrpSpPr>
+        <p:cNvPr id="1" name=""/>
+        <p:cNvGrpSpPr/>
+        <p:nvPr/>
+      </p:nvGrpSpPr>
+      <p:grpSpPr>
+        <a:xfrm>
+          <a:off x="0" y="0"/>
+          <a:ext cx="0" cy="0"/>
+          <a:chOff x="0" y="0"/>
+          <a:chExt cx="0" cy="0"/>
+        </a:xfrm>
+      </p:grpSpPr>
+      <p:sp>
+        <p:nvSpPr>
+          <p:cNvPr id="2" name="Title 1"/>
+          <p:cNvSpPr>
+            <a:spLocks noGrp="1"/>
+          </p:cNvSpPr>
+          <p:nvPr>
+            <p:ph type="title"/>
+          </p:nvPr>
+        </p:nvSpPr>
+        <p:spPr/>
+        <p:txBody>
+          <a:bodyPr/>
+          <a:lstStyle/>
+          <a:p>
+            <a:r>
+              <a:rPr lang="en-US" dirty="0" smtClean="0"/>
+              <a:t>Searching a </a:t>
+            </a:r>
+            <a:r>
+              <a:rPr lang="en-US" dirty="0" err="1" smtClean="0"/>
+              <a:t>Trie</a:t>
+            </a:r>
+            <a:endParaRPr lang="en-US" dirty="0"/>
+          </a:p>
+        </p:txBody>
+      </p:sp>
+      <p:sp>
+        <p:nvSpPr>
+          <p:cNvPr id="3" name="Content Placeholder 2"/>
+          <p:cNvSpPr>
+            <a:spLocks noGrp="1"/>
+          </p:cNvSpPr>
+          <p:nvPr>
+            <p:ph idx="1"/>
+          </p:nvPr>
+        </p:nvSpPr>
+        <p:spPr/>
+        <p:txBody>
+          <a:bodyPr/>
+          <a:lstStyle/>
+          <a:p>
+            <a:r>
+              <a:rPr lang="en-US" dirty="0"/>
+              <a:t>Return true if s is prefix of word in </a:t>
+            </a:r>
+            <a:r>
+              <a:rPr lang="en-US" dirty="0" err="1"/>
+              <a:t>Trie</a:t>
+            </a:r>
+            <a:r>
+              <a:rPr lang="en-US" dirty="0"/>
+              <a:t> or full word in </a:t>
+            </a:r>
+            <a:r>
+              <a:rPr lang="en-US" dirty="0" err="1"/>
+              <a:t>Trie</a:t>
+            </a:r>
+            <a:endParaRPr lang="en-US" dirty="0"/>
+          </a:p>
+        </p:txBody>
+      </p:sp>
+      <p:sp>
+        <p:nvSpPr>
+          <p:cNvPr id="4" name="TextBox 3">
+            <a:extLst>
+              <a:ext uri="{FF2B5EF4-FFF2-40B4-BE49-F238E27FC236}">
+                <a16:creationId xmlns:a16="http://schemas.microsoft.com/office/drawing/2014/main" xmlns="" id="{53E89B64-E4C7-B349-8F4D-C096A24A66FC}"/>
+              </a:ext>
+            </a:extLst>
+          </p:cNvPr>
+          <p:cNvSpPr txBox="1"/>
+          <p:nvPr/>
+        </p:nvSpPr>
+        <p:spPr>
+          <a:xfrm>
+            <a:off x="1459149" y="2792199"/>
+            <a:ext cx="9077528" cy="2800767"/>
+          </a:xfrm>
+          <a:prstGeom prst="rect">
+            <a:avLst/>
+          </a:prstGeom>
+          <a:noFill/>
+          <a:ln>
+            <a:solidFill>
+              <a:schemeClr val="accent1"/>
+            </a:solidFill>
+          </a:ln>
+        </p:spPr>
+        <p:txBody>
+          <a:bodyPr wrap="square" rtlCol="0">
+            <a:spAutoFit/>
+          </a:bodyPr>
+          <a:lstStyle/>
+          <a:p>
+            <a:r>
+              <a:rPr lang="en-US" sz="2200" dirty="0" err="1">
+                <a:latin typeface="Monaco" charset="0"/>
+                <a:ea typeface="Monaco" charset="0"/>
+                <a:cs typeface="Monaco" charset="0"/>
+              </a:rPr>
+              <a:t>def</a:t>
+            </a:r>
+            <a:r>
+              <a:rPr lang="en-US" sz="2200" dirty="0">
+                <a:latin typeface="Monaco" charset="0"/>
+                <a:ea typeface="Monaco" charset="0"/>
+                <a:cs typeface="Monaco" charset="0"/>
+              </a:rPr>
+              <a:t> search(</a:t>
+            </a:r>
+            <a:r>
+              <a:rPr lang="en-US" sz="2200" dirty="0" err="1">
+                <a:latin typeface="Monaco" charset="0"/>
+                <a:ea typeface="Monaco" charset="0"/>
+                <a:cs typeface="Monaco" charset="0"/>
+              </a:rPr>
+              <a:t>root:TrieNode</a:t>
+            </a:r>
+            <a:r>
+              <a:rPr lang="en-US" sz="2200" dirty="0">
+                <a:latin typeface="Monaco" charset="0"/>
+                <a:ea typeface="Monaco" charset="0"/>
+                <a:cs typeface="Monaco" charset="0"/>
+              </a:rPr>
+              <a:t>, </a:t>
+            </a:r>
+            <a:r>
+              <a:rPr lang="en-US" sz="2200" dirty="0" err="1">
+                <a:latin typeface="Monaco" charset="0"/>
+                <a:ea typeface="Monaco" charset="0"/>
+                <a:cs typeface="Monaco" charset="0"/>
+              </a:rPr>
+              <a:t>s:str</a:t>
+            </a:r>
+            <a:r>
+              <a:rPr lang="en-US" sz="2200" dirty="0">
+                <a:latin typeface="Monaco" charset="0"/>
+                <a:ea typeface="Monaco" charset="0"/>
+                <a:cs typeface="Monaco" charset="0"/>
+              </a:rPr>
+              <a:t>, </a:t>
+            </a:r>
+            <a:r>
+              <a:rPr lang="en-US" sz="2200" dirty="0" err="1">
+                <a:latin typeface="Monaco" charset="0"/>
+                <a:ea typeface="Monaco" charset="0"/>
+                <a:cs typeface="Monaco" charset="0"/>
+              </a:rPr>
+              <a:t>i</a:t>
+            </a:r>
+            <a:r>
+              <a:rPr lang="en-US" sz="2200" dirty="0">
+                <a:latin typeface="Monaco" charset="0"/>
+                <a:ea typeface="Monaco" charset="0"/>
+                <a:cs typeface="Monaco" charset="0"/>
+              </a:rPr>
+              <a:t>=0) -&gt; bool</a:t>
+            </a:r>
+            <a:r>
+              <a:rPr lang="en-US" sz="2200" dirty="0" smtClean="0">
+                <a:latin typeface="Monaco" charset="0"/>
+                <a:ea typeface="Monaco" charset="0"/>
+                <a:cs typeface="Monaco" charset="0"/>
+              </a:rPr>
+              <a:t>:</a:t>
+            </a:r>
+          </a:p>
+          <a:p>
+            <a:r>
+              <a:rPr lang="en-US" sz="2200" dirty="0" smtClean="0">
+                <a:latin typeface="Monaco" charset="0"/>
+                <a:ea typeface="Monaco" charset="0"/>
+                <a:cs typeface="Monaco" charset="0"/>
+              </a:rPr>
+              <a:t>    p </a:t>
+            </a:r>
+            <a:r>
+              <a:rPr lang="en-US" sz="2200" dirty="0">
+                <a:latin typeface="Monaco" charset="0"/>
+                <a:ea typeface="Monaco" charset="0"/>
+                <a:cs typeface="Monaco" charset="0"/>
+              </a:rPr>
+              <a:t>= </a:t>
+            </a:r>
+            <a:r>
+              <a:rPr lang="en-US" sz="2200" dirty="0" smtClean="0">
+                <a:latin typeface="Monaco" charset="0"/>
+                <a:ea typeface="Monaco" charset="0"/>
+                <a:cs typeface="Monaco" charset="0"/>
+              </a:rPr>
+              <a:t>root</a:t>
+            </a:r>
+          </a:p>
+          <a:p>
+            <a:r>
+              <a:rPr lang="en-US" sz="2200" dirty="0" smtClean="0">
+                <a:latin typeface="Monaco" charset="0"/>
+                <a:ea typeface="Monaco" charset="0"/>
+                <a:cs typeface="Monaco" charset="0"/>
+              </a:rPr>
+              <a:t>    </a:t>
+            </a:r>
+            <a:r>
+              <a:rPr lang="en-US" sz="2200" dirty="0">
+                <a:latin typeface="Monaco" charset="0"/>
+                <a:ea typeface="Monaco" charset="0"/>
+                <a:cs typeface="Monaco" charset="0"/>
+              </a:rPr>
+              <a:t>while p is not None</a:t>
+            </a:r>
+            <a:r>
+              <a:rPr lang="en-US" sz="2200" dirty="0" smtClean="0">
+                <a:latin typeface="Monaco" charset="0"/>
+                <a:ea typeface="Monaco" charset="0"/>
+                <a:cs typeface="Monaco" charset="0"/>
+              </a:rPr>
+              <a:t>:</a:t>
+            </a:r>
+          </a:p>
+          <a:p>
+            <a:r>
+              <a:rPr lang="en-US" sz="2200" dirty="0" smtClean="0">
+                <a:latin typeface="Monaco" charset="0"/>
+                <a:ea typeface="Monaco" charset="0"/>
+                <a:cs typeface="Monaco" charset="0"/>
+              </a:rPr>
+              <a:t>        </a:t>
+            </a:r>
+            <a:r>
+              <a:rPr lang="en-US" sz="2200" dirty="0">
+                <a:latin typeface="Monaco" charset="0"/>
+                <a:ea typeface="Monaco" charset="0"/>
+                <a:cs typeface="Monaco" charset="0"/>
+              </a:rPr>
+              <a:t>if </a:t>
+            </a:r>
+            <a:r>
+              <a:rPr lang="en-US" sz="2200" dirty="0" err="1">
+                <a:latin typeface="Monaco" charset="0"/>
+                <a:ea typeface="Monaco" charset="0"/>
+                <a:cs typeface="Monaco" charset="0"/>
+              </a:rPr>
+              <a:t>i</a:t>
+            </a:r>
+            <a:r>
+              <a:rPr lang="en-US" sz="2200" dirty="0">
+                <a:latin typeface="Monaco" charset="0"/>
+                <a:ea typeface="Monaco" charset="0"/>
+                <a:cs typeface="Monaco" charset="0"/>
+              </a:rPr>
+              <a:t>&gt;=</a:t>
+            </a:r>
+            <a:r>
+              <a:rPr lang="en-US" sz="2200" dirty="0" err="1">
+                <a:latin typeface="Monaco" charset="0"/>
+                <a:ea typeface="Monaco" charset="0"/>
+                <a:cs typeface="Monaco" charset="0"/>
+              </a:rPr>
+              <a:t>len</a:t>
+            </a:r>
+            <a:r>
+              <a:rPr lang="en-US" sz="2200" dirty="0">
+                <a:latin typeface="Monaco" charset="0"/>
+                <a:ea typeface="Monaco" charset="0"/>
+                <a:cs typeface="Monaco" charset="0"/>
+              </a:rPr>
+              <a:t>(s): return </a:t>
+            </a:r>
+            <a:r>
+              <a:rPr lang="en-US" sz="2200" dirty="0" smtClean="0">
+                <a:latin typeface="Monaco" charset="0"/>
+                <a:ea typeface="Monaco" charset="0"/>
+                <a:cs typeface="Monaco" charset="0"/>
+              </a:rPr>
+              <a:t>True</a:t>
+            </a:r>
+          </a:p>
+          <a:p>
+            <a:r>
+              <a:rPr lang="en-US" sz="2200" dirty="0" smtClean="0">
+                <a:latin typeface="Monaco" charset="0"/>
+                <a:ea typeface="Monaco" charset="0"/>
+                <a:cs typeface="Monaco" charset="0"/>
+              </a:rPr>
+              <a:t>        </a:t>
+            </a:r>
+            <a:r>
+              <a:rPr lang="en-US" sz="2200" dirty="0">
+                <a:latin typeface="Monaco" charset="0"/>
+                <a:ea typeface="Monaco" charset="0"/>
+                <a:cs typeface="Monaco" charset="0"/>
+              </a:rPr>
+              <a:t>if s[</a:t>
+            </a:r>
+            <a:r>
+              <a:rPr lang="en-US" sz="2200" dirty="0" err="1">
+                <a:latin typeface="Monaco" charset="0"/>
+                <a:ea typeface="Monaco" charset="0"/>
+                <a:cs typeface="Monaco" charset="0"/>
+              </a:rPr>
+              <a:t>i</a:t>
+            </a:r>
+            <a:r>
+              <a:rPr lang="en-US" sz="2200" dirty="0">
+                <a:latin typeface="Monaco" charset="0"/>
+                <a:ea typeface="Monaco" charset="0"/>
+                <a:cs typeface="Monaco" charset="0"/>
+              </a:rPr>
+              <a:t>] not in </a:t>
+            </a:r>
+            <a:r>
+              <a:rPr lang="en-US" sz="2200" dirty="0" err="1">
+                <a:latin typeface="Monaco" charset="0"/>
+                <a:ea typeface="Monaco" charset="0"/>
+                <a:cs typeface="Monaco" charset="0"/>
+              </a:rPr>
+              <a:t>p.edges</a:t>
+            </a:r>
+            <a:r>
+              <a:rPr lang="en-US" sz="2200" dirty="0">
+                <a:latin typeface="Monaco" charset="0"/>
+                <a:ea typeface="Monaco" charset="0"/>
+                <a:cs typeface="Monaco" charset="0"/>
+              </a:rPr>
+              <a:t>: return </a:t>
+            </a:r>
+            <a:r>
+              <a:rPr lang="en-US" sz="2200" dirty="0" smtClean="0">
+                <a:latin typeface="Monaco" charset="0"/>
+                <a:ea typeface="Monaco" charset="0"/>
+                <a:cs typeface="Monaco" charset="0"/>
+              </a:rPr>
+              <a:t>False</a:t>
+            </a:r>
+          </a:p>
+          <a:p>
+            <a:r>
+              <a:rPr lang="en-US" sz="2200" dirty="0" smtClean="0">
+                <a:latin typeface="Monaco" charset="0"/>
+                <a:ea typeface="Monaco" charset="0"/>
+                <a:cs typeface="Monaco" charset="0"/>
+              </a:rPr>
+              <a:t>        </a:t>
+            </a:r>
+            <a:r>
+              <a:rPr lang="en-US" sz="2200" dirty="0">
+                <a:latin typeface="Monaco" charset="0"/>
+                <a:ea typeface="Monaco" charset="0"/>
+                <a:cs typeface="Monaco" charset="0"/>
+              </a:rPr>
+              <a:t>p = </a:t>
+            </a:r>
+            <a:r>
+              <a:rPr lang="en-US" sz="2200" dirty="0" err="1">
+                <a:latin typeface="Monaco" charset="0"/>
+                <a:ea typeface="Monaco" charset="0"/>
+                <a:cs typeface="Monaco" charset="0"/>
+              </a:rPr>
+              <a:t>p.edges</a:t>
+            </a:r>
+            <a:r>
+              <a:rPr lang="en-US" sz="2200" dirty="0">
+                <a:latin typeface="Monaco" charset="0"/>
+                <a:ea typeface="Monaco" charset="0"/>
+                <a:cs typeface="Monaco" charset="0"/>
+              </a:rPr>
+              <a:t>[s[</a:t>
+            </a:r>
+            <a:r>
+              <a:rPr lang="en-US" sz="2200" dirty="0" err="1">
+                <a:latin typeface="Monaco" charset="0"/>
+                <a:ea typeface="Monaco" charset="0"/>
+                <a:cs typeface="Monaco" charset="0"/>
+              </a:rPr>
+              <a:t>i</a:t>
+            </a:r>
+            <a:r>
+              <a:rPr lang="en-US" sz="2200" dirty="0" smtClean="0">
+                <a:latin typeface="Monaco" charset="0"/>
+                <a:ea typeface="Monaco" charset="0"/>
+                <a:cs typeface="Monaco" charset="0"/>
+              </a:rPr>
+              <a:t>]]</a:t>
+            </a:r>
+          </a:p>
+          <a:p>
+            <a:r>
+              <a:rPr lang="en-US" sz="2200" dirty="0" smtClean="0">
+                <a:latin typeface="Monaco" charset="0"/>
+                <a:ea typeface="Monaco" charset="0"/>
+                <a:cs typeface="Monaco" charset="0"/>
+              </a:rPr>
+              <a:t>        </a:t>
+            </a:r>
+            <a:r>
+              <a:rPr lang="en-US" sz="2200" dirty="0" err="1">
+                <a:latin typeface="Monaco" charset="0"/>
+                <a:ea typeface="Monaco" charset="0"/>
+                <a:cs typeface="Monaco" charset="0"/>
+              </a:rPr>
+              <a:t>i</a:t>
+            </a:r>
+            <a:r>
+              <a:rPr lang="en-US" sz="2200" dirty="0">
+                <a:latin typeface="Monaco" charset="0"/>
+                <a:ea typeface="Monaco" charset="0"/>
+                <a:cs typeface="Monaco" charset="0"/>
+              </a:rPr>
+              <a:t> += </a:t>
+            </a:r>
+            <a:r>
+              <a:rPr lang="en-US" sz="2200" dirty="0" smtClean="0">
+                <a:latin typeface="Monaco" charset="0"/>
+                <a:ea typeface="Monaco" charset="0"/>
+                <a:cs typeface="Monaco" charset="0"/>
+              </a:rPr>
+              <a:t>1</a:t>
+            </a:r>
+          </a:p>
+          <a:p>
+            <a:r>
+              <a:rPr lang="en-US" sz="2200" dirty="0" smtClean="0">
+                <a:latin typeface="Monaco" charset="0"/>
+                <a:ea typeface="Monaco" charset="0"/>
+                <a:cs typeface="Monaco" charset="0"/>
+              </a:rPr>
+              <a:t>    </a:t>
+            </a:r>
+            <a:r>
+              <a:rPr lang="en-US" sz="2200" dirty="0">
+                <a:latin typeface="Monaco" charset="0"/>
+                <a:ea typeface="Monaco" charset="0"/>
+                <a:cs typeface="Monaco" charset="0"/>
+              </a:rPr>
+              <a:t>return True</a:t>
+            </a:r>
+            <a:endParaRPr lang="en-US" sz="2200" dirty="0">
+              <a:latin typeface="Monaco" charset="0"/>
+              <a:ea typeface="Monaco" charset="0"/>
+              <a:cs typeface="Monaco" charset="0"/>
+            </a:endParaRPr>
+          </a:p>
+        </p:txBody>
+      </p:sp>
+    </p:spTree>
+    <p:extLst>
+      <p:ext uri="{BB962C8B-B14F-4D97-AF65-F5344CB8AC3E}">
+        <p14:creationId xmlns:p14="http://schemas.microsoft.com/office/powerpoint/2010/main" val="2064734504"/>
       </p:ext>
     </p:extLst>
   </p:cSld>
@@ -4043,7 +5633,7 @@
           <p:cNvPr id="2" name="Title 1">
             <a:extLst>
               <a:ext uri="{FF2B5EF4-FFF2-40B4-BE49-F238E27FC236}">
-                <a16:creationId xmlns:a16="http://schemas.microsoft.com/office/drawing/2014/main" id="{ED798003-BDB8-ED43-9E87-05960D700963}"/>
+                <a16:creationId xmlns:a16="http://schemas.microsoft.com/office/drawing/2014/main" xmlns="" id="{ED798003-BDB8-ED43-9E87-05960D700963}"/>
               </a:ext>
             </a:extLst>
           </p:cNvPr>
@@ -4076,7 +5666,7 @@
           <p:cNvPr id="3" name="Content Placeholder 2">
             <a:extLst>
               <a:ext uri="{FF2B5EF4-FFF2-40B4-BE49-F238E27FC236}">
-                <a16:creationId xmlns:a16="http://schemas.microsoft.com/office/drawing/2014/main" id="{5EB237E2-4FB5-FC4B-937F-D3E170BA652A}"/>
+                <a16:creationId xmlns:a16="http://schemas.microsoft.com/office/drawing/2014/main" xmlns="" id="{5EB237E2-4FB5-FC4B-937F-D3E170BA652A}"/>
               </a:ext>
             </a:extLst>
           </p:cNvPr>
@@ -4148,7 +5738,7 @@
     </p:spTree>
     <p:extLst>
       <p:ext uri="{BB962C8B-B14F-4D97-AF65-F5344CB8AC3E}">
-        <p14:creationId xmlns:p14="http://schemas.microsoft.com/office/powerpoint/2010/main" val="3269235379"/>
+        <p14:creationId xmlns:p14="http://schemas.microsoft.com/office/powerpoint/2010/main" val="311062004"/>
       </p:ext>
     </p:extLst>
   </p:cSld>
@@ -4509,7 +6099,7 @@
     </p:spTree>
     <p:extLst>
       <p:ext uri="{BB962C8B-B14F-4D97-AF65-F5344CB8AC3E}">
-        <p14:creationId xmlns:p14="http://schemas.microsoft.com/office/powerpoint/2010/main" val="2363239464"/>
+        <p14:creationId xmlns:p14="http://schemas.microsoft.com/office/powerpoint/2010/main" val="1043904430"/>
       </p:ext>
     </p:extLst>
   </p:cSld>
@@ -4541,7 +6131,7 @@
           <p:cNvPr id="2" name="Title 1">
             <a:extLst>
               <a:ext uri="{FF2B5EF4-FFF2-40B4-BE49-F238E27FC236}">
-                <a16:creationId xmlns:a16="http://schemas.microsoft.com/office/drawing/2014/main" id="{09C1B5BB-CBC3-2E42-9D5F-75DBE3EC8D88}"/>
+                <a16:creationId xmlns:a16="http://schemas.microsoft.com/office/drawing/2014/main" xmlns="" id="{09C1B5BB-CBC3-2E42-9D5F-75DBE3EC8D88}"/>
               </a:ext>
             </a:extLst>
           </p:cNvPr>
@@ -4574,7 +6164,7 @@
           <p:cNvPr id="4" name="TextBox 3">
             <a:extLst>
               <a:ext uri="{FF2B5EF4-FFF2-40B4-BE49-F238E27FC236}">
-                <a16:creationId xmlns:a16="http://schemas.microsoft.com/office/drawing/2014/main" id="{7E7BCA4B-0623-3A41-A4D9-0AF68320BA90}"/>
+                <a16:creationId xmlns:a16="http://schemas.microsoft.com/office/drawing/2014/main" xmlns="" id="{7E7BCA4B-0623-3A41-A4D9-0AF68320BA90}"/>
               </a:ext>
             </a:extLst>
           </p:cNvPr>
@@ -4700,7 +6290,7 @@
           <p:cNvPr id="5" name="TextBox 4">
             <a:extLst>
               <a:ext uri="{FF2B5EF4-FFF2-40B4-BE49-F238E27FC236}">
-                <a16:creationId xmlns:a16="http://schemas.microsoft.com/office/drawing/2014/main" id="{70BF3154-BC65-AF47-96F1-85EF98CC7A01}"/>
+                <a16:creationId xmlns:a16="http://schemas.microsoft.com/office/drawing/2014/main" xmlns="" id="{70BF3154-BC65-AF47-96F1-85EF98CC7A01}"/>
               </a:ext>
             </a:extLst>
           </p:cNvPr>
@@ -4902,7 +6492,7 @@
     </p:spTree>
     <p:extLst>
       <p:ext uri="{BB962C8B-B14F-4D97-AF65-F5344CB8AC3E}">
-        <p14:creationId xmlns:p14="http://schemas.microsoft.com/office/powerpoint/2010/main" val="2338247856"/>
+        <p14:creationId xmlns:p14="http://schemas.microsoft.com/office/powerpoint/2010/main" val="2107842667"/>
       </p:ext>
     </p:extLst>
   </p:cSld>
@@ -4934,7 +6524,7 @@
           <p:cNvPr id="2" name="Title 1">
             <a:extLst>
               <a:ext uri="{FF2B5EF4-FFF2-40B4-BE49-F238E27FC236}">
-                <a16:creationId xmlns:a16="http://schemas.microsoft.com/office/drawing/2014/main" id="{ACBF85EB-2A64-0149-B03A-5F11B2A1D5F1}"/>
+                <a16:creationId xmlns:a16="http://schemas.microsoft.com/office/drawing/2014/main" xmlns="" id="{ACBF85EB-2A64-0149-B03A-5F11B2A1D5F1}"/>
               </a:ext>
             </a:extLst>
           </p:cNvPr>
@@ -4962,7 +6552,7 @@
           <p:cNvPr id="3" name="Content Placeholder 2">
             <a:extLst>
               <a:ext uri="{FF2B5EF4-FFF2-40B4-BE49-F238E27FC236}">
-                <a16:creationId xmlns:a16="http://schemas.microsoft.com/office/drawing/2014/main" id="{AF9B1CA4-509A-F749-8370-9BF64615DA76}"/>
+                <a16:creationId xmlns:a16="http://schemas.microsoft.com/office/drawing/2014/main" xmlns="" id="{AF9B1CA4-509A-F749-8370-9BF64615DA76}"/>
               </a:ext>
             </a:extLst>
           </p:cNvPr>
@@ -5010,7 +6600,7 @@
     </p:spTree>
     <p:extLst>
       <p:ext uri="{BB962C8B-B14F-4D97-AF65-F5344CB8AC3E}">
-        <p14:creationId xmlns:p14="http://schemas.microsoft.com/office/powerpoint/2010/main" val="434236956"/>
+        <p14:creationId xmlns:p14="http://schemas.microsoft.com/office/powerpoint/2010/main" val="1621463357"/>
       </p:ext>
     </p:extLst>
   </p:cSld>
@@ -5042,7 +6632,7 @@
           <p:cNvPr id="2" name="Title 1">
             <a:extLst>
               <a:ext uri="{FF2B5EF4-FFF2-40B4-BE49-F238E27FC236}">
-                <a16:creationId xmlns:a16="http://schemas.microsoft.com/office/drawing/2014/main" id="{4EB37A9A-DFAA-7946-88B2-AF1E3749D8A9}"/>
+                <a16:creationId xmlns:a16="http://schemas.microsoft.com/office/drawing/2014/main" xmlns="" id="{4EB37A9A-DFAA-7946-88B2-AF1E3749D8A9}"/>
               </a:ext>
             </a:extLst>
           </p:cNvPr>
@@ -5070,7 +6660,7 @@
           <p:cNvPr id="3" name="Content Placeholder 2">
             <a:extLst>
               <a:ext uri="{FF2B5EF4-FFF2-40B4-BE49-F238E27FC236}">
-                <a16:creationId xmlns:a16="http://schemas.microsoft.com/office/drawing/2014/main" id="{9C0AA4F5-5A70-9948-B06A-CD63868A984C}"/>
+                <a16:creationId xmlns:a16="http://schemas.microsoft.com/office/drawing/2014/main" xmlns="" id="{9C0AA4F5-5A70-9948-B06A-CD63868A984C}"/>
               </a:ext>
             </a:extLst>
           </p:cNvPr>
@@ -5104,7 +6694,15 @@
           <a:p>
             <a:r>
               <a:rPr lang="en-US" dirty="0"/>
-              <a:t>Rabin-Karp* algorithm uses hash table to get speed up but still O(nm) worst-case; works for any substring not just words</a:t>
+              <a:t>Rabin-Karp* algorithm uses hash </a:t>
+            </a:r>
+            <a:r>
+              <a:rPr lang="en-US" dirty="0" smtClean="0"/>
+              <a:t>function to speed </a:t>
+            </a:r>
+            <a:r>
+              <a:rPr lang="en-US" dirty="0"/>
+              <a:t>up but still O(nm) worst-case; works for any substring not just words</a:t>
             </a:r>
           </a:p>
           <a:p>
@@ -5134,12 +6732,23 @@
             </a:r>
             <a:r>
               <a:rPr lang="en-US" dirty="0"/>
-              <a:t> from 0 to n-m</a:t>
-            </a:r>
-          </a:p>
-          <a:p>
+              <a:t> from 0 to </a:t>
+            </a:r>
+            <a:r>
+              <a:rPr lang="en-US" dirty="0" smtClean="0"/>
+              <a:t>n-m</a:t>
+            </a:r>
+          </a:p>
+          <a:p>
+            <a:r>
+              <a:rPr lang="en-US" dirty="0" smtClean="0"/>
+              <a:t>Key is to avoid comparing strings unless the hash codes match</a:t>
+            </a:r>
             <a:endParaRPr lang="en-US" dirty="0"/>
           </a:p>
+          <a:p>
+            <a:endParaRPr lang="en-US" dirty="0"/>
+          </a:p>
         </p:txBody>
       </p:sp>
       <p:sp>
@@ -5147,7 +6756,7 @@
           <p:cNvPr id="5" name="TextBox 4">
             <a:extLst>
               <a:ext uri="{FF2B5EF4-FFF2-40B4-BE49-F238E27FC236}">
-                <a16:creationId xmlns:a16="http://schemas.microsoft.com/office/drawing/2014/main" id="{4C9E2EBA-5391-654A-8F49-2D375A2B5F6A}"/>
+                <a16:creationId xmlns:a16="http://schemas.microsoft.com/office/drawing/2014/main" xmlns="" id="{4C9E2EBA-5391-654A-8F49-2D375A2B5F6A}"/>
               </a:ext>
             </a:extLst>
           </p:cNvPr>
@@ -5190,7 +6799,7 @@
     </p:spTree>
     <p:extLst>
       <p:ext uri="{BB962C8B-B14F-4D97-AF65-F5344CB8AC3E}">
-        <p14:creationId xmlns:p14="http://schemas.microsoft.com/office/powerpoint/2010/main" val="199048830"/>
+        <p14:creationId xmlns:p14="http://schemas.microsoft.com/office/powerpoint/2010/main" val="367160669"/>
       </p:ext>
     </p:extLst>
   </p:cSld>
@@ -5222,7 +6831,7 @@
           <p:cNvPr id="2" name="Title 1">
             <a:extLst>
               <a:ext uri="{FF2B5EF4-FFF2-40B4-BE49-F238E27FC236}">
-                <a16:creationId xmlns:a16="http://schemas.microsoft.com/office/drawing/2014/main" id="{A4EB9A59-6479-2A49-BA16-1514857AC95F}"/>
+                <a16:creationId xmlns:a16="http://schemas.microsoft.com/office/drawing/2014/main" xmlns="" id="{A4EB9A59-6479-2A49-BA16-1514857AC95F}"/>
               </a:ext>
             </a:extLst>
           </p:cNvPr>
@@ -5250,7 +6859,7 @@
           <p:cNvPr id="4" name="TextBox 3">
             <a:extLst>
               <a:ext uri="{FF2B5EF4-FFF2-40B4-BE49-F238E27FC236}">
-                <a16:creationId xmlns:a16="http://schemas.microsoft.com/office/drawing/2014/main" id="{2D135B6C-B890-1140-B2CE-91A97DAF6446}"/>
+                <a16:creationId xmlns:a16="http://schemas.microsoft.com/office/drawing/2014/main" xmlns="" id="{2D135B6C-B890-1140-B2CE-91A97DAF6446}"/>
               </a:ext>
             </a:extLst>
           </p:cNvPr>
@@ -5537,7 +7146,7 @@
           <p:cNvPr id="5" name="TextBox 4">
             <a:extLst>
               <a:ext uri="{FF2B5EF4-FFF2-40B4-BE49-F238E27FC236}">
-                <a16:creationId xmlns:a16="http://schemas.microsoft.com/office/drawing/2014/main" id="{53E89B64-E4C7-B349-8F4D-C096A24A66FC}"/>
+                <a16:creationId xmlns:a16="http://schemas.microsoft.com/office/drawing/2014/main" xmlns="" id="{53E89B64-E4C7-B349-8F4D-C096A24A66FC}"/>
               </a:ext>
             </a:extLst>
           </p:cNvPr>
@@ -5639,7 +7248,7 @@
           <p:cNvPr id="6" name="TextBox 5">
             <a:extLst>
               <a:ext uri="{FF2B5EF4-FFF2-40B4-BE49-F238E27FC236}">
-                <a16:creationId xmlns:a16="http://schemas.microsoft.com/office/drawing/2014/main" id="{3F40E21E-742A-B249-8ED2-E5ECCDA9F1F5}"/>
+                <a16:creationId xmlns:a16="http://schemas.microsoft.com/office/drawing/2014/main" xmlns="" id="{3F40E21E-742A-B249-8ED2-E5ECCDA9F1F5}"/>
               </a:ext>
             </a:extLst>
           </p:cNvPr>
@@ -5672,7 +7281,7 @@
     </p:spTree>
     <p:extLst>
       <p:ext uri="{BB962C8B-B14F-4D97-AF65-F5344CB8AC3E}">
-        <p14:creationId xmlns:p14="http://schemas.microsoft.com/office/powerpoint/2010/main" val="1260638181"/>
+        <p14:creationId xmlns:p14="http://schemas.microsoft.com/office/powerpoint/2010/main" val="1148846052"/>
       </p:ext>
     </p:extLst>
   </p:cSld>
@@ -5704,7 +7313,7 @@
           <p:cNvPr id="2" name="Title 1">
             <a:extLst>
               <a:ext uri="{FF2B5EF4-FFF2-40B4-BE49-F238E27FC236}">
-                <a16:creationId xmlns:a16="http://schemas.microsoft.com/office/drawing/2014/main" id="{607BE88F-AADC-BA4C-BF3B-E300F820ED32}"/>
+                <a16:creationId xmlns:a16="http://schemas.microsoft.com/office/drawing/2014/main" xmlns="" id="{607BE88F-AADC-BA4C-BF3B-E300F820ED32}"/>
               </a:ext>
             </a:extLst>
           </p:cNvPr>
@@ -5732,7 +7341,7 @@
           <p:cNvPr id="3" name="Content Placeholder 2">
             <a:extLst>
               <a:ext uri="{FF2B5EF4-FFF2-40B4-BE49-F238E27FC236}">
-                <a16:creationId xmlns:a16="http://schemas.microsoft.com/office/drawing/2014/main" id="{02F0A4A6-CB12-A24A-A35D-C94A020B3737}"/>
+                <a16:creationId xmlns:a16="http://schemas.microsoft.com/office/drawing/2014/main" xmlns="" id="{02F0A4A6-CB12-A24A-A35D-C94A020B3737}"/>
               </a:ext>
             </a:extLst>
           </p:cNvPr>
@@ -5786,7 +7395,15 @@
           <a:p>
             <a:r>
               <a:rPr lang="en-US" dirty="0"/>
-              <a:t>What if search string is very long? Can get expensive.</a:t>
+              <a:t>What if search string </a:t>
+            </a:r>
+            <a:r>
+              <a:rPr lang="en-US" dirty="0" smtClean="0"/>
+              <a:t>s is </a:t>
+            </a:r>
+            <a:r>
+              <a:rPr lang="en-US" dirty="0"/>
+              <a:t>very long? Can get expensive.</a:t>
             </a:r>
           </a:p>
           <a:p>
@@ -5806,7 +7423,15 @@
           <a:p>
             <a:r>
               <a:rPr lang="en-US" dirty="0"/>
-              <a:t>Yes. I claim we can do search for strings in doc in O(m) if we prepare a side data structure</a:t>
+              <a:t>Yes. I claim we can </a:t>
+            </a:r>
+            <a:r>
+              <a:rPr lang="en-US" dirty="0" smtClean="0"/>
+              <a:t>search </a:t>
+            </a:r>
+            <a:r>
+              <a:rPr lang="en-US" dirty="0"/>
+              <a:t>for strings in doc in O(m) if we prepare a side data structure</a:t>
             </a:r>
           </a:p>
           <a:p>
@@ -5820,7 +7445,7 @@
     </p:spTree>
     <p:extLst>
       <p:ext uri="{BB962C8B-B14F-4D97-AF65-F5344CB8AC3E}">
-        <p14:creationId xmlns:p14="http://schemas.microsoft.com/office/powerpoint/2010/main" val="1121790446"/>
+        <p14:creationId xmlns:p14="http://schemas.microsoft.com/office/powerpoint/2010/main" val="630125787"/>
       </p:ext>
     </p:extLst>
   </p:cSld>
@@ -5852,7 +7477,7 @@
           <p:cNvPr id="2" name="Title 1">
             <a:extLst>
               <a:ext uri="{FF2B5EF4-FFF2-40B4-BE49-F238E27FC236}">
-                <a16:creationId xmlns:a16="http://schemas.microsoft.com/office/drawing/2014/main" id="{CF41B61C-99D7-154B-9EBE-1EED80B410E3}"/>
+                <a16:creationId xmlns:a16="http://schemas.microsoft.com/office/drawing/2014/main" xmlns="" id="{CF41B61C-99D7-154B-9EBE-1EED80B410E3}"/>
               </a:ext>
             </a:extLst>
           </p:cNvPr>
@@ -5870,7 +7495,15 @@
           <a:p>
             <a:r>
               <a:rPr lang="en-US" dirty="0"/>
-              <a:t>Revisit nested bucket sort</a:t>
+              <a:t>Revisit </a:t>
+            </a:r>
+            <a:r>
+              <a:rPr lang="en-US" dirty="0" smtClean="0"/>
+              <a:t>recursive bucket </a:t>
+            </a:r>
+            <a:r>
+              <a:rPr lang="en-US" dirty="0"/>
+              <a:t>sort</a:t>
             </a:r>
           </a:p>
         </p:txBody>
@@ -5880,7 +7513,7 @@
           <p:cNvPr id="3" name="Content Placeholder 2">
             <a:extLst>
               <a:ext uri="{FF2B5EF4-FFF2-40B4-BE49-F238E27FC236}">
-                <a16:creationId xmlns:a16="http://schemas.microsoft.com/office/drawing/2014/main" id="{A7F6ED6B-73D0-064B-BCFD-979A3BDDFCAE}"/>
+                <a16:creationId xmlns:a16="http://schemas.microsoft.com/office/drawing/2014/main" xmlns="" id="{A7F6ED6B-73D0-064B-BCFD-979A3BDDFCAE}"/>
               </a:ext>
             </a:extLst>
           </p:cNvPr>
@@ -5940,8 +7573,19 @@
             </a:br>
             <a:r>
               <a:rPr lang="en-US" dirty="0"/>
-              <a:t>prefix, linearly search leaf</a:t>
-            </a:r>
+              <a:t>prefix, linearly search </a:t>
+            </a:r>
+            <a:r>
+              <a:rPr lang="en-US" dirty="0" smtClean="0"/>
+              <a:t>leaf</a:t>
+            </a:r>
+          </a:p>
+          <a:p>
+            <a:r>
+              <a:rPr lang="en-US" dirty="0" smtClean="0"/>
+              <a:t>The key tells us how to navigate</a:t>
+            </a:r>
+            <a:endParaRPr lang="en-US" dirty="0"/>
           </a:p>
           <a:p>
             <a:r>
@@ -5994,7 +7638,7 @@
           <p:cNvPr id="4" name="Picture 3">
             <a:extLst>
               <a:ext uri="{FF2B5EF4-FFF2-40B4-BE49-F238E27FC236}">
-                <a16:creationId xmlns:a16="http://schemas.microsoft.com/office/drawing/2014/main" id="{52DC0C7F-5F5D-B84C-AD5B-A5950F736CDF}"/>
+                <a16:creationId xmlns:a16="http://schemas.microsoft.com/office/drawing/2014/main" xmlns="" id="{52DC0C7F-5F5D-B84C-AD5B-A5950F736CDF}"/>
               </a:ext>
             </a:extLst>
           </p:cNvPr>
@@ -6024,7 +7668,7 @@
           <p:cNvPr id="5" name="TextBox 4">
             <a:extLst>
               <a:ext uri="{FF2B5EF4-FFF2-40B4-BE49-F238E27FC236}">
-                <a16:creationId xmlns:a16="http://schemas.microsoft.com/office/drawing/2014/main" id="{EE99548C-BBF5-2441-B596-130872DC60DB}"/>
+                <a16:creationId xmlns:a16="http://schemas.microsoft.com/office/drawing/2014/main" xmlns="" id="{EE99548C-BBF5-2441-B596-130872DC60DB}"/>
               </a:ext>
             </a:extLst>
           </p:cNvPr>
@@ -6033,7 +7677,7 @@
         </p:nvSpPr>
         <p:spPr>
           <a:xfrm>
-            <a:off x="2506894" y="5102847"/>
+            <a:off x="2506894" y="5615793"/>
             <a:ext cx="484428" cy="523220"/>
           </a:xfrm>
           <a:prstGeom prst="rect">
@@ -6057,7 +7701,7 @@
     </p:spTree>
     <p:extLst>
       <p:ext uri="{BB962C8B-B14F-4D97-AF65-F5344CB8AC3E}">
-        <p14:creationId xmlns:p14="http://schemas.microsoft.com/office/powerpoint/2010/main" val="3774975697"/>
+        <p14:creationId xmlns:p14="http://schemas.microsoft.com/office/powerpoint/2010/main" val="1282238752"/>
       </p:ext>
     </p:extLst>
   </p:cSld>
@@ -6400,7 +8044,7 @@
   <a:extraClrSchemeLst/>
   <a:extLst>
     <a:ext uri="{05A4C25C-085E-4340-85A3-A5531E510DB2}">
-      <thm15:themeFamily xmlns:thm15="http://schemas.microsoft.com/office/thememl/2012/main" name="usf" id="{9026025B-F60A-BA40-B70B-C88196358DB1}" vid="{B56B3E15-7133-F841-A967-F63A8598A4BC}"/>
+      <thm15:themeFamily xmlns:thm15="http://schemas.microsoft.com/office/thememl/2012/main" name="usf" id="{A291714E-D792-6043-B4EF-65EF2F87B769}" vid="{96EE3A04-EE60-9E4C-8038-064EAFFB504D}"/>
     </a:ext>
   </a:extLst>
 </a:theme>
@@ -6699,4 +8343,265 @@
     </a:ext>
   </a:extLst>
 </a:theme>
+</file>
+
+<file path=ppt/theme/theme3.xml><?xml version="1.0" encoding="utf-8"?>
+<a:theme xmlns:a="http://schemas.openxmlformats.org/drawingml/2006/main" name="Office Theme">
+  <a:themeElements>
+    <a:clrScheme name="Office">
+      <a:dk1>
+        <a:sysClr val="windowText" lastClr="000000"/>
+      </a:dk1>
+      <a:lt1>
+        <a:sysClr val="window" lastClr="FFFFFF"/>
+      </a:lt1>
+      <a:dk2>
+        <a:srgbClr val="44546A"/>
+      </a:dk2>
+      <a:lt2>
+        <a:srgbClr val="E7E6E6"/>
+      </a:lt2>
+      <a:accent1>
+        <a:srgbClr val="5B9BD5"/>
+      </a:accent1>
+      <a:accent2>
+        <a:srgbClr val="ED7D31"/>
+      </a:accent2>
+      <a:accent3>
+        <a:srgbClr val="A5A5A5"/>
+      </a:accent3>
+      <a:accent4>
+        <a:srgbClr val="FFC000"/>
+      </a:accent4>
+      <a:accent5>
+        <a:srgbClr val="4472C4"/>
+      </a:accent5>
+      <a:accent6>
+        <a:srgbClr val="70AD47"/>
+      </a:accent6>
+      <a:hlink>
+        <a:srgbClr val="0563C1"/>
+      </a:hlink>
+      <a:folHlink>
+        <a:srgbClr val="954F72"/>
+      </a:folHlink>
+    </a:clrScheme>
+    <a:fontScheme name="Office">
+      <a:majorFont>
+        <a:latin typeface="Calibri Light" panose="020F0302020204030204"/>
+        <a:ea typeface=""/>
+        <a:cs typeface=""/>
+        <a:font script="Jpan" typeface="Yu Gothic Light"/>
+        <a:font script="Hang" typeface="맑은 고딕"/>
+        <a:font script="Hans" typeface="DengXian Light"/>
+        <a:font script="Hant" typeface="新細明體"/>
+        <a:font script="Arab" typeface="Times New Roman"/>
+        <a:font script="Hebr" typeface="Times New Roman"/>
+        <a:font script="Thai" typeface="Angsana New"/>
+        <a:font script="Ethi" typeface="Nyala"/>
+        <a:font script="Beng" typeface="Vrinda"/>
+        <a:font script="Gujr" typeface="Shruti"/>
+        <a:font script="Khmr" typeface="MoolBoran"/>
+        <a:font script="Knda" typeface="Tunga"/>
+        <a:font script="Guru" typeface="Raavi"/>
+        <a:font script="Cans" typeface="Euphemia"/>
+        <a:font script="Cher" typeface="Plantagenet Cherokee"/>
+        <a:font script="Yiii" typeface="Microsoft Yi Baiti"/>
+        <a:font script="Tibt" typeface="Microsoft Himalaya"/>
+        <a:font script="Thaa" typeface="MV Boli"/>
+        <a:font script="Deva" typeface="Mangal"/>
+        <a:font script="Telu" typeface="Gautami"/>
+        <a:font script="Taml" typeface="Latha"/>
+        <a:font script="Syrc" typeface="Estrangelo Edessa"/>
+        <a:font script="Orya" typeface="Kalinga"/>
+        <a:font script="Mlym" typeface="Kartika"/>
+        <a:font script="Laoo" typeface="DokChampa"/>
+        <a:font script="Sinh" typeface="Iskoola Pota"/>
+        <a:font script="Mong" typeface="Mongolian Baiti"/>
+        <a:font script="Viet" typeface="Times New Roman"/>
+        <a:font script="Uigh" typeface="Microsoft Uighur"/>
+        <a:font script="Geor" typeface="Sylfaen"/>
+      </a:majorFont>
+      <a:minorFont>
+        <a:latin typeface="Calibri" panose="020F0502020204030204"/>
+        <a:ea typeface=""/>
+        <a:cs typeface=""/>
+        <a:font script="Jpan" typeface="Yu Gothic"/>
+        <a:font script="Hang" typeface="맑은 고딕"/>
+        <a:font script="Hans" typeface="DengXian"/>
+        <a:font script="Hant" typeface="新細明體"/>
+        <a:font script="Arab" typeface="Arial"/>
+        <a:font script="Hebr" typeface="Arial"/>
+        <a:font script="Thai" typeface="Cordia New"/>
+        <a:font script="Ethi" typeface="Nyala"/>
+        <a:font script="Beng" typeface="Vrinda"/>
+        <a:font script="Gujr" typeface="Shruti"/>
+        <a:font script="Khmr" typeface="DaunPenh"/>
+        <a:font script="Knda" typeface="Tunga"/>
+        <a:font script="Guru" typeface="Raavi"/>
+        <a:font script="Cans" typeface="Euphemia"/>
+        <a:font script="Cher" typeface="Plantagenet Cherokee"/>
+        <a:font script="Yiii" typeface="Microsoft Yi Baiti"/>
+        <a:font script="Tibt" typeface="Microsoft Himalaya"/>
+        <a:font script="Thaa" typeface="MV Boli"/>
+        <a:font script="Deva" typeface="Mangal"/>
+        <a:font script="Telu" typeface="Gautami"/>
+        <a:font script="Taml" typeface="Latha"/>
+        <a:font script="Syrc" typeface="Estrangelo Edessa"/>
+        <a:font script="Orya" typeface="Kalinga"/>
+        <a:font script="Mlym" typeface="Kartika"/>
+        <a:font script="Laoo" typeface="DokChampa"/>
+        <a:font script="Sinh" typeface="Iskoola Pota"/>
+        <a:font script="Mong" typeface="Mongolian Baiti"/>
+        <a:font script="Viet" typeface="Arial"/>
+        <a:font script="Uigh" typeface="Microsoft Uighur"/>
+        <a:font script="Geor" typeface="Sylfaen"/>
+      </a:minorFont>
+    </a:fontScheme>
+    <a:fmtScheme name="Office">
+      <a:fillStyleLst>
+        <a:solidFill>
+          <a:schemeClr val="phClr"/>
+        </a:solidFill>
+        <a:gradFill rotWithShape="1">
+          <a:gsLst>
+            <a:gs pos="0">
+              <a:schemeClr val="phClr">
+                <a:lumMod val="110000"/>
+                <a:satMod val="105000"/>
+                <a:tint val="67000"/>
+              </a:schemeClr>
+            </a:gs>
+            <a:gs pos="50000">
+              <a:schemeClr val="phClr">
+                <a:lumMod val="105000"/>
+                <a:satMod val="103000"/>
+                <a:tint val="73000"/>
+              </a:schemeClr>
+            </a:gs>
+            <a:gs pos="100000">
+              <a:schemeClr val="phClr">
+                <a:lumMod val="105000"/>
+                <a:satMod val="109000"/>
+                <a:tint val="81000"/>
+              </a:schemeClr>
+            </a:gs>
+          </a:gsLst>
+          <a:lin ang="5400000" scaled="0"/>
+        </a:gradFill>
+        <a:gradFill rotWithShape="1">
+          <a:gsLst>
+            <a:gs pos="0">
+              <a:schemeClr val="phClr">
+                <a:satMod val="103000"/>
+                <a:lumMod val="102000"/>
+                <a:tint val="94000"/>
+              </a:schemeClr>
+            </a:gs>
+            <a:gs pos="50000">
+              <a:schemeClr val="phClr">
+                <a:satMod val="110000"/>
+                <a:lumMod val="100000"/>
+                <a:shade val="100000"/>
+              </a:schemeClr>
+            </a:gs>
+            <a:gs pos="100000">
+              <a:schemeClr val="phClr">
+                <a:lumMod val="99000"/>
+                <a:satMod val="120000"/>
+                <a:shade val="78000"/>
+              </a:schemeClr>
+            </a:gs>
+          </a:gsLst>
+          <a:lin ang="5400000" scaled="0"/>
+        </a:gradFill>
+      </a:fillStyleLst>
+      <a:lnStyleLst>
+        <a:ln w="6350" cap="flat" cmpd="sng" algn="ctr">
+          <a:solidFill>
+            <a:schemeClr val="phClr"/>
+          </a:solidFill>
+          <a:prstDash val="solid"/>
+          <a:miter lim="800000"/>
+        </a:ln>
+        <a:ln w="12700" cap="flat" cmpd="sng" algn="ctr">
+          <a:solidFill>
+            <a:schemeClr val="phClr"/>
+          </a:solidFill>
+          <a:prstDash val="solid"/>
+          <a:miter lim="800000"/>
+        </a:ln>
+        <a:ln w="19050" cap="flat" cmpd="sng" algn="ctr">
+          <a:solidFill>
+            <a:schemeClr val="phClr"/>
+          </a:solidFill>
+          <a:prstDash val="solid"/>
+          <a:miter lim="800000"/>
+        </a:ln>
+      </a:lnStyleLst>
+      <a:effectStyleLst>
+        <a:effectStyle>
+          <a:effectLst/>
+        </a:effectStyle>
+        <a:effectStyle>
+          <a:effectLst/>
+        </a:effectStyle>
+        <a:effectStyle>
+          <a:effectLst>
+            <a:outerShdw blurRad="57150" dist="19050" dir="5400000" algn="ctr" rotWithShape="0">
+              <a:srgbClr val="000000">
+                <a:alpha val="63000"/>
+              </a:srgbClr>
+            </a:outerShdw>
+          </a:effectLst>
+        </a:effectStyle>
+      </a:effectStyleLst>
+      <a:bgFillStyleLst>
+        <a:solidFill>
+          <a:schemeClr val="phClr"/>
+        </a:solidFill>
+        <a:solidFill>
+          <a:schemeClr val="phClr">
+            <a:tint val="95000"/>
+            <a:satMod val="170000"/>
+          </a:schemeClr>
+        </a:solidFill>
+        <a:gradFill rotWithShape="1">
+          <a:gsLst>
+            <a:gs pos="0">
+              <a:schemeClr val="phClr">
+                <a:tint val="93000"/>
+                <a:satMod val="150000"/>
+                <a:shade val="98000"/>
+                <a:lumMod val="102000"/>
+              </a:schemeClr>
+            </a:gs>
+            <a:gs pos="50000">
+              <a:schemeClr val="phClr">
+                <a:tint val="98000"/>
+                <a:satMod val="130000"/>
+                <a:shade val="90000"/>
+                <a:lumMod val="103000"/>
+              </a:schemeClr>
+            </a:gs>
+            <a:gs pos="100000">
+              <a:schemeClr val="phClr">
+                <a:shade val="63000"/>
+                <a:satMod val="120000"/>
+              </a:schemeClr>
+            </a:gs>
+          </a:gsLst>
+          <a:lin ang="5400000" scaled="0"/>
+        </a:gradFill>
+      </a:bgFillStyleLst>
+    </a:fmtScheme>
+  </a:themeElements>
+  <a:objectDefaults/>
+  <a:extraClrSchemeLst/>
+  <a:extLst>
+    <a:ext uri="{05A4C25C-085E-4340-85A3-A5531E510DB2}">
+      <thm15:themeFamily xmlns:thm15="http://schemas.microsoft.com/office/thememl/2012/main" name="Office Theme" id="{62F939B6-93AF-4DB8-9C6B-D6C7DFDC589F}" vid="{4A3C46E8-61CC-4603-A589-7422A47A8E4A}"/>
+    </a:ext>
+  </a:extLst>
+</a:theme>
 </file>
--- a/notes/searching.pptx
+++ b/notes/searching.pptx
@@ -5,10 +5,10 @@
     <p:sldMasterId id="2147483672" r:id="rId1"/>
   </p:sldMasterIdLst>
   <p:notesMasterIdLst>
-    <p:notesMasterId r:id="rId15"/>
+    <p:notesMasterId r:id="rId21"/>
   </p:notesMasterIdLst>
   <p:handoutMasterIdLst>
-    <p:handoutMasterId r:id="rId16"/>
+    <p:handoutMasterId r:id="rId22"/>
   </p:handoutMasterIdLst>
   <p:sldIdLst>
     <p:sldId id="289" r:id="rId2"/>
@@ -24,6 +24,12 @@
     <p:sldId id="299" r:id="rId12"/>
     <p:sldId id="300" r:id="rId13"/>
     <p:sldId id="301" r:id="rId14"/>
+    <p:sldId id="302" r:id="rId15"/>
+    <p:sldId id="303" r:id="rId16"/>
+    <p:sldId id="304" r:id="rId17"/>
+    <p:sldId id="305" r:id="rId18"/>
+    <p:sldId id="306" r:id="rId19"/>
+    <p:sldId id="307" r:id="rId20"/>
   </p:sldIdLst>
   <p:sldSz cx="12192000" cy="6858000"/>
   <p:notesSz cx="9144000" cy="6858000"/>
@@ -218,7 +224,7 @@
           <a:p>
             <a:fld id="{8A1B613A-EFF1-404F-BEE8-EFAE84A4E5E2}" type="datetimeFigureOut">
               <a:rPr lang="en-US" smtClean="0"/>
-              <a:t>2/20/19</a:t>
+              <a:t>2/21/19</a:t>
             </a:fld>
             <a:endParaRPr lang="en-US"/>
           </a:p>
@@ -383,7 +389,7 @@
           <a:p>
             <a:fld id="{690847EA-AC25-3D4E-89E1-FD3F6A9702B6}" type="datetimeFigureOut">
               <a:rPr lang="en-US" smtClean="0"/>
-              <a:t>2/20/19</a:t>
+              <a:t>2/21/19</a:t>
             </a:fld>
             <a:endParaRPr lang="en-US"/>
           </a:p>
@@ -672,7 +678,7 @@
           <p:cNvPr id="2" name="Title 1">
             <a:extLst>
               <a:ext uri="{FF2B5EF4-FFF2-40B4-BE49-F238E27FC236}">
-                <a16:creationId xmlns="" xmlns:a16="http://schemas.microsoft.com/office/drawing/2014/main" id="{FCECE00E-B2E2-4D43-8A21-E17BBDC017E1}"/>
+                <a16:creationId xmlns:a16="http://schemas.microsoft.com/office/drawing/2014/main" id="{FCECE00E-B2E2-4D43-8A21-E17BBDC017E1}"/>
               </a:ext>
             </a:extLst>
           </p:cNvPr>
@@ -698,10 +704,9 @@
           </a:lstStyle>
           <a:p>
             <a:r>
-              <a:rPr lang="en-US" smtClean="0"/>
+              <a:rPr lang="en-US"/>
               <a:t>Click to edit Master title style</a:t>
             </a:r>
-            <a:endParaRPr lang="en-US"/>
           </a:p>
         </p:txBody>
       </p:sp>
@@ -710,7 +715,7 @@
           <p:cNvPr id="3" name="Subtitle 2">
             <a:extLst>
               <a:ext uri="{FF2B5EF4-FFF2-40B4-BE49-F238E27FC236}">
-                <a16:creationId xmlns="" xmlns:a16="http://schemas.microsoft.com/office/drawing/2014/main" id="{0C4C7E7C-3478-264C-BF00-D75996D63509}"/>
+                <a16:creationId xmlns:a16="http://schemas.microsoft.com/office/drawing/2014/main" id="{0C4C7E7C-3478-264C-BF00-D75996D63509}"/>
               </a:ext>
             </a:extLst>
           </p:cNvPr>
@@ -769,10 +774,9 @@
           </a:lstStyle>
           <a:p>
             <a:r>
-              <a:rPr lang="en-US" smtClean="0"/>
+              <a:rPr lang="en-US"/>
               <a:t>Click to edit Master subtitle style</a:t>
             </a:r>
-            <a:endParaRPr lang="en-US"/>
           </a:p>
         </p:txBody>
       </p:sp>
@@ -781,7 +785,7 @@
           <p:cNvPr id="4" name="Date Placeholder 3">
             <a:extLst>
               <a:ext uri="{FF2B5EF4-FFF2-40B4-BE49-F238E27FC236}">
-                <a16:creationId xmlns="" xmlns:a16="http://schemas.microsoft.com/office/drawing/2014/main" id="{64E1EB94-602A-4843-8753-4DB51430704B}"/>
+                <a16:creationId xmlns:a16="http://schemas.microsoft.com/office/drawing/2014/main" id="{64E1EB94-602A-4843-8753-4DB51430704B}"/>
               </a:ext>
             </a:extLst>
           </p:cNvPr>
@@ -799,7 +803,7 @@
           <a:p>
             <a:fld id="{BE5295ED-3BAF-1140-8495-3D368771D6B1}" type="datetimeFigureOut">
               <a:rPr lang="en-US" smtClean="0"/>
-              <a:t>2/20/19</a:t>
+              <a:t>2/21/19</a:t>
             </a:fld>
             <a:endParaRPr lang="en-US"/>
           </a:p>
@@ -810,7 +814,7 @@
           <p:cNvPr id="5" name="Footer Placeholder 4">
             <a:extLst>
               <a:ext uri="{FF2B5EF4-FFF2-40B4-BE49-F238E27FC236}">
-                <a16:creationId xmlns="" xmlns:a16="http://schemas.microsoft.com/office/drawing/2014/main" id="{FF136E26-0E46-B848-BBFC-A0D2BFA17F33}"/>
+                <a16:creationId xmlns:a16="http://schemas.microsoft.com/office/drawing/2014/main" id="{FF136E26-0E46-B848-BBFC-A0D2BFA17F33}"/>
               </a:ext>
             </a:extLst>
           </p:cNvPr>
@@ -835,7 +839,7 @@
           <p:cNvPr id="6" name="Slide Number Placeholder 5">
             <a:extLst>
               <a:ext uri="{FF2B5EF4-FFF2-40B4-BE49-F238E27FC236}">
-                <a16:creationId xmlns="" xmlns:a16="http://schemas.microsoft.com/office/drawing/2014/main" id="{CEAD4217-442E-6C4A-8D0F-CADFE9EACB6D}"/>
+                <a16:creationId xmlns:a16="http://schemas.microsoft.com/office/drawing/2014/main" id="{CEAD4217-442E-6C4A-8D0F-CADFE9EACB6D}"/>
               </a:ext>
             </a:extLst>
           </p:cNvPr>
@@ -894,7 +898,7 @@
           <p:cNvPr id="2" name="Title 1">
             <a:extLst>
               <a:ext uri="{FF2B5EF4-FFF2-40B4-BE49-F238E27FC236}">
-                <a16:creationId xmlns="" xmlns:a16="http://schemas.microsoft.com/office/drawing/2014/main" id="{F416C72F-B1B5-6442-B3EF-170DEDF83067}"/>
+                <a16:creationId xmlns:a16="http://schemas.microsoft.com/office/drawing/2014/main" id="{F416C72F-B1B5-6442-B3EF-170DEDF83067}"/>
               </a:ext>
             </a:extLst>
           </p:cNvPr>
@@ -911,10 +915,9 @@
           <a:lstStyle/>
           <a:p>
             <a:r>
-              <a:rPr lang="en-US" smtClean="0"/>
+              <a:rPr lang="en-US"/>
               <a:t>Click to edit Master title style</a:t>
             </a:r>
-            <a:endParaRPr lang="en-US"/>
           </a:p>
         </p:txBody>
       </p:sp>
@@ -923,7 +926,7 @@
           <p:cNvPr id="3" name="Vertical Text Placeholder 2">
             <a:extLst>
               <a:ext uri="{FF2B5EF4-FFF2-40B4-BE49-F238E27FC236}">
-                <a16:creationId xmlns="" xmlns:a16="http://schemas.microsoft.com/office/drawing/2014/main" id="{19182C6A-7EA1-C840-86BB-65DF578F4F4B}"/>
+                <a16:creationId xmlns:a16="http://schemas.microsoft.com/office/drawing/2014/main" id="{19182C6A-7EA1-C840-86BB-65DF578F4F4B}"/>
               </a:ext>
             </a:extLst>
           </p:cNvPr>
@@ -941,38 +944,37 @@
           <a:p>
             <a:pPr lvl="0"/>
             <a:r>
-              <a:rPr lang="en-US" smtClean="0"/>
+              <a:rPr lang="en-US"/>
               <a:t>Click to edit Master text styles</a:t>
             </a:r>
           </a:p>
           <a:p>
             <a:pPr lvl="1"/>
             <a:r>
-              <a:rPr lang="en-US" smtClean="0"/>
+              <a:rPr lang="en-US"/>
               <a:t>Second level</a:t>
             </a:r>
           </a:p>
           <a:p>
             <a:pPr lvl="2"/>
             <a:r>
-              <a:rPr lang="en-US" smtClean="0"/>
+              <a:rPr lang="en-US"/>
               <a:t>Third level</a:t>
             </a:r>
           </a:p>
           <a:p>
             <a:pPr lvl="3"/>
             <a:r>
-              <a:rPr lang="en-US" smtClean="0"/>
+              <a:rPr lang="en-US"/>
               <a:t>Fourth level</a:t>
             </a:r>
           </a:p>
           <a:p>
             <a:pPr lvl="4"/>
             <a:r>
-              <a:rPr lang="en-US" smtClean="0"/>
+              <a:rPr lang="en-US"/>
               <a:t>Fifth level</a:t>
             </a:r>
-            <a:endParaRPr lang="en-US"/>
           </a:p>
         </p:txBody>
       </p:sp>
@@ -981,7 +983,7 @@
           <p:cNvPr id="4" name="Date Placeholder 3">
             <a:extLst>
               <a:ext uri="{FF2B5EF4-FFF2-40B4-BE49-F238E27FC236}">
-                <a16:creationId xmlns="" xmlns:a16="http://schemas.microsoft.com/office/drawing/2014/main" id="{DBCD3C4B-E6D4-B140-8126-90FD013DE38A}"/>
+                <a16:creationId xmlns:a16="http://schemas.microsoft.com/office/drawing/2014/main" id="{DBCD3C4B-E6D4-B140-8126-90FD013DE38A}"/>
               </a:ext>
             </a:extLst>
           </p:cNvPr>
@@ -999,7 +1001,7 @@
           <a:p>
             <a:fld id="{BE5295ED-3BAF-1140-8495-3D368771D6B1}" type="datetimeFigureOut">
               <a:rPr lang="en-US" smtClean="0"/>
-              <a:t>2/20/19</a:t>
+              <a:t>2/21/19</a:t>
             </a:fld>
             <a:endParaRPr lang="en-US"/>
           </a:p>
@@ -1010,7 +1012,7 @@
           <p:cNvPr id="5" name="Footer Placeholder 4">
             <a:extLst>
               <a:ext uri="{FF2B5EF4-FFF2-40B4-BE49-F238E27FC236}">
-                <a16:creationId xmlns="" xmlns:a16="http://schemas.microsoft.com/office/drawing/2014/main" id="{E26FD8A5-25AB-2742-9333-F1864AA98C6D}"/>
+                <a16:creationId xmlns:a16="http://schemas.microsoft.com/office/drawing/2014/main" id="{E26FD8A5-25AB-2742-9333-F1864AA98C6D}"/>
               </a:ext>
             </a:extLst>
           </p:cNvPr>
@@ -1035,7 +1037,7 @@
           <p:cNvPr id="6" name="Slide Number Placeholder 5">
             <a:extLst>
               <a:ext uri="{FF2B5EF4-FFF2-40B4-BE49-F238E27FC236}">
-                <a16:creationId xmlns="" xmlns:a16="http://schemas.microsoft.com/office/drawing/2014/main" id="{B4FFBFCA-F2F7-544E-BB46-A887273990B8}"/>
+                <a16:creationId xmlns:a16="http://schemas.microsoft.com/office/drawing/2014/main" id="{B4FFBFCA-F2F7-544E-BB46-A887273990B8}"/>
               </a:ext>
             </a:extLst>
           </p:cNvPr>
@@ -1094,7 +1096,7 @@
           <p:cNvPr id="2" name="Vertical Title 1">
             <a:extLst>
               <a:ext uri="{FF2B5EF4-FFF2-40B4-BE49-F238E27FC236}">
-                <a16:creationId xmlns="" xmlns:a16="http://schemas.microsoft.com/office/drawing/2014/main" id="{A54E5286-71CD-184D-922F-2C587370C871}"/>
+                <a16:creationId xmlns:a16="http://schemas.microsoft.com/office/drawing/2014/main" id="{A54E5286-71CD-184D-922F-2C587370C871}"/>
               </a:ext>
             </a:extLst>
           </p:cNvPr>
@@ -1116,10 +1118,9 @@
           <a:lstStyle/>
           <a:p>
             <a:r>
-              <a:rPr lang="en-US" smtClean="0"/>
+              <a:rPr lang="en-US"/>
               <a:t>Click to edit Master title style</a:t>
             </a:r>
-            <a:endParaRPr lang="en-US"/>
           </a:p>
         </p:txBody>
       </p:sp>
@@ -1128,7 +1129,7 @@
           <p:cNvPr id="3" name="Vertical Text Placeholder 2">
             <a:extLst>
               <a:ext uri="{FF2B5EF4-FFF2-40B4-BE49-F238E27FC236}">
-                <a16:creationId xmlns="" xmlns:a16="http://schemas.microsoft.com/office/drawing/2014/main" id="{8E6C93D7-83D1-8740-A256-2B405524A089}"/>
+                <a16:creationId xmlns:a16="http://schemas.microsoft.com/office/drawing/2014/main" id="{8E6C93D7-83D1-8740-A256-2B405524A089}"/>
               </a:ext>
             </a:extLst>
           </p:cNvPr>
@@ -1151,38 +1152,37 @@
           <a:p>
             <a:pPr lvl="0"/>
             <a:r>
-              <a:rPr lang="en-US" smtClean="0"/>
+              <a:rPr lang="en-US"/>
               <a:t>Click to edit Master text styles</a:t>
             </a:r>
           </a:p>
           <a:p>
             <a:pPr lvl="1"/>
             <a:r>
-              <a:rPr lang="en-US" smtClean="0"/>
+              <a:rPr lang="en-US"/>
               <a:t>Second level</a:t>
             </a:r>
           </a:p>
           <a:p>
             <a:pPr lvl="2"/>
             <a:r>
-              <a:rPr lang="en-US" smtClean="0"/>
+              <a:rPr lang="en-US"/>
               <a:t>Third level</a:t>
             </a:r>
           </a:p>
           <a:p>
             <a:pPr lvl="3"/>
             <a:r>
-              <a:rPr lang="en-US" smtClean="0"/>
+              <a:rPr lang="en-US"/>
               <a:t>Fourth level</a:t>
             </a:r>
           </a:p>
           <a:p>
             <a:pPr lvl="4"/>
             <a:r>
-              <a:rPr lang="en-US" smtClean="0"/>
+              <a:rPr lang="en-US"/>
               <a:t>Fifth level</a:t>
             </a:r>
-            <a:endParaRPr lang="en-US"/>
           </a:p>
         </p:txBody>
       </p:sp>
@@ -1191,7 +1191,7 @@
           <p:cNvPr id="4" name="Date Placeholder 3">
             <a:extLst>
               <a:ext uri="{FF2B5EF4-FFF2-40B4-BE49-F238E27FC236}">
-                <a16:creationId xmlns="" xmlns:a16="http://schemas.microsoft.com/office/drawing/2014/main" id="{C7CCB8DC-90E9-1D49-B70B-5103FBBD3972}"/>
+                <a16:creationId xmlns:a16="http://schemas.microsoft.com/office/drawing/2014/main" id="{C7CCB8DC-90E9-1D49-B70B-5103FBBD3972}"/>
               </a:ext>
             </a:extLst>
           </p:cNvPr>
@@ -1209,7 +1209,7 @@
           <a:p>
             <a:fld id="{BE5295ED-3BAF-1140-8495-3D368771D6B1}" type="datetimeFigureOut">
               <a:rPr lang="en-US" smtClean="0"/>
-              <a:t>2/20/19</a:t>
+              <a:t>2/21/19</a:t>
             </a:fld>
             <a:endParaRPr lang="en-US"/>
           </a:p>
@@ -1220,7 +1220,7 @@
           <p:cNvPr id="5" name="Footer Placeholder 4">
             <a:extLst>
               <a:ext uri="{FF2B5EF4-FFF2-40B4-BE49-F238E27FC236}">
-                <a16:creationId xmlns="" xmlns:a16="http://schemas.microsoft.com/office/drawing/2014/main" id="{0997D847-8768-9843-9B66-E6B3989BA3D2}"/>
+                <a16:creationId xmlns:a16="http://schemas.microsoft.com/office/drawing/2014/main" id="{0997D847-8768-9843-9B66-E6B3989BA3D2}"/>
               </a:ext>
             </a:extLst>
           </p:cNvPr>
@@ -1245,7 +1245,7 @@
           <p:cNvPr id="6" name="Slide Number Placeholder 5">
             <a:extLst>
               <a:ext uri="{FF2B5EF4-FFF2-40B4-BE49-F238E27FC236}">
-                <a16:creationId xmlns="" xmlns:a16="http://schemas.microsoft.com/office/drawing/2014/main" id="{8E82CB94-E0A6-3E47-9F30-8DEB64C2027C}"/>
+                <a16:creationId xmlns:a16="http://schemas.microsoft.com/office/drawing/2014/main" id="{8E82CB94-E0A6-3E47-9F30-8DEB64C2027C}"/>
               </a:ext>
             </a:extLst>
           </p:cNvPr>
@@ -1304,7 +1304,7 @@
           <p:cNvPr id="2" name="Title 1">
             <a:extLst>
               <a:ext uri="{FF2B5EF4-FFF2-40B4-BE49-F238E27FC236}">
-                <a16:creationId xmlns="" xmlns:a16="http://schemas.microsoft.com/office/drawing/2014/main" id="{B8842375-E5EF-4D4E-AFD0-A94090E7DB29}"/>
+                <a16:creationId xmlns:a16="http://schemas.microsoft.com/office/drawing/2014/main" id="{B8842375-E5EF-4D4E-AFD0-A94090E7DB29}"/>
               </a:ext>
             </a:extLst>
           </p:cNvPr>
@@ -1321,10 +1321,9 @@
           <a:lstStyle/>
           <a:p>
             <a:r>
-              <a:rPr lang="en-US" smtClean="0"/>
+              <a:rPr lang="en-US"/>
               <a:t>Click to edit Master title style</a:t>
             </a:r>
-            <a:endParaRPr lang="en-US"/>
           </a:p>
         </p:txBody>
       </p:sp>
@@ -1333,7 +1332,7 @@
           <p:cNvPr id="3" name="Content Placeholder 2">
             <a:extLst>
               <a:ext uri="{FF2B5EF4-FFF2-40B4-BE49-F238E27FC236}">
-                <a16:creationId xmlns="" xmlns:a16="http://schemas.microsoft.com/office/drawing/2014/main" id="{F366F610-FF9B-2A4B-8E35-314B0D78D9D8}"/>
+                <a16:creationId xmlns:a16="http://schemas.microsoft.com/office/drawing/2014/main" id="{F366F610-FF9B-2A4B-8E35-314B0D78D9D8}"/>
               </a:ext>
             </a:extLst>
           </p:cNvPr>
@@ -1351,38 +1350,37 @@
           <a:p>
             <a:pPr lvl="0"/>
             <a:r>
-              <a:rPr lang="en-US" smtClean="0"/>
+              <a:rPr lang="en-US"/>
               <a:t>Click to edit Master text styles</a:t>
             </a:r>
           </a:p>
           <a:p>
             <a:pPr lvl="1"/>
             <a:r>
-              <a:rPr lang="en-US" smtClean="0"/>
+              <a:rPr lang="en-US"/>
               <a:t>Second level</a:t>
             </a:r>
           </a:p>
           <a:p>
             <a:pPr lvl="2"/>
             <a:r>
-              <a:rPr lang="en-US" smtClean="0"/>
+              <a:rPr lang="en-US"/>
               <a:t>Third level</a:t>
             </a:r>
           </a:p>
           <a:p>
             <a:pPr lvl="3"/>
             <a:r>
-              <a:rPr lang="en-US" smtClean="0"/>
+              <a:rPr lang="en-US"/>
               <a:t>Fourth level</a:t>
             </a:r>
           </a:p>
           <a:p>
             <a:pPr lvl="4"/>
             <a:r>
-              <a:rPr lang="en-US" smtClean="0"/>
+              <a:rPr lang="en-US"/>
               <a:t>Fifth level</a:t>
             </a:r>
-            <a:endParaRPr lang="en-US"/>
           </a:p>
         </p:txBody>
       </p:sp>
@@ -1391,7 +1389,7 @@
           <p:cNvPr id="4" name="Date Placeholder 3">
             <a:extLst>
               <a:ext uri="{FF2B5EF4-FFF2-40B4-BE49-F238E27FC236}">
-                <a16:creationId xmlns="" xmlns:a16="http://schemas.microsoft.com/office/drawing/2014/main" id="{1561E808-F7D2-E84B-8CD4-83F18272EA72}"/>
+                <a16:creationId xmlns:a16="http://schemas.microsoft.com/office/drawing/2014/main" id="{1561E808-F7D2-E84B-8CD4-83F18272EA72}"/>
               </a:ext>
             </a:extLst>
           </p:cNvPr>
@@ -1409,7 +1407,7 @@
           <a:p>
             <a:fld id="{BE5295ED-3BAF-1140-8495-3D368771D6B1}" type="datetimeFigureOut">
               <a:rPr lang="en-US" smtClean="0"/>
-              <a:t>2/20/19</a:t>
+              <a:t>2/21/19</a:t>
             </a:fld>
             <a:endParaRPr lang="en-US"/>
           </a:p>
@@ -1420,7 +1418,7 @@
           <p:cNvPr id="5" name="Footer Placeholder 4">
             <a:extLst>
               <a:ext uri="{FF2B5EF4-FFF2-40B4-BE49-F238E27FC236}">
-                <a16:creationId xmlns="" xmlns:a16="http://schemas.microsoft.com/office/drawing/2014/main" id="{7B3AD9A1-B1EC-984E-A23E-0ECF6F652482}"/>
+                <a16:creationId xmlns:a16="http://schemas.microsoft.com/office/drawing/2014/main" id="{7B3AD9A1-B1EC-984E-A23E-0ECF6F652482}"/>
               </a:ext>
             </a:extLst>
           </p:cNvPr>
@@ -1445,7 +1443,7 @@
           <p:cNvPr id="6" name="Slide Number Placeholder 5">
             <a:extLst>
               <a:ext uri="{FF2B5EF4-FFF2-40B4-BE49-F238E27FC236}">
-                <a16:creationId xmlns="" xmlns:a16="http://schemas.microsoft.com/office/drawing/2014/main" id="{01BFD94D-9604-2A43-AADF-14B0876B6EBB}"/>
+                <a16:creationId xmlns:a16="http://schemas.microsoft.com/office/drawing/2014/main" id="{01BFD94D-9604-2A43-AADF-14B0876B6EBB}"/>
               </a:ext>
             </a:extLst>
           </p:cNvPr>
@@ -1504,7 +1502,7 @@
           <p:cNvPr id="2" name="Title 1">
             <a:extLst>
               <a:ext uri="{FF2B5EF4-FFF2-40B4-BE49-F238E27FC236}">
-                <a16:creationId xmlns="" xmlns:a16="http://schemas.microsoft.com/office/drawing/2014/main" id="{771589AC-2242-B445-BBEA-95D500596EE6}"/>
+                <a16:creationId xmlns:a16="http://schemas.microsoft.com/office/drawing/2014/main" id="{771589AC-2242-B445-BBEA-95D500596EE6}"/>
               </a:ext>
             </a:extLst>
           </p:cNvPr>
@@ -1530,10 +1528,9 @@
           </a:lstStyle>
           <a:p>
             <a:r>
-              <a:rPr lang="en-US" smtClean="0"/>
+              <a:rPr lang="en-US"/>
               <a:t>Click to edit Master title style</a:t>
             </a:r>
-            <a:endParaRPr lang="en-US"/>
           </a:p>
         </p:txBody>
       </p:sp>
@@ -1542,7 +1539,7 @@
           <p:cNvPr id="3" name="Text Placeholder 2">
             <a:extLst>
               <a:ext uri="{FF2B5EF4-FFF2-40B4-BE49-F238E27FC236}">
-                <a16:creationId xmlns="" xmlns:a16="http://schemas.microsoft.com/office/drawing/2014/main" id="{255D194C-D171-4B45-BA38-8D16CD1C3449}"/>
+                <a16:creationId xmlns:a16="http://schemas.microsoft.com/office/drawing/2014/main" id="{255D194C-D171-4B45-BA38-8D16CD1C3449}"/>
               </a:ext>
             </a:extLst>
           </p:cNvPr>
@@ -1656,7 +1653,7 @@
           <a:p>
             <a:pPr lvl="0"/>
             <a:r>
-              <a:rPr lang="en-US" smtClean="0"/>
+              <a:rPr lang="en-US"/>
               <a:t>Click to edit Master text styles</a:t>
             </a:r>
           </a:p>
@@ -1667,7 +1664,7 @@
           <p:cNvPr id="4" name="Date Placeholder 3">
             <a:extLst>
               <a:ext uri="{FF2B5EF4-FFF2-40B4-BE49-F238E27FC236}">
-                <a16:creationId xmlns="" xmlns:a16="http://schemas.microsoft.com/office/drawing/2014/main" id="{68A38244-2F9E-AB4A-B300-488462389FF9}"/>
+                <a16:creationId xmlns:a16="http://schemas.microsoft.com/office/drawing/2014/main" id="{68A38244-2F9E-AB4A-B300-488462389FF9}"/>
               </a:ext>
             </a:extLst>
           </p:cNvPr>
@@ -1685,7 +1682,7 @@
           <a:p>
             <a:fld id="{BE5295ED-3BAF-1140-8495-3D368771D6B1}" type="datetimeFigureOut">
               <a:rPr lang="en-US" smtClean="0"/>
-              <a:t>2/20/19</a:t>
+              <a:t>2/21/19</a:t>
             </a:fld>
             <a:endParaRPr lang="en-US"/>
           </a:p>
@@ -1696,7 +1693,7 @@
           <p:cNvPr id="5" name="Footer Placeholder 4">
             <a:extLst>
               <a:ext uri="{FF2B5EF4-FFF2-40B4-BE49-F238E27FC236}">
-                <a16:creationId xmlns="" xmlns:a16="http://schemas.microsoft.com/office/drawing/2014/main" id="{B33A7B5A-1475-C94F-AD18-1726D2BA89C2}"/>
+                <a16:creationId xmlns:a16="http://schemas.microsoft.com/office/drawing/2014/main" id="{B33A7B5A-1475-C94F-AD18-1726D2BA89C2}"/>
               </a:ext>
             </a:extLst>
           </p:cNvPr>
@@ -1721,7 +1718,7 @@
           <p:cNvPr id="6" name="Slide Number Placeholder 5">
             <a:extLst>
               <a:ext uri="{FF2B5EF4-FFF2-40B4-BE49-F238E27FC236}">
-                <a16:creationId xmlns="" xmlns:a16="http://schemas.microsoft.com/office/drawing/2014/main" id="{8069DDF6-CCE5-3946-8A72-14D318AB4D22}"/>
+                <a16:creationId xmlns:a16="http://schemas.microsoft.com/office/drawing/2014/main" id="{8069DDF6-CCE5-3946-8A72-14D318AB4D22}"/>
               </a:ext>
             </a:extLst>
           </p:cNvPr>
@@ -1780,7 +1777,7 @@
           <p:cNvPr id="2" name="Title 1">
             <a:extLst>
               <a:ext uri="{FF2B5EF4-FFF2-40B4-BE49-F238E27FC236}">
-                <a16:creationId xmlns="" xmlns:a16="http://schemas.microsoft.com/office/drawing/2014/main" id="{AC1D2791-2196-8F4F-AD62-59B19A8810A3}"/>
+                <a16:creationId xmlns:a16="http://schemas.microsoft.com/office/drawing/2014/main" id="{AC1D2791-2196-8F4F-AD62-59B19A8810A3}"/>
               </a:ext>
             </a:extLst>
           </p:cNvPr>
@@ -1797,10 +1794,9 @@
           <a:lstStyle/>
           <a:p>
             <a:r>
-              <a:rPr lang="en-US" smtClean="0"/>
+              <a:rPr lang="en-US"/>
               <a:t>Click to edit Master title style</a:t>
             </a:r>
-            <a:endParaRPr lang="en-US"/>
           </a:p>
         </p:txBody>
       </p:sp>
@@ -1809,7 +1805,7 @@
           <p:cNvPr id="3" name="Content Placeholder 2">
             <a:extLst>
               <a:ext uri="{FF2B5EF4-FFF2-40B4-BE49-F238E27FC236}">
-                <a16:creationId xmlns="" xmlns:a16="http://schemas.microsoft.com/office/drawing/2014/main" id="{3962F23A-0A28-6141-B0BF-D7B92C213877}"/>
+                <a16:creationId xmlns:a16="http://schemas.microsoft.com/office/drawing/2014/main" id="{3962F23A-0A28-6141-B0BF-D7B92C213877}"/>
               </a:ext>
             </a:extLst>
           </p:cNvPr>
@@ -1832,38 +1828,37 @@
           <a:p>
             <a:pPr lvl="0"/>
             <a:r>
-              <a:rPr lang="en-US" smtClean="0"/>
+              <a:rPr lang="en-US"/>
               <a:t>Click to edit Master text styles</a:t>
             </a:r>
           </a:p>
           <a:p>
             <a:pPr lvl="1"/>
             <a:r>
-              <a:rPr lang="en-US" smtClean="0"/>
+              <a:rPr lang="en-US"/>
               <a:t>Second level</a:t>
             </a:r>
           </a:p>
           <a:p>
             <a:pPr lvl="2"/>
             <a:r>
-              <a:rPr lang="en-US" smtClean="0"/>
+              <a:rPr lang="en-US"/>
               <a:t>Third level</a:t>
             </a:r>
           </a:p>
           <a:p>
             <a:pPr lvl="3"/>
             <a:r>
-              <a:rPr lang="en-US" smtClean="0"/>
+              <a:rPr lang="en-US"/>
               <a:t>Fourth level</a:t>
             </a:r>
           </a:p>
           <a:p>
             <a:pPr lvl="4"/>
             <a:r>
-              <a:rPr lang="en-US" smtClean="0"/>
+              <a:rPr lang="en-US"/>
               <a:t>Fifth level</a:t>
             </a:r>
-            <a:endParaRPr lang="en-US"/>
           </a:p>
         </p:txBody>
       </p:sp>
@@ -1872,7 +1867,7 @@
           <p:cNvPr id="4" name="Content Placeholder 3">
             <a:extLst>
               <a:ext uri="{FF2B5EF4-FFF2-40B4-BE49-F238E27FC236}">
-                <a16:creationId xmlns="" xmlns:a16="http://schemas.microsoft.com/office/drawing/2014/main" id="{C36DF3E7-529D-1C40-B815-3C505F4D107E}"/>
+                <a16:creationId xmlns:a16="http://schemas.microsoft.com/office/drawing/2014/main" id="{C36DF3E7-529D-1C40-B815-3C505F4D107E}"/>
               </a:ext>
             </a:extLst>
           </p:cNvPr>
@@ -1895,38 +1890,37 @@
           <a:p>
             <a:pPr lvl="0"/>
             <a:r>
-              <a:rPr lang="en-US" smtClean="0"/>
+              <a:rPr lang="en-US"/>
               <a:t>Click to edit Master text styles</a:t>
             </a:r>
           </a:p>
           <a:p>
             <a:pPr lvl="1"/>
             <a:r>
-              <a:rPr lang="en-US" smtClean="0"/>
+              <a:rPr lang="en-US"/>
               <a:t>Second level</a:t>
             </a:r>
           </a:p>
           <a:p>
             <a:pPr lvl="2"/>
             <a:r>
-              <a:rPr lang="en-US" smtClean="0"/>
+              <a:rPr lang="en-US"/>
               <a:t>Third level</a:t>
             </a:r>
           </a:p>
           <a:p>
             <a:pPr lvl="3"/>
             <a:r>
-              <a:rPr lang="en-US" smtClean="0"/>
+              <a:rPr lang="en-US"/>
               <a:t>Fourth level</a:t>
             </a:r>
           </a:p>
           <a:p>
             <a:pPr lvl="4"/>
             <a:r>
-              <a:rPr lang="en-US" smtClean="0"/>
+              <a:rPr lang="en-US"/>
               <a:t>Fifth level</a:t>
             </a:r>
-            <a:endParaRPr lang="en-US"/>
           </a:p>
         </p:txBody>
       </p:sp>
@@ -1935,7 +1929,7 @@
           <p:cNvPr id="5" name="Date Placeholder 4">
             <a:extLst>
               <a:ext uri="{FF2B5EF4-FFF2-40B4-BE49-F238E27FC236}">
-                <a16:creationId xmlns="" xmlns:a16="http://schemas.microsoft.com/office/drawing/2014/main" id="{ECFEE966-F172-8C42-A9F6-013C2A368C90}"/>
+                <a16:creationId xmlns:a16="http://schemas.microsoft.com/office/drawing/2014/main" id="{ECFEE966-F172-8C42-A9F6-013C2A368C90}"/>
               </a:ext>
             </a:extLst>
           </p:cNvPr>
@@ -1953,7 +1947,7 @@
           <a:p>
             <a:fld id="{BE5295ED-3BAF-1140-8495-3D368771D6B1}" type="datetimeFigureOut">
               <a:rPr lang="en-US" smtClean="0"/>
-              <a:t>2/20/19</a:t>
+              <a:t>2/21/19</a:t>
             </a:fld>
             <a:endParaRPr lang="en-US"/>
           </a:p>
@@ -1964,7 +1958,7 @@
           <p:cNvPr id="6" name="Footer Placeholder 5">
             <a:extLst>
               <a:ext uri="{FF2B5EF4-FFF2-40B4-BE49-F238E27FC236}">
-                <a16:creationId xmlns="" xmlns:a16="http://schemas.microsoft.com/office/drawing/2014/main" id="{54FDED73-DCFA-6648-B65F-CBEDB1D3556B}"/>
+                <a16:creationId xmlns:a16="http://schemas.microsoft.com/office/drawing/2014/main" id="{54FDED73-DCFA-6648-B65F-CBEDB1D3556B}"/>
               </a:ext>
             </a:extLst>
           </p:cNvPr>
@@ -1989,7 +1983,7 @@
           <p:cNvPr id="7" name="Slide Number Placeholder 6">
             <a:extLst>
               <a:ext uri="{FF2B5EF4-FFF2-40B4-BE49-F238E27FC236}">
-                <a16:creationId xmlns="" xmlns:a16="http://schemas.microsoft.com/office/drawing/2014/main" id="{F3D072AD-ADC5-2943-B36C-F14AE6555C55}"/>
+                <a16:creationId xmlns:a16="http://schemas.microsoft.com/office/drawing/2014/main" id="{F3D072AD-ADC5-2943-B36C-F14AE6555C55}"/>
               </a:ext>
             </a:extLst>
           </p:cNvPr>
@@ -2048,7 +2042,7 @@
           <p:cNvPr id="2" name="Title 1">
             <a:extLst>
               <a:ext uri="{FF2B5EF4-FFF2-40B4-BE49-F238E27FC236}">
-                <a16:creationId xmlns="" xmlns:a16="http://schemas.microsoft.com/office/drawing/2014/main" id="{478E3FB4-66D6-9040-98CF-3DE68ABAAB18}"/>
+                <a16:creationId xmlns:a16="http://schemas.microsoft.com/office/drawing/2014/main" id="{478E3FB4-66D6-9040-98CF-3DE68ABAAB18}"/>
               </a:ext>
             </a:extLst>
           </p:cNvPr>
@@ -2070,10 +2064,9 @@
           <a:lstStyle/>
           <a:p>
             <a:r>
-              <a:rPr lang="en-US" smtClean="0"/>
+              <a:rPr lang="en-US"/>
               <a:t>Click to edit Master title style</a:t>
             </a:r>
-            <a:endParaRPr lang="en-US"/>
           </a:p>
         </p:txBody>
       </p:sp>
@@ -2082,7 +2075,7 @@
           <p:cNvPr id="3" name="Text Placeholder 2">
             <a:extLst>
               <a:ext uri="{FF2B5EF4-FFF2-40B4-BE49-F238E27FC236}">
-                <a16:creationId xmlns="" xmlns:a16="http://schemas.microsoft.com/office/drawing/2014/main" id="{C3B9CBA2-D589-E342-B02C-AFD0528E353B}"/>
+                <a16:creationId xmlns:a16="http://schemas.microsoft.com/office/drawing/2014/main" id="{C3B9CBA2-D589-E342-B02C-AFD0528E353B}"/>
               </a:ext>
             </a:extLst>
           </p:cNvPr>
@@ -2142,7 +2135,7 @@
           <a:p>
             <a:pPr lvl="0"/>
             <a:r>
-              <a:rPr lang="en-US" smtClean="0"/>
+              <a:rPr lang="en-US"/>
               <a:t>Click to edit Master text styles</a:t>
             </a:r>
           </a:p>
@@ -2153,7 +2146,7 @@
           <p:cNvPr id="4" name="Content Placeholder 3">
             <a:extLst>
               <a:ext uri="{FF2B5EF4-FFF2-40B4-BE49-F238E27FC236}">
-                <a16:creationId xmlns="" xmlns:a16="http://schemas.microsoft.com/office/drawing/2014/main" id="{F570E95A-9A57-7F42-A0D4-A9C36B16D13C}"/>
+                <a16:creationId xmlns:a16="http://schemas.microsoft.com/office/drawing/2014/main" id="{F570E95A-9A57-7F42-A0D4-A9C36B16D13C}"/>
               </a:ext>
             </a:extLst>
           </p:cNvPr>
@@ -2176,38 +2169,37 @@
           <a:p>
             <a:pPr lvl="0"/>
             <a:r>
-              <a:rPr lang="en-US" smtClean="0"/>
+              <a:rPr lang="en-US"/>
               <a:t>Click to edit Master text styles</a:t>
             </a:r>
           </a:p>
           <a:p>
             <a:pPr lvl="1"/>
             <a:r>
-              <a:rPr lang="en-US" smtClean="0"/>
+              <a:rPr lang="en-US"/>
               <a:t>Second level</a:t>
             </a:r>
           </a:p>
           <a:p>
             <a:pPr lvl="2"/>
             <a:r>
-              <a:rPr lang="en-US" smtClean="0"/>
+              <a:rPr lang="en-US"/>
               <a:t>Third level</a:t>
             </a:r>
           </a:p>
           <a:p>
             <a:pPr lvl="3"/>
             <a:r>
-              <a:rPr lang="en-US" smtClean="0"/>
+              <a:rPr lang="en-US"/>
               <a:t>Fourth level</a:t>
             </a:r>
           </a:p>
           <a:p>
             <a:pPr lvl="4"/>
             <a:r>
-              <a:rPr lang="en-US" smtClean="0"/>
+              <a:rPr lang="en-US"/>
               <a:t>Fifth level</a:t>
             </a:r>
-            <a:endParaRPr lang="en-US"/>
           </a:p>
         </p:txBody>
       </p:sp>
@@ -2216,7 +2208,7 @@
           <p:cNvPr id="5" name="Text Placeholder 4">
             <a:extLst>
               <a:ext uri="{FF2B5EF4-FFF2-40B4-BE49-F238E27FC236}">
-                <a16:creationId xmlns="" xmlns:a16="http://schemas.microsoft.com/office/drawing/2014/main" id="{B6A72F40-C7A9-CC45-82FB-CCCE1FE08B0B}"/>
+                <a16:creationId xmlns:a16="http://schemas.microsoft.com/office/drawing/2014/main" id="{B6A72F40-C7A9-CC45-82FB-CCCE1FE08B0B}"/>
               </a:ext>
             </a:extLst>
           </p:cNvPr>
@@ -2276,7 +2268,7 @@
           <a:p>
             <a:pPr lvl="0"/>
             <a:r>
-              <a:rPr lang="en-US" smtClean="0"/>
+              <a:rPr lang="en-US"/>
               <a:t>Click to edit Master text styles</a:t>
             </a:r>
           </a:p>
@@ -2287,7 +2279,7 @@
           <p:cNvPr id="6" name="Content Placeholder 5">
             <a:extLst>
               <a:ext uri="{FF2B5EF4-FFF2-40B4-BE49-F238E27FC236}">
-                <a16:creationId xmlns="" xmlns:a16="http://schemas.microsoft.com/office/drawing/2014/main" id="{9FDA6D2A-2E9D-714C-B9CB-D0F9D788FCD3}"/>
+                <a16:creationId xmlns:a16="http://schemas.microsoft.com/office/drawing/2014/main" id="{9FDA6D2A-2E9D-714C-B9CB-D0F9D788FCD3}"/>
               </a:ext>
             </a:extLst>
           </p:cNvPr>
@@ -2310,38 +2302,37 @@
           <a:p>
             <a:pPr lvl="0"/>
             <a:r>
-              <a:rPr lang="en-US" smtClean="0"/>
+              <a:rPr lang="en-US"/>
               <a:t>Click to edit Master text styles</a:t>
             </a:r>
           </a:p>
           <a:p>
             <a:pPr lvl="1"/>
             <a:r>
-              <a:rPr lang="en-US" smtClean="0"/>
+              <a:rPr lang="en-US"/>
               <a:t>Second level</a:t>
             </a:r>
           </a:p>
           <a:p>
             <a:pPr lvl="2"/>
             <a:r>
-              <a:rPr lang="en-US" smtClean="0"/>
+              <a:rPr lang="en-US"/>
               <a:t>Third level</a:t>
             </a:r>
           </a:p>
           <a:p>
             <a:pPr lvl="3"/>
             <a:r>
-              <a:rPr lang="en-US" smtClean="0"/>
+              <a:rPr lang="en-US"/>
               <a:t>Fourth level</a:t>
             </a:r>
           </a:p>
           <a:p>
             <a:pPr lvl="4"/>
             <a:r>
-              <a:rPr lang="en-US" smtClean="0"/>
+              <a:rPr lang="en-US"/>
               <a:t>Fifth level</a:t>
             </a:r>
-            <a:endParaRPr lang="en-US"/>
           </a:p>
         </p:txBody>
       </p:sp>
@@ -2350,7 +2341,7 @@
           <p:cNvPr id="7" name="Date Placeholder 6">
             <a:extLst>
               <a:ext uri="{FF2B5EF4-FFF2-40B4-BE49-F238E27FC236}">
-                <a16:creationId xmlns="" xmlns:a16="http://schemas.microsoft.com/office/drawing/2014/main" id="{1B7F3C0C-4D75-9C49-9075-FA8B3D33CF9B}"/>
+                <a16:creationId xmlns:a16="http://schemas.microsoft.com/office/drawing/2014/main" id="{1B7F3C0C-4D75-9C49-9075-FA8B3D33CF9B}"/>
               </a:ext>
             </a:extLst>
           </p:cNvPr>
@@ -2368,7 +2359,7 @@
           <a:p>
             <a:fld id="{BE5295ED-3BAF-1140-8495-3D368771D6B1}" type="datetimeFigureOut">
               <a:rPr lang="en-US" smtClean="0"/>
-              <a:t>2/20/19</a:t>
+              <a:t>2/21/19</a:t>
             </a:fld>
             <a:endParaRPr lang="en-US"/>
           </a:p>
@@ -2379,7 +2370,7 @@
           <p:cNvPr id="8" name="Footer Placeholder 7">
             <a:extLst>
               <a:ext uri="{FF2B5EF4-FFF2-40B4-BE49-F238E27FC236}">
-                <a16:creationId xmlns="" xmlns:a16="http://schemas.microsoft.com/office/drawing/2014/main" id="{9788C8FA-359A-5447-AA0E-98D16ECCC92D}"/>
+                <a16:creationId xmlns:a16="http://schemas.microsoft.com/office/drawing/2014/main" id="{9788C8FA-359A-5447-AA0E-98D16ECCC92D}"/>
               </a:ext>
             </a:extLst>
           </p:cNvPr>
@@ -2404,7 +2395,7 @@
           <p:cNvPr id="9" name="Slide Number Placeholder 8">
             <a:extLst>
               <a:ext uri="{FF2B5EF4-FFF2-40B4-BE49-F238E27FC236}">
-                <a16:creationId xmlns="" xmlns:a16="http://schemas.microsoft.com/office/drawing/2014/main" id="{3D69C8CD-0DF6-4E4C-A412-31B03845FA24}"/>
+                <a16:creationId xmlns:a16="http://schemas.microsoft.com/office/drawing/2014/main" id="{3D69C8CD-0DF6-4E4C-A412-31B03845FA24}"/>
               </a:ext>
             </a:extLst>
           </p:cNvPr>
@@ -2463,7 +2454,7 @@
           <p:cNvPr id="2" name="Title 1">
             <a:extLst>
               <a:ext uri="{FF2B5EF4-FFF2-40B4-BE49-F238E27FC236}">
-                <a16:creationId xmlns="" xmlns:a16="http://schemas.microsoft.com/office/drawing/2014/main" id="{13C48C8E-A743-0B4F-AB6E-AB828F1218C8}"/>
+                <a16:creationId xmlns:a16="http://schemas.microsoft.com/office/drawing/2014/main" id="{13C48C8E-A743-0B4F-AB6E-AB828F1218C8}"/>
               </a:ext>
             </a:extLst>
           </p:cNvPr>
@@ -2480,10 +2471,9 @@
           <a:lstStyle/>
           <a:p>
             <a:r>
-              <a:rPr lang="en-US" smtClean="0"/>
+              <a:rPr lang="en-US"/>
               <a:t>Click to edit Master title style</a:t>
             </a:r>
-            <a:endParaRPr lang="en-US"/>
           </a:p>
         </p:txBody>
       </p:sp>
@@ -2492,7 +2482,7 @@
           <p:cNvPr id="3" name="Date Placeholder 2">
             <a:extLst>
               <a:ext uri="{FF2B5EF4-FFF2-40B4-BE49-F238E27FC236}">
-                <a16:creationId xmlns="" xmlns:a16="http://schemas.microsoft.com/office/drawing/2014/main" id="{70FAB17F-6D86-B147-9346-A9B5242FC803}"/>
+                <a16:creationId xmlns:a16="http://schemas.microsoft.com/office/drawing/2014/main" id="{70FAB17F-6D86-B147-9346-A9B5242FC803}"/>
               </a:ext>
             </a:extLst>
           </p:cNvPr>
@@ -2510,7 +2500,7 @@
           <a:p>
             <a:fld id="{BE5295ED-3BAF-1140-8495-3D368771D6B1}" type="datetimeFigureOut">
               <a:rPr lang="en-US" smtClean="0"/>
-              <a:t>2/20/19</a:t>
+              <a:t>2/21/19</a:t>
             </a:fld>
             <a:endParaRPr lang="en-US"/>
           </a:p>
@@ -2521,7 +2511,7 @@
           <p:cNvPr id="4" name="Footer Placeholder 3">
             <a:extLst>
               <a:ext uri="{FF2B5EF4-FFF2-40B4-BE49-F238E27FC236}">
-                <a16:creationId xmlns="" xmlns:a16="http://schemas.microsoft.com/office/drawing/2014/main" id="{4B8A6F49-DCD7-7B4B-8496-2547B2A81C83}"/>
+                <a16:creationId xmlns:a16="http://schemas.microsoft.com/office/drawing/2014/main" id="{4B8A6F49-DCD7-7B4B-8496-2547B2A81C83}"/>
               </a:ext>
             </a:extLst>
           </p:cNvPr>
@@ -2546,7 +2536,7 @@
           <p:cNvPr id="5" name="Slide Number Placeholder 4">
             <a:extLst>
               <a:ext uri="{FF2B5EF4-FFF2-40B4-BE49-F238E27FC236}">
-                <a16:creationId xmlns="" xmlns:a16="http://schemas.microsoft.com/office/drawing/2014/main" id="{D4D1F89D-8541-BB4B-A145-D0DC66605C91}"/>
+                <a16:creationId xmlns:a16="http://schemas.microsoft.com/office/drawing/2014/main" id="{D4D1F89D-8541-BB4B-A145-D0DC66605C91}"/>
               </a:ext>
             </a:extLst>
           </p:cNvPr>
@@ -2605,7 +2595,7 @@
           <p:cNvPr id="2" name="Date Placeholder 1">
             <a:extLst>
               <a:ext uri="{FF2B5EF4-FFF2-40B4-BE49-F238E27FC236}">
-                <a16:creationId xmlns="" xmlns:a16="http://schemas.microsoft.com/office/drawing/2014/main" id="{AD68AA44-A589-744E-AB85-5B6ED8E7D8C0}"/>
+                <a16:creationId xmlns:a16="http://schemas.microsoft.com/office/drawing/2014/main" id="{AD68AA44-A589-744E-AB85-5B6ED8E7D8C0}"/>
               </a:ext>
             </a:extLst>
           </p:cNvPr>
@@ -2623,7 +2613,7 @@
           <a:p>
             <a:fld id="{BE5295ED-3BAF-1140-8495-3D368771D6B1}" type="datetimeFigureOut">
               <a:rPr lang="en-US" smtClean="0"/>
-              <a:t>2/20/19</a:t>
+              <a:t>2/21/19</a:t>
             </a:fld>
             <a:endParaRPr lang="en-US"/>
           </a:p>
@@ -2634,7 +2624,7 @@
           <p:cNvPr id="3" name="Footer Placeholder 2">
             <a:extLst>
               <a:ext uri="{FF2B5EF4-FFF2-40B4-BE49-F238E27FC236}">
-                <a16:creationId xmlns="" xmlns:a16="http://schemas.microsoft.com/office/drawing/2014/main" id="{1CA0E6D3-947A-FA4D-8626-2883D14EFE8D}"/>
+                <a16:creationId xmlns:a16="http://schemas.microsoft.com/office/drawing/2014/main" id="{1CA0E6D3-947A-FA4D-8626-2883D14EFE8D}"/>
               </a:ext>
             </a:extLst>
           </p:cNvPr>
@@ -2659,7 +2649,7 @@
           <p:cNvPr id="4" name="Slide Number Placeholder 3">
             <a:extLst>
               <a:ext uri="{FF2B5EF4-FFF2-40B4-BE49-F238E27FC236}">
-                <a16:creationId xmlns="" xmlns:a16="http://schemas.microsoft.com/office/drawing/2014/main" id="{5BF0953F-E6D0-2240-B174-03015D0856A8}"/>
+                <a16:creationId xmlns:a16="http://schemas.microsoft.com/office/drawing/2014/main" id="{5BF0953F-E6D0-2240-B174-03015D0856A8}"/>
               </a:ext>
             </a:extLst>
           </p:cNvPr>
@@ -2718,7 +2708,7 @@
           <p:cNvPr id="2" name="Title 1">
             <a:extLst>
               <a:ext uri="{FF2B5EF4-FFF2-40B4-BE49-F238E27FC236}">
-                <a16:creationId xmlns="" xmlns:a16="http://schemas.microsoft.com/office/drawing/2014/main" id="{26FFD677-FF02-3E4E-8E32-44D146E24D90}"/>
+                <a16:creationId xmlns:a16="http://schemas.microsoft.com/office/drawing/2014/main" id="{26FFD677-FF02-3E4E-8E32-44D146E24D90}"/>
               </a:ext>
             </a:extLst>
           </p:cNvPr>
@@ -2744,10 +2734,9 @@
           </a:lstStyle>
           <a:p>
             <a:r>
-              <a:rPr lang="en-US" smtClean="0"/>
+              <a:rPr lang="en-US"/>
               <a:t>Click to edit Master title style</a:t>
             </a:r>
-            <a:endParaRPr lang="en-US"/>
           </a:p>
         </p:txBody>
       </p:sp>
@@ -2756,7 +2745,7 @@
           <p:cNvPr id="3" name="Content Placeholder 2">
             <a:extLst>
               <a:ext uri="{FF2B5EF4-FFF2-40B4-BE49-F238E27FC236}">
-                <a16:creationId xmlns="" xmlns:a16="http://schemas.microsoft.com/office/drawing/2014/main" id="{9942170F-E10D-1348-86CE-8E869B806F9B}"/>
+                <a16:creationId xmlns:a16="http://schemas.microsoft.com/office/drawing/2014/main" id="{9942170F-E10D-1348-86CE-8E869B806F9B}"/>
               </a:ext>
             </a:extLst>
           </p:cNvPr>
@@ -2807,38 +2796,37 @@
           <a:p>
             <a:pPr lvl="0"/>
             <a:r>
-              <a:rPr lang="en-US" smtClean="0"/>
+              <a:rPr lang="en-US"/>
               <a:t>Click to edit Master text styles</a:t>
             </a:r>
           </a:p>
           <a:p>
             <a:pPr lvl="1"/>
             <a:r>
-              <a:rPr lang="en-US" smtClean="0"/>
+              <a:rPr lang="en-US"/>
               <a:t>Second level</a:t>
             </a:r>
           </a:p>
           <a:p>
             <a:pPr lvl="2"/>
             <a:r>
-              <a:rPr lang="en-US" smtClean="0"/>
+              <a:rPr lang="en-US"/>
               <a:t>Third level</a:t>
             </a:r>
           </a:p>
           <a:p>
             <a:pPr lvl="3"/>
             <a:r>
-              <a:rPr lang="en-US" smtClean="0"/>
+              <a:rPr lang="en-US"/>
               <a:t>Fourth level</a:t>
             </a:r>
           </a:p>
           <a:p>
             <a:pPr lvl="4"/>
             <a:r>
-              <a:rPr lang="en-US" smtClean="0"/>
+              <a:rPr lang="en-US"/>
               <a:t>Fifth level</a:t>
             </a:r>
-            <a:endParaRPr lang="en-US"/>
           </a:p>
         </p:txBody>
       </p:sp>
@@ -2847,7 +2835,7 @@
           <p:cNvPr id="4" name="Text Placeholder 3">
             <a:extLst>
               <a:ext uri="{FF2B5EF4-FFF2-40B4-BE49-F238E27FC236}">
-                <a16:creationId xmlns="" xmlns:a16="http://schemas.microsoft.com/office/drawing/2014/main" id="{80772D86-2794-394C-A208-2D3E234A3A20}"/>
+                <a16:creationId xmlns:a16="http://schemas.microsoft.com/office/drawing/2014/main" id="{80772D86-2794-394C-A208-2D3E234A3A20}"/>
               </a:ext>
             </a:extLst>
           </p:cNvPr>
@@ -2907,7 +2895,7 @@
           <a:p>
             <a:pPr lvl="0"/>
             <a:r>
-              <a:rPr lang="en-US" smtClean="0"/>
+              <a:rPr lang="en-US"/>
               <a:t>Click to edit Master text styles</a:t>
             </a:r>
           </a:p>
@@ -2918,7 +2906,7 @@
           <p:cNvPr id="5" name="Date Placeholder 4">
             <a:extLst>
               <a:ext uri="{FF2B5EF4-FFF2-40B4-BE49-F238E27FC236}">
-                <a16:creationId xmlns="" xmlns:a16="http://schemas.microsoft.com/office/drawing/2014/main" id="{B5314D31-901A-D944-B06D-3D8106F2A2BC}"/>
+                <a16:creationId xmlns:a16="http://schemas.microsoft.com/office/drawing/2014/main" id="{B5314D31-901A-D944-B06D-3D8106F2A2BC}"/>
               </a:ext>
             </a:extLst>
           </p:cNvPr>
@@ -2936,7 +2924,7 @@
           <a:p>
             <a:fld id="{BE5295ED-3BAF-1140-8495-3D368771D6B1}" type="datetimeFigureOut">
               <a:rPr lang="en-US" smtClean="0"/>
-              <a:t>2/20/19</a:t>
+              <a:t>2/21/19</a:t>
             </a:fld>
             <a:endParaRPr lang="en-US"/>
           </a:p>
@@ -2947,7 +2935,7 @@
           <p:cNvPr id="6" name="Footer Placeholder 5">
             <a:extLst>
               <a:ext uri="{FF2B5EF4-FFF2-40B4-BE49-F238E27FC236}">
-                <a16:creationId xmlns="" xmlns:a16="http://schemas.microsoft.com/office/drawing/2014/main" id="{BFFC6519-9D04-AC45-BB37-9DD413CC741D}"/>
+                <a16:creationId xmlns:a16="http://schemas.microsoft.com/office/drawing/2014/main" id="{BFFC6519-9D04-AC45-BB37-9DD413CC741D}"/>
               </a:ext>
             </a:extLst>
           </p:cNvPr>
@@ -2972,7 +2960,7 @@
           <p:cNvPr id="7" name="Slide Number Placeholder 6">
             <a:extLst>
               <a:ext uri="{FF2B5EF4-FFF2-40B4-BE49-F238E27FC236}">
-                <a16:creationId xmlns="" xmlns:a16="http://schemas.microsoft.com/office/drawing/2014/main" id="{856ACFF3-3C93-FA41-80F3-4708944F9A8C}"/>
+                <a16:creationId xmlns:a16="http://schemas.microsoft.com/office/drawing/2014/main" id="{856ACFF3-3C93-FA41-80F3-4708944F9A8C}"/>
               </a:ext>
             </a:extLst>
           </p:cNvPr>
@@ -3031,7 +3019,7 @@
           <p:cNvPr id="2" name="Title 1">
             <a:extLst>
               <a:ext uri="{FF2B5EF4-FFF2-40B4-BE49-F238E27FC236}">
-                <a16:creationId xmlns="" xmlns:a16="http://schemas.microsoft.com/office/drawing/2014/main" id="{52F7D6A8-4C7A-ED44-A821-97E76FB58748}"/>
+                <a16:creationId xmlns:a16="http://schemas.microsoft.com/office/drawing/2014/main" id="{52F7D6A8-4C7A-ED44-A821-97E76FB58748}"/>
               </a:ext>
             </a:extLst>
           </p:cNvPr>
@@ -3057,10 +3045,9 @@
           </a:lstStyle>
           <a:p>
             <a:r>
-              <a:rPr lang="en-US" smtClean="0"/>
+              <a:rPr lang="en-US"/>
               <a:t>Click to edit Master title style</a:t>
             </a:r>
-            <a:endParaRPr lang="en-US"/>
           </a:p>
         </p:txBody>
       </p:sp>
@@ -3069,7 +3056,7 @@
           <p:cNvPr id="3" name="Picture Placeholder 2">
             <a:extLst>
               <a:ext uri="{FF2B5EF4-FFF2-40B4-BE49-F238E27FC236}">
-                <a16:creationId xmlns="" xmlns:a16="http://schemas.microsoft.com/office/drawing/2014/main" id="{FFA0AABB-AB65-FB40-8DCA-227F017E16C5}"/>
+                <a16:creationId xmlns:a16="http://schemas.microsoft.com/office/drawing/2014/main" id="{FFA0AABB-AB65-FB40-8DCA-227F017E16C5}"/>
               </a:ext>
             </a:extLst>
           </p:cNvPr>
@@ -3128,10 +3115,9 @@
           </a:lstStyle>
           <a:p>
             <a:r>
-              <a:rPr lang="en-US" smtClean="0"/>
+              <a:rPr lang="en-US"/>
               <a:t>Drag picture to placeholder or click icon to add</a:t>
             </a:r>
-            <a:endParaRPr lang="en-US"/>
           </a:p>
         </p:txBody>
       </p:sp>
@@ -3140,7 +3126,7 @@
           <p:cNvPr id="4" name="Text Placeholder 3">
             <a:extLst>
               <a:ext uri="{FF2B5EF4-FFF2-40B4-BE49-F238E27FC236}">
-                <a16:creationId xmlns="" xmlns:a16="http://schemas.microsoft.com/office/drawing/2014/main" id="{67AC3EE9-FB8F-F642-BB10-A468CFF85E6A}"/>
+                <a16:creationId xmlns:a16="http://schemas.microsoft.com/office/drawing/2014/main" id="{67AC3EE9-FB8F-F642-BB10-A468CFF85E6A}"/>
               </a:ext>
             </a:extLst>
           </p:cNvPr>
@@ -3200,7 +3186,7 @@
           <a:p>
             <a:pPr lvl="0"/>
             <a:r>
-              <a:rPr lang="en-US" smtClean="0"/>
+              <a:rPr lang="en-US"/>
               <a:t>Click to edit Master text styles</a:t>
             </a:r>
           </a:p>
@@ -3211,7 +3197,7 @@
           <p:cNvPr id="5" name="Date Placeholder 4">
             <a:extLst>
               <a:ext uri="{FF2B5EF4-FFF2-40B4-BE49-F238E27FC236}">
-                <a16:creationId xmlns="" xmlns:a16="http://schemas.microsoft.com/office/drawing/2014/main" id="{0A0EC8A2-C616-8B40-8C9C-A15442358393}"/>
+                <a16:creationId xmlns:a16="http://schemas.microsoft.com/office/drawing/2014/main" id="{0A0EC8A2-C616-8B40-8C9C-A15442358393}"/>
               </a:ext>
             </a:extLst>
           </p:cNvPr>
@@ -3229,7 +3215,7 @@
           <a:p>
             <a:fld id="{BE5295ED-3BAF-1140-8495-3D368771D6B1}" type="datetimeFigureOut">
               <a:rPr lang="en-US" smtClean="0"/>
-              <a:t>2/20/19</a:t>
+              <a:t>2/21/19</a:t>
             </a:fld>
             <a:endParaRPr lang="en-US"/>
           </a:p>
@@ -3240,7 +3226,7 @@
           <p:cNvPr id="6" name="Footer Placeholder 5">
             <a:extLst>
               <a:ext uri="{FF2B5EF4-FFF2-40B4-BE49-F238E27FC236}">
-                <a16:creationId xmlns="" xmlns:a16="http://schemas.microsoft.com/office/drawing/2014/main" id="{AA229EC7-73FC-4D43-8916-C76404AC37DC}"/>
+                <a16:creationId xmlns:a16="http://schemas.microsoft.com/office/drawing/2014/main" id="{AA229EC7-73FC-4D43-8916-C76404AC37DC}"/>
               </a:ext>
             </a:extLst>
           </p:cNvPr>
@@ -3265,7 +3251,7 @@
           <p:cNvPr id="7" name="Slide Number Placeholder 6">
             <a:extLst>
               <a:ext uri="{FF2B5EF4-FFF2-40B4-BE49-F238E27FC236}">
-                <a16:creationId xmlns="" xmlns:a16="http://schemas.microsoft.com/office/drawing/2014/main" id="{D84430E4-67BB-3342-B2B8-DFBE758CFA59}"/>
+                <a16:creationId xmlns:a16="http://schemas.microsoft.com/office/drawing/2014/main" id="{D84430E4-67BB-3342-B2B8-DFBE758CFA59}"/>
               </a:ext>
             </a:extLst>
           </p:cNvPr>
@@ -3329,7 +3315,7 @@
           <p:cNvPr id="2" name="Title Placeholder 1">
             <a:extLst>
               <a:ext uri="{FF2B5EF4-FFF2-40B4-BE49-F238E27FC236}">
-                <a16:creationId xmlns="" xmlns:a16="http://schemas.microsoft.com/office/drawing/2014/main" id="{ED530927-E202-4648-95ED-A701F648A289}"/>
+                <a16:creationId xmlns:a16="http://schemas.microsoft.com/office/drawing/2014/main" id="{ED530927-E202-4648-95ED-A701F648A289}"/>
               </a:ext>
             </a:extLst>
           </p:cNvPr>
@@ -3356,10 +3342,9 @@
           <a:lstStyle/>
           <a:p>
             <a:r>
-              <a:rPr lang="en-US" smtClean="0"/>
+              <a:rPr lang="en-US"/>
               <a:t>Click to edit Master title style</a:t>
             </a:r>
-            <a:endParaRPr lang="en-US"/>
           </a:p>
         </p:txBody>
       </p:sp>
@@ -3368,7 +3353,7 @@
           <p:cNvPr id="3" name="Text Placeholder 2">
             <a:extLst>
               <a:ext uri="{FF2B5EF4-FFF2-40B4-BE49-F238E27FC236}">
-                <a16:creationId xmlns="" xmlns:a16="http://schemas.microsoft.com/office/drawing/2014/main" id="{F00E1E3E-B2FE-5A47-8C43-849DE842741B}"/>
+                <a16:creationId xmlns:a16="http://schemas.microsoft.com/office/drawing/2014/main" id="{F00E1E3E-B2FE-5A47-8C43-849DE842741B}"/>
               </a:ext>
             </a:extLst>
           </p:cNvPr>
@@ -3435,7 +3420,7 @@
           <p:cNvPr id="4" name="Date Placeholder 3">
             <a:extLst>
               <a:ext uri="{FF2B5EF4-FFF2-40B4-BE49-F238E27FC236}">
-                <a16:creationId xmlns="" xmlns:a16="http://schemas.microsoft.com/office/drawing/2014/main" id="{A51822C1-C9FC-554F-B744-0FF8DD0A61C0}"/>
+                <a16:creationId xmlns:a16="http://schemas.microsoft.com/office/drawing/2014/main" id="{A51822C1-C9FC-554F-B744-0FF8DD0A61C0}"/>
               </a:ext>
             </a:extLst>
           </p:cNvPr>
@@ -3471,7 +3456,7 @@
           <a:p>
             <a:fld id="{BE5295ED-3BAF-1140-8495-3D368771D6B1}" type="datetimeFigureOut">
               <a:rPr lang="en-US" smtClean="0"/>
-              <a:t>2/20/19</a:t>
+              <a:t>2/21/19</a:t>
             </a:fld>
             <a:endParaRPr lang="en-US"/>
           </a:p>
@@ -3482,7 +3467,7 @@
           <p:cNvPr id="5" name="Footer Placeholder 4">
             <a:extLst>
               <a:ext uri="{FF2B5EF4-FFF2-40B4-BE49-F238E27FC236}">
-                <a16:creationId xmlns="" xmlns:a16="http://schemas.microsoft.com/office/drawing/2014/main" id="{AA4916E3-9D5B-B647-A5DA-A5B78525EFFB}"/>
+                <a16:creationId xmlns:a16="http://schemas.microsoft.com/office/drawing/2014/main" id="{AA4916E3-9D5B-B647-A5DA-A5B78525EFFB}"/>
               </a:ext>
             </a:extLst>
           </p:cNvPr>
@@ -3525,7 +3510,7 @@
           <p:cNvPr id="6" name="Slide Number Placeholder 5">
             <a:extLst>
               <a:ext uri="{FF2B5EF4-FFF2-40B4-BE49-F238E27FC236}">
-                <a16:creationId xmlns="" xmlns:a16="http://schemas.microsoft.com/office/drawing/2014/main" id="{11872E83-B77B-9647-AE80-95985B60F4F0}"/>
+                <a16:creationId xmlns:a16="http://schemas.microsoft.com/office/drawing/2014/main" id="{11872E83-B77B-9647-AE80-95985B60F4F0}"/>
               </a:ext>
             </a:extLst>
           </p:cNvPr>
@@ -3572,7 +3557,7 @@
           <p:cNvPr id="7" name="Picture 6">
             <a:extLst>
               <a:ext uri="{FF2B5EF4-FFF2-40B4-BE49-F238E27FC236}">
-                <a16:creationId xmlns="" xmlns:a16="http://schemas.microsoft.com/office/drawing/2014/main" id="{F0F46825-E66D-B247-B71A-C48424207597}"/>
+                <a16:creationId xmlns:a16="http://schemas.microsoft.com/office/drawing/2014/main" id="{F0F46825-E66D-B247-B71A-C48424207597}"/>
               </a:ext>
             </a:extLst>
           </p:cNvPr>
@@ -3923,7 +3908,7 @@
           <p:cNvPr id="2" name="Title 1">
             <a:extLst>
               <a:ext uri="{FF2B5EF4-FFF2-40B4-BE49-F238E27FC236}">
-                <a16:creationId xmlns:a16="http://schemas.microsoft.com/office/drawing/2014/main" xmlns="" id="{DDB4A5C5-CE37-5241-A9FF-85F98EF1E91E}"/>
+                <a16:creationId xmlns:a16="http://schemas.microsoft.com/office/drawing/2014/main" id="{DDB4A5C5-CE37-5241-A9FF-85F98EF1E91E}"/>
               </a:ext>
             </a:extLst>
           </p:cNvPr>
@@ -3955,7 +3940,7 @@
           <p:cNvPr id="3" name="Subtitle 2">
             <a:extLst>
               <a:ext uri="{FF2B5EF4-FFF2-40B4-BE49-F238E27FC236}">
-                <a16:creationId xmlns:a16="http://schemas.microsoft.com/office/drawing/2014/main" xmlns="" id="{5EF75859-F09F-414F-8571-4D3854CD3C44}"/>
+                <a16:creationId xmlns:a16="http://schemas.microsoft.com/office/drawing/2014/main" id="{5EF75859-F09F-414F-8571-4D3854CD3C44}"/>
               </a:ext>
             </a:extLst>
           </p:cNvPr>
@@ -3988,7 +3973,7 @@
           <p:cNvPr id="5" name="Rectangle 4">
             <a:extLst>
               <a:ext uri="{FF2B5EF4-FFF2-40B4-BE49-F238E27FC236}">
-                <a16:creationId xmlns:a16="http://schemas.microsoft.com/office/drawing/2014/main" xmlns="" id="{39D37F11-0EC0-C645-ADE9-CE8BFDF0B2D4}"/>
+                <a16:creationId xmlns:a16="http://schemas.microsoft.com/office/drawing/2014/main" id="{39D37F11-0EC0-C645-ADE9-CE8BFDF0B2D4}"/>
               </a:ext>
             </a:extLst>
           </p:cNvPr>
@@ -4060,7 +4045,7 @@
           <p:cNvPr id="2" name="Title 1">
             <a:extLst>
               <a:ext uri="{FF2B5EF4-FFF2-40B4-BE49-F238E27FC236}">
-                <a16:creationId xmlns:a16="http://schemas.microsoft.com/office/drawing/2014/main" xmlns="" id="{D156A618-0D95-BE47-93F3-956FE1168AA9}"/>
+                <a16:creationId xmlns:a16="http://schemas.microsoft.com/office/drawing/2014/main" id="{D156A618-0D95-BE47-93F3-956FE1168AA9}"/>
               </a:ext>
             </a:extLst>
           </p:cNvPr>
@@ -4077,22 +4062,21 @@
           <a:lstStyle/>
           <a:p>
             <a:r>
-              <a:rPr lang="en-US" dirty="0" smtClean="0"/>
+              <a:rPr lang="en-US" dirty="0"/>
               <a:t>“</a:t>
             </a:r>
             <a:r>
-              <a:rPr lang="en-US" i="1" dirty="0" smtClean="0"/>
+              <a:rPr lang="en-US" i="1" dirty="0"/>
               <a:t>Tries</a:t>
             </a:r>
             <a:r>
-              <a:rPr lang="en-US" dirty="0" smtClean="0"/>
+              <a:rPr lang="en-US" dirty="0"/>
               <a:t>” or </a:t>
             </a:r>
             <a:r>
-              <a:rPr lang="en-US" i="1" dirty="0" smtClean="0"/>
+              <a:rPr lang="en-US" i="1" dirty="0"/>
               <a:t>Prefix Trees</a:t>
             </a:r>
-            <a:endParaRPr lang="en-US" i="1" dirty="0"/>
           </a:p>
         </p:txBody>
       </p:sp>
@@ -4130,7 +4114,7 @@
           <p:cNvPr id="8" name="Picture 7">
             <a:extLst>
               <a:ext uri="{FF2B5EF4-FFF2-40B4-BE49-F238E27FC236}">
-                <a16:creationId xmlns:a16="http://schemas.microsoft.com/office/drawing/2014/main" xmlns="" id="{52DC0C7F-5F5D-B84C-AD5B-A5950F736CDF}"/>
+                <a16:creationId xmlns:a16="http://schemas.microsoft.com/office/drawing/2014/main" id="{52DC0C7F-5F5D-B84C-AD5B-A5950F736CDF}"/>
               </a:ext>
             </a:extLst>
           </p:cNvPr>
@@ -4262,10 +4246,9 @@
           <a:lstStyle/>
           <a:p>
             <a:r>
-              <a:rPr lang="en-US" sz="2400" dirty="0" smtClean="0"/>
+              <a:rPr lang="en-US" sz="2400" dirty="0"/>
               <a:t>Convert buckets to nodes and rotate: we get a tree!</a:t>
             </a:r>
-            <a:endParaRPr lang="en-US" sz="2400" dirty="0"/>
           </a:p>
         </p:txBody>
       </p:sp>
@@ -4315,10 +4298,9 @@
           <a:lstStyle/>
           <a:p>
             <a:r>
-              <a:rPr lang="en-US" dirty="0" smtClean="0"/>
+              <a:rPr lang="en-US" dirty="0"/>
               <a:t>Adding string s to TRIE</a:t>
             </a:r>
-            <a:endParaRPr lang="en-US" dirty="0"/>
           </a:p>
         </p:txBody>
       </p:sp>
@@ -4338,69 +4320,68 @@
           <a:lstStyle/>
           <a:p>
             <a:r>
-              <a:rPr lang="en-US" dirty="0" smtClean="0"/>
+              <a:rPr lang="en-US" dirty="0"/>
               <a:t>Note: Now that we’re not sorting, order of</a:t>
             </a:r>
             <a:br>
-              <a:rPr lang="en-US" dirty="0" smtClean="0"/>
+              <a:rPr lang="en-US" dirty="0"/>
             </a:br>
             <a:r>
-              <a:rPr lang="en-US" dirty="0" smtClean="0"/>
+              <a:rPr lang="en-US" dirty="0"/>
               <a:t>edges is not important; can use </a:t>
             </a:r>
             <a:r>
-              <a:rPr lang="en-US" dirty="0" err="1" smtClean="0"/>
+              <a:rPr lang="en-US" dirty="0" err="1"/>
               <a:t>dict</a:t>
             </a:r>
             <a:r>
-              <a:rPr lang="en-US" dirty="0" smtClean="0"/>
+              <a:rPr lang="en-US" dirty="0"/>
               <a:t>()</a:t>
             </a:r>
           </a:p>
           <a:p>
             <a:r>
-              <a:rPr lang="en-US" dirty="0" smtClean="0"/>
+              <a:rPr lang="en-US" dirty="0"/>
               <a:t>Starting at the root, add edge labeled with</a:t>
             </a:r>
             <a:br>
-              <a:rPr lang="en-US" dirty="0" smtClean="0"/>
+              <a:rPr lang="en-US" dirty="0"/>
             </a:br>
             <a:r>
-              <a:rPr lang="en-US" dirty="0" smtClean="0"/>
+              <a:rPr lang="en-US" dirty="0"/>
               <a:t>s[0] pointing to new node</a:t>
             </a:r>
           </a:p>
           <a:p>
             <a:r>
-              <a:rPr lang="en-US" dirty="0" smtClean="0"/>
+              <a:rPr lang="en-US" dirty="0"/>
               <a:t>Traverse edge to child </a:t>
             </a:r>
             <a:r>
-              <a:rPr lang="en-US" dirty="0" err="1" smtClean="0"/>
+              <a:rPr lang="en-US" dirty="0" err="1"/>
               <a:t>root.child</a:t>
             </a:r>
             <a:r>
-              <a:rPr lang="en-US" dirty="0" smtClean="0"/>
+              <a:rPr lang="en-US" dirty="0"/>
               <a:t>[s[0]]</a:t>
             </a:r>
             <a:br>
-              <a:rPr lang="en-US" dirty="0" smtClean="0"/>
+              <a:rPr lang="en-US" dirty="0"/>
             </a:br>
             <a:r>
-              <a:rPr lang="en-US" dirty="0" smtClean="0"/>
+              <a:rPr lang="en-US" dirty="0"/>
               <a:t>and add subtree for s[1:] to that child</a:t>
             </a:r>
           </a:p>
           <a:p>
             <a:r>
-              <a:rPr lang="en-US" dirty="0" err="1" smtClean="0"/>
+              <a:rPr lang="en-US" dirty="0" err="1"/>
               <a:t>Recurse</a:t>
             </a:r>
             <a:r>
-              <a:rPr lang="en-US" dirty="0" smtClean="0"/>
+              <a:rPr lang="en-US" dirty="0"/>
               <a:t> until out of chars in string s</a:t>
             </a:r>
-            <a:endParaRPr lang="en-US" dirty="0"/>
           </a:p>
         </p:txBody>
       </p:sp>
@@ -4433,7 +4414,7 @@
           <p:cNvPr id="7" name="TextBox 6">
             <a:extLst>
               <a:ext uri="{FF2B5EF4-FFF2-40B4-BE49-F238E27FC236}">
-                <a16:creationId xmlns:a16="http://schemas.microsoft.com/office/drawing/2014/main" xmlns="" id="{53E89B64-E4C7-B349-8F4D-C096A24A66FC}"/>
+                <a16:creationId xmlns:a16="http://schemas.microsoft.com/office/drawing/2014/main" id="{53E89B64-E4C7-B349-8F4D-C096A24A66FC}"/>
               </a:ext>
             </a:extLst>
           </p:cNvPr>
@@ -4462,7 +4443,7 @@
           <a:lstStyle/>
           <a:p>
             <a:r>
-              <a:rPr lang="en-US" sz="2200" smtClean="0">
+              <a:rPr lang="en-US" sz="2200">
                 <a:latin typeface="Monaco" charset="0"/>
                 <a:ea typeface="Monaco" charset="0"/>
                 <a:cs typeface="Monaco" charset="0"/>
@@ -4470,7 +4451,7 @@
               <a:t>class </a:t>
             </a:r>
             <a:r>
-              <a:rPr lang="en-US" sz="2200" dirty="0" err="1" smtClean="0">
+              <a:rPr lang="en-US" sz="2200" dirty="0" err="1">
                 <a:latin typeface="Monaco" charset="0"/>
                 <a:ea typeface="Monaco" charset="0"/>
                 <a:cs typeface="Monaco" charset="0"/>
@@ -4478,7 +4459,7 @@
               <a:t>TrieNode</a:t>
             </a:r>
             <a:r>
-              <a:rPr lang="en-US" sz="2200" dirty="0" smtClean="0">
+              <a:rPr lang="en-US" sz="2200" dirty="0">
                 <a:latin typeface="Monaco" charset="0"/>
                 <a:ea typeface="Monaco" charset="0"/>
                 <a:cs typeface="Monaco" charset="0"/>
@@ -4488,7 +4469,7 @@
           </a:p>
           <a:p>
             <a:r>
-              <a:rPr lang="en-US" sz="2200" dirty="0" smtClean="0">
+              <a:rPr lang="en-US" sz="2200" dirty="0">
                 <a:latin typeface="Monaco" charset="0"/>
                 <a:ea typeface="Monaco" charset="0"/>
                 <a:cs typeface="Monaco" charset="0"/>
@@ -4496,7 +4477,7 @@
               <a:t>    </a:t>
             </a:r>
             <a:r>
-              <a:rPr lang="en-US" sz="2200" dirty="0" err="1" smtClean="0">
+              <a:rPr lang="en-US" sz="2200" dirty="0" err="1">
                 <a:latin typeface="Monaco" charset="0"/>
                 <a:ea typeface="Monaco" charset="0"/>
                 <a:cs typeface="Monaco" charset="0"/>
@@ -4504,7 +4485,7 @@
               <a:t>def</a:t>
             </a:r>
             <a:r>
-              <a:rPr lang="en-US" sz="2200" dirty="0" smtClean="0">
+              <a:rPr lang="en-US" sz="2200" dirty="0">
                 <a:latin typeface="Monaco" charset="0"/>
                 <a:ea typeface="Monaco" charset="0"/>
                 <a:cs typeface="Monaco" charset="0"/>
@@ -4512,7 +4493,7 @@
               <a:t> __</a:t>
             </a:r>
             <a:r>
-              <a:rPr lang="en-US" sz="2200" dirty="0" err="1" smtClean="0">
+              <a:rPr lang="en-US" sz="2200" dirty="0" err="1">
                 <a:latin typeface="Monaco" charset="0"/>
                 <a:ea typeface="Monaco" charset="0"/>
                 <a:cs typeface="Monaco" charset="0"/>
@@ -4520,7 +4501,7 @@
               <a:t>init</a:t>
             </a:r>
             <a:r>
-              <a:rPr lang="en-US" sz="2200" dirty="0" smtClean="0">
+              <a:rPr lang="en-US" sz="2200" dirty="0">
                 <a:latin typeface="Monaco" charset="0"/>
                 <a:ea typeface="Monaco" charset="0"/>
                 <a:cs typeface="Monaco" charset="0"/>
@@ -4530,7 +4511,7 @@
           </a:p>
           <a:p>
             <a:r>
-              <a:rPr lang="en-US" sz="2200" dirty="0" smtClean="0">
+              <a:rPr lang="en-US" sz="2200" dirty="0">
                 <a:latin typeface="Monaco" charset="0"/>
                 <a:ea typeface="Monaco" charset="0"/>
                 <a:cs typeface="Monaco" charset="0"/>
@@ -4538,7 +4519,7 @@
               <a:t>        </a:t>
             </a:r>
             <a:r>
-              <a:rPr lang="en-US" sz="2200" dirty="0" err="1" smtClean="0">
+              <a:rPr lang="en-US" sz="2200" dirty="0" err="1">
                 <a:latin typeface="Monaco" charset="0"/>
                 <a:ea typeface="Monaco" charset="0"/>
                 <a:cs typeface="Monaco" charset="0"/>
@@ -4546,18 +4527,13 @@
               <a:t>self.edges</a:t>
             </a:r>
             <a:r>
-              <a:rPr lang="en-US" sz="2200" dirty="0" smtClean="0">
+              <a:rPr lang="en-US" sz="2200" dirty="0">
                 <a:latin typeface="Monaco" charset="0"/>
                 <a:ea typeface="Monaco" charset="0"/>
                 <a:cs typeface="Monaco" charset="0"/>
               </a:rPr>
               <a:t> = {}</a:t>
             </a:r>
-            <a:endParaRPr lang="en-US" sz="2200" dirty="0">
-              <a:latin typeface="Monaco" charset="0"/>
-              <a:ea typeface="Monaco" charset="0"/>
-              <a:cs typeface="Monaco" charset="0"/>
-            </a:endParaRPr>
           </a:p>
         </p:txBody>
       </p:sp>
@@ -4607,10 +4583,9 @@
           <a:lstStyle/>
           <a:p>
             <a:r>
-              <a:rPr lang="en-US" dirty="0" smtClean="0"/>
+              <a:rPr lang="en-US" dirty="0"/>
               <a:t>Construction</a:t>
             </a:r>
-            <a:endParaRPr lang="en-US" dirty="0"/>
           </a:p>
         </p:txBody>
       </p:sp>
@@ -4630,10 +4605,9 @@
           <a:lstStyle/>
           <a:p>
             <a:r>
-              <a:rPr lang="en-US" dirty="0" smtClean="0"/>
+              <a:rPr lang="en-US" dirty="0"/>
               <a:t>add(root, “ape”)</a:t>
             </a:r>
-            <a:endParaRPr lang="en-US" dirty="0"/>
           </a:p>
         </p:txBody>
       </p:sp>
@@ -4666,7 +4640,7 @@
           <p:cNvPr id="5" name="TextBox 4">
             <a:extLst>
               <a:ext uri="{FF2B5EF4-FFF2-40B4-BE49-F238E27FC236}">
-                <a16:creationId xmlns:a16="http://schemas.microsoft.com/office/drawing/2014/main" xmlns="" id="{53E89B64-E4C7-B349-8F4D-C096A24A66FC}"/>
+                <a16:creationId xmlns:a16="http://schemas.microsoft.com/office/drawing/2014/main" id="{53E89B64-E4C7-B349-8F4D-C096A24A66FC}"/>
               </a:ext>
             </a:extLst>
           </p:cNvPr>
@@ -4695,7 +4669,7 @@
           <a:lstStyle/>
           <a:p>
             <a:r>
-              <a:rPr lang="en-US" sz="2200" smtClean="0">
+              <a:rPr lang="en-US" sz="2200">
                 <a:latin typeface="Monaco" charset="0"/>
                 <a:ea typeface="Monaco" charset="0"/>
                 <a:cs typeface="Monaco" charset="0"/>
@@ -4703,7 +4677,7 @@
               <a:t>class </a:t>
             </a:r>
             <a:r>
-              <a:rPr lang="en-US" sz="2200" dirty="0" err="1" smtClean="0">
+              <a:rPr lang="en-US" sz="2200" dirty="0" err="1">
                 <a:latin typeface="Monaco" charset="0"/>
                 <a:ea typeface="Monaco" charset="0"/>
                 <a:cs typeface="Monaco" charset="0"/>
@@ -4711,7 +4685,7 @@
               <a:t>TrieNode</a:t>
             </a:r>
             <a:r>
-              <a:rPr lang="en-US" sz="2200" dirty="0" smtClean="0">
+              <a:rPr lang="en-US" sz="2200" dirty="0">
                 <a:latin typeface="Monaco" charset="0"/>
                 <a:ea typeface="Monaco" charset="0"/>
                 <a:cs typeface="Monaco" charset="0"/>
@@ -4721,7 +4695,7 @@
           </a:p>
           <a:p>
             <a:r>
-              <a:rPr lang="en-US" sz="2200" dirty="0" smtClean="0">
+              <a:rPr lang="en-US" sz="2200" dirty="0">
                 <a:latin typeface="Monaco" charset="0"/>
                 <a:ea typeface="Monaco" charset="0"/>
                 <a:cs typeface="Monaco" charset="0"/>
@@ -4729,7 +4703,7 @@
               <a:t>    </a:t>
             </a:r>
             <a:r>
-              <a:rPr lang="en-US" sz="2200" dirty="0" err="1" smtClean="0">
+              <a:rPr lang="en-US" sz="2200" dirty="0" err="1">
                 <a:latin typeface="Monaco" charset="0"/>
                 <a:ea typeface="Monaco" charset="0"/>
                 <a:cs typeface="Monaco" charset="0"/>
@@ -4737,7 +4711,7 @@
               <a:t>def</a:t>
             </a:r>
             <a:r>
-              <a:rPr lang="en-US" sz="2200" dirty="0" smtClean="0">
+              <a:rPr lang="en-US" sz="2200" dirty="0">
                 <a:latin typeface="Monaco" charset="0"/>
                 <a:ea typeface="Monaco" charset="0"/>
                 <a:cs typeface="Monaco" charset="0"/>
@@ -4745,7 +4719,7 @@
               <a:t> __</a:t>
             </a:r>
             <a:r>
-              <a:rPr lang="en-US" sz="2200" dirty="0" err="1" smtClean="0">
+              <a:rPr lang="en-US" sz="2200" dirty="0" err="1">
                 <a:latin typeface="Monaco" charset="0"/>
                 <a:ea typeface="Monaco" charset="0"/>
                 <a:cs typeface="Monaco" charset="0"/>
@@ -4753,7 +4727,7 @@
               <a:t>init</a:t>
             </a:r>
             <a:r>
-              <a:rPr lang="en-US" sz="2200" dirty="0" smtClean="0">
+              <a:rPr lang="en-US" sz="2200" dirty="0">
                 <a:latin typeface="Monaco" charset="0"/>
                 <a:ea typeface="Monaco" charset="0"/>
                 <a:cs typeface="Monaco" charset="0"/>
@@ -4763,7 +4737,7 @@
           </a:p>
           <a:p>
             <a:r>
-              <a:rPr lang="en-US" sz="2200" dirty="0" smtClean="0">
+              <a:rPr lang="en-US" sz="2200" dirty="0">
                 <a:latin typeface="Monaco" charset="0"/>
                 <a:ea typeface="Monaco" charset="0"/>
                 <a:cs typeface="Monaco" charset="0"/>
@@ -4771,7 +4745,7 @@
               <a:t>        </a:t>
             </a:r>
             <a:r>
-              <a:rPr lang="en-US" sz="2200" dirty="0" err="1" smtClean="0">
+              <a:rPr lang="en-US" sz="2200" dirty="0" err="1">
                 <a:latin typeface="Monaco" charset="0"/>
                 <a:ea typeface="Monaco" charset="0"/>
                 <a:cs typeface="Monaco" charset="0"/>
@@ -4779,18 +4753,13 @@
               <a:t>self.edges</a:t>
             </a:r>
             <a:r>
-              <a:rPr lang="en-US" sz="2200" dirty="0" smtClean="0">
+              <a:rPr lang="en-US" sz="2200" dirty="0">
                 <a:latin typeface="Monaco" charset="0"/>
                 <a:ea typeface="Monaco" charset="0"/>
                 <a:cs typeface="Monaco" charset="0"/>
               </a:rPr>
               <a:t> = {}</a:t>
             </a:r>
-            <a:endParaRPr lang="en-US" sz="2200" dirty="0">
-              <a:latin typeface="Monaco" charset="0"/>
-              <a:ea typeface="Monaco" charset="0"/>
-              <a:cs typeface="Monaco" charset="0"/>
-            </a:endParaRPr>
           </a:p>
         </p:txBody>
       </p:sp>
@@ -4799,7 +4768,7 @@
           <p:cNvPr id="7" name="TextBox 6">
             <a:extLst>
               <a:ext uri="{FF2B5EF4-FFF2-40B4-BE49-F238E27FC236}">
-                <a16:creationId xmlns:a16="http://schemas.microsoft.com/office/drawing/2014/main" xmlns="" id="{53E89B64-E4C7-B349-8F4D-C096A24A66FC}"/>
+                <a16:creationId xmlns:a16="http://schemas.microsoft.com/office/drawing/2014/main" id="{53E89B64-E4C7-B349-8F4D-C096A24A66FC}"/>
               </a:ext>
             </a:extLst>
           </p:cNvPr>
@@ -4889,10 +4858,86 @@
                 <a:ea typeface="Monaco" charset="0"/>
                 <a:cs typeface="Monaco" charset="0"/>
               </a:rPr>
-              <a:t>=0) -&gt; None</a:t>
-            </a:r>
-            <a:r>
-              <a:rPr lang="en-US" sz="2200" dirty="0" smtClean="0">
+              <a:t>=0) -&gt; None:</a:t>
+            </a:r>
+          </a:p>
+          <a:p>
+            <a:r>
+              <a:rPr lang="en-US" sz="2200" dirty="0">
+                <a:latin typeface="Monaco" charset="0"/>
+                <a:ea typeface="Monaco" charset="0"/>
+                <a:cs typeface="Monaco" charset="0"/>
+              </a:rPr>
+              <a:t>    if </a:t>
+            </a:r>
+            <a:r>
+              <a:rPr lang="en-US" sz="2200" dirty="0" err="1">
+                <a:latin typeface="Monaco" charset="0"/>
+                <a:ea typeface="Monaco" charset="0"/>
+                <a:cs typeface="Monaco" charset="0"/>
+              </a:rPr>
+              <a:t>i</a:t>
+            </a:r>
+            <a:r>
+              <a:rPr lang="en-US" sz="2200" dirty="0">
+                <a:latin typeface="Monaco" charset="0"/>
+                <a:ea typeface="Monaco" charset="0"/>
+                <a:cs typeface="Monaco" charset="0"/>
+              </a:rPr>
+              <a:t>&gt;=</a:t>
+            </a:r>
+            <a:r>
+              <a:rPr lang="en-US" sz="2200" dirty="0" err="1">
+                <a:latin typeface="Monaco" charset="0"/>
+                <a:ea typeface="Monaco" charset="0"/>
+                <a:cs typeface="Monaco" charset="0"/>
+              </a:rPr>
+              <a:t>len</a:t>
+            </a:r>
+            <a:r>
+              <a:rPr lang="en-US" sz="2200" dirty="0">
+                <a:latin typeface="Monaco" charset="0"/>
+                <a:ea typeface="Monaco" charset="0"/>
+                <a:cs typeface="Monaco" charset="0"/>
+              </a:rPr>
+              <a:t>(s): return</a:t>
+            </a:r>
+          </a:p>
+          <a:p>
+            <a:r>
+              <a:rPr lang="en-US" sz="2200" dirty="0">
+                <a:latin typeface="Monaco" charset="0"/>
+                <a:ea typeface="Monaco" charset="0"/>
+                <a:cs typeface="Monaco" charset="0"/>
+              </a:rPr>
+              <a:t>    if s[</a:t>
+            </a:r>
+            <a:r>
+              <a:rPr lang="en-US" sz="2200" dirty="0" err="1">
+                <a:latin typeface="Monaco" charset="0"/>
+                <a:ea typeface="Monaco" charset="0"/>
+                <a:cs typeface="Monaco" charset="0"/>
+              </a:rPr>
+              <a:t>i</a:t>
+            </a:r>
+            <a:r>
+              <a:rPr lang="en-US" sz="2200" dirty="0">
+                <a:latin typeface="Monaco" charset="0"/>
+                <a:ea typeface="Monaco" charset="0"/>
+                <a:cs typeface="Monaco" charset="0"/>
+              </a:rPr>
+              <a:t>] not in </a:t>
+            </a:r>
+            <a:r>
+              <a:rPr lang="en-US" sz="2200" dirty="0" err="1">
+                <a:latin typeface="Monaco" charset="0"/>
+                <a:ea typeface="Monaco" charset="0"/>
+                <a:cs typeface="Monaco" charset="0"/>
+              </a:rPr>
+              <a:t>p.edges</a:t>
+            </a:r>
+            <a:r>
+              <a:rPr lang="en-US" sz="2200" dirty="0">
                 <a:latin typeface="Monaco" charset="0"/>
                 <a:ea typeface="Monaco" charset="0"/>
                 <a:cs typeface="Monaco" charset="0"/>
@@ -4902,20 +4947,12 @@
           </a:p>
           <a:p>
             <a:r>
-              <a:rPr lang="en-US" sz="2200" dirty="0" smtClean="0">
-                <a:latin typeface="Monaco" charset="0"/>
-                <a:ea typeface="Monaco" charset="0"/>
-                <a:cs typeface="Monaco" charset="0"/>
-              </a:rPr>
-              <a:t>    </a:t>
-            </a:r>
-            <a:r>
               <a:rPr lang="en-US" sz="2200" dirty="0">
                 <a:latin typeface="Monaco" charset="0"/>
                 <a:ea typeface="Monaco" charset="0"/>
                 <a:cs typeface="Monaco" charset="0"/>
               </a:rPr>
-              <a:t>if </a:t>
+              <a:t>        </a:t>
             </a:r>
             <a:r>
               <a:rPr lang="en-US" sz="2200" dirty="0" err="1">
@@ -4923,6 +4960,22 @@
                 <a:ea typeface="Monaco" charset="0"/>
                 <a:cs typeface="Monaco" charset="0"/>
               </a:rPr>
+              <a:t>p.edges</a:t>
+            </a:r>
+            <a:r>
+              <a:rPr lang="en-US" sz="2200" dirty="0">
+                <a:latin typeface="Monaco" charset="0"/>
+                <a:ea typeface="Monaco" charset="0"/>
+                <a:cs typeface="Monaco" charset="0"/>
+              </a:rPr>
+              <a:t>[s[</a:t>
+            </a:r>
+            <a:r>
+              <a:rPr lang="en-US" sz="2200" dirty="0" err="1">
+                <a:latin typeface="Monaco" charset="0"/>
+                <a:ea typeface="Monaco" charset="0"/>
+                <a:cs typeface="Monaco" charset="0"/>
+              </a:rPr>
               <a:t>i</a:t>
             </a:r>
             <a:r>
@@ -4931,7 +4984,7 @@
                 <a:ea typeface="Monaco" charset="0"/>
                 <a:cs typeface="Monaco" charset="0"/>
               </a:rPr>
-              <a:t>&gt;=</a:t>
+              <a:t>]] = </a:t>
             </a:r>
             <a:r>
               <a:rPr lang="en-US" sz="2200" dirty="0" err="1">
@@ -4939,7 +4992,7 @@
                 <a:ea typeface="Monaco" charset="0"/>
                 <a:cs typeface="Monaco" charset="0"/>
               </a:rPr>
-              <a:t>len</a:t>
+              <a:t>TrieNode</a:t>
             </a:r>
             <a:r>
               <a:rPr lang="en-US" sz="2200" dirty="0">
@@ -4947,33 +5000,17 @@
                 <a:ea typeface="Monaco" charset="0"/>
                 <a:cs typeface="Monaco" charset="0"/>
               </a:rPr>
-              <a:t>(s): </a:t>
-            </a:r>
-            <a:r>
-              <a:rPr lang="en-US" sz="2200" dirty="0" smtClean="0">
-                <a:latin typeface="Monaco" charset="0"/>
-                <a:ea typeface="Monaco" charset="0"/>
-                <a:cs typeface="Monaco" charset="0"/>
-              </a:rPr>
-              <a:t>return</a:t>
-            </a:r>
-          </a:p>
-          <a:p>
-            <a:r>
-              <a:rPr lang="en-US" sz="2200" dirty="0" smtClean="0">
-                <a:latin typeface="Monaco" charset="0"/>
-                <a:ea typeface="Monaco" charset="0"/>
-                <a:cs typeface="Monaco" charset="0"/>
-              </a:rPr>
-              <a:t>    </a:t>
-            </a:r>
+              <a:t>()</a:t>
+            </a:r>
+          </a:p>
+          <a:p>
             <a:r>
               <a:rPr lang="en-US" sz="2200" dirty="0">
                 <a:latin typeface="Monaco" charset="0"/>
                 <a:ea typeface="Monaco" charset="0"/>
                 <a:cs typeface="Monaco" charset="0"/>
               </a:rPr>
-              <a:t>if s[</a:t>
+              <a:t>    add(</a:t>
             </a:r>
             <a:r>
               <a:rPr lang="en-US" sz="2200" dirty="0" err="1">
@@ -4981,6 +5018,22 @@
                 <a:ea typeface="Monaco" charset="0"/>
                 <a:cs typeface="Monaco" charset="0"/>
               </a:rPr>
+              <a:t>p.edges</a:t>
+            </a:r>
+            <a:r>
+              <a:rPr lang="en-US" sz="2200" dirty="0">
+                <a:latin typeface="Monaco" charset="0"/>
+                <a:ea typeface="Monaco" charset="0"/>
+                <a:cs typeface="Monaco" charset="0"/>
+              </a:rPr>
+              <a:t>[s[</a:t>
+            </a:r>
+            <a:r>
+              <a:rPr lang="en-US" sz="2200" dirty="0" err="1">
+                <a:latin typeface="Monaco" charset="0"/>
+                <a:ea typeface="Monaco" charset="0"/>
+                <a:cs typeface="Monaco" charset="0"/>
+              </a:rPr>
               <a:t>i</a:t>
             </a:r>
             <a:r>
@@ -4989,137 +5042,8 @@
                 <a:ea typeface="Monaco" charset="0"/>
                 <a:cs typeface="Monaco" charset="0"/>
               </a:rPr>
-              <a:t>] not in </a:t>
-            </a:r>
-            <a:r>
-              <a:rPr lang="en-US" sz="2200" dirty="0" err="1">
-                <a:latin typeface="Monaco" charset="0"/>
-                <a:ea typeface="Monaco" charset="0"/>
-                <a:cs typeface="Monaco" charset="0"/>
-              </a:rPr>
-              <a:t>p.edges</a:t>
-            </a:r>
-            <a:r>
-              <a:rPr lang="en-US" sz="2200" dirty="0" smtClean="0">
-                <a:latin typeface="Monaco" charset="0"/>
-                <a:ea typeface="Monaco" charset="0"/>
-                <a:cs typeface="Monaco" charset="0"/>
-              </a:rPr>
-              <a:t>:</a:t>
-            </a:r>
-          </a:p>
-          <a:p>
-            <a:r>
-              <a:rPr lang="en-US" sz="2200" dirty="0" smtClean="0">
-                <a:latin typeface="Monaco" charset="0"/>
-                <a:ea typeface="Monaco" charset="0"/>
-                <a:cs typeface="Monaco" charset="0"/>
-              </a:rPr>
-              <a:t>        </a:t>
-            </a:r>
-            <a:r>
-              <a:rPr lang="en-US" sz="2200" dirty="0" err="1">
-                <a:latin typeface="Monaco" charset="0"/>
-                <a:ea typeface="Monaco" charset="0"/>
-                <a:cs typeface="Monaco" charset="0"/>
-              </a:rPr>
-              <a:t>p.edges</a:t>
-            </a:r>
-            <a:r>
-              <a:rPr lang="en-US" sz="2200" dirty="0">
-                <a:latin typeface="Monaco" charset="0"/>
-                <a:ea typeface="Monaco" charset="0"/>
-                <a:cs typeface="Monaco" charset="0"/>
-              </a:rPr>
-              <a:t>[s[</a:t>
-            </a:r>
-            <a:r>
-              <a:rPr lang="en-US" sz="2200" dirty="0" err="1">
-                <a:latin typeface="Monaco" charset="0"/>
-                <a:ea typeface="Monaco" charset="0"/>
-                <a:cs typeface="Monaco" charset="0"/>
-              </a:rPr>
-              <a:t>i</a:t>
-            </a:r>
-            <a:r>
-              <a:rPr lang="en-US" sz="2200" dirty="0">
-                <a:latin typeface="Monaco" charset="0"/>
-                <a:ea typeface="Monaco" charset="0"/>
-                <a:cs typeface="Monaco" charset="0"/>
-              </a:rPr>
-              <a:t>]] = </a:t>
-            </a:r>
-            <a:r>
-              <a:rPr lang="en-US" sz="2200" dirty="0" err="1">
-                <a:latin typeface="Monaco" charset="0"/>
-                <a:ea typeface="Monaco" charset="0"/>
-                <a:cs typeface="Monaco" charset="0"/>
-              </a:rPr>
-              <a:t>TrieNode</a:t>
-            </a:r>
-            <a:r>
-              <a:rPr lang="en-US" sz="2200" dirty="0" smtClean="0">
-                <a:latin typeface="Monaco" charset="0"/>
-                <a:ea typeface="Monaco" charset="0"/>
-                <a:cs typeface="Monaco" charset="0"/>
-              </a:rPr>
-              <a:t>()</a:t>
-            </a:r>
-          </a:p>
-          <a:p>
-            <a:r>
-              <a:rPr lang="en-US" sz="2200" dirty="0" smtClean="0">
-                <a:latin typeface="Monaco" charset="0"/>
-                <a:ea typeface="Monaco" charset="0"/>
-                <a:cs typeface="Monaco" charset="0"/>
-              </a:rPr>
-              <a:t>    </a:t>
-            </a:r>
-            <a:r>
-              <a:rPr lang="en-US" sz="2200" dirty="0">
-                <a:latin typeface="Monaco" charset="0"/>
-                <a:ea typeface="Monaco" charset="0"/>
-                <a:cs typeface="Monaco" charset="0"/>
-              </a:rPr>
-              <a:t>add(</a:t>
-            </a:r>
-            <a:r>
-              <a:rPr lang="en-US" sz="2200" dirty="0" err="1">
-                <a:latin typeface="Monaco" charset="0"/>
-                <a:ea typeface="Monaco" charset="0"/>
-                <a:cs typeface="Monaco" charset="0"/>
-              </a:rPr>
-              <a:t>p.edges</a:t>
-            </a:r>
-            <a:r>
-              <a:rPr lang="en-US" sz="2200" dirty="0">
-                <a:latin typeface="Monaco" charset="0"/>
-                <a:ea typeface="Monaco" charset="0"/>
-                <a:cs typeface="Monaco" charset="0"/>
-              </a:rPr>
-              <a:t>[s[</a:t>
-            </a:r>
-            <a:r>
-              <a:rPr lang="en-US" sz="2200" dirty="0" err="1">
-                <a:latin typeface="Monaco" charset="0"/>
-                <a:ea typeface="Monaco" charset="0"/>
-                <a:cs typeface="Monaco" charset="0"/>
-              </a:rPr>
-              <a:t>i</a:t>
-            </a:r>
-            <a:r>
-              <a:rPr lang="en-US" sz="2200" dirty="0">
-                <a:latin typeface="Monaco" charset="0"/>
-                <a:ea typeface="Monaco" charset="0"/>
-                <a:cs typeface="Monaco" charset="0"/>
-              </a:rPr>
               <a:t>]], s, i+1)</a:t>
             </a:r>
-            <a:endParaRPr lang="en-US" sz="2200" dirty="0">
-              <a:latin typeface="Monaco" charset="0"/>
-              <a:ea typeface="Monaco" charset="0"/>
-              <a:cs typeface="Monaco" charset="0"/>
-            </a:endParaRPr>
           </a:p>
         </p:txBody>
       </p:sp>
@@ -5169,50 +5093,72 @@
           <a:lstStyle/>
           <a:p>
             <a:r>
-              <a:rPr lang="en-US" dirty="0" smtClean="0"/>
+              <a:rPr lang="en-US" dirty="0"/>
               <a:t>Searching a </a:t>
-            </a:r>
-            <a:r>
-              <a:rPr lang="en-US" dirty="0" err="1" smtClean="0"/>
-              <a:t>Trie</a:t>
-            </a:r>
-            <a:endParaRPr lang="en-US" dirty="0"/>
-          </a:p>
-        </p:txBody>
-      </p:sp>
-      <p:sp>
-        <p:nvSpPr>
-          <p:cNvPr id="3" name="Content Placeholder 2"/>
-          <p:cNvSpPr>
-            <a:spLocks noGrp="1"/>
-          </p:cNvSpPr>
-          <p:nvPr>
-            <p:ph idx="1"/>
-          </p:nvPr>
-        </p:nvSpPr>
-        <p:spPr/>
-        <p:txBody>
-          <a:bodyPr/>
-          <a:lstStyle/>
-          <a:p>
-            <a:r>
-              <a:rPr lang="en-US" dirty="0"/>
-              <a:t>Return true if s is prefix of word in </a:t>
             </a:r>
             <a:r>
               <a:rPr lang="en-US" dirty="0" err="1"/>
               <a:t>Trie</a:t>
             </a:r>
-            <a:r>
-              <a:rPr lang="en-US" dirty="0"/>
-              <a:t> or full word in </a:t>
+            <a:endParaRPr lang="en-US" dirty="0"/>
+          </a:p>
+        </p:txBody>
+      </p:sp>
+      <p:sp>
+        <p:nvSpPr>
+          <p:cNvPr id="3" name="Content Placeholder 2"/>
+          <p:cNvSpPr>
+            <a:spLocks noGrp="1"/>
+          </p:cNvSpPr>
+          <p:nvPr>
+            <p:ph idx="1"/>
+          </p:nvPr>
+        </p:nvSpPr>
+        <p:spPr/>
+        <p:txBody>
+          <a:bodyPr/>
+          <a:lstStyle/>
+          <a:p>
+            <a:r>
+              <a:rPr lang="en-US" dirty="0"/>
+              <a:t>Return true if s is prefix of word in </a:t>
             </a:r>
             <a:r>
               <a:rPr lang="en-US" dirty="0" err="1"/>
               <a:t>Trie</a:t>
             </a:r>
+            <a:r>
+              <a:rPr lang="en-US" dirty="0"/>
+              <a:t> or full word in </a:t>
+            </a:r>
+            <a:r>
+              <a:rPr lang="en-US" dirty="0" err="1"/>
+              <a:t>Trie</a:t>
+            </a:r>
             <a:endParaRPr lang="en-US" dirty="0"/>
           </a:p>
+          <a:p>
+            <a:r>
+              <a:rPr lang="en-US" dirty="0"/>
+              <a:t>Note that the search depends on </a:t>
+            </a:r>
+            <a:r>
+              <a:rPr lang="en-US" dirty="0" err="1"/>
+              <a:t>len</a:t>
+            </a:r>
+            <a:r>
+              <a:rPr lang="en-US" dirty="0"/>
+              <a:t>(s) not </a:t>
+            </a:r>
+            <a:r>
+              <a:rPr lang="en-US" dirty="0" err="1"/>
+              <a:t>num</a:t>
+            </a:r>
+            <a:r>
+              <a:rPr lang="en-US" dirty="0"/>
+              <a:t> words n !!!</a:t>
+            </a:r>
+          </a:p>
         </p:txBody>
       </p:sp>
       <p:sp>
@@ -5220,7 +5166,7 @@
           <p:cNvPr id="4" name="TextBox 3">
             <a:extLst>
               <a:ext uri="{FF2B5EF4-FFF2-40B4-BE49-F238E27FC236}">
-                <a16:creationId xmlns:a16="http://schemas.microsoft.com/office/drawing/2014/main" xmlns="" id="{53E89B64-E4C7-B349-8F4D-C096A24A66FC}"/>
+                <a16:creationId xmlns:a16="http://schemas.microsoft.com/office/drawing/2014/main" id="{53E89B64-E4C7-B349-8F4D-C096A24A66FC}"/>
               </a:ext>
             </a:extLst>
           </p:cNvPr>
@@ -5229,7 +5175,7 @@
         </p:nvSpPr>
         <p:spPr>
           <a:xfrm>
-            <a:off x="1459149" y="2792199"/>
+            <a:off x="1410510" y="3093756"/>
             <a:ext cx="9077528" cy="2800767"/>
           </a:xfrm>
           <a:prstGeom prst="rect">
@@ -5310,72 +5256,158 @@
                 <a:ea typeface="Monaco" charset="0"/>
                 <a:cs typeface="Monaco" charset="0"/>
               </a:rPr>
-              <a:t>=0) -&gt; bool</a:t>
-            </a:r>
-            <a:r>
-              <a:rPr lang="en-US" sz="2200" dirty="0" smtClean="0">
-                <a:latin typeface="Monaco" charset="0"/>
-                <a:ea typeface="Monaco" charset="0"/>
-                <a:cs typeface="Monaco" charset="0"/>
-              </a:rPr>
-              <a:t>:</a:t>
-            </a:r>
-          </a:p>
-          <a:p>
-            <a:r>
-              <a:rPr lang="en-US" sz="2200" dirty="0" smtClean="0">
-                <a:latin typeface="Monaco" charset="0"/>
-                <a:ea typeface="Monaco" charset="0"/>
-                <a:cs typeface="Monaco" charset="0"/>
-              </a:rPr>
-              <a:t>    p </a:t>
-            </a:r>
+              <a:t>=0) -&gt; bool:</a:t>
+            </a:r>
+          </a:p>
+          <a:p>
             <a:r>
               <a:rPr lang="en-US" sz="2200" dirty="0">
                 <a:latin typeface="Monaco" charset="0"/>
                 <a:ea typeface="Monaco" charset="0"/>
                 <a:cs typeface="Monaco" charset="0"/>
               </a:rPr>
-              <a:t>= </a:t>
-            </a:r>
-            <a:r>
-              <a:rPr lang="en-US" sz="2200" dirty="0" smtClean="0">
-                <a:latin typeface="Monaco" charset="0"/>
-                <a:ea typeface="Monaco" charset="0"/>
-                <a:cs typeface="Monaco" charset="0"/>
-              </a:rPr>
-              <a:t>root</a:t>
-            </a:r>
-          </a:p>
-          <a:p>
-            <a:r>
-              <a:rPr lang="en-US" sz="2200" dirty="0" smtClean="0">
-                <a:latin typeface="Monaco" charset="0"/>
-                <a:ea typeface="Monaco" charset="0"/>
-                <a:cs typeface="Monaco" charset="0"/>
-              </a:rPr>
-              <a:t>    </a:t>
-            </a:r>
+              <a:t>    p = root</a:t>
+            </a:r>
+          </a:p>
+          <a:p>
             <a:r>
               <a:rPr lang="en-US" sz="2200" dirty="0">
                 <a:latin typeface="Monaco" charset="0"/>
                 <a:ea typeface="Monaco" charset="0"/>
                 <a:cs typeface="Monaco" charset="0"/>
               </a:rPr>
-              <a:t>while p is not None</a:t>
-            </a:r>
-            <a:r>
-              <a:rPr lang="en-US" sz="2200" dirty="0" smtClean="0">
-                <a:latin typeface="Monaco" charset="0"/>
-                <a:ea typeface="Monaco" charset="0"/>
-                <a:cs typeface="Monaco" charset="0"/>
-              </a:rPr>
-              <a:t>:</a:t>
-            </a:r>
-          </a:p>
-          <a:p>
-            <a:r>
-              <a:rPr lang="en-US" sz="2200" dirty="0" smtClean="0">
+              <a:t>    while p is not None:</a:t>
+            </a:r>
+          </a:p>
+          <a:p>
+            <a:r>
+              <a:rPr lang="en-US" sz="2200" dirty="0">
+                <a:latin typeface="Monaco" charset="0"/>
+                <a:ea typeface="Monaco" charset="0"/>
+                <a:cs typeface="Monaco" charset="0"/>
+              </a:rPr>
+              <a:t>        if </a:t>
+            </a:r>
+            <a:r>
+              <a:rPr lang="en-US" sz="2200" dirty="0" err="1">
+                <a:latin typeface="Monaco" charset="0"/>
+                <a:ea typeface="Monaco" charset="0"/>
+                <a:cs typeface="Monaco" charset="0"/>
+              </a:rPr>
+              <a:t>i</a:t>
+            </a:r>
+            <a:r>
+              <a:rPr lang="en-US" sz="2200" dirty="0">
+                <a:latin typeface="Monaco" charset="0"/>
+                <a:ea typeface="Monaco" charset="0"/>
+                <a:cs typeface="Monaco" charset="0"/>
+              </a:rPr>
+              <a:t>&gt;=</a:t>
+            </a:r>
+            <a:r>
+              <a:rPr lang="en-US" sz="2200" dirty="0" err="1">
+                <a:latin typeface="Monaco" charset="0"/>
+                <a:ea typeface="Monaco" charset="0"/>
+                <a:cs typeface="Monaco" charset="0"/>
+              </a:rPr>
+              <a:t>len</a:t>
+            </a:r>
+            <a:r>
+              <a:rPr lang="en-US" sz="2200" dirty="0">
+                <a:latin typeface="Monaco" charset="0"/>
+                <a:ea typeface="Monaco" charset="0"/>
+                <a:cs typeface="Monaco" charset="0"/>
+              </a:rPr>
+              <a:t>(s): return True</a:t>
+            </a:r>
+          </a:p>
+          <a:p>
+            <a:r>
+              <a:rPr lang="en-US" sz="2200" dirty="0">
+                <a:latin typeface="Monaco" charset="0"/>
+                <a:ea typeface="Monaco" charset="0"/>
+                <a:cs typeface="Monaco" charset="0"/>
+              </a:rPr>
+              <a:t>        if s[</a:t>
+            </a:r>
+            <a:r>
+              <a:rPr lang="en-US" sz="2200" dirty="0" err="1">
+                <a:latin typeface="Monaco" charset="0"/>
+                <a:ea typeface="Monaco" charset="0"/>
+                <a:cs typeface="Monaco" charset="0"/>
+              </a:rPr>
+              <a:t>i</a:t>
+            </a:r>
+            <a:r>
+              <a:rPr lang="en-US" sz="2200" dirty="0">
+                <a:latin typeface="Monaco" charset="0"/>
+                <a:ea typeface="Monaco" charset="0"/>
+                <a:cs typeface="Monaco" charset="0"/>
+              </a:rPr>
+              <a:t>] not in </a:t>
+            </a:r>
+            <a:r>
+              <a:rPr lang="en-US" sz="2200" dirty="0" err="1">
+                <a:latin typeface="Monaco" charset="0"/>
+                <a:ea typeface="Monaco" charset="0"/>
+                <a:cs typeface="Monaco" charset="0"/>
+              </a:rPr>
+              <a:t>p.edges</a:t>
+            </a:r>
+            <a:r>
+              <a:rPr lang="en-US" sz="2200" dirty="0">
+                <a:latin typeface="Monaco" charset="0"/>
+                <a:ea typeface="Monaco" charset="0"/>
+                <a:cs typeface="Monaco" charset="0"/>
+              </a:rPr>
+              <a:t>: return False</a:t>
+            </a:r>
+          </a:p>
+          <a:p>
+            <a:r>
+              <a:rPr lang="en-US" sz="2200" dirty="0">
+                <a:latin typeface="Monaco" charset="0"/>
+                <a:ea typeface="Monaco" charset="0"/>
+                <a:cs typeface="Monaco" charset="0"/>
+              </a:rPr>
+              <a:t>        p = </a:t>
+            </a:r>
+            <a:r>
+              <a:rPr lang="en-US" sz="2200" dirty="0" err="1">
+                <a:latin typeface="Monaco" charset="0"/>
+                <a:ea typeface="Monaco" charset="0"/>
+                <a:cs typeface="Monaco" charset="0"/>
+              </a:rPr>
+              <a:t>p.edges</a:t>
+            </a:r>
+            <a:r>
+              <a:rPr lang="en-US" sz="2200" dirty="0">
+                <a:latin typeface="Monaco" charset="0"/>
+                <a:ea typeface="Monaco" charset="0"/>
+                <a:cs typeface="Monaco" charset="0"/>
+              </a:rPr>
+              <a:t>[s[</a:t>
+            </a:r>
+            <a:r>
+              <a:rPr lang="en-US" sz="2200" dirty="0" err="1">
+                <a:latin typeface="Monaco" charset="0"/>
+                <a:ea typeface="Monaco" charset="0"/>
+                <a:cs typeface="Monaco" charset="0"/>
+              </a:rPr>
+              <a:t>i</a:t>
+            </a:r>
+            <a:r>
+              <a:rPr lang="en-US" sz="2200" dirty="0">
+                <a:latin typeface="Monaco" charset="0"/>
+                <a:ea typeface="Monaco" charset="0"/>
+                <a:cs typeface="Monaco" charset="0"/>
+              </a:rPr>
+              <a:t>]]</a:t>
+            </a:r>
+          </a:p>
+          <a:p>
+            <a:r>
+              <a:rPr lang="en-US" sz="2200" dirty="0">
                 <a:latin typeface="Monaco" charset="0"/>
                 <a:ea typeface="Monaco" charset="0"/>
                 <a:cs typeface="Monaco" charset="0"/>
@@ -5383,218 +5415,31 @@
               <a:t>        </a:t>
             </a:r>
             <a:r>
+              <a:rPr lang="en-US" sz="2200" dirty="0" err="1">
+                <a:latin typeface="Monaco" charset="0"/>
+                <a:ea typeface="Monaco" charset="0"/>
+                <a:cs typeface="Monaco" charset="0"/>
+              </a:rPr>
+              <a:t>i</a:t>
+            </a:r>
+            <a:r>
               <a:rPr lang="en-US" sz="2200" dirty="0">
                 <a:latin typeface="Monaco" charset="0"/>
                 <a:ea typeface="Monaco" charset="0"/>
                 <a:cs typeface="Monaco" charset="0"/>
               </a:rPr>
-              <a:t>if </a:t>
-            </a:r>
-            <a:r>
-              <a:rPr lang="en-US" sz="2200" dirty="0" err="1">
-                <a:latin typeface="Monaco" charset="0"/>
-                <a:ea typeface="Monaco" charset="0"/>
-                <a:cs typeface="Monaco" charset="0"/>
-              </a:rPr>
-              <a:t>i</a:t>
-            </a:r>
+              <a:t> += 1</a:t>
+            </a:r>
+          </a:p>
+          <a:p>
             <a:r>
               <a:rPr lang="en-US" sz="2200" dirty="0">
                 <a:latin typeface="Monaco" charset="0"/>
                 <a:ea typeface="Monaco" charset="0"/>
                 <a:cs typeface="Monaco" charset="0"/>
               </a:rPr>
-              <a:t>&gt;=</a:t>
-            </a:r>
-            <a:r>
-              <a:rPr lang="en-US" sz="2200" dirty="0" err="1">
-                <a:latin typeface="Monaco" charset="0"/>
-                <a:ea typeface="Monaco" charset="0"/>
-                <a:cs typeface="Monaco" charset="0"/>
-              </a:rPr>
-              <a:t>len</a:t>
-            </a:r>
-            <a:r>
-              <a:rPr lang="en-US" sz="2200" dirty="0">
-                <a:latin typeface="Monaco" charset="0"/>
-                <a:ea typeface="Monaco" charset="0"/>
-                <a:cs typeface="Monaco" charset="0"/>
-              </a:rPr>
-              <a:t>(s): return </a:t>
-            </a:r>
-            <a:r>
-              <a:rPr lang="en-US" sz="2200" dirty="0" smtClean="0">
-                <a:latin typeface="Monaco" charset="0"/>
-                <a:ea typeface="Monaco" charset="0"/>
-                <a:cs typeface="Monaco" charset="0"/>
-              </a:rPr>
-              <a:t>True</a:t>
-            </a:r>
-          </a:p>
-          <a:p>
-            <a:r>
-              <a:rPr lang="en-US" sz="2200" dirty="0" smtClean="0">
-                <a:latin typeface="Monaco" charset="0"/>
-                <a:ea typeface="Monaco" charset="0"/>
-                <a:cs typeface="Monaco" charset="0"/>
-              </a:rPr>
-              <a:t>        </a:t>
-            </a:r>
-            <a:r>
-              <a:rPr lang="en-US" sz="2200" dirty="0">
-                <a:latin typeface="Monaco" charset="0"/>
-                <a:ea typeface="Monaco" charset="0"/>
-                <a:cs typeface="Monaco" charset="0"/>
-              </a:rPr>
-              <a:t>if s[</a:t>
-            </a:r>
-            <a:r>
-              <a:rPr lang="en-US" sz="2200" dirty="0" err="1">
-                <a:latin typeface="Monaco" charset="0"/>
-                <a:ea typeface="Monaco" charset="0"/>
-                <a:cs typeface="Monaco" charset="0"/>
-              </a:rPr>
-              <a:t>i</a:t>
-            </a:r>
-            <a:r>
-              <a:rPr lang="en-US" sz="2200" dirty="0">
-                <a:latin typeface="Monaco" charset="0"/>
-                <a:ea typeface="Monaco" charset="0"/>
-                <a:cs typeface="Monaco" charset="0"/>
-              </a:rPr>
-              <a:t>] not in </a:t>
-            </a:r>
-            <a:r>
-              <a:rPr lang="en-US" sz="2200" dirty="0" err="1">
-                <a:latin typeface="Monaco" charset="0"/>
-                <a:ea typeface="Monaco" charset="0"/>
-                <a:cs typeface="Monaco" charset="0"/>
-              </a:rPr>
-              <a:t>p.edges</a:t>
-            </a:r>
-            <a:r>
-              <a:rPr lang="en-US" sz="2200" dirty="0">
-                <a:latin typeface="Monaco" charset="0"/>
-                <a:ea typeface="Monaco" charset="0"/>
-                <a:cs typeface="Monaco" charset="0"/>
-              </a:rPr>
-              <a:t>: return </a:t>
-            </a:r>
-            <a:r>
-              <a:rPr lang="en-US" sz="2200" dirty="0" smtClean="0">
-                <a:latin typeface="Monaco" charset="0"/>
-                <a:ea typeface="Monaco" charset="0"/>
-                <a:cs typeface="Monaco" charset="0"/>
-              </a:rPr>
-              <a:t>False</a:t>
-            </a:r>
-          </a:p>
-          <a:p>
-            <a:r>
-              <a:rPr lang="en-US" sz="2200" dirty="0" smtClean="0">
-                <a:latin typeface="Monaco" charset="0"/>
-                <a:ea typeface="Monaco" charset="0"/>
-                <a:cs typeface="Monaco" charset="0"/>
-              </a:rPr>
-              <a:t>        </a:t>
-            </a:r>
-            <a:r>
-              <a:rPr lang="en-US" sz="2200" dirty="0">
-                <a:latin typeface="Monaco" charset="0"/>
-                <a:ea typeface="Monaco" charset="0"/>
-                <a:cs typeface="Monaco" charset="0"/>
-              </a:rPr>
-              <a:t>p = </a:t>
-            </a:r>
-            <a:r>
-              <a:rPr lang="en-US" sz="2200" dirty="0" err="1">
-                <a:latin typeface="Monaco" charset="0"/>
-                <a:ea typeface="Monaco" charset="0"/>
-                <a:cs typeface="Monaco" charset="0"/>
-              </a:rPr>
-              <a:t>p.edges</a:t>
-            </a:r>
-            <a:r>
-              <a:rPr lang="en-US" sz="2200" dirty="0">
-                <a:latin typeface="Monaco" charset="0"/>
-                <a:ea typeface="Monaco" charset="0"/>
-                <a:cs typeface="Monaco" charset="0"/>
-              </a:rPr>
-              <a:t>[s[</a:t>
-            </a:r>
-            <a:r>
-              <a:rPr lang="en-US" sz="2200" dirty="0" err="1">
-                <a:latin typeface="Monaco" charset="0"/>
-                <a:ea typeface="Monaco" charset="0"/>
-                <a:cs typeface="Monaco" charset="0"/>
-              </a:rPr>
-              <a:t>i</a:t>
-            </a:r>
-            <a:r>
-              <a:rPr lang="en-US" sz="2200" dirty="0" smtClean="0">
-                <a:latin typeface="Monaco" charset="0"/>
-                <a:ea typeface="Monaco" charset="0"/>
-                <a:cs typeface="Monaco" charset="0"/>
-              </a:rPr>
-              <a:t>]]</a:t>
-            </a:r>
-          </a:p>
-          <a:p>
-            <a:r>
-              <a:rPr lang="en-US" sz="2200" dirty="0" smtClean="0">
-                <a:latin typeface="Monaco" charset="0"/>
-                <a:ea typeface="Monaco" charset="0"/>
-                <a:cs typeface="Monaco" charset="0"/>
-              </a:rPr>
-              <a:t>        </a:t>
-            </a:r>
-            <a:r>
-              <a:rPr lang="en-US" sz="2200" dirty="0" err="1">
-                <a:latin typeface="Monaco" charset="0"/>
-                <a:ea typeface="Monaco" charset="0"/>
-                <a:cs typeface="Monaco" charset="0"/>
-              </a:rPr>
-              <a:t>i</a:t>
-            </a:r>
-            <a:r>
-              <a:rPr lang="en-US" sz="2200" dirty="0">
-                <a:latin typeface="Monaco" charset="0"/>
-                <a:ea typeface="Monaco" charset="0"/>
-                <a:cs typeface="Monaco" charset="0"/>
-              </a:rPr>
-              <a:t> += </a:t>
-            </a:r>
-            <a:r>
-              <a:rPr lang="en-US" sz="2200" dirty="0" smtClean="0">
-                <a:latin typeface="Monaco" charset="0"/>
-                <a:ea typeface="Monaco" charset="0"/>
-                <a:cs typeface="Monaco" charset="0"/>
-              </a:rPr>
-              <a:t>1</a:t>
-            </a:r>
-          </a:p>
-          <a:p>
-            <a:r>
-              <a:rPr lang="en-US" sz="2200" dirty="0" smtClean="0">
-                <a:latin typeface="Monaco" charset="0"/>
-                <a:ea typeface="Monaco" charset="0"/>
-                <a:cs typeface="Monaco" charset="0"/>
-              </a:rPr>
-              <a:t>    </a:t>
-            </a:r>
-            <a:r>
-              <a:rPr lang="en-US" sz="2200" dirty="0">
-                <a:latin typeface="Monaco" charset="0"/>
-                <a:ea typeface="Monaco" charset="0"/>
-                <a:cs typeface="Monaco" charset="0"/>
-              </a:rPr>
-              <a:t>return True</a:t>
-            </a:r>
-            <a:endParaRPr lang="en-US" sz="2200" dirty="0">
-              <a:latin typeface="Monaco" charset="0"/>
-              <a:ea typeface="Monaco" charset="0"/>
-              <a:cs typeface="Monaco" charset="0"/>
-            </a:endParaRPr>
+              <a:t>    return True</a:t>
+            </a:r>
           </a:p>
         </p:txBody>
       </p:sp>
@@ -5602,6 +5447,964 @@
     <p:extLst>
       <p:ext uri="{BB962C8B-B14F-4D97-AF65-F5344CB8AC3E}">
         <p14:creationId xmlns:p14="http://schemas.microsoft.com/office/powerpoint/2010/main" val="2064734504"/>
+      </p:ext>
+    </p:extLst>
+  </p:cSld>
+  <p:clrMapOvr>
+    <a:masterClrMapping/>
+  </p:clrMapOvr>
+</p:sld>
+</file>
+
+<file path=ppt/slides/slide14.xml><?xml version="1.0" encoding="utf-8"?>
+<p:sld xmlns:a="http://schemas.openxmlformats.org/drawingml/2006/main" xmlns:r="http://schemas.openxmlformats.org/officeDocument/2006/relationships" xmlns:p="http://schemas.openxmlformats.org/presentationml/2006/main">
+  <p:cSld>
+    <p:spTree>
+      <p:nvGrpSpPr>
+        <p:cNvPr id="1" name=""/>
+        <p:cNvGrpSpPr/>
+        <p:nvPr/>
+      </p:nvGrpSpPr>
+      <p:grpSpPr>
+        <a:xfrm>
+          <a:off x="0" y="0"/>
+          <a:ext cx="0" cy="0"/>
+          <a:chOff x="0" y="0"/>
+          <a:chExt cx="0" cy="0"/>
+        </a:xfrm>
+      </p:grpSpPr>
+      <p:sp>
+        <p:nvSpPr>
+          <p:cNvPr id="2" name="Title 1">
+            <a:extLst>
+              <a:ext uri="{FF2B5EF4-FFF2-40B4-BE49-F238E27FC236}">
+                <a16:creationId xmlns:a16="http://schemas.microsoft.com/office/drawing/2014/main" id="{84E0E9E3-A102-9C4C-AA99-6CE6745A3DBA}"/>
+              </a:ext>
+            </a:extLst>
+          </p:cNvPr>
+          <p:cNvSpPr>
+            <a:spLocks noGrp="1"/>
+          </p:cNvSpPr>
+          <p:nvPr>
+            <p:ph type="title"/>
+          </p:nvPr>
+        </p:nvSpPr>
+        <p:spPr/>
+        <p:txBody>
+          <a:bodyPr/>
+          <a:lstStyle/>
+          <a:p>
+            <a:r>
+              <a:rPr lang="en-US" dirty="0"/>
+              <a:t>Dictionaries are O(1) but…</a:t>
+            </a:r>
+          </a:p>
+        </p:txBody>
+      </p:sp>
+      <p:sp>
+        <p:nvSpPr>
+          <p:cNvPr id="3" name="Content Placeholder 2">
+            <a:extLst>
+              <a:ext uri="{FF2B5EF4-FFF2-40B4-BE49-F238E27FC236}">
+                <a16:creationId xmlns:a16="http://schemas.microsoft.com/office/drawing/2014/main" id="{12A7C874-3C25-634E-9D83-956E2FA295CB}"/>
+              </a:ext>
+            </a:extLst>
+          </p:cNvPr>
+          <p:cNvSpPr>
+            <a:spLocks noGrp="1"/>
+          </p:cNvSpPr>
+          <p:nvPr>
+            <p:ph idx="1"/>
+          </p:nvPr>
+        </p:nvSpPr>
+        <p:spPr/>
+        <p:txBody>
+          <a:bodyPr/>
+          <a:lstStyle/>
+          <a:p>
+            <a:r>
+              <a:rPr lang="en-US" dirty="0"/>
+              <a:t>…slower than array access via perfect</a:t>
+            </a:r>
+            <a:br>
+              <a:rPr lang="en-US" dirty="0"/>
+            </a:br>
+            <a:r>
+              <a:rPr lang="en-US" dirty="0"/>
+              <a:t>hash function f(c) = </a:t>
+            </a:r>
+            <a:r>
+              <a:rPr lang="en-US" dirty="0" err="1"/>
+              <a:t>ord</a:t>
+            </a:r>
+            <a:r>
+              <a:rPr lang="en-US" dirty="0"/>
+              <a:t>(c) - </a:t>
+            </a:r>
+            <a:r>
+              <a:rPr lang="en-US" dirty="0" err="1"/>
+              <a:t>ord</a:t>
+            </a:r>
+            <a:r>
+              <a:rPr lang="en-US" dirty="0"/>
+              <a:t>(‘a’)</a:t>
+            </a:r>
+          </a:p>
+          <a:p>
+            <a:r>
+              <a:rPr lang="en-US" dirty="0"/>
+              <a:t>But we use 26 slots even for one edge</a:t>
+            </a:r>
+          </a:p>
+          <a:p>
+            <a:r>
+              <a:rPr lang="en-US" dirty="0"/>
+              <a:t>How can we reduce memory costs?</a:t>
+            </a:r>
+          </a:p>
+        </p:txBody>
+      </p:sp>
+      <p:pic>
+        <p:nvPicPr>
+          <p:cNvPr id="5" name="Picture 4">
+            <a:extLst>
+              <a:ext uri="{FF2B5EF4-FFF2-40B4-BE49-F238E27FC236}">
+                <a16:creationId xmlns:a16="http://schemas.microsoft.com/office/drawing/2014/main" id="{90C1D894-5279-C74A-AAA2-C74AD1B7438D}"/>
+              </a:ext>
+            </a:extLst>
+          </p:cNvPr>
+          <p:cNvPicPr>
+            <a:picLocks noChangeAspect="1"/>
+          </p:cNvPicPr>
+          <p:nvPr/>
+        </p:nvPicPr>
+        <p:blipFill>
+          <a:blip r:embed="rId2"/>
+          <a:stretch>
+            <a:fillRect/>
+          </a:stretch>
+        </p:blipFill>
+        <p:spPr>
+          <a:xfrm>
+            <a:off x="7237736" y="-540374"/>
+            <a:ext cx="5340127" cy="7758297"/>
+          </a:xfrm>
+          <a:prstGeom prst="rect">
+            <a:avLst/>
+          </a:prstGeom>
+        </p:spPr>
+      </p:pic>
+    </p:spTree>
+    <p:extLst>
+      <p:ext uri="{BB962C8B-B14F-4D97-AF65-F5344CB8AC3E}">
+        <p14:creationId xmlns:p14="http://schemas.microsoft.com/office/powerpoint/2010/main" val="3026148940"/>
+      </p:ext>
+    </p:extLst>
+  </p:cSld>
+  <p:clrMapOvr>
+    <a:masterClrMapping/>
+  </p:clrMapOvr>
+</p:sld>
+</file>
+
+<file path=ppt/slides/slide15.xml><?xml version="1.0" encoding="utf-8"?>
+<p:sld xmlns:a="http://schemas.openxmlformats.org/drawingml/2006/main" xmlns:r="http://schemas.openxmlformats.org/officeDocument/2006/relationships" xmlns:p="http://schemas.openxmlformats.org/presentationml/2006/main">
+  <p:cSld>
+    <p:spTree>
+      <p:nvGrpSpPr>
+        <p:cNvPr id="1" name=""/>
+        <p:cNvGrpSpPr/>
+        <p:nvPr/>
+      </p:nvGrpSpPr>
+      <p:grpSpPr>
+        <a:xfrm>
+          <a:off x="0" y="0"/>
+          <a:ext cx="0" cy="0"/>
+          <a:chOff x="0" y="0"/>
+          <a:chExt cx="0" cy="0"/>
+        </a:xfrm>
+      </p:grpSpPr>
+      <p:sp>
+        <p:nvSpPr>
+          <p:cNvPr id="2" name="Title 1">
+            <a:extLst>
+              <a:ext uri="{FF2B5EF4-FFF2-40B4-BE49-F238E27FC236}">
+                <a16:creationId xmlns:a16="http://schemas.microsoft.com/office/drawing/2014/main" id="{8EE0BAE5-7887-254A-94BF-F5E407B231C7}"/>
+              </a:ext>
+            </a:extLst>
+          </p:cNvPr>
+          <p:cNvSpPr>
+            <a:spLocks noGrp="1"/>
+          </p:cNvSpPr>
+          <p:nvPr>
+            <p:ph type="title"/>
+          </p:nvPr>
+        </p:nvSpPr>
+        <p:spPr>
+          <a:xfrm>
+            <a:off x="838200" y="365125"/>
+            <a:ext cx="11353800" cy="1325563"/>
+          </a:xfrm>
+        </p:spPr>
+        <p:txBody>
+          <a:bodyPr/>
+          <a:lstStyle/>
+          <a:p>
+            <a:r>
+              <a:rPr lang="en-US" b="1" dirty="0"/>
+              <a:t>Exercise</a:t>
+            </a:r>
+            <a:r>
+              <a:rPr lang="en-US" dirty="0"/>
+              <a:t>: Brute force dictionary search</a:t>
+            </a:r>
+          </a:p>
+        </p:txBody>
+      </p:sp>
+      <p:sp>
+        <p:nvSpPr>
+          <p:cNvPr id="3" name="Content Placeholder 2">
+            <a:extLst>
+              <a:ext uri="{FF2B5EF4-FFF2-40B4-BE49-F238E27FC236}">
+                <a16:creationId xmlns:a16="http://schemas.microsoft.com/office/drawing/2014/main" id="{B312B095-1A92-4D4E-8DD0-7EC38E69366B}"/>
+              </a:ext>
+            </a:extLst>
+          </p:cNvPr>
+          <p:cNvSpPr>
+            <a:spLocks noGrp="1"/>
+          </p:cNvSpPr>
+          <p:nvPr>
+            <p:ph idx="1"/>
+          </p:nvPr>
+        </p:nvSpPr>
+        <p:spPr>
+          <a:xfrm>
+            <a:off x="838200" y="1825625"/>
+            <a:ext cx="11107366" cy="4351338"/>
+          </a:xfrm>
+        </p:spPr>
+        <p:txBody>
+          <a:bodyPr>
+            <a:normAutofit/>
+          </a:bodyPr>
+          <a:lstStyle/>
+          <a:p>
+            <a:r>
+              <a:rPr lang="en-US" dirty="0"/>
+              <a:t>Load words from </a:t>
+            </a:r>
+            <a:r>
+              <a:rPr lang="en-US" b="1" dirty="0"/>
+              <a:t>/</a:t>
+            </a:r>
+            <a:r>
+              <a:rPr lang="en-US" b="1" dirty="0" err="1"/>
+              <a:t>usr</a:t>
+            </a:r>
+            <a:r>
+              <a:rPr lang="en-US" b="1" dirty="0"/>
+              <a:t>/share/</a:t>
+            </a:r>
+            <a:r>
+              <a:rPr lang="en-US" b="1" dirty="0" err="1"/>
+              <a:t>dict</a:t>
+            </a:r>
+            <a:r>
+              <a:rPr lang="en-US" b="1" dirty="0"/>
+              <a:t>/words</a:t>
+            </a:r>
+            <a:r>
+              <a:rPr lang="en-US" dirty="0"/>
+              <a:t> file (one per line) into list</a:t>
+            </a:r>
+          </a:p>
+          <a:p>
+            <a:r>
+              <a:rPr lang="en-US" dirty="0"/>
+              <a:t>Search for each word in list of words; what is complexity?</a:t>
+            </a:r>
+          </a:p>
+          <a:p>
+            <a:r>
+              <a:rPr lang="en-US" dirty="0"/>
+              <a:t>This takes almost 5 minutes on my fast computer. ugh</a:t>
+            </a:r>
+          </a:p>
+        </p:txBody>
+      </p:sp>
+    </p:spTree>
+    <p:extLst>
+      <p:ext uri="{BB962C8B-B14F-4D97-AF65-F5344CB8AC3E}">
+        <p14:creationId xmlns:p14="http://schemas.microsoft.com/office/powerpoint/2010/main" val="3436461503"/>
+      </p:ext>
+    </p:extLst>
+  </p:cSld>
+  <p:clrMapOvr>
+    <a:masterClrMapping/>
+  </p:clrMapOvr>
+</p:sld>
+</file>
+
+<file path=ppt/slides/slide16.xml><?xml version="1.0" encoding="utf-8"?>
+<p:sld xmlns:a="http://schemas.openxmlformats.org/drawingml/2006/main" xmlns:r="http://schemas.openxmlformats.org/officeDocument/2006/relationships" xmlns:p="http://schemas.openxmlformats.org/presentationml/2006/main">
+  <p:cSld>
+    <p:spTree>
+      <p:nvGrpSpPr>
+        <p:cNvPr id="1" name=""/>
+        <p:cNvGrpSpPr/>
+        <p:nvPr/>
+      </p:nvGrpSpPr>
+      <p:grpSpPr>
+        <a:xfrm>
+          <a:off x="0" y="0"/>
+          <a:ext cx="0" cy="0"/>
+          <a:chOff x="0" y="0"/>
+          <a:chExt cx="0" cy="0"/>
+        </a:xfrm>
+      </p:grpSpPr>
+      <p:sp>
+        <p:nvSpPr>
+          <p:cNvPr id="2" name="Title 1">
+            <a:extLst>
+              <a:ext uri="{FF2B5EF4-FFF2-40B4-BE49-F238E27FC236}">
+                <a16:creationId xmlns:a16="http://schemas.microsoft.com/office/drawing/2014/main" id="{75EA49D3-0D3B-1C4C-ACF3-C67C08F637C8}"/>
+              </a:ext>
+            </a:extLst>
+          </p:cNvPr>
+          <p:cNvSpPr>
+            <a:spLocks noGrp="1"/>
+          </p:cNvSpPr>
+          <p:nvPr>
+            <p:ph type="title"/>
+          </p:nvPr>
+        </p:nvSpPr>
+        <p:spPr>
+          <a:xfrm>
+            <a:off x="838200" y="365125"/>
+            <a:ext cx="11353800" cy="1325563"/>
+          </a:xfrm>
+        </p:spPr>
+        <p:txBody>
+          <a:bodyPr/>
+          <a:lstStyle/>
+          <a:p>
+            <a:r>
+              <a:rPr lang="en-US" b="1" dirty="0"/>
+              <a:t>Exercise</a:t>
+            </a:r>
+            <a:r>
+              <a:rPr lang="en-US" dirty="0"/>
+              <a:t>: Build </a:t>
+            </a:r>
+            <a:r>
+              <a:rPr lang="en-US" dirty="0" err="1"/>
+              <a:t>Trie</a:t>
+            </a:r>
+            <a:r>
+              <a:rPr lang="en-US" dirty="0"/>
+              <a:t> from dictionary of words</a:t>
+            </a:r>
+          </a:p>
+        </p:txBody>
+      </p:sp>
+      <p:sp>
+        <p:nvSpPr>
+          <p:cNvPr id="3" name="Content Placeholder 2">
+            <a:extLst>
+              <a:ext uri="{FF2B5EF4-FFF2-40B4-BE49-F238E27FC236}">
+                <a16:creationId xmlns:a16="http://schemas.microsoft.com/office/drawing/2014/main" id="{E4C7E417-9DFA-CE45-979D-F475A80168FB}"/>
+              </a:ext>
+            </a:extLst>
+          </p:cNvPr>
+          <p:cNvSpPr>
+            <a:spLocks noGrp="1"/>
+          </p:cNvSpPr>
+          <p:nvPr>
+            <p:ph idx="1"/>
+          </p:nvPr>
+        </p:nvSpPr>
+        <p:spPr/>
+        <p:txBody>
+          <a:bodyPr/>
+          <a:lstStyle/>
+          <a:p>
+            <a:r>
+              <a:rPr lang="en-US" dirty="0"/>
+              <a:t>From searching notebook, get </a:t>
+            </a:r>
+            <a:r>
+              <a:rPr lang="en-US" dirty="0" err="1"/>
+              <a:t>Trie</a:t>
+            </a:r>
+            <a:r>
+              <a:rPr lang="en-US" dirty="0"/>
+              <a:t> implementation</a:t>
+            </a:r>
+          </a:p>
+          <a:p>
+            <a:r>
+              <a:rPr lang="en-US" dirty="0"/>
+              <a:t>Add each word to a </a:t>
+            </a:r>
+            <a:r>
+              <a:rPr lang="en-US" dirty="0" err="1"/>
+              <a:t>trie</a:t>
+            </a:r>
+            <a:r>
+              <a:rPr lang="en-US" dirty="0"/>
+              <a:t>, which takes about 6s on my machine</a:t>
+            </a:r>
+          </a:p>
+          <a:p>
+            <a:r>
+              <a:rPr lang="en-US" dirty="0"/>
+              <a:t>Search the </a:t>
+            </a:r>
+            <a:r>
+              <a:rPr lang="en-US" dirty="0" err="1"/>
+              <a:t>trie</a:t>
+            </a:r>
+            <a:r>
+              <a:rPr lang="en-US" dirty="0"/>
+              <a:t> for each of 235,886 words; takes 0.75s for me!!</a:t>
+            </a:r>
+          </a:p>
+          <a:p>
+            <a:r>
+              <a:rPr lang="en-US" dirty="0"/>
+              <a:t>Rejoice in your new super powers</a:t>
+            </a:r>
+          </a:p>
+          <a:p>
+            <a:r>
+              <a:rPr lang="en-US" dirty="0"/>
+              <a:t>This was an interview question/task given at big internet firm</a:t>
+            </a:r>
+            <a:br>
+              <a:rPr lang="en-US" dirty="0"/>
+            </a:br>
+            <a:r>
+              <a:rPr lang="en-US" dirty="0"/>
+              <a:t>(How can you do fast spell checking on big documents?)</a:t>
+            </a:r>
+          </a:p>
+        </p:txBody>
+      </p:sp>
+    </p:spTree>
+    <p:extLst>
+      <p:ext uri="{BB962C8B-B14F-4D97-AF65-F5344CB8AC3E}">
+        <p14:creationId xmlns:p14="http://schemas.microsoft.com/office/powerpoint/2010/main" val="3412567043"/>
+      </p:ext>
+    </p:extLst>
+  </p:cSld>
+  <p:clrMapOvr>
+    <a:masterClrMapping/>
+  </p:clrMapOvr>
+</p:sld>
+</file>
+
+<file path=ppt/slides/slide17.xml><?xml version="1.0" encoding="utf-8"?>
+<p:sld xmlns:a="http://schemas.openxmlformats.org/drawingml/2006/main" xmlns:r="http://schemas.openxmlformats.org/officeDocument/2006/relationships" xmlns:p="http://schemas.openxmlformats.org/presentationml/2006/main">
+  <p:cSld>
+    <p:spTree>
+      <p:nvGrpSpPr>
+        <p:cNvPr id="1" name=""/>
+        <p:cNvGrpSpPr/>
+        <p:nvPr/>
+      </p:nvGrpSpPr>
+      <p:grpSpPr>
+        <a:xfrm>
+          <a:off x="0" y="0"/>
+          <a:ext cx="0" cy="0"/>
+          <a:chOff x="0" y="0"/>
+          <a:chExt cx="0" cy="0"/>
+        </a:xfrm>
+      </p:grpSpPr>
+      <p:sp>
+        <p:nvSpPr>
+          <p:cNvPr id="2" name="Title 1">
+            <a:extLst>
+              <a:ext uri="{FF2B5EF4-FFF2-40B4-BE49-F238E27FC236}">
+                <a16:creationId xmlns:a16="http://schemas.microsoft.com/office/drawing/2014/main" id="{5FDA5814-1DAA-984F-BA1F-463EB89ED728}"/>
+              </a:ext>
+            </a:extLst>
+          </p:cNvPr>
+          <p:cNvSpPr>
+            <a:spLocks noGrp="1"/>
+          </p:cNvSpPr>
+          <p:nvPr>
+            <p:ph type="title"/>
+          </p:nvPr>
+        </p:nvSpPr>
+        <p:spPr>
+          <a:xfrm>
+            <a:off x="838200" y="365125"/>
+            <a:ext cx="10815536" cy="1325563"/>
+          </a:xfrm>
+        </p:spPr>
+        <p:txBody>
+          <a:bodyPr/>
+          <a:lstStyle/>
+          <a:p>
+            <a:r>
+              <a:rPr lang="en-US" b="1" dirty="0"/>
+              <a:t>Exercise</a:t>
+            </a:r>
+            <a:r>
+              <a:rPr lang="en-US" dirty="0"/>
+              <a:t>: find all words starting with prefix</a:t>
+            </a:r>
+          </a:p>
+        </p:txBody>
+      </p:sp>
+      <p:sp>
+        <p:nvSpPr>
+          <p:cNvPr id="3" name="Content Placeholder 2">
+            <a:extLst>
+              <a:ext uri="{FF2B5EF4-FFF2-40B4-BE49-F238E27FC236}">
+                <a16:creationId xmlns:a16="http://schemas.microsoft.com/office/drawing/2014/main" id="{4B4AFF34-0678-764B-B0E8-F54910BC3FE0}"/>
+              </a:ext>
+            </a:extLst>
+          </p:cNvPr>
+          <p:cNvSpPr>
+            <a:spLocks noGrp="1"/>
+          </p:cNvSpPr>
+          <p:nvPr>
+            <p:ph idx="1"/>
+          </p:nvPr>
+        </p:nvSpPr>
+        <p:spPr/>
+        <p:txBody>
+          <a:bodyPr/>
+          <a:lstStyle/>
+          <a:p>
+            <a:r>
+              <a:rPr lang="en-US" dirty="0"/>
+              <a:t>Create a </a:t>
+            </a:r>
+            <a:r>
+              <a:rPr lang="en-US" dirty="0" err="1"/>
+              <a:t>trie</a:t>
+            </a:r>
+            <a:r>
+              <a:rPr lang="en-US" dirty="0"/>
+              <a:t> again from the word list</a:t>
+            </a:r>
+          </a:p>
+          <a:p>
+            <a:r>
+              <a:rPr lang="en-US" dirty="0"/>
+              <a:t>Write a function that prints all words in </a:t>
+            </a:r>
+            <a:r>
+              <a:rPr lang="en-US" dirty="0" err="1"/>
+              <a:t>trie</a:t>
+            </a:r>
+            <a:r>
+              <a:rPr lang="en-US" dirty="0"/>
+              <a:t> that begin with a specific prefix like “app”; it should get “apple”, “application”, …</a:t>
+            </a:r>
+          </a:p>
+          <a:p>
+            <a:r>
+              <a:rPr lang="en-US" dirty="0"/>
+              <a:t>Idea: trace prefix into </a:t>
+            </a:r>
+            <a:r>
+              <a:rPr lang="en-US" dirty="0" err="1"/>
+              <a:t>trie</a:t>
+            </a:r>
+            <a:r>
+              <a:rPr lang="en-US" dirty="0"/>
+              <a:t>, reaching specific non-leaf node p; find all reachable leaves; track string as recursion parameter for each path; print the string when you reach a leaf</a:t>
+            </a:r>
+          </a:p>
+        </p:txBody>
+      </p:sp>
+    </p:spTree>
+    <p:extLst>
+      <p:ext uri="{BB962C8B-B14F-4D97-AF65-F5344CB8AC3E}">
+        <p14:creationId xmlns:p14="http://schemas.microsoft.com/office/powerpoint/2010/main" val="1250205650"/>
+      </p:ext>
+    </p:extLst>
+  </p:cSld>
+  <p:clrMapOvr>
+    <a:masterClrMapping/>
+  </p:clrMapOvr>
+</p:sld>
+</file>
+
+<file path=ppt/slides/slide18.xml><?xml version="1.0" encoding="utf-8"?>
+<p:sld xmlns:a="http://schemas.openxmlformats.org/drawingml/2006/main" xmlns:r="http://schemas.openxmlformats.org/officeDocument/2006/relationships" xmlns:p="http://schemas.openxmlformats.org/presentationml/2006/main">
+  <p:cSld>
+    <p:spTree>
+      <p:nvGrpSpPr>
+        <p:cNvPr id="1" name=""/>
+        <p:cNvGrpSpPr/>
+        <p:nvPr/>
+      </p:nvGrpSpPr>
+      <p:grpSpPr>
+        <a:xfrm>
+          <a:off x="0" y="0"/>
+          <a:ext cx="0" cy="0"/>
+          <a:chOff x="0" y="0"/>
+          <a:chExt cx="0" cy="0"/>
+        </a:xfrm>
+      </p:grpSpPr>
+      <p:sp>
+        <p:nvSpPr>
+          <p:cNvPr id="2" name="Title 1">
+            <a:extLst>
+              <a:ext uri="{FF2B5EF4-FFF2-40B4-BE49-F238E27FC236}">
+                <a16:creationId xmlns:a16="http://schemas.microsoft.com/office/drawing/2014/main" id="{E733EB20-1D6D-B54A-BC1C-D42D8DB28628}"/>
+              </a:ext>
+            </a:extLst>
+          </p:cNvPr>
+          <p:cNvSpPr>
+            <a:spLocks noGrp="1"/>
+          </p:cNvSpPr>
+          <p:nvPr>
+            <p:ph type="title"/>
+          </p:nvPr>
+        </p:nvSpPr>
+        <p:spPr/>
+        <p:txBody>
+          <a:bodyPr/>
+          <a:lstStyle/>
+          <a:p>
+            <a:r>
+              <a:rPr lang="en-US" b="1" dirty="0"/>
+              <a:t>Exercise</a:t>
+            </a:r>
+            <a:r>
+              <a:rPr lang="en-US" dirty="0"/>
+              <a:t>: Build a suffix tree</a:t>
+            </a:r>
+          </a:p>
+        </p:txBody>
+      </p:sp>
+      <p:sp>
+        <p:nvSpPr>
+          <p:cNvPr id="3" name="Content Placeholder 2">
+            <a:extLst>
+              <a:ext uri="{FF2B5EF4-FFF2-40B4-BE49-F238E27FC236}">
+                <a16:creationId xmlns:a16="http://schemas.microsoft.com/office/drawing/2014/main" id="{B49DF553-583E-0C4C-858D-553AA785CA88}"/>
+              </a:ext>
+            </a:extLst>
+          </p:cNvPr>
+          <p:cNvSpPr>
+            <a:spLocks noGrp="1"/>
+          </p:cNvSpPr>
+          <p:nvPr>
+            <p:ph idx="1"/>
+          </p:nvPr>
+        </p:nvSpPr>
+        <p:spPr/>
+        <p:txBody>
+          <a:bodyPr/>
+          <a:lstStyle/>
+          <a:p>
+            <a:r>
+              <a:rPr lang="en-US" dirty="0"/>
+              <a:t>Simple: create </a:t>
+            </a:r>
+            <a:r>
+              <a:rPr lang="en-US" dirty="0" err="1"/>
+              <a:t>trie</a:t>
+            </a:r>
+            <a:r>
+              <a:rPr lang="en-US" dirty="0"/>
+              <a:t> from reversed strings or modify add() method to walk backwards through string</a:t>
+            </a:r>
+          </a:p>
+        </p:txBody>
+      </p:sp>
+    </p:spTree>
+    <p:extLst>
+      <p:ext uri="{BB962C8B-B14F-4D97-AF65-F5344CB8AC3E}">
+        <p14:creationId xmlns:p14="http://schemas.microsoft.com/office/powerpoint/2010/main" val="1664329944"/>
+      </p:ext>
+    </p:extLst>
+  </p:cSld>
+  <p:clrMapOvr>
+    <a:masterClrMapping/>
+  </p:clrMapOvr>
+  <p:timing>
+    <p:tnLst>
+      <p:par>
+        <p:cTn id="1" dur="indefinite" restart="never" nodeType="tmRoot">
+          <p:childTnLst>
+            <p:seq concurrent="1" nextAc="seek">
+              <p:cTn id="2" dur="indefinite" nodeType="mainSeq">
+                <p:childTnLst>
+                  <p:par>
+                    <p:cTn id="3" fill="hold">
+                      <p:stCondLst>
+                        <p:cond delay="indefinite"/>
+                      </p:stCondLst>
+                      <p:childTnLst>
+                        <p:par>
+                          <p:cTn id="4" fill="hold">
+                            <p:stCondLst>
+                              <p:cond delay="0"/>
+                            </p:stCondLst>
+                            <p:childTnLst>
+                              <p:par>
+                                <p:cTn id="5" presetID="1" presetClass="entr" presetSubtype="0" fill="hold" grpId="0" nodeType="clickEffect">
+                                  <p:stCondLst>
+                                    <p:cond delay="0"/>
+                                  </p:stCondLst>
+                                  <p:childTnLst>
+                                    <p:set>
+                                      <p:cBhvr>
+                                        <p:cTn id="6" dur="1" fill="hold">
+                                          <p:stCondLst>
+                                            <p:cond delay="0"/>
+                                          </p:stCondLst>
+                                        </p:cTn>
+                                        <p:tgtEl>
+                                          <p:spTgt spid="3">
+                                            <p:txEl>
+                                              <p:pRg st="0" end="0"/>
+                                            </p:txEl>
+                                          </p:spTgt>
+                                        </p:tgtEl>
+                                        <p:attrNameLst>
+                                          <p:attrName>style.visibility</p:attrName>
+                                        </p:attrNameLst>
+                                      </p:cBhvr>
+                                      <p:to>
+                                        <p:strVal val="visible"/>
+                                      </p:to>
+                                    </p:set>
+                                  </p:childTnLst>
+                                </p:cTn>
+                              </p:par>
+                            </p:childTnLst>
+                          </p:cTn>
+                        </p:par>
+                      </p:childTnLst>
+                    </p:cTn>
+                  </p:par>
+                </p:childTnLst>
+              </p:cTn>
+              <p:prevCondLst>
+                <p:cond evt="onPrev" delay="0">
+                  <p:tgtEl>
+                    <p:sldTgt/>
+                  </p:tgtEl>
+                </p:cond>
+              </p:prevCondLst>
+              <p:nextCondLst>
+                <p:cond evt="onNext" delay="0">
+                  <p:tgtEl>
+                    <p:sldTgt/>
+                  </p:tgtEl>
+                </p:cond>
+              </p:nextCondLst>
+            </p:seq>
+          </p:childTnLst>
+        </p:cTn>
+      </p:par>
+    </p:tnLst>
+    <p:bldLst>
+      <p:bldP spid="3" grpId="0" build="p"/>
+    </p:bldLst>
+  </p:timing>
+</p:sld>
+</file>
+
+<file path=ppt/slides/slide19.xml><?xml version="1.0" encoding="utf-8"?>
+<p:sld xmlns:a="http://schemas.openxmlformats.org/drawingml/2006/main" xmlns:r="http://schemas.openxmlformats.org/officeDocument/2006/relationships" xmlns:p="http://schemas.openxmlformats.org/presentationml/2006/main">
+  <p:cSld>
+    <p:spTree>
+      <p:nvGrpSpPr>
+        <p:cNvPr id="1" name=""/>
+        <p:cNvGrpSpPr/>
+        <p:nvPr/>
+      </p:nvGrpSpPr>
+      <p:grpSpPr>
+        <a:xfrm>
+          <a:off x="0" y="0"/>
+          <a:ext cx="0" cy="0"/>
+          <a:chOff x="0" y="0"/>
+          <a:chExt cx="0" cy="0"/>
+        </a:xfrm>
+      </p:grpSpPr>
+      <p:pic>
+        <p:nvPicPr>
+          <p:cNvPr id="4" name="Picture 3">
+            <a:extLst>
+              <a:ext uri="{FF2B5EF4-FFF2-40B4-BE49-F238E27FC236}">
+                <a16:creationId xmlns:a16="http://schemas.microsoft.com/office/drawing/2014/main" id="{909E12CE-E4F4-DA49-80D6-60FEC4C9BBC4}"/>
+              </a:ext>
+            </a:extLst>
+          </p:cNvPr>
+          <p:cNvPicPr>
+            <a:picLocks noChangeAspect="1"/>
+          </p:cNvPicPr>
+          <p:nvPr/>
+        </p:nvPicPr>
+        <p:blipFill>
+          <a:blip r:embed="rId2"/>
+          <a:stretch>
+            <a:fillRect/>
+          </a:stretch>
+        </p:blipFill>
+        <p:spPr>
+          <a:xfrm>
+            <a:off x="6240125" y="3166946"/>
+            <a:ext cx="5768965" cy="3144954"/>
+          </a:xfrm>
+          <a:prstGeom prst="rect">
+            <a:avLst/>
+          </a:prstGeom>
+        </p:spPr>
+      </p:pic>
+      <p:sp>
+        <p:nvSpPr>
+          <p:cNvPr id="2" name="Title 1">
+            <a:extLst>
+              <a:ext uri="{FF2B5EF4-FFF2-40B4-BE49-F238E27FC236}">
+                <a16:creationId xmlns:a16="http://schemas.microsoft.com/office/drawing/2014/main" id="{A0185A17-FF82-7341-9116-EC5220A6F738}"/>
+              </a:ext>
+            </a:extLst>
+          </p:cNvPr>
+          <p:cNvSpPr>
+            <a:spLocks noGrp="1"/>
+          </p:cNvSpPr>
+          <p:nvPr>
+            <p:ph type="title"/>
+          </p:nvPr>
+        </p:nvSpPr>
+        <p:spPr/>
+        <p:txBody>
+          <a:bodyPr/>
+          <a:lstStyle/>
+          <a:p>
+            <a:r>
+              <a:rPr lang="en-US" b="1" dirty="0"/>
+              <a:t>Exercise</a:t>
+            </a:r>
+            <a:r>
+              <a:rPr lang="en-US" dirty="0"/>
+              <a:t>: Given misspelled words off by 1 letter only, find all possible words</a:t>
+            </a:r>
+          </a:p>
+        </p:txBody>
+      </p:sp>
+      <p:sp>
+        <p:nvSpPr>
+          <p:cNvPr id="3" name="Content Placeholder 2">
+            <a:extLst>
+              <a:ext uri="{FF2B5EF4-FFF2-40B4-BE49-F238E27FC236}">
+                <a16:creationId xmlns:a16="http://schemas.microsoft.com/office/drawing/2014/main" id="{06DB7BD7-19FE-B342-B919-C8F35C1BAE39}"/>
+              </a:ext>
+            </a:extLst>
+          </p:cNvPr>
+          <p:cNvSpPr>
+            <a:spLocks noGrp="1"/>
+          </p:cNvSpPr>
+          <p:nvPr>
+            <p:ph idx="1"/>
+          </p:nvPr>
+        </p:nvSpPr>
+        <p:spPr/>
+        <p:txBody>
+          <a:bodyPr/>
+          <a:lstStyle/>
+          <a:p>
+            <a:r>
+              <a:rPr lang="en-US" dirty="0"/>
+              <a:t>Trace word into </a:t>
+            </a:r>
+            <a:r>
+              <a:rPr lang="en-US" dirty="0" err="1"/>
+              <a:t>trie</a:t>
+            </a:r>
+            <a:r>
+              <a:rPr lang="en-US" dirty="0"/>
+              <a:t> until no edge exists for s[</a:t>
+            </a:r>
+            <a:r>
+              <a:rPr lang="en-US" dirty="0" err="1"/>
+              <a:t>i</a:t>
+            </a:r>
+            <a:r>
+              <a:rPr lang="en-US" dirty="0"/>
+              <a:t>]; this is node p</a:t>
+            </a:r>
+          </a:p>
+          <a:p>
+            <a:r>
+              <a:rPr lang="en-US" dirty="0"/>
+              <a:t>Get list of words reachable from each node targeted by p starting with s[i+1]</a:t>
+            </a:r>
+          </a:p>
+          <a:p>
+            <a:r>
+              <a:rPr lang="en-US" dirty="0"/>
+              <a:t>E.g., “</a:t>
+            </a:r>
+            <a:r>
+              <a:rPr lang="en-US" dirty="0" err="1"/>
+              <a:t>cxt</a:t>
+            </a:r>
+            <a:r>
+              <a:rPr lang="en-US" dirty="0"/>
+              <a:t>” would get to p=</a:t>
+            </a:r>
+            <a:r>
+              <a:rPr lang="en-US" dirty="0" err="1"/>
+              <a:t>root.edges</a:t>
+            </a:r>
+            <a:r>
+              <a:rPr lang="en-US" dirty="0"/>
+              <a:t>[‘c’] target and fail</a:t>
+            </a:r>
+          </a:p>
+          <a:p>
+            <a:r>
+              <a:rPr lang="en-US" dirty="0"/>
+              <a:t>Find “t” from </a:t>
+            </a:r>
+            <a:r>
+              <a:rPr lang="en-US" dirty="0" err="1"/>
+              <a:t>p.edges</a:t>
+            </a:r>
+            <a:r>
+              <a:rPr lang="en-US" dirty="0"/>
+              <a:t>[‘a’] and </a:t>
+            </a:r>
+            <a:r>
+              <a:rPr lang="en-US" dirty="0" err="1"/>
+              <a:t>p.edges</a:t>
+            </a:r>
+            <a:r>
+              <a:rPr lang="en-US" dirty="0"/>
+              <a:t>[‘</a:t>
+            </a:r>
+            <a:r>
+              <a:rPr lang="en-US" dirty="0" err="1"/>
+              <a:t>i</a:t>
+            </a:r>
+            <a:r>
+              <a:rPr lang="en-US" dirty="0"/>
+              <a:t>’] </a:t>
+            </a:r>
+          </a:p>
+          <a:p>
+            <a:r>
+              <a:rPr lang="en-US" dirty="0"/>
+              <a:t>We only find “t” matches via ‘a’ to get “cat”</a:t>
+            </a:r>
+          </a:p>
+        </p:txBody>
+      </p:sp>
+    </p:spTree>
+    <p:extLst>
+      <p:ext uri="{BB962C8B-B14F-4D97-AF65-F5344CB8AC3E}">
+        <p14:creationId xmlns:p14="http://schemas.microsoft.com/office/powerpoint/2010/main" val="3991635056"/>
       </p:ext>
     </p:extLst>
   </p:cSld>
@@ -5633,7 +6436,7 @@
           <p:cNvPr id="2" name="Title 1">
             <a:extLst>
               <a:ext uri="{FF2B5EF4-FFF2-40B4-BE49-F238E27FC236}">
-                <a16:creationId xmlns:a16="http://schemas.microsoft.com/office/drawing/2014/main" xmlns="" id="{ED798003-BDB8-ED43-9E87-05960D700963}"/>
+                <a16:creationId xmlns:a16="http://schemas.microsoft.com/office/drawing/2014/main" id="{ED798003-BDB8-ED43-9E87-05960D700963}"/>
               </a:ext>
             </a:extLst>
           </p:cNvPr>
@@ -5666,7 +6469,7 @@
           <p:cNvPr id="3" name="Content Placeholder 2">
             <a:extLst>
               <a:ext uri="{FF2B5EF4-FFF2-40B4-BE49-F238E27FC236}">
-                <a16:creationId xmlns:a16="http://schemas.microsoft.com/office/drawing/2014/main" xmlns="" id="{5EB237E2-4FB5-FC4B-937F-D3E170BA652A}"/>
+                <a16:creationId xmlns:a16="http://schemas.microsoft.com/office/drawing/2014/main" id="{5EB237E2-4FB5-FC4B-937F-D3E170BA652A}"/>
               </a:ext>
             </a:extLst>
           </p:cNvPr>
@@ -6131,7 +6934,7 @@
           <p:cNvPr id="2" name="Title 1">
             <a:extLst>
               <a:ext uri="{FF2B5EF4-FFF2-40B4-BE49-F238E27FC236}">
-                <a16:creationId xmlns:a16="http://schemas.microsoft.com/office/drawing/2014/main" xmlns="" id="{09C1B5BB-CBC3-2E42-9D5F-75DBE3EC8D88}"/>
+                <a16:creationId xmlns:a16="http://schemas.microsoft.com/office/drawing/2014/main" id="{09C1B5BB-CBC3-2E42-9D5F-75DBE3EC8D88}"/>
               </a:ext>
             </a:extLst>
           </p:cNvPr>
@@ -6164,7 +6967,7 @@
           <p:cNvPr id="4" name="TextBox 3">
             <a:extLst>
               <a:ext uri="{FF2B5EF4-FFF2-40B4-BE49-F238E27FC236}">
-                <a16:creationId xmlns:a16="http://schemas.microsoft.com/office/drawing/2014/main" xmlns="" id="{7E7BCA4B-0623-3A41-A4D9-0AF68320BA90}"/>
+                <a16:creationId xmlns:a16="http://schemas.microsoft.com/office/drawing/2014/main" id="{7E7BCA4B-0623-3A41-A4D9-0AF68320BA90}"/>
               </a:ext>
             </a:extLst>
           </p:cNvPr>
@@ -6290,7 +7093,7 @@
           <p:cNvPr id="5" name="TextBox 4">
             <a:extLst>
               <a:ext uri="{FF2B5EF4-FFF2-40B4-BE49-F238E27FC236}">
-                <a16:creationId xmlns:a16="http://schemas.microsoft.com/office/drawing/2014/main" xmlns="" id="{70BF3154-BC65-AF47-96F1-85EF98CC7A01}"/>
+                <a16:creationId xmlns:a16="http://schemas.microsoft.com/office/drawing/2014/main" id="{70BF3154-BC65-AF47-96F1-85EF98CC7A01}"/>
               </a:ext>
             </a:extLst>
           </p:cNvPr>
@@ -6524,7 +7327,7 @@
           <p:cNvPr id="2" name="Title 1">
             <a:extLst>
               <a:ext uri="{FF2B5EF4-FFF2-40B4-BE49-F238E27FC236}">
-                <a16:creationId xmlns:a16="http://schemas.microsoft.com/office/drawing/2014/main" xmlns="" id="{ACBF85EB-2A64-0149-B03A-5F11B2A1D5F1}"/>
+                <a16:creationId xmlns:a16="http://schemas.microsoft.com/office/drawing/2014/main" id="{ACBF85EB-2A64-0149-B03A-5F11B2A1D5F1}"/>
               </a:ext>
             </a:extLst>
           </p:cNvPr>
@@ -6552,7 +7355,7 @@
           <p:cNvPr id="3" name="Content Placeholder 2">
             <a:extLst>
               <a:ext uri="{FF2B5EF4-FFF2-40B4-BE49-F238E27FC236}">
-                <a16:creationId xmlns:a16="http://schemas.microsoft.com/office/drawing/2014/main" xmlns="" id="{AF9B1CA4-509A-F749-8370-9BF64615DA76}"/>
+                <a16:creationId xmlns:a16="http://schemas.microsoft.com/office/drawing/2014/main" id="{AF9B1CA4-509A-F749-8370-9BF64615DA76}"/>
               </a:ext>
             </a:extLst>
           </p:cNvPr>
@@ -6632,7 +7435,7 @@
           <p:cNvPr id="2" name="Title 1">
             <a:extLst>
               <a:ext uri="{FF2B5EF4-FFF2-40B4-BE49-F238E27FC236}">
-                <a16:creationId xmlns:a16="http://schemas.microsoft.com/office/drawing/2014/main" xmlns="" id="{4EB37A9A-DFAA-7946-88B2-AF1E3749D8A9}"/>
+                <a16:creationId xmlns:a16="http://schemas.microsoft.com/office/drawing/2014/main" id="{4EB37A9A-DFAA-7946-88B2-AF1E3749D8A9}"/>
               </a:ext>
             </a:extLst>
           </p:cNvPr>
@@ -6660,7 +7463,7 @@
           <p:cNvPr id="3" name="Content Placeholder 2">
             <a:extLst>
               <a:ext uri="{FF2B5EF4-FFF2-40B4-BE49-F238E27FC236}">
-                <a16:creationId xmlns:a16="http://schemas.microsoft.com/office/drawing/2014/main" xmlns="" id="{9C0AA4F5-5A70-9948-B06A-CD63868A984C}"/>
+                <a16:creationId xmlns:a16="http://schemas.microsoft.com/office/drawing/2014/main" id="{9C0AA4F5-5A70-9948-B06A-CD63868A984C}"/>
               </a:ext>
             </a:extLst>
           </p:cNvPr>
@@ -6694,15 +7497,7 @@
           <a:p>
             <a:r>
               <a:rPr lang="en-US" dirty="0"/>
-              <a:t>Rabin-Karp* algorithm uses hash </a:t>
-            </a:r>
-            <a:r>
-              <a:rPr lang="en-US" dirty="0" smtClean="0"/>
-              <a:t>function to speed </a:t>
-            </a:r>
-            <a:r>
-              <a:rPr lang="en-US" dirty="0"/>
-              <a:t>up but still O(nm) worst-case; works for any substring not just words</a:t>
+              <a:t>Rabin-Karp* algorithm uses hash function to speed up but still O(nm) worst-case; works for any substring not just words</a:t>
             </a:r>
           </a:p>
           <a:p>
@@ -6732,23 +7527,18 @@
             </a:r>
             <a:r>
               <a:rPr lang="en-US" dirty="0"/>
-              <a:t> from 0 to </a:t>
-            </a:r>
-            <a:r>
-              <a:rPr lang="en-US" dirty="0" smtClean="0"/>
-              <a:t>n-m</a:t>
-            </a:r>
-          </a:p>
-          <a:p>
-            <a:r>
-              <a:rPr lang="en-US" dirty="0" smtClean="0"/>
+              <a:t> from 0 to n-m</a:t>
+            </a:r>
+          </a:p>
+          <a:p>
+            <a:r>
+              <a:rPr lang="en-US" dirty="0"/>
               <a:t>Key is to avoid comparing strings unless the hash codes match</a:t>
             </a:r>
+          </a:p>
+          <a:p>
             <a:endParaRPr lang="en-US" dirty="0"/>
           </a:p>
-          <a:p>
-            <a:endParaRPr lang="en-US" dirty="0"/>
-          </a:p>
         </p:txBody>
       </p:sp>
       <p:sp>
@@ -6756,7 +7546,7 @@
           <p:cNvPr id="5" name="TextBox 4">
             <a:extLst>
               <a:ext uri="{FF2B5EF4-FFF2-40B4-BE49-F238E27FC236}">
-                <a16:creationId xmlns:a16="http://schemas.microsoft.com/office/drawing/2014/main" xmlns="" id="{4C9E2EBA-5391-654A-8F49-2D375A2B5F6A}"/>
+                <a16:creationId xmlns:a16="http://schemas.microsoft.com/office/drawing/2014/main" id="{4C9E2EBA-5391-654A-8F49-2D375A2B5F6A}"/>
               </a:ext>
             </a:extLst>
           </p:cNvPr>
@@ -6831,7 +7621,7 @@
           <p:cNvPr id="2" name="Title 1">
             <a:extLst>
               <a:ext uri="{FF2B5EF4-FFF2-40B4-BE49-F238E27FC236}">
-                <a16:creationId xmlns:a16="http://schemas.microsoft.com/office/drawing/2014/main" xmlns="" id="{A4EB9A59-6479-2A49-BA16-1514857AC95F}"/>
+                <a16:creationId xmlns:a16="http://schemas.microsoft.com/office/drawing/2014/main" id="{A4EB9A59-6479-2A49-BA16-1514857AC95F}"/>
               </a:ext>
             </a:extLst>
           </p:cNvPr>
@@ -6859,7 +7649,7 @@
           <p:cNvPr id="4" name="TextBox 3">
             <a:extLst>
               <a:ext uri="{FF2B5EF4-FFF2-40B4-BE49-F238E27FC236}">
-                <a16:creationId xmlns:a16="http://schemas.microsoft.com/office/drawing/2014/main" xmlns="" id="{2D135B6C-B890-1140-B2CE-91A97DAF6446}"/>
+                <a16:creationId xmlns:a16="http://schemas.microsoft.com/office/drawing/2014/main" id="{2D135B6C-B890-1140-B2CE-91A97DAF6446}"/>
               </a:ext>
             </a:extLst>
           </p:cNvPr>
@@ -6869,7 +7659,7 @@
         <p:spPr>
           <a:xfrm>
             <a:off x="927600" y="1455825"/>
-            <a:ext cx="7754062" cy="2800767"/>
+            <a:ext cx="7754062" cy="3139321"/>
           </a:xfrm>
           <a:prstGeom prst="rect">
             <a:avLst/>
@@ -7087,7 +7877,17 @@
                 <a:ea typeface="Monaco" charset="0"/>
                 <a:cs typeface="Monaco" charset="0"/>
               </a:rPr>
-              <a:t> and s==doc[</a:t>
+              <a:t>: # fast</a:t>
+            </a:r>
+          </a:p>
+          <a:p>
+            <a:r>
+              <a:rPr lang="en-US" sz="2200" dirty="0">
+                <a:latin typeface="Monaco" charset="0"/>
+                <a:ea typeface="Monaco" charset="0"/>
+                <a:cs typeface="Monaco" charset="0"/>
+              </a:rPr>
+              <a:t>            if s==doc[</a:t>
             </a:r>
             <a:r>
               <a:rPr lang="en-US" sz="2200" dirty="0" err="1">
@@ -7103,7 +7903,7 @@
                 <a:ea typeface="Monaco" charset="0"/>
                 <a:cs typeface="Monaco" charset="0"/>
               </a:rPr>
-              <a:t>]:</a:t>
+              <a:t>]: # slow</a:t>
             </a:r>
           </a:p>
           <a:p>
@@ -7113,7 +7913,7 @@
                 <a:ea typeface="Monaco" charset="0"/>
                 <a:cs typeface="Monaco" charset="0"/>
               </a:rPr>
-              <a:t>            return </a:t>
+              <a:t>                return </a:t>
             </a:r>
             <a:r>
               <a:rPr lang="en-US" sz="2200" dirty="0" err="1">
@@ -7146,7 +7946,7 @@
           <p:cNvPr id="5" name="TextBox 4">
             <a:extLst>
               <a:ext uri="{FF2B5EF4-FFF2-40B4-BE49-F238E27FC236}">
-                <a16:creationId xmlns:a16="http://schemas.microsoft.com/office/drawing/2014/main" xmlns="" id="{53E89B64-E4C7-B349-8F4D-C096A24A66FC}"/>
+                <a16:creationId xmlns:a16="http://schemas.microsoft.com/office/drawing/2014/main" id="{53E89B64-E4C7-B349-8F4D-C096A24A66FC}"/>
               </a:ext>
             </a:extLst>
           </p:cNvPr>
@@ -7155,7 +7955,7 @@
         </p:nvSpPr>
         <p:spPr>
           <a:xfrm>
-            <a:off x="927600" y="4495491"/>
+            <a:off x="927600" y="4798114"/>
             <a:ext cx="5790235" cy="769441"/>
           </a:xfrm>
           <a:prstGeom prst="rect">
@@ -7248,7 +8048,7 @@
           <p:cNvPr id="6" name="TextBox 5">
             <a:extLst>
               <a:ext uri="{FF2B5EF4-FFF2-40B4-BE49-F238E27FC236}">
-                <a16:creationId xmlns:a16="http://schemas.microsoft.com/office/drawing/2014/main" xmlns="" id="{3F40E21E-742A-B249-8ED2-E5ECCDA9F1F5}"/>
+                <a16:creationId xmlns:a16="http://schemas.microsoft.com/office/drawing/2014/main" id="{3F40E21E-742A-B249-8ED2-E5ECCDA9F1F5}"/>
               </a:ext>
             </a:extLst>
           </p:cNvPr>
@@ -7313,7 +8113,7 @@
           <p:cNvPr id="2" name="Title 1">
             <a:extLst>
               <a:ext uri="{FF2B5EF4-FFF2-40B4-BE49-F238E27FC236}">
-                <a16:creationId xmlns:a16="http://schemas.microsoft.com/office/drawing/2014/main" xmlns="" id="{607BE88F-AADC-BA4C-BF3B-E300F820ED32}"/>
+                <a16:creationId xmlns:a16="http://schemas.microsoft.com/office/drawing/2014/main" id="{607BE88F-AADC-BA4C-BF3B-E300F820ED32}"/>
               </a:ext>
             </a:extLst>
           </p:cNvPr>
@@ -7341,7 +8141,7 @@
           <p:cNvPr id="3" name="Content Placeholder 2">
             <a:extLst>
               <a:ext uri="{FF2B5EF4-FFF2-40B4-BE49-F238E27FC236}">
-                <a16:creationId xmlns:a16="http://schemas.microsoft.com/office/drawing/2014/main" xmlns="" id="{02F0A4A6-CB12-A24A-A35D-C94A020B3737}"/>
+                <a16:creationId xmlns:a16="http://schemas.microsoft.com/office/drawing/2014/main" id="{02F0A4A6-CB12-A24A-A35D-C94A020B3737}"/>
               </a:ext>
             </a:extLst>
           </p:cNvPr>
@@ -7395,15 +8195,7 @@
           <a:p>
             <a:r>
               <a:rPr lang="en-US" dirty="0"/>
-              <a:t>What if search string </a:t>
-            </a:r>
-            <a:r>
-              <a:rPr lang="en-US" dirty="0" smtClean="0"/>
-              <a:t>s is </a:t>
-            </a:r>
-            <a:r>
-              <a:rPr lang="en-US" dirty="0"/>
-              <a:t>very long? Can get expensive.</a:t>
+              <a:t>What if search string s is very long? Can get expensive.</a:t>
             </a:r>
           </a:p>
           <a:p>
@@ -7423,15 +8215,7 @@
           <a:p>
             <a:r>
               <a:rPr lang="en-US" dirty="0"/>
-              <a:t>Yes. I claim we can </a:t>
-            </a:r>
-            <a:r>
-              <a:rPr lang="en-US" dirty="0" smtClean="0"/>
-              <a:t>search </a:t>
-            </a:r>
-            <a:r>
-              <a:rPr lang="en-US" dirty="0"/>
-              <a:t>for strings in doc in O(m) if we prepare a side data structure</a:t>
+              <a:t>Yes. I claim we can search for strings in doc in O(m) if we prepare a side data structure</a:t>
             </a:r>
           </a:p>
           <a:p>
@@ -7477,7 +8261,7 @@
           <p:cNvPr id="2" name="Title 1">
             <a:extLst>
               <a:ext uri="{FF2B5EF4-FFF2-40B4-BE49-F238E27FC236}">
-                <a16:creationId xmlns:a16="http://schemas.microsoft.com/office/drawing/2014/main" xmlns="" id="{CF41B61C-99D7-154B-9EBE-1EED80B410E3}"/>
+                <a16:creationId xmlns:a16="http://schemas.microsoft.com/office/drawing/2014/main" id="{CF41B61C-99D7-154B-9EBE-1EED80B410E3}"/>
               </a:ext>
             </a:extLst>
           </p:cNvPr>
@@ -7495,15 +8279,7 @@
           <a:p>
             <a:r>
               <a:rPr lang="en-US" dirty="0"/>
-              <a:t>Revisit </a:t>
-            </a:r>
-            <a:r>
-              <a:rPr lang="en-US" dirty="0" smtClean="0"/>
-              <a:t>recursive bucket </a:t>
-            </a:r>
-            <a:r>
-              <a:rPr lang="en-US" dirty="0"/>
-              <a:t>sort</a:t>
+              <a:t>Revisit recursive bucket sort</a:t>
             </a:r>
           </a:p>
         </p:txBody>
@@ -7513,7 +8289,7 @@
           <p:cNvPr id="3" name="Content Placeholder 2">
             <a:extLst>
               <a:ext uri="{FF2B5EF4-FFF2-40B4-BE49-F238E27FC236}">
-                <a16:creationId xmlns:a16="http://schemas.microsoft.com/office/drawing/2014/main" xmlns="" id="{A7F6ED6B-73D0-064B-BCFD-979A3BDDFCAE}"/>
+                <a16:creationId xmlns:a16="http://schemas.microsoft.com/office/drawing/2014/main" id="{A7F6ED6B-73D0-064B-BCFD-979A3BDDFCAE}"/>
               </a:ext>
             </a:extLst>
           </p:cNvPr>
@@ -7573,19 +8349,14 @@
             </a:br>
             <a:r>
               <a:rPr lang="en-US" dirty="0"/>
-              <a:t>prefix, linearly search </a:t>
-            </a:r>
-            <a:r>
-              <a:rPr lang="en-US" dirty="0" smtClean="0"/>
-              <a:t>leaf</a:t>
-            </a:r>
-          </a:p>
-          <a:p>
-            <a:r>
-              <a:rPr lang="en-US" dirty="0" smtClean="0"/>
+              <a:t>prefix, linearly search leaf</a:t>
+            </a:r>
+          </a:p>
+          <a:p>
+            <a:r>
+              <a:rPr lang="en-US" dirty="0"/>
               <a:t>The key tells us how to navigate</a:t>
             </a:r>
-            <a:endParaRPr lang="en-US" dirty="0"/>
           </a:p>
           <a:p>
             <a:r>
@@ -7638,7 +8409,7 @@
           <p:cNvPr id="4" name="Picture 3">
             <a:extLst>
               <a:ext uri="{FF2B5EF4-FFF2-40B4-BE49-F238E27FC236}">
-                <a16:creationId xmlns:a16="http://schemas.microsoft.com/office/drawing/2014/main" xmlns="" id="{52DC0C7F-5F5D-B84C-AD5B-A5950F736CDF}"/>
+                <a16:creationId xmlns:a16="http://schemas.microsoft.com/office/drawing/2014/main" id="{52DC0C7F-5F5D-B84C-AD5B-A5950F736CDF}"/>
               </a:ext>
             </a:extLst>
           </p:cNvPr>
@@ -7668,7 +8439,7 @@
           <p:cNvPr id="5" name="TextBox 4">
             <a:extLst>
               <a:ext uri="{FF2B5EF4-FFF2-40B4-BE49-F238E27FC236}">
-                <a16:creationId xmlns:a16="http://schemas.microsoft.com/office/drawing/2014/main" xmlns="" id="{EE99548C-BBF5-2441-B596-130872DC60DB}"/>
+                <a16:creationId xmlns:a16="http://schemas.microsoft.com/office/drawing/2014/main" id="{EE99548C-BBF5-2441-B596-130872DC60DB}"/>
               </a:ext>
             </a:extLst>
           </p:cNvPr>

--- a/notes/searching.pptx
+++ b/notes/searching.pptx
@@ -5732,6 +5732,62 @@
           </a:p>
         </p:txBody>
       </p:sp>
+      <p:sp>
+        <p:nvSpPr>
+          <p:cNvPr id="4" name="TextBox 3">
+            <a:extLst>
+              <a:ext uri="{FF2B5EF4-FFF2-40B4-BE49-F238E27FC236}">
+                <a16:creationId xmlns:a16="http://schemas.microsoft.com/office/drawing/2014/main" id="{E52E155C-C5BB-644F-A746-ECFDFF0F305D}"/>
+              </a:ext>
+            </a:extLst>
+          </p:cNvPr>
+          <p:cNvSpPr txBox="1"/>
+          <p:nvPr/>
+        </p:nvSpPr>
+        <p:spPr>
+          <a:xfrm>
+            <a:off x="0" y="6311900"/>
+            <a:ext cx="7968848" cy="369332"/>
+          </a:xfrm>
+          <a:prstGeom prst="rect">
+            <a:avLst/>
+          </a:prstGeom>
+          <a:noFill/>
+        </p:spPr>
+        <p:txBody>
+          <a:bodyPr wrap="none" rtlCol="0">
+            <a:spAutoFit/>
+          </a:bodyPr>
+          <a:lstStyle/>
+          <a:p>
+            <a:r>
+              <a:rPr lang="en-US" dirty="0"/>
+              <a:t>See solution https://</a:t>
+            </a:r>
+            <a:r>
+              <a:rPr lang="en-US" dirty="0" err="1"/>
+              <a:t>github.com</a:t>
+            </a:r>
+            <a:r>
+              <a:rPr lang="en-US" dirty="0"/>
+              <a:t>/</a:t>
+            </a:r>
+            <a:r>
+              <a:rPr lang="en-US" dirty="0" err="1"/>
+              <a:t>parrt</a:t>
+            </a:r>
+            <a:r>
+              <a:rPr lang="en-US" dirty="0"/>
+              <a:t>/msds689/blob/master/notes/code/</a:t>
+            </a:r>
+            <a:r>
+              <a:rPr lang="en-US" dirty="0" err="1"/>
+              <a:t>trie.py</a:t>
+            </a:r>
+            <a:endParaRPr lang="en-US" dirty="0"/>
+          </a:p>
+        </p:txBody>
+      </p:sp>
     </p:spTree>
     <p:extLst>
       <p:ext uri="{BB962C8B-B14F-4D97-AF65-F5344CB8AC3E}">
@@ -5887,6 +5943,62 @@
               <a:rPr lang="en-US" dirty="0"/>
               <a:t>(How can you do fast spell checking on big documents?)</a:t>
             </a:r>
+          </a:p>
+        </p:txBody>
+      </p:sp>
+      <p:sp>
+        <p:nvSpPr>
+          <p:cNvPr id="4" name="TextBox 3">
+            <a:extLst>
+              <a:ext uri="{FF2B5EF4-FFF2-40B4-BE49-F238E27FC236}">
+                <a16:creationId xmlns:a16="http://schemas.microsoft.com/office/drawing/2014/main" id="{47988AE6-331F-864A-963A-42008DA144C2}"/>
+              </a:ext>
+            </a:extLst>
+          </p:cNvPr>
+          <p:cNvSpPr txBox="1"/>
+          <p:nvPr/>
+        </p:nvSpPr>
+        <p:spPr>
+          <a:xfrm>
+            <a:off x="0" y="6311900"/>
+            <a:ext cx="7968848" cy="369332"/>
+          </a:xfrm>
+          <a:prstGeom prst="rect">
+            <a:avLst/>
+          </a:prstGeom>
+          <a:noFill/>
+        </p:spPr>
+        <p:txBody>
+          <a:bodyPr wrap="none" rtlCol="0">
+            <a:spAutoFit/>
+          </a:bodyPr>
+          <a:lstStyle/>
+          <a:p>
+            <a:r>
+              <a:rPr lang="en-US" dirty="0"/>
+              <a:t>See solution https://</a:t>
+            </a:r>
+            <a:r>
+              <a:rPr lang="en-US" dirty="0" err="1"/>
+              <a:t>github.com</a:t>
+            </a:r>
+            <a:r>
+              <a:rPr lang="en-US" dirty="0"/>
+              <a:t>/</a:t>
+            </a:r>
+            <a:r>
+              <a:rPr lang="en-US" dirty="0" err="1"/>
+              <a:t>parrt</a:t>
+            </a:r>
+            <a:r>
+              <a:rPr lang="en-US" dirty="0"/>
+              <a:t>/msds689/blob/master/notes/code/</a:t>
+            </a:r>
+            <a:r>
+              <a:rPr lang="en-US" dirty="0" err="1"/>
+              <a:t>trie.py</a:t>
+            </a:r>
+            <a:endParaRPr lang="en-US" dirty="0"/>
           </a:p>
         </p:txBody>
       </p:sp>
@@ -6411,6 +6523,209 @@
   <p:clrMapOvr>
     <a:masterClrMapping/>
   </p:clrMapOvr>
+  <p:timing>
+    <p:tnLst>
+      <p:par>
+        <p:cTn id="1" dur="indefinite" restart="never" nodeType="tmRoot">
+          <p:childTnLst>
+            <p:seq concurrent="1" nextAc="seek">
+              <p:cTn id="2" dur="indefinite" nodeType="mainSeq">
+                <p:childTnLst>
+                  <p:par>
+                    <p:cTn id="3" fill="hold">
+                      <p:stCondLst>
+                        <p:cond delay="indefinite"/>
+                      </p:stCondLst>
+                      <p:childTnLst>
+                        <p:par>
+                          <p:cTn id="4" fill="hold">
+                            <p:stCondLst>
+                              <p:cond delay="0"/>
+                            </p:stCondLst>
+                            <p:childTnLst>
+                              <p:par>
+                                <p:cTn id="5" presetID="1" presetClass="entr" presetSubtype="0" fill="hold" nodeType="clickEffect">
+                                  <p:stCondLst>
+                                    <p:cond delay="0"/>
+                                  </p:stCondLst>
+                                  <p:childTnLst>
+                                    <p:set>
+                                      <p:cBhvr>
+                                        <p:cTn id="6" dur="1" fill="hold">
+                                          <p:stCondLst>
+                                            <p:cond delay="0"/>
+                                          </p:stCondLst>
+                                        </p:cTn>
+                                        <p:tgtEl>
+                                          <p:spTgt spid="3">
+                                            <p:txEl>
+                                              <p:pRg st="0" end="0"/>
+                                            </p:txEl>
+                                          </p:spTgt>
+                                        </p:tgtEl>
+                                        <p:attrNameLst>
+                                          <p:attrName>style.visibility</p:attrName>
+                                        </p:attrNameLst>
+                                      </p:cBhvr>
+                                      <p:to>
+                                        <p:strVal val="visible"/>
+                                      </p:to>
+                                    </p:set>
+                                  </p:childTnLst>
+                                </p:cTn>
+                              </p:par>
+                              <p:par>
+                                <p:cTn id="7" presetID="1" presetClass="entr" presetSubtype="0" fill="hold" nodeType="withEffect">
+                                  <p:stCondLst>
+                                    <p:cond delay="0"/>
+                                  </p:stCondLst>
+                                  <p:childTnLst>
+                                    <p:set>
+                                      <p:cBhvr>
+                                        <p:cTn id="8" dur="1" fill="hold">
+                                          <p:stCondLst>
+                                            <p:cond delay="0"/>
+                                          </p:stCondLst>
+                                        </p:cTn>
+                                        <p:tgtEl>
+                                          <p:spTgt spid="3">
+                                            <p:txEl>
+                                              <p:pRg st="1" end="1"/>
+                                            </p:txEl>
+                                          </p:spTgt>
+                                        </p:tgtEl>
+                                        <p:attrNameLst>
+                                          <p:attrName>style.visibility</p:attrName>
+                                        </p:attrNameLst>
+                                      </p:cBhvr>
+                                      <p:to>
+                                        <p:strVal val="visible"/>
+                                      </p:to>
+                                    </p:set>
+                                  </p:childTnLst>
+                                </p:cTn>
+                              </p:par>
+                              <p:par>
+                                <p:cTn id="9" presetID="1" presetClass="entr" presetSubtype="0" fill="hold" nodeType="withEffect">
+                                  <p:stCondLst>
+                                    <p:cond delay="0"/>
+                                  </p:stCondLst>
+                                  <p:childTnLst>
+                                    <p:set>
+                                      <p:cBhvr>
+                                        <p:cTn id="10" dur="1" fill="hold">
+                                          <p:stCondLst>
+                                            <p:cond delay="0"/>
+                                          </p:stCondLst>
+                                        </p:cTn>
+                                        <p:tgtEl>
+                                          <p:spTgt spid="3">
+                                            <p:txEl>
+                                              <p:pRg st="2" end="2"/>
+                                            </p:txEl>
+                                          </p:spTgt>
+                                        </p:tgtEl>
+                                        <p:attrNameLst>
+                                          <p:attrName>style.visibility</p:attrName>
+                                        </p:attrNameLst>
+                                      </p:cBhvr>
+                                      <p:to>
+                                        <p:strVal val="visible"/>
+                                      </p:to>
+                                    </p:set>
+                                  </p:childTnLst>
+                                </p:cTn>
+                              </p:par>
+                              <p:par>
+                                <p:cTn id="11" presetID="1" presetClass="entr" presetSubtype="0" fill="hold" nodeType="withEffect">
+                                  <p:stCondLst>
+                                    <p:cond delay="0"/>
+                                  </p:stCondLst>
+                                  <p:childTnLst>
+                                    <p:set>
+                                      <p:cBhvr>
+                                        <p:cTn id="12" dur="1" fill="hold">
+                                          <p:stCondLst>
+                                            <p:cond delay="0"/>
+                                          </p:stCondLst>
+                                        </p:cTn>
+                                        <p:tgtEl>
+                                          <p:spTgt spid="3">
+                                            <p:txEl>
+                                              <p:pRg st="3" end="3"/>
+                                            </p:txEl>
+                                          </p:spTgt>
+                                        </p:tgtEl>
+                                        <p:attrNameLst>
+                                          <p:attrName>style.visibility</p:attrName>
+                                        </p:attrNameLst>
+                                      </p:cBhvr>
+                                      <p:to>
+                                        <p:strVal val="visible"/>
+                                      </p:to>
+                                    </p:set>
+                                  </p:childTnLst>
+                                </p:cTn>
+                              </p:par>
+                              <p:par>
+                                <p:cTn id="13" presetID="1" presetClass="entr" presetSubtype="0" fill="hold" nodeType="withEffect">
+                                  <p:stCondLst>
+                                    <p:cond delay="0"/>
+                                  </p:stCondLst>
+                                  <p:childTnLst>
+                                    <p:set>
+                                      <p:cBhvr>
+                                        <p:cTn id="14" dur="1" fill="hold">
+                                          <p:stCondLst>
+                                            <p:cond delay="0"/>
+                                          </p:stCondLst>
+                                        </p:cTn>
+                                        <p:tgtEl>
+                                          <p:spTgt spid="3">
+                                            <p:txEl>
+                                              <p:pRg st="4" end="4"/>
+                                            </p:txEl>
+                                          </p:spTgt>
+                                        </p:tgtEl>
+                                        <p:attrNameLst>
+                                          <p:attrName>style.visibility</p:attrName>
+                                        </p:attrNameLst>
+                                      </p:cBhvr>
+                                      <p:to>
+                                        <p:strVal val="visible"/>
+                                      </p:to>
+                                    </p:set>
+                                  </p:childTnLst>
+                                </p:cTn>
+                              </p:par>
+                            </p:childTnLst>
+                          </p:cTn>
+                        </p:par>
+                      </p:childTnLst>
+                    </p:cTn>
+                  </p:par>
+                </p:childTnLst>
+              </p:cTn>
+              <p:prevCondLst>
+                <p:cond evt="onPrev" delay="0">
+                  <p:tgtEl>
+                    <p:sldTgt/>
+                  </p:tgtEl>
+                </p:cond>
+              </p:prevCondLst>
+              <p:nextCondLst>
+                <p:cond evt="onNext" delay="0">
+                  <p:tgtEl>
+                    <p:sldTgt/>
+                  </p:tgtEl>
+                </p:cond>
+              </p:nextCondLst>
+            </p:seq>
+          </p:childTnLst>
+        </p:cTn>
+      </p:par>
+    </p:tnLst>
+  </p:timing>
 </p:sld>
 </file>
 

--- a/notes/searching.pptx
+++ b/notes/searching.pptx
@@ -5,10 +5,10 @@
     <p:sldMasterId id="2147483672" r:id="rId1"/>
   </p:sldMasterIdLst>
   <p:notesMasterIdLst>
-    <p:notesMasterId r:id="rId21"/>
+    <p:notesMasterId r:id="rId22"/>
   </p:notesMasterIdLst>
   <p:handoutMasterIdLst>
-    <p:handoutMasterId r:id="rId22"/>
+    <p:handoutMasterId r:id="rId23"/>
   </p:handoutMasterIdLst>
   <p:sldIdLst>
     <p:sldId id="289" r:id="rId2"/>
@@ -30,6 +30,7 @@
     <p:sldId id="305" r:id="rId18"/>
     <p:sldId id="306" r:id="rId19"/>
     <p:sldId id="307" r:id="rId20"/>
+    <p:sldId id="308" r:id="rId21"/>
   </p:sldIdLst>
   <p:sldSz cx="12192000" cy="6858000"/>
   <p:notesSz cx="9144000" cy="6858000"/>
@@ -224,7 +225,7 @@
           <a:p>
             <a:fld id="{8A1B613A-EFF1-404F-BEE8-EFAE84A4E5E2}" type="datetimeFigureOut">
               <a:rPr lang="en-US" smtClean="0"/>
-              <a:t>2/21/19</a:t>
+              <a:t>2/13/20</a:t>
             </a:fld>
             <a:endParaRPr lang="en-US"/>
           </a:p>
@@ -389,7 +390,7 @@
           <a:p>
             <a:fld id="{690847EA-AC25-3D4E-89E1-FD3F6A9702B6}" type="datetimeFigureOut">
               <a:rPr lang="en-US" smtClean="0"/>
-              <a:t>2/21/19</a:t>
+              <a:t>2/13/20</a:t>
             </a:fld>
             <a:endParaRPr lang="en-US"/>
           </a:p>
@@ -803,7 +804,7 @@
           <a:p>
             <a:fld id="{BE5295ED-3BAF-1140-8495-3D368771D6B1}" type="datetimeFigureOut">
               <a:rPr lang="en-US" smtClean="0"/>
-              <a:t>2/21/19</a:t>
+              <a:t>2/13/20</a:t>
             </a:fld>
             <a:endParaRPr lang="en-US"/>
           </a:p>
@@ -1001,7 +1002,7 @@
           <a:p>
             <a:fld id="{BE5295ED-3BAF-1140-8495-3D368771D6B1}" type="datetimeFigureOut">
               <a:rPr lang="en-US" smtClean="0"/>
-              <a:t>2/21/19</a:t>
+              <a:t>2/13/20</a:t>
             </a:fld>
             <a:endParaRPr lang="en-US"/>
           </a:p>
@@ -1209,7 +1210,7 @@
           <a:p>
             <a:fld id="{BE5295ED-3BAF-1140-8495-3D368771D6B1}" type="datetimeFigureOut">
               <a:rPr lang="en-US" smtClean="0"/>
-              <a:t>2/21/19</a:t>
+              <a:t>2/13/20</a:t>
             </a:fld>
             <a:endParaRPr lang="en-US"/>
           </a:p>
@@ -1407,7 +1408,7 @@
           <a:p>
             <a:fld id="{BE5295ED-3BAF-1140-8495-3D368771D6B1}" type="datetimeFigureOut">
               <a:rPr lang="en-US" smtClean="0"/>
-              <a:t>2/21/19</a:t>
+              <a:t>2/13/20</a:t>
             </a:fld>
             <a:endParaRPr lang="en-US"/>
           </a:p>
@@ -1682,7 +1683,7 @@
           <a:p>
             <a:fld id="{BE5295ED-3BAF-1140-8495-3D368771D6B1}" type="datetimeFigureOut">
               <a:rPr lang="en-US" smtClean="0"/>
-              <a:t>2/21/19</a:t>
+              <a:t>2/13/20</a:t>
             </a:fld>
             <a:endParaRPr lang="en-US"/>
           </a:p>
@@ -1947,7 +1948,7 @@
           <a:p>
             <a:fld id="{BE5295ED-3BAF-1140-8495-3D368771D6B1}" type="datetimeFigureOut">
               <a:rPr lang="en-US" smtClean="0"/>
-              <a:t>2/21/19</a:t>
+              <a:t>2/13/20</a:t>
             </a:fld>
             <a:endParaRPr lang="en-US"/>
           </a:p>
@@ -2359,7 +2360,7 @@
           <a:p>
             <a:fld id="{BE5295ED-3BAF-1140-8495-3D368771D6B1}" type="datetimeFigureOut">
               <a:rPr lang="en-US" smtClean="0"/>
-              <a:t>2/21/19</a:t>
+              <a:t>2/13/20</a:t>
             </a:fld>
             <a:endParaRPr lang="en-US"/>
           </a:p>
@@ -2500,7 +2501,7 @@
           <a:p>
             <a:fld id="{BE5295ED-3BAF-1140-8495-3D368771D6B1}" type="datetimeFigureOut">
               <a:rPr lang="en-US" smtClean="0"/>
-              <a:t>2/21/19</a:t>
+              <a:t>2/13/20</a:t>
             </a:fld>
             <a:endParaRPr lang="en-US"/>
           </a:p>
@@ -2613,7 +2614,7 @@
           <a:p>
             <a:fld id="{BE5295ED-3BAF-1140-8495-3D368771D6B1}" type="datetimeFigureOut">
               <a:rPr lang="en-US" smtClean="0"/>
-              <a:t>2/21/19</a:t>
+              <a:t>2/13/20</a:t>
             </a:fld>
             <a:endParaRPr lang="en-US"/>
           </a:p>
@@ -2924,7 +2925,7 @@
           <a:p>
             <a:fld id="{BE5295ED-3BAF-1140-8495-3D368771D6B1}" type="datetimeFigureOut">
               <a:rPr lang="en-US" smtClean="0"/>
-              <a:t>2/21/19</a:t>
+              <a:t>2/13/20</a:t>
             </a:fld>
             <a:endParaRPr lang="en-US"/>
           </a:p>
@@ -3215,7 +3216,7 @@
           <a:p>
             <a:fld id="{BE5295ED-3BAF-1140-8495-3D368771D6B1}" type="datetimeFigureOut">
               <a:rPr lang="en-US" smtClean="0"/>
-              <a:t>2/21/19</a:t>
+              <a:t>2/13/20</a:t>
             </a:fld>
             <a:endParaRPr lang="en-US"/>
           </a:p>
@@ -3456,7 +3457,7 @@
           <a:p>
             <a:fld id="{BE5295ED-3BAF-1140-8495-3D368771D6B1}" type="datetimeFigureOut">
               <a:rPr lang="en-US" smtClean="0"/>
-              <a:t>2/21/19</a:t>
+              <a:t>2/13/20</a:t>
             </a:fld>
             <a:endParaRPr lang="en-US"/>
           </a:p>
@@ -4321,6 +4322,19 @@
           <a:p>
             <a:r>
               <a:rPr lang="en-US" dirty="0"/>
+              <a:t>TRIE can hold a big set of words and</a:t>
+            </a:r>
+            <a:br>
+              <a:rPr lang="en-US" dirty="0"/>
+            </a:br>
+            <a:r>
+              <a:rPr lang="en-US" dirty="0"/>
+              <a:t>we can search for a word superfast</a:t>
+            </a:r>
+          </a:p>
+          <a:p>
+            <a:r>
+              <a:rPr lang="en-US" dirty="0"/>
               <a:t>Note: Now that we’re not sorting, order of</a:t>
             </a:r>
             <a:br>
@@ -5047,6 +5061,41 @@
           </a:p>
         </p:txBody>
       </p:sp>
+      <p:sp>
+        <p:nvSpPr>
+          <p:cNvPr id="6" name="TextBox 5">
+            <a:extLst>
+              <a:ext uri="{FF2B5EF4-FFF2-40B4-BE49-F238E27FC236}">
+                <a16:creationId xmlns:a16="http://schemas.microsoft.com/office/drawing/2014/main" id="{BF625A4D-7686-2C47-B3A7-B8382722563B}"/>
+              </a:ext>
+            </a:extLst>
+          </p:cNvPr>
+          <p:cNvSpPr txBox="1"/>
+          <p:nvPr/>
+        </p:nvSpPr>
+        <p:spPr>
+          <a:xfrm>
+            <a:off x="838200" y="5628624"/>
+            <a:ext cx="7391767" cy="430887"/>
+          </a:xfrm>
+          <a:prstGeom prst="rect">
+            <a:avLst/>
+          </a:prstGeom>
+          <a:noFill/>
+        </p:spPr>
+        <p:txBody>
+          <a:bodyPr wrap="none" rtlCol="0">
+            <a:spAutoFit/>
+          </a:bodyPr>
+          <a:lstStyle/>
+          <a:p>
+            <a:r>
+              <a:rPr lang="en-US" sz="2200" dirty="0"/>
+              <a:t>Note that nodes have no values, edges contain the letters</a:t>
+            </a:r>
+          </a:p>
+        </p:txBody>
+      </p:sp>
     </p:spTree>
     <p:extLst>
       <p:ext uri="{BB962C8B-B14F-4D97-AF65-F5344CB8AC3E}">
@@ -5100,7 +5149,13 @@
               <a:rPr lang="en-US" dirty="0" err="1"/>
               <a:t>Trie</a:t>
             </a:r>
-            <a:endParaRPr lang="en-US" dirty="0"/>
+            <a:br>
+              <a:rPr lang="en-US" dirty="0"/>
+            </a:br>
+            <a:r>
+              <a:rPr lang="en-US" sz="2400" i="1" dirty="0"/>
+              <a:t>(was in a “big internet company” interview)</a:t>
+            </a:r>
           </a:p>
         </p:txBody>
       </p:sp>
@@ -5114,7 +5169,12 @@
             <p:ph idx="1"/>
           </p:nvPr>
         </p:nvSpPr>
-        <p:spPr/>
+        <p:spPr>
+          <a:xfrm>
+            <a:off x="838200" y="1825625"/>
+            <a:ext cx="9454376" cy="4351338"/>
+          </a:xfrm>
+        </p:spPr>
         <p:txBody>
           <a:bodyPr/>
           <a:lstStyle/>
@@ -5143,12 +5203,16 @@
               <a:t>Note that the search depends on </a:t>
             </a:r>
             <a:r>
-              <a:rPr lang="en-US" dirty="0" err="1"/>
+              <a:rPr lang="en-US" u="sng" dirty="0" err="1"/>
               <a:t>len</a:t>
             </a:r>
             <a:r>
-              <a:rPr lang="en-US" dirty="0"/>
-              <a:t>(s) not </a:t>
+              <a:rPr lang="en-US" u="sng" dirty="0"/>
+              <a:t>(s)</a:t>
+            </a:r>
+            <a:r>
+              <a:rPr lang="en-US" dirty="0"/>
+              <a:t> NOT </a:t>
             </a:r>
             <a:r>
               <a:rPr lang="en-US" dirty="0" err="1"/>
@@ -5156,7 +5220,7 @@
             </a:r>
             <a:r>
               <a:rPr lang="en-US" dirty="0"/>
-              <a:t> words n !!!</a:t>
+              <a:t> words n in the vocabulary!!!</a:t>
             </a:r>
           </a:p>
         </p:txBody>
@@ -5175,7 +5239,7 @@
         </p:nvSpPr>
         <p:spPr>
           <a:xfrm>
-            <a:off x="1410510" y="3093756"/>
+            <a:off x="1410510" y="3350233"/>
             <a:ext cx="9077528" cy="2800767"/>
           </a:xfrm>
           <a:prstGeom prst="rect">
@@ -5473,97 +5537,6 @@
           <a:chExt cx="0" cy="0"/>
         </a:xfrm>
       </p:grpSpPr>
-      <p:sp>
-        <p:nvSpPr>
-          <p:cNvPr id="2" name="Title 1">
-            <a:extLst>
-              <a:ext uri="{FF2B5EF4-FFF2-40B4-BE49-F238E27FC236}">
-                <a16:creationId xmlns:a16="http://schemas.microsoft.com/office/drawing/2014/main" id="{84E0E9E3-A102-9C4C-AA99-6CE6745A3DBA}"/>
-              </a:ext>
-            </a:extLst>
-          </p:cNvPr>
-          <p:cNvSpPr>
-            <a:spLocks noGrp="1"/>
-          </p:cNvSpPr>
-          <p:nvPr>
-            <p:ph type="title"/>
-          </p:nvPr>
-        </p:nvSpPr>
-        <p:spPr/>
-        <p:txBody>
-          <a:bodyPr/>
-          <a:lstStyle/>
-          <a:p>
-            <a:r>
-              <a:rPr lang="en-US" dirty="0"/>
-              <a:t>Dictionaries are O(1) but…</a:t>
-            </a:r>
-          </a:p>
-        </p:txBody>
-      </p:sp>
-      <p:sp>
-        <p:nvSpPr>
-          <p:cNvPr id="3" name="Content Placeholder 2">
-            <a:extLst>
-              <a:ext uri="{FF2B5EF4-FFF2-40B4-BE49-F238E27FC236}">
-                <a16:creationId xmlns:a16="http://schemas.microsoft.com/office/drawing/2014/main" id="{12A7C874-3C25-634E-9D83-956E2FA295CB}"/>
-              </a:ext>
-            </a:extLst>
-          </p:cNvPr>
-          <p:cNvSpPr>
-            <a:spLocks noGrp="1"/>
-          </p:cNvSpPr>
-          <p:nvPr>
-            <p:ph idx="1"/>
-          </p:nvPr>
-        </p:nvSpPr>
-        <p:spPr/>
-        <p:txBody>
-          <a:bodyPr/>
-          <a:lstStyle/>
-          <a:p>
-            <a:r>
-              <a:rPr lang="en-US" dirty="0"/>
-              <a:t>…slower than array access via perfect</a:t>
-            </a:r>
-            <a:br>
-              <a:rPr lang="en-US" dirty="0"/>
-            </a:br>
-            <a:r>
-              <a:rPr lang="en-US" dirty="0"/>
-              <a:t>hash function f(c) = </a:t>
-            </a:r>
-            <a:r>
-              <a:rPr lang="en-US" dirty="0" err="1"/>
-              <a:t>ord</a:t>
-            </a:r>
-            <a:r>
-              <a:rPr lang="en-US" dirty="0"/>
-              <a:t>(c) - </a:t>
-            </a:r>
-            <a:r>
-              <a:rPr lang="en-US" dirty="0" err="1"/>
-              <a:t>ord</a:t>
-            </a:r>
-            <a:r>
-              <a:rPr lang="en-US" dirty="0"/>
-              <a:t>(‘a’)</a:t>
-            </a:r>
-          </a:p>
-          <a:p>
-            <a:r>
-              <a:rPr lang="en-US" dirty="0"/>
-              <a:t>But we use 26 slots even for one edge</a:t>
-            </a:r>
-          </a:p>
-          <a:p>
-            <a:r>
-              <a:rPr lang="en-US" dirty="0"/>
-              <a:t>How can we reduce memory costs?</a:t>
-            </a:r>
-          </a:p>
-        </p:txBody>
-      </p:sp>
       <p:pic>
         <p:nvPicPr>
           <p:cNvPr id="5" name="Picture 4">
@@ -5594,6 +5567,116 @@
           </a:prstGeom>
         </p:spPr>
       </p:pic>
+      <p:sp>
+        <p:nvSpPr>
+          <p:cNvPr id="2" name="Title 1">
+            <a:extLst>
+              <a:ext uri="{FF2B5EF4-FFF2-40B4-BE49-F238E27FC236}">
+                <a16:creationId xmlns:a16="http://schemas.microsoft.com/office/drawing/2014/main" id="{84E0E9E3-A102-9C4C-AA99-6CE6745A3DBA}"/>
+              </a:ext>
+            </a:extLst>
+          </p:cNvPr>
+          <p:cNvSpPr>
+            <a:spLocks noGrp="1"/>
+          </p:cNvSpPr>
+          <p:nvPr>
+            <p:ph type="title"/>
+          </p:nvPr>
+        </p:nvSpPr>
+        <p:spPr/>
+        <p:txBody>
+          <a:bodyPr/>
+          <a:lstStyle/>
+          <a:p>
+            <a:r>
+              <a:rPr lang="en-US" dirty="0"/>
+              <a:t>Dictionaries are O(1) but…</a:t>
+            </a:r>
+          </a:p>
+        </p:txBody>
+      </p:sp>
+      <p:sp>
+        <p:nvSpPr>
+          <p:cNvPr id="3" name="Content Placeholder 2">
+            <a:extLst>
+              <a:ext uri="{FF2B5EF4-FFF2-40B4-BE49-F238E27FC236}">
+                <a16:creationId xmlns:a16="http://schemas.microsoft.com/office/drawing/2014/main" id="{12A7C874-3C25-634E-9D83-956E2FA295CB}"/>
+              </a:ext>
+            </a:extLst>
+          </p:cNvPr>
+          <p:cNvSpPr>
+            <a:spLocks noGrp="1"/>
+          </p:cNvSpPr>
+          <p:nvPr>
+            <p:ph idx="1"/>
+          </p:nvPr>
+        </p:nvSpPr>
+        <p:spPr>
+          <a:xfrm>
+            <a:off x="838200" y="1825625"/>
+            <a:ext cx="7034561" cy="4351338"/>
+          </a:xfrm>
+        </p:spPr>
+        <p:txBody>
+          <a:bodyPr/>
+          <a:lstStyle/>
+          <a:p>
+            <a:r>
+              <a:rPr lang="en-US" dirty="0"/>
+              <a:t>…slower than array access via perfect</a:t>
+            </a:r>
+            <a:br>
+              <a:rPr lang="en-US" dirty="0"/>
+            </a:br>
+            <a:r>
+              <a:rPr lang="en-US" dirty="0"/>
+              <a:t>hash function f(c) = </a:t>
+            </a:r>
+            <a:r>
+              <a:rPr lang="en-US" dirty="0" err="1"/>
+              <a:t>ord</a:t>
+            </a:r>
+            <a:r>
+              <a:rPr lang="en-US" dirty="0"/>
+              <a:t>(c) - </a:t>
+            </a:r>
+            <a:r>
+              <a:rPr lang="en-US" dirty="0" err="1"/>
+              <a:t>ord</a:t>
+            </a:r>
+            <a:r>
+              <a:rPr lang="en-US" dirty="0"/>
+              <a:t>(‘a’)</a:t>
+            </a:r>
+          </a:p>
+          <a:p>
+            <a:r>
+              <a:rPr lang="en-US" dirty="0"/>
+              <a:t>But we use 26 slots even for one edge</a:t>
+            </a:r>
+          </a:p>
+          <a:p>
+            <a:r>
+              <a:rPr lang="en-US" dirty="0"/>
+              <a:t>How can we reduce memory costs?</a:t>
+            </a:r>
+          </a:p>
+          <a:p>
+            <a:pPr lvl="1"/>
+            <a:r>
+              <a:rPr lang="en-US" dirty="0"/>
+              <a:t>Many nodes will have just one outgoing edge so we can optimize for that case with single pointer instead of an array</a:t>
+            </a:r>
+          </a:p>
+          <a:p>
+            <a:pPr lvl="1"/>
+            <a:r>
+              <a:rPr lang="en-US" dirty="0"/>
+              <a:t>Switch to 26-element edge array if we need more than one edge</a:t>
+            </a:r>
+          </a:p>
+        </p:txBody>
+      </p:sp>
     </p:spTree>
     <p:extLst>
       <p:ext uri="{BB962C8B-B14F-4D97-AF65-F5344CB8AC3E}">
@@ -5934,14 +6017,14 @@
           <a:p>
             <a:r>
               <a:rPr lang="en-US" dirty="0"/>
-              <a:t>This was an interview question/task given at big internet firm</a:t>
+              <a:t>Cool interview question/task:</a:t>
             </a:r>
             <a:br>
               <a:rPr lang="en-US" dirty="0"/>
             </a:br>
             <a:r>
               <a:rPr lang="en-US" dirty="0"/>
-              <a:t>(How can you do fast spell checking on big documents?)</a:t>
+              <a:t>How can you do fast spell checking on big documents?</a:t>
             </a:r>
           </a:p>
         </p:txBody>
@@ -6513,6 +6596,94 @@
           </a:p>
         </p:txBody>
       </p:sp>
+      <p:cxnSp>
+        <p:nvCxnSpPr>
+          <p:cNvPr id="6" name="Straight Arrow Connector 5">
+            <a:extLst>
+              <a:ext uri="{FF2B5EF4-FFF2-40B4-BE49-F238E27FC236}">
+                <a16:creationId xmlns:a16="http://schemas.microsoft.com/office/drawing/2014/main" id="{29096B95-60C8-DE4B-8E6F-5BE7982FCE64}"/>
+              </a:ext>
+            </a:extLst>
+          </p:cNvPr>
+          <p:cNvCxnSpPr>
+            <a:cxnSpLocks/>
+          </p:cNvCxnSpPr>
+          <p:nvPr/>
+        </p:nvCxnSpPr>
+        <p:spPr>
+          <a:xfrm>
+            <a:off x="7638585" y="3992137"/>
+            <a:ext cx="2029522" cy="735980"/>
+          </a:xfrm>
+          <a:prstGeom prst="straightConnector1">
+            <a:avLst/>
+          </a:prstGeom>
+          <a:ln>
+            <a:solidFill>
+              <a:srgbClr val="E4754F"/>
+            </a:solidFill>
+            <a:tailEnd type="triangle"/>
+          </a:ln>
+        </p:spPr>
+        <p:style>
+          <a:lnRef idx="1">
+            <a:schemeClr val="accent1"/>
+          </a:lnRef>
+          <a:fillRef idx="0">
+            <a:schemeClr val="accent1"/>
+          </a:fillRef>
+          <a:effectRef idx="0">
+            <a:schemeClr val="accent1"/>
+          </a:effectRef>
+          <a:fontRef idx="minor">
+            <a:schemeClr val="tx1"/>
+          </a:fontRef>
+        </p:style>
+      </p:cxnSp>
+      <p:cxnSp>
+        <p:nvCxnSpPr>
+          <p:cNvPr id="9" name="Straight Arrow Connector 8">
+            <a:extLst>
+              <a:ext uri="{FF2B5EF4-FFF2-40B4-BE49-F238E27FC236}">
+                <a16:creationId xmlns:a16="http://schemas.microsoft.com/office/drawing/2014/main" id="{5351140D-1B5E-5148-8B46-77E48328B813}"/>
+              </a:ext>
+            </a:extLst>
+          </p:cNvPr>
+          <p:cNvCxnSpPr>
+            <a:cxnSpLocks/>
+          </p:cNvCxnSpPr>
+          <p:nvPr/>
+        </p:nvCxnSpPr>
+        <p:spPr>
+          <a:xfrm>
+            <a:off x="7638585" y="3992137"/>
+            <a:ext cx="2263698" cy="646770"/>
+          </a:xfrm>
+          <a:prstGeom prst="straightConnector1">
+            <a:avLst/>
+          </a:prstGeom>
+          <a:ln>
+            <a:solidFill>
+              <a:srgbClr val="E4754F"/>
+            </a:solidFill>
+            <a:tailEnd type="triangle"/>
+          </a:ln>
+        </p:spPr>
+        <p:style>
+          <a:lnRef idx="1">
+            <a:schemeClr val="accent1"/>
+          </a:lnRef>
+          <a:fillRef idx="0">
+            <a:schemeClr val="accent1"/>
+          </a:fillRef>
+          <a:effectRef idx="0">
+            <a:schemeClr val="accent1"/>
+          </a:effectRef>
+          <a:fontRef idx="minor">
+            <a:schemeClr val="tx1"/>
+          </a:fontRef>
+        </p:style>
+      </p:cxnSp>
     </p:spTree>
     <p:extLst>
       <p:ext uri="{BB962C8B-B14F-4D97-AF65-F5344CB8AC3E}">
@@ -6866,6 +7037,118 @@
 </p:sld>
 </file>
 
+<file path=ppt/slides/slide20.xml><?xml version="1.0" encoding="utf-8"?>
+<p:sld xmlns:a="http://schemas.openxmlformats.org/drawingml/2006/main" xmlns:r="http://schemas.openxmlformats.org/officeDocument/2006/relationships" xmlns:p="http://schemas.openxmlformats.org/presentationml/2006/main">
+  <p:cSld>
+    <p:spTree>
+      <p:nvGrpSpPr>
+        <p:cNvPr id="1" name=""/>
+        <p:cNvGrpSpPr/>
+        <p:nvPr/>
+      </p:nvGrpSpPr>
+      <p:grpSpPr>
+        <a:xfrm>
+          <a:off x="0" y="0"/>
+          <a:ext cx="0" cy="0"/>
+          <a:chOff x="0" y="0"/>
+          <a:chExt cx="0" cy="0"/>
+        </a:xfrm>
+      </p:grpSpPr>
+      <p:sp>
+        <p:nvSpPr>
+          <p:cNvPr id="2" name="Title 1">
+            <a:extLst>
+              <a:ext uri="{FF2B5EF4-FFF2-40B4-BE49-F238E27FC236}">
+                <a16:creationId xmlns:a16="http://schemas.microsoft.com/office/drawing/2014/main" id="{F1C04A90-D1BD-4D4C-81E7-C991FC2BA43E}"/>
+              </a:ext>
+            </a:extLst>
+          </p:cNvPr>
+          <p:cNvSpPr>
+            <a:spLocks noGrp="1"/>
+          </p:cNvSpPr>
+          <p:nvPr>
+            <p:ph type="title"/>
+          </p:nvPr>
+        </p:nvSpPr>
+        <p:spPr/>
+        <p:txBody>
+          <a:bodyPr/>
+          <a:lstStyle/>
+          <a:p>
+            <a:r>
+              <a:rPr lang="en-US" dirty="0"/>
+              <a:t>Summary</a:t>
+            </a:r>
+          </a:p>
+        </p:txBody>
+      </p:sp>
+      <p:sp>
+        <p:nvSpPr>
+          <p:cNvPr id="3" name="Content Placeholder 2">
+            <a:extLst>
+              <a:ext uri="{FF2B5EF4-FFF2-40B4-BE49-F238E27FC236}">
+                <a16:creationId xmlns:a16="http://schemas.microsoft.com/office/drawing/2014/main" id="{4609F6F5-0E8A-C04C-913B-DE3F9CE0237E}"/>
+              </a:ext>
+            </a:extLst>
+          </p:cNvPr>
+          <p:cNvSpPr>
+            <a:spLocks noGrp="1"/>
+          </p:cNvSpPr>
+          <p:nvPr>
+            <p:ph idx="1"/>
+          </p:nvPr>
+        </p:nvSpPr>
+        <p:spPr/>
+        <p:txBody>
+          <a:bodyPr>
+            <a:normAutofit lnSpcReduction="10000"/>
+          </a:bodyPr>
+          <a:lstStyle/>
+          <a:p>
+            <a:r>
+              <a:rPr lang="en-US" dirty="0"/>
+              <a:t>Lots of ways to search beyond linear and binary search</a:t>
+            </a:r>
+          </a:p>
+          <a:p>
+            <a:r>
+              <a:rPr lang="en-US" dirty="0"/>
+              <a:t>String searching has some really efficient solutions such as Rabin-Karp; idea is to compare hash codes before doing string comparisons and do a rolling hash for the document substrings</a:t>
+            </a:r>
+          </a:p>
+          <a:p>
+            <a:r>
+              <a:rPr lang="en-US" dirty="0"/>
+              <a:t>If we are willing to build a graph data structure, the TRIE is pretty hard to beat complexity and performance; looking up a word in the TRIE is O(m) for m character string!</a:t>
+            </a:r>
+          </a:p>
+          <a:p>
+            <a:r>
+              <a:rPr lang="en-US" dirty="0"/>
+              <a:t>TRIE is just a nested pigeonhole sort turned into a graph</a:t>
+            </a:r>
+          </a:p>
+          <a:p>
+            <a:r>
+              <a:rPr lang="en-US" dirty="0"/>
+              <a:t>Useful as prefix and suffix trees; can find even misspelled words</a:t>
+            </a:r>
+          </a:p>
+        </p:txBody>
+      </p:sp>
+    </p:spTree>
+    <p:extLst>
+      <p:ext uri="{BB962C8B-B14F-4D97-AF65-F5344CB8AC3E}">
+        <p14:creationId xmlns:p14="http://schemas.microsoft.com/office/powerpoint/2010/main" val="102616959"/>
+      </p:ext>
+    </p:extLst>
+  </p:cSld>
+  <p:clrMapOvr>
+    <a:masterClrMapping/>
+  </p:clrMapOvr>
+</p:sld>
+</file>
+
 <file path=ppt/slides/slide3.xml><?xml version="1.0" encoding="utf-8"?>
 <p:sld xmlns:a="http://schemas.openxmlformats.org/drawingml/2006/main" xmlns:r="http://schemas.openxmlformats.org/officeDocument/2006/relationships" xmlns:p="http://schemas.openxmlformats.org/presentationml/2006/main">
   <p:cSld>
@@ -7291,8 +7574,8 @@
         </p:nvSpPr>
         <p:spPr>
           <a:xfrm>
-            <a:off x="2815119" y="4814850"/>
-            <a:ext cx="5126804" cy="1938992"/>
+            <a:off x="1605695" y="4211735"/>
+            <a:ext cx="5745221" cy="2123658"/>
           </a:xfrm>
           <a:prstGeom prst="rect">
             <a:avLst/>
@@ -7311,7 +7594,7 @@
           <a:lstStyle/>
           <a:p>
             <a:r>
-              <a:rPr lang="en-US" sz="2000" dirty="0">
+              <a:rPr lang="en-US" sz="2200" dirty="0">
                 <a:latin typeface="Monaco" charset="0"/>
                 <a:ea typeface="Monaco" charset="0"/>
                 <a:cs typeface="Monaco" charset="0"/>
@@ -7319,7 +7602,7 @@
               <a:t>left = 0; right = </a:t>
             </a:r>
             <a:r>
-              <a:rPr lang="en-US" sz="2000" dirty="0" err="1">
+              <a:rPr lang="en-US" sz="2200" dirty="0" err="1">
                 <a:latin typeface="Monaco" charset="0"/>
                 <a:ea typeface="Monaco" charset="0"/>
                 <a:cs typeface="Monaco" charset="0"/>
@@ -7327,7 +7610,7 @@
               <a:t>len</a:t>
             </a:r>
             <a:r>
-              <a:rPr lang="en-US" sz="2000" dirty="0">
+              <a:rPr lang="en-US" sz="2200" dirty="0">
                 <a:latin typeface="Monaco" charset="0"/>
                 <a:ea typeface="Monaco" charset="0"/>
                 <a:cs typeface="Monaco" charset="0"/>
@@ -7337,7 +7620,7 @@
           </a:p>
           <a:p>
             <a:r>
-              <a:rPr lang="en-US" sz="2000" dirty="0">
+              <a:rPr lang="en-US" sz="2200" dirty="0">
                 <a:latin typeface="Monaco" charset="0"/>
                 <a:ea typeface="Monaco" charset="0"/>
                 <a:cs typeface="Monaco" charset="0"/>
@@ -7347,33 +7630,17 @@
           </a:p>
           <a:p>
             <a:r>
-              <a:rPr lang="en-US" sz="2000" dirty="0">
-                <a:latin typeface="Monaco" charset="0"/>
-                <a:ea typeface="Monaco" charset="0"/>
-                <a:cs typeface="Monaco" charset="0"/>
-              </a:rPr>
-              <a:t>    mid = </a:t>
-            </a:r>
-            <a:r>
-              <a:rPr lang="en-US" sz="2000" dirty="0" err="1">
-                <a:latin typeface="Monaco" charset="0"/>
-                <a:ea typeface="Monaco" charset="0"/>
-                <a:cs typeface="Monaco" charset="0"/>
-              </a:rPr>
-              <a:t>int</a:t>
-            </a:r>
-            <a:r>
-              <a:rPr lang="en-US" sz="2000" dirty="0">
-                <a:latin typeface="Monaco" charset="0"/>
-                <a:ea typeface="Monaco" charset="0"/>
-                <a:cs typeface="Monaco" charset="0"/>
-              </a:rPr>
-              <a:t>((left + right)/2)</a:t>
-            </a:r>
-          </a:p>
-          <a:p>
-            <a:r>
-              <a:rPr lang="en-US" sz="2000" dirty="0">
+              <a:rPr lang="en-US" sz="2200" dirty="0">
+                <a:latin typeface="Monaco" charset="0"/>
+                <a:ea typeface="Monaco" charset="0"/>
+                <a:cs typeface="Monaco" charset="0"/>
+              </a:rPr>
+              <a:t>    mid = (left + right)//2</a:t>
+            </a:r>
+          </a:p>
+          <a:p>
+            <a:r>
+              <a:rPr lang="en-US" sz="2200" dirty="0">
                 <a:latin typeface="Monaco" charset="0"/>
                 <a:ea typeface="Monaco" charset="0"/>
                 <a:cs typeface="Monaco" charset="0"/>
@@ -7383,7 +7650,7 @@
           </a:p>
           <a:p>
             <a:r>
-              <a:rPr lang="en-US" sz="2000" dirty="0">
+              <a:rPr lang="en-US" sz="2200" dirty="0">
                 <a:latin typeface="Monaco" charset="0"/>
                 <a:ea typeface="Monaco" charset="0"/>
                 <a:cs typeface="Monaco" charset="0"/>
@@ -7393,7 +7660,7 @@
           </a:p>
           <a:p>
             <a:r>
-              <a:rPr lang="en-US" sz="2000" dirty="0">
+              <a:rPr lang="en-US" sz="2200" dirty="0">
                 <a:latin typeface="Monaco" charset="0"/>
                 <a:ea typeface="Monaco" charset="0"/>
                 <a:cs typeface="Monaco" charset="0"/>
@@ -7418,7 +7685,7 @@
         <p:spPr>
           <a:xfrm>
             <a:off x="1605695" y="984817"/>
-            <a:ext cx="7823054" cy="3416320"/>
+            <a:ext cx="7823054" cy="3046988"/>
           </a:xfrm>
           <a:prstGeom prst="rect">
             <a:avLst/>
@@ -7484,7 +7751,7 @@
                 <a:ea typeface="Monaco" charset="0"/>
                 <a:cs typeface="Monaco" charset="0"/>
               </a:rPr>
-              <a:t>    print(left, right)</a:t>
+              <a:t>    if left &gt; right: return -1</a:t>
             </a:r>
           </a:p>
           <a:p>
@@ -7494,7 +7761,7 @@
                 <a:ea typeface="Monaco" charset="0"/>
                 <a:cs typeface="Monaco" charset="0"/>
               </a:rPr>
-              <a:t>    if left &gt; right: return -1</a:t>
+              <a:t>    mid = (left + right)//2</a:t>
             </a:r>
           </a:p>
           <a:p>
@@ -7504,7 +7771,27 @@
                 <a:ea typeface="Monaco" charset="0"/>
                 <a:cs typeface="Monaco" charset="0"/>
               </a:rPr>
-              <a:t>    mid = </a:t>
+              <a:t>    if a[mid]==x: return mid </a:t>
+            </a:r>
+          </a:p>
+          <a:p>
+            <a:r>
+              <a:rPr lang="en-US" sz="2400" dirty="0">
+                <a:latin typeface="Monaco" charset="0"/>
+                <a:ea typeface="Monaco" charset="0"/>
+                <a:cs typeface="Monaco" charset="0"/>
+              </a:rPr>
+              <a:t>    if x &lt; a[mid]:</a:t>
+            </a:r>
+          </a:p>
+          <a:p>
+            <a:r>
+              <a:rPr lang="en-US" sz="2400" dirty="0">
+                <a:latin typeface="Monaco" charset="0"/>
+                <a:ea typeface="Monaco" charset="0"/>
+                <a:cs typeface="Monaco" charset="0"/>
+              </a:rPr>
+              <a:t>        return </a:t>
             </a:r>
             <a:r>
               <a:rPr lang="en-US" sz="2400" dirty="0" err="1">
@@ -7512,7 +7799,7 @@
                 <a:ea typeface="Monaco" charset="0"/>
                 <a:cs typeface="Monaco" charset="0"/>
               </a:rPr>
-              <a:t>int</a:t>
+              <a:t>binsearch</a:t>
             </a:r>
             <a:r>
               <a:rPr lang="en-US" sz="2400" dirty="0">
@@ -7520,7 +7807,7 @@
                 <a:ea typeface="Monaco" charset="0"/>
                 <a:cs typeface="Monaco" charset="0"/>
               </a:rPr>
-              <a:t>((left + right)/2)</a:t>
+              <a:t>(a,x,left,mid-1)</a:t>
             </a:r>
           </a:p>
           <a:p>
@@ -7530,7 +7817,7 @@
                 <a:ea typeface="Monaco" charset="0"/>
                 <a:cs typeface="Monaco" charset="0"/>
               </a:rPr>
-              <a:t>    if a[mid]==x: return mid </a:t>
+              <a:t>    else:</a:t>
             </a:r>
           </a:p>
           <a:p>
@@ -7540,73 +7827,107 @@
                 <a:ea typeface="Monaco" charset="0"/>
                 <a:cs typeface="Monaco" charset="0"/>
               </a:rPr>
-              <a:t>    if x &lt; a[mid]:</a:t>
-            </a:r>
-          </a:p>
-          <a:p>
+              <a:t>        return </a:t>
+            </a:r>
+            <a:r>
+              <a:rPr lang="en-US" sz="2400" dirty="0" err="1">
+                <a:latin typeface="Monaco" charset="0"/>
+                <a:ea typeface="Monaco" charset="0"/>
+                <a:cs typeface="Monaco" charset="0"/>
+              </a:rPr>
+              <a:t>binsearch</a:t>
+            </a:r>
             <a:r>
               <a:rPr lang="en-US" sz="2400" dirty="0">
                 <a:latin typeface="Monaco" charset="0"/>
                 <a:ea typeface="Monaco" charset="0"/>
                 <a:cs typeface="Monaco" charset="0"/>
               </a:rPr>
-              <a:t>        return </a:t>
-            </a:r>
-            <a:r>
-              <a:rPr lang="en-US" sz="2400" dirty="0" err="1">
-                <a:latin typeface="Monaco" charset="0"/>
-                <a:ea typeface="Monaco" charset="0"/>
-                <a:cs typeface="Monaco" charset="0"/>
-              </a:rPr>
-              <a:t>binsearch</a:t>
-            </a:r>
-            <a:r>
-              <a:rPr lang="en-US" sz="2400" dirty="0">
-                <a:latin typeface="Monaco" charset="0"/>
-                <a:ea typeface="Monaco" charset="0"/>
-                <a:cs typeface="Monaco" charset="0"/>
-              </a:rPr>
-              <a:t>(a,x,left,mid-1)</a:t>
-            </a:r>
-          </a:p>
-          <a:p>
-            <a:r>
-              <a:rPr lang="en-US" sz="2400" dirty="0">
-                <a:latin typeface="Monaco" charset="0"/>
-                <a:ea typeface="Monaco" charset="0"/>
-                <a:cs typeface="Monaco" charset="0"/>
-              </a:rPr>
-              <a:t>    else:</a:t>
-            </a:r>
-          </a:p>
-          <a:p>
-            <a:r>
-              <a:rPr lang="en-US" sz="2400" dirty="0">
-                <a:latin typeface="Monaco" charset="0"/>
-                <a:ea typeface="Monaco" charset="0"/>
-                <a:cs typeface="Monaco" charset="0"/>
-              </a:rPr>
-              <a:t>        return </a:t>
-            </a:r>
-            <a:r>
-              <a:rPr lang="en-US" sz="2400" dirty="0" err="1">
-                <a:latin typeface="Monaco" charset="0"/>
-                <a:ea typeface="Monaco" charset="0"/>
-                <a:cs typeface="Monaco" charset="0"/>
-              </a:rPr>
-              <a:t>binsearch</a:t>
-            </a:r>
-            <a:r>
-              <a:rPr lang="en-US" sz="2400" dirty="0">
-                <a:latin typeface="Monaco" charset="0"/>
-                <a:ea typeface="Monaco" charset="0"/>
-                <a:cs typeface="Monaco" charset="0"/>
-              </a:rPr>
               <a:t>(a,x,mid+1,right)</a:t>
             </a:r>
           </a:p>
         </p:txBody>
       </p:sp>
+      <p:sp>
+        <p:nvSpPr>
+          <p:cNvPr id="3" name="TextBox 2">
+            <a:extLst>
+              <a:ext uri="{FF2B5EF4-FFF2-40B4-BE49-F238E27FC236}">
+                <a16:creationId xmlns:a16="http://schemas.microsoft.com/office/drawing/2014/main" id="{31329D05-83F8-D94D-90C3-29E53C61FD97}"/>
+              </a:ext>
+            </a:extLst>
+          </p:cNvPr>
+          <p:cNvSpPr txBox="1"/>
+          <p:nvPr/>
+        </p:nvSpPr>
+        <p:spPr>
+          <a:xfrm>
+            <a:off x="8033624" y="4222886"/>
+            <a:ext cx="3669594" cy="430887"/>
+          </a:xfrm>
+          <a:prstGeom prst="rect">
+            <a:avLst/>
+          </a:prstGeom>
+          <a:noFill/>
+        </p:spPr>
+        <p:txBody>
+          <a:bodyPr wrap="none" rtlCol="0">
+            <a:spAutoFit/>
+          </a:bodyPr>
+          <a:lstStyle/>
+          <a:p>
+            <a:r>
+              <a:rPr lang="en-US" sz="2200" dirty="0"/>
+              <a:t>Bracket region with element</a:t>
+            </a:r>
+          </a:p>
+        </p:txBody>
+      </p:sp>
+      <p:cxnSp>
+        <p:nvCxnSpPr>
+          <p:cNvPr id="7" name="Straight Arrow Connector 6">
+            <a:extLst>
+              <a:ext uri="{FF2B5EF4-FFF2-40B4-BE49-F238E27FC236}">
+                <a16:creationId xmlns:a16="http://schemas.microsoft.com/office/drawing/2014/main" id="{37FA16DA-692B-0F42-B1C3-B214E738EEE0}"/>
+              </a:ext>
+            </a:extLst>
+          </p:cNvPr>
+          <p:cNvCxnSpPr>
+            <a:cxnSpLocks/>
+            <a:stCxn id="3" idx="1"/>
+          </p:cNvCxnSpPr>
+          <p:nvPr/>
+        </p:nvCxnSpPr>
+        <p:spPr>
+          <a:xfrm flipH="1">
+            <a:off x="6266985" y="4438330"/>
+            <a:ext cx="1766639" cy="0"/>
+          </a:xfrm>
+          <a:prstGeom prst="straightConnector1">
+            <a:avLst/>
+          </a:prstGeom>
+          <a:ln>
+            <a:solidFill>
+              <a:srgbClr val="E4754F"/>
+            </a:solidFill>
+            <a:tailEnd type="triangle"/>
+          </a:ln>
+        </p:spPr>
+        <p:style>
+          <a:lnRef idx="1">
+            <a:schemeClr val="accent1"/>
+          </a:lnRef>
+          <a:fillRef idx="0">
+            <a:schemeClr val="accent1"/>
+          </a:fillRef>
+          <a:effectRef idx="0">
+            <a:schemeClr val="accent1"/>
+          </a:effectRef>
+          <a:fontRef idx="minor">
+            <a:schemeClr val="tx1"/>
+          </a:fontRef>
+        </p:style>
+      </p:cxnSp>
     </p:spTree>
     <p:extLst>
       <p:ext uri="{BB962C8B-B14F-4D97-AF65-F5344CB8AC3E}">
@@ -8469,7 +8790,9 @@
         </p:nvSpPr>
         <p:spPr/>
         <p:txBody>
-          <a:bodyPr/>
+          <a:bodyPr>
+            <a:normAutofit fontScale="92500" lnSpcReduction="10000"/>
+          </a:bodyPr>
           <a:lstStyle/>
           <a:p>
             <a:r>
@@ -8482,7 +8805,14 @@
             </a:r>
             <a:r>
               <a:rPr lang="en-US" dirty="0"/>
-              <a:t>]) is O(m) so use rolling hash: next hash is old hash minus doc[</a:t>
+              <a:t>]) is O(m) so use rolling hash:</a:t>
+            </a:r>
+          </a:p>
+          <a:p>
+            <a:pPr lvl="1"/>
+            <a:r>
+              <a:rPr lang="en-US" dirty="0"/>
+              <a:t>next hash is old hash minus doc[</a:t>
             </a:r>
             <a:r>
               <a:rPr lang="en-US" dirty="0" err="1"/>
@@ -8498,7 +8828,65 @@
             </a:r>
             <a:r>
               <a:rPr lang="en-US" dirty="0"/>
-              <a:t>]; drop old one off, add in new char (see improved search() in notebook)</a:t>
+              <a:t>]</a:t>
+            </a:r>
+          </a:p>
+          <a:p>
+            <a:pPr lvl="1"/>
+            <a:r>
+              <a:rPr lang="en-US" dirty="0"/>
+              <a:t>drop old one off, add in new char (see improved search() in notebook):</a:t>
+            </a:r>
+            <a:br>
+              <a:rPr lang="en-US" dirty="0"/>
+            </a:br>
+            <a:r>
+              <a:rPr lang="en-US" sz="2200" dirty="0" err="1">
+                <a:latin typeface="Monaco" pitchFamily="2" charset="77"/>
+              </a:rPr>
+              <a:t>hdoc</a:t>
+            </a:r>
+            <a:r>
+              <a:rPr lang="en-US" sz="2200" dirty="0">
+                <a:latin typeface="Monaco" pitchFamily="2" charset="77"/>
+              </a:rPr>
+              <a:t> = </a:t>
+            </a:r>
+            <a:r>
+              <a:rPr lang="en-US" sz="2200" dirty="0" err="1">
+                <a:latin typeface="Monaco" pitchFamily="2" charset="77"/>
+              </a:rPr>
+              <a:t>hdoc</a:t>
+            </a:r>
+            <a:r>
+              <a:rPr lang="en-US" sz="2200" dirty="0">
+                <a:latin typeface="Monaco" pitchFamily="2" charset="77"/>
+              </a:rPr>
+              <a:t> - </a:t>
+            </a:r>
+            <a:r>
+              <a:rPr lang="en-US" sz="2200" dirty="0" err="1">
+                <a:latin typeface="Monaco" pitchFamily="2" charset="77"/>
+              </a:rPr>
+              <a:t>ord</a:t>
+            </a:r>
+            <a:r>
+              <a:rPr lang="en-US" sz="2200" dirty="0">
+                <a:latin typeface="Monaco" pitchFamily="2" charset="77"/>
+              </a:rPr>
+              <a:t>(doc[</a:t>
+            </a:r>
+            <a:r>
+              <a:rPr lang="en-US" sz="2200" dirty="0" err="1">
+                <a:latin typeface="Monaco" pitchFamily="2" charset="77"/>
+              </a:rPr>
+              <a:t>i</a:t>
+            </a:r>
+            <a:r>
+              <a:rPr lang="en-US" sz="2200" dirty="0">
+                <a:latin typeface="Monaco" pitchFamily="2" charset="77"/>
+              </a:rPr>
+              <a:t>]) + next  # roll it!</a:t>
             </a:r>
           </a:p>
           <a:p>
@@ -8510,7 +8898,7 @@
           <a:p>
             <a:r>
               <a:rPr lang="en-US" dirty="0"/>
-              <a:t>What if search string s is very long? Can get expensive.</a:t>
+              <a:t>What if search string s is very long? Could get expensive.</a:t>
             </a:r>
           </a:p>
           <a:p>
@@ -8530,7 +8918,7 @@
           <a:p>
             <a:r>
               <a:rPr lang="en-US" dirty="0"/>
-              <a:t>Yes. I claim we can search for strings in doc in O(m) if we prepare a side data structure</a:t>
+              <a:t>Yes. I claim we can search for strings in doc in O(m) if we prepare a proper side data structure and you let me search for words instead of arbitrary strings</a:t>
             </a:r>
           </a:p>
           <a:p>
@@ -8541,6 +8929,36 @@
           </a:p>
         </p:txBody>
       </p:sp>
+      <p:pic>
+        <p:nvPicPr>
+          <p:cNvPr id="4" name="Picture 3">
+            <a:extLst>
+              <a:ext uri="{FF2B5EF4-FFF2-40B4-BE49-F238E27FC236}">
+                <a16:creationId xmlns:a16="http://schemas.microsoft.com/office/drawing/2014/main" id="{DD5BA943-1861-2042-A967-90C4E57FE7CC}"/>
+              </a:ext>
+            </a:extLst>
+          </p:cNvPr>
+          <p:cNvPicPr>
+            <a:picLocks noChangeAspect="1"/>
+          </p:cNvPicPr>
+          <p:nvPr/>
+        </p:nvPicPr>
+        <p:blipFill>
+          <a:blip r:embed="rId2"/>
+          <a:stretch>
+            <a:fillRect/>
+          </a:stretch>
+        </p:blipFill>
+        <p:spPr>
+          <a:xfrm>
+            <a:off x="6966968" y="-1"/>
+            <a:ext cx="5112901" cy="1583473"/>
+          </a:xfrm>
+          <a:prstGeom prst="rect">
+            <a:avLst/>
+          </a:prstGeom>
+        </p:spPr>
+      </p:pic>
     </p:spTree>
     <p:extLst>
       <p:ext uri="{BB962C8B-B14F-4D97-AF65-F5344CB8AC3E}">

--- a/notes/searching.pptx
+++ b/notes/searching.pptx
@@ -225,7 +225,7 @@
           <a:p>
             <a:fld id="{8A1B613A-EFF1-404F-BEE8-EFAE84A4E5E2}" type="datetimeFigureOut">
               <a:rPr lang="en-US" smtClean="0"/>
-              <a:t>2/13/20</a:t>
+              <a:t>2/19/20</a:t>
             </a:fld>
             <a:endParaRPr lang="en-US"/>
           </a:p>
@@ -390,7 +390,7 @@
           <a:p>
             <a:fld id="{690847EA-AC25-3D4E-89E1-FD3F6A9702B6}" type="datetimeFigureOut">
               <a:rPr lang="en-US" smtClean="0"/>
-              <a:t>2/13/20</a:t>
+              <a:t>2/19/20</a:t>
             </a:fld>
             <a:endParaRPr lang="en-US"/>
           </a:p>
@@ -679,7 +679,7 @@
           <p:cNvPr id="2" name="Title 1">
             <a:extLst>
               <a:ext uri="{FF2B5EF4-FFF2-40B4-BE49-F238E27FC236}">
-                <a16:creationId xmlns:a16="http://schemas.microsoft.com/office/drawing/2014/main" id="{FCECE00E-B2E2-4D43-8A21-E17BBDC017E1}"/>
+                <a16:creationId xmlns:a16="http://schemas.microsoft.com/office/drawing/2014/main" xmlns="" id="{FCECE00E-B2E2-4D43-8A21-E17BBDC017E1}"/>
               </a:ext>
             </a:extLst>
           </p:cNvPr>
@@ -716,7 +716,7 @@
           <p:cNvPr id="3" name="Subtitle 2">
             <a:extLst>
               <a:ext uri="{FF2B5EF4-FFF2-40B4-BE49-F238E27FC236}">
-                <a16:creationId xmlns:a16="http://schemas.microsoft.com/office/drawing/2014/main" id="{0C4C7E7C-3478-264C-BF00-D75996D63509}"/>
+                <a16:creationId xmlns:a16="http://schemas.microsoft.com/office/drawing/2014/main" xmlns="" id="{0C4C7E7C-3478-264C-BF00-D75996D63509}"/>
               </a:ext>
             </a:extLst>
           </p:cNvPr>
@@ -786,7 +786,7 @@
           <p:cNvPr id="4" name="Date Placeholder 3">
             <a:extLst>
               <a:ext uri="{FF2B5EF4-FFF2-40B4-BE49-F238E27FC236}">
-                <a16:creationId xmlns:a16="http://schemas.microsoft.com/office/drawing/2014/main" id="{64E1EB94-602A-4843-8753-4DB51430704B}"/>
+                <a16:creationId xmlns:a16="http://schemas.microsoft.com/office/drawing/2014/main" xmlns="" id="{64E1EB94-602A-4843-8753-4DB51430704B}"/>
               </a:ext>
             </a:extLst>
           </p:cNvPr>
@@ -804,7 +804,7 @@
           <a:p>
             <a:fld id="{BE5295ED-3BAF-1140-8495-3D368771D6B1}" type="datetimeFigureOut">
               <a:rPr lang="en-US" smtClean="0"/>
-              <a:t>2/13/20</a:t>
+              <a:t>2/19/20</a:t>
             </a:fld>
             <a:endParaRPr lang="en-US"/>
           </a:p>
@@ -815,7 +815,7 @@
           <p:cNvPr id="5" name="Footer Placeholder 4">
             <a:extLst>
               <a:ext uri="{FF2B5EF4-FFF2-40B4-BE49-F238E27FC236}">
-                <a16:creationId xmlns:a16="http://schemas.microsoft.com/office/drawing/2014/main" id="{FF136E26-0E46-B848-BBFC-A0D2BFA17F33}"/>
+                <a16:creationId xmlns:a16="http://schemas.microsoft.com/office/drawing/2014/main" xmlns="" id="{FF136E26-0E46-B848-BBFC-A0D2BFA17F33}"/>
               </a:ext>
             </a:extLst>
           </p:cNvPr>
@@ -840,7 +840,7 @@
           <p:cNvPr id="6" name="Slide Number Placeholder 5">
             <a:extLst>
               <a:ext uri="{FF2B5EF4-FFF2-40B4-BE49-F238E27FC236}">
-                <a16:creationId xmlns:a16="http://schemas.microsoft.com/office/drawing/2014/main" id="{CEAD4217-442E-6C4A-8D0F-CADFE9EACB6D}"/>
+                <a16:creationId xmlns:a16="http://schemas.microsoft.com/office/drawing/2014/main" xmlns="" id="{CEAD4217-442E-6C4A-8D0F-CADFE9EACB6D}"/>
               </a:ext>
             </a:extLst>
           </p:cNvPr>
@@ -899,7 +899,7 @@
           <p:cNvPr id="2" name="Title 1">
             <a:extLst>
               <a:ext uri="{FF2B5EF4-FFF2-40B4-BE49-F238E27FC236}">
-                <a16:creationId xmlns:a16="http://schemas.microsoft.com/office/drawing/2014/main" id="{F416C72F-B1B5-6442-B3EF-170DEDF83067}"/>
+                <a16:creationId xmlns:a16="http://schemas.microsoft.com/office/drawing/2014/main" xmlns="" id="{F416C72F-B1B5-6442-B3EF-170DEDF83067}"/>
               </a:ext>
             </a:extLst>
           </p:cNvPr>
@@ -927,7 +927,7 @@
           <p:cNvPr id="3" name="Vertical Text Placeholder 2">
             <a:extLst>
               <a:ext uri="{FF2B5EF4-FFF2-40B4-BE49-F238E27FC236}">
-                <a16:creationId xmlns:a16="http://schemas.microsoft.com/office/drawing/2014/main" id="{19182C6A-7EA1-C840-86BB-65DF578F4F4B}"/>
+                <a16:creationId xmlns:a16="http://schemas.microsoft.com/office/drawing/2014/main" xmlns="" id="{19182C6A-7EA1-C840-86BB-65DF578F4F4B}"/>
               </a:ext>
             </a:extLst>
           </p:cNvPr>
@@ -984,7 +984,7 @@
           <p:cNvPr id="4" name="Date Placeholder 3">
             <a:extLst>
               <a:ext uri="{FF2B5EF4-FFF2-40B4-BE49-F238E27FC236}">
-                <a16:creationId xmlns:a16="http://schemas.microsoft.com/office/drawing/2014/main" id="{DBCD3C4B-E6D4-B140-8126-90FD013DE38A}"/>
+                <a16:creationId xmlns:a16="http://schemas.microsoft.com/office/drawing/2014/main" xmlns="" id="{DBCD3C4B-E6D4-B140-8126-90FD013DE38A}"/>
               </a:ext>
             </a:extLst>
           </p:cNvPr>
@@ -1002,7 +1002,7 @@
           <a:p>
             <a:fld id="{BE5295ED-3BAF-1140-8495-3D368771D6B1}" type="datetimeFigureOut">
               <a:rPr lang="en-US" smtClean="0"/>
-              <a:t>2/13/20</a:t>
+              <a:t>2/19/20</a:t>
             </a:fld>
             <a:endParaRPr lang="en-US"/>
           </a:p>
@@ -1013,7 +1013,7 @@
           <p:cNvPr id="5" name="Footer Placeholder 4">
             <a:extLst>
               <a:ext uri="{FF2B5EF4-FFF2-40B4-BE49-F238E27FC236}">
-                <a16:creationId xmlns:a16="http://schemas.microsoft.com/office/drawing/2014/main" id="{E26FD8A5-25AB-2742-9333-F1864AA98C6D}"/>
+                <a16:creationId xmlns:a16="http://schemas.microsoft.com/office/drawing/2014/main" xmlns="" id="{E26FD8A5-25AB-2742-9333-F1864AA98C6D}"/>
               </a:ext>
             </a:extLst>
           </p:cNvPr>
@@ -1038,7 +1038,7 @@
           <p:cNvPr id="6" name="Slide Number Placeholder 5">
             <a:extLst>
               <a:ext uri="{FF2B5EF4-FFF2-40B4-BE49-F238E27FC236}">
-                <a16:creationId xmlns:a16="http://schemas.microsoft.com/office/drawing/2014/main" id="{B4FFBFCA-F2F7-544E-BB46-A887273990B8}"/>
+                <a16:creationId xmlns:a16="http://schemas.microsoft.com/office/drawing/2014/main" xmlns="" id="{B4FFBFCA-F2F7-544E-BB46-A887273990B8}"/>
               </a:ext>
             </a:extLst>
           </p:cNvPr>
@@ -1097,7 +1097,7 @@
           <p:cNvPr id="2" name="Vertical Title 1">
             <a:extLst>
               <a:ext uri="{FF2B5EF4-FFF2-40B4-BE49-F238E27FC236}">
-                <a16:creationId xmlns:a16="http://schemas.microsoft.com/office/drawing/2014/main" id="{A54E5286-71CD-184D-922F-2C587370C871}"/>
+                <a16:creationId xmlns:a16="http://schemas.microsoft.com/office/drawing/2014/main" xmlns="" id="{A54E5286-71CD-184D-922F-2C587370C871}"/>
               </a:ext>
             </a:extLst>
           </p:cNvPr>
@@ -1130,7 +1130,7 @@
           <p:cNvPr id="3" name="Vertical Text Placeholder 2">
             <a:extLst>
               <a:ext uri="{FF2B5EF4-FFF2-40B4-BE49-F238E27FC236}">
-                <a16:creationId xmlns:a16="http://schemas.microsoft.com/office/drawing/2014/main" id="{8E6C93D7-83D1-8740-A256-2B405524A089}"/>
+                <a16:creationId xmlns:a16="http://schemas.microsoft.com/office/drawing/2014/main" xmlns="" id="{8E6C93D7-83D1-8740-A256-2B405524A089}"/>
               </a:ext>
             </a:extLst>
           </p:cNvPr>
@@ -1192,7 +1192,7 @@
           <p:cNvPr id="4" name="Date Placeholder 3">
             <a:extLst>
               <a:ext uri="{FF2B5EF4-FFF2-40B4-BE49-F238E27FC236}">
-                <a16:creationId xmlns:a16="http://schemas.microsoft.com/office/drawing/2014/main" id="{C7CCB8DC-90E9-1D49-B70B-5103FBBD3972}"/>
+                <a16:creationId xmlns:a16="http://schemas.microsoft.com/office/drawing/2014/main" xmlns="" id="{C7CCB8DC-90E9-1D49-B70B-5103FBBD3972}"/>
               </a:ext>
             </a:extLst>
           </p:cNvPr>
@@ -1210,7 +1210,7 @@
           <a:p>
             <a:fld id="{BE5295ED-3BAF-1140-8495-3D368771D6B1}" type="datetimeFigureOut">
               <a:rPr lang="en-US" smtClean="0"/>
-              <a:t>2/13/20</a:t>
+              <a:t>2/19/20</a:t>
             </a:fld>
             <a:endParaRPr lang="en-US"/>
           </a:p>
@@ -1221,7 +1221,7 @@
           <p:cNvPr id="5" name="Footer Placeholder 4">
             <a:extLst>
               <a:ext uri="{FF2B5EF4-FFF2-40B4-BE49-F238E27FC236}">
-                <a16:creationId xmlns:a16="http://schemas.microsoft.com/office/drawing/2014/main" id="{0997D847-8768-9843-9B66-E6B3989BA3D2}"/>
+                <a16:creationId xmlns:a16="http://schemas.microsoft.com/office/drawing/2014/main" xmlns="" id="{0997D847-8768-9843-9B66-E6B3989BA3D2}"/>
               </a:ext>
             </a:extLst>
           </p:cNvPr>
@@ -1246,7 +1246,7 @@
           <p:cNvPr id="6" name="Slide Number Placeholder 5">
             <a:extLst>
               <a:ext uri="{FF2B5EF4-FFF2-40B4-BE49-F238E27FC236}">
-                <a16:creationId xmlns:a16="http://schemas.microsoft.com/office/drawing/2014/main" id="{8E82CB94-E0A6-3E47-9F30-8DEB64C2027C}"/>
+                <a16:creationId xmlns:a16="http://schemas.microsoft.com/office/drawing/2014/main" xmlns="" id="{8E82CB94-E0A6-3E47-9F30-8DEB64C2027C}"/>
               </a:ext>
             </a:extLst>
           </p:cNvPr>
@@ -1305,7 +1305,7 @@
           <p:cNvPr id="2" name="Title 1">
             <a:extLst>
               <a:ext uri="{FF2B5EF4-FFF2-40B4-BE49-F238E27FC236}">
-                <a16:creationId xmlns:a16="http://schemas.microsoft.com/office/drawing/2014/main" id="{B8842375-E5EF-4D4E-AFD0-A94090E7DB29}"/>
+                <a16:creationId xmlns:a16="http://schemas.microsoft.com/office/drawing/2014/main" xmlns="" id="{B8842375-E5EF-4D4E-AFD0-A94090E7DB29}"/>
               </a:ext>
             </a:extLst>
           </p:cNvPr>
@@ -1333,7 +1333,7 @@
           <p:cNvPr id="3" name="Content Placeholder 2">
             <a:extLst>
               <a:ext uri="{FF2B5EF4-FFF2-40B4-BE49-F238E27FC236}">
-                <a16:creationId xmlns:a16="http://schemas.microsoft.com/office/drawing/2014/main" id="{F366F610-FF9B-2A4B-8E35-314B0D78D9D8}"/>
+                <a16:creationId xmlns:a16="http://schemas.microsoft.com/office/drawing/2014/main" xmlns="" id="{F366F610-FF9B-2A4B-8E35-314B0D78D9D8}"/>
               </a:ext>
             </a:extLst>
           </p:cNvPr>
@@ -1390,7 +1390,7 @@
           <p:cNvPr id="4" name="Date Placeholder 3">
             <a:extLst>
               <a:ext uri="{FF2B5EF4-FFF2-40B4-BE49-F238E27FC236}">
-                <a16:creationId xmlns:a16="http://schemas.microsoft.com/office/drawing/2014/main" id="{1561E808-F7D2-E84B-8CD4-83F18272EA72}"/>
+                <a16:creationId xmlns:a16="http://schemas.microsoft.com/office/drawing/2014/main" xmlns="" id="{1561E808-F7D2-E84B-8CD4-83F18272EA72}"/>
               </a:ext>
             </a:extLst>
           </p:cNvPr>
@@ -1408,7 +1408,7 @@
           <a:p>
             <a:fld id="{BE5295ED-3BAF-1140-8495-3D368771D6B1}" type="datetimeFigureOut">
               <a:rPr lang="en-US" smtClean="0"/>
-              <a:t>2/13/20</a:t>
+              <a:t>2/19/20</a:t>
             </a:fld>
             <a:endParaRPr lang="en-US"/>
           </a:p>
@@ -1419,7 +1419,7 @@
           <p:cNvPr id="5" name="Footer Placeholder 4">
             <a:extLst>
               <a:ext uri="{FF2B5EF4-FFF2-40B4-BE49-F238E27FC236}">
-                <a16:creationId xmlns:a16="http://schemas.microsoft.com/office/drawing/2014/main" id="{7B3AD9A1-B1EC-984E-A23E-0ECF6F652482}"/>
+                <a16:creationId xmlns:a16="http://schemas.microsoft.com/office/drawing/2014/main" xmlns="" id="{7B3AD9A1-B1EC-984E-A23E-0ECF6F652482}"/>
               </a:ext>
             </a:extLst>
           </p:cNvPr>
@@ -1444,7 +1444,7 @@
           <p:cNvPr id="6" name="Slide Number Placeholder 5">
             <a:extLst>
               <a:ext uri="{FF2B5EF4-FFF2-40B4-BE49-F238E27FC236}">
-                <a16:creationId xmlns:a16="http://schemas.microsoft.com/office/drawing/2014/main" id="{01BFD94D-9604-2A43-AADF-14B0876B6EBB}"/>
+                <a16:creationId xmlns:a16="http://schemas.microsoft.com/office/drawing/2014/main" xmlns="" id="{01BFD94D-9604-2A43-AADF-14B0876B6EBB}"/>
               </a:ext>
             </a:extLst>
           </p:cNvPr>
@@ -1503,7 +1503,7 @@
           <p:cNvPr id="2" name="Title 1">
             <a:extLst>
               <a:ext uri="{FF2B5EF4-FFF2-40B4-BE49-F238E27FC236}">
-                <a16:creationId xmlns:a16="http://schemas.microsoft.com/office/drawing/2014/main" id="{771589AC-2242-B445-BBEA-95D500596EE6}"/>
+                <a16:creationId xmlns:a16="http://schemas.microsoft.com/office/drawing/2014/main" xmlns="" id="{771589AC-2242-B445-BBEA-95D500596EE6}"/>
               </a:ext>
             </a:extLst>
           </p:cNvPr>
@@ -1540,7 +1540,7 @@
           <p:cNvPr id="3" name="Text Placeholder 2">
             <a:extLst>
               <a:ext uri="{FF2B5EF4-FFF2-40B4-BE49-F238E27FC236}">
-                <a16:creationId xmlns:a16="http://schemas.microsoft.com/office/drawing/2014/main" id="{255D194C-D171-4B45-BA38-8D16CD1C3449}"/>
+                <a16:creationId xmlns:a16="http://schemas.microsoft.com/office/drawing/2014/main" xmlns="" id="{255D194C-D171-4B45-BA38-8D16CD1C3449}"/>
               </a:ext>
             </a:extLst>
           </p:cNvPr>
@@ -1665,7 +1665,7 @@
           <p:cNvPr id="4" name="Date Placeholder 3">
             <a:extLst>
               <a:ext uri="{FF2B5EF4-FFF2-40B4-BE49-F238E27FC236}">
-                <a16:creationId xmlns:a16="http://schemas.microsoft.com/office/drawing/2014/main" id="{68A38244-2F9E-AB4A-B300-488462389FF9}"/>
+                <a16:creationId xmlns:a16="http://schemas.microsoft.com/office/drawing/2014/main" xmlns="" id="{68A38244-2F9E-AB4A-B300-488462389FF9}"/>
               </a:ext>
             </a:extLst>
           </p:cNvPr>
@@ -1683,7 +1683,7 @@
           <a:p>
             <a:fld id="{BE5295ED-3BAF-1140-8495-3D368771D6B1}" type="datetimeFigureOut">
               <a:rPr lang="en-US" smtClean="0"/>
-              <a:t>2/13/20</a:t>
+              <a:t>2/19/20</a:t>
             </a:fld>
             <a:endParaRPr lang="en-US"/>
           </a:p>
@@ -1694,7 +1694,7 @@
           <p:cNvPr id="5" name="Footer Placeholder 4">
             <a:extLst>
               <a:ext uri="{FF2B5EF4-FFF2-40B4-BE49-F238E27FC236}">
-                <a16:creationId xmlns:a16="http://schemas.microsoft.com/office/drawing/2014/main" id="{B33A7B5A-1475-C94F-AD18-1726D2BA89C2}"/>
+                <a16:creationId xmlns:a16="http://schemas.microsoft.com/office/drawing/2014/main" xmlns="" id="{B33A7B5A-1475-C94F-AD18-1726D2BA89C2}"/>
               </a:ext>
             </a:extLst>
           </p:cNvPr>
@@ -1719,7 +1719,7 @@
           <p:cNvPr id="6" name="Slide Number Placeholder 5">
             <a:extLst>
               <a:ext uri="{FF2B5EF4-FFF2-40B4-BE49-F238E27FC236}">
-                <a16:creationId xmlns:a16="http://schemas.microsoft.com/office/drawing/2014/main" id="{8069DDF6-CCE5-3946-8A72-14D318AB4D22}"/>
+                <a16:creationId xmlns:a16="http://schemas.microsoft.com/office/drawing/2014/main" xmlns="" id="{8069DDF6-CCE5-3946-8A72-14D318AB4D22}"/>
               </a:ext>
             </a:extLst>
           </p:cNvPr>
@@ -1778,7 +1778,7 @@
           <p:cNvPr id="2" name="Title 1">
             <a:extLst>
               <a:ext uri="{FF2B5EF4-FFF2-40B4-BE49-F238E27FC236}">
-                <a16:creationId xmlns:a16="http://schemas.microsoft.com/office/drawing/2014/main" id="{AC1D2791-2196-8F4F-AD62-59B19A8810A3}"/>
+                <a16:creationId xmlns:a16="http://schemas.microsoft.com/office/drawing/2014/main" xmlns="" id="{AC1D2791-2196-8F4F-AD62-59B19A8810A3}"/>
               </a:ext>
             </a:extLst>
           </p:cNvPr>
@@ -1806,7 +1806,7 @@
           <p:cNvPr id="3" name="Content Placeholder 2">
             <a:extLst>
               <a:ext uri="{FF2B5EF4-FFF2-40B4-BE49-F238E27FC236}">
-                <a16:creationId xmlns:a16="http://schemas.microsoft.com/office/drawing/2014/main" id="{3962F23A-0A28-6141-B0BF-D7B92C213877}"/>
+                <a16:creationId xmlns:a16="http://schemas.microsoft.com/office/drawing/2014/main" xmlns="" id="{3962F23A-0A28-6141-B0BF-D7B92C213877}"/>
               </a:ext>
             </a:extLst>
           </p:cNvPr>
@@ -1868,7 +1868,7 @@
           <p:cNvPr id="4" name="Content Placeholder 3">
             <a:extLst>
               <a:ext uri="{FF2B5EF4-FFF2-40B4-BE49-F238E27FC236}">
-                <a16:creationId xmlns:a16="http://schemas.microsoft.com/office/drawing/2014/main" id="{C36DF3E7-529D-1C40-B815-3C505F4D107E}"/>
+                <a16:creationId xmlns:a16="http://schemas.microsoft.com/office/drawing/2014/main" xmlns="" id="{C36DF3E7-529D-1C40-B815-3C505F4D107E}"/>
               </a:ext>
             </a:extLst>
           </p:cNvPr>
@@ -1930,7 +1930,7 @@
           <p:cNvPr id="5" name="Date Placeholder 4">
             <a:extLst>
               <a:ext uri="{FF2B5EF4-FFF2-40B4-BE49-F238E27FC236}">
-                <a16:creationId xmlns:a16="http://schemas.microsoft.com/office/drawing/2014/main" id="{ECFEE966-F172-8C42-A9F6-013C2A368C90}"/>
+                <a16:creationId xmlns:a16="http://schemas.microsoft.com/office/drawing/2014/main" xmlns="" id="{ECFEE966-F172-8C42-A9F6-013C2A368C90}"/>
               </a:ext>
             </a:extLst>
           </p:cNvPr>
@@ -1948,7 +1948,7 @@
           <a:p>
             <a:fld id="{BE5295ED-3BAF-1140-8495-3D368771D6B1}" type="datetimeFigureOut">
               <a:rPr lang="en-US" smtClean="0"/>
-              <a:t>2/13/20</a:t>
+              <a:t>2/19/20</a:t>
             </a:fld>
             <a:endParaRPr lang="en-US"/>
           </a:p>
@@ -1959,7 +1959,7 @@
           <p:cNvPr id="6" name="Footer Placeholder 5">
             <a:extLst>
               <a:ext uri="{FF2B5EF4-FFF2-40B4-BE49-F238E27FC236}">
-                <a16:creationId xmlns:a16="http://schemas.microsoft.com/office/drawing/2014/main" id="{54FDED73-DCFA-6648-B65F-CBEDB1D3556B}"/>
+                <a16:creationId xmlns:a16="http://schemas.microsoft.com/office/drawing/2014/main" xmlns="" id="{54FDED73-DCFA-6648-B65F-CBEDB1D3556B}"/>
               </a:ext>
             </a:extLst>
           </p:cNvPr>
@@ -1984,7 +1984,7 @@
           <p:cNvPr id="7" name="Slide Number Placeholder 6">
             <a:extLst>
               <a:ext uri="{FF2B5EF4-FFF2-40B4-BE49-F238E27FC236}">
-                <a16:creationId xmlns:a16="http://schemas.microsoft.com/office/drawing/2014/main" id="{F3D072AD-ADC5-2943-B36C-F14AE6555C55}"/>
+                <a16:creationId xmlns:a16="http://schemas.microsoft.com/office/drawing/2014/main" xmlns="" id="{F3D072AD-ADC5-2943-B36C-F14AE6555C55}"/>
               </a:ext>
             </a:extLst>
           </p:cNvPr>
@@ -2043,7 +2043,7 @@
           <p:cNvPr id="2" name="Title 1">
             <a:extLst>
               <a:ext uri="{FF2B5EF4-FFF2-40B4-BE49-F238E27FC236}">
-                <a16:creationId xmlns:a16="http://schemas.microsoft.com/office/drawing/2014/main" id="{478E3FB4-66D6-9040-98CF-3DE68ABAAB18}"/>
+                <a16:creationId xmlns:a16="http://schemas.microsoft.com/office/drawing/2014/main" xmlns="" id="{478E3FB4-66D6-9040-98CF-3DE68ABAAB18}"/>
               </a:ext>
             </a:extLst>
           </p:cNvPr>
@@ -2076,7 +2076,7 @@
           <p:cNvPr id="3" name="Text Placeholder 2">
             <a:extLst>
               <a:ext uri="{FF2B5EF4-FFF2-40B4-BE49-F238E27FC236}">
-                <a16:creationId xmlns:a16="http://schemas.microsoft.com/office/drawing/2014/main" id="{C3B9CBA2-D589-E342-B02C-AFD0528E353B}"/>
+                <a16:creationId xmlns:a16="http://schemas.microsoft.com/office/drawing/2014/main" xmlns="" id="{C3B9CBA2-D589-E342-B02C-AFD0528E353B}"/>
               </a:ext>
             </a:extLst>
           </p:cNvPr>
@@ -2147,7 +2147,7 @@
           <p:cNvPr id="4" name="Content Placeholder 3">
             <a:extLst>
               <a:ext uri="{FF2B5EF4-FFF2-40B4-BE49-F238E27FC236}">
-                <a16:creationId xmlns:a16="http://schemas.microsoft.com/office/drawing/2014/main" id="{F570E95A-9A57-7F42-A0D4-A9C36B16D13C}"/>
+                <a16:creationId xmlns:a16="http://schemas.microsoft.com/office/drawing/2014/main" xmlns="" id="{F570E95A-9A57-7F42-A0D4-A9C36B16D13C}"/>
               </a:ext>
             </a:extLst>
           </p:cNvPr>
@@ -2209,7 +2209,7 @@
           <p:cNvPr id="5" name="Text Placeholder 4">
             <a:extLst>
               <a:ext uri="{FF2B5EF4-FFF2-40B4-BE49-F238E27FC236}">
-                <a16:creationId xmlns:a16="http://schemas.microsoft.com/office/drawing/2014/main" id="{B6A72F40-C7A9-CC45-82FB-CCCE1FE08B0B}"/>
+                <a16:creationId xmlns:a16="http://schemas.microsoft.com/office/drawing/2014/main" xmlns="" id="{B6A72F40-C7A9-CC45-82FB-CCCE1FE08B0B}"/>
               </a:ext>
             </a:extLst>
           </p:cNvPr>
@@ -2280,7 +2280,7 @@
           <p:cNvPr id="6" name="Content Placeholder 5">
             <a:extLst>
               <a:ext uri="{FF2B5EF4-FFF2-40B4-BE49-F238E27FC236}">
-                <a16:creationId xmlns:a16="http://schemas.microsoft.com/office/drawing/2014/main" id="{9FDA6D2A-2E9D-714C-B9CB-D0F9D788FCD3}"/>
+                <a16:creationId xmlns:a16="http://schemas.microsoft.com/office/drawing/2014/main" xmlns="" id="{9FDA6D2A-2E9D-714C-B9CB-D0F9D788FCD3}"/>
               </a:ext>
             </a:extLst>
           </p:cNvPr>
@@ -2342,7 +2342,7 @@
           <p:cNvPr id="7" name="Date Placeholder 6">
             <a:extLst>
               <a:ext uri="{FF2B5EF4-FFF2-40B4-BE49-F238E27FC236}">
-                <a16:creationId xmlns:a16="http://schemas.microsoft.com/office/drawing/2014/main" id="{1B7F3C0C-4D75-9C49-9075-FA8B3D33CF9B}"/>
+                <a16:creationId xmlns:a16="http://schemas.microsoft.com/office/drawing/2014/main" xmlns="" id="{1B7F3C0C-4D75-9C49-9075-FA8B3D33CF9B}"/>
               </a:ext>
             </a:extLst>
           </p:cNvPr>
@@ -2360,7 +2360,7 @@
           <a:p>
             <a:fld id="{BE5295ED-3BAF-1140-8495-3D368771D6B1}" type="datetimeFigureOut">
               <a:rPr lang="en-US" smtClean="0"/>
-              <a:t>2/13/20</a:t>
+              <a:t>2/19/20</a:t>
             </a:fld>
             <a:endParaRPr lang="en-US"/>
           </a:p>
@@ -2371,7 +2371,7 @@
           <p:cNvPr id="8" name="Footer Placeholder 7">
             <a:extLst>
               <a:ext uri="{FF2B5EF4-FFF2-40B4-BE49-F238E27FC236}">
-                <a16:creationId xmlns:a16="http://schemas.microsoft.com/office/drawing/2014/main" id="{9788C8FA-359A-5447-AA0E-98D16ECCC92D}"/>
+                <a16:creationId xmlns:a16="http://schemas.microsoft.com/office/drawing/2014/main" xmlns="" id="{9788C8FA-359A-5447-AA0E-98D16ECCC92D}"/>
               </a:ext>
             </a:extLst>
           </p:cNvPr>
@@ -2396,7 +2396,7 @@
           <p:cNvPr id="9" name="Slide Number Placeholder 8">
             <a:extLst>
               <a:ext uri="{FF2B5EF4-FFF2-40B4-BE49-F238E27FC236}">
-                <a16:creationId xmlns:a16="http://schemas.microsoft.com/office/drawing/2014/main" id="{3D69C8CD-0DF6-4E4C-A412-31B03845FA24}"/>
+                <a16:creationId xmlns:a16="http://schemas.microsoft.com/office/drawing/2014/main" xmlns="" id="{3D69C8CD-0DF6-4E4C-A412-31B03845FA24}"/>
               </a:ext>
             </a:extLst>
           </p:cNvPr>
@@ -2455,7 +2455,7 @@
           <p:cNvPr id="2" name="Title 1">
             <a:extLst>
               <a:ext uri="{FF2B5EF4-FFF2-40B4-BE49-F238E27FC236}">
-                <a16:creationId xmlns:a16="http://schemas.microsoft.com/office/drawing/2014/main" id="{13C48C8E-A743-0B4F-AB6E-AB828F1218C8}"/>
+                <a16:creationId xmlns:a16="http://schemas.microsoft.com/office/drawing/2014/main" xmlns="" id="{13C48C8E-A743-0B4F-AB6E-AB828F1218C8}"/>
               </a:ext>
             </a:extLst>
           </p:cNvPr>
@@ -2483,7 +2483,7 @@
           <p:cNvPr id="3" name="Date Placeholder 2">
             <a:extLst>
               <a:ext uri="{FF2B5EF4-FFF2-40B4-BE49-F238E27FC236}">
-                <a16:creationId xmlns:a16="http://schemas.microsoft.com/office/drawing/2014/main" id="{70FAB17F-6D86-B147-9346-A9B5242FC803}"/>
+                <a16:creationId xmlns:a16="http://schemas.microsoft.com/office/drawing/2014/main" xmlns="" id="{70FAB17F-6D86-B147-9346-A9B5242FC803}"/>
               </a:ext>
             </a:extLst>
           </p:cNvPr>
@@ -2501,7 +2501,7 @@
           <a:p>
             <a:fld id="{BE5295ED-3BAF-1140-8495-3D368771D6B1}" type="datetimeFigureOut">
               <a:rPr lang="en-US" smtClean="0"/>
-              <a:t>2/13/20</a:t>
+              <a:t>2/19/20</a:t>
             </a:fld>
             <a:endParaRPr lang="en-US"/>
           </a:p>
@@ -2512,7 +2512,7 @@
           <p:cNvPr id="4" name="Footer Placeholder 3">
             <a:extLst>
               <a:ext uri="{FF2B5EF4-FFF2-40B4-BE49-F238E27FC236}">
-                <a16:creationId xmlns:a16="http://schemas.microsoft.com/office/drawing/2014/main" id="{4B8A6F49-DCD7-7B4B-8496-2547B2A81C83}"/>
+                <a16:creationId xmlns:a16="http://schemas.microsoft.com/office/drawing/2014/main" xmlns="" id="{4B8A6F49-DCD7-7B4B-8496-2547B2A81C83}"/>
               </a:ext>
             </a:extLst>
           </p:cNvPr>
@@ -2537,7 +2537,7 @@
           <p:cNvPr id="5" name="Slide Number Placeholder 4">
             <a:extLst>
               <a:ext uri="{FF2B5EF4-FFF2-40B4-BE49-F238E27FC236}">
-                <a16:creationId xmlns:a16="http://schemas.microsoft.com/office/drawing/2014/main" id="{D4D1F89D-8541-BB4B-A145-D0DC66605C91}"/>
+                <a16:creationId xmlns:a16="http://schemas.microsoft.com/office/drawing/2014/main" xmlns="" id="{D4D1F89D-8541-BB4B-A145-D0DC66605C91}"/>
               </a:ext>
             </a:extLst>
           </p:cNvPr>
@@ -2596,7 +2596,7 @@
           <p:cNvPr id="2" name="Date Placeholder 1">
             <a:extLst>
               <a:ext uri="{FF2B5EF4-FFF2-40B4-BE49-F238E27FC236}">
-                <a16:creationId xmlns:a16="http://schemas.microsoft.com/office/drawing/2014/main" id="{AD68AA44-A589-744E-AB85-5B6ED8E7D8C0}"/>
+                <a16:creationId xmlns:a16="http://schemas.microsoft.com/office/drawing/2014/main" xmlns="" id="{AD68AA44-A589-744E-AB85-5B6ED8E7D8C0}"/>
               </a:ext>
             </a:extLst>
           </p:cNvPr>
@@ -2614,7 +2614,7 @@
           <a:p>
             <a:fld id="{BE5295ED-3BAF-1140-8495-3D368771D6B1}" type="datetimeFigureOut">
               <a:rPr lang="en-US" smtClean="0"/>
-              <a:t>2/13/20</a:t>
+              <a:t>2/19/20</a:t>
             </a:fld>
             <a:endParaRPr lang="en-US"/>
           </a:p>
@@ -2625,7 +2625,7 @@
           <p:cNvPr id="3" name="Footer Placeholder 2">
             <a:extLst>
               <a:ext uri="{FF2B5EF4-FFF2-40B4-BE49-F238E27FC236}">
-                <a16:creationId xmlns:a16="http://schemas.microsoft.com/office/drawing/2014/main" id="{1CA0E6D3-947A-FA4D-8626-2883D14EFE8D}"/>
+                <a16:creationId xmlns:a16="http://schemas.microsoft.com/office/drawing/2014/main" xmlns="" id="{1CA0E6D3-947A-FA4D-8626-2883D14EFE8D}"/>
               </a:ext>
             </a:extLst>
           </p:cNvPr>
@@ -2650,7 +2650,7 @@
           <p:cNvPr id="4" name="Slide Number Placeholder 3">
             <a:extLst>
               <a:ext uri="{FF2B5EF4-FFF2-40B4-BE49-F238E27FC236}">
-                <a16:creationId xmlns:a16="http://schemas.microsoft.com/office/drawing/2014/main" id="{5BF0953F-E6D0-2240-B174-03015D0856A8}"/>
+                <a16:creationId xmlns:a16="http://schemas.microsoft.com/office/drawing/2014/main" xmlns="" id="{5BF0953F-E6D0-2240-B174-03015D0856A8}"/>
               </a:ext>
             </a:extLst>
           </p:cNvPr>
@@ -2709,7 +2709,7 @@
           <p:cNvPr id="2" name="Title 1">
             <a:extLst>
               <a:ext uri="{FF2B5EF4-FFF2-40B4-BE49-F238E27FC236}">
-                <a16:creationId xmlns:a16="http://schemas.microsoft.com/office/drawing/2014/main" id="{26FFD677-FF02-3E4E-8E32-44D146E24D90}"/>
+                <a16:creationId xmlns:a16="http://schemas.microsoft.com/office/drawing/2014/main" xmlns="" id="{26FFD677-FF02-3E4E-8E32-44D146E24D90}"/>
               </a:ext>
             </a:extLst>
           </p:cNvPr>
@@ -2746,7 +2746,7 @@
           <p:cNvPr id="3" name="Content Placeholder 2">
             <a:extLst>
               <a:ext uri="{FF2B5EF4-FFF2-40B4-BE49-F238E27FC236}">
-                <a16:creationId xmlns:a16="http://schemas.microsoft.com/office/drawing/2014/main" id="{9942170F-E10D-1348-86CE-8E869B806F9B}"/>
+                <a16:creationId xmlns:a16="http://schemas.microsoft.com/office/drawing/2014/main" xmlns="" id="{9942170F-E10D-1348-86CE-8E869B806F9B}"/>
               </a:ext>
             </a:extLst>
           </p:cNvPr>
@@ -2836,7 +2836,7 @@
           <p:cNvPr id="4" name="Text Placeholder 3">
             <a:extLst>
               <a:ext uri="{FF2B5EF4-FFF2-40B4-BE49-F238E27FC236}">
-                <a16:creationId xmlns:a16="http://schemas.microsoft.com/office/drawing/2014/main" id="{80772D86-2794-394C-A208-2D3E234A3A20}"/>
+                <a16:creationId xmlns:a16="http://schemas.microsoft.com/office/drawing/2014/main" xmlns="" id="{80772D86-2794-394C-A208-2D3E234A3A20}"/>
               </a:ext>
             </a:extLst>
           </p:cNvPr>
@@ -2907,7 +2907,7 @@
           <p:cNvPr id="5" name="Date Placeholder 4">
             <a:extLst>
               <a:ext uri="{FF2B5EF4-FFF2-40B4-BE49-F238E27FC236}">
-                <a16:creationId xmlns:a16="http://schemas.microsoft.com/office/drawing/2014/main" id="{B5314D31-901A-D944-B06D-3D8106F2A2BC}"/>
+                <a16:creationId xmlns:a16="http://schemas.microsoft.com/office/drawing/2014/main" xmlns="" id="{B5314D31-901A-D944-B06D-3D8106F2A2BC}"/>
               </a:ext>
             </a:extLst>
           </p:cNvPr>
@@ -2925,7 +2925,7 @@
           <a:p>
             <a:fld id="{BE5295ED-3BAF-1140-8495-3D368771D6B1}" type="datetimeFigureOut">
               <a:rPr lang="en-US" smtClean="0"/>
-              <a:t>2/13/20</a:t>
+              <a:t>2/19/20</a:t>
             </a:fld>
             <a:endParaRPr lang="en-US"/>
           </a:p>
@@ -2936,7 +2936,7 @@
           <p:cNvPr id="6" name="Footer Placeholder 5">
             <a:extLst>
               <a:ext uri="{FF2B5EF4-FFF2-40B4-BE49-F238E27FC236}">
-                <a16:creationId xmlns:a16="http://schemas.microsoft.com/office/drawing/2014/main" id="{BFFC6519-9D04-AC45-BB37-9DD413CC741D}"/>
+                <a16:creationId xmlns:a16="http://schemas.microsoft.com/office/drawing/2014/main" xmlns="" id="{BFFC6519-9D04-AC45-BB37-9DD413CC741D}"/>
               </a:ext>
             </a:extLst>
           </p:cNvPr>
@@ -2961,7 +2961,7 @@
           <p:cNvPr id="7" name="Slide Number Placeholder 6">
             <a:extLst>
               <a:ext uri="{FF2B5EF4-FFF2-40B4-BE49-F238E27FC236}">
-                <a16:creationId xmlns:a16="http://schemas.microsoft.com/office/drawing/2014/main" id="{856ACFF3-3C93-FA41-80F3-4708944F9A8C}"/>
+                <a16:creationId xmlns:a16="http://schemas.microsoft.com/office/drawing/2014/main" xmlns="" id="{856ACFF3-3C93-FA41-80F3-4708944F9A8C}"/>
               </a:ext>
             </a:extLst>
           </p:cNvPr>
@@ -3020,7 +3020,7 @@
           <p:cNvPr id="2" name="Title 1">
             <a:extLst>
               <a:ext uri="{FF2B5EF4-FFF2-40B4-BE49-F238E27FC236}">
-                <a16:creationId xmlns:a16="http://schemas.microsoft.com/office/drawing/2014/main" id="{52F7D6A8-4C7A-ED44-A821-97E76FB58748}"/>
+                <a16:creationId xmlns:a16="http://schemas.microsoft.com/office/drawing/2014/main" xmlns="" id="{52F7D6A8-4C7A-ED44-A821-97E76FB58748}"/>
               </a:ext>
             </a:extLst>
           </p:cNvPr>
@@ -3057,7 +3057,7 @@
           <p:cNvPr id="3" name="Picture Placeholder 2">
             <a:extLst>
               <a:ext uri="{FF2B5EF4-FFF2-40B4-BE49-F238E27FC236}">
-                <a16:creationId xmlns:a16="http://schemas.microsoft.com/office/drawing/2014/main" id="{FFA0AABB-AB65-FB40-8DCA-227F017E16C5}"/>
+                <a16:creationId xmlns:a16="http://schemas.microsoft.com/office/drawing/2014/main" xmlns="" id="{FFA0AABB-AB65-FB40-8DCA-227F017E16C5}"/>
               </a:ext>
             </a:extLst>
           </p:cNvPr>
@@ -3127,7 +3127,7 @@
           <p:cNvPr id="4" name="Text Placeholder 3">
             <a:extLst>
               <a:ext uri="{FF2B5EF4-FFF2-40B4-BE49-F238E27FC236}">
-                <a16:creationId xmlns:a16="http://schemas.microsoft.com/office/drawing/2014/main" id="{67AC3EE9-FB8F-F642-BB10-A468CFF85E6A}"/>
+                <a16:creationId xmlns:a16="http://schemas.microsoft.com/office/drawing/2014/main" xmlns="" id="{67AC3EE9-FB8F-F642-BB10-A468CFF85E6A}"/>
               </a:ext>
             </a:extLst>
           </p:cNvPr>
@@ -3198,7 +3198,7 @@
           <p:cNvPr id="5" name="Date Placeholder 4">
             <a:extLst>
               <a:ext uri="{FF2B5EF4-FFF2-40B4-BE49-F238E27FC236}">
-                <a16:creationId xmlns:a16="http://schemas.microsoft.com/office/drawing/2014/main" id="{0A0EC8A2-C616-8B40-8C9C-A15442358393}"/>
+                <a16:creationId xmlns:a16="http://schemas.microsoft.com/office/drawing/2014/main" xmlns="" id="{0A0EC8A2-C616-8B40-8C9C-A15442358393}"/>
               </a:ext>
             </a:extLst>
           </p:cNvPr>
@@ -3216,7 +3216,7 @@
           <a:p>
             <a:fld id="{BE5295ED-3BAF-1140-8495-3D368771D6B1}" type="datetimeFigureOut">
               <a:rPr lang="en-US" smtClean="0"/>
-              <a:t>2/13/20</a:t>
+              <a:t>2/19/20</a:t>
             </a:fld>
             <a:endParaRPr lang="en-US"/>
           </a:p>
@@ -3227,7 +3227,7 @@
           <p:cNvPr id="6" name="Footer Placeholder 5">
             <a:extLst>
               <a:ext uri="{FF2B5EF4-FFF2-40B4-BE49-F238E27FC236}">
-                <a16:creationId xmlns:a16="http://schemas.microsoft.com/office/drawing/2014/main" id="{AA229EC7-73FC-4D43-8916-C76404AC37DC}"/>
+                <a16:creationId xmlns:a16="http://schemas.microsoft.com/office/drawing/2014/main" xmlns="" id="{AA229EC7-73FC-4D43-8916-C76404AC37DC}"/>
               </a:ext>
             </a:extLst>
           </p:cNvPr>
@@ -3252,7 +3252,7 @@
           <p:cNvPr id="7" name="Slide Number Placeholder 6">
             <a:extLst>
               <a:ext uri="{FF2B5EF4-FFF2-40B4-BE49-F238E27FC236}">
-                <a16:creationId xmlns:a16="http://schemas.microsoft.com/office/drawing/2014/main" id="{D84430E4-67BB-3342-B2B8-DFBE758CFA59}"/>
+                <a16:creationId xmlns:a16="http://schemas.microsoft.com/office/drawing/2014/main" xmlns="" id="{D84430E4-67BB-3342-B2B8-DFBE758CFA59}"/>
               </a:ext>
             </a:extLst>
           </p:cNvPr>
@@ -3316,7 +3316,7 @@
           <p:cNvPr id="2" name="Title Placeholder 1">
             <a:extLst>
               <a:ext uri="{FF2B5EF4-FFF2-40B4-BE49-F238E27FC236}">
-                <a16:creationId xmlns:a16="http://schemas.microsoft.com/office/drawing/2014/main" id="{ED530927-E202-4648-95ED-A701F648A289}"/>
+                <a16:creationId xmlns:a16="http://schemas.microsoft.com/office/drawing/2014/main" xmlns="" id="{ED530927-E202-4648-95ED-A701F648A289}"/>
               </a:ext>
             </a:extLst>
           </p:cNvPr>
@@ -3354,7 +3354,7 @@
           <p:cNvPr id="3" name="Text Placeholder 2">
             <a:extLst>
               <a:ext uri="{FF2B5EF4-FFF2-40B4-BE49-F238E27FC236}">
-                <a16:creationId xmlns:a16="http://schemas.microsoft.com/office/drawing/2014/main" id="{F00E1E3E-B2FE-5A47-8C43-849DE842741B}"/>
+                <a16:creationId xmlns:a16="http://schemas.microsoft.com/office/drawing/2014/main" xmlns="" id="{F00E1E3E-B2FE-5A47-8C43-849DE842741B}"/>
               </a:ext>
             </a:extLst>
           </p:cNvPr>
@@ -3421,7 +3421,7 @@
           <p:cNvPr id="4" name="Date Placeholder 3">
             <a:extLst>
               <a:ext uri="{FF2B5EF4-FFF2-40B4-BE49-F238E27FC236}">
-                <a16:creationId xmlns:a16="http://schemas.microsoft.com/office/drawing/2014/main" id="{A51822C1-C9FC-554F-B744-0FF8DD0A61C0}"/>
+                <a16:creationId xmlns:a16="http://schemas.microsoft.com/office/drawing/2014/main" xmlns="" id="{A51822C1-C9FC-554F-B744-0FF8DD0A61C0}"/>
               </a:ext>
             </a:extLst>
           </p:cNvPr>
@@ -3457,7 +3457,7 @@
           <a:p>
             <a:fld id="{BE5295ED-3BAF-1140-8495-3D368771D6B1}" type="datetimeFigureOut">
               <a:rPr lang="en-US" smtClean="0"/>
-              <a:t>2/13/20</a:t>
+              <a:t>2/19/20</a:t>
             </a:fld>
             <a:endParaRPr lang="en-US"/>
           </a:p>
@@ -3468,7 +3468,7 @@
           <p:cNvPr id="5" name="Footer Placeholder 4">
             <a:extLst>
               <a:ext uri="{FF2B5EF4-FFF2-40B4-BE49-F238E27FC236}">
-                <a16:creationId xmlns:a16="http://schemas.microsoft.com/office/drawing/2014/main" id="{AA4916E3-9D5B-B647-A5DA-A5B78525EFFB}"/>
+                <a16:creationId xmlns:a16="http://schemas.microsoft.com/office/drawing/2014/main" xmlns="" id="{AA4916E3-9D5B-B647-A5DA-A5B78525EFFB}"/>
               </a:ext>
             </a:extLst>
           </p:cNvPr>
@@ -3511,7 +3511,7 @@
           <p:cNvPr id="6" name="Slide Number Placeholder 5">
             <a:extLst>
               <a:ext uri="{FF2B5EF4-FFF2-40B4-BE49-F238E27FC236}">
-                <a16:creationId xmlns:a16="http://schemas.microsoft.com/office/drawing/2014/main" id="{11872E83-B77B-9647-AE80-95985B60F4F0}"/>
+                <a16:creationId xmlns:a16="http://schemas.microsoft.com/office/drawing/2014/main" xmlns="" id="{11872E83-B77B-9647-AE80-95985B60F4F0}"/>
               </a:ext>
             </a:extLst>
           </p:cNvPr>
@@ -3558,7 +3558,7 @@
           <p:cNvPr id="7" name="Picture 6">
             <a:extLst>
               <a:ext uri="{FF2B5EF4-FFF2-40B4-BE49-F238E27FC236}">
-                <a16:creationId xmlns:a16="http://schemas.microsoft.com/office/drawing/2014/main" id="{F0F46825-E66D-B247-B71A-C48424207597}"/>
+                <a16:creationId xmlns:a16="http://schemas.microsoft.com/office/drawing/2014/main" xmlns="" id="{F0F46825-E66D-B247-B71A-C48424207597}"/>
               </a:ext>
             </a:extLst>
           </p:cNvPr>
@@ -3909,7 +3909,7 @@
           <p:cNvPr id="2" name="Title 1">
             <a:extLst>
               <a:ext uri="{FF2B5EF4-FFF2-40B4-BE49-F238E27FC236}">
-                <a16:creationId xmlns:a16="http://schemas.microsoft.com/office/drawing/2014/main" id="{DDB4A5C5-CE37-5241-A9FF-85F98EF1E91E}"/>
+                <a16:creationId xmlns:a16="http://schemas.microsoft.com/office/drawing/2014/main" xmlns="" id="{DDB4A5C5-CE37-5241-A9FF-85F98EF1E91E}"/>
               </a:ext>
             </a:extLst>
           </p:cNvPr>
@@ -3941,7 +3941,7 @@
           <p:cNvPr id="3" name="Subtitle 2">
             <a:extLst>
               <a:ext uri="{FF2B5EF4-FFF2-40B4-BE49-F238E27FC236}">
-                <a16:creationId xmlns:a16="http://schemas.microsoft.com/office/drawing/2014/main" id="{5EF75859-F09F-414F-8571-4D3854CD3C44}"/>
+                <a16:creationId xmlns:a16="http://schemas.microsoft.com/office/drawing/2014/main" xmlns="" id="{5EF75859-F09F-414F-8571-4D3854CD3C44}"/>
               </a:ext>
             </a:extLst>
           </p:cNvPr>
@@ -3974,7 +3974,7 @@
           <p:cNvPr id="5" name="Rectangle 4">
             <a:extLst>
               <a:ext uri="{FF2B5EF4-FFF2-40B4-BE49-F238E27FC236}">
-                <a16:creationId xmlns:a16="http://schemas.microsoft.com/office/drawing/2014/main" id="{39D37F11-0EC0-C645-ADE9-CE8BFDF0B2D4}"/>
+                <a16:creationId xmlns:a16="http://schemas.microsoft.com/office/drawing/2014/main" xmlns="" id="{39D37F11-0EC0-C645-ADE9-CE8BFDF0B2D4}"/>
               </a:ext>
             </a:extLst>
           </p:cNvPr>
@@ -4046,7 +4046,7 @@
           <p:cNvPr id="2" name="Title 1">
             <a:extLst>
               <a:ext uri="{FF2B5EF4-FFF2-40B4-BE49-F238E27FC236}">
-                <a16:creationId xmlns:a16="http://schemas.microsoft.com/office/drawing/2014/main" id="{D156A618-0D95-BE47-93F3-956FE1168AA9}"/>
+                <a16:creationId xmlns:a16="http://schemas.microsoft.com/office/drawing/2014/main" xmlns="" id="{D156A618-0D95-BE47-93F3-956FE1168AA9}"/>
               </a:ext>
             </a:extLst>
           </p:cNvPr>
@@ -4115,7 +4115,7 @@
           <p:cNvPr id="8" name="Picture 7">
             <a:extLst>
               <a:ext uri="{FF2B5EF4-FFF2-40B4-BE49-F238E27FC236}">
-                <a16:creationId xmlns:a16="http://schemas.microsoft.com/office/drawing/2014/main" id="{52DC0C7F-5F5D-B84C-AD5B-A5950F736CDF}"/>
+                <a16:creationId xmlns:a16="http://schemas.microsoft.com/office/drawing/2014/main" xmlns="" id="{52DC0C7F-5F5D-B84C-AD5B-A5950F736CDF}"/>
               </a:ext>
             </a:extLst>
           </p:cNvPr>
@@ -4263,6 +4263,13 @@
   <p:clrMapOvr>
     <a:masterClrMapping/>
   </p:clrMapOvr>
+  <p:timing>
+    <p:tnLst>
+      <p:par>
+        <p:cTn id="1" dur="indefinite" restart="never" nodeType="tmRoot"/>
+      </p:par>
+    </p:tnLst>
+  </p:timing>
 </p:sld>
 </file>
 
@@ -4428,7 +4435,7 @@
           <p:cNvPr id="7" name="TextBox 6">
             <a:extLst>
               <a:ext uri="{FF2B5EF4-FFF2-40B4-BE49-F238E27FC236}">
-                <a16:creationId xmlns:a16="http://schemas.microsoft.com/office/drawing/2014/main" id="{53E89B64-E4C7-B349-8F4D-C096A24A66FC}"/>
+                <a16:creationId xmlns:a16="http://schemas.microsoft.com/office/drawing/2014/main" xmlns="" id="{53E89B64-E4C7-B349-8F4D-C096A24A66FC}"/>
               </a:ext>
             </a:extLst>
           </p:cNvPr>
@@ -4561,6 +4568,13 @@
   <p:clrMapOvr>
     <a:masterClrMapping/>
   </p:clrMapOvr>
+  <p:timing>
+    <p:tnLst>
+      <p:par>
+        <p:cTn id="1" dur="indefinite" restart="never" nodeType="tmRoot"/>
+      </p:par>
+    </p:tnLst>
+  </p:timing>
 </p:sld>
 </file>
 
@@ -4654,7 +4668,7 @@
           <p:cNvPr id="5" name="TextBox 4">
             <a:extLst>
               <a:ext uri="{FF2B5EF4-FFF2-40B4-BE49-F238E27FC236}">
-                <a16:creationId xmlns:a16="http://schemas.microsoft.com/office/drawing/2014/main" id="{53E89B64-E4C7-B349-8F4D-C096A24A66FC}"/>
+                <a16:creationId xmlns:a16="http://schemas.microsoft.com/office/drawing/2014/main" xmlns="" id="{53E89B64-E4C7-B349-8F4D-C096A24A66FC}"/>
               </a:ext>
             </a:extLst>
           </p:cNvPr>
@@ -4782,7 +4796,7 @@
           <p:cNvPr id="7" name="TextBox 6">
             <a:extLst>
               <a:ext uri="{FF2B5EF4-FFF2-40B4-BE49-F238E27FC236}">
-                <a16:creationId xmlns:a16="http://schemas.microsoft.com/office/drawing/2014/main" id="{53E89B64-E4C7-B349-8F4D-C096A24A66FC}"/>
+                <a16:creationId xmlns:a16="http://schemas.microsoft.com/office/drawing/2014/main" xmlns="" id="{53E89B64-E4C7-B349-8F4D-C096A24A66FC}"/>
               </a:ext>
             </a:extLst>
           </p:cNvPr>
@@ -5066,7 +5080,7 @@
           <p:cNvPr id="6" name="TextBox 5">
             <a:extLst>
               <a:ext uri="{FF2B5EF4-FFF2-40B4-BE49-F238E27FC236}">
-                <a16:creationId xmlns:a16="http://schemas.microsoft.com/office/drawing/2014/main" id="{BF625A4D-7686-2C47-B3A7-B8382722563B}"/>
+                <a16:creationId xmlns:a16="http://schemas.microsoft.com/office/drawing/2014/main" xmlns="" id="{BF625A4D-7686-2C47-B3A7-B8382722563B}"/>
               </a:ext>
             </a:extLst>
           </p:cNvPr>
@@ -5149,6 +5163,10 @@
               <a:rPr lang="en-US" dirty="0" err="1"/>
               <a:t>Trie</a:t>
             </a:r>
+            <a:r>
+              <a:rPr lang="en-US" dirty="0"/>
+              <a:t/>
+            </a:r>
             <a:br>
               <a:rPr lang="en-US" dirty="0"/>
             </a:br>
@@ -5230,7 +5248,7 @@
           <p:cNvPr id="4" name="TextBox 3">
             <a:extLst>
               <a:ext uri="{FF2B5EF4-FFF2-40B4-BE49-F238E27FC236}">
-                <a16:creationId xmlns:a16="http://schemas.microsoft.com/office/drawing/2014/main" id="{53E89B64-E4C7-B349-8F4D-C096A24A66FC}"/>
+                <a16:creationId xmlns:a16="http://schemas.microsoft.com/office/drawing/2014/main" xmlns="" id="{53E89B64-E4C7-B349-8F4D-C096A24A66FC}"/>
               </a:ext>
             </a:extLst>
           </p:cNvPr>
@@ -5542,7 +5560,7 @@
           <p:cNvPr id="5" name="Picture 4">
             <a:extLst>
               <a:ext uri="{FF2B5EF4-FFF2-40B4-BE49-F238E27FC236}">
-                <a16:creationId xmlns:a16="http://schemas.microsoft.com/office/drawing/2014/main" id="{90C1D894-5279-C74A-AAA2-C74AD1B7438D}"/>
+                <a16:creationId xmlns:a16="http://schemas.microsoft.com/office/drawing/2014/main" xmlns="" id="{90C1D894-5279-C74A-AAA2-C74AD1B7438D}"/>
               </a:ext>
             </a:extLst>
           </p:cNvPr>
@@ -5572,7 +5590,7 @@
           <p:cNvPr id="2" name="Title 1">
             <a:extLst>
               <a:ext uri="{FF2B5EF4-FFF2-40B4-BE49-F238E27FC236}">
-                <a16:creationId xmlns:a16="http://schemas.microsoft.com/office/drawing/2014/main" id="{84E0E9E3-A102-9C4C-AA99-6CE6745A3DBA}"/>
+                <a16:creationId xmlns:a16="http://schemas.microsoft.com/office/drawing/2014/main" xmlns="" id="{84E0E9E3-A102-9C4C-AA99-6CE6745A3DBA}"/>
               </a:ext>
             </a:extLst>
           </p:cNvPr>
@@ -5600,7 +5618,7 @@
           <p:cNvPr id="3" name="Content Placeholder 2">
             <a:extLst>
               <a:ext uri="{FF2B5EF4-FFF2-40B4-BE49-F238E27FC236}">
-                <a16:creationId xmlns:a16="http://schemas.microsoft.com/office/drawing/2014/main" id="{12A7C874-3C25-634E-9D83-956E2FA295CB}"/>
+                <a16:creationId xmlns:a16="http://schemas.microsoft.com/office/drawing/2014/main" xmlns="" id="{12A7C874-3C25-634E-9D83-956E2FA295CB}"/>
               </a:ext>
             </a:extLst>
           </p:cNvPr>
@@ -5712,7 +5730,7 @@
           <p:cNvPr id="2" name="Title 1">
             <a:extLst>
               <a:ext uri="{FF2B5EF4-FFF2-40B4-BE49-F238E27FC236}">
-                <a16:creationId xmlns:a16="http://schemas.microsoft.com/office/drawing/2014/main" id="{8EE0BAE5-7887-254A-94BF-F5E407B231C7}"/>
+                <a16:creationId xmlns:a16="http://schemas.microsoft.com/office/drawing/2014/main" xmlns="" id="{8EE0BAE5-7887-254A-94BF-F5E407B231C7}"/>
               </a:ext>
             </a:extLst>
           </p:cNvPr>
@@ -5749,7 +5767,7 @@
           <p:cNvPr id="3" name="Content Placeholder 2">
             <a:extLst>
               <a:ext uri="{FF2B5EF4-FFF2-40B4-BE49-F238E27FC236}">
-                <a16:creationId xmlns:a16="http://schemas.microsoft.com/office/drawing/2014/main" id="{B312B095-1A92-4D4E-8DD0-7EC38E69366B}"/>
+                <a16:creationId xmlns:a16="http://schemas.microsoft.com/office/drawing/2014/main" xmlns="" id="{B312B095-1A92-4D4E-8DD0-7EC38E69366B}"/>
               </a:ext>
             </a:extLst>
           </p:cNvPr>
@@ -5820,7 +5838,7 @@
           <p:cNvPr id="4" name="TextBox 3">
             <a:extLst>
               <a:ext uri="{FF2B5EF4-FFF2-40B4-BE49-F238E27FC236}">
-                <a16:creationId xmlns:a16="http://schemas.microsoft.com/office/drawing/2014/main" id="{E52E155C-C5BB-644F-A746-ECFDFF0F305D}"/>
+                <a16:creationId xmlns:a16="http://schemas.microsoft.com/office/drawing/2014/main" xmlns="" id="{E52E155C-C5BB-644F-A746-ECFDFF0F305D}"/>
               </a:ext>
             </a:extLst>
           </p:cNvPr>
@@ -5906,7 +5924,7 @@
           <p:cNvPr id="2" name="Title 1">
             <a:extLst>
               <a:ext uri="{FF2B5EF4-FFF2-40B4-BE49-F238E27FC236}">
-                <a16:creationId xmlns:a16="http://schemas.microsoft.com/office/drawing/2014/main" id="{75EA49D3-0D3B-1C4C-ACF3-C67C08F637C8}"/>
+                <a16:creationId xmlns:a16="http://schemas.microsoft.com/office/drawing/2014/main" xmlns="" id="{75EA49D3-0D3B-1C4C-ACF3-C67C08F637C8}"/>
               </a:ext>
             </a:extLst>
           </p:cNvPr>
@@ -5951,7 +5969,7 @@
           <p:cNvPr id="3" name="Content Placeholder 2">
             <a:extLst>
               <a:ext uri="{FF2B5EF4-FFF2-40B4-BE49-F238E27FC236}">
-                <a16:creationId xmlns:a16="http://schemas.microsoft.com/office/drawing/2014/main" id="{E4C7E417-9DFA-CE45-979D-F475A80168FB}"/>
+                <a16:creationId xmlns:a16="http://schemas.microsoft.com/office/drawing/2014/main" xmlns="" id="{E4C7E417-9DFA-CE45-979D-F475A80168FB}"/>
               </a:ext>
             </a:extLst>
           </p:cNvPr>
@@ -6034,7 +6052,7 @@
           <p:cNvPr id="4" name="TextBox 3">
             <a:extLst>
               <a:ext uri="{FF2B5EF4-FFF2-40B4-BE49-F238E27FC236}">
-                <a16:creationId xmlns:a16="http://schemas.microsoft.com/office/drawing/2014/main" id="{47988AE6-331F-864A-963A-42008DA144C2}"/>
+                <a16:creationId xmlns:a16="http://schemas.microsoft.com/office/drawing/2014/main" xmlns="" id="{47988AE6-331F-864A-963A-42008DA144C2}"/>
               </a:ext>
             </a:extLst>
           </p:cNvPr>
@@ -6120,7 +6138,7 @@
           <p:cNvPr id="2" name="Title 1">
             <a:extLst>
               <a:ext uri="{FF2B5EF4-FFF2-40B4-BE49-F238E27FC236}">
-                <a16:creationId xmlns:a16="http://schemas.microsoft.com/office/drawing/2014/main" id="{5FDA5814-1DAA-984F-BA1F-463EB89ED728}"/>
+                <a16:creationId xmlns:a16="http://schemas.microsoft.com/office/drawing/2014/main" xmlns="" id="{5FDA5814-1DAA-984F-BA1F-463EB89ED728}"/>
               </a:ext>
             </a:extLst>
           </p:cNvPr>
@@ -6157,7 +6175,7 @@
           <p:cNvPr id="3" name="Content Placeholder 2">
             <a:extLst>
               <a:ext uri="{FF2B5EF4-FFF2-40B4-BE49-F238E27FC236}">
-                <a16:creationId xmlns:a16="http://schemas.microsoft.com/office/drawing/2014/main" id="{4B4AFF34-0678-764B-B0E8-F54910BC3FE0}"/>
+                <a16:creationId xmlns:a16="http://schemas.microsoft.com/office/drawing/2014/main" xmlns="" id="{4B4AFF34-0678-764B-B0E8-F54910BC3FE0}"/>
               </a:ext>
             </a:extLst>
           </p:cNvPr>
@@ -6251,7 +6269,7 @@
           <p:cNvPr id="2" name="Title 1">
             <a:extLst>
               <a:ext uri="{FF2B5EF4-FFF2-40B4-BE49-F238E27FC236}">
-                <a16:creationId xmlns:a16="http://schemas.microsoft.com/office/drawing/2014/main" id="{E733EB20-1D6D-B54A-BC1C-D42D8DB28628}"/>
+                <a16:creationId xmlns:a16="http://schemas.microsoft.com/office/drawing/2014/main" xmlns="" id="{E733EB20-1D6D-B54A-BC1C-D42D8DB28628}"/>
               </a:ext>
             </a:extLst>
           </p:cNvPr>
@@ -6283,7 +6301,7 @@
           <p:cNvPr id="3" name="Content Placeholder 2">
             <a:extLst>
               <a:ext uri="{FF2B5EF4-FFF2-40B4-BE49-F238E27FC236}">
-                <a16:creationId xmlns:a16="http://schemas.microsoft.com/office/drawing/2014/main" id="{B49DF553-583E-0C4C-858D-553AA785CA88}"/>
+                <a16:creationId xmlns:a16="http://schemas.microsoft.com/office/drawing/2014/main" xmlns="" id="{B49DF553-583E-0C4C-858D-553AA785CA88}"/>
               </a:ext>
             </a:extLst>
           </p:cNvPr>
@@ -6431,7 +6449,7 @@
           <p:cNvPr id="4" name="Picture 3">
             <a:extLst>
               <a:ext uri="{FF2B5EF4-FFF2-40B4-BE49-F238E27FC236}">
-                <a16:creationId xmlns:a16="http://schemas.microsoft.com/office/drawing/2014/main" id="{909E12CE-E4F4-DA49-80D6-60FEC4C9BBC4}"/>
+                <a16:creationId xmlns:a16="http://schemas.microsoft.com/office/drawing/2014/main" xmlns="" id="{909E12CE-E4F4-DA49-80D6-60FEC4C9BBC4}"/>
               </a:ext>
             </a:extLst>
           </p:cNvPr>
@@ -6461,7 +6479,7 @@
           <p:cNvPr id="2" name="Title 1">
             <a:extLst>
               <a:ext uri="{FF2B5EF4-FFF2-40B4-BE49-F238E27FC236}">
-                <a16:creationId xmlns:a16="http://schemas.microsoft.com/office/drawing/2014/main" id="{A0185A17-FF82-7341-9116-EC5220A6F738}"/>
+                <a16:creationId xmlns:a16="http://schemas.microsoft.com/office/drawing/2014/main" xmlns="" id="{A0185A17-FF82-7341-9116-EC5220A6F738}"/>
               </a:ext>
             </a:extLst>
           </p:cNvPr>
@@ -6493,7 +6511,7 @@
           <p:cNvPr id="3" name="Content Placeholder 2">
             <a:extLst>
               <a:ext uri="{FF2B5EF4-FFF2-40B4-BE49-F238E27FC236}">
-                <a16:creationId xmlns:a16="http://schemas.microsoft.com/office/drawing/2014/main" id="{06DB7BD7-19FE-B342-B919-C8F35C1BAE39}"/>
+                <a16:creationId xmlns:a16="http://schemas.microsoft.com/office/drawing/2014/main" xmlns="" id="{06DB7BD7-19FE-B342-B919-C8F35C1BAE39}"/>
               </a:ext>
             </a:extLst>
           </p:cNvPr>
@@ -6601,7 +6619,7 @@
           <p:cNvPr id="6" name="Straight Arrow Connector 5">
             <a:extLst>
               <a:ext uri="{FF2B5EF4-FFF2-40B4-BE49-F238E27FC236}">
-                <a16:creationId xmlns:a16="http://schemas.microsoft.com/office/drawing/2014/main" id="{29096B95-60C8-DE4B-8E6F-5BE7982FCE64}"/>
+                <a16:creationId xmlns:a16="http://schemas.microsoft.com/office/drawing/2014/main" xmlns="" id="{29096B95-60C8-DE4B-8E6F-5BE7982FCE64}"/>
               </a:ext>
             </a:extLst>
           </p:cNvPr>
@@ -6645,7 +6663,7 @@
           <p:cNvPr id="9" name="Straight Arrow Connector 8">
             <a:extLst>
               <a:ext uri="{FF2B5EF4-FFF2-40B4-BE49-F238E27FC236}">
-                <a16:creationId xmlns:a16="http://schemas.microsoft.com/office/drawing/2014/main" id="{5351140D-1B5E-5148-8B46-77E48328B813}"/>
+                <a16:creationId xmlns:a16="http://schemas.microsoft.com/office/drawing/2014/main" xmlns="" id="{5351140D-1B5E-5148-8B46-77E48328B813}"/>
               </a:ext>
             </a:extLst>
           </p:cNvPr>
@@ -6922,7 +6940,7 @@
           <p:cNvPr id="2" name="Title 1">
             <a:extLst>
               <a:ext uri="{FF2B5EF4-FFF2-40B4-BE49-F238E27FC236}">
-                <a16:creationId xmlns:a16="http://schemas.microsoft.com/office/drawing/2014/main" id="{ED798003-BDB8-ED43-9E87-05960D700963}"/>
+                <a16:creationId xmlns:a16="http://schemas.microsoft.com/office/drawing/2014/main" xmlns="" id="{ED798003-BDB8-ED43-9E87-05960D700963}"/>
               </a:ext>
             </a:extLst>
           </p:cNvPr>
@@ -6955,7 +6973,7 @@
           <p:cNvPr id="3" name="Content Placeholder 2">
             <a:extLst>
               <a:ext uri="{FF2B5EF4-FFF2-40B4-BE49-F238E27FC236}">
-                <a16:creationId xmlns:a16="http://schemas.microsoft.com/office/drawing/2014/main" id="{5EB237E2-4FB5-FC4B-937F-D3E170BA652A}"/>
+                <a16:creationId xmlns:a16="http://schemas.microsoft.com/office/drawing/2014/main" xmlns="" id="{5EB237E2-4FB5-FC4B-937F-D3E170BA652A}"/>
               </a:ext>
             </a:extLst>
           </p:cNvPr>
@@ -6966,7 +6984,12 @@
             <p:ph idx="1"/>
           </p:nvPr>
         </p:nvSpPr>
-        <p:spPr/>
+        <p:spPr>
+          <a:xfrm>
+            <a:off x="1357744" y="1825625"/>
+            <a:ext cx="9996055" cy="4351338"/>
+          </a:xfrm>
+        </p:spPr>
         <p:txBody>
           <a:bodyPr>
             <a:normAutofit/>
@@ -6999,7 +7022,15 @@
             </a:r>
             <a:r>
               <a:rPr lang="en-US" dirty="0"/>
-              <a:t>: subtree to left has elements less than current node and subtree to the right has elements greater than</a:t>
+              <a:t>: subtree to left has elements less than current node and subtree to </a:t>
+            </a:r>
+            <a:r>
+              <a:rPr lang="en-US" dirty="0" smtClean="0"/>
+              <a:t>right </a:t>
+            </a:r>
+            <a:r>
+              <a:rPr lang="en-US" dirty="0"/>
+              <a:t>has elements greater than</a:t>
             </a:r>
           </a:p>
           <a:p>
@@ -7021,6 +7052,218 @@
               <a:rPr lang="en-US" dirty="0"/>
               <a:t>(graphs)</a:t>
             </a:r>
+          </a:p>
+        </p:txBody>
+      </p:sp>
+      <p:sp>
+        <p:nvSpPr>
+          <p:cNvPr id="4" name="TextBox 3"/>
+          <p:cNvSpPr txBox="1"/>
+          <p:nvPr/>
+        </p:nvSpPr>
+        <p:spPr>
+          <a:xfrm>
+            <a:off x="631251" y="1873944"/>
+            <a:ext cx="838691" cy="369332"/>
+          </a:xfrm>
+          <a:prstGeom prst="rect">
+            <a:avLst/>
+          </a:prstGeom>
+          <a:noFill/>
+        </p:spPr>
+        <p:txBody>
+          <a:bodyPr wrap="none" rtlCol="0">
+            <a:spAutoFit/>
+          </a:bodyPr>
+          <a:lstStyle/>
+          <a:p>
+            <a:r>
+              <a:rPr lang="en-US" i="1" dirty="0" smtClean="0"/>
+              <a:t>O(</a:t>
+            </a:r>
+            <a:r>
+              <a:rPr lang="en-US" i="1" dirty="0" err="1" smtClean="0"/>
+              <a:t>mn</a:t>
+            </a:r>
+            <a:r>
+              <a:rPr lang="en-US" i="1" dirty="0" smtClean="0"/>
+              <a:t>)</a:t>
+            </a:r>
+            <a:endParaRPr lang="en-US" i="1" dirty="0"/>
+          </a:p>
+        </p:txBody>
+      </p:sp>
+      <p:sp>
+        <p:nvSpPr>
+          <p:cNvPr id="5" name="TextBox 4"/>
+          <p:cNvSpPr txBox="1"/>
+          <p:nvPr/>
+        </p:nvSpPr>
+        <p:spPr>
+          <a:xfrm>
+            <a:off x="248145" y="2367376"/>
+            <a:ext cx="1300356" cy="369332"/>
+          </a:xfrm>
+          <a:prstGeom prst="rect">
+            <a:avLst/>
+          </a:prstGeom>
+          <a:noFill/>
+        </p:spPr>
+        <p:txBody>
+          <a:bodyPr wrap="none" rtlCol="0">
+            <a:spAutoFit/>
+          </a:bodyPr>
+          <a:lstStyle/>
+          <a:p>
+            <a:r>
+              <a:rPr lang="en-US" i="1" dirty="0" smtClean="0"/>
+              <a:t>O(</a:t>
+            </a:r>
+            <a:r>
+              <a:rPr lang="en-US" i="1" dirty="0" err="1" smtClean="0"/>
+              <a:t>mlog</a:t>
+            </a:r>
+            <a:r>
+              <a:rPr lang="en-US" i="1" dirty="0" smtClean="0"/>
+              <a:t>(n))</a:t>
+            </a:r>
+            <a:endParaRPr lang="en-US" i="1" dirty="0"/>
+          </a:p>
+        </p:txBody>
+      </p:sp>
+      <p:sp>
+        <p:nvSpPr>
+          <p:cNvPr id="6" name="TextBox 5"/>
+          <p:cNvSpPr txBox="1"/>
+          <p:nvPr/>
+        </p:nvSpPr>
+        <p:spPr>
+          <a:xfrm>
+            <a:off x="220882" y="2889186"/>
+            <a:ext cx="1300356" cy="369332"/>
+          </a:xfrm>
+          <a:prstGeom prst="rect">
+            <a:avLst/>
+          </a:prstGeom>
+          <a:noFill/>
+        </p:spPr>
+        <p:txBody>
+          <a:bodyPr wrap="none" rtlCol="0">
+            <a:spAutoFit/>
+          </a:bodyPr>
+          <a:lstStyle/>
+          <a:p>
+            <a:r>
+              <a:rPr lang="en-US" i="1" dirty="0" smtClean="0"/>
+              <a:t>O(</a:t>
+            </a:r>
+            <a:r>
+              <a:rPr lang="en-US" i="1" dirty="0" err="1"/>
+              <a:t>m</a:t>
+            </a:r>
+            <a:r>
+              <a:rPr lang="en-US" i="1" dirty="0" err="1" smtClean="0"/>
+              <a:t>log</a:t>
+            </a:r>
+            <a:r>
+              <a:rPr lang="en-US" i="1" dirty="0" smtClean="0"/>
+              <a:t>(n))</a:t>
+            </a:r>
+            <a:endParaRPr lang="en-US" i="1" dirty="0"/>
+          </a:p>
+        </p:txBody>
+      </p:sp>
+      <p:sp>
+        <p:nvSpPr>
+          <p:cNvPr id="7" name="TextBox 6"/>
+          <p:cNvSpPr txBox="1"/>
+          <p:nvPr/>
+        </p:nvSpPr>
+        <p:spPr>
+          <a:xfrm>
+            <a:off x="745426" y="3778737"/>
+            <a:ext cx="710451" cy="369332"/>
+          </a:xfrm>
+          <a:prstGeom prst="rect">
+            <a:avLst/>
+          </a:prstGeom>
+          <a:noFill/>
+        </p:spPr>
+        <p:txBody>
+          <a:bodyPr wrap="none" rtlCol="0">
+            <a:spAutoFit/>
+          </a:bodyPr>
+          <a:lstStyle/>
+          <a:p>
+            <a:r>
+              <a:rPr lang="en-US" i="1" dirty="0" smtClean="0"/>
+              <a:t>O(m)</a:t>
+            </a:r>
+            <a:endParaRPr lang="en-US" i="1" dirty="0"/>
+          </a:p>
+        </p:txBody>
+      </p:sp>
+      <p:sp>
+        <p:nvSpPr>
+          <p:cNvPr id="8" name="TextBox 7"/>
+          <p:cNvSpPr txBox="1"/>
+          <p:nvPr/>
+        </p:nvSpPr>
+        <p:spPr>
+          <a:xfrm>
+            <a:off x="745064" y="5044571"/>
+            <a:ext cx="710451" cy="369332"/>
+          </a:xfrm>
+          <a:prstGeom prst="rect">
+            <a:avLst/>
+          </a:prstGeom>
+          <a:noFill/>
+        </p:spPr>
+        <p:txBody>
+          <a:bodyPr wrap="none" rtlCol="0">
+            <a:spAutoFit/>
+          </a:bodyPr>
+          <a:lstStyle/>
+          <a:p>
+            <a:r>
+              <a:rPr lang="en-US" i="1" dirty="0" smtClean="0"/>
+              <a:t>O(m)</a:t>
+            </a:r>
+            <a:endParaRPr lang="en-US" i="1" dirty="0"/>
+          </a:p>
+        </p:txBody>
+      </p:sp>
+      <p:sp>
+        <p:nvSpPr>
+          <p:cNvPr id="10" name="TextBox 9"/>
+          <p:cNvSpPr txBox="1"/>
+          <p:nvPr/>
+        </p:nvSpPr>
+        <p:spPr>
+          <a:xfrm>
+            <a:off x="55143" y="6484319"/>
+            <a:ext cx="2909771" cy="369332"/>
+          </a:xfrm>
+          <a:prstGeom prst="rect">
+            <a:avLst/>
+          </a:prstGeom>
+          <a:noFill/>
+        </p:spPr>
+        <p:txBody>
+          <a:bodyPr wrap="none" rtlCol="0">
+            <a:spAutoFit/>
+          </a:bodyPr>
+          <a:lstStyle/>
+          <a:p>
+            <a:r>
+              <a:rPr lang="en-US" i="1" dirty="0" smtClean="0"/>
+              <a:t>m</a:t>
+            </a:r>
+            <a:r>
+              <a:rPr lang="en-US" dirty="0" smtClean="0"/>
+              <a:t> = length of search string</a:t>
+            </a:r>
+            <a:endParaRPr lang="en-US" dirty="0"/>
           </a:p>
         </p:txBody>
       </p:sp>
@@ -7059,7 +7302,7 @@
           <p:cNvPr id="2" name="Title 1">
             <a:extLst>
               <a:ext uri="{FF2B5EF4-FFF2-40B4-BE49-F238E27FC236}">
-                <a16:creationId xmlns:a16="http://schemas.microsoft.com/office/drawing/2014/main" id="{F1C04A90-D1BD-4D4C-81E7-C991FC2BA43E}"/>
+                <a16:creationId xmlns:a16="http://schemas.microsoft.com/office/drawing/2014/main" xmlns="" id="{F1C04A90-D1BD-4D4C-81E7-C991FC2BA43E}"/>
               </a:ext>
             </a:extLst>
           </p:cNvPr>
@@ -7087,7 +7330,7 @@
           <p:cNvPr id="3" name="Content Placeholder 2">
             <a:extLst>
               <a:ext uri="{FF2B5EF4-FFF2-40B4-BE49-F238E27FC236}">
-                <a16:creationId xmlns:a16="http://schemas.microsoft.com/office/drawing/2014/main" id="{4609F6F5-0E8A-C04C-913B-DE3F9CE0237E}"/>
+                <a16:creationId xmlns:a16="http://schemas.microsoft.com/office/drawing/2014/main" xmlns="" id="{4609F6F5-0E8A-C04C-913B-DE3F9CE0237E}"/>
               </a:ext>
             </a:extLst>
           </p:cNvPr>
@@ -7439,12 +7682,12 @@
               <a:t>        mid = </a:t>
             </a:r>
             <a:r>
-              <a:rPr lang="en-US" sz="2200" dirty="0" err="1">
-                <a:latin typeface="Monaco" charset="0"/>
-                <a:ea typeface="Monaco" charset="0"/>
-                <a:cs typeface="Monaco" charset="0"/>
-              </a:rPr>
-              <a:t>int</a:t>
+              <a:rPr lang="en-US" sz="2200" dirty="0" smtClean="0">
+                <a:latin typeface="Monaco" charset="0"/>
+                <a:ea typeface="Monaco" charset="0"/>
+                <a:cs typeface="Monaco" charset="0"/>
+              </a:rPr>
+              <a:t>(left </a:t>
             </a:r>
             <a:r>
               <a:rPr lang="en-US" sz="2200" dirty="0">
@@ -7452,8 +7695,21 @@
                 <a:ea typeface="Monaco" charset="0"/>
                 <a:cs typeface="Monaco" charset="0"/>
               </a:rPr>
-              <a:t>((left + right)/2)</a:t>
-            </a:r>
+              <a:t>+ right</a:t>
+            </a:r>
+            <a:r>
+              <a:rPr lang="en-US" sz="2200" dirty="0" smtClean="0">
+                <a:latin typeface="Monaco" charset="0"/>
+                <a:ea typeface="Monaco" charset="0"/>
+                <a:cs typeface="Monaco" charset="0"/>
+              </a:rPr>
+              <a:t>)//2</a:t>
+            </a:r>
+            <a:endParaRPr lang="en-US" sz="2200" dirty="0">
+              <a:latin typeface="Monaco" charset="0"/>
+              <a:ea typeface="Monaco" charset="0"/>
+              <a:cs typeface="Monaco" charset="0"/>
+            </a:endParaRPr>
           </a:p>
           <a:p>
             <a:r>
@@ -7532,7 +7788,7 @@
           <p:cNvPr id="2" name="Title 1">
             <a:extLst>
               <a:ext uri="{FF2B5EF4-FFF2-40B4-BE49-F238E27FC236}">
-                <a16:creationId xmlns:a16="http://schemas.microsoft.com/office/drawing/2014/main" id="{09C1B5BB-CBC3-2E42-9D5F-75DBE3EC8D88}"/>
+                <a16:creationId xmlns:a16="http://schemas.microsoft.com/office/drawing/2014/main" xmlns="" id="{09C1B5BB-CBC3-2E42-9D5F-75DBE3EC8D88}"/>
               </a:ext>
             </a:extLst>
           </p:cNvPr>
@@ -7565,7 +7821,7 @@
           <p:cNvPr id="4" name="TextBox 3">
             <a:extLst>
               <a:ext uri="{FF2B5EF4-FFF2-40B4-BE49-F238E27FC236}">
-                <a16:creationId xmlns:a16="http://schemas.microsoft.com/office/drawing/2014/main" id="{7E7BCA4B-0623-3A41-A4D9-0AF68320BA90}"/>
+                <a16:creationId xmlns:a16="http://schemas.microsoft.com/office/drawing/2014/main" xmlns="" id="{7E7BCA4B-0623-3A41-A4D9-0AF68320BA90}"/>
               </a:ext>
             </a:extLst>
           </p:cNvPr>
@@ -7675,7 +7931,7 @@
           <p:cNvPr id="5" name="TextBox 4">
             <a:extLst>
               <a:ext uri="{FF2B5EF4-FFF2-40B4-BE49-F238E27FC236}">
-                <a16:creationId xmlns:a16="http://schemas.microsoft.com/office/drawing/2014/main" id="{70BF3154-BC65-AF47-96F1-85EF98CC7A01}"/>
+                <a16:creationId xmlns:a16="http://schemas.microsoft.com/office/drawing/2014/main" xmlns="" id="{70BF3154-BC65-AF47-96F1-85EF98CC7A01}"/>
               </a:ext>
             </a:extLst>
           </p:cNvPr>
@@ -7853,7 +8109,7 @@
           <p:cNvPr id="3" name="TextBox 2">
             <a:extLst>
               <a:ext uri="{FF2B5EF4-FFF2-40B4-BE49-F238E27FC236}">
-                <a16:creationId xmlns:a16="http://schemas.microsoft.com/office/drawing/2014/main" id="{31329D05-83F8-D94D-90C3-29E53C61FD97}"/>
+                <a16:creationId xmlns:a16="http://schemas.microsoft.com/office/drawing/2014/main" xmlns="" id="{31329D05-83F8-D94D-90C3-29E53C61FD97}"/>
               </a:ext>
             </a:extLst>
           </p:cNvPr>
@@ -7888,7 +8144,7 @@
           <p:cNvPr id="7" name="Straight Arrow Connector 6">
             <a:extLst>
               <a:ext uri="{FF2B5EF4-FFF2-40B4-BE49-F238E27FC236}">
-                <a16:creationId xmlns:a16="http://schemas.microsoft.com/office/drawing/2014/main" id="{37FA16DA-692B-0F42-B1C3-B214E738EEE0}"/>
+                <a16:creationId xmlns:a16="http://schemas.microsoft.com/office/drawing/2014/main" xmlns="" id="{37FA16DA-692B-0F42-B1C3-B214E738EEE0}"/>
               </a:ext>
             </a:extLst>
           </p:cNvPr>
@@ -7963,7 +8219,7 @@
           <p:cNvPr id="2" name="Title 1">
             <a:extLst>
               <a:ext uri="{FF2B5EF4-FFF2-40B4-BE49-F238E27FC236}">
-                <a16:creationId xmlns:a16="http://schemas.microsoft.com/office/drawing/2014/main" id="{ACBF85EB-2A64-0149-B03A-5F11B2A1D5F1}"/>
+                <a16:creationId xmlns:a16="http://schemas.microsoft.com/office/drawing/2014/main" xmlns="" id="{ACBF85EB-2A64-0149-B03A-5F11B2A1D5F1}"/>
               </a:ext>
             </a:extLst>
           </p:cNvPr>
@@ -7991,7 +8247,7 @@
           <p:cNvPr id="3" name="Content Placeholder 2">
             <a:extLst>
               <a:ext uri="{FF2B5EF4-FFF2-40B4-BE49-F238E27FC236}">
-                <a16:creationId xmlns:a16="http://schemas.microsoft.com/office/drawing/2014/main" id="{AF9B1CA4-509A-F749-8370-9BF64615DA76}"/>
+                <a16:creationId xmlns:a16="http://schemas.microsoft.com/office/drawing/2014/main" xmlns="" id="{AF9B1CA4-509A-F749-8370-9BF64615DA76}"/>
               </a:ext>
             </a:extLst>
           </p:cNvPr>
@@ -8031,11 +8287,40 @@
             </a:r>
             <a:r>
               <a:rPr lang="en-US" dirty="0"/>
-              <a:t>: Describe brute force algorithm</a:t>
-            </a:r>
-          </a:p>
-        </p:txBody>
-      </p:sp>
+              <a:t>: Describe brute force </a:t>
+            </a:r>
+            <a:r>
+              <a:rPr lang="en-US" dirty="0" smtClean="0"/>
+              <a:t>algorithm; why is it ”slow”?</a:t>
+            </a:r>
+            <a:endParaRPr lang="en-US" dirty="0"/>
+          </a:p>
+        </p:txBody>
+      </p:sp>
+      <p:pic>
+        <p:nvPicPr>
+          <p:cNvPr id="4" name="Picture 3"/>
+          <p:cNvPicPr>
+            <a:picLocks noChangeAspect="1"/>
+          </p:cNvPicPr>
+          <p:nvPr/>
+        </p:nvPicPr>
+        <p:blipFill>
+          <a:blip r:embed="rId2"/>
+          <a:stretch>
+            <a:fillRect/>
+          </a:stretch>
+        </p:blipFill>
+        <p:spPr>
+          <a:xfrm>
+            <a:off x="1198601" y="4129513"/>
+            <a:ext cx="5175780" cy="2405102"/>
+          </a:xfrm>
+          <a:prstGeom prst="rect">
+            <a:avLst/>
+          </a:prstGeom>
+        </p:spPr>
+      </p:pic>
     </p:spTree>
     <p:extLst>
       <p:ext uri="{BB962C8B-B14F-4D97-AF65-F5344CB8AC3E}">
@@ -8046,6 +8331,81 @@
   <p:clrMapOvr>
     <a:masterClrMapping/>
   </p:clrMapOvr>
+  <p:timing>
+    <p:tnLst>
+      <p:par>
+        <p:cTn id="1" dur="indefinite" restart="never" nodeType="tmRoot">
+          <p:childTnLst>
+            <p:seq concurrent="1" nextAc="seek">
+              <p:cTn id="2" dur="indefinite" nodeType="mainSeq">
+                <p:childTnLst>
+                  <p:par>
+                    <p:cTn id="3" fill="hold">
+                      <p:stCondLst>
+                        <p:cond delay="indefinite"/>
+                      </p:stCondLst>
+                      <p:childTnLst>
+                        <p:par>
+                          <p:cTn id="4" fill="hold">
+                            <p:stCondLst>
+                              <p:cond delay="0"/>
+                            </p:stCondLst>
+                            <p:childTnLst>
+                              <p:par>
+                                <p:cTn id="5" presetID="1" presetClass="entr" presetSubtype="0" fill="hold" nodeType="clickEffect">
+                                  <p:stCondLst>
+                                    <p:cond delay="0"/>
+                                  </p:stCondLst>
+                                  <p:childTnLst>
+                                    <p:set>
+                                      <p:cBhvr>
+                                        <p:cTn id="6" dur="1" fill="hold">
+                                          <p:stCondLst>
+                                            <p:cond delay="0"/>
+                                          </p:stCondLst>
+                                        </p:cTn>
+                                        <p:tgtEl>
+                                          <p:spTgt spid="4"/>
+                                        </p:tgtEl>
+                                        <p:attrNameLst>
+                                          <p:attrName>style.visibility</p:attrName>
+                                        </p:attrNameLst>
+                                      </p:cBhvr>
+                                      <p:to>
+                                        <p:strVal val="visible"/>
+                                      </p:to>
+                                    </p:set>
+                                  </p:childTnLst>
+                                </p:cTn>
+                              </p:par>
+                            </p:childTnLst>
+                          </p:cTn>
+                        </p:par>
+                      </p:childTnLst>
+                    </p:cTn>
+                  </p:par>
+                </p:childTnLst>
+              </p:cTn>
+              <p:prevCondLst>
+                <p:cond evt="onPrev" delay="0">
+                  <p:tgtEl>
+                    <p:sldTgt/>
+                  </p:tgtEl>
+                </p:cond>
+              </p:prevCondLst>
+              <p:nextCondLst>
+                <p:cond evt="onNext" delay="0">
+                  <p:tgtEl>
+                    <p:sldTgt/>
+                  </p:tgtEl>
+                </p:cond>
+              </p:nextCondLst>
+            </p:seq>
+          </p:childTnLst>
+        </p:cTn>
+      </p:par>
+    </p:tnLst>
+  </p:timing>
 </p:sld>
 </file>
 
@@ -8071,7 +8431,7 @@
           <p:cNvPr id="2" name="Title 1">
             <a:extLst>
               <a:ext uri="{FF2B5EF4-FFF2-40B4-BE49-F238E27FC236}">
-                <a16:creationId xmlns:a16="http://schemas.microsoft.com/office/drawing/2014/main" id="{4EB37A9A-DFAA-7946-88B2-AF1E3749D8A9}"/>
+                <a16:creationId xmlns:a16="http://schemas.microsoft.com/office/drawing/2014/main" xmlns="" id="{4EB37A9A-DFAA-7946-88B2-AF1E3749D8A9}"/>
               </a:ext>
             </a:extLst>
           </p:cNvPr>
@@ -8099,7 +8459,7 @@
           <p:cNvPr id="3" name="Content Placeholder 2">
             <a:extLst>
               <a:ext uri="{FF2B5EF4-FFF2-40B4-BE49-F238E27FC236}">
-                <a16:creationId xmlns:a16="http://schemas.microsoft.com/office/drawing/2014/main" id="{9C0AA4F5-5A70-9948-B06A-CD63868A984C}"/>
+                <a16:creationId xmlns:a16="http://schemas.microsoft.com/office/drawing/2014/main" xmlns="" id="{9C0AA4F5-5A70-9948-B06A-CD63868A984C}"/>
               </a:ext>
             </a:extLst>
           </p:cNvPr>
@@ -8138,8 +8498,12 @@
           </a:p>
           <a:p>
             <a:r>
-              <a:rPr lang="en-US" dirty="0"/>
-              <a:t>Idea: h = hash search string s; compute hash for doc[</a:t>
+              <a:rPr lang="en-US" b="1" dirty="0"/>
+              <a:t>Idea</a:t>
+            </a:r>
+            <a:r>
+              <a:rPr lang="en-US" dirty="0"/>
+              <a:t>: h = hash search string s; compute hash for doc[</a:t>
             </a:r>
             <a:r>
               <a:rPr lang="en-US" dirty="0" err="1"/>
@@ -8182,7 +8546,7 @@
           <p:cNvPr id="5" name="TextBox 4">
             <a:extLst>
               <a:ext uri="{FF2B5EF4-FFF2-40B4-BE49-F238E27FC236}">
-                <a16:creationId xmlns:a16="http://schemas.microsoft.com/office/drawing/2014/main" id="{4C9E2EBA-5391-654A-8F49-2D375A2B5F6A}"/>
+                <a16:creationId xmlns:a16="http://schemas.microsoft.com/office/drawing/2014/main" xmlns="" id="{4C9E2EBA-5391-654A-8F49-2D375A2B5F6A}"/>
               </a:ext>
             </a:extLst>
           </p:cNvPr>
@@ -8232,6 +8596,13 @@
   <p:clrMapOvr>
     <a:masterClrMapping/>
   </p:clrMapOvr>
+  <p:timing>
+    <p:tnLst>
+      <p:par>
+        <p:cTn id="1" dur="indefinite" restart="never" nodeType="tmRoot"/>
+      </p:par>
+    </p:tnLst>
+  </p:timing>
 </p:sld>
 </file>
 
@@ -8257,7 +8628,7 @@
           <p:cNvPr id="2" name="Title 1">
             <a:extLst>
               <a:ext uri="{FF2B5EF4-FFF2-40B4-BE49-F238E27FC236}">
-                <a16:creationId xmlns:a16="http://schemas.microsoft.com/office/drawing/2014/main" id="{A4EB9A59-6479-2A49-BA16-1514857AC95F}"/>
+                <a16:creationId xmlns:a16="http://schemas.microsoft.com/office/drawing/2014/main" xmlns="" id="{A4EB9A59-6479-2A49-BA16-1514857AC95F}"/>
               </a:ext>
             </a:extLst>
           </p:cNvPr>
@@ -8285,7 +8656,7 @@
           <p:cNvPr id="4" name="TextBox 3">
             <a:extLst>
               <a:ext uri="{FF2B5EF4-FFF2-40B4-BE49-F238E27FC236}">
-                <a16:creationId xmlns:a16="http://schemas.microsoft.com/office/drawing/2014/main" id="{2D135B6C-B890-1140-B2CE-91A97DAF6446}"/>
+                <a16:creationId xmlns:a16="http://schemas.microsoft.com/office/drawing/2014/main" xmlns="" id="{2D135B6C-B890-1140-B2CE-91A97DAF6446}"/>
               </a:ext>
             </a:extLst>
           </p:cNvPr>
@@ -8582,7 +8953,7 @@
           <p:cNvPr id="5" name="TextBox 4">
             <a:extLst>
               <a:ext uri="{FF2B5EF4-FFF2-40B4-BE49-F238E27FC236}">
-                <a16:creationId xmlns:a16="http://schemas.microsoft.com/office/drawing/2014/main" id="{53E89B64-E4C7-B349-8F4D-C096A24A66FC}"/>
+                <a16:creationId xmlns:a16="http://schemas.microsoft.com/office/drawing/2014/main" xmlns="" id="{53E89B64-E4C7-B349-8F4D-C096A24A66FC}"/>
               </a:ext>
             </a:extLst>
           </p:cNvPr>
@@ -8684,7 +9055,7 @@
           <p:cNvPr id="6" name="TextBox 5">
             <a:extLst>
               <a:ext uri="{FF2B5EF4-FFF2-40B4-BE49-F238E27FC236}">
-                <a16:creationId xmlns:a16="http://schemas.microsoft.com/office/drawing/2014/main" id="{3F40E21E-742A-B249-8ED2-E5ECCDA9F1F5}"/>
+                <a16:creationId xmlns:a16="http://schemas.microsoft.com/office/drawing/2014/main" xmlns="" id="{3F40E21E-742A-B249-8ED2-E5ECCDA9F1F5}"/>
               </a:ext>
             </a:extLst>
           </p:cNvPr>
@@ -8714,6 +9085,44 @@
           </a:p>
         </p:txBody>
       </p:sp>
+      <p:sp>
+        <p:nvSpPr>
+          <p:cNvPr id="3" name="TextBox 2"/>
+          <p:cNvSpPr txBox="1"/>
+          <p:nvPr/>
+        </p:nvSpPr>
+        <p:spPr>
+          <a:xfrm>
+            <a:off x="6853473" y="4998168"/>
+            <a:ext cx="3852337" cy="369332"/>
+          </a:xfrm>
+          <a:prstGeom prst="rect">
+            <a:avLst/>
+          </a:prstGeom>
+          <a:noFill/>
+        </p:spPr>
+        <p:txBody>
+          <a:bodyPr wrap="none" rtlCol="0">
+            <a:spAutoFit/>
+          </a:bodyPr>
+          <a:lstStyle/>
+          <a:p>
+            <a:r>
+              <a:rPr lang="en-US" dirty="0" smtClean="0"/>
+              <a:t>Additive </a:t>
+            </a:r>
+            <a:r>
+              <a:rPr lang="en-US" dirty="0" err="1" smtClean="0"/>
+              <a:t>hashcode</a:t>
+            </a:r>
+            <a:r>
+              <a:rPr lang="en-US" dirty="0" smtClean="0"/>
+              <a:t> is important here</a:t>
+            </a:r>
+            <a:endParaRPr lang="en-US" dirty="0"/>
+          </a:p>
+        </p:txBody>
+      </p:sp>
     </p:spTree>
     <p:extLst>
       <p:ext uri="{BB962C8B-B14F-4D97-AF65-F5344CB8AC3E}">
@@ -8724,6 +9133,13 @@
   <p:clrMapOvr>
     <a:masterClrMapping/>
   </p:clrMapOvr>
+  <p:timing>
+    <p:tnLst>
+      <p:par>
+        <p:cTn id="1" dur="indefinite" restart="never" nodeType="tmRoot"/>
+      </p:par>
+    </p:tnLst>
+  </p:timing>
 </p:sld>
 </file>
 
@@ -8749,7 +9165,7 @@
           <p:cNvPr id="2" name="Title 1">
             <a:extLst>
               <a:ext uri="{FF2B5EF4-FFF2-40B4-BE49-F238E27FC236}">
-                <a16:creationId xmlns:a16="http://schemas.microsoft.com/office/drawing/2014/main" id="{607BE88F-AADC-BA4C-BF3B-E300F820ED32}"/>
+                <a16:creationId xmlns:a16="http://schemas.microsoft.com/office/drawing/2014/main" xmlns="" id="{607BE88F-AADC-BA4C-BF3B-E300F820ED32}"/>
               </a:ext>
             </a:extLst>
           </p:cNvPr>
@@ -8777,7 +9193,7 @@
           <p:cNvPr id="3" name="Content Placeholder 2">
             <a:extLst>
               <a:ext uri="{FF2B5EF4-FFF2-40B4-BE49-F238E27FC236}">
-                <a16:creationId xmlns:a16="http://schemas.microsoft.com/office/drawing/2014/main" id="{02F0A4A6-CB12-A24A-A35D-C94A020B3737}"/>
+                <a16:creationId xmlns:a16="http://schemas.microsoft.com/office/drawing/2014/main" xmlns="" id="{02F0A4A6-CB12-A24A-A35D-C94A020B3737}"/>
               </a:ext>
             </a:extLst>
           </p:cNvPr>
@@ -8805,7 +9221,23 @@
             </a:r>
             <a:r>
               <a:rPr lang="en-US" dirty="0"/>
-              <a:t>]) is O(m) so use rolling hash:</a:t>
+              <a:t>]) is O(m</a:t>
+            </a:r>
+            <a:r>
+              <a:rPr lang="en-US" dirty="0" smtClean="0"/>
+              <a:t>) for each </a:t>
+            </a:r>
+            <a:r>
+              <a:rPr lang="en-US" dirty="0" err="1" smtClean="0"/>
+              <a:t>i</a:t>
+            </a:r>
+            <a:r>
+              <a:rPr lang="en-US" dirty="0" smtClean="0"/>
+              <a:t>=1..n, </a:t>
+            </a:r>
+            <a:r>
+              <a:rPr lang="en-US" dirty="0"/>
+              <a:t>so use rolling hash:</a:t>
             </a:r>
           </a:p>
           <a:p>
@@ -8898,7 +9330,15 @@
           <a:p>
             <a:r>
               <a:rPr lang="en-US" dirty="0"/>
-              <a:t>What if search string s is very long? Could get expensive.</a:t>
+              <a:t>What if search string s is very long? Could </a:t>
+            </a:r>
+            <a:r>
+              <a:rPr lang="en-US" dirty="0" smtClean="0"/>
+              <a:t>still be </a:t>
+            </a:r>
+            <a:r>
+              <a:rPr lang="en-US" dirty="0"/>
+              <a:t>expensive.</a:t>
             </a:r>
           </a:p>
           <a:p>
@@ -8918,7 +9358,15 @@
           <a:p>
             <a:r>
               <a:rPr lang="en-US" dirty="0"/>
-              <a:t>Yes. I claim we can search for strings in doc in O(m) if we prepare a proper side data structure and you let me search for words instead of arbitrary strings</a:t>
+              <a:t>Yes. I claim we can search for strings in doc in O(m) if we prepare a proper side data </a:t>
+            </a:r>
+            <a:r>
+              <a:rPr lang="en-US" dirty="0" smtClean="0"/>
+              <a:t>structure beforehand </a:t>
+            </a:r>
+            <a:r>
+              <a:rPr lang="en-US" dirty="0"/>
+              <a:t>and you let me search for words instead of arbitrary strings</a:t>
             </a:r>
           </a:p>
           <a:p>
@@ -8934,7 +9382,7 @@
           <p:cNvPr id="4" name="Picture 3">
             <a:extLst>
               <a:ext uri="{FF2B5EF4-FFF2-40B4-BE49-F238E27FC236}">
-                <a16:creationId xmlns:a16="http://schemas.microsoft.com/office/drawing/2014/main" id="{DD5BA943-1861-2042-A967-90C4E57FE7CC}"/>
+                <a16:creationId xmlns:a16="http://schemas.microsoft.com/office/drawing/2014/main" xmlns="" id="{DD5BA943-1861-2042-A967-90C4E57FE7CC}"/>
               </a:ext>
             </a:extLst>
           </p:cNvPr>
@@ -8959,6 +9407,42 @@
           </a:prstGeom>
         </p:spPr>
       </p:pic>
+      <p:cxnSp>
+        <p:nvCxnSpPr>
+          <p:cNvPr id="6" name="Straight Arrow Connector 5"/>
+          <p:cNvCxnSpPr/>
+          <p:nvPr/>
+        </p:nvCxnSpPr>
+        <p:spPr>
+          <a:xfrm flipV="1">
+            <a:off x="7623018" y="1583472"/>
+            <a:ext cx="416459" cy="815696"/>
+          </a:xfrm>
+          <a:prstGeom prst="straightConnector1">
+            <a:avLst/>
+          </a:prstGeom>
+          <a:ln>
+            <a:solidFill>
+              <a:srgbClr val="E4754F"/>
+            </a:solidFill>
+            <a:tailEnd type="triangle"/>
+          </a:ln>
+        </p:spPr>
+        <p:style>
+          <a:lnRef idx="1">
+            <a:schemeClr val="accent1"/>
+          </a:lnRef>
+          <a:fillRef idx="0">
+            <a:schemeClr val="accent1"/>
+          </a:fillRef>
+          <a:effectRef idx="0">
+            <a:schemeClr val="accent1"/>
+          </a:effectRef>
+          <a:fontRef idx="minor">
+            <a:schemeClr val="tx1"/>
+          </a:fontRef>
+        </p:style>
+      </p:cxnSp>
     </p:spTree>
     <p:extLst>
       <p:ext uri="{BB962C8B-B14F-4D97-AF65-F5344CB8AC3E}">
@@ -8969,6 +9453,13 @@
   <p:clrMapOvr>
     <a:masterClrMapping/>
   </p:clrMapOvr>
+  <p:timing>
+    <p:tnLst>
+      <p:par>
+        <p:cTn id="1" dur="indefinite" restart="never" nodeType="tmRoot"/>
+      </p:par>
+    </p:tnLst>
+  </p:timing>
 </p:sld>
 </file>
 
@@ -8994,7 +9485,7 @@
           <p:cNvPr id="2" name="Title 1">
             <a:extLst>
               <a:ext uri="{FF2B5EF4-FFF2-40B4-BE49-F238E27FC236}">
-                <a16:creationId xmlns:a16="http://schemas.microsoft.com/office/drawing/2014/main" id="{CF41B61C-99D7-154B-9EBE-1EED80B410E3}"/>
+                <a16:creationId xmlns:a16="http://schemas.microsoft.com/office/drawing/2014/main" xmlns="" id="{CF41B61C-99D7-154B-9EBE-1EED80B410E3}"/>
               </a:ext>
             </a:extLst>
           </p:cNvPr>
@@ -9022,7 +9513,7 @@
           <p:cNvPr id="3" name="Content Placeholder 2">
             <a:extLst>
               <a:ext uri="{FF2B5EF4-FFF2-40B4-BE49-F238E27FC236}">
-                <a16:creationId xmlns:a16="http://schemas.microsoft.com/office/drawing/2014/main" id="{A7F6ED6B-73D0-064B-BCFD-979A3BDDFCAE}"/>
+                <a16:creationId xmlns:a16="http://schemas.microsoft.com/office/drawing/2014/main" xmlns="" id="{A7F6ED6B-73D0-064B-BCFD-979A3BDDFCAE}"/>
               </a:ext>
             </a:extLst>
           </p:cNvPr>
@@ -9088,7 +9579,15 @@
           <a:p>
             <a:r>
               <a:rPr lang="en-US" dirty="0"/>
-              <a:t>The key tells us how to navigate</a:t>
+              <a:t>The </a:t>
+            </a:r>
+            <a:r>
+              <a:rPr lang="en-US" dirty="0" smtClean="0"/>
+              <a:t>index says how </a:t>
+            </a:r>
+            <a:r>
+              <a:rPr lang="en-US" dirty="0"/>
+              <a:t>to navigate</a:t>
             </a:r>
           </a:p>
           <a:p>
@@ -9142,7 +9641,7 @@
           <p:cNvPr id="4" name="Picture 3">
             <a:extLst>
               <a:ext uri="{FF2B5EF4-FFF2-40B4-BE49-F238E27FC236}">
-                <a16:creationId xmlns:a16="http://schemas.microsoft.com/office/drawing/2014/main" id="{52DC0C7F-5F5D-B84C-AD5B-A5950F736CDF}"/>
+                <a16:creationId xmlns:a16="http://schemas.microsoft.com/office/drawing/2014/main" xmlns="" id="{52DC0C7F-5F5D-B84C-AD5B-A5950F736CDF}"/>
               </a:ext>
             </a:extLst>
           </p:cNvPr>
@@ -9172,7 +9671,7 @@
           <p:cNvPr id="5" name="TextBox 4">
             <a:extLst>
               <a:ext uri="{FF2B5EF4-FFF2-40B4-BE49-F238E27FC236}">
-                <a16:creationId xmlns:a16="http://schemas.microsoft.com/office/drawing/2014/main" id="{EE99548C-BBF5-2441-B596-130872DC60DB}"/>
+                <a16:creationId xmlns:a16="http://schemas.microsoft.com/office/drawing/2014/main" xmlns="" id="{EE99548C-BBF5-2441-B596-130872DC60DB}"/>
               </a:ext>
             </a:extLst>
           </p:cNvPr>

--- a/notes/searching.pptx
+++ b/notes/searching.pptx
@@ -225,7 +225,7 @@
           <a:p>
             <a:fld id="{8A1B613A-EFF1-404F-BEE8-EFAE84A4E5E2}" type="datetimeFigureOut">
               <a:rPr lang="en-US" smtClean="0"/>
-              <a:t>2/19/20</a:t>
+              <a:t>2/20/20</a:t>
             </a:fld>
             <a:endParaRPr lang="en-US"/>
           </a:p>
@@ -390,7 +390,7 @@
           <a:p>
             <a:fld id="{690847EA-AC25-3D4E-89E1-FD3F6A9702B6}" type="datetimeFigureOut">
               <a:rPr lang="en-US" smtClean="0"/>
-              <a:t>2/19/20</a:t>
+              <a:t>2/20/20</a:t>
             </a:fld>
             <a:endParaRPr lang="en-US"/>
           </a:p>
@@ -679,7 +679,7 @@
           <p:cNvPr id="2" name="Title 1">
             <a:extLst>
               <a:ext uri="{FF2B5EF4-FFF2-40B4-BE49-F238E27FC236}">
-                <a16:creationId xmlns:a16="http://schemas.microsoft.com/office/drawing/2014/main" xmlns="" id="{FCECE00E-B2E2-4D43-8A21-E17BBDC017E1}"/>
+                <a16:creationId xmlns:a16="http://schemas.microsoft.com/office/drawing/2014/main" id="{FCECE00E-B2E2-4D43-8A21-E17BBDC017E1}"/>
               </a:ext>
             </a:extLst>
           </p:cNvPr>
@@ -716,7 +716,7 @@
           <p:cNvPr id="3" name="Subtitle 2">
             <a:extLst>
               <a:ext uri="{FF2B5EF4-FFF2-40B4-BE49-F238E27FC236}">
-                <a16:creationId xmlns:a16="http://schemas.microsoft.com/office/drawing/2014/main" xmlns="" id="{0C4C7E7C-3478-264C-BF00-D75996D63509}"/>
+                <a16:creationId xmlns:a16="http://schemas.microsoft.com/office/drawing/2014/main" id="{0C4C7E7C-3478-264C-BF00-D75996D63509}"/>
               </a:ext>
             </a:extLst>
           </p:cNvPr>
@@ -786,7 +786,7 @@
           <p:cNvPr id="4" name="Date Placeholder 3">
             <a:extLst>
               <a:ext uri="{FF2B5EF4-FFF2-40B4-BE49-F238E27FC236}">
-                <a16:creationId xmlns:a16="http://schemas.microsoft.com/office/drawing/2014/main" xmlns="" id="{64E1EB94-602A-4843-8753-4DB51430704B}"/>
+                <a16:creationId xmlns:a16="http://schemas.microsoft.com/office/drawing/2014/main" id="{64E1EB94-602A-4843-8753-4DB51430704B}"/>
               </a:ext>
             </a:extLst>
           </p:cNvPr>
@@ -804,7 +804,7 @@
           <a:p>
             <a:fld id="{BE5295ED-3BAF-1140-8495-3D368771D6B1}" type="datetimeFigureOut">
               <a:rPr lang="en-US" smtClean="0"/>
-              <a:t>2/19/20</a:t>
+              <a:t>2/20/20</a:t>
             </a:fld>
             <a:endParaRPr lang="en-US"/>
           </a:p>
@@ -815,7 +815,7 @@
           <p:cNvPr id="5" name="Footer Placeholder 4">
             <a:extLst>
               <a:ext uri="{FF2B5EF4-FFF2-40B4-BE49-F238E27FC236}">
-                <a16:creationId xmlns:a16="http://schemas.microsoft.com/office/drawing/2014/main" xmlns="" id="{FF136E26-0E46-B848-BBFC-A0D2BFA17F33}"/>
+                <a16:creationId xmlns:a16="http://schemas.microsoft.com/office/drawing/2014/main" id="{FF136E26-0E46-B848-BBFC-A0D2BFA17F33}"/>
               </a:ext>
             </a:extLst>
           </p:cNvPr>
@@ -840,7 +840,7 @@
           <p:cNvPr id="6" name="Slide Number Placeholder 5">
             <a:extLst>
               <a:ext uri="{FF2B5EF4-FFF2-40B4-BE49-F238E27FC236}">
-                <a16:creationId xmlns:a16="http://schemas.microsoft.com/office/drawing/2014/main" xmlns="" id="{CEAD4217-442E-6C4A-8D0F-CADFE9EACB6D}"/>
+                <a16:creationId xmlns:a16="http://schemas.microsoft.com/office/drawing/2014/main" id="{CEAD4217-442E-6C4A-8D0F-CADFE9EACB6D}"/>
               </a:ext>
             </a:extLst>
           </p:cNvPr>
@@ -899,7 +899,7 @@
           <p:cNvPr id="2" name="Title 1">
             <a:extLst>
               <a:ext uri="{FF2B5EF4-FFF2-40B4-BE49-F238E27FC236}">
-                <a16:creationId xmlns:a16="http://schemas.microsoft.com/office/drawing/2014/main" xmlns="" id="{F416C72F-B1B5-6442-B3EF-170DEDF83067}"/>
+                <a16:creationId xmlns:a16="http://schemas.microsoft.com/office/drawing/2014/main" id="{F416C72F-B1B5-6442-B3EF-170DEDF83067}"/>
               </a:ext>
             </a:extLst>
           </p:cNvPr>
@@ -927,7 +927,7 @@
           <p:cNvPr id="3" name="Vertical Text Placeholder 2">
             <a:extLst>
               <a:ext uri="{FF2B5EF4-FFF2-40B4-BE49-F238E27FC236}">
-                <a16:creationId xmlns:a16="http://schemas.microsoft.com/office/drawing/2014/main" xmlns="" id="{19182C6A-7EA1-C840-86BB-65DF578F4F4B}"/>
+                <a16:creationId xmlns:a16="http://schemas.microsoft.com/office/drawing/2014/main" id="{19182C6A-7EA1-C840-86BB-65DF578F4F4B}"/>
               </a:ext>
             </a:extLst>
           </p:cNvPr>
@@ -984,7 +984,7 @@
           <p:cNvPr id="4" name="Date Placeholder 3">
             <a:extLst>
               <a:ext uri="{FF2B5EF4-FFF2-40B4-BE49-F238E27FC236}">
-                <a16:creationId xmlns:a16="http://schemas.microsoft.com/office/drawing/2014/main" xmlns="" id="{DBCD3C4B-E6D4-B140-8126-90FD013DE38A}"/>
+                <a16:creationId xmlns:a16="http://schemas.microsoft.com/office/drawing/2014/main" id="{DBCD3C4B-E6D4-B140-8126-90FD013DE38A}"/>
               </a:ext>
             </a:extLst>
           </p:cNvPr>
@@ -1002,7 +1002,7 @@
           <a:p>
             <a:fld id="{BE5295ED-3BAF-1140-8495-3D368771D6B1}" type="datetimeFigureOut">
               <a:rPr lang="en-US" smtClean="0"/>
-              <a:t>2/19/20</a:t>
+              <a:t>2/20/20</a:t>
             </a:fld>
             <a:endParaRPr lang="en-US"/>
           </a:p>
@@ -1013,7 +1013,7 @@
           <p:cNvPr id="5" name="Footer Placeholder 4">
             <a:extLst>
               <a:ext uri="{FF2B5EF4-FFF2-40B4-BE49-F238E27FC236}">
-                <a16:creationId xmlns:a16="http://schemas.microsoft.com/office/drawing/2014/main" xmlns="" id="{E26FD8A5-25AB-2742-9333-F1864AA98C6D}"/>
+                <a16:creationId xmlns:a16="http://schemas.microsoft.com/office/drawing/2014/main" id="{E26FD8A5-25AB-2742-9333-F1864AA98C6D}"/>
               </a:ext>
             </a:extLst>
           </p:cNvPr>
@@ -1038,7 +1038,7 @@
           <p:cNvPr id="6" name="Slide Number Placeholder 5">
             <a:extLst>
               <a:ext uri="{FF2B5EF4-FFF2-40B4-BE49-F238E27FC236}">
-                <a16:creationId xmlns:a16="http://schemas.microsoft.com/office/drawing/2014/main" xmlns="" id="{B4FFBFCA-F2F7-544E-BB46-A887273990B8}"/>
+                <a16:creationId xmlns:a16="http://schemas.microsoft.com/office/drawing/2014/main" id="{B4FFBFCA-F2F7-544E-BB46-A887273990B8}"/>
               </a:ext>
             </a:extLst>
           </p:cNvPr>
@@ -1097,7 +1097,7 @@
           <p:cNvPr id="2" name="Vertical Title 1">
             <a:extLst>
               <a:ext uri="{FF2B5EF4-FFF2-40B4-BE49-F238E27FC236}">
-                <a16:creationId xmlns:a16="http://schemas.microsoft.com/office/drawing/2014/main" xmlns="" id="{A54E5286-71CD-184D-922F-2C587370C871}"/>
+                <a16:creationId xmlns:a16="http://schemas.microsoft.com/office/drawing/2014/main" id="{A54E5286-71CD-184D-922F-2C587370C871}"/>
               </a:ext>
             </a:extLst>
           </p:cNvPr>
@@ -1130,7 +1130,7 @@
           <p:cNvPr id="3" name="Vertical Text Placeholder 2">
             <a:extLst>
               <a:ext uri="{FF2B5EF4-FFF2-40B4-BE49-F238E27FC236}">
-                <a16:creationId xmlns:a16="http://schemas.microsoft.com/office/drawing/2014/main" xmlns="" id="{8E6C93D7-83D1-8740-A256-2B405524A089}"/>
+                <a16:creationId xmlns:a16="http://schemas.microsoft.com/office/drawing/2014/main" id="{8E6C93D7-83D1-8740-A256-2B405524A089}"/>
               </a:ext>
             </a:extLst>
           </p:cNvPr>
@@ -1192,7 +1192,7 @@
           <p:cNvPr id="4" name="Date Placeholder 3">
             <a:extLst>
               <a:ext uri="{FF2B5EF4-FFF2-40B4-BE49-F238E27FC236}">
-                <a16:creationId xmlns:a16="http://schemas.microsoft.com/office/drawing/2014/main" xmlns="" id="{C7CCB8DC-90E9-1D49-B70B-5103FBBD3972}"/>
+                <a16:creationId xmlns:a16="http://schemas.microsoft.com/office/drawing/2014/main" id="{C7CCB8DC-90E9-1D49-B70B-5103FBBD3972}"/>
               </a:ext>
             </a:extLst>
           </p:cNvPr>
@@ -1210,7 +1210,7 @@
           <a:p>
             <a:fld id="{BE5295ED-3BAF-1140-8495-3D368771D6B1}" type="datetimeFigureOut">
               <a:rPr lang="en-US" smtClean="0"/>
-              <a:t>2/19/20</a:t>
+              <a:t>2/20/20</a:t>
             </a:fld>
             <a:endParaRPr lang="en-US"/>
           </a:p>
@@ -1221,7 +1221,7 @@
           <p:cNvPr id="5" name="Footer Placeholder 4">
             <a:extLst>
               <a:ext uri="{FF2B5EF4-FFF2-40B4-BE49-F238E27FC236}">
-                <a16:creationId xmlns:a16="http://schemas.microsoft.com/office/drawing/2014/main" xmlns="" id="{0997D847-8768-9843-9B66-E6B3989BA3D2}"/>
+                <a16:creationId xmlns:a16="http://schemas.microsoft.com/office/drawing/2014/main" id="{0997D847-8768-9843-9B66-E6B3989BA3D2}"/>
               </a:ext>
             </a:extLst>
           </p:cNvPr>
@@ -1246,7 +1246,7 @@
           <p:cNvPr id="6" name="Slide Number Placeholder 5">
             <a:extLst>
               <a:ext uri="{FF2B5EF4-FFF2-40B4-BE49-F238E27FC236}">
-                <a16:creationId xmlns:a16="http://schemas.microsoft.com/office/drawing/2014/main" xmlns="" id="{8E82CB94-E0A6-3E47-9F30-8DEB64C2027C}"/>
+                <a16:creationId xmlns:a16="http://schemas.microsoft.com/office/drawing/2014/main" id="{8E82CB94-E0A6-3E47-9F30-8DEB64C2027C}"/>
               </a:ext>
             </a:extLst>
           </p:cNvPr>
@@ -1305,7 +1305,7 @@
           <p:cNvPr id="2" name="Title 1">
             <a:extLst>
               <a:ext uri="{FF2B5EF4-FFF2-40B4-BE49-F238E27FC236}">
-                <a16:creationId xmlns:a16="http://schemas.microsoft.com/office/drawing/2014/main" xmlns="" id="{B8842375-E5EF-4D4E-AFD0-A94090E7DB29}"/>
+                <a16:creationId xmlns:a16="http://schemas.microsoft.com/office/drawing/2014/main" id="{B8842375-E5EF-4D4E-AFD0-A94090E7DB29}"/>
               </a:ext>
             </a:extLst>
           </p:cNvPr>
@@ -1333,7 +1333,7 @@
           <p:cNvPr id="3" name="Content Placeholder 2">
             <a:extLst>
               <a:ext uri="{FF2B5EF4-FFF2-40B4-BE49-F238E27FC236}">
-                <a16:creationId xmlns:a16="http://schemas.microsoft.com/office/drawing/2014/main" xmlns="" id="{F366F610-FF9B-2A4B-8E35-314B0D78D9D8}"/>
+                <a16:creationId xmlns:a16="http://schemas.microsoft.com/office/drawing/2014/main" id="{F366F610-FF9B-2A4B-8E35-314B0D78D9D8}"/>
               </a:ext>
             </a:extLst>
           </p:cNvPr>
@@ -1390,7 +1390,7 @@
           <p:cNvPr id="4" name="Date Placeholder 3">
             <a:extLst>
               <a:ext uri="{FF2B5EF4-FFF2-40B4-BE49-F238E27FC236}">
-                <a16:creationId xmlns:a16="http://schemas.microsoft.com/office/drawing/2014/main" xmlns="" id="{1561E808-F7D2-E84B-8CD4-83F18272EA72}"/>
+                <a16:creationId xmlns:a16="http://schemas.microsoft.com/office/drawing/2014/main" id="{1561E808-F7D2-E84B-8CD4-83F18272EA72}"/>
               </a:ext>
             </a:extLst>
           </p:cNvPr>
@@ -1408,7 +1408,7 @@
           <a:p>
             <a:fld id="{BE5295ED-3BAF-1140-8495-3D368771D6B1}" type="datetimeFigureOut">
               <a:rPr lang="en-US" smtClean="0"/>
-              <a:t>2/19/20</a:t>
+              <a:t>2/20/20</a:t>
             </a:fld>
             <a:endParaRPr lang="en-US"/>
           </a:p>
@@ -1419,7 +1419,7 @@
           <p:cNvPr id="5" name="Footer Placeholder 4">
             <a:extLst>
               <a:ext uri="{FF2B5EF4-FFF2-40B4-BE49-F238E27FC236}">
-                <a16:creationId xmlns:a16="http://schemas.microsoft.com/office/drawing/2014/main" xmlns="" id="{7B3AD9A1-B1EC-984E-A23E-0ECF6F652482}"/>
+                <a16:creationId xmlns:a16="http://schemas.microsoft.com/office/drawing/2014/main" id="{7B3AD9A1-B1EC-984E-A23E-0ECF6F652482}"/>
               </a:ext>
             </a:extLst>
           </p:cNvPr>
@@ -1444,7 +1444,7 @@
           <p:cNvPr id="6" name="Slide Number Placeholder 5">
             <a:extLst>
               <a:ext uri="{FF2B5EF4-FFF2-40B4-BE49-F238E27FC236}">
-                <a16:creationId xmlns:a16="http://schemas.microsoft.com/office/drawing/2014/main" xmlns="" id="{01BFD94D-9604-2A43-AADF-14B0876B6EBB}"/>
+                <a16:creationId xmlns:a16="http://schemas.microsoft.com/office/drawing/2014/main" id="{01BFD94D-9604-2A43-AADF-14B0876B6EBB}"/>
               </a:ext>
             </a:extLst>
           </p:cNvPr>
@@ -1503,7 +1503,7 @@
           <p:cNvPr id="2" name="Title 1">
             <a:extLst>
               <a:ext uri="{FF2B5EF4-FFF2-40B4-BE49-F238E27FC236}">
-                <a16:creationId xmlns:a16="http://schemas.microsoft.com/office/drawing/2014/main" xmlns="" id="{771589AC-2242-B445-BBEA-95D500596EE6}"/>
+                <a16:creationId xmlns:a16="http://schemas.microsoft.com/office/drawing/2014/main" id="{771589AC-2242-B445-BBEA-95D500596EE6}"/>
               </a:ext>
             </a:extLst>
           </p:cNvPr>
@@ -1540,7 +1540,7 @@
           <p:cNvPr id="3" name="Text Placeholder 2">
             <a:extLst>
               <a:ext uri="{FF2B5EF4-FFF2-40B4-BE49-F238E27FC236}">
-                <a16:creationId xmlns:a16="http://schemas.microsoft.com/office/drawing/2014/main" xmlns="" id="{255D194C-D171-4B45-BA38-8D16CD1C3449}"/>
+                <a16:creationId xmlns:a16="http://schemas.microsoft.com/office/drawing/2014/main" id="{255D194C-D171-4B45-BA38-8D16CD1C3449}"/>
               </a:ext>
             </a:extLst>
           </p:cNvPr>
@@ -1665,7 +1665,7 @@
           <p:cNvPr id="4" name="Date Placeholder 3">
             <a:extLst>
               <a:ext uri="{FF2B5EF4-FFF2-40B4-BE49-F238E27FC236}">
-                <a16:creationId xmlns:a16="http://schemas.microsoft.com/office/drawing/2014/main" xmlns="" id="{68A38244-2F9E-AB4A-B300-488462389FF9}"/>
+                <a16:creationId xmlns:a16="http://schemas.microsoft.com/office/drawing/2014/main" id="{68A38244-2F9E-AB4A-B300-488462389FF9}"/>
               </a:ext>
             </a:extLst>
           </p:cNvPr>
@@ -1683,7 +1683,7 @@
           <a:p>
             <a:fld id="{BE5295ED-3BAF-1140-8495-3D368771D6B1}" type="datetimeFigureOut">
               <a:rPr lang="en-US" smtClean="0"/>
-              <a:t>2/19/20</a:t>
+              <a:t>2/20/20</a:t>
             </a:fld>
             <a:endParaRPr lang="en-US"/>
           </a:p>
@@ -1694,7 +1694,7 @@
           <p:cNvPr id="5" name="Footer Placeholder 4">
             <a:extLst>
               <a:ext uri="{FF2B5EF4-FFF2-40B4-BE49-F238E27FC236}">
-                <a16:creationId xmlns:a16="http://schemas.microsoft.com/office/drawing/2014/main" xmlns="" id="{B33A7B5A-1475-C94F-AD18-1726D2BA89C2}"/>
+                <a16:creationId xmlns:a16="http://schemas.microsoft.com/office/drawing/2014/main" id="{B33A7B5A-1475-C94F-AD18-1726D2BA89C2}"/>
               </a:ext>
             </a:extLst>
           </p:cNvPr>
@@ -1719,7 +1719,7 @@
           <p:cNvPr id="6" name="Slide Number Placeholder 5">
             <a:extLst>
               <a:ext uri="{FF2B5EF4-FFF2-40B4-BE49-F238E27FC236}">
-                <a16:creationId xmlns:a16="http://schemas.microsoft.com/office/drawing/2014/main" xmlns="" id="{8069DDF6-CCE5-3946-8A72-14D318AB4D22}"/>
+                <a16:creationId xmlns:a16="http://schemas.microsoft.com/office/drawing/2014/main" id="{8069DDF6-CCE5-3946-8A72-14D318AB4D22}"/>
               </a:ext>
             </a:extLst>
           </p:cNvPr>
@@ -1778,7 +1778,7 @@
           <p:cNvPr id="2" name="Title 1">
             <a:extLst>
               <a:ext uri="{FF2B5EF4-FFF2-40B4-BE49-F238E27FC236}">
-                <a16:creationId xmlns:a16="http://schemas.microsoft.com/office/drawing/2014/main" xmlns="" id="{AC1D2791-2196-8F4F-AD62-59B19A8810A3}"/>
+                <a16:creationId xmlns:a16="http://schemas.microsoft.com/office/drawing/2014/main" id="{AC1D2791-2196-8F4F-AD62-59B19A8810A3}"/>
               </a:ext>
             </a:extLst>
           </p:cNvPr>
@@ -1806,7 +1806,7 @@
           <p:cNvPr id="3" name="Content Placeholder 2">
             <a:extLst>
               <a:ext uri="{FF2B5EF4-FFF2-40B4-BE49-F238E27FC236}">
-                <a16:creationId xmlns:a16="http://schemas.microsoft.com/office/drawing/2014/main" xmlns="" id="{3962F23A-0A28-6141-B0BF-D7B92C213877}"/>
+                <a16:creationId xmlns:a16="http://schemas.microsoft.com/office/drawing/2014/main" id="{3962F23A-0A28-6141-B0BF-D7B92C213877}"/>
               </a:ext>
             </a:extLst>
           </p:cNvPr>
@@ -1868,7 +1868,7 @@
           <p:cNvPr id="4" name="Content Placeholder 3">
             <a:extLst>
               <a:ext uri="{FF2B5EF4-FFF2-40B4-BE49-F238E27FC236}">
-                <a16:creationId xmlns:a16="http://schemas.microsoft.com/office/drawing/2014/main" xmlns="" id="{C36DF3E7-529D-1C40-B815-3C505F4D107E}"/>
+                <a16:creationId xmlns:a16="http://schemas.microsoft.com/office/drawing/2014/main" id="{C36DF3E7-529D-1C40-B815-3C505F4D107E}"/>
               </a:ext>
             </a:extLst>
           </p:cNvPr>
@@ -1930,7 +1930,7 @@
           <p:cNvPr id="5" name="Date Placeholder 4">
             <a:extLst>
               <a:ext uri="{FF2B5EF4-FFF2-40B4-BE49-F238E27FC236}">
-                <a16:creationId xmlns:a16="http://schemas.microsoft.com/office/drawing/2014/main" xmlns="" id="{ECFEE966-F172-8C42-A9F6-013C2A368C90}"/>
+                <a16:creationId xmlns:a16="http://schemas.microsoft.com/office/drawing/2014/main" id="{ECFEE966-F172-8C42-A9F6-013C2A368C90}"/>
               </a:ext>
             </a:extLst>
           </p:cNvPr>
@@ -1948,7 +1948,7 @@
           <a:p>
             <a:fld id="{BE5295ED-3BAF-1140-8495-3D368771D6B1}" type="datetimeFigureOut">
               <a:rPr lang="en-US" smtClean="0"/>
-              <a:t>2/19/20</a:t>
+              <a:t>2/20/20</a:t>
             </a:fld>
             <a:endParaRPr lang="en-US"/>
           </a:p>
@@ -1959,7 +1959,7 @@
           <p:cNvPr id="6" name="Footer Placeholder 5">
             <a:extLst>
               <a:ext uri="{FF2B5EF4-FFF2-40B4-BE49-F238E27FC236}">
-                <a16:creationId xmlns:a16="http://schemas.microsoft.com/office/drawing/2014/main" xmlns="" id="{54FDED73-DCFA-6648-B65F-CBEDB1D3556B}"/>
+                <a16:creationId xmlns:a16="http://schemas.microsoft.com/office/drawing/2014/main" id="{54FDED73-DCFA-6648-B65F-CBEDB1D3556B}"/>
               </a:ext>
             </a:extLst>
           </p:cNvPr>
@@ -1984,7 +1984,7 @@
           <p:cNvPr id="7" name="Slide Number Placeholder 6">
             <a:extLst>
               <a:ext uri="{FF2B5EF4-FFF2-40B4-BE49-F238E27FC236}">
-                <a16:creationId xmlns:a16="http://schemas.microsoft.com/office/drawing/2014/main" xmlns="" id="{F3D072AD-ADC5-2943-B36C-F14AE6555C55}"/>
+                <a16:creationId xmlns:a16="http://schemas.microsoft.com/office/drawing/2014/main" id="{F3D072AD-ADC5-2943-B36C-F14AE6555C55}"/>
               </a:ext>
             </a:extLst>
           </p:cNvPr>
@@ -2043,7 +2043,7 @@
           <p:cNvPr id="2" name="Title 1">
             <a:extLst>
               <a:ext uri="{FF2B5EF4-FFF2-40B4-BE49-F238E27FC236}">
-                <a16:creationId xmlns:a16="http://schemas.microsoft.com/office/drawing/2014/main" xmlns="" id="{478E3FB4-66D6-9040-98CF-3DE68ABAAB18}"/>
+                <a16:creationId xmlns:a16="http://schemas.microsoft.com/office/drawing/2014/main" id="{478E3FB4-66D6-9040-98CF-3DE68ABAAB18}"/>
               </a:ext>
             </a:extLst>
           </p:cNvPr>
@@ -2076,7 +2076,7 @@
           <p:cNvPr id="3" name="Text Placeholder 2">
             <a:extLst>
               <a:ext uri="{FF2B5EF4-FFF2-40B4-BE49-F238E27FC236}">
-                <a16:creationId xmlns:a16="http://schemas.microsoft.com/office/drawing/2014/main" xmlns="" id="{C3B9CBA2-D589-E342-B02C-AFD0528E353B}"/>
+                <a16:creationId xmlns:a16="http://schemas.microsoft.com/office/drawing/2014/main" id="{C3B9CBA2-D589-E342-B02C-AFD0528E353B}"/>
               </a:ext>
             </a:extLst>
           </p:cNvPr>
@@ -2147,7 +2147,7 @@
           <p:cNvPr id="4" name="Content Placeholder 3">
             <a:extLst>
               <a:ext uri="{FF2B5EF4-FFF2-40B4-BE49-F238E27FC236}">
-                <a16:creationId xmlns:a16="http://schemas.microsoft.com/office/drawing/2014/main" xmlns="" id="{F570E95A-9A57-7F42-A0D4-A9C36B16D13C}"/>
+                <a16:creationId xmlns:a16="http://schemas.microsoft.com/office/drawing/2014/main" id="{F570E95A-9A57-7F42-A0D4-A9C36B16D13C}"/>
               </a:ext>
             </a:extLst>
           </p:cNvPr>
@@ -2209,7 +2209,7 @@
           <p:cNvPr id="5" name="Text Placeholder 4">
             <a:extLst>
               <a:ext uri="{FF2B5EF4-FFF2-40B4-BE49-F238E27FC236}">
-                <a16:creationId xmlns:a16="http://schemas.microsoft.com/office/drawing/2014/main" xmlns="" id="{B6A72F40-C7A9-CC45-82FB-CCCE1FE08B0B}"/>
+                <a16:creationId xmlns:a16="http://schemas.microsoft.com/office/drawing/2014/main" id="{B6A72F40-C7A9-CC45-82FB-CCCE1FE08B0B}"/>
               </a:ext>
             </a:extLst>
           </p:cNvPr>
@@ -2280,7 +2280,7 @@
           <p:cNvPr id="6" name="Content Placeholder 5">
             <a:extLst>
               <a:ext uri="{FF2B5EF4-FFF2-40B4-BE49-F238E27FC236}">
-                <a16:creationId xmlns:a16="http://schemas.microsoft.com/office/drawing/2014/main" xmlns="" id="{9FDA6D2A-2E9D-714C-B9CB-D0F9D788FCD3}"/>
+                <a16:creationId xmlns:a16="http://schemas.microsoft.com/office/drawing/2014/main" id="{9FDA6D2A-2E9D-714C-B9CB-D0F9D788FCD3}"/>
               </a:ext>
             </a:extLst>
           </p:cNvPr>
@@ -2342,7 +2342,7 @@
           <p:cNvPr id="7" name="Date Placeholder 6">
             <a:extLst>
               <a:ext uri="{FF2B5EF4-FFF2-40B4-BE49-F238E27FC236}">
-                <a16:creationId xmlns:a16="http://schemas.microsoft.com/office/drawing/2014/main" xmlns="" id="{1B7F3C0C-4D75-9C49-9075-FA8B3D33CF9B}"/>
+                <a16:creationId xmlns:a16="http://schemas.microsoft.com/office/drawing/2014/main" id="{1B7F3C0C-4D75-9C49-9075-FA8B3D33CF9B}"/>
               </a:ext>
             </a:extLst>
           </p:cNvPr>
@@ -2360,7 +2360,7 @@
           <a:p>
             <a:fld id="{BE5295ED-3BAF-1140-8495-3D368771D6B1}" type="datetimeFigureOut">
               <a:rPr lang="en-US" smtClean="0"/>
-              <a:t>2/19/20</a:t>
+              <a:t>2/20/20</a:t>
             </a:fld>
             <a:endParaRPr lang="en-US"/>
           </a:p>
@@ -2371,7 +2371,7 @@
           <p:cNvPr id="8" name="Footer Placeholder 7">
             <a:extLst>
               <a:ext uri="{FF2B5EF4-FFF2-40B4-BE49-F238E27FC236}">
-                <a16:creationId xmlns:a16="http://schemas.microsoft.com/office/drawing/2014/main" xmlns="" id="{9788C8FA-359A-5447-AA0E-98D16ECCC92D}"/>
+                <a16:creationId xmlns:a16="http://schemas.microsoft.com/office/drawing/2014/main" id="{9788C8FA-359A-5447-AA0E-98D16ECCC92D}"/>
               </a:ext>
             </a:extLst>
           </p:cNvPr>
@@ -2396,7 +2396,7 @@
           <p:cNvPr id="9" name="Slide Number Placeholder 8">
             <a:extLst>
               <a:ext uri="{FF2B5EF4-FFF2-40B4-BE49-F238E27FC236}">
-                <a16:creationId xmlns:a16="http://schemas.microsoft.com/office/drawing/2014/main" xmlns="" id="{3D69C8CD-0DF6-4E4C-A412-31B03845FA24}"/>
+                <a16:creationId xmlns:a16="http://schemas.microsoft.com/office/drawing/2014/main" id="{3D69C8CD-0DF6-4E4C-A412-31B03845FA24}"/>
               </a:ext>
             </a:extLst>
           </p:cNvPr>
@@ -2455,7 +2455,7 @@
           <p:cNvPr id="2" name="Title 1">
             <a:extLst>
               <a:ext uri="{FF2B5EF4-FFF2-40B4-BE49-F238E27FC236}">
-                <a16:creationId xmlns:a16="http://schemas.microsoft.com/office/drawing/2014/main" xmlns="" id="{13C48C8E-A743-0B4F-AB6E-AB828F1218C8}"/>
+                <a16:creationId xmlns:a16="http://schemas.microsoft.com/office/drawing/2014/main" id="{13C48C8E-A743-0B4F-AB6E-AB828F1218C8}"/>
               </a:ext>
             </a:extLst>
           </p:cNvPr>
@@ -2483,7 +2483,7 @@
           <p:cNvPr id="3" name="Date Placeholder 2">
             <a:extLst>
               <a:ext uri="{FF2B5EF4-FFF2-40B4-BE49-F238E27FC236}">
-                <a16:creationId xmlns:a16="http://schemas.microsoft.com/office/drawing/2014/main" xmlns="" id="{70FAB17F-6D86-B147-9346-A9B5242FC803}"/>
+                <a16:creationId xmlns:a16="http://schemas.microsoft.com/office/drawing/2014/main" id="{70FAB17F-6D86-B147-9346-A9B5242FC803}"/>
               </a:ext>
             </a:extLst>
           </p:cNvPr>
@@ -2501,7 +2501,7 @@
           <a:p>
             <a:fld id="{BE5295ED-3BAF-1140-8495-3D368771D6B1}" type="datetimeFigureOut">
               <a:rPr lang="en-US" smtClean="0"/>
-              <a:t>2/19/20</a:t>
+              <a:t>2/20/20</a:t>
             </a:fld>
             <a:endParaRPr lang="en-US"/>
           </a:p>
@@ -2512,7 +2512,7 @@
           <p:cNvPr id="4" name="Footer Placeholder 3">
             <a:extLst>
               <a:ext uri="{FF2B5EF4-FFF2-40B4-BE49-F238E27FC236}">
-                <a16:creationId xmlns:a16="http://schemas.microsoft.com/office/drawing/2014/main" xmlns="" id="{4B8A6F49-DCD7-7B4B-8496-2547B2A81C83}"/>
+                <a16:creationId xmlns:a16="http://schemas.microsoft.com/office/drawing/2014/main" id="{4B8A6F49-DCD7-7B4B-8496-2547B2A81C83}"/>
               </a:ext>
             </a:extLst>
           </p:cNvPr>
@@ -2537,7 +2537,7 @@
           <p:cNvPr id="5" name="Slide Number Placeholder 4">
             <a:extLst>
               <a:ext uri="{FF2B5EF4-FFF2-40B4-BE49-F238E27FC236}">
-                <a16:creationId xmlns:a16="http://schemas.microsoft.com/office/drawing/2014/main" xmlns="" id="{D4D1F89D-8541-BB4B-A145-D0DC66605C91}"/>
+                <a16:creationId xmlns:a16="http://schemas.microsoft.com/office/drawing/2014/main" id="{D4D1F89D-8541-BB4B-A145-D0DC66605C91}"/>
               </a:ext>
             </a:extLst>
           </p:cNvPr>
@@ -2596,7 +2596,7 @@
           <p:cNvPr id="2" name="Date Placeholder 1">
             <a:extLst>
               <a:ext uri="{FF2B5EF4-FFF2-40B4-BE49-F238E27FC236}">
-                <a16:creationId xmlns:a16="http://schemas.microsoft.com/office/drawing/2014/main" xmlns="" id="{AD68AA44-A589-744E-AB85-5B6ED8E7D8C0}"/>
+                <a16:creationId xmlns:a16="http://schemas.microsoft.com/office/drawing/2014/main" id="{AD68AA44-A589-744E-AB85-5B6ED8E7D8C0}"/>
               </a:ext>
             </a:extLst>
           </p:cNvPr>
@@ -2614,7 +2614,7 @@
           <a:p>
             <a:fld id="{BE5295ED-3BAF-1140-8495-3D368771D6B1}" type="datetimeFigureOut">
               <a:rPr lang="en-US" smtClean="0"/>
-              <a:t>2/19/20</a:t>
+              <a:t>2/20/20</a:t>
             </a:fld>
             <a:endParaRPr lang="en-US"/>
           </a:p>
@@ -2625,7 +2625,7 @@
           <p:cNvPr id="3" name="Footer Placeholder 2">
             <a:extLst>
               <a:ext uri="{FF2B5EF4-FFF2-40B4-BE49-F238E27FC236}">
-                <a16:creationId xmlns:a16="http://schemas.microsoft.com/office/drawing/2014/main" xmlns="" id="{1CA0E6D3-947A-FA4D-8626-2883D14EFE8D}"/>
+                <a16:creationId xmlns:a16="http://schemas.microsoft.com/office/drawing/2014/main" id="{1CA0E6D3-947A-FA4D-8626-2883D14EFE8D}"/>
               </a:ext>
             </a:extLst>
           </p:cNvPr>
@@ -2650,7 +2650,7 @@
           <p:cNvPr id="4" name="Slide Number Placeholder 3">
             <a:extLst>
               <a:ext uri="{FF2B5EF4-FFF2-40B4-BE49-F238E27FC236}">
-                <a16:creationId xmlns:a16="http://schemas.microsoft.com/office/drawing/2014/main" xmlns="" id="{5BF0953F-E6D0-2240-B174-03015D0856A8}"/>
+                <a16:creationId xmlns:a16="http://schemas.microsoft.com/office/drawing/2014/main" id="{5BF0953F-E6D0-2240-B174-03015D0856A8}"/>
               </a:ext>
             </a:extLst>
           </p:cNvPr>
@@ -2709,7 +2709,7 @@
           <p:cNvPr id="2" name="Title 1">
             <a:extLst>
               <a:ext uri="{FF2B5EF4-FFF2-40B4-BE49-F238E27FC236}">
-                <a16:creationId xmlns:a16="http://schemas.microsoft.com/office/drawing/2014/main" xmlns="" id="{26FFD677-FF02-3E4E-8E32-44D146E24D90}"/>
+                <a16:creationId xmlns:a16="http://schemas.microsoft.com/office/drawing/2014/main" id="{26FFD677-FF02-3E4E-8E32-44D146E24D90}"/>
               </a:ext>
             </a:extLst>
           </p:cNvPr>
@@ -2746,7 +2746,7 @@
           <p:cNvPr id="3" name="Content Placeholder 2">
             <a:extLst>
               <a:ext uri="{FF2B5EF4-FFF2-40B4-BE49-F238E27FC236}">
-                <a16:creationId xmlns:a16="http://schemas.microsoft.com/office/drawing/2014/main" xmlns="" id="{9942170F-E10D-1348-86CE-8E869B806F9B}"/>
+                <a16:creationId xmlns:a16="http://schemas.microsoft.com/office/drawing/2014/main" id="{9942170F-E10D-1348-86CE-8E869B806F9B}"/>
               </a:ext>
             </a:extLst>
           </p:cNvPr>
@@ -2836,7 +2836,7 @@
           <p:cNvPr id="4" name="Text Placeholder 3">
             <a:extLst>
               <a:ext uri="{FF2B5EF4-FFF2-40B4-BE49-F238E27FC236}">
-                <a16:creationId xmlns:a16="http://schemas.microsoft.com/office/drawing/2014/main" xmlns="" id="{80772D86-2794-394C-A208-2D3E234A3A20}"/>
+                <a16:creationId xmlns:a16="http://schemas.microsoft.com/office/drawing/2014/main" id="{80772D86-2794-394C-A208-2D3E234A3A20}"/>
               </a:ext>
             </a:extLst>
           </p:cNvPr>
@@ -2907,7 +2907,7 @@
           <p:cNvPr id="5" name="Date Placeholder 4">
             <a:extLst>
               <a:ext uri="{FF2B5EF4-FFF2-40B4-BE49-F238E27FC236}">
-                <a16:creationId xmlns:a16="http://schemas.microsoft.com/office/drawing/2014/main" xmlns="" id="{B5314D31-901A-D944-B06D-3D8106F2A2BC}"/>
+                <a16:creationId xmlns:a16="http://schemas.microsoft.com/office/drawing/2014/main" id="{B5314D31-901A-D944-B06D-3D8106F2A2BC}"/>
               </a:ext>
             </a:extLst>
           </p:cNvPr>
@@ -2925,7 +2925,7 @@
           <a:p>
             <a:fld id="{BE5295ED-3BAF-1140-8495-3D368771D6B1}" type="datetimeFigureOut">
               <a:rPr lang="en-US" smtClean="0"/>
-              <a:t>2/19/20</a:t>
+              <a:t>2/20/20</a:t>
             </a:fld>
             <a:endParaRPr lang="en-US"/>
           </a:p>
@@ -2936,7 +2936,7 @@
           <p:cNvPr id="6" name="Footer Placeholder 5">
             <a:extLst>
               <a:ext uri="{FF2B5EF4-FFF2-40B4-BE49-F238E27FC236}">
-                <a16:creationId xmlns:a16="http://schemas.microsoft.com/office/drawing/2014/main" xmlns="" id="{BFFC6519-9D04-AC45-BB37-9DD413CC741D}"/>
+                <a16:creationId xmlns:a16="http://schemas.microsoft.com/office/drawing/2014/main" id="{BFFC6519-9D04-AC45-BB37-9DD413CC741D}"/>
               </a:ext>
             </a:extLst>
           </p:cNvPr>
@@ -2961,7 +2961,7 @@
           <p:cNvPr id="7" name="Slide Number Placeholder 6">
             <a:extLst>
               <a:ext uri="{FF2B5EF4-FFF2-40B4-BE49-F238E27FC236}">
-                <a16:creationId xmlns:a16="http://schemas.microsoft.com/office/drawing/2014/main" xmlns="" id="{856ACFF3-3C93-FA41-80F3-4708944F9A8C}"/>
+                <a16:creationId xmlns:a16="http://schemas.microsoft.com/office/drawing/2014/main" id="{856ACFF3-3C93-FA41-80F3-4708944F9A8C}"/>
               </a:ext>
             </a:extLst>
           </p:cNvPr>
@@ -3020,7 +3020,7 @@
           <p:cNvPr id="2" name="Title 1">
             <a:extLst>
               <a:ext uri="{FF2B5EF4-FFF2-40B4-BE49-F238E27FC236}">
-                <a16:creationId xmlns:a16="http://schemas.microsoft.com/office/drawing/2014/main" xmlns="" id="{52F7D6A8-4C7A-ED44-A821-97E76FB58748}"/>
+                <a16:creationId xmlns:a16="http://schemas.microsoft.com/office/drawing/2014/main" id="{52F7D6A8-4C7A-ED44-A821-97E76FB58748}"/>
               </a:ext>
             </a:extLst>
           </p:cNvPr>
@@ -3057,7 +3057,7 @@
           <p:cNvPr id="3" name="Picture Placeholder 2">
             <a:extLst>
               <a:ext uri="{FF2B5EF4-FFF2-40B4-BE49-F238E27FC236}">
-                <a16:creationId xmlns:a16="http://schemas.microsoft.com/office/drawing/2014/main" xmlns="" id="{FFA0AABB-AB65-FB40-8DCA-227F017E16C5}"/>
+                <a16:creationId xmlns:a16="http://schemas.microsoft.com/office/drawing/2014/main" id="{FFA0AABB-AB65-FB40-8DCA-227F017E16C5}"/>
               </a:ext>
             </a:extLst>
           </p:cNvPr>
@@ -3127,7 +3127,7 @@
           <p:cNvPr id="4" name="Text Placeholder 3">
             <a:extLst>
               <a:ext uri="{FF2B5EF4-FFF2-40B4-BE49-F238E27FC236}">
-                <a16:creationId xmlns:a16="http://schemas.microsoft.com/office/drawing/2014/main" xmlns="" id="{67AC3EE9-FB8F-F642-BB10-A468CFF85E6A}"/>
+                <a16:creationId xmlns:a16="http://schemas.microsoft.com/office/drawing/2014/main" id="{67AC3EE9-FB8F-F642-BB10-A468CFF85E6A}"/>
               </a:ext>
             </a:extLst>
           </p:cNvPr>
@@ -3198,7 +3198,7 @@
           <p:cNvPr id="5" name="Date Placeholder 4">
             <a:extLst>
               <a:ext uri="{FF2B5EF4-FFF2-40B4-BE49-F238E27FC236}">
-                <a16:creationId xmlns:a16="http://schemas.microsoft.com/office/drawing/2014/main" xmlns="" id="{0A0EC8A2-C616-8B40-8C9C-A15442358393}"/>
+                <a16:creationId xmlns:a16="http://schemas.microsoft.com/office/drawing/2014/main" id="{0A0EC8A2-C616-8B40-8C9C-A15442358393}"/>
               </a:ext>
             </a:extLst>
           </p:cNvPr>
@@ -3216,7 +3216,7 @@
           <a:p>
             <a:fld id="{BE5295ED-3BAF-1140-8495-3D368771D6B1}" type="datetimeFigureOut">
               <a:rPr lang="en-US" smtClean="0"/>
-              <a:t>2/19/20</a:t>
+              <a:t>2/20/20</a:t>
             </a:fld>
             <a:endParaRPr lang="en-US"/>
           </a:p>
@@ -3227,7 +3227,7 @@
           <p:cNvPr id="6" name="Footer Placeholder 5">
             <a:extLst>
               <a:ext uri="{FF2B5EF4-FFF2-40B4-BE49-F238E27FC236}">
-                <a16:creationId xmlns:a16="http://schemas.microsoft.com/office/drawing/2014/main" xmlns="" id="{AA229EC7-73FC-4D43-8916-C76404AC37DC}"/>
+                <a16:creationId xmlns:a16="http://schemas.microsoft.com/office/drawing/2014/main" id="{AA229EC7-73FC-4D43-8916-C76404AC37DC}"/>
               </a:ext>
             </a:extLst>
           </p:cNvPr>
@@ -3252,7 +3252,7 @@
           <p:cNvPr id="7" name="Slide Number Placeholder 6">
             <a:extLst>
               <a:ext uri="{FF2B5EF4-FFF2-40B4-BE49-F238E27FC236}">
-                <a16:creationId xmlns:a16="http://schemas.microsoft.com/office/drawing/2014/main" xmlns="" id="{D84430E4-67BB-3342-B2B8-DFBE758CFA59}"/>
+                <a16:creationId xmlns:a16="http://schemas.microsoft.com/office/drawing/2014/main" id="{D84430E4-67BB-3342-B2B8-DFBE758CFA59}"/>
               </a:ext>
             </a:extLst>
           </p:cNvPr>
@@ -3316,7 +3316,7 @@
           <p:cNvPr id="2" name="Title Placeholder 1">
             <a:extLst>
               <a:ext uri="{FF2B5EF4-FFF2-40B4-BE49-F238E27FC236}">
-                <a16:creationId xmlns:a16="http://schemas.microsoft.com/office/drawing/2014/main" xmlns="" id="{ED530927-E202-4648-95ED-A701F648A289}"/>
+                <a16:creationId xmlns:a16="http://schemas.microsoft.com/office/drawing/2014/main" id="{ED530927-E202-4648-95ED-A701F648A289}"/>
               </a:ext>
             </a:extLst>
           </p:cNvPr>
@@ -3354,7 +3354,7 @@
           <p:cNvPr id="3" name="Text Placeholder 2">
             <a:extLst>
               <a:ext uri="{FF2B5EF4-FFF2-40B4-BE49-F238E27FC236}">
-                <a16:creationId xmlns:a16="http://schemas.microsoft.com/office/drawing/2014/main" xmlns="" id="{F00E1E3E-B2FE-5A47-8C43-849DE842741B}"/>
+                <a16:creationId xmlns:a16="http://schemas.microsoft.com/office/drawing/2014/main" id="{F00E1E3E-B2FE-5A47-8C43-849DE842741B}"/>
               </a:ext>
             </a:extLst>
           </p:cNvPr>
@@ -3421,7 +3421,7 @@
           <p:cNvPr id="4" name="Date Placeholder 3">
             <a:extLst>
               <a:ext uri="{FF2B5EF4-FFF2-40B4-BE49-F238E27FC236}">
-                <a16:creationId xmlns:a16="http://schemas.microsoft.com/office/drawing/2014/main" xmlns="" id="{A51822C1-C9FC-554F-B744-0FF8DD0A61C0}"/>
+                <a16:creationId xmlns:a16="http://schemas.microsoft.com/office/drawing/2014/main" id="{A51822C1-C9FC-554F-B744-0FF8DD0A61C0}"/>
               </a:ext>
             </a:extLst>
           </p:cNvPr>
@@ -3457,7 +3457,7 @@
           <a:p>
             <a:fld id="{BE5295ED-3BAF-1140-8495-3D368771D6B1}" type="datetimeFigureOut">
               <a:rPr lang="en-US" smtClean="0"/>
-              <a:t>2/19/20</a:t>
+              <a:t>2/20/20</a:t>
             </a:fld>
             <a:endParaRPr lang="en-US"/>
           </a:p>
@@ -3468,7 +3468,7 @@
           <p:cNvPr id="5" name="Footer Placeholder 4">
             <a:extLst>
               <a:ext uri="{FF2B5EF4-FFF2-40B4-BE49-F238E27FC236}">
-                <a16:creationId xmlns:a16="http://schemas.microsoft.com/office/drawing/2014/main" xmlns="" id="{AA4916E3-9D5B-B647-A5DA-A5B78525EFFB}"/>
+                <a16:creationId xmlns:a16="http://schemas.microsoft.com/office/drawing/2014/main" id="{AA4916E3-9D5B-B647-A5DA-A5B78525EFFB}"/>
               </a:ext>
             </a:extLst>
           </p:cNvPr>
@@ -3511,7 +3511,7 @@
           <p:cNvPr id="6" name="Slide Number Placeholder 5">
             <a:extLst>
               <a:ext uri="{FF2B5EF4-FFF2-40B4-BE49-F238E27FC236}">
-                <a16:creationId xmlns:a16="http://schemas.microsoft.com/office/drawing/2014/main" xmlns="" id="{11872E83-B77B-9647-AE80-95985B60F4F0}"/>
+                <a16:creationId xmlns:a16="http://schemas.microsoft.com/office/drawing/2014/main" id="{11872E83-B77B-9647-AE80-95985B60F4F0}"/>
               </a:ext>
             </a:extLst>
           </p:cNvPr>
@@ -3558,7 +3558,7 @@
           <p:cNvPr id="7" name="Picture 6">
             <a:extLst>
               <a:ext uri="{FF2B5EF4-FFF2-40B4-BE49-F238E27FC236}">
-                <a16:creationId xmlns:a16="http://schemas.microsoft.com/office/drawing/2014/main" xmlns="" id="{F0F46825-E66D-B247-B71A-C48424207597}"/>
+                <a16:creationId xmlns:a16="http://schemas.microsoft.com/office/drawing/2014/main" id="{F0F46825-E66D-B247-B71A-C48424207597}"/>
               </a:ext>
             </a:extLst>
           </p:cNvPr>
@@ -3909,7 +3909,7 @@
           <p:cNvPr id="2" name="Title 1">
             <a:extLst>
               <a:ext uri="{FF2B5EF4-FFF2-40B4-BE49-F238E27FC236}">
-                <a16:creationId xmlns:a16="http://schemas.microsoft.com/office/drawing/2014/main" xmlns="" id="{DDB4A5C5-CE37-5241-A9FF-85F98EF1E91E}"/>
+                <a16:creationId xmlns:a16="http://schemas.microsoft.com/office/drawing/2014/main" id="{DDB4A5C5-CE37-5241-A9FF-85F98EF1E91E}"/>
               </a:ext>
             </a:extLst>
           </p:cNvPr>
@@ -3941,7 +3941,7 @@
           <p:cNvPr id="3" name="Subtitle 2">
             <a:extLst>
               <a:ext uri="{FF2B5EF4-FFF2-40B4-BE49-F238E27FC236}">
-                <a16:creationId xmlns:a16="http://schemas.microsoft.com/office/drawing/2014/main" xmlns="" id="{5EF75859-F09F-414F-8571-4D3854CD3C44}"/>
+                <a16:creationId xmlns:a16="http://schemas.microsoft.com/office/drawing/2014/main" id="{5EF75859-F09F-414F-8571-4D3854CD3C44}"/>
               </a:ext>
             </a:extLst>
           </p:cNvPr>
@@ -3974,7 +3974,7 @@
           <p:cNvPr id="5" name="Rectangle 4">
             <a:extLst>
               <a:ext uri="{FF2B5EF4-FFF2-40B4-BE49-F238E27FC236}">
-                <a16:creationId xmlns:a16="http://schemas.microsoft.com/office/drawing/2014/main" xmlns="" id="{39D37F11-0EC0-C645-ADE9-CE8BFDF0B2D4}"/>
+                <a16:creationId xmlns:a16="http://schemas.microsoft.com/office/drawing/2014/main" id="{39D37F11-0EC0-C645-ADE9-CE8BFDF0B2D4}"/>
               </a:ext>
             </a:extLst>
           </p:cNvPr>
@@ -4046,7 +4046,7 @@
           <p:cNvPr id="2" name="Title 1">
             <a:extLst>
               <a:ext uri="{FF2B5EF4-FFF2-40B4-BE49-F238E27FC236}">
-                <a16:creationId xmlns:a16="http://schemas.microsoft.com/office/drawing/2014/main" xmlns="" id="{D156A618-0D95-BE47-93F3-956FE1168AA9}"/>
+                <a16:creationId xmlns:a16="http://schemas.microsoft.com/office/drawing/2014/main" id="{D156A618-0D95-BE47-93F3-956FE1168AA9}"/>
               </a:ext>
             </a:extLst>
           </p:cNvPr>
@@ -4115,7 +4115,7 @@
           <p:cNvPr id="8" name="Picture 7">
             <a:extLst>
               <a:ext uri="{FF2B5EF4-FFF2-40B4-BE49-F238E27FC236}">
-                <a16:creationId xmlns:a16="http://schemas.microsoft.com/office/drawing/2014/main" xmlns="" id="{52DC0C7F-5F5D-B84C-AD5B-A5950F736CDF}"/>
+                <a16:creationId xmlns:a16="http://schemas.microsoft.com/office/drawing/2014/main" id="{52DC0C7F-5F5D-B84C-AD5B-A5950F736CDF}"/>
               </a:ext>
             </a:extLst>
           </p:cNvPr>
@@ -4263,13 +4263,6 @@
   <p:clrMapOvr>
     <a:masterClrMapping/>
   </p:clrMapOvr>
-  <p:timing>
-    <p:tnLst>
-      <p:par>
-        <p:cTn id="1" dur="indefinite" restart="never" nodeType="tmRoot"/>
-      </p:par>
-    </p:tnLst>
-  </p:timing>
 </p:sld>
 </file>
 
@@ -4324,7 +4317,9 @@
         </p:nvSpPr>
         <p:spPr/>
         <p:txBody>
-          <a:bodyPr/>
+          <a:bodyPr>
+            <a:normAutofit lnSpcReduction="10000"/>
+          </a:bodyPr>
           <a:lstStyle/>
           <a:p>
             <a:r>
@@ -4402,6 +4397,12 @@
             <a:r>
               <a:rPr lang="en-US" dirty="0"/>
               <a:t> until out of chars in string s</a:t>
+            </a:r>
+          </a:p>
+          <a:p>
+            <a:r>
+              <a:rPr lang="en-US" dirty="0"/>
+              <a:t>O(n) since we must add edge for each char</a:t>
             </a:r>
           </a:p>
         </p:txBody>
@@ -4435,7 +4436,7 @@
           <p:cNvPr id="7" name="TextBox 6">
             <a:extLst>
               <a:ext uri="{FF2B5EF4-FFF2-40B4-BE49-F238E27FC236}">
-                <a16:creationId xmlns:a16="http://schemas.microsoft.com/office/drawing/2014/main" xmlns="" id="{53E89B64-E4C7-B349-8F4D-C096A24A66FC}"/>
+                <a16:creationId xmlns:a16="http://schemas.microsoft.com/office/drawing/2014/main" id="{53E89B64-E4C7-B349-8F4D-C096A24A66FC}"/>
               </a:ext>
             </a:extLst>
           </p:cNvPr>
@@ -4568,13 +4569,6 @@
   <p:clrMapOvr>
     <a:masterClrMapping/>
   </p:clrMapOvr>
-  <p:timing>
-    <p:tnLst>
-      <p:par>
-        <p:cTn id="1" dur="indefinite" restart="never" nodeType="tmRoot"/>
-      </p:par>
-    </p:tnLst>
-  </p:timing>
 </p:sld>
 </file>
 
@@ -4612,7 +4606,7 @@
           <a:p>
             <a:r>
               <a:rPr lang="en-US" dirty="0"/>
-              <a:t>Construction</a:t>
+              <a:t>Implementation</a:t>
             </a:r>
           </a:p>
         </p:txBody>
@@ -4668,7 +4662,7 @@
           <p:cNvPr id="5" name="TextBox 4">
             <a:extLst>
               <a:ext uri="{FF2B5EF4-FFF2-40B4-BE49-F238E27FC236}">
-                <a16:creationId xmlns:a16="http://schemas.microsoft.com/office/drawing/2014/main" xmlns="" id="{53E89B64-E4C7-B349-8F4D-C096A24A66FC}"/>
+                <a16:creationId xmlns:a16="http://schemas.microsoft.com/office/drawing/2014/main" id="{53E89B64-E4C7-B349-8F4D-C096A24A66FC}"/>
               </a:ext>
             </a:extLst>
           </p:cNvPr>
@@ -4796,7 +4790,7 @@
           <p:cNvPr id="7" name="TextBox 6">
             <a:extLst>
               <a:ext uri="{FF2B5EF4-FFF2-40B4-BE49-F238E27FC236}">
-                <a16:creationId xmlns:a16="http://schemas.microsoft.com/office/drawing/2014/main" xmlns="" id="{53E89B64-E4C7-B349-8F4D-C096A24A66FC}"/>
+                <a16:creationId xmlns:a16="http://schemas.microsoft.com/office/drawing/2014/main" id="{53E89B64-E4C7-B349-8F4D-C096A24A66FC}"/>
               </a:ext>
             </a:extLst>
           </p:cNvPr>
@@ -5080,7 +5074,7 @@
           <p:cNvPr id="6" name="TextBox 5">
             <a:extLst>
               <a:ext uri="{FF2B5EF4-FFF2-40B4-BE49-F238E27FC236}">
-                <a16:creationId xmlns:a16="http://schemas.microsoft.com/office/drawing/2014/main" xmlns="" id="{BF625A4D-7686-2C47-B3A7-B8382722563B}"/>
+                <a16:creationId xmlns:a16="http://schemas.microsoft.com/office/drawing/2014/main" id="{BF625A4D-7686-2C47-B3A7-B8382722563B}"/>
               </a:ext>
             </a:extLst>
           </p:cNvPr>
@@ -5163,10 +5157,6 @@
               <a:rPr lang="en-US" dirty="0" err="1"/>
               <a:t>Trie</a:t>
             </a:r>
-            <a:r>
-              <a:rPr lang="en-US" dirty="0"/>
-              <a:t/>
-            </a:r>
             <a:br>
               <a:rPr lang="en-US" dirty="0"/>
             </a:br>
@@ -5248,7 +5238,7 @@
           <p:cNvPr id="4" name="TextBox 3">
             <a:extLst>
               <a:ext uri="{FF2B5EF4-FFF2-40B4-BE49-F238E27FC236}">
-                <a16:creationId xmlns:a16="http://schemas.microsoft.com/office/drawing/2014/main" xmlns="" id="{53E89B64-E4C7-B349-8F4D-C096A24A66FC}"/>
+                <a16:creationId xmlns:a16="http://schemas.microsoft.com/office/drawing/2014/main" id="{53E89B64-E4C7-B349-8F4D-C096A24A66FC}"/>
               </a:ext>
             </a:extLst>
           </p:cNvPr>
@@ -5560,7 +5550,7 @@
           <p:cNvPr id="5" name="Picture 4">
             <a:extLst>
               <a:ext uri="{FF2B5EF4-FFF2-40B4-BE49-F238E27FC236}">
-                <a16:creationId xmlns:a16="http://schemas.microsoft.com/office/drawing/2014/main" xmlns="" id="{90C1D894-5279-C74A-AAA2-C74AD1B7438D}"/>
+                <a16:creationId xmlns:a16="http://schemas.microsoft.com/office/drawing/2014/main" id="{90C1D894-5279-C74A-AAA2-C74AD1B7438D}"/>
               </a:ext>
             </a:extLst>
           </p:cNvPr>
@@ -5590,7 +5580,7 @@
           <p:cNvPr id="2" name="Title 1">
             <a:extLst>
               <a:ext uri="{FF2B5EF4-FFF2-40B4-BE49-F238E27FC236}">
-                <a16:creationId xmlns:a16="http://schemas.microsoft.com/office/drawing/2014/main" xmlns="" id="{84E0E9E3-A102-9C4C-AA99-6CE6745A3DBA}"/>
+                <a16:creationId xmlns:a16="http://schemas.microsoft.com/office/drawing/2014/main" id="{84E0E9E3-A102-9C4C-AA99-6CE6745A3DBA}"/>
               </a:ext>
             </a:extLst>
           </p:cNvPr>
@@ -5608,7 +5598,7 @@
           <a:p>
             <a:r>
               <a:rPr lang="en-US" dirty="0"/>
-              <a:t>Dictionaries are O(1) but…</a:t>
+              <a:t>Edge dictionaries are O(1) but…</a:t>
             </a:r>
           </a:p>
         </p:txBody>
@@ -5618,7 +5608,7 @@
           <p:cNvPr id="3" name="Content Placeholder 2">
             <a:extLst>
               <a:ext uri="{FF2B5EF4-FFF2-40B4-BE49-F238E27FC236}">
-                <a16:creationId xmlns:a16="http://schemas.microsoft.com/office/drawing/2014/main" xmlns="" id="{12A7C874-3C25-634E-9D83-956E2FA295CB}"/>
+                <a16:creationId xmlns:a16="http://schemas.microsoft.com/office/drawing/2014/main" id="{12A7C874-3C25-634E-9D83-956E2FA295CB}"/>
               </a:ext>
             </a:extLst>
           </p:cNvPr>
@@ -5705,6 +5695,116 @@
   <p:clrMapOvr>
     <a:masterClrMapping/>
   </p:clrMapOvr>
+  <p:timing>
+    <p:tnLst>
+      <p:par>
+        <p:cTn id="1" dur="indefinite" restart="never" nodeType="tmRoot">
+          <p:childTnLst>
+            <p:seq concurrent="1" nextAc="seek">
+              <p:cTn id="2" dur="indefinite" nodeType="mainSeq">
+                <p:childTnLst>
+                  <p:par>
+                    <p:cTn id="3" fill="hold">
+                      <p:stCondLst>
+                        <p:cond delay="indefinite"/>
+                      </p:stCondLst>
+                      <p:childTnLst>
+                        <p:par>
+                          <p:cTn id="4" fill="hold">
+                            <p:stCondLst>
+                              <p:cond delay="0"/>
+                            </p:stCondLst>
+                            <p:childTnLst>
+                              <p:par>
+                                <p:cTn id="5" presetID="1" presetClass="entr" presetSubtype="0" fill="hold" nodeType="clickEffect">
+                                  <p:stCondLst>
+                                    <p:cond delay="0"/>
+                                  </p:stCondLst>
+                                  <p:childTnLst>
+                                    <p:set>
+                                      <p:cBhvr>
+                                        <p:cTn id="6" dur="1" fill="hold">
+                                          <p:stCondLst>
+                                            <p:cond delay="0"/>
+                                          </p:stCondLst>
+                                        </p:cTn>
+                                        <p:tgtEl>
+                                          <p:spTgt spid="3">
+                                            <p:txEl>
+                                              <p:pRg st="3" end="3"/>
+                                            </p:txEl>
+                                          </p:spTgt>
+                                        </p:tgtEl>
+                                        <p:attrNameLst>
+                                          <p:attrName>style.visibility</p:attrName>
+                                        </p:attrNameLst>
+                                      </p:cBhvr>
+                                      <p:to>
+                                        <p:strVal val="visible"/>
+                                      </p:to>
+                                    </p:set>
+                                  </p:childTnLst>
+                                </p:cTn>
+                              </p:par>
+                              <p:par>
+                                <p:cTn id="7" presetID="1" presetClass="entr" presetSubtype="0" fill="hold" nodeType="withEffect">
+                                  <p:stCondLst>
+                                    <p:cond delay="0"/>
+                                  </p:stCondLst>
+                                  <p:childTnLst>
+                                    <p:set>
+                                      <p:cBhvr>
+                                        <p:cTn id="8" dur="1" fill="hold">
+                                          <p:stCondLst>
+                                            <p:cond delay="0"/>
+                                          </p:stCondLst>
+                                        </p:cTn>
+                                        <p:tgtEl>
+                                          <p:spTgt spid="3">
+                                            <p:txEl>
+                                              <p:pRg st="4" end="4"/>
+                                            </p:txEl>
+                                          </p:spTgt>
+                                        </p:tgtEl>
+                                        <p:attrNameLst>
+                                          <p:attrName>style.visibility</p:attrName>
+                                        </p:attrNameLst>
+                                      </p:cBhvr>
+                                      <p:to>
+                                        <p:strVal val="visible"/>
+                                      </p:to>
+                                    </p:set>
+                                  </p:childTnLst>
+                                </p:cTn>
+                              </p:par>
+                            </p:childTnLst>
+                          </p:cTn>
+                        </p:par>
+                      </p:childTnLst>
+                    </p:cTn>
+                  </p:par>
+                </p:childTnLst>
+              </p:cTn>
+              <p:prevCondLst>
+                <p:cond evt="onPrev" delay="0">
+                  <p:tgtEl>
+                    <p:sldTgt/>
+                  </p:tgtEl>
+                </p:cond>
+              </p:prevCondLst>
+              <p:nextCondLst>
+                <p:cond evt="onNext" delay="0">
+                  <p:tgtEl>
+                    <p:sldTgt/>
+                  </p:tgtEl>
+                </p:cond>
+              </p:nextCondLst>
+            </p:seq>
+          </p:childTnLst>
+        </p:cTn>
+      </p:par>
+    </p:tnLst>
+  </p:timing>
 </p:sld>
 </file>
 
@@ -5730,7 +5830,7 @@
           <p:cNvPr id="2" name="Title 1">
             <a:extLst>
               <a:ext uri="{FF2B5EF4-FFF2-40B4-BE49-F238E27FC236}">
-                <a16:creationId xmlns:a16="http://schemas.microsoft.com/office/drawing/2014/main" xmlns="" id="{8EE0BAE5-7887-254A-94BF-F5E407B231C7}"/>
+                <a16:creationId xmlns:a16="http://schemas.microsoft.com/office/drawing/2014/main" id="{8EE0BAE5-7887-254A-94BF-F5E407B231C7}"/>
               </a:ext>
             </a:extLst>
           </p:cNvPr>
@@ -5767,7 +5867,7 @@
           <p:cNvPr id="3" name="Content Placeholder 2">
             <a:extLst>
               <a:ext uri="{FF2B5EF4-FFF2-40B4-BE49-F238E27FC236}">
-                <a16:creationId xmlns:a16="http://schemas.microsoft.com/office/drawing/2014/main" xmlns="" id="{B312B095-1A92-4D4E-8DD0-7EC38E69366B}"/>
+                <a16:creationId xmlns:a16="http://schemas.microsoft.com/office/drawing/2014/main" id="{B312B095-1A92-4D4E-8DD0-7EC38E69366B}"/>
               </a:ext>
             </a:extLst>
           </p:cNvPr>
@@ -5781,7 +5881,7 @@
         <p:spPr>
           <a:xfrm>
             <a:off x="838200" y="1825625"/>
-            <a:ext cx="11107366" cy="4351338"/>
+            <a:ext cx="8997176" cy="4351338"/>
           </a:xfrm>
         </p:spPr>
         <p:txBody>
@@ -5838,7 +5938,7 @@
           <p:cNvPr id="4" name="TextBox 3">
             <a:extLst>
               <a:ext uri="{FF2B5EF4-FFF2-40B4-BE49-F238E27FC236}">
-                <a16:creationId xmlns:a16="http://schemas.microsoft.com/office/drawing/2014/main" xmlns="" id="{E52E155C-C5BB-644F-A746-ECFDFF0F305D}"/>
+                <a16:creationId xmlns:a16="http://schemas.microsoft.com/office/drawing/2014/main" id="{E52E155C-C5BB-644F-A746-ECFDFF0F305D}"/>
               </a:ext>
             </a:extLst>
           </p:cNvPr>
@@ -5848,7 +5948,7 @@
         <p:spPr>
           <a:xfrm>
             <a:off x="0" y="6311900"/>
-            <a:ext cx="7968848" cy="369332"/>
+            <a:ext cx="8097088" cy="369332"/>
           </a:xfrm>
           <a:prstGeom prst="rect">
             <a:avLst/>
@@ -5863,29 +5963,211 @@
           <a:p>
             <a:r>
               <a:rPr lang="en-US" dirty="0"/>
-              <a:t>See solution https://</a:t>
-            </a:r>
-            <a:r>
-              <a:rPr lang="en-US" dirty="0" err="1"/>
-              <a:t>github.com</a:t>
-            </a:r>
-            <a:r>
-              <a:rPr lang="en-US" dirty="0"/>
-              <a:t>/</a:t>
-            </a:r>
-            <a:r>
-              <a:rPr lang="en-US" dirty="0" err="1"/>
-              <a:t>parrt</a:t>
-            </a:r>
-            <a:r>
-              <a:rPr lang="en-US" dirty="0"/>
-              <a:t>/msds689/blob/master/notes/code/</a:t>
-            </a:r>
-            <a:r>
-              <a:rPr lang="en-US" dirty="0" err="1"/>
-              <a:t>trie.py</a:t>
+              <a:t>See solution </a:t>
+            </a:r>
+            <a:r>
+              <a:rPr lang="en-US" dirty="0">
+                <a:hlinkClick r:id="rId2"/>
+              </a:rPr>
+              <a:t>https://github.com/parrt/msds689/blob/master/notes/code/trie.py</a:t>
             </a:r>
             <a:endParaRPr lang="en-US" dirty="0"/>
+          </a:p>
+        </p:txBody>
+      </p:sp>
+      <p:sp>
+        <p:nvSpPr>
+          <p:cNvPr id="5" name="Rectangle 4">
+            <a:extLst>
+              <a:ext uri="{FF2B5EF4-FFF2-40B4-BE49-F238E27FC236}">
+                <a16:creationId xmlns:a16="http://schemas.microsoft.com/office/drawing/2014/main" id="{9ED212F0-4F65-164A-8728-B5FA7E840EA4}"/>
+              </a:ext>
+            </a:extLst>
+          </p:cNvPr>
+          <p:cNvSpPr/>
+          <p:nvPr/>
+        </p:nvSpPr>
+        <p:spPr>
+          <a:xfrm>
+            <a:off x="10220844" y="1690688"/>
+            <a:ext cx="1724722" cy="3693319"/>
+          </a:xfrm>
+          <a:prstGeom prst="rect">
+            <a:avLst/>
+          </a:prstGeom>
+        </p:spPr>
+        <p:txBody>
+          <a:bodyPr wrap="square">
+            <a:spAutoFit/>
+          </a:bodyPr>
+          <a:lstStyle/>
+          <a:p>
+            <a:r>
+              <a:rPr lang="en-US" dirty="0">
+                <a:solidFill>
+                  <a:srgbClr val="000000"/>
+                </a:solidFill>
+                <a:latin typeface="Monaco" pitchFamily="2" charset="77"/>
+              </a:rPr>
+              <a:t>A</a:t>
+            </a:r>
+          </a:p>
+          <a:p>
+            <a:r>
+              <a:rPr lang="en-US" dirty="0">
+                <a:solidFill>
+                  <a:srgbClr val="000000"/>
+                </a:solidFill>
+                <a:latin typeface="Monaco" pitchFamily="2" charset="77"/>
+              </a:rPr>
+              <a:t>a</a:t>
+            </a:r>
+          </a:p>
+          <a:p>
+            <a:r>
+              <a:rPr lang="en-US" dirty="0">
+                <a:solidFill>
+                  <a:srgbClr val="000000"/>
+                </a:solidFill>
+                <a:latin typeface="Monaco" pitchFamily="2" charset="77"/>
+              </a:rPr>
+              <a:t>aa</a:t>
+            </a:r>
+          </a:p>
+          <a:p>
+            <a:r>
+              <a:rPr lang="en-US" dirty="0" err="1">
+                <a:solidFill>
+                  <a:srgbClr val="000000"/>
+                </a:solidFill>
+                <a:latin typeface="Monaco" pitchFamily="2" charset="77"/>
+              </a:rPr>
+              <a:t>aal</a:t>
+            </a:r>
+            <a:endParaRPr lang="en-US" dirty="0">
+              <a:solidFill>
+                <a:srgbClr val="000000"/>
+              </a:solidFill>
+              <a:latin typeface="Monaco" pitchFamily="2" charset="77"/>
+            </a:endParaRPr>
+          </a:p>
+          <a:p>
+            <a:r>
+              <a:rPr lang="en-US" dirty="0">
+                <a:solidFill>
+                  <a:srgbClr val="000000"/>
+                </a:solidFill>
+                <a:latin typeface="Monaco" pitchFamily="2" charset="77"/>
+              </a:rPr>
+              <a:t>aalii</a:t>
+            </a:r>
+          </a:p>
+          <a:p>
+            <a:r>
+              <a:rPr lang="en-US" dirty="0" err="1">
+                <a:solidFill>
+                  <a:srgbClr val="000000"/>
+                </a:solidFill>
+                <a:latin typeface="Monaco" pitchFamily="2" charset="77"/>
+              </a:rPr>
+              <a:t>aam</a:t>
+            </a:r>
+            <a:endParaRPr lang="en-US" dirty="0">
+              <a:solidFill>
+                <a:srgbClr val="000000"/>
+              </a:solidFill>
+              <a:latin typeface="Monaco" pitchFamily="2" charset="77"/>
+            </a:endParaRPr>
+          </a:p>
+          <a:p>
+            <a:r>
+              <a:rPr lang="en-US" dirty="0" err="1">
+                <a:solidFill>
+                  <a:srgbClr val="000000"/>
+                </a:solidFill>
+                <a:latin typeface="Monaco" pitchFamily="2" charset="77"/>
+              </a:rPr>
+              <a:t>Aani</a:t>
+            </a:r>
+            <a:endParaRPr lang="en-US" dirty="0">
+              <a:solidFill>
+                <a:srgbClr val="000000"/>
+              </a:solidFill>
+              <a:latin typeface="Monaco" pitchFamily="2" charset="77"/>
+            </a:endParaRPr>
+          </a:p>
+          <a:p>
+            <a:r>
+              <a:rPr lang="en-US" dirty="0">
+                <a:solidFill>
+                  <a:srgbClr val="000000"/>
+                </a:solidFill>
+                <a:latin typeface="Monaco" pitchFamily="2" charset="77"/>
+              </a:rPr>
+              <a:t>aardvark</a:t>
+            </a:r>
+          </a:p>
+          <a:p>
+            <a:r>
+              <a:rPr lang="en-US" dirty="0">
+                <a:solidFill>
+                  <a:srgbClr val="000000"/>
+                </a:solidFill>
+                <a:latin typeface="Monaco" pitchFamily="2" charset="77"/>
+              </a:rPr>
+              <a:t>aardwolf</a:t>
+            </a:r>
+          </a:p>
+          <a:p>
+            <a:r>
+              <a:rPr lang="en-US" dirty="0">
+                <a:solidFill>
+                  <a:srgbClr val="000000"/>
+                </a:solidFill>
+                <a:latin typeface="Monaco" pitchFamily="2" charset="77"/>
+              </a:rPr>
+              <a:t>Aaron</a:t>
+            </a:r>
+          </a:p>
+          <a:p>
+            <a:r>
+              <a:rPr lang="en-US" dirty="0">
+                <a:solidFill>
+                  <a:srgbClr val="000000"/>
+                </a:solidFill>
+                <a:latin typeface="Monaco" pitchFamily="2" charset="77"/>
+              </a:rPr>
+              <a:t>Aaronic</a:t>
+            </a:r>
+          </a:p>
+          <a:p>
+            <a:r>
+              <a:rPr lang="en-US" dirty="0" err="1">
+                <a:solidFill>
+                  <a:srgbClr val="000000"/>
+                </a:solidFill>
+                <a:latin typeface="Monaco" pitchFamily="2" charset="77"/>
+              </a:rPr>
+              <a:t>Aaronical</a:t>
+            </a:r>
+            <a:endParaRPr lang="en-US" dirty="0">
+              <a:solidFill>
+                <a:srgbClr val="000000"/>
+              </a:solidFill>
+              <a:latin typeface="Monaco" pitchFamily="2" charset="77"/>
+            </a:endParaRPr>
+          </a:p>
+          <a:p>
+            <a:r>
+              <a:rPr lang="en-US" dirty="0">
+                <a:solidFill>
+                  <a:srgbClr val="000000"/>
+                </a:solidFill>
+                <a:effectLst/>
+                <a:latin typeface="Monaco" pitchFamily="2" charset="77"/>
+              </a:rPr>
+              <a:t>…</a:t>
+            </a:r>
           </a:p>
         </p:txBody>
       </p:sp>
@@ -5924,7 +6206,7 @@
           <p:cNvPr id="2" name="Title 1">
             <a:extLst>
               <a:ext uri="{FF2B5EF4-FFF2-40B4-BE49-F238E27FC236}">
-                <a16:creationId xmlns:a16="http://schemas.microsoft.com/office/drawing/2014/main" xmlns="" id="{75EA49D3-0D3B-1C4C-ACF3-C67C08F637C8}"/>
+                <a16:creationId xmlns:a16="http://schemas.microsoft.com/office/drawing/2014/main" id="{75EA49D3-0D3B-1C4C-ACF3-C67C08F637C8}"/>
               </a:ext>
             </a:extLst>
           </p:cNvPr>
@@ -5969,7 +6251,7 @@
           <p:cNvPr id="3" name="Content Placeholder 2">
             <a:extLst>
               <a:ext uri="{FF2B5EF4-FFF2-40B4-BE49-F238E27FC236}">
-                <a16:creationId xmlns:a16="http://schemas.microsoft.com/office/drawing/2014/main" xmlns="" id="{E4C7E417-9DFA-CE45-979D-F475A80168FB}"/>
+                <a16:creationId xmlns:a16="http://schemas.microsoft.com/office/drawing/2014/main" id="{E4C7E417-9DFA-CE45-979D-F475A80168FB}"/>
               </a:ext>
             </a:extLst>
           </p:cNvPr>
@@ -6052,7 +6334,7 @@
           <p:cNvPr id="4" name="TextBox 3">
             <a:extLst>
               <a:ext uri="{FF2B5EF4-FFF2-40B4-BE49-F238E27FC236}">
-                <a16:creationId xmlns:a16="http://schemas.microsoft.com/office/drawing/2014/main" xmlns="" id="{47988AE6-331F-864A-963A-42008DA144C2}"/>
+                <a16:creationId xmlns:a16="http://schemas.microsoft.com/office/drawing/2014/main" id="{47988AE6-331F-864A-963A-42008DA144C2}"/>
               </a:ext>
             </a:extLst>
           </p:cNvPr>
@@ -6062,7 +6344,7 @@
         <p:spPr>
           <a:xfrm>
             <a:off x="0" y="6311900"/>
-            <a:ext cx="7968848" cy="369332"/>
+            <a:ext cx="8097088" cy="369332"/>
           </a:xfrm>
           <a:prstGeom prst="rect">
             <a:avLst/>
@@ -6077,27 +6359,25 @@
           <a:p>
             <a:r>
               <a:rPr lang="en-US" dirty="0"/>
-              <a:t>See solution https://</a:t>
-            </a:r>
-            <a:r>
-              <a:rPr lang="en-US" dirty="0" err="1"/>
-              <a:t>github.com</a:t>
-            </a:r>
-            <a:r>
-              <a:rPr lang="en-US" dirty="0"/>
-              <a:t>/</a:t>
-            </a:r>
-            <a:r>
-              <a:rPr lang="en-US" dirty="0" err="1"/>
-              <a:t>parrt</a:t>
-            </a:r>
-            <a:r>
-              <a:rPr lang="en-US" dirty="0"/>
-              <a:t>/msds689/blob/master/notes/code/</a:t>
-            </a:r>
-            <a:r>
-              <a:rPr lang="en-US" dirty="0" err="1"/>
-              <a:t>trie.py</a:t>
+              <a:t>See solution </a:t>
+            </a:r>
+            <a:r>
+              <a:rPr lang="en-US" dirty="0">
+                <a:hlinkClick r:id="rId2"/>
+              </a:rPr>
+              <a:t>https://github.com/parrt/msds689/blob/master/notes/code/</a:t>
+            </a:r>
+            <a:r>
+              <a:rPr lang="en-US" dirty="0" err="1">
+                <a:hlinkClick r:id="rId2"/>
+              </a:rPr>
+              <a:t>trie.p</a:t>
+            </a:r>
+            <a:r>
+              <a:rPr lang="en-US" dirty="0" err="1">
+                <a:hlinkClick r:id="rId2"/>
+              </a:rPr>
+              <a:t>y</a:t>
             </a:r>
             <a:endParaRPr lang="en-US" dirty="0"/>
           </a:p>
@@ -6138,7 +6418,7 @@
           <p:cNvPr id="2" name="Title 1">
             <a:extLst>
               <a:ext uri="{FF2B5EF4-FFF2-40B4-BE49-F238E27FC236}">
-                <a16:creationId xmlns:a16="http://schemas.microsoft.com/office/drawing/2014/main" xmlns="" id="{5FDA5814-1DAA-984F-BA1F-463EB89ED728}"/>
+                <a16:creationId xmlns:a16="http://schemas.microsoft.com/office/drawing/2014/main" id="{5FDA5814-1DAA-984F-BA1F-463EB89ED728}"/>
               </a:ext>
             </a:extLst>
           </p:cNvPr>
@@ -6175,7 +6455,7 @@
           <p:cNvPr id="3" name="Content Placeholder 2">
             <a:extLst>
               <a:ext uri="{FF2B5EF4-FFF2-40B4-BE49-F238E27FC236}">
-                <a16:creationId xmlns:a16="http://schemas.microsoft.com/office/drawing/2014/main" xmlns="" id="{4B4AFF34-0678-764B-B0E8-F54910BC3FE0}"/>
+                <a16:creationId xmlns:a16="http://schemas.microsoft.com/office/drawing/2014/main" id="{4B4AFF34-0678-764B-B0E8-F54910BC3FE0}"/>
               </a:ext>
             </a:extLst>
           </p:cNvPr>
@@ -6220,8 +6500,12 @@
           </a:p>
           <a:p>
             <a:r>
-              <a:rPr lang="en-US" dirty="0"/>
-              <a:t>Idea: trace prefix into </a:t>
+              <a:rPr lang="en-US" b="1" dirty="0"/>
+              <a:t>Idea</a:t>
+            </a:r>
+            <a:r>
+              <a:rPr lang="en-US" dirty="0"/>
+              <a:t>: trace prefix into </a:t>
             </a:r>
             <a:r>
               <a:rPr lang="en-US" dirty="0" err="1"/>
@@ -6269,7 +6553,7 @@
           <p:cNvPr id="2" name="Title 1">
             <a:extLst>
               <a:ext uri="{FF2B5EF4-FFF2-40B4-BE49-F238E27FC236}">
-                <a16:creationId xmlns:a16="http://schemas.microsoft.com/office/drawing/2014/main" xmlns="" id="{E733EB20-1D6D-B54A-BC1C-D42D8DB28628}"/>
+                <a16:creationId xmlns:a16="http://schemas.microsoft.com/office/drawing/2014/main" id="{E733EB20-1D6D-B54A-BC1C-D42D8DB28628}"/>
               </a:ext>
             </a:extLst>
           </p:cNvPr>
@@ -6301,7 +6585,7 @@
           <p:cNvPr id="3" name="Content Placeholder 2">
             <a:extLst>
               <a:ext uri="{FF2B5EF4-FFF2-40B4-BE49-F238E27FC236}">
-                <a16:creationId xmlns:a16="http://schemas.microsoft.com/office/drawing/2014/main" xmlns="" id="{B49DF553-583E-0C4C-858D-553AA785CA88}"/>
+                <a16:creationId xmlns:a16="http://schemas.microsoft.com/office/drawing/2014/main" id="{B49DF553-583E-0C4C-858D-553AA785CA88}"/>
               </a:ext>
             </a:extLst>
           </p:cNvPr>
@@ -6449,7 +6733,7 @@
           <p:cNvPr id="4" name="Picture 3">
             <a:extLst>
               <a:ext uri="{FF2B5EF4-FFF2-40B4-BE49-F238E27FC236}">
-                <a16:creationId xmlns:a16="http://schemas.microsoft.com/office/drawing/2014/main" xmlns="" id="{909E12CE-E4F4-DA49-80D6-60FEC4C9BBC4}"/>
+                <a16:creationId xmlns:a16="http://schemas.microsoft.com/office/drawing/2014/main" id="{909E12CE-E4F4-DA49-80D6-60FEC4C9BBC4}"/>
               </a:ext>
             </a:extLst>
           </p:cNvPr>
@@ -6479,7 +6763,7 @@
           <p:cNvPr id="2" name="Title 1">
             <a:extLst>
               <a:ext uri="{FF2B5EF4-FFF2-40B4-BE49-F238E27FC236}">
-                <a16:creationId xmlns:a16="http://schemas.microsoft.com/office/drawing/2014/main" xmlns="" id="{A0185A17-FF82-7341-9116-EC5220A6F738}"/>
+                <a16:creationId xmlns:a16="http://schemas.microsoft.com/office/drawing/2014/main" id="{A0185A17-FF82-7341-9116-EC5220A6F738}"/>
               </a:ext>
             </a:extLst>
           </p:cNvPr>
@@ -6511,7 +6795,7 @@
           <p:cNvPr id="3" name="Content Placeholder 2">
             <a:extLst>
               <a:ext uri="{FF2B5EF4-FFF2-40B4-BE49-F238E27FC236}">
-                <a16:creationId xmlns:a16="http://schemas.microsoft.com/office/drawing/2014/main" xmlns="" id="{06DB7BD7-19FE-B342-B919-C8F35C1BAE39}"/>
+                <a16:creationId xmlns:a16="http://schemas.microsoft.com/office/drawing/2014/main" id="{06DB7BD7-19FE-B342-B919-C8F35C1BAE39}"/>
               </a:ext>
             </a:extLst>
           </p:cNvPr>
@@ -6522,7 +6806,12 @@
             <p:ph idx="1"/>
           </p:nvPr>
         </p:nvSpPr>
-        <p:spPr/>
+        <p:spPr>
+          <a:xfrm>
+            <a:off x="838200" y="1825625"/>
+            <a:ext cx="10515600" cy="4351338"/>
+          </a:xfrm>
+        </p:spPr>
         <p:txBody>
           <a:bodyPr/>
           <a:lstStyle/>
@@ -6619,7 +6908,7 @@
           <p:cNvPr id="6" name="Straight Arrow Connector 5">
             <a:extLst>
               <a:ext uri="{FF2B5EF4-FFF2-40B4-BE49-F238E27FC236}">
-                <a16:creationId xmlns:a16="http://schemas.microsoft.com/office/drawing/2014/main" xmlns="" id="{29096B95-60C8-DE4B-8E6F-5BE7982FCE64}"/>
+                <a16:creationId xmlns:a16="http://schemas.microsoft.com/office/drawing/2014/main" id="{29096B95-60C8-DE4B-8E6F-5BE7982FCE64}"/>
               </a:ext>
             </a:extLst>
           </p:cNvPr>
@@ -6663,7 +6952,7 @@
           <p:cNvPr id="9" name="Straight Arrow Connector 8">
             <a:extLst>
               <a:ext uri="{FF2B5EF4-FFF2-40B4-BE49-F238E27FC236}">
-                <a16:creationId xmlns:a16="http://schemas.microsoft.com/office/drawing/2014/main" xmlns="" id="{5351140D-1B5E-5148-8B46-77E48328B813}"/>
+                <a16:creationId xmlns:a16="http://schemas.microsoft.com/office/drawing/2014/main" id="{5351140D-1B5E-5148-8B46-77E48328B813}"/>
               </a:ext>
             </a:extLst>
           </p:cNvPr>
@@ -6893,6 +7182,78 @@
                       </p:childTnLst>
                     </p:cTn>
                   </p:par>
+                  <p:par>
+                    <p:cTn id="15" fill="hold">
+                      <p:stCondLst>
+                        <p:cond delay="indefinite"/>
+                      </p:stCondLst>
+                      <p:childTnLst>
+                        <p:par>
+                          <p:cTn id="16" fill="hold">
+                            <p:stCondLst>
+                              <p:cond delay="0"/>
+                            </p:stCondLst>
+                            <p:childTnLst>
+                              <p:par>
+                                <p:cTn id="17" presetID="1" presetClass="entr" presetSubtype="0" fill="hold" nodeType="clickEffect">
+                                  <p:stCondLst>
+                                    <p:cond delay="0"/>
+                                  </p:stCondLst>
+                                  <p:childTnLst>
+                                    <p:set>
+                                      <p:cBhvr>
+                                        <p:cTn id="18" dur="1" fill="hold">
+                                          <p:stCondLst>
+                                            <p:cond delay="0"/>
+                                          </p:stCondLst>
+                                        </p:cTn>
+                                        <p:tgtEl>
+                                          <p:spTgt spid="9"/>
+                                        </p:tgtEl>
+                                        <p:attrNameLst>
+                                          <p:attrName>style.visibility</p:attrName>
+                                        </p:attrNameLst>
+                                      </p:cBhvr>
+                                      <p:to>
+                                        <p:strVal val="visible"/>
+                                      </p:to>
+                                    </p:set>
+                                  </p:childTnLst>
+                                </p:cTn>
+                              </p:par>
+                              <p:par>
+                                <p:cTn id="19" presetID="1" presetClass="entr" presetSubtype="0" fill="hold" nodeType="withEffect">
+                                  <p:stCondLst>
+                                    <p:cond delay="0"/>
+                                  </p:stCondLst>
+                                  <p:childTnLst>
+                                    <p:set>
+                                      <p:cBhvr>
+                                        <p:cTn id="20" dur="1" fill="hold">
+                                          <p:stCondLst>
+                                            <p:cond delay="0"/>
+                                          </p:stCondLst>
+                                        </p:cTn>
+                                        <p:tgtEl>
+                                          <p:spTgt spid="6"/>
+                                        </p:tgtEl>
+                                        <p:attrNameLst>
+                                          <p:attrName>style.visibility</p:attrName>
+                                        </p:attrNameLst>
+                                      </p:cBhvr>
+                                      <p:to>
+                                        <p:strVal val="visible"/>
+                                      </p:to>
+                                    </p:set>
+                                  </p:childTnLst>
+                                </p:cTn>
+                              </p:par>
+                            </p:childTnLst>
+                          </p:cTn>
+                        </p:par>
+                      </p:childTnLst>
+                    </p:cTn>
+                  </p:par>
                 </p:childTnLst>
               </p:cTn>
               <p:prevCondLst>
@@ -6940,7 +7301,7 @@
           <p:cNvPr id="2" name="Title 1">
             <a:extLst>
               <a:ext uri="{FF2B5EF4-FFF2-40B4-BE49-F238E27FC236}">
-                <a16:creationId xmlns:a16="http://schemas.microsoft.com/office/drawing/2014/main" xmlns="" id="{ED798003-BDB8-ED43-9E87-05960D700963}"/>
+                <a16:creationId xmlns:a16="http://schemas.microsoft.com/office/drawing/2014/main" id="{ED798003-BDB8-ED43-9E87-05960D700963}"/>
               </a:ext>
             </a:extLst>
           </p:cNvPr>
@@ -6973,7 +7334,7 @@
           <p:cNvPr id="3" name="Content Placeholder 2">
             <a:extLst>
               <a:ext uri="{FF2B5EF4-FFF2-40B4-BE49-F238E27FC236}">
-                <a16:creationId xmlns:a16="http://schemas.microsoft.com/office/drawing/2014/main" xmlns="" id="{5EB237E2-4FB5-FC4B-937F-D3E170BA652A}"/>
+                <a16:creationId xmlns:a16="http://schemas.microsoft.com/office/drawing/2014/main" id="{5EB237E2-4FB5-FC4B-937F-D3E170BA652A}"/>
               </a:ext>
             </a:extLst>
           </p:cNvPr>
@@ -7022,15 +7383,7 @@
             </a:r>
             <a:r>
               <a:rPr lang="en-US" dirty="0"/>
-              <a:t>: subtree to left has elements less than current node and subtree to </a:t>
-            </a:r>
-            <a:r>
-              <a:rPr lang="en-US" dirty="0" smtClean="0"/>
-              <a:t>right </a:t>
-            </a:r>
-            <a:r>
-              <a:rPr lang="en-US" dirty="0"/>
-              <a:t>has elements greater than</a:t>
+              <a:t>: subtree to left has elements less than current node and subtree to right has elements greater than</a:t>
             </a:r>
           </a:p>
           <a:p>
@@ -7078,18 +7431,17 @@
           <a:lstStyle/>
           <a:p>
             <a:r>
-              <a:rPr lang="en-US" i="1" dirty="0" smtClean="0"/>
+              <a:rPr lang="en-US" i="1" dirty="0"/>
               <a:t>O(</a:t>
             </a:r>
             <a:r>
-              <a:rPr lang="en-US" i="1" dirty="0" err="1" smtClean="0"/>
+              <a:rPr lang="en-US" i="1" dirty="0" err="1"/>
               <a:t>mn</a:t>
             </a:r>
             <a:r>
-              <a:rPr lang="en-US" i="1" dirty="0" smtClean="0"/>
+              <a:rPr lang="en-US" i="1" dirty="0"/>
               <a:t>)</a:t>
             </a:r>
-            <a:endParaRPr lang="en-US" i="1" dirty="0"/>
           </a:p>
         </p:txBody>
       </p:sp>
@@ -7116,18 +7468,17 @@
           <a:lstStyle/>
           <a:p>
             <a:r>
-              <a:rPr lang="en-US" i="1" dirty="0" smtClean="0"/>
+              <a:rPr lang="en-US" i="1" dirty="0"/>
               <a:t>O(</a:t>
             </a:r>
             <a:r>
-              <a:rPr lang="en-US" i="1" dirty="0" err="1" smtClean="0"/>
+              <a:rPr lang="en-US" i="1" dirty="0" err="1"/>
               <a:t>mlog</a:t>
             </a:r>
             <a:r>
-              <a:rPr lang="en-US" i="1" dirty="0" smtClean="0"/>
+              <a:rPr lang="en-US" i="1" dirty="0"/>
               <a:t>(n))</a:t>
             </a:r>
-            <a:endParaRPr lang="en-US" i="1" dirty="0"/>
           </a:p>
         </p:txBody>
       </p:sp>
@@ -7154,22 +7505,17 @@
           <a:lstStyle/>
           <a:p>
             <a:r>
-              <a:rPr lang="en-US" i="1" dirty="0" smtClean="0"/>
+              <a:rPr lang="en-US" i="1" dirty="0"/>
               <a:t>O(</a:t>
             </a:r>
             <a:r>
               <a:rPr lang="en-US" i="1" dirty="0" err="1"/>
-              <a:t>m</a:t>
-            </a:r>
-            <a:r>
-              <a:rPr lang="en-US" i="1" dirty="0" err="1" smtClean="0"/>
-              <a:t>log</a:t>
-            </a:r>
-            <a:r>
-              <a:rPr lang="en-US" i="1" dirty="0" smtClean="0"/>
+              <a:t>mlog</a:t>
+            </a:r>
+            <a:r>
+              <a:rPr lang="en-US" i="1" dirty="0"/>
               <a:t>(n))</a:t>
             </a:r>
-            <a:endParaRPr lang="en-US" i="1" dirty="0"/>
           </a:p>
         </p:txBody>
       </p:sp>
@@ -7196,10 +7542,9 @@
           <a:lstStyle/>
           <a:p>
             <a:r>
-              <a:rPr lang="en-US" i="1" dirty="0" smtClean="0"/>
+              <a:rPr lang="en-US" i="1" dirty="0"/>
               <a:t>O(m)</a:t>
             </a:r>
-            <a:endParaRPr lang="en-US" i="1" dirty="0"/>
           </a:p>
         </p:txBody>
       </p:sp>
@@ -7226,10 +7571,9 @@
           <a:lstStyle/>
           <a:p>
             <a:r>
-              <a:rPr lang="en-US" i="1" dirty="0" smtClean="0"/>
+              <a:rPr lang="en-US" i="1" dirty="0"/>
               <a:t>O(m)</a:t>
             </a:r>
-            <a:endParaRPr lang="en-US" i="1" dirty="0"/>
           </a:p>
         </p:txBody>
       </p:sp>
@@ -7256,14 +7600,13 @@
           <a:lstStyle/>
           <a:p>
             <a:r>
-              <a:rPr lang="en-US" i="1" dirty="0" smtClean="0"/>
+              <a:rPr lang="en-US" i="1" dirty="0"/>
               <a:t>m</a:t>
             </a:r>
             <a:r>
-              <a:rPr lang="en-US" dirty="0" smtClean="0"/>
+              <a:rPr lang="en-US" dirty="0"/>
               <a:t> = length of search string</a:t>
             </a:r>
-            <a:endParaRPr lang="en-US" dirty="0"/>
           </a:p>
         </p:txBody>
       </p:sp>
@@ -7302,7 +7645,7 @@
           <p:cNvPr id="2" name="Title 1">
             <a:extLst>
               <a:ext uri="{FF2B5EF4-FFF2-40B4-BE49-F238E27FC236}">
-                <a16:creationId xmlns:a16="http://schemas.microsoft.com/office/drawing/2014/main" xmlns="" id="{F1C04A90-D1BD-4D4C-81E7-C991FC2BA43E}"/>
+                <a16:creationId xmlns:a16="http://schemas.microsoft.com/office/drawing/2014/main" id="{F1C04A90-D1BD-4D4C-81E7-C991FC2BA43E}"/>
               </a:ext>
             </a:extLst>
           </p:cNvPr>
@@ -7330,7 +7673,7 @@
           <p:cNvPr id="3" name="Content Placeholder 2">
             <a:extLst>
               <a:ext uri="{FF2B5EF4-FFF2-40B4-BE49-F238E27FC236}">
-                <a16:creationId xmlns:a16="http://schemas.microsoft.com/office/drawing/2014/main" xmlns="" id="{4609F6F5-0E8A-C04C-913B-DE3F9CE0237E}"/>
+                <a16:creationId xmlns:a16="http://schemas.microsoft.com/office/drawing/2014/main" id="{4609F6F5-0E8A-C04C-913B-DE3F9CE0237E}"/>
               </a:ext>
             </a:extLst>
           </p:cNvPr>
@@ -7362,7 +7705,15 @@
           <a:p>
             <a:r>
               <a:rPr lang="en-US" dirty="0"/>
-              <a:t>If we are willing to build a graph data structure, the TRIE is pretty hard to beat complexity and performance; looking up a word in the TRIE is O(m) for m character string!</a:t>
+              <a:t>If we are willing to build a graph </a:t>
+            </a:r>
+            <a:r>
+              <a:rPr lang="en-US"/>
+              <a:t>data structure in O(n), </a:t>
+            </a:r>
+            <a:r>
+              <a:rPr lang="en-US" dirty="0"/>
+              <a:t>the TRIE is pretty hard to beat complexity and performance; looking up a word in the TRIE is O(m) for m character string!</a:t>
             </a:r>
           </a:p>
           <a:p>
@@ -7679,37 +8030,8 @@
                 <a:ea typeface="Monaco" charset="0"/>
                 <a:cs typeface="Monaco" charset="0"/>
               </a:rPr>
-              <a:t>        mid = </a:t>
-            </a:r>
-            <a:r>
-              <a:rPr lang="en-US" sz="2200" dirty="0" smtClean="0">
-                <a:latin typeface="Monaco" charset="0"/>
-                <a:ea typeface="Monaco" charset="0"/>
-                <a:cs typeface="Monaco" charset="0"/>
-              </a:rPr>
-              <a:t>(left </a:t>
-            </a:r>
-            <a:r>
-              <a:rPr lang="en-US" sz="2200" dirty="0">
-                <a:latin typeface="Monaco" charset="0"/>
-                <a:ea typeface="Monaco" charset="0"/>
-                <a:cs typeface="Monaco" charset="0"/>
-              </a:rPr>
-              <a:t>+ right</a:t>
-            </a:r>
-            <a:r>
-              <a:rPr lang="en-US" sz="2200" dirty="0" smtClean="0">
-                <a:latin typeface="Monaco" charset="0"/>
-                <a:ea typeface="Monaco" charset="0"/>
-                <a:cs typeface="Monaco" charset="0"/>
-              </a:rPr>
-              <a:t>)//2</a:t>
-            </a:r>
-            <a:endParaRPr lang="en-US" sz="2200" dirty="0">
-              <a:latin typeface="Monaco" charset="0"/>
-              <a:ea typeface="Monaco" charset="0"/>
-              <a:cs typeface="Monaco" charset="0"/>
-            </a:endParaRPr>
+              <a:t>        mid = (left + right)//2</a:t>
+            </a:r>
           </a:p>
           <a:p>
             <a:r>
@@ -7788,7 +8110,7 @@
           <p:cNvPr id="2" name="Title 1">
             <a:extLst>
               <a:ext uri="{FF2B5EF4-FFF2-40B4-BE49-F238E27FC236}">
-                <a16:creationId xmlns:a16="http://schemas.microsoft.com/office/drawing/2014/main" xmlns="" id="{09C1B5BB-CBC3-2E42-9D5F-75DBE3EC8D88}"/>
+                <a16:creationId xmlns:a16="http://schemas.microsoft.com/office/drawing/2014/main" id="{09C1B5BB-CBC3-2E42-9D5F-75DBE3EC8D88}"/>
               </a:ext>
             </a:extLst>
           </p:cNvPr>
@@ -7821,7 +8143,7 @@
           <p:cNvPr id="4" name="TextBox 3">
             <a:extLst>
               <a:ext uri="{FF2B5EF4-FFF2-40B4-BE49-F238E27FC236}">
-                <a16:creationId xmlns:a16="http://schemas.microsoft.com/office/drawing/2014/main" xmlns="" id="{7E7BCA4B-0623-3A41-A4D9-0AF68320BA90}"/>
+                <a16:creationId xmlns:a16="http://schemas.microsoft.com/office/drawing/2014/main" id="{7E7BCA4B-0623-3A41-A4D9-0AF68320BA90}"/>
               </a:ext>
             </a:extLst>
           </p:cNvPr>
@@ -7931,7 +8253,7 @@
           <p:cNvPr id="5" name="TextBox 4">
             <a:extLst>
               <a:ext uri="{FF2B5EF4-FFF2-40B4-BE49-F238E27FC236}">
-                <a16:creationId xmlns:a16="http://schemas.microsoft.com/office/drawing/2014/main" xmlns="" id="{70BF3154-BC65-AF47-96F1-85EF98CC7A01}"/>
+                <a16:creationId xmlns:a16="http://schemas.microsoft.com/office/drawing/2014/main" id="{70BF3154-BC65-AF47-96F1-85EF98CC7A01}"/>
               </a:ext>
             </a:extLst>
           </p:cNvPr>
@@ -8109,7 +8431,7 @@
           <p:cNvPr id="3" name="TextBox 2">
             <a:extLst>
               <a:ext uri="{FF2B5EF4-FFF2-40B4-BE49-F238E27FC236}">
-                <a16:creationId xmlns:a16="http://schemas.microsoft.com/office/drawing/2014/main" xmlns="" id="{31329D05-83F8-D94D-90C3-29E53C61FD97}"/>
+                <a16:creationId xmlns:a16="http://schemas.microsoft.com/office/drawing/2014/main" id="{31329D05-83F8-D94D-90C3-29E53C61FD97}"/>
               </a:ext>
             </a:extLst>
           </p:cNvPr>
@@ -8144,7 +8466,7 @@
           <p:cNvPr id="7" name="Straight Arrow Connector 6">
             <a:extLst>
               <a:ext uri="{FF2B5EF4-FFF2-40B4-BE49-F238E27FC236}">
-                <a16:creationId xmlns:a16="http://schemas.microsoft.com/office/drawing/2014/main" xmlns="" id="{37FA16DA-692B-0F42-B1C3-B214E738EEE0}"/>
+                <a16:creationId xmlns:a16="http://schemas.microsoft.com/office/drawing/2014/main" id="{37FA16DA-692B-0F42-B1C3-B214E738EEE0}"/>
               </a:ext>
             </a:extLst>
           </p:cNvPr>
@@ -8219,7 +8541,7 @@
           <p:cNvPr id="2" name="Title 1">
             <a:extLst>
               <a:ext uri="{FF2B5EF4-FFF2-40B4-BE49-F238E27FC236}">
-                <a16:creationId xmlns:a16="http://schemas.microsoft.com/office/drawing/2014/main" xmlns="" id="{ACBF85EB-2A64-0149-B03A-5F11B2A1D5F1}"/>
+                <a16:creationId xmlns:a16="http://schemas.microsoft.com/office/drawing/2014/main" id="{ACBF85EB-2A64-0149-B03A-5F11B2A1D5F1}"/>
               </a:ext>
             </a:extLst>
           </p:cNvPr>
@@ -8247,7 +8569,7 @@
           <p:cNvPr id="3" name="Content Placeholder 2">
             <a:extLst>
               <a:ext uri="{FF2B5EF4-FFF2-40B4-BE49-F238E27FC236}">
-                <a16:creationId xmlns:a16="http://schemas.microsoft.com/office/drawing/2014/main" xmlns="" id="{AF9B1CA4-509A-F749-8370-9BF64615DA76}"/>
+                <a16:creationId xmlns:a16="http://schemas.microsoft.com/office/drawing/2014/main" id="{AF9B1CA4-509A-F749-8370-9BF64615DA76}"/>
               </a:ext>
             </a:extLst>
           </p:cNvPr>
@@ -8287,13 +8609,8 @@
             </a:r>
             <a:r>
               <a:rPr lang="en-US" dirty="0"/>
-              <a:t>: Describe brute force </a:t>
-            </a:r>
-            <a:r>
-              <a:rPr lang="en-US" dirty="0" smtClean="0"/>
-              <a:t>algorithm; why is it ”slow”?</a:t>
-            </a:r>
-            <a:endParaRPr lang="en-US" dirty="0"/>
+              <a:t>: Describe brute force algorithm; why is it ”slow”?</a:t>
+            </a:r>
           </a:p>
         </p:txBody>
       </p:sp>
@@ -8431,7 +8748,7 @@
           <p:cNvPr id="2" name="Title 1">
             <a:extLst>
               <a:ext uri="{FF2B5EF4-FFF2-40B4-BE49-F238E27FC236}">
-                <a16:creationId xmlns:a16="http://schemas.microsoft.com/office/drawing/2014/main" xmlns="" id="{4EB37A9A-DFAA-7946-88B2-AF1E3749D8A9}"/>
+                <a16:creationId xmlns:a16="http://schemas.microsoft.com/office/drawing/2014/main" id="{4EB37A9A-DFAA-7946-88B2-AF1E3749D8A9}"/>
               </a:ext>
             </a:extLst>
           </p:cNvPr>
@@ -8459,7 +8776,7 @@
           <p:cNvPr id="3" name="Content Placeholder 2">
             <a:extLst>
               <a:ext uri="{FF2B5EF4-FFF2-40B4-BE49-F238E27FC236}">
-                <a16:creationId xmlns:a16="http://schemas.microsoft.com/office/drawing/2014/main" xmlns="" id="{9C0AA4F5-5A70-9948-B06A-CD63868A984C}"/>
+                <a16:creationId xmlns:a16="http://schemas.microsoft.com/office/drawing/2014/main" id="{9C0AA4F5-5A70-9948-B06A-CD63868A984C}"/>
               </a:ext>
             </a:extLst>
           </p:cNvPr>
@@ -8546,7 +8863,7 @@
           <p:cNvPr id="5" name="TextBox 4">
             <a:extLst>
               <a:ext uri="{FF2B5EF4-FFF2-40B4-BE49-F238E27FC236}">
-                <a16:creationId xmlns:a16="http://schemas.microsoft.com/office/drawing/2014/main" xmlns="" id="{4C9E2EBA-5391-654A-8F49-2D375A2B5F6A}"/>
+                <a16:creationId xmlns:a16="http://schemas.microsoft.com/office/drawing/2014/main" id="{4C9E2EBA-5391-654A-8F49-2D375A2B5F6A}"/>
               </a:ext>
             </a:extLst>
           </p:cNvPr>
@@ -8596,13 +8913,6 @@
   <p:clrMapOvr>
     <a:masterClrMapping/>
   </p:clrMapOvr>
-  <p:timing>
-    <p:tnLst>
-      <p:par>
-        <p:cTn id="1" dur="indefinite" restart="never" nodeType="tmRoot"/>
-      </p:par>
-    </p:tnLst>
-  </p:timing>
 </p:sld>
 </file>
 
@@ -8628,7 +8938,7 @@
           <p:cNvPr id="2" name="Title 1">
             <a:extLst>
               <a:ext uri="{FF2B5EF4-FFF2-40B4-BE49-F238E27FC236}">
-                <a16:creationId xmlns:a16="http://schemas.microsoft.com/office/drawing/2014/main" xmlns="" id="{A4EB9A59-6479-2A49-BA16-1514857AC95F}"/>
+                <a16:creationId xmlns:a16="http://schemas.microsoft.com/office/drawing/2014/main" id="{A4EB9A59-6479-2A49-BA16-1514857AC95F}"/>
               </a:ext>
             </a:extLst>
           </p:cNvPr>
@@ -8656,7 +8966,7 @@
           <p:cNvPr id="4" name="TextBox 3">
             <a:extLst>
               <a:ext uri="{FF2B5EF4-FFF2-40B4-BE49-F238E27FC236}">
-                <a16:creationId xmlns:a16="http://schemas.microsoft.com/office/drawing/2014/main" xmlns="" id="{2D135B6C-B890-1140-B2CE-91A97DAF6446}"/>
+                <a16:creationId xmlns:a16="http://schemas.microsoft.com/office/drawing/2014/main" id="{2D135B6C-B890-1140-B2CE-91A97DAF6446}"/>
               </a:ext>
             </a:extLst>
           </p:cNvPr>
@@ -8953,7 +9263,7 @@
           <p:cNvPr id="5" name="TextBox 4">
             <a:extLst>
               <a:ext uri="{FF2B5EF4-FFF2-40B4-BE49-F238E27FC236}">
-                <a16:creationId xmlns:a16="http://schemas.microsoft.com/office/drawing/2014/main" xmlns="" id="{53E89B64-E4C7-B349-8F4D-C096A24A66FC}"/>
+                <a16:creationId xmlns:a16="http://schemas.microsoft.com/office/drawing/2014/main" id="{53E89B64-E4C7-B349-8F4D-C096A24A66FC}"/>
               </a:ext>
             </a:extLst>
           </p:cNvPr>
@@ -9055,7 +9365,7 @@
           <p:cNvPr id="6" name="TextBox 5">
             <a:extLst>
               <a:ext uri="{FF2B5EF4-FFF2-40B4-BE49-F238E27FC236}">
-                <a16:creationId xmlns:a16="http://schemas.microsoft.com/office/drawing/2014/main" xmlns="" id="{3F40E21E-742A-B249-8ED2-E5ECCDA9F1F5}"/>
+                <a16:creationId xmlns:a16="http://schemas.microsoft.com/office/drawing/2014/main" id="{3F40E21E-742A-B249-8ED2-E5ECCDA9F1F5}"/>
               </a:ext>
             </a:extLst>
           </p:cNvPr>
@@ -9108,18 +9418,17 @@
           <a:lstStyle/>
           <a:p>
             <a:r>
-              <a:rPr lang="en-US" dirty="0" smtClean="0"/>
+              <a:rPr lang="en-US" dirty="0"/>
               <a:t>Additive </a:t>
             </a:r>
             <a:r>
-              <a:rPr lang="en-US" dirty="0" err="1" smtClean="0"/>
+              <a:rPr lang="en-US" dirty="0" err="1"/>
               <a:t>hashcode</a:t>
             </a:r>
             <a:r>
-              <a:rPr lang="en-US" dirty="0" smtClean="0"/>
+              <a:rPr lang="en-US" dirty="0"/>
               <a:t> is important here</a:t>
             </a:r>
-            <a:endParaRPr lang="en-US" dirty="0"/>
           </a:p>
         </p:txBody>
       </p:sp>
@@ -9133,13 +9442,6 @@
   <p:clrMapOvr>
     <a:masterClrMapping/>
   </p:clrMapOvr>
-  <p:timing>
-    <p:tnLst>
-      <p:par>
-        <p:cTn id="1" dur="indefinite" restart="never" nodeType="tmRoot"/>
-      </p:par>
-    </p:tnLst>
-  </p:timing>
 </p:sld>
 </file>
 
@@ -9165,7 +9467,7 @@
           <p:cNvPr id="2" name="Title 1">
             <a:extLst>
               <a:ext uri="{FF2B5EF4-FFF2-40B4-BE49-F238E27FC236}">
-                <a16:creationId xmlns:a16="http://schemas.microsoft.com/office/drawing/2014/main" xmlns="" id="{607BE88F-AADC-BA4C-BF3B-E300F820ED32}"/>
+                <a16:creationId xmlns:a16="http://schemas.microsoft.com/office/drawing/2014/main" id="{607BE88F-AADC-BA4C-BF3B-E300F820ED32}"/>
               </a:ext>
             </a:extLst>
           </p:cNvPr>
@@ -9193,7 +9495,7 @@
           <p:cNvPr id="3" name="Content Placeholder 2">
             <a:extLst>
               <a:ext uri="{FF2B5EF4-FFF2-40B4-BE49-F238E27FC236}">
-                <a16:creationId xmlns:a16="http://schemas.microsoft.com/office/drawing/2014/main" xmlns="" id="{02F0A4A6-CB12-A24A-A35D-C94A020B3737}"/>
+                <a16:creationId xmlns:a16="http://schemas.microsoft.com/office/drawing/2014/main" id="{02F0A4A6-CB12-A24A-A35D-C94A020B3737}"/>
               </a:ext>
             </a:extLst>
           </p:cNvPr>
@@ -9221,30 +9523,7 @@
             </a:r>
             <a:r>
               <a:rPr lang="en-US" dirty="0"/>
-              <a:t>]) is O(m</a:t>
-            </a:r>
-            <a:r>
-              <a:rPr lang="en-US" dirty="0" smtClean="0"/>
-              <a:t>) for each </a:t>
-            </a:r>
-            <a:r>
-              <a:rPr lang="en-US" dirty="0" err="1" smtClean="0"/>
-              <a:t>i</a:t>
-            </a:r>
-            <a:r>
-              <a:rPr lang="en-US" dirty="0" smtClean="0"/>
-              <a:t>=1..n, </a:t>
-            </a:r>
-            <a:r>
-              <a:rPr lang="en-US" dirty="0"/>
-              <a:t>so use rolling hash:</a:t>
-            </a:r>
-          </a:p>
-          <a:p>
-            <a:pPr lvl="1"/>
-            <a:r>
-              <a:rPr lang="en-US" dirty="0"/>
-              <a:t>next hash is old hash minus doc[</a:t>
+              <a:t>]) is O(m) for each </a:t>
             </a:r>
             <a:r>
               <a:rPr lang="en-US" dirty="0" err="1"/>
@@ -9252,6 +9531,21 @@
             </a:r>
             <a:r>
               <a:rPr lang="en-US" dirty="0"/>
+              <a:t>=1..n, so use rolling hash:</a:t>
+            </a:r>
+          </a:p>
+          <a:p>
+            <a:pPr lvl="1"/>
+            <a:r>
+              <a:rPr lang="en-US" dirty="0"/>
+              <a:t>next hash is old hash minus doc[</a:t>
+            </a:r>
+            <a:r>
+              <a:rPr lang="en-US" dirty="0" err="1"/>
+              <a:t>i</a:t>
+            </a:r>
+            <a:r>
+              <a:rPr lang="en-US" dirty="0"/>
               <a:t>] plus doc[</a:t>
             </a:r>
             <a:r>
@@ -9330,15 +9624,7 @@
           <a:p>
             <a:r>
               <a:rPr lang="en-US" dirty="0"/>
-              <a:t>What if search string s is very long? Could </a:t>
-            </a:r>
-            <a:r>
-              <a:rPr lang="en-US" dirty="0" smtClean="0"/>
-              <a:t>still be </a:t>
-            </a:r>
-            <a:r>
-              <a:rPr lang="en-US" dirty="0"/>
-              <a:t>expensive.</a:t>
+              <a:t>What if search string s is very long? Could still be expensive.</a:t>
             </a:r>
           </a:p>
           <a:p>
@@ -9358,15 +9644,7 @@
           <a:p>
             <a:r>
               <a:rPr lang="en-US" dirty="0"/>
-              <a:t>Yes. I claim we can search for strings in doc in O(m) if we prepare a proper side data </a:t>
-            </a:r>
-            <a:r>
-              <a:rPr lang="en-US" dirty="0" smtClean="0"/>
-              <a:t>structure beforehand </a:t>
-            </a:r>
-            <a:r>
-              <a:rPr lang="en-US" dirty="0"/>
-              <a:t>and you let me search for words instead of arbitrary strings</a:t>
+              <a:t>Yes. I claim we can search for any string in doc in O(m), if we prepare a proper side data structure beforehand once for O(n), and you let me search for words instead of arbitrary strings</a:t>
             </a:r>
           </a:p>
           <a:p>
@@ -9382,7 +9660,7 @@
           <p:cNvPr id="4" name="Picture 3">
             <a:extLst>
               <a:ext uri="{FF2B5EF4-FFF2-40B4-BE49-F238E27FC236}">
-                <a16:creationId xmlns:a16="http://schemas.microsoft.com/office/drawing/2014/main" xmlns="" id="{DD5BA943-1861-2042-A967-90C4E57FE7CC}"/>
+                <a16:creationId xmlns:a16="http://schemas.microsoft.com/office/drawing/2014/main" id="{DD5BA943-1861-2042-A967-90C4E57FE7CC}"/>
               </a:ext>
             </a:extLst>
           </p:cNvPr>
@@ -9453,13 +9731,6 @@
   <p:clrMapOvr>
     <a:masterClrMapping/>
   </p:clrMapOvr>
-  <p:timing>
-    <p:tnLst>
-      <p:par>
-        <p:cTn id="1" dur="indefinite" restart="never" nodeType="tmRoot"/>
-      </p:par>
-    </p:tnLst>
-  </p:timing>
 </p:sld>
 </file>
 
@@ -9485,7 +9756,7 @@
           <p:cNvPr id="2" name="Title 1">
             <a:extLst>
               <a:ext uri="{FF2B5EF4-FFF2-40B4-BE49-F238E27FC236}">
-                <a16:creationId xmlns:a16="http://schemas.microsoft.com/office/drawing/2014/main" xmlns="" id="{CF41B61C-99D7-154B-9EBE-1EED80B410E3}"/>
+                <a16:creationId xmlns:a16="http://schemas.microsoft.com/office/drawing/2014/main" id="{CF41B61C-99D7-154B-9EBE-1EED80B410E3}"/>
               </a:ext>
             </a:extLst>
           </p:cNvPr>
@@ -9513,7 +9784,7 @@
           <p:cNvPr id="3" name="Content Placeholder 2">
             <a:extLst>
               <a:ext uri="{FF2B5EF4-FFF2-40B4-BE49-F238E27FC236}">
-                <a16:creationId xmlns:a16="http://schemas.microsoft.com/office/drawing/2014/main" xmlns="" id="{A7F6ED6B-73D0-064B-BCFD-979A3BDDFCAE}"/>
+                <a16:creationId xmlns:a16="http://schemas.microsoft.com/office/drawing/2014/main" id="{A7F6ED6B-73D0-064B-BCFD-979A3BDDFCAE}"/>
               </a:ext>
             </a:extLst>
           </p:cNvPr>
@@ -9579,15 +9850,7 @@
           <a:p>
             <a:r>
               <a:rPr lang="en-US" dirty="0"/>
-              <a:t>The </a:t>
-            </a:r>
-            <a:r>
-              <a:rPr lang="en-US" dirty="0" smtClean="0"/>
-              <a:t>index says how </a:t>
-            </a:r>
-            <a:r>
-              <a:rPr lang="en-US" dirty="0"/>
-              <a:t>to navigate</a:t>
+              <a:t>The index says how to navigate</a:t>
             </a:r>
           </a:p>
           <a:p>
@@ -9641,7 +9904,7 @@
           <p:cNvPr id="4" name="Picture 3">
             <a:extLst>
               <a:ext uri="{FF2B5EF4-FFF2-40B4-BE49-F238E27FC236}">
-                <a16:creationId xmlns:a16="http://schemas.microsoft.com/office/drawing/2014/main" xmlns="" id="{52DC0C7F-5F5D-B84C-AD5B-A5950F736CDF}"/>
+                <a16:creationId xmlns:a16="http://schemas.microsoft.com/office/drawing/2014/main" id="{52DC0C7F-5F5D-B84C-AD5B-A5950F736CDF}"/>
               </a:ext>
             </a:extLst>
           </p:cNvPr>
@@ -9671,7 +9934,7 @@
           <p:cNvPr id="5" name="TextBox 4">
             <a:extLst>
               <a:ext uri="{FF2B5EF4-FFF2-40B4-BE49-F238E27FC236}">
-                <a16:creationId xmlns:a16="http://schemas.microsoft.com/office/drawing/2014/main" xmlns="" id="{EE99548C-BBF5-2441-B596-130872DC60DB}"/>
+                <a16:creationId xmlns:a16="http://schemas.microsoft.com/office/drawing/2014/main" id="{EE99548C-BBF5-2441-B596-130872DC60DB}"/>
               </a:ext>
             </a:extLst>
           </p:cNvPr>

--- a/notes/searching.pptx
+++ b/notes/searching.pptx
@@ -5,10 +5,10 @@
     <p:sldMasterId id="2147483672" r:id="rId1"/>
   </p:sldMasterIdLst>
   <p:notesMasterIdLst>
-    <p:notesMasterId r:id="rId22"/>
+    <p:notesMasterId r:id="rId24"/>
   </p:notesMasterIdLst>
   <p:handoutMasterIdLst>
-    <p:handoutMasterId r:id="rId23"/>
+    <p:handoutMasterId r:id="rId25"/>
   </p:handoutMasterIdLst>
   <p:sldIdLst>
     <p:sldId id="289" r:id="rId2"/>
@@ -23,14 +23,16 @@
     <p:sldId id="298" r:id="rId11"/>
     <p:sldId id="299" r:id="rId12"/>
     <p:sldId id="300" r:id="rId13"/>
-    <p:sldId id="301" r:id="rId14"/>
-    <p:sldId id="302" r:id="rId15"/>
-    <p:sldId id="303" r:id="rId16"/>
-    <p:sldId id="304" r:id="rId17"/>
-    <p:sldId id="305" r:id="rId18"/>
-    <p:sldId id="306" r:id="rId19"/>
-    <p:sldId id="307" r:id="rId20"/>
-    <p:sldId id="308" r:id="rId21"/>
+    <p:sldId id="309" r:id="rId14"/>
+    <p:sldId id="301" r:id="rId15"/>
+    <p:sldId id="310" r:id="rId16"/>
+    <p:sldId id="302" r:id="rId17"/>
+    <p:sldId id="303" r:id="rId18"/>
+    <p:sldId id="304" r:id="rId19"/>
+    <p:sldId id="305" r:id="rId20"/>
+    <p:sldId id="306" r:id="rId21"/>
+    <p:sldId id="307" r:id="rId22"/>
+    <p:sldId id="308" r:id="rId23"/>
   </p:sldIdLst>
   <p:sldSz cx="12192000" cy="6858000"/>
   <p:notesSz cx="9144000" cy="6858000"/>
@@ -225,7 +227,7 @@
           <a:p>
             <a:fld id="{8A1B613A-EFF1-404F-BEE8-EFAE84A4E5E2}" type="datetimeFigureOut">
               <a:rPr lang="en-US" smtClean="0"/>
-              <a:t>2/20/20</a:t>
+              <a:t>2/21/20</a:t>
             </a:fld>
             <a:endParaRPr lang="en-US"/>
           </a:p>
@@ -390,7 +392,7 @@
           <a:p>
             <a:fld id="{690847EA-AC25-3D4E-89E1-FD3F6A9702B6}" type="datetimeFigureOut">
               <a:rPr lang="en-US" smtClean="0"/>
-              <a:t>2/20/20</a:t>
+              <a:t>2/21/20</a:t>
             </a:fld>
             <a:endParaRPr lang="en-US"/>
           </a:p>
@@ -804,7 +806,7 @@
           <a:p>
             <a:fld id="{BE5295ED-3BAF-1140-8495-3D368771D6B1}" type="datetimeFigureOut">
               <a:rPr lang="en-US" smtClean="0"/>
-              <a:t>2/20/20</a:t>
+              <a:t>2/21/20</a:t>
             </a:fld>
             <a:endParaRPr lang="en-US"/>
           </a:p>
@@ -1002,7 +1004,7 @@
           <a:p>
             <a:fld id="{BE5295ED-3BAF-1140-8495-3D368771D6B1}" type="datetimeFigureOut">
               <a:rPr lang="en-US" smtClean="0"/>
-              <a:t>2/20/20</a:t>
+              <a:t>2/21/20</a:t>
             </a:fld>
             <a:endParaRPr lang="en-US"/>
           </a:p>
@@ -1210,7 +1212,7 @@
           <a:p>
             <a:fld id="{BE5295ED-3BAF-1140-8495-3D368771D6B1}" type="datetimeFigureOut">
               <a:rPr lang="en-US" smtClean="0"/>
-              <a:t>2/20/20</a:t>
+              <a:t>2/21/20</a:t>
             </a:fld>
             <a:endParaRPr lang="en-US"/>
           </a:p>
@@ -1408,7 +1410,7 @@
           <a:p>
             <a:fld id="{BE5295ED-3BAF-1140-8495-3D368771D6B1}" type="datetimeFigureOut">
               <a:rPr lang="en-US" smtClean="0"/>
-              <a:t>2/20/20</a:t>
+              <a:t>2/21/20</a:t>
             </a:fld>
             <a:endParaRPr lang="en-US"/>
           </a:p>
@@ -1683,7 +1685,7 @@
           <a:p>
             <a:fld id="{BE5295ED-3BAF-1140-8495-3D368771D6B1}" type="datetimeFigureOut">
               <a:rPr lang="en-US" smtClean="0"/>
-              <a:t>2/20/20</a:t>
+              <a:t>2/21/20</a:t>
             </a:fld>
             <a:endParaRPr lang="en-US"/>
           </a:p>
@@ -1948,7 +1950,7 @@
           <a:p>
             <a:fld id="{BE5295ED-3BAF-1140-8495-3D368771D6B1}" type="datetimeFigureOut">
               <a:rPr lang="en-US" smtClean="0"/>
-              <a:t>2/20/20</a:t>
+              <a:t>2/21/20</a:t>
             </a:fld>
             <a:endParaRPr lang="en-US"/>
           </a:p>
@@ -2360,7 +2362,7 @@
           <a:p>
             <a:fld id="{BE5295ED-3BAF-1140-8495-3D368771D6B1}" type="datetimeFigureOut">
               <a:rPr lang="en-US" smtClean="0"/>
-              <a:t>2/20/20</a:t>
+              <a:t>2/21/20</a:t>
             </a:fld>
             <a:endParaRPr lang="en-US"/>
           </a:p>
@@ -2501,7 +2503,7 @@
           <a:p>
             <a:fld id="{BE5295ED-3BAF-1140-8495-3D368771D6B1}" type="datetimeFigureOut">
               <a:rPr lang="en-US" smtClean="0"/>
-              <a:t>2/20/20</a:t>
+              <a:t>2/21/20</a:t>
             </a:fld>
             <a:endParaRPr lang="en-US"/>
           </a:p>
@@ -2614,7 +2616,7 @@
           <a:p>
             <a:fld id="{BE5295ED-3BAF-1140-8495-3D368771D6B1}" type="datetimeFigureOut">
               <a:rPr lang="en-US" smtClean="0"/>
-              <a:t>2/20/20</a:t>
+              <a:t>2/21/20</a:t>
             </a:fld>
             <a:endParaRPr lang="en-US"/>
           </a:p>
@@ -2925,7 +2927,7 @@
           <a:p>
             <a:fld id="{BE5295ED-3BAF-1140-8495-3D368771D6B1}" type="datetimeFigureOut">
               <a:rPr lang="en-US" smtClean="0"/>
-              <a:t>2/20/20</a:t>
+              <a:t>2/21/20</a:t>
             </a:fld>
             <a:endParaRPr lang="en-US"/>
           </a:p>
@@ -3216,7 +3218,7 @@
           <a:p>
             <a:fld id="{BE5295ED-3BAF-1140-8495-3D368771D6B1}" type="datetimeFigureOut">
               <a:rPr lang="en-US" smtClean="0"/>
-              <a:t>2/20/20</a:t>
+              <a:t>2/21/20</a:t>
             </a:fld>
             <a:endParaRPr lang="en-US"/>
           </a:p>
@@ -3457,7 +3459,7 @@
           <a:p>
             <a:fld id="{BE5295ED-3BAF-1140-8495-3D368771D6B1}" type="datetimeFigureOut">
               <a:rPr lang="en-US" smtClean="0"/>
-              <a:t>2/20/20</a:t>
+              <a:t>2/21/20</a:t>
             </a:fld>
             <a:endParaRPr lang="en-US"/>
           </a:p>
@@ -4232,7 +4234,7 @@
         </p:nvSpPr>
         <p:spPr>
           <a:xfrm>
-            <a:off x="215537" y="6234550"/>
+            <a:off x="5055166" y="1383769"/>
             <a:ext cx="7181774" cy="461665"/>
           </a:xfrm>
           <a:prstGeom prst="rect">
@@ -4250,6 +4252,76 @@
               <a:rPr lang="en-US" sz="2400" dirty="0"/>
               <a:t>Convert buckets to nodes and rotate: we get a tree!</a:t>
             </a:r>
+          </a:p>
+        </p:txBody>
+      </p:sp>
+      <p:sp>
+        <p:nvSpPr>
+          <p:cNvPr id="4" name="TextBox 3">
+            <a:extLst>
+              <a:ext uri="{FF2B5EF4-FFF2-40B4-BE49-F238E27FC236}">
+                <a16:creationId xmlns:a16="http://schemas.microsoft.com/office/drawing/2014/main" id="{594B7696-8311-0245-B749-AB6AC89AAB99}"/>
+              </a:ext>
+            </a:extLst>
+          </p:cNvPr>
+          <p:cNvSpPr txBox="1"/>
+          <p:nvPr/>
+        </p:nvSpPr>
+        <p:spPr>
+          <a:xfrm>
+            <a:off x="5746261" y="5246393"/>
+            <a:ext cx="6445739" cy="430887"/>
+          </a:xfrm>
+          <a:prstGeom prst="rect">
+            <a:avLst/>
+          </a:prstGeom>
+          <a:noFill/>
+        </p:spPr>
+        <p:txBody>
+          <a:bodyPr wrap="none" rtlCol="0">
+            <a:spAutoFit/>
+          </a:bodyPr>
+          <a:lstStyle/>
+          <a:p>
+            <a:r>
+              <a:rPr lang="en-US" sz="2200" dirty="0"/>
+              <a:t>Words are edge labels on path from root to leaves</a:t>
+            </a:r>
+          </a:p>
+        </p:txBody>
+      </p:sp>
+      <p:sp>
+        <p:nvSpPr>
+          <p:cNvPr id="13" name="Rectangle 12">
+            <a:extLst>
+              <a:ext uri="{FF2B5EF4-FFF2-40B4-BE49-F238E27FC236}">
+                <a16:creationId xmlns:a16="http://schemas.microsoft.com/office/drawing/2014/main" id="{7B163C78-CA5B-1B48-B91D-331D065CBEC8}"/>
+              </a:ext>
+            </a:extLst>
+          </p:cNvPr>
+          <p:cNvSpPr/>
+          <p:nvPr/>
+        </p:nvSpPr>
+        <p:spPr>
+          <a:xfrm>
+            <a:off x="0" y="6444064"/>
+            <a:ext cx="5492209" cy="430887"/>
+          </a:xfrm>
+          <a:prstGeom prst="rect">
+            <a:avLst/>
+          </a:prstGeom>
+        </p:spPr>
+        <p:txBody>
+          <a:bodyPr wrap="none">
+            <a:spAutoFit/>
+          </a:bodyPr>
+          <a:lstStyle/>
+          <a:p>
+            <a:r>
+              <a:rPr lang="en-US" sz="2200" i="1" dirty="0"/>
+              <a:t>(was in a “big internet company” interview)</a:t>
+            </a:r>
+            <a:endParaRPr lang="en-US" sz="2200" dirty="0"/>
           </a:p>
         </p:txBody>
       </p:sp>
@@ -5136,7 +5208,13 @@
       </p:grpSpPr>
       <p:sp>
         <p:nvSpPr>
-          <p:cNvPr id="2" name="Title 1"/>
+          <p:cNvPr id="2" name="Title 1">
+            <a:extLst>
+              <a:ext uri="{FF2B5EF4-FFF2-40B4-BE49-F238E27FC236}">
+                <a16:creationId xmlns:a16="http://schemas.microsoft.com/office/drawing/2014/main" id="{B54B6D35-6618-2C4A-B809-CCBE7ED1D213}"/>
+              </a:ext>
+            </a:extLst>
+          </p:cNvPr>
           <p:cNvSpPr>
             <a:spLocks noGrp="1"/>
           </p:cNvSpPr>
@@ -5151,25 +5229,20 @@
           <a:p>
             <a:r>
               <a:rPr lang="en-US" dirty="0"/>
-              <a:t>Searching a </a:t>
-            </a:r>
-            <a:r>
-              <a:rPr lang="en-US" dirty="0" err="1"/>
-              <a:t>Trie</a:t>
-            </a:r>
-            <a:br>
-              <a:rPr lang="en-US" dirty="0"/>
-            </a:br>
-            <a:r>
-              <a:rPr lang="en-US" sz="2400" i="1" dirty="0"/>
-              <a:t>(was in a “big internet company” interview)</a:t>
-            </a:r>
-          </a:p>
-        </p:txBody>
-      </p:sp>
-      <p:sp>
-        <p:nvSpPr>
-          <p:cNvPr id="3" name="Content Placeholder 2"/>
+              <a:t>Words that are prefixes of other words</a:t>
+            </a:r>
+          </a:p>
+        </p:txBody>
+      </p:sp>
+      <p:sp>
+        <p:nvSpPr>
+          <p:cNvPr id="3" name="Content Placeholder 2">
+            <a:extLst>
+              <a:ext uri="{FF2B5EF4-FFF2-40B4-BE49-F238E27FC236}">
+                <a16:creationId xmlns:a16="http://schemas.microsoft.com/office/drawing/2014/main" id="{BAE8AACD-6210-E342-9D2D-0C6A409C3098}"/>
+              </a:ext>
+            </a:extLst>
+          </p:cNvPr>
           <p:cNvSpPr>
             <a:spLocks noGrp="1"/>
           </p:cNvSpPr>
@@ -5180,7 +5253,7 @@
         <p:spPr>
           <a:xfrm>
             <a:off x="838200" y="1825625"/>
-            <a:ext cx="9454376" cy="4351338"/>
+            <a:ext cx="9521283" cy="4351338"/>
           </a:xfrm>
         </p:spPr>
         <p:txBody>
@@ -5189,46 +5262,29 @@
           <a:p>
             <a:r>
               <a:rPr lang="en-US" dirty="0"/>
-              <a:t>Return true if s is prefix of word in </a:t>
-            </a:r>
-            <a:r>
-              <a:rPr lang="en-US" dirty="0" err="1"/>
-              <a:t>Trie</a:t>
-            </a:r>
-            <a:r>
-              <a:rPr lang="en-US" dirty="0"/>
-              <a:t> or full word in </a:t>
-            </a:r>
-            <a:r>
-              <a:rPr lang="en-US" dirty="0" err="1"/>
-              <a:t>Trie</a:t>
-            </a:r>
-            <a:endParaRPr lang="en-US" dirty="0"/>
-          </a:p>
-          <a:p>
-            <a:r>
-              <a:rPr lang="en-US" dirty="0"/>
-              <a:t>Note that the search depends on </a:t>
-            </a:r>
-            <a:r>
-              <a:rPr lang="en-US" u="sng" dirty="0" err="1"/>
-              <a:t>len</a:t>
-            </a:r>
-            <a:r>
-              <a:rPr lang="en-US" u="sng" dirty="0"/>
-              <a:t>(s)</a:t>
-            </a:r>
-            <a:r>
-              <a:rPr lang="en-US" dirty="0"/>
-              <a:t> NOT </a:t>
-            </a:r>
-            <a:r>
-              <a:rPr lang="en-US" dirty="0" err="1"/>
-              <a:t>num</a:t>
-            </a:r>
-            <a:r>
-              <a:rPr lang="en-US" dirty="0"/>
-              <a:t> words n in the vocabulary!!!</a:t>
+              <a:t>What about when we have two words “</a:t>
+            </a:r>
+            <a:r>
+              <a:rPr lang="en-US" b="1" dirty="0"/>
+              <a:t>ape</a:t>
+            </a:r>
+            <a:r>
+              <a:rPr lang="en-US" dirty="0"/>
+              <a:t>” and “</a:t>
+            </a:r>
+            <a:r>
+              <a:rPr lang="en-US" b="1" dirty="0"/>
+              <a:t>apex</a:t>
+            </a:r>
+            <a:r>
+              <a:rPr lang="en-US" dirty="0"/>
+              <a:t>”?</a:t>
+            </a:r>
+          </a:p>
+          <a:p>
+            <a:r>
+              <a:rPr lang="en-US" dirty="0"/>
+              <a:t>“ape” stops before being a leaf, so we must mark as accept state, which is sometimes called a stop state</a:t>
             </a:r>
           </a:p>
         </p:txBody>
@@ -5238,7 +5294,7 @@
           <p:cNvPr id="4" name="TextBox 3">
             <a:extLst>
               <a:ext uri="{FF2B5EF4-FFF2-40B4-BE49-F238E27FC236}">
-                <a16:creationId xmlns:a16="http://schemas.microsoft.com/office/drawing/2014/main" id="{53E89B64-E4C7-B349-8F4D-C096A24A66FC}"/>
+                <a16:creationId xmlns:a16="http://schemas.microsoft.com/office/drawing/2014/main" id="{27D5725B-DDDF-4045-B7F4-6BF5D7648038}"/>
               </a:ext>
             </a:extLst>
           </p:cNvPr>
@@ -5247,8 +5303,8 @@
         </p:nvSpPr>
         <p:spPr>
           <a:xfrm>
-            <a:off x="1410510" y="3350233"/>
-            <a:ext cx="9077528" cy="2800767"/>
+            <a:off x="838200" y="3260711"/>
+            <a:ext cx="9788913" cy="1446550"/>
           </a:xfrm>
           <a:prstGeom prst="rect">
             <a:avLst/>
@@ -5267,11 +5323,149 @@
           <a:lstStyle/>
           <a:p>
             <a:r>
+              <a:rPr lang="en-US" sz="2200" dirty="0">
+                <a:latin typeface="Monaco" charset="0"/>
+                <a:ea typeface="Monaco" charset="0"/>
+                <a:cs typeface="Monaco" charset="0"/>
+              </a:rPr>
+              <a:t>class </a:t>
+            </a:r>
+            <a:r>
               <a:rPr lang="en-US" sz="2200" dirty="0" err="1">
                 <a:latin typeface="Monaco" charset="0"/>
                 <a:ea typeface="Monaco" charset="0"/>
                 <a:cs typeface="Monaco" charset="0"/>
               </a:rPr>
+              <a:t>TrieNode</a:t>
+            </a:r>
+            <a:r>
+              <a:rPr lang="en-US" sz="2200" dirty="0">
+                <a:latin typeface="Monaco" charset="0"/>
+                <a:ea typeface="Monaco" charset="0"/>
+                <a:cs typeface="Monaco" charset="0"/>
+              </a:rPr>
+              <a:t>:</a:t>
+            </a:r>
+          </a:p>
+          <a:p>
+            <a:r>
+              <a:rPr lang="en-US" sz="2200" dirty="0">
+                <a:latin typeface="Monaco" charset="0"/>
+                <a:ea typeface="Monaco" charset="0"/>
+                <a:cs typeface="Monaco" charset="0"/>
+              </a:rPr>
+              <a:t>    def __</a:t>
+            </a:r>
+            <a:r>
+              <a:rPr lang="en-US" sz="2200" dirty="0" err="1">
+                <a:latin typeface="Monaco" charset="0"/>
+                <a:ea typeface="Monaco" charset="0"/>
+                <a:cs typeface="Monaco" charset="0"/>
+              </a:rPr>
+              <a:t>init</a:t>
+            </a:r>
+            <a:r>
+              <a:rPr lang="en-US" sz="2200" dirty="0">
+                <a:latin typeface="Monaco" charset="0"/>
+                <a:ea typeface="Monaco" charset="0"/>
+                <a:cs typeface="Monaco" charset="0"/>
+              </a:rPr>
+              <a:t>__(self):</a:t>
+            </a:r>
+          </a:p>
+          <a:p>
+            <a:r>
+              <a:rPr lang="en-US" sz="2200" dirty="0">
+                <a:latin typeface="Monaco" charset="0"/>
+                <a:ea typeface="Monaco" charset="0"/>
+                <a:cs typeface="Monaco" charset="0"/>
+              </a:rPr>
+              <a:t>        </a:t>
+            </a:r>
+            <a:r>
+              <a:rPr lang="en-US" sz="2200" dirty="0" err="1">
+                <a:latin typeface="Monaco" charset="0"/>
+                <a:ea typeface="Monaco" charset="0"/>
+                <a:cs typeface="Monaco" charset="0"/>
+              </a:rPr>
+              <a:t>self.isword</a:t>
+            </a:r>
+            <a:r>
+              <a:rPr lang="en-US" sz="2200" dirty="0">
+                <a:latin typeface="Monaco" charset="0"/>
+                <a:ea typeface="Monaco" charset="0"/>
+                <a:cs typeface="Monaco" charset="0"/>
+              </a:rPr>
+              <a:t> = False # set to true if accept state</a:t>
+            </a:r>
+          </a:p>
+          <a:p>
+            <a:r>
+              <a:rPr lang="en-US" sz="2200" dirty="0">
+                <a:latin typeface="Monaco" charset="0"/>
+                <a:ea typeface="Monaco" charset="0"/>
+                <a:cs typeface="Monaco" charset="0"/>
+              </a:rPr>
+              <a:t>        </a:t>
+            </a:r>
+            <a:r>
+              <a:rPr lang="en-US" sz="2200" dirty="0" err="1">
+                <a:latin typeface="Monaco" charset="0"/>
+                <a:ea typeface="Monaco" charset="0"/>
+                <a:cs typeface="Monaco" charset="0"/>
+              </a:rPr>
+              <a:t>self.edges</a:t>
+            </a:r>
+            <a:r>
+              <a:rPr lang="en-US" sz="2200" dirty="0">
+                <a:latin typeface="Monaco" charset="0"/>
+                <a:ea typeface="Monaco" charset="0"/>
+                <a:cs typeface="Monaco" charset="0"/>
+              </a:rPr>
+              <a:t> = {}</a:t>
+            </a:r>
+          </a:p>
+        </p:txBody>
+      </p:sp>
+      <p:sp>
+        <p:nvSpPr>
+          <p:cNvPr id="6" name="TextBox 5">
+            <a:extLst>
+              <a:ext uri="{FF2B5EF4-FFF2-40B4-BE49-F238E27FC236}">
+                <a16:creationId xmlns:a16="http://schemas.microsoft.com/office/drawing/2014/main" id="{96392F9A-25FA-0C4E-AE37-BF92C03A1B1F}"/>
+              </a:ext>
+            </a:extLst>
+          </p:cNvPr>
+          <p:cNvSpPr txBox="1"/>
+          <p:nvPr/>
+        </p:nvSpPr>
+        <p:spPr>
+          <a:xfrm>
+            <a:off x="838200" y="4887677"/>
+            <a:ext cx="6956502" cy="1785104"/>
+          </a:xfrm>
+          <a:prstGeom prst="rect">
+            <a:avLst/>
+          </a:prstGeom>
+          <a:noFill/>
+          <a:ln>
+            <a:solidFill>
+              <a:schemeClr val="accent1"/>
+            </a:solidFill>
+          </a:ln>
+        </p:spPr>
+        <p:txBody>
+          <a:bodyPr wrap="square" rtlCol="0">
+            <a:spAutoFit/>
+          </a:bodyPr>
+          <a:lstStyle/>
+          <a:p>
+            <a:r>
+              <a:rPr lang="en-US" sz="2200" dirty="0" err="1">
+                <a:latin typeface="Monaco" charset="0"/>
+                <a:ea typeface="Monaco" charset="0"/>
+                <a:cs typeface="Monaco" charset="0"/>
+              </a:rPr>
               <a:t>def</a:t>
             </a:r>
             <a:r>
@@ -5280,6 +5474,510 @@
                 <a:ea typeface="Monaco" charset="0"/>
                 <a:cs typeface="Monaco" charset="0"/>
               </a:rPr>
+              <a:t> add(</a:t>
+            </a:r>
+            <a:r>
+              <a:rPr lang="en-US" sz="2200" dirty="0" err="1">
+                <a:latin typeface="Monaco" charset="0"/>
+                <a:ea typeface="Monaco" charset="0"/>
+                <a:cs typeface="Monaco" charset="0"/>
+              </a:rPr>
+              <a:t>p:TrieNode</a:t>
+            </a:r>
+            <a:r>
+              <a:rPr lang="en-US" sz="2200" dirty="0">
+                <a:latin typeface="Monaco" charset="0"/>
+                <a:ea typeface="Monaco" charset="0"/>
+                <a:cs typeface="Monaco" charset="0"/>
+              </a:rPr>
+              <a:t>, </a:t>
+            </a:r>
+            <a:r>
+              <a:rPr lang="en-US" sz="2200" dirty="0" err="1">
+                <a:latin typeface="Monaco" charset="0"/>
+                <a:ea typeface="Monaco" charset="0"/>
+                <a:cs typeface="Monaco" charset="0"/>
+              </a:rPr>
+              <a:t>s:str</a:t>
+            </a:r>
+            <a:r>
+              <a:rPr lang="en-US" sz="2200" dirty="0">
+                <a:latin typeface="Monaco" charset="0"/>
+                <a:ea typeface="Monaco" charset="0"/>
+                <a:cs typeface="Monaco" charset="0"/>
+              </a:rPr>
+              <a:t>, </a:t>
+            </a:r>
+            <a:r>
+              <a:rPr lang="en-US" sz="2200" dirty="0" err="1">
+                <a:latin typeface="Monaco" charset="0"/>
+                <a:ea typeface="Monaco" charset="0"/>
+                <a:cs typeface="Monaco" charset="0"/>
+              </a:rPr>
+              <a:t>i</a:t>
+            </a:r>
+            <a:r>
+              <a:rPr lang="en-US" sz="2200" dirty="0">
+                <a:latin typeface="Monaco" charset="0"/>
+                <a:ea typeface="Monaco" charset="0"/>
+                <a:cs typeface="Monaco" charset="0"/>
+              </a:rPr>
+              <a:t>=0) -&gt; None:</a:t>
+            </a:r>
+          </a:p>
+          <a:p>
+            <a:r>
+              <a:rPr lang="en-US" sz="2200" dirty="0">
+                <a:latin typeface="Monaco" charset="0"/>
+                <a:ea typeface="Monaco" charset="0"/>
+                <a:cs typeface="Monaco" charset="0"/>
+              </a:rPr>
+              <a:t>    if </a:t>
+            </a:r>
+            <a:r>
+              <a:rPr lang="en-US" sz="2200" dirty="0" err="1">
+                <a:latin typeface="Monaco" charset="0"/>
+                <a:ea typeface="Monaco" charset="0"/>
+                <a:cs typeface="Monaco" charset="0"/>
+              </a:rPr>
+              <a:t>i</a:t>
+            </a:r>
+            <a:r>
+              <a:rPr lang="en-US" sz="2200" dirty="0">
+                <a:latin typeface="Monaco" charset="0"/>
+                <a:ea typeface="Monaco" charset="0"/>
+                <a:cs typeface="Monaco" charset="0"/>
+              </a:rPr>
+              <a:t>&gt;=</a:t>
+            </a:r>
+            <a:r>
+              <a:rPr lang="en-US" sz="2200" dirty="0" err="1">
+                <a:latin typeface="Monaco" charset="0"/>
+                <a:ea typeface="Monaco" charset="0"/>
+                <a:cs typeface="Monaco" charset="0"/>
+              </a:rPr>
+              <a:t>len</a:t>
+            </a:r>
+            <a:r>
+              <a:rPr lang="en-US" sz="2200" dirty="0">
+                <a:latin typeface="Monaco" charset="0"/>
+                <a:ea typeface="Monaco" charset="0"/>
+                <a:cs typeface="Monaco" charset="0"/>
+              </a:rPr>
+              <a:t>(s): </a:t>
+            </a:r>
+            <a:r>
+              <a:rPr lang="en-US" sz="2200" dirty="0" err="1">
+                <a:solidFill>
+                  <a:srgbClr val="0070C0"/>
+                </a:solidFill>
+                <a:latin typeface="Monaco" charset="0"/>
+                <a:ea typeface="Monaco" charset="0"/>
+                <a:cs typeface="Monaco" charset="0"/>
+              </a:rPr>
+              <a:t>p.isword</a:t>
+            </a:r>
+            <a:r>
+              <a:rPr lang="en-US" sz="2200" dirty="0">
+                <a:solidFill>
+                  <a:srgbClr val="0070C0"/>
+                </a:solidFill>
+                <a:latin typeface="Monaco" charset="0"/>
+                <a:ea typeface="Monaco" charset="0"/>
+                <a:cs typeface="Monaco" charset="0"/>
+              </a:rPr>
+              <a:t>=True;</a:t>
+            </a:r>
+            <a:r>
+              <a:rPr lang="en-US" sz="2200" dirty="0">
+                <a:latin typeface="Monaco" charset="0"/>
+                <a:ea typeface="Monaco" charset="0"/>
+                <a:cs typeface="Monaco" charset="0"/>
+              </a:rPr>
+              <a:t> return</a:t>
+            </a:r>
+          </a:p>
+          <a:p>
+            <a:r>
+              <a:rPr lang="en-US" sz="2200" dirty="0">
+                <a:latin typeface="Monaco" charset="0"/>
+                <a:ea typeface="Monaco" charset="0"/>
+                <a:cs typeface="Monaco" charset="0"/>
+              </a:rPr>
+              <a:t>    if s[</a:t>
+            </a:r>
+            <a:r>
+              <a:rPr lang="en-US" sz="2200" dirty="0" err="1">
+                <a:latin typeface="Monaco" charset="0"/>
+                <a:ea typeface="Monaco" charset="0"/>
+                <a:cs typeface="Monaco" charset="0"/>
+              </a:rPr>
+              <a:t>i</a:t>
+            </a:r>
+            <a:r>
+              <a:rPr lang="en-US" sz="2200" dirty="0">
+                <a:latin typeface="Monaco" charset="0"/>
+                <a:ea typeface="Monaco" charset="0"/>
+                <a:cs typeface="Monaco" charset="0"/>
+              </a:rPr>
+              <a:t>] not in </a:t>
+            </a:r>
+            <a:r>
+              <a:rPr lang="en-US" sz="2200" dirty="0" err="1">
+                <a:latin typeface="Monaco" charset="0"/>
+                <a:ea typeface="Monaco" charset="0"/>
+                <a:cs typeface="Monaco" charset="0"/>
+              </a:rPr>
+              <a:t>p.edges</a:t>
+            </a:r>
+            <a:r>
+              <a:rPr lang="en-US" sz="2200" dirty="0">
+                <a:latin typeface="Monaco" charset="0"/>
+                <a:ea typeface="Monaco" charset="0"/>
+                <a:cs typeface="Monaco" charset="0"/>
+              </a:rPr>
+              <a:t>:</a:t>
+            </a:r>
+          </a:p>
+          <a:p>
+            <a:r>
+              <a:rPr lang="en-US" sz="2200" dirty="0">
+                <a:latin typeface="Monaco" charset="0"/>
+                <a:ea typeface="Monaco" charset="0"/>
+                <a:cs typeface="Monaco" charset="0"/>
+              </a:rPr>
+              <a:t>        </a:t>
+            </a:r>
+            <a:r>
+              <a:rPr lang="en-US" sz="2200" dirty="0" err="1">
+                <a:latin typeface="Monaco" charset="0"/>
+                <a:ea typeface="Monaco" charset="0"/>
+                <a:cs typeface="Monaco" charset="0"/>
+              </a:rPr>
+              <a:t>p.edges</a:t>
+            </a:r>
+            <a:r>
+              <a:rPr lang="en-US" sz="2200" dirty="0">
+                <a:latin typeface="Monaco" charset="0"/>
+                <a:ea typeface="Monaco" charset="0"/>
+                <a:cs typeface="Monaco" charset="0"/>
+              </a:rPr>
+              <a:t>[s[</a:t>
+            </a:r>
+            <a:r>
+              <a:rPr lang="en-US" sz="2200" dirty="0" err="1">
+                <a:latin typeface="Monaco" charset="0"/>
+                <a:ea typeface="Monaco" charset="0"/>
+                <a:cs typeface="Monaco" charset="0"/>
+              </a:rPr>
+              <a:t>i</a:t>
+            </a:r>
+            <a:r>
+              <a:rPr lang="en-US" sz="2200" dirty="0">
+                <a:latin typeface="Monaco" charset="0"/>
+                <a:ea typeface="Monaco" charset="0"/>
+                <a:cs typeface="Monaco" charset="0"/>
+              </a:rPr>
+              <a:t>]] = </a:t>
+            </a:r>
+            <a:r>
+              <a:rPr lang="en-US" sz="2200" dirty="0" err="1">
+                <a:latin typeface="Monaco" charset="0"/>
+                <a:ea typeface="Monaco" charset="0"/>
+                <a:cs typeface="Monaco" charset="0"/>
+              </a:rPr>
+              <a:t>TrieNode</a:t>
+            </a:r>
+            <a:r>
+              <a:rPr lang="en-US" sz="2200" dirty="0">
+                <a:latin typeface="Monaco" charset="0"/>
+                <a:ea typeface="Monaco" charset="0"/>
+                <a:cs typeface="Monaco" charset="0"/>
+              </a:rPr>
+              <a:t>()</a:t>
+            </a:r>
+          </a:p>
+          <a:p>
+            <a:r>
+              <a:rPr lang="en-US" sz="2200" dirty="0">
+                <a:latin typeface="Monaco" charset="0"/>
+                <a:ea typeface="Monaco" charset="0"/>
+                <a:cs typeface="Monaco" charset="0"/>
+              </a:rPr>
+              <a:t>    add(</a:t>
+            </a:r>
+            <a:r>
+              <a:rPr lang="en-US" sz="2200" dirty="0" err="1">
+                <a:latin typeface="Monaco" charset="0"/>
+                <a:ea typeface="Monaco" charset="0"/>
+                <a:cs typeface="Monaco" charset="0"/>
+              </a:rPr>
+              <a:t>p.edges</a:t>
+            </a:r>
+            <a:r>
+              <a:rPr lang="en-US" sz="2200" dirty="0">
+                <a:latin typeface="Monaco" charset="0"/>
+                <a:ea typeface="Monaco" charset="0"/>
+                <a:cs typeface="Monaco" charset="0"/>
+              </a:rPr>
+              <a:t>[s[</a:t>
+            </a:r>
+            <a:r>
+              <a:rPr lang="en-US" sz="2200" dirty="0" err="1">
+                <a:latin typeface="Monaco" charset="0"/>
+                <a:ea typeface="Monaco" charset="0"/>
+                <a:cs typeface="Monaco" charset="0"/>
+              </a:rPr>
+              <a:t>i</a:t>
+            </a:r>
+            <a:r>
+              <a:rPr lang="en-US" sz="2200" dirty="0">
+                <a:latin typeface="Monaco" charset="0"/>
+                <a:ea typeface="Monaco" charset="0"/>
+                <a:cs typeface="Monaco" charset="0"/>
+              </a:rPr>
+              <a:t>]], s, i+1)</a:t>
+            </a:r>
+          </a:p>
+        </p:txBody>
+      </p:sp>
+      <p:pic>
+        <p:nvPicPr>
+          <p:cNvPr id="7" name="Picture 6">
+            <a:extLst>
+              <a:ext uri="{FF2B5EF4-FFF2-40B4-BE49-F238E27FC236}">
+                <a16:creationId xmlns:a16="http://schemas.microsoft.com/office/drawing/2014/main" id="{D7E381D3-EAB2-5E40-B521-A37671F0DAD6}"/>
+              </a:ext>
+            </a:extLst>
+          </p:cNvPr>
+          <p:cNvPicPr>
+            <a:picLocks noChangeAspect="1"/>
+          </p:cNvPicPr>
+          <p:nvPr/>
+        </p:nvPicPr>
+        <p:blipFill>
+          <a:blip r:embed="rId2"/>
+          <a:stretch>
+            <a:fillRect/>
+          </a:stretch>
+        </p:blipFill>
+        <p:spPr>
+          <a:xfrm>
+            <a:off x="11061079" y="89106"/>
+            <a:ext cx="770363" cy="6180023"/>
+          </a:xfrm>
+          <a:prstGeom prst="rect">
+            <a:avLst/>
+          </a:prstGeom>
+        </p:spPr>
+      </p:pic>
+    </p:spTree>
+    <p:extLst>
+      <p:ext uri="{BB962C8B-B14F-4D97-AF65-F5344CB8AC3E}">
+        <p14:creationId xmlns:p14="http://schemas.microsoft.com/office/powerpoint/2010/main" val="3705709100"/>
+      </p:ext>
+    </p:extLst>
+  </p:cSld>
+  <p:clrMapOvr>
+    <a:masterClrMapping/>
+  </p:clrMapOvr>
+</p:sld>
+</file>
+
+<file path=ppt/slides/slide14.xml><?xml version="1.0" encoding="utf-8"?>
+<p:sld xmlns:a="http://schemas.openxmlformats.org/drawingml/2006/main" xmlns:r="http://schemas.openxmlformats.org/officeDocument/2006/relationships" xmlns:p="http://schemas.openxmlformats.org/presentationml/2006/main">
+  <p:cSld>
+    <p:spTree>
+      <p:nvGrpSpPr>
+        <p:cNvPr id="1" name=""/>
+        <p:cNvGrpSpPr/>
+        <p:nvPr/>
+      </p:nvGrpSpPr>
+      <p:grpSpPr>
+        <a:xfrm>
+          <a:off x="0" y="0"/>
+          <a:ext cx="0" cy="0"/>
+          <a:chOff x="0" y="0"/>
+          <a:chExt cx="0" cy="0"/>
+        </a:xfrm>
+      </p:grpSpPr>
+      <p:pic>
+        <p:nvPicPr>
+          <p:cNvPr id="9" name="Picture 8">
+            <a:extLst>
+              <a:ext uri="{FF2B5EF4-FFF2-40B4-BE49-F238E27FC236}">
+                <a16:creationId xmlns:a16="http://schemas.microsoft.com/office/drawing/2014/main" id="{2A865AB1-C48B-2547-81DE-57F6F2579C4D}"/>
+              </a:ext>
+            </a:extLst>
+          </p:cNvPr>
+          <p:cNvPicPr>
+            <a:picLocks noChangeAspect="1"/>
+          </p:cNvPicPr>
+          <p:nvPr/>
+        </p:nvPicPr>
+        <p:blipFill>
+          <a:blip r:embed="rId2"/>
+          <a:stretch>
+            <a:fillRect/>
+          </a:stretch>
+        </p:blipFill>
+        <p:spPr>
+          <a:xfrm>
+            <a:off x="8272347" y="3101942"/>
+            <a:ext cx="3890858" cy="3182654"/>
+          </a:xfrm>
+          <a:prstGeom prst="rect">
+            <a:avLst/>
+          </a:prstGeom>
+        </p:spPr>
+      </p:pic>
+      <p:sp>
+        <p:nvSpPr>
+          <p:cNvPr id="2" name="Title 1"/>
+          <p:cNvSpPr>
+            <a:spLocks noGrp="1"/>
+          </p:cNvSpPr>
+          <p:nvPr>
+            <p:ph type="title"/>
+          </p:nvPr>
+        </p:nvSpPr>
+        <p:spPr/>
+        <p:txBody>
+          <a:bodyPr/>
+          <a:lstStyle/>
+          <a:p>
+            <a:r>
+              <a:rPr lang="en-US" dirty="0"/>
+              <a:t>Searching a </a:t>
+            </a:r>
+            <a:r>
+              <a:rPr lang="en-US" dirty="0" err="1"/>
+              <a:t>Trie</a:t>
+            </a:r>
+            <a:br>
+              <a:rPr lang="en-US" dirty="0"/>
+            </a:br>
+            <a:r>
+              <a:rPr lang="en-US" sz="2800" dirty="0"/>
+              <a:t>(with analogies)</a:t>
+            </a:r>
+            <a:endParaRPr lang="en-US" sz="2800" i="1" dirty="0"/>
+          </a:p>
+        </p:txBody>
+      </p:sp>
+      <p:sp>
+        <p:nvSpPr>
+          <p:cNvPr id="3" name="Content Placeholder 2"/>
+          <p:cNvSpPr>
+            <a:spLocks noGrp="1"/>
+          </p:cNvSpPr>
+          <p:nvPr>
+            <p:ph idx="1"/>
+          </p:nvPr>
+        </p:nvSpPr>
+        <p:spPr>
+          <a:xfrm>
+            <a:off x="838200" y="1690688"/>
+            <a:ext cx="7646961" cy="4486275"/>
+          </a:xfrm>
+        </p:spPr>
+        <p:txBody>
+          <a:bodyPr/>
+          <a:lstStyle/>
+          <a:p>
+            <a:r>
+              <a:rPr lang="en-US" dirty="0"/>
+              <a:t>Return true if s is prefix of word in </a:t>
+            </a:r>
+            <a:r>
+              <a:rPr lang="en-US" dirty="0" err="1"/>
+              <a:t>Trie</a:t>
+            </a:r>
+            <a:r>
+              <a:rPr lang="en-US" dirty="0"/>
+              <a:t> or full word in </a:t>
+            </a:r>
+            <a:r>
+              <a:rPr lang="en-US" dirty="0" err="1"/>
+              <a:t>Trie</a:t>
+            </a:r>
+            <a:endParaRPr lang="en-US" dirty="0"/>
+          </a:p>
+          <a:p>
+            <a:r>
+              <a:rPr lang="en-US" dirty="0"/>
+              <a:t>Note that the search depends on </a:t>
+            </a:r>
+            <a:r>
+              <a:rPr lang="en-US" u="sng" dirty="0" err="1"/>
+              <a:t>len</a:t>
+            </a:r>
+            <a:r>
+              <a:rPr lang="en-US" u="sng" dirty="0"/>
+              <a:t>(s)</a:t>
+            </a:r>
+            <a:r>
+              <a:rPr lang="en-US" dirty="0"/>
+              <a:t> NOT </a:t>
+            </a:r>
+            <a:r>
+              <a:rPr lang="en-US" dirty="0" err="1"/>
+              <a:t>num</a:t>
+            </a:r>
+            <a:r>
+              <a:rPr lang="en-US" dirty="0"/>
+              <a:t> words n in the vocabulary!!!</a:t>
+            </a:r>
+          </a:p>
+        </p:txBody>
+      </p:sp>
+      <p:sp>
+        <p:nvSpPr>
+          <p:cNvPr id="4" name="TextBox 3">
+            <a:extLst>
+              <a:ext uri="{FF2B5EF4-FFF2-40B4-BE49-F238E27FC236}">
+                <a16:creationId xmlns:a16="http://schemas.microsoft.com/office/drawing/2014/main" id="{53E89B64-E4C7-B349-8F4D-C096A24A66FC}"/>
+              </a:ext>
+            </a:extLst>
+          </p:cNvPr>
+          <p:cNvSpPr txBox="1"/>
+          <p:nvPr/>
+        </p:nvSpPr>
+        <p:spPr>
+          <a:xfrm>
+            <a:off x="135673" y="3584459"/>
+            <a:ext cx="7960112" cy="2800767"/>
+          </a:xfrm>
+          <a:prstGeom prst="rect">
+            <a:avLst/>
+          </a:prstGeom>
+          <a:noFill/>
+          <a:ln>
+            <a:solidFill>
+              <a:schemeClr val="accent1"/>
+            </a:solidFill>
+          </a:ln>
+        </p:spPr>
+        <p:txBody>
+          <a:bodyPr wrap="square" rtlCol="0">
+            <a:spAutoFit/>
+          </a:bodyPr>
+          <a:lstStyle/>
+          <a:p>
+            <a:r>
+              <a:rPr lang="en-US" sz="2200" dirty="0" err="1">
+                <a:latin typeface="Monaco" charset="0"/>
+                <a:ea typeface="Monaco" charset="0"/>
+                <a:cs typeface="Monaco" charset="0"/>
+              </a:rPr>
+              <a:t>def</a:t>
+            </a:r>
+            <a:r>
+              <a:rPr lang="en-US" sz="2200" dirty="0">
+                <a:latin typeface="Monaco" charset="0"/>
+                <a:ea typeface="Monaco" charset="0"/>
+                <a:cs typeface="Monaco" charset="0"/>
+              </a:rPr>
               <a:t> search(</a:t>
             </a:r>
             <a:r>
@@ -5515,6 +6213,157 @@
           </a:p>
         </p:txBody>
       </p:sp>
+      <p:pic>
+        <p:nvPicPr>
+          <p:cNvPr id="6" name="Picture 5">
+            <a:extLst>
+              <a:ext uri="{FF2B5EF4-FFF2-40B4-BE49-F238E27FC236}">
+                <a16:creationId xmlns:a16="http://schemas.microsoft.com/office/drawing/2014/main" id="{AE26EACB-00FD-6B40-B46D-DC099C6F8A45}"/>
+              </a:ext>
+            </a:extLst>
+          </p:cNvPr>
+          <p:cNvPicPr>
+            <a:picLocks noChangeAspect="1"/>
+          </p:cNvPicPr>
+          <p:nvPr/>
+        </p:nvPicPr>
+        <p:blipFill>
+          <a:blip r:embed="rId3"/>
+          <a:stretch>
+            <a:fillRect/>
+          </a:stretch>
+        </p:blipFill>
+        <p:spPr>
+          <a:xfrm>
+            <a:off x="8485161" y="79143"/>
+            <a:ext cx="3614829" cy="2809023"/>
+          </a:xfrm>
+          <a:prstGeom prst="rect">
+            <a:avLst/>
+          </a:prstGeom>
+        </p:spPr>
+      </p:pic>
+      <p:sp>
+        <p:nvSpPr>
+          <p:cNvPr id="8" name="TextBox 7">
+            <a:extLst>
+              <a:ext uri="{FF2B5EF4-FFF2-40B4-BE49-F238E27FC236}">
+                <a16:creationId xmlns:a16="http://schemas.microsoft.com/office/drawing/2014/main" id="{CD2C5BF4-861E-8544-B545-49E73DEB7791}"/>
+              </a:ext>
+            </a:extLst>
+          </p:cNvPr>
+          <p:cNvSpPr txBox="1"/>
+          <p:nvPr/>
+        </p:nvSpPr>
+        <p:spPr>
+          <a:xfrm>
+            <a:off x="6768790" y="151349"/>
+            <a:ext cx="1771639" cy="1107996"/>
+          </a:xfrm>
+          <a:prstGeom prst="rect">
+            <a:avLst/>
+          </a:prstGeom>
+          <a:noFill/>
+        </p:spPr>
+        <p:txBody>
+          <a:bodyPr wrap="none" rtlCol="0">
+            <a:spAutoFit/>
+          </a:bodyPr>
+          <a:lstStyle/>
+          <a:p>
+            <a:r>
+              <a:rPr lang="en-US" sz="2200" dirty="0"/>
+              <a:t>choose door</a:t>
+            </a:r>
+          </a:p>
+          <a:p>
+            <a:r>
+              <a:rPr lang="en-US" sz="2200" dirty="0"/>
+              <a:t>based upon</a:t>
+            </a:r>
+          </a:p>
+          <a:p>
+            <a:r>
+              <a:rPr lang="en-US" sz="2200" dirty="0"/>
+              <a:t>current letter</a:t>
+            </a:r>
+          </a:p>
+        </p:txBody>
+      </p:sp>
+      <p:cxnSp>
+        <p:nvCxnSpPr>
+          <p:cNvPr id="11" name="Straight Arrow Connector 10">
+            <a:extLst>
+              <a:ext uri="{FF2B5EF4-FFF2-40B4-BE49-F238E27FC236}">
+                <a16:creationId xmlns:a16="http://schemas.microsoft.com/office/drawing/2014/main" id="{C7DF5C04-34ED-DC44-931A-A46DB1F59854}"/>
+              </a:ext>
+            </a:extLst>
+          </p:cNvPr>
+          <p:cNvCxnSpPr>
+            <a:cxnSpLocks/>
+          </p:cNvCxnSpPr>
+          <p:nvPr/>
+        </p:nvCxnSpPr>
+        <p:spPr>
+          <a:xfrm flipV="1">
+            <a:off x="4537276" y="4781937"/>
+            <a:ext cx="5221311" cy="739187"/>
+          </a:xfrm>
+          <a:prstGeom prst="straightConnector1">
+            <a:avLst/>
+          </a:prstGeom>
+          <a:ln w="19050">
+            <a:solidFill>
+              <a:schemeClr val="accent2"/>
+            </a:solidFill>
+            <a:tailEnd type="triangle"/>
+          </a:ln>
+        </p:spPr>
+        <p:style>
+          <a:lnRef idx="1">
+            <a:schemeClr val="accent1"/>
+          </a:lnRef>
+          <a:fillRef idx="0">
+            <a:schemeClr val="accent1"/>
+          </a:fillRef>
+          <a:effectRef idx="0">
+            <a:schemeClr val="accent1"/>
+          </a:effectRef>
+          <a:fontRef idx="minor">
+            <a:schemeClr val="tx1"/>
+          </a:fontRef>
+        </p:style>
+      </p:cxnSp>
+      <p:pic>
+        <p:nvPicPr>
+          <p:cNvPr id="15" name="Picture 14">
+            <a:extLst>
+              <a:ext uri="{FF2B5EF4-FFF2-40B4-BE49-F238E27FC236}">
+                <a16:creationId xmlns:a16="http://schemas.microsoft.com/office/drawing/2014/main" id="{51A83847-9F45-5347-BE2D-A3E938D350D6}"/>
+              </a:ext>
+            </a:extLst>
+          </p:cNvPr>
+          <p:cNvPicPr>
+            <a:picLocks noChangeAspect="1"/>
+          </p:cNvPicPr>
+          <p:nvPr/>
+        </p:nvPicPr>
+        <p:blipFill>
+          <a:blip r:embed="rId4"/>
+          <a:stretch>
+            <a:fillRect/>
+          </a:stretch>
+        </p:blipFill>
+        <p:spPr>
+          <a:xfrm>
+            <a:off x="8353256" y="3174148"/>
+            <a:ext cx="1405331" cy="468444"/>
+          </a:xfrm>
+          <a:prstGeom prst="rect">
+            <a:avLst/>
+          </a:prstGeom>
+        </p:spPr>
+      </p:pic>
     </p:spTree>
     <p:extLst>
       <p:ext uri="{BB962C8B-B14F-4D97-AF65-F5344CB8AC3E}">
@@ -5528,7 +6377,137 @@
 </p:sld>
 </file>
 
-<file path=ppt/slides/slide14.xml><?xml version="1.0" encoding="utf-8"?>
+<file path=ppt/slides/slide15.xml><?xml version="1.0" encoding="utf-8"?>
+<p:sld xmlns:a="http://schemas.openxmlformats.org/drawingml/2006/main" xmlns:r="http://schemas.openxmlformats.org/officeDocument/2006/relationships" xmlns:p="http://schemas.openxmlformats.org/presentationml/2006/main">
+  <p:cSld>
+    <p:spTree>
+      <p:nvGrpSpPr>
+        <p:cNvPr id="1" name=""/>
+        <p:cNvGrpSpPr/>
+        <p:nvPr/>
+      </p:nvGrpSpPr>
+      <p:grpSpPr>
+        <a:xfrm>
+          <a:off x="0" y="0"/>
+          <a:ext cx="0" cy="0"/>
+          <a:chOff x="0" y="0"/>
+          <a:chExt cx="0" cy="0"/>
+        </a:xfrm>
+      </p:grpSpPr>
+      <p:sp>
+        <p:nvSpPr>
+          <p:cNvPr id="2" name="Title 1">
+            <a:extLst>
+              <a:ext uri="{FF2B5EF4-FFF2-40B4-BE49-F238E27FC236}">
+                <a16:creationId xmlns:a16="http://schemas.microsoft.com/office/drawing/2014/main" id="{FBF5FE18-76F1-1C42-8C9A-97CFABB98DA0}"/>
+              </a:ext>
+            </a:extLst>
+          </p:cNvPr>
+          <p:cNvSpPr>
+            <a:spLocks noGrp="1"/>
+          </p:cNvSpPr>
+          <p:nvPr>
+            <p:ph type="title"/>
+          </p:nvPr>
+        </p:nvSpPr>
+        <p:spPr/>
+        <p:txBody>
+          <a:bodyPr/>
+          <a:lstStyle/>
+          <a:p>
+            <a:r>
+              <a:rPr lang="en-US" dirty="0"/>
+              <a:t>Can search for word sequences too</a:t>
+            </a:r>
+          </a:p>
+        </p:txBody>
+      </p:sp>
+      <p:sp>
+        <p:nvSpPr>
+          <p:cNvPr id="3" name="Content Placeholder 2">
+            <a:extLst>
+              <a:ext uri="{FF2B5EF4-FFF2-40B4-BE49-F238E27FC236}">
+                <a16:creationId xmlns:a16="http://schemas.microsoft.com/office/drawing/2014/main" id="{1006017E-B26A-3E4D-BFDB-F118E029000B}"/>
+              </a:ext>
+            </a:extLst>
+          </p:cNvPr>
+          <p:cNvSpPr>
+            <a:spLocks noGrp="1"/>
+          </p:cNvSpPr>
+          <p:nvPr>
+            <p:ph idx="1"/>
+          </p:nvPr>
+        </p:nvSpPr>
+        <p:spPr/>
+        <p:txBody>
+          <a:bodyPr/>
+          <a:lstStyle/>
+          <a:p>
+            <a:r>
+              <a:rPr lang="en-US" dirty="0"/>
+              <a:t>TRIE remembers set of sentences not words, in this case</a:t>
+            </a:r>
+          </a:p>
+          <a:p>
+            <a:r>
+              <a:rPr lang="en-US" dirty="0"/>
+              <a:t>Tokenize document into words then add sentence sequence to TRIE or just bigrams, trigrams </a:t>
+            </a:r>
+            <a:r>
+              <a:rPr lang="en-US" dirty="0" err="1"/>
+              <a:t>etc</a:t>
+            </a:r>
+            <a:r>
+              <a:rPr lang="en-US" dirty="0"/>
+              <a:t>…</a:t>
+            </a:r>
+          </a:p>
+        </p:txBody>
+      </p:sp>
+      <p:pic>
+        <p:nvPicPr>
+          <p:cNvPr id="4" name="Picture 3">
+            <a:extLst>
+              <a:ext uri="{FF2B5EF4-FFF2-40B4-BE49-F238E27FC236}">
+                <a16:creationId xmlns:a16="http://schemas.microsoft.com/office/drawing/2014/main" id="{BBCC03A5-6770-5841-A95F-274E89A928D8}"/>
+              </a:ext>
+            </a:extLst>
+          </p:cNvPr>
+          <p:cNvPicPr>
+            <a:picLocks noChangeAspect="1"/>
+          </p:cNvPicPr>
+          <p:nvPr/>
+        </p:nvPicPr>
+        <p:blipFill>
+          <a:blip r:embed="rId2"/>
+          <a:stretch>
+            <a:fillRect/>
+          </a:stretch>
+        </p:blipFill>
+        <p:spPr>
+          <a:xfrm>
+            <a:off x="2460881" y="3750982"/>
+            <a:ext cx="6988000" cy="1700694"/>
+          </a:xfrm>
+          <a:prstGeom prst="rect">
+            <a:avLst/>
+          </a:prstGeom>
+        </p:spPr>
+      </p:pic>
+    </p:spTree>
+    <p:extLst>
+      <p:ext uri="{BB962C8B-B14F-4D97-AF65-F5344CB8AC3E}">
+        <p14:creationId xmlns:p14="http://schemas.microsoft.com/office/powerpoint/2010/main" val="1438594461"/>
+      </p:ext>
+    </p:extLst>
+  </p:cSld>
+  <p:clrMapOvr>
+    <a:masterClrMapping/>
+  </p:clrMapOvr>
+</p:sld>
+</file>
+
+<file path=ppt/slides/slide16.xml><?xml version="1.0" encoding="utf-8"?>
 <p:sld xmlns:a="http://schemas.openxmlformats.org/drawingml/2006/main" xmlns:r="http://schemas.openxmlformats.org/officeDocument/2006/relationships" xmlns:p="http://schemas.openxmlformats.org/presentationml/2006/main">
   <p:cSld>
     <p:spTree>
@@ -5808,594 +6787,6 @@
 </p:sld>
 </file>
 
-<file path=ppt/slides/slide15.xml><?xml version="1.0" encoding="utf-8"?>
-<p:sld xmlns:a="http://schemas.openxmlformats.org/drawingml/2006/main" xmlns:r="http://schemas.openxmlformats.org/officeDocument/2006/relationships" xmlns:p="http://schemas.openxmlformats.org/presentationml/2006/main">
-  <p:cSld>
-    <p:spTree>
-      <p:nvGrpSpPr>
-        <p:cNvPr id="1" name=""/>
-        <p:cNvGrpSpPr/>
-        <p:nvPr/>
-      </p:nvGrpSpPr>
-      <p:grpSpPr>
-        <a:xfrm>
-          <a:off x="0" y="0"/>
-          <a:ext cx="0" cy="0"/>
-          <a:chOff x="0" y="0"/>
-          <a:chExt cx="0" cy="0"/>
-        </a:xfrm>
-      </p:grpSpPr>
-      <p:sp>
-        <p:nvSpPr>
-          <p:cNvPr id="2" name="Title 1">
-            <a:extLst>
-              <a:ext uri="{FF2B5EF4-FFF2-40B4-BE49-F238E27FC236}">
-                <a16:creationId xmlns:a16="http://schemas.microsoft.com/office/drawing/2014/main" id="{8EE0BAE5-7887-254A-94BF-F5E407B231C7}"/>
-              </a:ext>
-            </a:extLst>
-          </p:cNvPr>
-          <p:cNvSpPr>
-            <a:spLocks noGrp="1"/>
-          </p:cNvSpPr>
-          <p:nvPr>
-            <p:ph type="title"/>
-          </p:nvPr>
-        </p:nvSpPr>
-        <p:spPr>
-          <a:xfrm>
-            <a:off x="838200" y="365125"/>
-            <a:ext cx="11353800" cy="1325563"/>
-          </a:xfrm>
-        </p:spPr>
-        <p:txBody>
-          <a:bodyPr/>
-          <a:lstStyle/>
-          <a:p>
-            <a:r>
-              <a:rPr lang="en-US" b="1" dirty="0"/>
-              <a:t>Exercise</a:t>
-            </a:r>
-            <a:r>
-              <a:rPr lang="en-US" dirty="0"/>
-              <a:t>: Brute force dictionary search</a:t>
-            </a:r>
-          </a:p>
-        </p:txBody>
-      </p:sp>
-      <p:sp>
-        <p:nvSpPr>
-          <p:cNvPr id="3" name="Content Placeholder 2">
-            <a:extLst>
-              <a:ext uri="{FF2B5EF4-FFF2-40B4-BE49-F238E27FC236}">
-                <a16:creationId xmlns:a16="http://schemas.microsoft.com/office/drawing/2014/main" id="{B312B095-1A92-4D4E-8DD0-7EC38E69366B}"/>
-              </a:ext>
-            </a:extLst>
-          </p:cNvPr>
-          <p:cNvSpPr>
-            <a:spLocks noGrp="1"/>
-          </p:cNvSpPr>
-          <p:nvPr>
-            <p:ph idx="1"/>
-          </p:nvPr>
-        </p:nvSpPr>
-        <p:spPr>
-          <a:xfrm>
-            <a:off x="838200" y="1825625"/>
-            <a:ext cx="8997176" cy="4351338"/>
-          </a:xfrm>
-        </p:spPr>
-        <p:txBody>
-          <a:bodyPr>
-            <a:normAutofit/>
-          </a:bodyPr>
-          <a:lstStyle/>
-          <a:p>
-            <a:r>
-              <a:rPr lang="en-US" dirty="0"/>
-              <a:t>Load words from </a:t>
-            </a:r>
-            <a:r>
-              <a:rPr lang="en-US" b="1" dirty="0"/>
-              <a:t>/</a:t>
-            </a:r>
-            <a:r>
-              <a:rPr lang="en-US" b="1" dirty="0" err="1"/>
-              <a:t>usr</a:t>
-            </a:r>
-            <a:r>
-              <a:rPr lang="en-US" b="1" dirty="0"/>
-              <a:t>/share/</a:t>
-            </a:r>
-            <a:r>
-              <a:rPr lang="en-US" b="1" dirty="0" err="1"/>
-              <a:t>dict</a:t>
-            </a:r>
-            <a:r>
-              <a:rPr lang="en-US" b="1" dirty="0"/>
-              <a:t>/words</a:t>
-            </a:r>
-            <a:r>
-              <a:rPr lang="en-US" dirty="0"/>
-              <a:t> file (one per line) into list</a:t>
-            </a:r>
-          </a:p>
-          <a:p>
-            <a:r>
-              <a:rPr lang="en-US" dirty="0"/>
-              <a:t>Search for each word in list of words; what is complexity?</a:t>
-            </a:r>
-          </a:p>
-          <a:p>
-            <a:r>
-              <a:rPr lang="en-US" dirty="0"/>
-              <a:t>This takes almost 5 minutes on my fast computer. ugh</a:t>
-            </a:r>
-          </a:p>
-        </p:txBody>
-      </p:sp>
-      <p:sp>
-        <p:nvSpPr>
-          <p:cNvPr id="4" name="TextBox 3">
-            <a:extLst>
-              <a:ext uri="{FF2B5EF4-FFF2-40B4-BE49-F238E27FC236}">
-                <a16:creationId xmlns:a16="http://schemas.microsoft.com/office/drawing/2014/main" id="{E52E155C-C5BB-644F-A746-ECFDFF0F305D}"/>
-              </a:ext>
-            </a:extLst>
-          </p:cNvPr>
-          <p:cNvSpPr txBox="1"/>
-          <p:nvPr/>
-        </p:nvSpPr>
-        <p:spPr>
-          <a:xfrm>
-            <a:off x="0" y="6311900"/>
-            <a:ext cx="8097088" cy="369332"/>
-          </a:xfrm>
-          <a:prstGeom prst="rect">
-            <a:avLst/>
-          </a:prstGeom>
-          <a:noFill/>
-        </p:spPr>
-        <p:txBody>
-          <a:bodyPr wrap="none" rtlCol="0">
-            <a:spAutoFit/>
-          </a:bodyPr>
-          <a:lstStyle/>
-          <a:p>
-            <a:r>
-              <a:rPr lang="en-US" dirty="0"/>
-              <a:t>See solution </a:t>
-            </a:r>
-            <a:r>
-              <a:rPr lang="en-US" dirty="0">
-                <a:hlinkClick r:id="rId2"/>
-              </a:rPr>
-              <a:t>https://github.com/parrt/msds689/blob/master/notes/code/trie.py</a:t>
-            </a:r>
-            <a:endParaRPr lang="en-US" dirty="0"/>
-          </a:p>
-        </p:txBody>
-      </p:sp>
-      <p:sp>
-        <p:nvSpPr>
-          <p:cNvPr id="5" name="Rectangle 4">
-            <a:extLst>
-              <a:ext uri="{FF2B5EF4-FFF2-40B4-BE49-F238E27FC236}">
-                <a16:creationId xmlns:a16="http://schemas.microsoft.com/office/drawing/2014/main" id="{9ED212F0-4F65-164A-8728-B5FA7E840EA4}"/>
-              </a:ext>
-            </a:extLst>
-          </p:cNvPr>
-          <p:cNvSpPr/>
-          <p:nvPr/>
-        </p:nvSpPr>
-        <p:spPr>
-          <a:xfrm>
-            <a:off x="10220844" y="1690688"/>
-            <a:ext cx="1724722" cy="3693319"/>
-          </a:xfrm>
-          <a:prstGeom prst="rect">
-            <a:avLst/>
-          </a:prstGeom>
-        </p:spPr>
-        <p:txBody>
-          <a:bodyPr wrap="square">
-            <a:spAutoFit/>
-          </a:bodyPr>
-          <a:lstStyle/>
-          <a:p>
-            <a:r>
-              <a:rPr lang="en-US" dirty="0">
-                <a:solidFill>
-                  <a:srgbClr val="000000"/>
-                </a:solidFill>
-                <a:latin typeface="Monaco" pitchFamily="2" charset="77"/>
-              </a:rPr>
-              <a:t>A</a:t>
-            </a:r>
-          </a:p>
-          <a:p>
-            <a:r>
-              <a:rPr lang="en-US" dirty="0">
-                <a:solidFill>
-                  <a:srgbClr val="000000"/>
-                </a:solidFill>
-                <a:latin typeface="Monaco" pitchFamily="2" charset="77"/>
-              </a:rPr>
-              <a:t>a</a:t>
-            </a:r>
-          </a:p>
-          <a:p>
-            <a:r>
-              <a:rPr lang="en-US" dirty="0">
-                <a:solidFill>
-                  <a:srgbClr val="000000"/>
-                </a:solidFill>
-                <a:latin typeface="Monaco" pitchFamily="2" charset="77"/>
-              </a:rPr>
-              <a:t>aa</a:t>
-            </a:r>
-          </a:p>
-          <a:p>
-            <a:r>
-              <a:rPr lang="en-US" dirty="0" err="1">
-                <a:solidFill>
-                  <a:srgbClr val="000000"/>
-                </a:solidFill>
-                <a:latin typeface="Monaco" pitchFamily="2" charset="77"/>
-              </a:rPr>
-              <a:t>aal</a:t>
-            </a:r>
-            <a:endParaRPr lang="en-US" dirty="0">
-              <a:solidFill>
-                <a:srgbClr val="000000"/>
-              </a:solidFill>
-              <a:latin typeface="Monaco" pitchFamily="2" charset="77"/>
-            </a:endParaRPr>
-          </a:p>
-          <a:p>
-            <a:r>
-              <a:rPr lang="en-US" dirty="0">
-                <a:solidFill>
-                  <a:srgbClr val="000000"/>
-                </a:solidFill>
-                <a:latin typeface="Monaco" pitchFamily="2" charset="77"/>
-              </a:rPr>
-              <a:t>aalii</a:t>
-            </a:r>
-          </a:p>
-          <a:p>
-            <a:r>
-              <a:rPr lang="en-US" dirty="0" err="1">
-                <a:solidFill>
-                  <a:srgbClr val="000000"/>
-                </a:solidFill>
-                <a:latin typeface="Monaco" pitchFamily="2" charset="77"/>
-              </a:rPr>
-              <a:t>aam</a:t>
-            </a:r>
-            <a:endParaRPr lang="en-US" dirty="0">
-              <a:solidFill>
-                <a:srgbClr val="000000"/>
-              </a:solidFill>
-              <a:latin typeface="Monaco" pitchFamily="2" charset="77"/>
-            </a:endParaRPr>
-          </a:p>
-          <a:p>
-            <a:r>
-              <a:rPr lang="en-US" dirty="0" err="1">
-                <a:solidFill>
-                  <a:srgbClr val="000000"/>
-                </a:solidFill>
-                <a:latin typeface="Monaco" pitchFamily="2" charset="77"/>
-              </a:rPr>
-              <a:t>Aani</a:t>
-            </a:r>
-            <a:endParaRPr lang="en-US" dirty="0">
-              <a:solidFill>
-                <a:srgbClr val="000000"/>
-              </a:solidFill>
-              <a:latin typeface="Monaco" pitchFamily="2" charset="77"/>
-            </a:endParaRPr>
-          </a:p>
-          <a:p>
-            <a:r>
-              <a:rPr lang="en-US" dirty="0">
-                <a:solidFill>
-                  <a:srgbClr val="000000"/>
-                </a:solidFill>
-                <a:latin typeface="Monaco" pitchFamily="2" charset="77"/>
-              </a:rPr>
-              <a:t>aardvark</a:t>
-            </a:r>
-          </a:p>
-          <a:p>
-            <a:r>
-              <a:rPr lang="en-US" dirty="0">
-                <a:solidFill>
-                  <a:srgbClr val="000000"/>
-                </a:solidFill>
-                <a:latin typeface="Monaco" pitchFamily="2" charset="77"/>
-              </a:rPr>
-              <a:t>aardwolf</a:t>
-            </a:r>
-          </a:p>
-          <a:p>
-            <a:r>
-              <a:rPr lang="en-US" dirty="0">
-                <a:solidFill>
-                  <a:srgbClr val="000000"/>
-                </a:solidFill>
-                <a:latin typeface="Monaco" pitchFamily="2" charset="77"/>
-              </a:rPr>
-              <a:t>Aaron</a:t>
-            </a:r>
-          </a:p>
-          <a:p>
-            <a:r>
-              <a:rPr lang="en-US" dirty="0">
-                <a:solidFill>
-                  <a:srgbClr val="000000"/>
-                </a:solidFill>
-                <a:latin typeface="Monaco" pitchFamily="2" charset="77"/>
-              </a:rPr>
-              <a:t>Aaronic</a:t>
-            </a:r>
-          </a:p>
-          <a:p>
-            <a:r>
-              <a:rPr lang="en-US" dirty="0" err="1">
-                <a:solidFill>
-                  <a:srgbClr val="000000"/>
-                </a:solidFill>
-                <a:latin typeface="Monaco" pitchFamily="2" charset="77"/>
-              </a:rPr>
-              <a:t>Aaronical</a:t>
-            </a:r>
-            <a:endParaRPr lang="en-US" dirty="0">
-              <a:solidFill>
-                <a:srgbClr val="000000"/>
-              </a:solidFill>
-              <a:latin typeface="Monaco" pitchFamily="2" charset="77"/>
-            </a:endParaRPr>
-          </a:p>
-          <a:p>
-            <a:r>
-              <a:rPr lang="en-US" dirty="0">
-                <a:solidFill>
-                  <a:srgbClr val="000000"/>
-                </a:solidFill>
-                <a:effectLst/>
-                <a:latin typeface="Monaco" pitchFamily="2" charset="77"/>
-              </a:rPr>
-              <a:t>…</a:t>
-            </a:r>
-          </a:p>
-        </p:txBody>
-      </p:sp>
-    </p:spTree>
-    <p:extLst>
-      <p:ext uri="{BB962C8B-B14F-4D97-AF65-F5344CB8AC3E}">
-        <p14:creationId xmlns:p14="http://schemas.microsoft.com/office/powerpoint/2010/main" val="3436461503"/>
-      </p:ext>
-    </p:extLst>
-  </p:cSld>
-  <p:clrMapOvr>
-    <a:masterClrMapping/>
-  </p:clrMapOvr>
-</p:sld>
-</file>
-
-<file path=ppt/slides/slide16.xml><?xml version="1.0" encoding="utf-8"?>
-<p:sld xmlns:a="http://schemas.openxmlformats.org/drawingml/2006/main" xmlns:r="http://schemas.openxmlformats.org/officeDocument/2006/relationships" xmlns:p="http://schemas.openxmlformats.org/presentationml/2006/main">
-  <p:cSld>
-    <p:spTree>
-      <p:nvGrpSpPr>
-        <p:cNvPr id="1" name=""/>
-        <p:cNvGrpSpPr/>
-        <p:nvPr/>
-      </p:nvGrpSpPr>
-      <p:grpSpPr>
-        <a:xfrm>
-          <a:off x="0" y="0"/>
-          <a:ext cx="0" cy="0"/>
-          <a:chOff x="0" y="0"/>
-          <a:chExt cx="0" cy="0"/>
-        </a:xfrm>
-      </p:grpSpPr>
-      <p:sp>
-        <p:nvSpPr>
-          <p:cNvPr id="2" name="Title 1">
-            <a:extLst>
-              <a:ext uri="{FF2B5EF4-FFF2-40B4-BE49-F238E27FC236}">
-                <a16:creationId xmlns:a16="http://schemas.microsoft.com/office/drawing/2014/main" id="{75EA49D3-0D3B-1C4C-ACF3-C67C08F637C8}"/>
-              </a:ext>
-            </a:extLst>
-          </p:cNvPr>
-          <p:cNvSpPr>
-            <a:spLocks noGrp="1"/>
-          </p:cNvSpPr>
-          <p:nvPr>
-            <p:ph type="title"/>
-          </p:nvPr>
-        </p:nvSpPr>
-        <p:spPr>
-          <a:xfrm>
-            <a:off x="838200" y="365125"/>
-            <a:ext cx="11353800" cy="1325563"/>
-          </a:xfrm>
-        </p:spPr>
-        <p:txBody>
-          <a:bodyPr/>
-          <a:lstStyle/>
-          <a:p>
-            <a:r>
-              <a:rPr lang="en-US" b="1" dirty="0"/>
-              <a:t>Exercise</a:t>
-            </a:r>
-            <a:r>
-              <a:rPr lang="en-US" dirty="0"/>
-              <a:t>: Build </a:t>
-            </a:r>
-            <a:r>
-              <a:rPr lang="en-US" dirty="0" err="1"/>
-              <a:t>Trie</a:t>
-            </a:r>
-            <a:r>
-              <a:rPr lang="en-US" dirty="0"/>
-              <a:t> from dictionary of words</a:t>
-            </a:r>
-          </a:p>
-        </p:txBody>
-      </p:sp>
-      <p:sp>
-        <p:nvSpPr>
-          <p:cNvPr id="3" name="Content Placeholder 2">
-            <a:extLst>
-              <a:ext uri="{FF2B5EF4-FFF2-40B4-BE49-F238E27FC236}">
-                <a16:creationId xmlns:a16="http://schemas.microsoft.com/office/drawing/2014/main" id="{E4C7E417-9DFA-CE45-979D-F475A80168FB}"/>
-              </a:ext>
-            </a:extLst>
-          </p:cNvPr>
-          <p:cNvSpPr>
-            <a:spLocks noGrp="1"/>
-          </p:cNvSpPr>
-          <p:nvPr>
-            <p:ph idx="1"/>
-          </p:nvPr>
-        </p:nvSpPr>
-        <p:spPr/>
-        <p:txBody>
-          <a:bodyPr/>
-          <a:lstStyle/>
-          <a:p>
-            <a:r>
-              <a:rPr lang="en-US" dirty="0"/>
-              <a:t>From searching notebook, get </a:t>
-            </a:r>
-            <a:r>
-              <a:rPr lang="en-US" dirty="0" err="1"/>
-              <a:t>Trie</a:t>
-            </a:r>
-            <a:r>
-              <a:rPr lang="en-US" dirty="0"/>
-              <a:t> implementation</a:t>
-            </a:r>
-          </a:p>
-          <a:p>
-            <a:r>
-              <a:rPr lang="en-US" dirty="0"/>
-              <a:t>Add each word to a </a:t>
-            </a:r>
-            <a:r>
-              <a:rPr lang="en-US" dirty="0" err="1"/>
-              <a:t>trie</a:t>
-            </a:r>
-            <a:r>
-              <a:rPr lang="en-US" dirty="0"/>
-              <a:t>, which takes about 6s on my machine</a:t>
-            </a:r>
-          </a:p>
-          <a:p>
-            <a:r>
-              <a:rPr lang="en-US" dirty="0"/>
-              <a:t>Search the </a:t>
-            </a:r>
-            <a:r>
-              <a:rPr lang="en-US" dirty="0" err="1"/>
-              <a:t>trie</a:t>
-            </a:r>
-            <a:r>
-              <a:rPr lang="en-US" dirty="0"/>
-              <a:t> for each of 235,886 words; takes 0.75s for me!!</a:t>
-            </a:r>
-          </a:p>
-          <a:p>
-            <a:r>
-              <a:rPr lang="en-US" dirty="0"/>
-              <a:t>Rejoice in your new super powers</a:t>
-            </a:r>
-          </a:p>
-          <a:p>
-            <a:r>
-              <a:rPr lang="en-US" dirty="0"/>
-              <a:t>Cool interview question/task:</a:t>
-            </a:r>
-            <a:br>
-              <a:rPr lang="en-US" dirty="0"/>
-            </a:br>
-            <a:r>
-              <a:rPr lang="en-US" dirty="0"/>
-              <a:t>How can you do fast spell checking on big documents?</a:t>
-            </a:r>
-          </a:p>
-        </p:txBody>
-      </p:sp>
-      <p:sp>
-        <p:nvSpPr>
-          <p:cNvPr id="4" name="TextBox 3">
-            <a:extLst>
-              <a:ext uri="{FF2B5EF4-FFF2-40B4-BE49-F238E27FC236}">
-                <a16:creationId xmlns:a16="http://schemas.microsoft.com/office/drawing/2014/main" id="{47988AE6-331F-864A-963A-42008DA144C2}"/>
-              </a:ext>
-            </a:extLst>
-          </p:cNvPr>
-          <p:cNvSpPr txBox="1"/>
-          <p:nvPr/>
-        </p:nvSpPr>
-        <p:spPr>
-          <a:xfrm>
-            <a:off x="0" y="6311900"/>
-            <a:ext cx="8097088" cy="369332"/>
-          </a:xfrm>
-          <a:prstGeom prst="rect">
-            <a:avLst/>
-          </a:prstGeom>
-          <a:noFill/>
-        </p:spPr>
-        <p:txBody>
-          <a:bodyPr wrap="none" rtlCol="0">
-            <a:spAutoFit/>
-          </a:bodyPr>
-          <a:lstStyle/>
-          <a:p>
-            <a:r>
-              <a:rPr lang="en-US" dirty="0"/>
-              <a:t>See solution </a:t>
-            </a:r>
-            <a:r>
-              <a:rPr lang="en-US" dirty="0">
-                <a:hlinkClick r:id="rId2"/>
-              </a:rPr>
-              <a:t>https://github.com/parrt/msds689/blob/master/notes/code/</a:t>
-            </a:r>
-            <a:r>
-              <a:rPr lang="en-US" dirty="0" err="1">
-                <a:hlinkClick r:id="rId2"/>
-              </a:rPr>
-              <a:t>trie.p</a:t>
-            </a:r>
-            <a:r>
-              <a:rPr lang="en-US" dirty="0" err="1">
-                <a:hlinkClick r:id="rId2"/>
-              </a:rPr>
-              <a:t>y</a:t>
-            </a:r>
-            <a:endParaRPr lang="en-US" dirty="0"/>
-          </a:p>
-        </p:txBody>
-      </p:sp>
-    </p:spTree>
-    <p:extLst>
-      <p:ext uri="{BB962C8B-B14F-4D97-AF65-F5344CB8AC3E}">
-        <p14:creationId xmlns:p14="http://schemas.microsoft.com/office/powerpoint/2010/main" val="3412567043"/>
-      </p:ext>
-    </p:extLst>
-  </p:cSld>
-  <p:clrMapOvr>
-    <a:masterClrMapping/>
-  </p:clrMapOvr>
-</p:sld>
-</file>
-
 <file path=ppt/slides/slide17.xml><?xml version="1.0" encoding="utf-8"?>
 <p:sld xmlns:a="http://schemas.openxmlformats.org/drawingml/2006/main" xmlns:r="http://schemas.openxmlformats.org/officeDocument/2006/relationships" xmlns:p="http://schemas.openxmlformats.org/presentationml/2006/main">
   <p:cSld>
@@ -6418,6 +6809,588 @@
           <p:cNvPr id="2" name="Title 1">
             <a:extLst>
               <a:ext uri="{FF2B5EF4-FFF2-40B4-BE49-F238E27FC236}">
+                <a16:creationId xmlns:a16="http://schemas.microsoft.com/office/drawing/2014/main" id="{8EE0BAE5-7887-254A-94BF-F5E407B231C7}"/>
+              </a:ext>
+            </a:extLst>
+          </p:cNvPr>
+          <p:cNvSpPr>
+            <a:spLocks noGrp="1"/>
+          </p:cNvSpPr>
+          <p:nvPr>
+            <p:ph type="title"/>
+          </p:nvPr>
+        </p:nvSpPr>
+        <p:spPr>
+          <a:xfrm>
+            <a:off x="838200" y="365125"/>
+            <a:ext cx="11353800" cy="1325563"/>
+          </a:xfrm>
+        </p:spPr>
+        <p:txBody>
+          <a:bodyPr/>
+          <a:lstStyle/>
+          <a:p>
+            <a:r>
+              <a:rPr lang="en-US" b="1" dirty="0"/>
+              <a:t>Exercise</a:t>
+            </a:r>
+            <a:r>
+              <a:rPr lang="en-US" dirty="0"/>
+              <a:t>: Brute force dictionary search</a:t>
+            </a:r>
+          </a:p>
+        </p:txBody>
+      </p:sp>
+      <p:sp>
+        <p:nvSpPr>
+          <p:cNvPr id="3" name="Content Placeholder 2">
+            <a:extLst>
+              <a:ext uri="{FF2B5EF4-FFF2-40B4-BE49-F238E27FC236}">
+                <a16:creationId xmlns:a16="http://schemas.microsoft.com/office/drawing/2014/main" id="{B312B095-1A92-4D4E-8DD0-7EC38E69366B}"/>
+              </a:ext>
+            </a:extLst>
+          </p:cNvPr>
+          <p:cNvSpPr>
+            <a:spLocks noGrp="1"/>
+          </p:cNvSpPr>
+          <p:nvPr>
+            <p:ph idx="1"/>
+          </p:nvPr>
+        </p:nvSpPr>
+        <p:spPr>
+          <a:xfrm>
+            <a:off x="838200" y="1825625"/>
+            <a:ext cx="8997176" cy="4351338"/>
+          </a:xfrm>
+        </p:spPr>
+        <p:txBody>
+          <a:bodyPr>
+            <a:normAutofit/>
+          </a:bodyPr>
+          <a:lstStyle/>
+          <a:p>
+            <a:r>
+              <a:rPr lang="en-US" dirty="0"/>
+              <a:t>Load words from </a:t>
+            </a:r>
+            <a:r>
+              <a:rPr lang="en-US" b="1" dirty="0"/>
+              <a:t>/</a:t>
+            </a:r>
+            <a:r>
+              <a:rPr lang="en-US" b="1" dirty="0" err="1"/>
+              <a:t>usr</a:t>
+            </a:r>
+            <a:r>
+              <a:rPr lang="en-US" b="1" dirty="0"/>
+              <a:t>/share/</a:t>
+            </a:r>
+            <a:r>
+              <a:rPr lang="en-US" b="1" dirty="0" err="1"/>
+              <a:t>dict</a:t>
+            </a:r>
+            <a:r>
+              <a:rPr lang="en-US" b="1" dirty="0"/>
+              <a:t>/words</a:t>
+            </a:r>
+            <a:r>
+              <a:rPr lang="en-US" dirty="0"/>
+              <a:t> file (one per line) into list</a:t>
+            </a:r>
+          </a:p>
+          <a:p>
+            <a:r>
+              <a:rPr lang="en-US" dirty="0"/>
+              <a:t>Search for each word in list of words; what is complexity?</a:t>
+            </a:r>
+          </a:p>
+          <a:p>
+            <a:r>
+              <a:rPr lang="en-US" dirty="0"/>
+              <a:t>This takes almost 5 minutes on my fast computer. ugh</a:t>
+            </a:r>
+          </a:p>
+        </p:txBody>
+      </p:sp>
+      <p:sp>
+        <p:nvSpPr>
+          <p:cNvPr id="4" name="TextBox 3">
+            <a:extLst>
+              <a:ext uri="{FF2B5EF4-FFF2-40B4-BE49-F238E27FC236}">
+                <a16:creationId xmlns:a16="http://schemas.microsoft.com/office/drawing/2014/main" id="{E52E155C-C5BB-644F-A746-ECFDFF0F305D}"/>
+              </a:ext>
+            </a:extLst>
+          </p:cNvPr>
+          <p:cNvSpPr txBox="1"/>
+          <p:nvPr/>
+        </p:nvSpPr>
+        <p:spPr>
+          <a:xfrm>
+            <a:off x="0" y="6311900"/>
+            <a:ext cx="8097088" cy="369332"/>
+          </a:xfrm>
+          <a:prstGeom prst="rect">
+            <a:avLst/>
+          </a:prstGeom>
+          <a:noFill/>
+        </p:spPr>
+        <p:txBody>
+          <a:bodyPr wrap="none" rtlCol="0">
+            <a:spAutoFit/>
+          </a:bodyPr>
+          <a:lstStyle/>
+          <a:p>
+            <a:r>
+              <a:rPr lang="en-US" dirty="0"/>
+              <a:t>See solution </a:t>
+            </a:r>
+            <a:r>
+              <a:rPr lang="en-US" dirty="0">
+                <a:hlinkClick r:id="rId2"/>
+              </a:rPr>
+              <a:t>https://github.com/parrt/msds689/blob/master/notes/code/trie.py</a:t>
+            </a:r>
+            <a:endParaRPr lang="en-US" dirty="0"/>
+          </a:p>
+        </p:txBody>
+      </p:sp>
+      <p:sp>
+        <p:nvSpPr>
+          <p:cNvPr id="5" name="Rectangle 4">
+            <a:extLst>
+              <a:ext uri="{FF2B5EF4-FFF2-40B4-BE49-F238E27FC236}">
+                <a16:creationId xmlns:a16="http://schemas.microsoft.com/office/drawing/2014/main" id="{9ED212F0-4F65-164A-8728-B5FA7E840EA4}"/>
+              </a:ext>
+            </a:extLst>
+          </p:cNvPr>
+          <p:cNvSpPr/>
+          <p:nvPr/>
+        </p:nvSpPr>
+        <p:spPr>
+          <a:xfrm>
+            <a:off x="10220844" y="1690688"/>
+            <a:ext cx="1724722" cy="3693319"/>
+          </a:xfrm>
+          <a:prstGeom prst="rect">
+            <a:avLst/>
+          </a:prstGeom>
+        </p:spPr>
+        <p:txBody>
+          <a:bodyPr wrap="square">
+            <a:spAutoFit/>
+          </a:bodyPr>
+          <a:lstStyle/>
+          <a:p>
+            <a:r>
+              <a:rPr lang="en-US" dirty="0">
+                <a:solidFill>
+                  <a:srgbClr val="000000"/>
+                </a:solidFill>
+                <a:latin typeface="Monaco" pitchFamily="2" charset="77"/>
+              </a:rPr>
+              <a:t>A</a:t>
+            </a:r>
+          </a:p>
+          <a:p>
+            <a:r>
+              <a:rPr lang="en-US" dirty="0">
+                <a:solidFill>
+                  <a:srgbClr val="000000"/>
+                </a:solidFill>
+                <a:latin typeface="Monaco" pitchFamily="2" charset="77"/>
+              </a:rPr>
+              <a:t>a</a:t>
+            </a:r>
+          </a:p>
+          <a:p>
+            <a:r>
+              <a:rPr lang="en-US" dirty="0">
+                <a:solidFill>
+                  <a:srgbClr val="000000"/>
+                </a:solidFill>
+                <a:latin typeface="Monaco" pitchFamily="2" charset="77"/>
+              </a:rPr>
+              <a:t>aa</a:t>
+            </a:r>
+          </a:p>
+          <a:p>
+            <a:r>
+              <a:rPr lang="en-US" dirty="0" err="1">
+                <a:solidFill>
+                  <a:srgbClr val="000000"/>
+                </a:solidFill>
+                <a:latin typeface="Monaco" pitchFamily="2" charset="77"/>
+              </a:rPr>
+              <a:t>aal</a:t>
+            </a:r>
+            <a:endParaRPr lang="en-US" dirty="0">
+              <a:solidFill>
+                <a:srgbClr val="000000"/>
+              </a:solidFill>
+              <a:latin typeface="Monaco" pitchFamily="2" charset="77"/>
+            </a:endParaRPr>
+          </a:p>
+          <a:p>
+            <a:r>
+              <a:rPr lang="en-US" dirty="0">
+                <a:solidFill>
+                  <a:srgbClr val="000000"/>
+                </a:solidFill>
+                <a:latin typeface="Monaco" pitchFamily="2" charset="77"/>
+              </a:rPr>
+              <a:t>aalii</a:t>
+            </a:r>
+          </a:p>
+          <a:p>
+            <a:r>
+              <a:rPr lang="en-US" dirty="0" err="1">
+                <a:solidFill>
+                  <a:srgbClr val="000000"/>
+                </a:solidFill>
+                <a:latin typeface="Monaco" pitchFamily="2" charset="77"/>
+              </a:rPr>
+              <a:t>aam</a:t>
+            </a:r>
+            <a:endParaRPr lang="en-US" dirty="0">
+              <a:solidFill>
+                <a:srgbClr val="000000"/>
+              </a:solidFill>
+              <a:latin typeface="Monaco" pitchFamily="2" charset="77"/>
+            </a:endParaRPr>
+          </a:p>
+          <a:p>
+            <a:r>
+              <a:rPr lang="en-US" dirty="0" err="1">
+                <a:solidFill>
+                  <a:srgbClr val="000000"/>
+                </a:solidFill>
+                <a:latin typeface="Monaco" pitchFamily="2" charset="77"/>
+              </a:rPr>
+              <a:t>Aani</a:t>
+            </a:r>
+            <a:endParaRPr lang="en-US" dirty="0">
+              <a:solidFill>
+                <a:srgbClr val="000000"/>
+              </a:solidFill>
+              <a:latin typeface="Monaco" pitchFamily="2" charset="77"/>
+            </a:endParaRPr>
+          </a:p>
+          <a:p>
+            <a:r>
+              <a:rPr lang="en-US" dirty="0">
+                <a:solidFill>
+                  <a:srgbClr val="000000"/>
+                </a:solidFill>
+                <a:latin typeface="Monaco" pitchFamily="2" charset="77"/>
+              </a:rPr>
+              <a:t>aardvark</a:t>
+            </a:r>
+          </a:p>
+          <a:p>
+            <a:r>
+              <a:rPr lang="en-US" dirty="0">
+                <a:solidFill>
+                  <a:srgbClr val="000000"/>
+                </a:solidFill>
+                <a:latin typeface="Monaco" pitchFamily="2" charset="77"/>
+              </a:rPr>
+              <a:t>aardwolf</a:t>
+            </a:r>
+          </a:p>
+          <a:p>
+            <a:r>
+              <a:rPr lang="en-US" dirty="0">
+                <a:solidFill>
+                  <a:srgbClr val="000000"/>
+                </a:solidFill>
+                <a:latin typeface="Monaco" pitchFamily="2" charset="77"/>
+              </a:rPr>
+              <a:t>Aaron</a:t>
+            </a:r>
+          </a:p>
+          <a:p>
+            <a:r>
+              <a:rPr lang="en-US" dirty="0">
+                <a:solidFill>
+                  <a:srgbClr val="000000"/>
+                </a:solidFill>
+                <a:latin typeface="Monaco" pitchFamily="2" charset="77"/>
+              </a:rPr>
+              <a:t>Aaronic</a:t>
+            </a:r>
+          </a:p>
+          <a:p>
+            <a:r>
+              <a:rPr lang="en-US" dirty="0" err="1">
+                <a:solidFill>
+                  <a:srgbClr val="000000"/>
+                </a:solidFill>
+                <a:latin typeface="Monaco" pitchFamily="2" charset="77"/>
+              </a:rPr>
+              <a:t>Aaronical</a:t>
+            </a:r>
+            <a:endParaRPr lang="en-US" dirty="0">
+              <a:solidFill>
+                <a:srgbClr val="000000"/>
+              </a:solidFill>
+              <a:latin typeface="Monaco" pitchFamily="2" charset="77"/>
+            </a:endParaRPr>
+          </a:p>
+          <a:p>
+            <a:r>
+              <a:rPr lang="en-US" dirty="0">
+                <a:solidFill>
+                  <a:srgbClr val="000000"/>
+                </a:solidFill>
+                <a:effectLst/>
+                <a:latin typeface="Monaco" pitchFamily="2" charset="77"/>
+              </a:rPr>
+              <a:t>…</a:t>
+            </a:r>
+          </a:p>
+        </p:txBody>
+      </p:sp>
+    </p:spTree>
+    <p:extLst>
+      <p:ext uri="{BB962C8B-B14F-4D97-AF65-F5344CB8AC3E}">
+        <p14:creationId xmlns:p14="http://schemas.microsoft.com/office/powerpoint/2010/main" val="3436461503"/>
+      </p:ext>
+    </p:extLst>
+  </p:cSld>
+  <p:clrMapOvr>
+    <a:masterClrMapping/>
+  </p:clrMapOvr>
+</p:sld>
+</file>
+
+<file path=ppt/slides/slide18.xml><?xml version="1.0" encoding="utf-8"?>
+<p:sld xmlns:a="http://schemas.openxmlformats.org/drawingml/2006/main" xmlns:r="http://schemas.openxmlformats.org/officeDocument/2006/relationships" xmlns:p="http://schemas.openxmlformats.org/presentationml/2006/main">
+  <p:cSld>
+    <p:spTree>
+      <p:nvGrpSpPr>
+        <p:cNvPr id="1" name=""/>
+        <p:cNvGrpSpPr/>
+        <p:nvPr/>
+      </p:nvGrpSpPr>
+      <p:grpSpPr>
+        <a:xfrm>
+          <a:off x="0" y="0"/>
+          <a:ext cx="0" cy="0"/>
+          <a:chOff x="0" y="0"/>
+          <a:chExt cx="0" cy="0"/>
+        </a:xfrm>
+      </p:grpSpPr>
+      <p:sp>
+        <p:nvSpPr>
+          <p:cNvPr id="2" name="Title 1">
+            <a:extLst>
+              <a:ext uri="{FF2B5EF4-FFF2-40B4-BE49-F238E27FC236}">
+                <a16:creationId xmlns:a16="http://schemas.microsoft.com/office/drawing/2014/main" id="{75EA49D3-0D3B-1C4C-ACF3-C67C08F637C8}"/>
+              </a:ext>
+            </a:extLst>
+          </p:cNvPr>
+          <p:cNvSpPr>
+            <a:spLocks noGrp="1"/>
+          </p:cNvSpPr>
+          <p:nvPr>
+            <p:ph type="title"/>
+          </p:nvPr>
+        </p:nvSpPr>
+        <p:spPr>
+          <a:xfrm>
+            <a:off x="838200" y="365125"/>
+            <a:ext cx="11353800" cy="1325563"/>
+          </a:xfrm>
+        </p:spPr>
+        <p:txBody>
+          <a:bodyPr/>
+          <a:lstStyle/>
+          <a:p>
+            <a:r>
+              <a:rPr lang="en-US" b="1" dirty="0"/>
+              <a:t>Exercise</a:t>
+            </a:r>
+            <a:r>
+              <a:rPr lang="en-US" dirty="0"/>
+              <a:t>: Build </a:t>
+            </a:r>
+            <a:r>
+              <a:rPr lang="en-US" dirty="0" err="1"/>
+              <a:t>Trie</a:t>
+            </a:r>
+            <a:r>
+              <a:rPr lang="en-US" dirty="0"/>
+              <a:t> from dictionary of words</a:t>
+            </a:r>
+          </a:p>
+        </p:txBody>
+      </p:sp>
+      <p:sp>
+        <p:nvSpPr>
+          <p:cNvPr id="3" name="Content Placeholder 2">
+            <a:extLst>
+              <a:ext uri="{FF2B5EF4-FFF2-40B4-BE49-F238E27FC236}">
+                <a16:creationId xmlns:a16="http://schemas.microsoft.com/office/drawing/2014/main" id="{E4C7E417-9DFA-CE45-979D-F475A80168FB}"/>
+              </a:ext>
+            </a:extLst>
+          </p:cNvPr>
+          <p:cNvSpPr>
+            <a:spLocks noGrp="1"/>
+          </p:cNvSpPr>
+          <p:nvPr>
+            <p:ph idx="1"/>
+          </p:nvPr>
+        </p:nvSpPr>
+        <p:spPr/>
+        <p:txBody>
+          <a:bodyPr/>
+          <a:lstStyle/>
+          <a:p>
+            <a:r>
+              <a:rPr lang="en-US" dirty="0"/>
+              <a:t>From searching notebook, get </a:t>
+            </a:r>
+            <a:r>
+              <a:rPr lang="en-US" dirty="0" err="1"/>
+              <a:t>Trie</a:t>
+            </a:r>
+            <a:r>
+              <a:rPr lang="en-US" dirty="0"/>
+              <a:t> implementation</a:t>
+            </a:r>
+          </a:p>
+          <a:p>
+            <a:r>
+              <a:rPr lang="en-US" dirty="0"/>
+              <a:t>Add each word to a </a:t>
+            </a:r>
+            <a:r>
+              <a:rPr lang="en-US" dirty="0" err="1"/>
+              <a:t>trie</a:t>
+            </a:r>
+            <a:r>
+              <a:rPr lang="en-US" dirty="0"/>
+              <a:t>, which takes about 6s on my machine</a:t>
+            </a:r>
+          </a:p>
+          <a:p>
+            <a:r>
+              <a:rPr lang="en-US" dirty="0"/>
+              <a:t>Search the </a:t>
+            </a:r>
+            <a:r>
+              <a:rPr lang="en-US" dirty="0" err="1"/>
+              <a:t>trie</a:t>
+            </a:r>
+            <a:r>
+              <a:rPr lang="en-US" dirty="0"/>
+              <a:t> for each of 235,886 words; takes 0.75s for me!!</a:t>
+            </a:r>
+          </a:p>
+          <a:p>
+            <a:r>
+              <a:rPr lang="en-US" dirty="0"/>
+              <a:t>Rejoice in your new super powers</a:t>
+            </a:r>
+          </a:p>
+          <a:p>
+            <a:r>
+              <a:rPr lang="en-US" dirty="0"/>
+              <a:t>Cool interview question/task:</a:t>
+            </a:r>
+            <a:br>
+              <a:rPr lang="en-US" dirty="0"/>
+            </a:br>
+            <a:r>
+              <a:rPr lang="en-US" dirty="0"/>
+              <a:t>How can you do fast spell checking on big documents?</a:t>
+            </a:r>
+          </a:p>
+        </p:txBody>
+      </p:sp>
+      <p:sp>
+        <p:nvSpPr>
+          <p:cNvPr id="4" name="TextBox 3">
+            <a:extLst>
+              <a:ext uri="{FF2B5EF4-FFF2-40B4-BE49-F238E27FC236}">
+                <a16:creationId xmlns:a16="http://schemas.microsoft.com/office/drawing/2014/main" id="{47988AE6-331F-864A-963A-42008DA144C2}"/>
+              </a:ext>
+            </a:extLst>
+          </p:cNvPr>
+          <p:cNvSpPr txBox="1"/>
+          <p:nvPr/>
+        </p:nvSpPr>
+        <p:spPr>
+          <a:xfrm>
+            <a:off x="0" y="6311900"/>
+            <a:ext cx="8097088" cy="369332"/>
+          </a:xfrm>
+          <a:prstGeom prst="rect">
+            <a:avLst/>
+          </a:prstGeom>
+          <a:noFill/>
+        </p:spPr>
+        <p:txBody>
+          <a:bodyPr wrap="none" rtlCol="0">
+            <a:spAutoFit/>
+          </a:bodyPr>
+          <a:lstStyle/>
+          <a:p>
+            <a:r>
+              <a:rPr lang="en-US" dirty="0"/>
+              <a:t>See solution </a:t>
+            </a:r>
+            <a:r>
+              <a:rPr lang="en-US" dirty="0">
+                <a:hlinkClick r:id="rId2"/>
+              </a:rPr>
+              <a:t>https://github.com/parrt/msds689/blob/master/notes/code/</a:t>
+            </a:r>
+            <a:r>
+              <a:rPr lang="en-US" dirty="0" err="1">
+                <a:hlinkClick r:id="rId2"/>
+              </a:rPr>
+              <a:t>trie.py</a:t>
+            </a:r>
+            <a:endParaRPr lang="en-US" dirty="0"/>
+          </a:p>
+        </p:txBody>
+      </p:sp>
+    </p:spTree>
+    <p:extLst>
+      <p:ext uri="{BB962C8B-B14F-4D97-AF65-F5344CB8AC3E}">
+        <p14:creationId xmlns:p14="http://schemas.microsoft.com/office/powerpoint/2010/main" val="3412567043"/>
+      </p:ext>
+    </p:extLst>
+  </p:cSld>
+  <p:clrMapOvr>
+    <a:masterClrMapping/>
+  </p:clrMapOvr>
+</p:sld>
+</file>
+
+<file path=ppt/slides/slide19.xml><?xml version="1.0" encoding="utf-8"?>
+<p:sld xmlns:a="http://schemas.openxmlformats.org/drawingml/2006/main" xmlns:r="http://schemas.openxmlformats.org/officeDocument/2006/relationships" xmlns:p="http://schemas.openxmlformats.org/presentationml/2006/main">
+  <p:cSld>
+    <p:spTree>
+      <p:nvGrpSpPr>
+        <p:cNvPr id="1" name=""/>
+        <p:cNvGrpSpPr/>
+        <p:nvPr/>
+      </p:nvGrpSpPr>
+      <p:grpSpPr>
+        <a:xfrm>
+          <a:off x="0" y="0"/>
+          <a:ext cx="0" cy="0"/>
+          <a:chOff x="0" y="0"/>
+          <a:chExt cx="0" cy="0"/>
+        </a:xfrm>
+      </p:grpSpPr>
+      <p:sp>
+        <p:nvSpPr>
+          <p:cNvPr id="2" name="Title 1">
+            <a:extLst>
+              <a:ext uri="{FF2B5EF4-FFF2-40B4-BE49-F238E27FC236}">
                 <a16:creationId xmlns:a16="http://schemas.microsoft.com/office/drawing/2014/main" id="{5FDA5814-1DAA-984F-BA1F-463EB89ED728}"/>
               </a:ext>
             </a:extLst>
@@ -6531,7 +7504,351 @@
 </p:sld>
 </file>
 
-<file path=ppt/slides/slide18.xml><?xml version="1.0" encoding="utf-8"?>
+<file path=ppt/slides/slide2.xml><?xml version="1.0" encoding="utf-8"?>
+<p:sld xmlns:a="http://schemas.openxmlformats.org/drawingml/2006/main" xmlns:r="http://schemas.openxmlformats.org/officeDocument/2006/relationships" xmlns:p="http://schemas.openxmlformats.org/presentationml/2006/main">
+  <p:cSld>
+    <p:spTree>
+      <p:nvGrpSpPr>
+        <p:cNvPr id="1" name=""/>
+        <p:cNvGrpSpPr/>
+        <p:nvPr/>
+      </p:nvGrpSpPr>
+      <p:grpSpPr>
+        <a:xfrm>
+          <a:off x="0" y="0"/>
+          <a:ext cx="0" cy="0"/>
+          <a:chOff x="0" y="0"/>
+          <a:chExt cx="0" cy="0"/>
+        </a:xfrm>
+      </p:grpSpPr>
+      <p:sp>
+        <p:nvSpPr>
+          <p:cNvPr id="2" name="Title 1">
+            <a:extLst>
+              <a:ext uri="{FF2B5EF4-FFF2-40B4-BE49-F238E27FC236}">
+                <a16:creationId xmlns:a16="http://schemas.microsoft.com/office/drawing/2014/main" id="{ED798003-BDB8-ED43-9E87-05960D700963}"/>
+              </a:ext>
+            </a:extLst>
+          </p:cNvPr>
+          <p:cNvSpPr>
+            <a:spLocks noGrp="1"/>
+          </p:cNvSpPr>
+          <p:nvPr>
+            <p:ph type="title"/>
+          </p:nvPr>
+        </p:nvSpPr>
+        <p:spPr>
+          <a:xfrm>
+            <a:off x="359596" y="365125"/>
+            <a:ext cx="11281024" cy="1325563"/>
+          </a:xfrm>
+        </p:spPr>
+        <p:txBody>
+          <a:bodyPr/>
+          <a:lstStyle/>
+          <a:p>
+            <a:r>
+              <a:rPr lang="en-US" dirty="0"/>
+              <a:t>Common searching/membership strategies</a:t>
+            </a:r>
+          </a:p>
+        </p:txBody>
+      </p:sp>
+      <p:sp>
+        <p:nvSpPr>
+          <p:cNvPr id="3" name="Content Placeholder 2">
+            <a:extLst>
+              <a:ext uri="{FF2B5EF4-FFF2-40B4-BE49-F238E27FC236}">
+                <a16:creationId xmlns:a16="http://schemas.microsoft.com/office/drawing/2014/main" id="{5EB237E2-4FB5-FC4B-937F-D3E170BA652A}"/>
+              </a:ext>
+            </a:extLst>
+          </p:cNvPr>
+          <p:cNvSpPr>
+            <a:spLocks noGrp="1"/>
+          </p:cNvSpPr>
+          <p:nvPr>
+            <p:ph idx="1"/>
+          </p:nvPr>
+        </p:nvSpPr>
+        <p:spPr>
+          <a:xfrm>
+            <a:off x="1357744" y="1825625"/>
+            <a:ext cx="9996055" cy="4351338"/>
+          </a:xfrm>
+        </p:spPr>
+        <p:txBody>
+          <a:bodyPr>
+            <a:normAutofit/>
+          </a:bodyPr>
+          <a:lstStyle/>
+          <a:p>
+            <a:r>
+              <a:rPr lang="en-US" b="1" dirty="0"/>
+              <a:t>linear</a:t>
+            </a:r>
+            <a:r>
+              <a:rPr lang="en-US" dirty="0"/>
+              <a:t>: scan data structure looking for element(s)</a:t>
+            </a:r>
+          </a:p>
+          <a:p>
+            <a:r>
+              <a:rPr lang="en-US" b="1" dirty="0"/>
+              <a:t>binary search</a:t>
+            </a:r>
+            <a:r>
+              <a:rPr lang="en-US" dirty="0"/>
+              <a:t>: if array and sorted, split recursively in half</a:t>
+            </a:r>
+          </a:p>
+          <a:p>
+            <a:r>
+              <a:rPr lang="en-US" b="1" dirty="0"/>
+              <a:t>binary search tree</a:t>
+            </a:r>
+            <a:r>
+              <a:rPr lang="en-US" dirty="0"/>
+              <a:t>: subtree to left has elements less than current node and subtree to right has elements greater than</a:t>
+            </a:r>
+          </a:p>
+          <a:p>
+            <a:r>
+              <a:rPr lang="en-US" b="1" dirty="0"/>
+              <a:t>hash table</a:t>
+            </a:r>
+            <a:r>
+              <a:rPr lang="en-US" dirty="0"/>
+              <a:t>: function maps key to bucket, linear search in bucket; recall search index project from MSDS692; for word search, not arbitrary string search in document(s)</a:t>
+            </a:r>
+          </a:p>
+          <a:p>
+            <a:r>
+              <a:rPr lang="en-US" b="1" dirty="0"/>
+              <a:t>state machines </a:t>
+            </a:r>
+            <a:r>
+              <a:rPr lang="en-US" dirty="0"/>
+              <a:t>(graphs)</a:t>
+            </a:r>
+          </a:p>
+        </p:txBody>
+      </p:sp>
+      <p:sp>
+        <p:nvSpPr>
+          <p:cNvPr id="4" name="TextBox 3"/>
+          <p:cNvSpPr txBox="1"/>
+          <p:nvPr/>
+        </p:nvSpPr>
+        <p:spPr>
+          <a:xfrm>
+            <a:off x="631251" y="1873944"/>
+            <a:ext cx="838691" cy="369332"/>
+          </a:xfrm>
+          <a:prstGeom prst="rect">
+            <a:avLst/>
+          </a:prstGeom>
+          <a:noFill/>
+        </p:spPr>
+        <p:txBody>
+          <a:bodyPr wrap="none" rtlCol="0">
+            <a:spAutoFit/>
+          </a:bodyPr>
+          <a:lstStyle/>
+          <a:p>
+            <a:r>
+              <a:rPr lang="en-US" i="1" dirty="0"/>
+              <a:t>O(</a:t>
+            </a:r>
+            <a:r>
+              <a:rPr lang="en-US" i="1" dirty="0" err="1"/>
+              <a:t>mn</a:t>
+            </a:r>
+            <a:r>
+              <a:rPr lang="en-US" i="1" dirty="0"/>
+              <a:t>)</a:t>
+            </a:r>
+          </a:p>
+        </p:txBody>
+      </p:sp>
+      <p:sp>
+        <p:nvSpPr>
+          <p:cNvPr id="5" name="TextBox 4"/>
+          <p:cNvSpPr txBox="1"/>
+          <p:nvPr/>
+        </p:nvSpPr>
+        <p:spPr>
+          <a:xfrm>
+            <a:off x="248145" y="2367376"/>
+            <a:ext cx="1300356" cy="369332"/>
+          </a:xfrm>
+          <a:prstGeom prst="rect">
+            <a:avLst/>
+          </a:prstGeom>
+          <a:noFill/>
+        </p:spPr>
+        <p:txBody>
+          <a:bodyPr wrap="none" rtlCol="0">
+            <a:spAutoFit/>
+          </a:bodyPr>
+          <a:lstStyle/>
+          <a:p>
+            <a:r>
+              <a:rPr lang="en-US" i="1" dirty="0"/>
+              <a:t>O(</a:t>
+            </a:r>
+            <a:r>
+              <a:rPr lang="en-US" i="1" dirty="0" err="1"/>
+              <a:t>mlog</a:t>
+            </a:r>
+            <a:r>
+              <a:rPr lang="en-US" i="1" dirty="0"/>
+              <a:t>(n))</a:t>
+            </a:r>
+          </a:p>
+        </p:txBody>
+      </p:sp>
+      <p:sp>
+        <p:nvSpPr>
+          <p:cNvPr id="6" name="TextBox 5"/>
+          <p:cNvSpPr txBox="1"/>
+          <p:nvPr/>
+        </p:nvSpPr>
+        <p:spPr>
+          <a:xfrm>
+            <a:off x="220882" y="2889186"/>
+            <a:ext cx="1300356" cy="369332"/>
+          </a:xfrm>
+          <a:prstGeom prst="rect">
+            <a:avLst/>
+          </a:prstGeom>
+          <a:noFill/>
+        </p:spPr>
+        <p:txBody>
+          <a:bodyPr wrap="none" rtlCol="0">
+            <a:spAutoFit/>
+          </a:bodyPr>
+          <a:lstStyle/>
+          <a:p>
+            <a:r>
+              <a:rPr lang="en-US" i="1" dirty="0"/>
+              <a:t>O(</a:t>
+            </a:r>
+            <a:r>
+              <a:rPr lang="en-US" i="1" dirty="0" err="1"/>
+              <a:t>mlog</a:t>
+            </a:r>
+            <a:r>
+              <a:rPr lang="en-US" i="1" dirty="0"/>
+              <a:t>(n))</a:t>
+            </a:r>
+          </a:p>
+        </p:txBody>
+      </p:sp>
+      <p:sp>
+        <p:nvSpPr>
+          <p:cNvPr id="7" name="TextBox 6"/>
+          <p:cNvSpPr txBox="1"/>
+          <p:nvPr/>
+        </p:nvSpPr>
+        <p:spPr>
+          <a:xfrm>
+            <a:off x="745426" y="3778737"/>
+            <a:ext cx="710451" cy="369332"/>
+          </a:xfrm>
+          <a:prstGeom prst="rect">
+            <a:avLst/>
+          </a:prstGeom>
+          <a:noFill/>
+        </p:spPr>
+        <p:txBody>
+          <a:bodyPr wrap="none" rtlCol="0">
+            <a:spAutoFit/>
+          </a:bodyPr>
+          <a:lstStyle/>
+          <a:p>
+            <a:r>
+              <a:rPr lang="en-US" i="1" dirty="0"/>
+              <a:t>O(m)</a:t>
+            </a:r>
+          </a:p>
+        </p:txBody>
+      </p:sp>
+      <p:sp>
+        <p:nvSpPr>
+          <p:cNvPr id="8" name="TextBox 7"/>
+          <p:cNvSpPr txBox="1"/>
+          <p:nvPr/>
+        </p:nvSpPr>
+        <p:spPr>
+          <a:xfrm>
+            <a:off x="745064" y="5044571"/>
+            <a:ext cx="710451" cy="369332"/>
+          </a:xfrm>
+          <a:prstGeom prst="rect">
+            <a:avLst/>
+          </a:prstGeom>
+          <a:noFill/>
+        </p:spPr>
+        <p:txBody>
+          <a:bodyPr wrap="none" rtlCol="0">
+            <a:spAutoFit/>
+          </a:bodyPr>
+          <a:lstStyle/>
+          <a:p>
+            <a:r>
+              <a:rPr lang="en-US" i="1" dirty="0"/>
+              <a:t>O(m)</a:t>
+            </a:r>
+          </a:p>
+        </p:txBody>
+      </p:sp>
+      <p:sp>
+        <p:nvSpPr>
+          <p:cNvPr id="10" name="TextBox 9"/>
+          <p:cNvSpPr txBox="1"/>
+          <p:nvPr/>
+        </p:nvSpPr>
+        <p:spPr>
+          <a:xfrm>
+            <a:off x="55143" y="6484319"/>
+            <a:ext cx="2909771" cy="369332"/>
+          </a:xfrm>
+          <a:prstGeom prst="rect">
+            <a:avLst/>
+          </a:prstGeom>
+          <a:noFill/>
+        </p:spPr>
+        <p:txBody>
+          <a:bodyPr wrap="none" rtlCol="0">
+            <a:spAutoFit/>
+          </a:bodyPr>
+          <a:lstStyle/>
+          <a:p>
+            <a:r>
+              <a:rPr lang="en-US" i="1" dirty="0"/>
+              <a:t>m</a:t>
+            </a:r>
+            <a:r>
+              <a:rPr lang="en-US" dirty="0"/>
+              <a:t> = length of search string</a:t>
+            </a:r>
+          </a:p>
+        </p:txBody>
+      </p:sp>
+    </p:spTree>
+    <p:extLst>
+      <p:ext uri="{BB962C8B-B14F-4D97-AF65-F5344CB8AC3E}">
+        <p14:creationId xmlns:p14="http://schemas.microsoft.com/office/powerpoint/2010/main" val="311062004"/>
+      </p:ext>
+    </p:extLst>
+  </p:cSld>
+  <p:clrMapOvr>
+    <a:masterClrMapping/>
+  </p:clrMapOvr>
+</p:sld>
+</file>
+
+<file path=ppt/slides/slide20.xml><?xml version="1.0" encoding="utf-8"?>
 <p:sld xmlns:a="http://schemas.openxmlformats.org/drawingml/2006/main" xmlns:r="http://schemas.openxmlformats.org/officeDocument/2006/relationships" xmlns:p="http://schemas.openxmlformats.org/presentationml/2006/main">
   <p:cSld>
     <p:spTree>
@@ -6711,7 +8028,7 @@
 </p:sld>
 </file>
 
-<file path=ppt/slides/slide19.xml><?xml version="1.0" encoding="utf-8"?>
+<file path=ppt/slides/slide21.xml><?xml version="1.0" encoding="utf-8"?>
 <p:sld xmlns:a="http://schemas.openxmlformats.org/drawingml/2006/main" xmlns:r="http://schemas.openxmlformats.org/officeDocument/2006/relationships" xmlns:p="http://schemas.openxmlformats.org/presentationml/2006/main">
   <p:cSld>
     <p:spTree>
@@ -7279,351 +8596,7 @@
 </p:sld>
 </file>
 
-<file path=ppt/slides/slide2.xml><?xml version="1.0" encoding="utf-8"?>
-<p:sld xmlns:a="http://schemas.openxmlformats.org/drawingml/2006/main" xmlns:r="http://schemas.openxmlformats.org/officeDocument/2006/relationships" xmlns:p="http://schemas.openxmlformats.org/presentationml/2006/main">
-  <p:cSld>
-    <p:spTree>
-      <p:nvGrpSpPr>
-        <p:cNvPr id="1" name=""/>
-        <p:cNvGrpSpPr/>
-        <p:nvPr/>
-      </p:nvGrpSpPr>
-      <p:grpSpPr>
-        <a:xfrm>
-          <a:off x="0" y="0"/>
-          <a:ext cx="0" cy="0"/>
-          <a:chOff x="0" y="0"/>
-          <a:chExt cx="0" cy="0"/>
-        </a:xfrm>
-      </p:grpSpPr>
-      <p:sp>
-        <p:nvSpPr>
-          <p:cNvPr id="2" name="Title 1">
-            <a:extLst>
-              <a:ext uri="{FF2B5EF4-FFF2-40B4-BE49-F238E27FC236}">
-                <a16:creationId xmlns:a16="http://schemas.microsoft.com/office/drawing/2014/main" id="{ED798003-BDB8-ED43-9E87-05960D700963}"/>
-              </a:ext>
-            </a:extLst>
-          </p:cNvPr>
-          <p:cNvSpPr>
-            <a:spLocks noGrp="1"/>
-          </p:cNvSpPr>
-          <p:nvPr>
-            <p:ph type="title"/>
-          </p:nvPr>
-        </p:nvSpPr>
-        <p:spPr>
-          <a:xfrm>
-            <a:off x="359596" y="365125"/>
-            <a:ext cx="11281024" cy="1325563"/>
-          </a:xfrm>
-        </p:spPr>
-        <p:txBody>
-          <a:bodyPr/>
-          <a:lstStyle/>
-          <a:p>
-            <a:r>
-              <a:rPr lang="en-US" dirty="0"/>
-              <a:t>Common searching/membership strategies</a:t>
-            </a:r>
-          </a:p>
-        </p:txBody>
-      </p:sp>
-      <p:sp>
-        <p:nvSpPr>
-          <p:cNvPr id="3" name="Content Placeholder 2">
-            <a:extLst>
-              <a:ext uri="{FF2B5EF4-FFF2-40B4-BE49-F238E27FC236}">
-                <a16:creationId xmlns:a16="http://schemas.microsoft.com/office/drawing/2014/main" id="{5EB237E2-4FB5-FC4B-937F-D3E170BA652A}"/>
-              </a:ext>
-            </a:extLst>
-          </p:cNvPr>
-          <p:cNvSpPr>
-            <a:spLocks noGrp="1"/>
-          </p:cNvSpPr>
-          <p:nvPr>
-            <p:ph idx="1"/>
-          </p:nvPr>
-        </p:nvSpPr>
-        <p:spPr>
-          <a:xfrm>
-            <a:off x="1357744" y="1825625"/>
-            <a:ext cx="9996055" cy="4351338"/>
-          </a:xfrm>
-        </p:spPr>
-        <p:txBody>
-          <a:bodyPr>
-            <a:normAutofit/>
-          </a:bodyPr>
-          <a:lstStyle/>
-          <a:p>
-            <a:r>
-              <a:rPr lang="en-US" b="1" dirty="0"/>
-              <a:t>linear</a:t>
-            </a:r>
-            <a:r>
-              <a:rPr lang="en-US" dirty="0"/>
-              <a:t>: scan data structure looking for element(s)</a:t>
-            </a:r>
-          </a:p>
-          <a:p>
-            <a:r>
-              <a:rPr lang="en-US" b="1" dirty="0"/>
-              <a:t>binary search</a:t>
-            </a:r>
-            <a:r>
-              <a:rPr lang="en-US" dirty="0"/>
-              <a:t>: if array and sorted, split recursively in half</a:t>
-            </a:r>
-          </a:p>
-          <a:p>
-            <a:r>
-              <a:rPr lang="en-US" b="1" dirty="0"/>
-              <a:t>binary search tree</a:t>
-            </a:r>
-            <a:r>
-              <a:rPr lang="en-US" dirty="0"/>
-              <a:t>: subtree to left has elements less than current node and subtree to right has elements greater than</a:t>
-            </a:r>
-          </a:p>
-          <a:p>
-            <a:r>
-              <a:rPr lang="en-US" b="1" dirty="0"/>
-              <a:t>hash table</a:t>
-            </a:r>
-            <a:r>
-              <a:rPr lang="en-US" dirty="0"/>
-              <a:t>: function maps key to bucket, linear search in bucket; recall search index project from MSDS692; for word search, not arbitrary string search in document(s)</a:t>
-            </a:r>
-          </a:p>
-          <a:p>
-            <a:r>
-              <a:rPr lang="en-US" b="1" dirty="0"/>
-              <a:t>state machines </a:t>
-            </a:r>
-            <a:r>
-              <a:rPr lang="en-US" dirty="0"/>
-              <a:t>(graphs)</a:t>
-            </a:r>
-          </a:p>
-        </p:txBody>
-      </p:sp>
-      <p:sp>
-        <p:nvSpPr>
-          <p:cNvPr id="4" name="TextBox 3"/>
-          <p:cNvSpPr txBox="1"/>
-          <p:nvPr/>
-        </p:nvSpPr>
-        <p:spPr>
-          <a:xfrm>
-            <a:off x="631251" y="1873944"/>
-            <a:ext cx="838691" cy="369332"/>
-          </a:xfrm>
-          <a:prstGeom prst="rect">
-            <a:avLst/>
-          </a:prstGeom>
-          <a:noFill/>
-        </p:spPr>
-        <p:txBody>
-          <a:bodyPr wrap="none" rtlCol="0">
-            <a:spAutoFit/>
-          </a:bodyPr>
-          <a:lstStyle/>
-          <a:p>
-            <a:r>
-              <a:rPr lang="en-US" i="1" dirty="0"/>
-              <a:t>O(</a:t>
-            </a:r>
-            <a:r>
-              <a:rPr lang="en-US" i="1" dirty="0" err="1"/>
-              <a:t>mn</a:t>
-            </a:r>
-            <a:r>
-              <a:rPr lang="en-US" i="1" dirty="0"/>
-              <a:t>)</a:t>
-            </a:r>
-          </a:p>
-        </p:txBody>
-      </p:sp>
-      <p:sp>
-        <p:nvSpPr>
-          <p:cNvPr id="5" name="TextBox 4"/>
-          <p:cNvSpPr txBox="1"/>
-          <p:nvPr/>
-        </p:nvSpPr>
-        <p:spPr>
-          <a:xfrm>
-            <a:off x="248145" y="2367376"/>
-            <a:ext cx="1300356" cy="369332"/>
-          </a:xfrm>
-          <a:prstGeom prst="rect">
-            <a:avLst/>
-          </a:prstGeom>
-          <a:noFill/>
-        </p:spPr>
-        <p:txBody>
-          <a:bodyPr wrap="none" rtlCol="0">
-            <a:spAutoFit/>
-          </a:bodyPr>
-          <a:lstStyle/>
-          <a:p>
-            <a:r>
-              <a:rPr lang="en-US" i="1" dirty="0"/>
-              <a:t>O(</a:t>
-            </a:r>
-            <a:r>
-              <a:rPr lang="en-US" i="1" dirty="0" err="1"/>
-              <a:t>mlog</a:t>
-            </a:r>
-            <a:r>
-              <a:rPr lang="en-US" i="1" dirty="0"/>
-              <a:t>(n))</a:t>
-            </a:r>
-          </a:p>
-        </p:txBody>
-      </p:sp>
-      <p:sp>
-        <p:nvSpPr>
-          <p:cNvPr id="6" name="TextBox 5"/>
-          <p:cNvSpPr txBox="1"/>
-          <p:nvPr/>
-        </p:nvSpPr>
-        <p:spPr>
-          <a:xfrm>
-            <a:off x="220882" y="2889186"/>
-            <a:ext cx="1300356" cy="369332"/>
-          </a:xfrm>
-          <a:prstGeom prst="rect">
-            <a:avLst/>
-          </a:prstGeom>
-          <a:noFill/>
-        </p:spPr>
-        <p:txBody>
-          <a:bodyPr wrap="none" rtlCol="0">
-            <a:spAutoFit/>
-          </a:bodyPr>
-          <a:lstStyle/>
-          <a:p>
-            <a:r>
-              <a:rPr lang="en-US" i="1" dirty="0"/>
-              <a:t>O(</a:t>
-            </a:r>
-            <a:r>
-              <a:rPr lang="en-US" i="1" dirty="0" err="1"/>
-              <a:t>mlog</a:t>
-            </a:r>
-            <a:r>
-              <a:rPr lang="en-US" i="1" dirty="0"/>
-              <a:t>(n))</a:t>
-            </a:r>
-          </a:p>
-        </p:txBody>
-      </p:sp>
-      <p:sp>
-        <p:nvSpPr>
-          <p:cNvPr id="7" name="TextBox 6"/>
-          <p:cNvSpPr txBox="1"/>
-          <p:nvPr/>
-        </p:nvSpPr>
-        <p:spPr>
-          <a:xfrm>
-            <a:off x="745426" y="3778737"/>
-            <a:ext cx="710451" cy="369332"/>
-          </a:xfrm>
-          <a:prstGeom prst="rect">
-            <a:avLst/>
-          </a:prstGeom>
-          <a:noFill/>
-        </p:spPr>
-        <p:txBody>
-          <a:bodyPr wrap="none" rtlCol="0">
-            <a:spAutoFit/>
-          </a:bodyPr>
-          <a:lstStyle/>
-          <a:p>
-            <a:r>
-              <a:rPr lang="en-US" i="1" dirty="0"/>
-              <a:t>O(m)</a:t>
-            </a:r>
-          </a:p>
-        </p:txBody>
-      </p:sp>
-      <p:sp>
-        <p:nvSpPr>
-          <p:cNvPr id="8" name="TextBox 7"/>
-          <p:cNvSpPr txBox="1"/>
-          <p:nvPr/>
-        </p:nvSpPr>
-        <p:spPr>
-          <a:xfrm>
-            <a:off x="745064" y="5044571"/>
-            <a:ext cx="710451" cy="369332"/>
-          </a:xfrm>
-          <a:prstGeom prst="rect">
-            <a:avLst/>
-          </a:prstGeom>
-          <a:noFill/>
-        </p:spPr>
-        <p:txBody>
-          <a:bodyPr wrap="none" rtlCol="0">
-            <a:spAutoFit/>
-          </a:bodyPr>
-          <a:lstStyle/>
-          <a:p>
-            <a:r>
-              <a:rPr lang="en-US" i="1" dirty="0"/>
-              <a:t>O(m)</a:t>
-            </a:r>
-          </a:p>
-        </p:txBody>
-      </p:sp>
-      <p:sp>
-        <p:nvSpPr>
-          <p:cNvPr id="10" name="TextBox 9"/>
-          <p:cNvSpPr txBox="1"/>
-          <p:nvPr/>
-        </p:nvSpPr>
-        <p:spPr>
-          <a:xfrm>
-            <a:off x="55143" y="6484319"/>
-            <a:ext cx="2909771" cy="369332"/>
-          </a:xfrm>
-          <a:prstGeom prst="rect">
-            <a:avLst/>
-          </a:prstGeom>
-          <a:noFill/>
-        </p:spPr>
-        <p:txBody>
-          <a:bodyPr wrap="none" rtlCol="0">
-            <a:spAutoFit/>
-          </a:bodyPr>
-          <a:lstStyle/>
-          <a:p>
-            <a:r>
-              <a:rPr lang="en-US" i="1" dirty="0"/>
-              <a:t>m</a:t>
-            </a:r>
-            <a:r>
-              <a:rPr lang="en-US" dirty="0"/>
-              <a:t> = length of search string</a:t>
-            </a:r>
-          </a:p>
-        </p:txBody>
-      </p:sp>
-    </p:spTree>
-    <p:extLst>
-      <p:ext uri="{BB962C8B-B14F-4D97-AF65-F5344CB8AC3E}">
-        <p14:creationId xmlns:p14="http://schemas.microsoft.com/office/powerpoint/2010/main" val="311062004"/>
-      </p:ext>
-    </p:extLst>
-  </p:cSld>
-  <p:clrMapOvr>
-    <a:masterClrMapping/>
-  </p:clrMapOvr>
-</p:sld>
-</file>
-
-<file path=ppt/slides/slide20.xml><?xml version="1.0" encoding="utf-8"?>
+<file path=ppt/slides/slide22.xml><?xml version="1.0" encoding="utf-8"?>
 <p:sld xmlns:a="http://schemas.openxmlformats.org/drawingml/2006/main" xmlns:r="http://schemas.openxmlformats.org/officeDocument/2006/relationships" xmlns:p="http://schemas.openxmlformats.org/presentationml/2006/main">
   <p:cSld>
     <p:spTree>

--- a/notes/searching.pptx
+++ b/notes/searching.pptx
@@ -5,10 +5,10 @@
     <p:sldMasterId id="2147483672" r:id="rId1"/>
   </p:sldMasterIdLst>
   <p:notesMasterIdLst>
-    <p:notesMasterId r:id="rId24"/>
+    <p:notesMasterId r:id="rId25"/>
   </p:notesMasterIdLst>
   <p:handoutMasterIdLst>
-    <p:handoutMasterId r:id="rId25"/>
+    <p:handoutMasterId r:id="rId26"/>
   </p:handoutMasterIdLst>
   <p:sldIdLst>
     <p:sldId id="289" r:id="rId2"/>
@@ -19,20 +19,21 @@
     <p:sldId id="294" r:id="rId7"/>
     <p:sldId id="295" r:id="rId8"/>
     <p:sldId id="296" r:id="rId9"/>
-    <p:sldId id="297" r:id="rId10"/>
-    <p:sldId id="298" r:id="rId11"/>
-    <p:sldId id="299" r:id="rId12"/>
-    <p:sldId id="300" r:id="rId13"/>
-    <p:sldId id="309" r:id="rId14"/>
-    <p:sldId id="301" r:id="rId15"/>
-    <p:sldId id="310" r:id="rId16"/>
-    <p:sldId id="302" r:id="rId17"/>
-    <p:sldId id="303" r:id="rId18"/>
-    <p:sldId id="304" r:id="rId19"/>
-    <p:sldId id="305" r:id="rId20"/>
-    <p:sldId id="306" r:id="rId21"/>
-    <p:sldId id="307" r:id="rId22"/>
-    <p:sldId id="308" r:id="rId23"/>
+    <p:sldId id="311" r:id="rId10"/>
+    <p:sldId id="297" r:id="rId11"/>
+    <p:sldId id="298" r:id="rId12"/>
+    <p:sldId id="299" r:id="rId13"/>
+    <p:sldId id="300" r:id="rId14"/>
+    <p:sldId id="309" r:id="rId15"/>
+    <p:sldId id="301" r:id="rId16"/>
+    <p:sldId id="310" r:id="rId17"/>
+    <p:sldId id="302" r:id="rId18"/>
+    <p:sldId id="303" r:id="rId19"/>
+    <p:sldId id="304" r:id="rId20"/>
+    <p:sldId id="305" r:id="rId21"/>
+    <p:sldId id="306" r:id="rId22"/>
+    <p:sldId id="307" r:id="rId23"/>
+    <p:sldId id="308" r:id="rId24"/>
   </p:sldIdLst>
   <p:sldSz cx="12192000" cy="6858000"/>
   <p:notesSz cx="9144000" cy="6858000"/>
@@ -227,7 +228,7 @@
           <a:p>
             <a:fld id="{8A1B613A-EFF1-404F-BEE8-EFAE84A4E5E2}" type="datetimeFigureOut">
               <a:rPr lang="en-US" smtClean="0"/>
-              <a:t>2/21/20</a:t>
+              <a:t>4/20/21</a:t>
             </a:fld>
             <a:endParaRPr lang="en-US"/>
           </a:p>
@@ -392,7 +393,7 @@
           <a:p>
             <a:fld id="{690847EA-AC25-3D4E-89E1-FD3F6A9702B6}" type="datetimeFigureOut">
               <a:rPr lang="en-US" smtClean="0"/>
-              <a:t>2/21/20</a:t>
+              <a:t>4/20/21</a:t>
             </a:fld>
             <a:endParaRPr lang="en-US"/>
           </a:p>
@@ -806,7 +807,7 @@
           <a:p>
             <a:fld id="{BE5295ED-3BAF-1140-8495-3D368771D6B1}" type="datetimeFigureOut">
               <a:rPr lang="en-US" smtClean="0"/>
-              <a:t>2/21/20</a:t>
+              <a:t>4/20/21</a:t>
             </a:fld>
             <a:endParaRPr lang="en-US"/>
           </a:p>
@@ -1004,7 +1005,7 @@
           <a:p>
             <a:fld id="{BE5295ED-3BAF-1140-8495-3D368771D6B1}" type="datetimeFigureOut">
               <a:rPr lang="en-US" smtClean="0"/>
-              <a:t>2/21/20</a:t>
+              <a:t>4/20/21</a:t>
             </a:fld>
             <a:endParaRPr lang="en-US"/>
           </a:p>
@@ -1212,7 +1213,7 @@
           <a:p>
             <a:fld id="{BE5295ED-3BAF-1140-8495-3D368771D6B1}" type="datetimeFigureOut">
               <a:rPr lang="en-US" smtClean="0"/>
-              <a:t>2/21/20</a:t>
+              <a:t>4/20/21</a:t>
             </a:fld>
             <a:endParaRPr lang="en-US"/>
           </a:p>
@@ -1410,7 +1411,7 @@
           <a:p>
             <a:fld id="{BE5295ED-3BAF-1140-8495-3D368771D6B1}" type="datetimeFigureOut">
               <a:rPr lang="en-US" smtClean="0"/>
-              <a:t>2/21/20</a:t>
+              <a:t>4/20/21</a:t>
             </a:fld>
             <a:endParaRPr lang="en-US"/>
           </a:p>
@@ -1685,7 +1686,7 @@
           <a:p>
             <a:fld id="{BE5295ED-3BAF-1140-8495-3D368771D6B1}" type="datetimeFigureOut">
               <a:rPr lang="en-US" smtClean="0"/>
-              <a:t>2/21/20</a:t>
+              <a:t>4/20/21</a:t>
             </a:fld>
             <a:endParaRPr lang="en-US"/>
           </a:p>
@@ -1950,7 +1951,7 @@
           <a:p>
             <a:fld id="{BE5295ED-3BAF-1140-8495-3D368771D6B1}" type="datetimeFigureOut">
               <a:rPr lang="en-US" smtClean="0"/>
-              <a:t>2/21/20</a:t>
+              <a:t>4/20/21</a:t>
             </a:fld>
             <a:endParaRPr lang="en-US"/>
           </a:p>
@@ -2362,7 +2363,7 @@
           <a:p>
             <a:fld id="{BE5295ED-3BAF-1140-8495-3D368771D6B1}" type="datetimeFigureOut">
               <a:rPr lang="en-US" smtClean="0"/>
-              <a:t>2/21/20</a:t>
+              <a:t>4/20/21</a:t>
             </a:fld>
             <a:endParaRPr lang="en-US"/>
           </a:p>
@@ -2503,7 +2504,7 @@
           <a:p>
             <a:fld id="{BE5295ED-3BAF-1140-8495-3D368771D6B1}" type="datetimeFigureOut">
               <a:rPr lang="en-US" smtClean="0"/>
-              <a:t>2/21/20</a:t>
+              <a:t>4/20/21</a:t>
             </a:fld>
             <a:endParaRPr lang="en-US"/>
           </a:p>
@@ -2616,7 +2617,7 @@
           <a:p>
             <a:fld id="{BE5295ED-3BAF-1140-8495-3D368771D6B1}" type="datetimeFigureOut">
               <a:rPr lang="en-US" smtClean="0"/>
-              <a:t>2/21/20</a:t>
+              <a:t>4/20/21</a:t>
             </a:fld>
             <a:endParaRPr lang="en-US"/>
           </a:p>
@@ -2927,7 +2928,7 @@
           <a:p>
             <a:fld id="{BE5295ED-3BAF-1140-8495-3D368771D6B1}" type="datetimeFigureOut">
               <a:rPr lang="en-US" smtClean="0"/>
-              <a:t>2/21/20</a:t>
+              <a:t>4/20/21</a:t>
             </a:fld>
             <a:endParaRPr lang="en-US"/>
           </a:p>
@@ -3218,7 +3219,7 @@
           <a:p>
             <a:fld id="{BE5295ED-3BAF-1140-8495-3D368771D6B1}" type="datetimeFigureOut">
               <a:rPr lang="en-US" smtClean="0"/>
-              <a:t>2/21/20</a:t>
+              <a:t>4/20/21</a:t>
             </a:fld>
             <a:endParaRPr lang="en-US"/>
           </a:p>
@@ -3459,7 +3460,7 @@
           <a:p>
             <a:fld id="{BE5295ED-3BAF-1140-8495-3D368771D6B1}" type="datetimeFigureOut">
               <a:rPr lang="en-US" smtClean="0"/>
-              <a:t>2/21/20</a:t>
+              <a:t>4/20/21</a:t>
             </a:fld>
             <a:endParaRPr lang="en-US"/>
           </a:p>
@@ -4048,6 +4049,340 @@
           <p:cNvPr id="2" name="Title 1">
             <a:extLst>
               <a:ext uri="{FF2B5EF4-FFF2-40B4-BE49-F238E27FC236}">
+                <a16:creationId xmlns:a16="http://schemas.microsoft.com/office/drawing/2014/main" id="{CF41B61C-99D7-154B-9EBE-1EED80B410E3}"/>
+              </a:ext>
+            </a:extLst>
+          </p:cNvPr>
+          <p:cNvSpPr>
+            <a:spLocks noGrp="1"/>
+          </p:cNvSpPr>
+          <p:nvPr>
+            <p:ph type="title"/>
+          </p:nvPr>
+        </p:nvSpPr>
+        <p:spPr/>
+        <p:txBody>
+          <a:bodyPr/>
+          <a:lstStyle/>
+          <a:p>
+            <a:r>
+              <a:rPr lang="en-US" dirty="0"/>
+              <a:t>Revisit recursive bucket sort</a:t>
+            </a:r>
+          </a:p>
+        </p:txBody>
+      </p:sp>
+      <p:sp>
+        <p:nvSpPr>
+          <p:cNvPr id="3" name="Content Placeholder 2">
+            <a:extLst>
+              <a:ext uri="{FF2B5EF4-FFF2-40B4-BE49-F238E27FC236}">
+                <a16:creationId xmlns:a16="http://schemas.microsoft.com/office/drawing/2014/main" id="{A7F6ED6B-73D0-064B-BCFD-979A3BDDFCAE}"/>
+              </a:ext>
+            </a:extLst>
+          </p:cNvPr>
+          <p:cNvSpPr>
+            <a:spLocks noGrp="1"/>
+          </p:cNvSpPr>
+          <p:nvPr>
+            <p:ph idx="1"/>
+          </p:nvPr>
+        </p:nvSpPr>
+        <p:spPr>
+          <a:xfrm>
+            <a:off x="838200" y="1566041"/>
+            <a:ext cx="10515600" cy="4610922"/>
+          </a:xfrm>
+        </p:spPr>
+        <p:txBody>
+          <a:bodyPr>
+            <a:normAutofit lnSpcReduction="10000"/>
+          </a:bodyPr>
+          <a:lstStyle/>
+          <a:p>
+            <a:r>
+              <a:rPr lang="en-US" dirty="0"/>
+              <a:t>Break up doc into words, make nested</a:t>
+            </a:r>
+            <a:br>
+              <a:rPr lang="en-US" dirty="0"/>
+            </a:br>
+            <a:r>
+              <a:rPr lang="en-US" dirty="0"/>
+              <a:t>bucket structure as we saw before into</a:t>
+            </a:r>
+            <a:br>
+              <a:rPr lang="en-US" dirty="0"/>
+            </a:br>
+            <a:r>
+              <a:rPr lang="en-US" dirty="0"/>
+              <a:t>buckets of length one</a:t>
+            </a:r>
+          </a:p>
+          <a:p>
+            <a:r>
+              <a:rPr lang="en-US" dirty="0"/>
+              <a:t>Add deeper buckets if needed</a:t>
+            </a:r>
+          </a:p>
+          <a:p>
+            <a:r>
+              <a:rPr lang="en-US" dirty="0"/>
+              <a:t>To find a word, use s[</a:t>
+            </a:r>
+            <a:r>
+              <a:rPr lang="en-US" dirty="0" err="1"/>
+              <a:t>i</a:t>
+            </a:r>
+            <a:r>
+              <a:rPr lang="en-US" dirty="0"/>
+              <a:t>] to</a:t>
+            </a:r>
+            <a:br>
+              <a:rPr lang="en-US" dirty="0"/>
+            </a:br>
+            <a:r>
+              <a:rPr lang="en-US" dirty="0"/>
+              <a:t>navigate and find final “leaf”</a:t>
+            </a:r>
+            <a:br>
+              <a:rPr lang="en-US" dirty="0"/>
+            </a:br>
+            <a:r>
+              <a:rPr lang="en-US" dirty="0"/>
+              <a:t>with list of words w/same prefix</a:t>
+            </a:r>
+          </a:p>
+          <a:p>
+            <a:r>
+              <a:rPr lang="en-US" dirty="0"/>
+              <a:t>The index says how to navigate</a:t>
+            </a:r>
+          </a:p>
+          <a:p>
+            <a:r>
+              <a:rPr lang="en-US" dirty="0"/>
+              <a:t>How long does it take to find s</a:t>
+            </a:r>
+            <a:br>
+              <a:rPr lang="en-US" dirty="0"/>
+            </a:br>
+            <a:r>
+              <a:rPr lang="en-US" dirty="0"/>
+              <a:t>for n=</a:t>
+            </a:r>
+            <a:r>
+              <a:rPr lang="en-US" dirty="0" err="1"/>
+              <a:t>len</a:t>
+            </a:r>
+            <a:r>
+              <a:rPr lang="en-US" dirty="0"/>
+              <a:t>(doc), m=</a:t>
+            </a:r>
+            <a:r>
+              <a:rPr lang="en-US" dirty="0" err="1"/>
+              <a:t>len</a:t>
+            </a:r>
+            <a:r>
+              <a:rPr lang="en-US" dirty="0"/>
+              <a:t>(s)?</a:t>
+            </a:r>
+            <a:br>
+              <a:rPr lang="en-US" dirty="0"/>
+            </a:br>
+            <a:r>
+              <a:rPr lang="en-US" dirty="0"/>
+              <a:t>T(</a:t>
+            </a:r>
+            <a:r>
+              <a:rPr lang="en-US" dirty="0" err="1"/>
+              <a:t>n,m</a:t>
+            </a:r>
+            <a:r>
+              <a:rPr lang="en-US" dirty="0"/>
+              <a:t>) =</a:t>
+            </a:r>
+          </a:p>
+        </p:txBody>
+      </p:sp>
+      <p:pic>
+        <p:nvPicPr>
+          <p:cNvPr id="4" name="Picture 3">
+            <a:extLst>
+              <a:ext uri="{FF2B5EF4-FFF2-40B4-BE49-F238E27FC236}">
+                <a16:creationId xmlns:a16="http://schemas.microsoft.com/office/drawing/2014/main" id="{52DC0C7F-5F5D-B84C-AD5B-A5950F736CDF}"/>
+              </a:ext>
+            </a:extLst>
+          </p:cNvPr>
+          <p:cNvPicPr>
+            <a:picLocks noChangeAspect="1"/>
+          </p:cNvPicPr>
+          <p:nvPr/>
+        </p:nvPicPr>
+        <p:blipFill>
+          <a:blip r:embed="rId2"/>
+          <a:stretch>
+            <a:fillRect/>
+          </a:stretch>
+        </p:blipFill>
+        <p:spPr>
+          <a:xfrm>
+            <a:off x="6309288" y="1690688"/>
+            <a:ext cx="5719640" cy="3935379"/>
+          </a:xfrm>
+          <a:prstGeom prst="rect">
+            <a:avLst/>
+          </a:prstGeom>
+        </p:spPr>
+      </p:pic>
+      <p:sp>
+        <p:nvSpPr>
+          <p:cNvPr id="5" name="TextBox 4">
+            <a:extLst>
+              <a:ext uri="{FF2B5EF4-FFF2-40B4-BE49-F238E27FC236}">
+                <a16:creationId xmlns:a16="http://schemas.microsoft.com/office/drawing/2014/main" id="{EE99548C-BBF5-2441-B596-130872DC60DB}"/>
+              </a:ext>
+            </a:extLst>
+          </p:cNvPr>
+          <p:cNvSpPr txBox="1"/>
+          <p:nvPr/>
+        </p:nvSpPr>
+        <p:spPr>
+          <a:xfrm>
+            <a:off x="2506894" y="5416098"/>
+            <a:ext cx="484428" cy="523220"/>
+          </a:xfrm>
+          <a:prstGeom prst="rect">
+            <a:avLst/>
+          </a:prstGeom>
+          <a:noFill/>
+        </p:spPr>
+        <p:txBody>
+          <a:bodyPr wrap="none" rtlCol="0">
+            <a:spAutoFit/>
+          </a:bodyPr>
+          <a:lstStyle/>
+          <a:p>
+            <a:r>
+              <a:rPr lang="en-US" sz="2800" dirty="0"/>
+              <a:t>m</a:t>
+            </a:r>
+          </a:p>
+        </p:txBody>
+      </p:sp>
+    </p:spTree>
+    <p:extLst>
+      <p:ext uri="{BB962C8B-B14F-4D97-AF65-F5344CB8AC3E}">
+        <p14:creationId xmlns:p14="http://schemas.microsoft.com/office/powerpoint/2010/main" val="1282238752"/>
+      </p:ext>
+    </p:extLst>
+  </p:cSld>
+  <p:clrMapOvr>
+    <a:masterClrMapping/>
+  </p:clrMapOvr>
+  <p:timing>
+    <p:tnLst>
+      <p:par>
+        <p:cTn id="1" dur="indefinite" restart="never" nodeType="tmRoot">
+          <p:childTnLst>
+            <p:seq concurrent="1" nextAc="seek">
+              <p:cTn id="2" dur="indefinite" nodeType="mainSeq">
+                <p:childTnLst>
+                  <p:par>
+                    <p:cTn id="3" fill="hold">
+                      <p:stCondLst>
+                        <p:cond delay="indefinite"/>
+                      </p:stCondLst>
+                      <p:childTnLst>
+                        <p:par>
+                          <p:cTn id="4" fill="hold">
+                            <p:stCondLst>
+                              <p:cond delay="0"/>
+                            </p:stCondLst>
+                            <p:childTnLst>
+                              <p:par>
+                                <p:cTn id="5" presetID="1" presetClass="entr" presetSubtype="0" fill="hold" grpId="0" nodeType="clickEffect">
+                                  <p:stCondLst>
+                                    <p:cond delay="0"/>
+                                  </p:stCondLst>
+                                  <p:childTnLst>
+                                    <p:set>
+                                      <p:cBhvr>
+                                        <p:cTn id="6" dur="1" fill="hold">
+                                          <p:stCondLst>
+                                            <p:cond delay="0"/>
+                                          </p:stCondLst>
+                                        </p:cTn>
+                                        <p:tgtEl>
+                                          <p:spTgt spid="5"/>
+                                        </p:tgtEl>
+                                        <p:attrNameLst>
+                                          <p:attrName>style.visibility</p:attrName>
+                                        </p:attrNameLst>
+                                      </p:cBhvr>
+                                      <p:to>
+                                        <p:strVal val="visible"/>
+                                      </p:to>
+                                    </p:set>
+                                  </p:childTnLst>
+                                </p:cTn>
+                              </p:par>
+                            </p:childTnLst>
+                          </p:cTn>
+                        </p:par>
+                      </p:childTnLst>
+                    </p:cTn>
+                  </p:par>
+                </p:childTnLst>
+              </p:cTn>
+              <p:prevCondLst>
+                <p:cond evt="onPrev" delay="0">
+                  <p:tgtEl>
+                    <p:sldTgt/>
+                  </p:tgtEl>
+                </p:cond>
+              </p:prevCondLst>
+              <p:nextCondLst>
+                <p:cond evt="onNext" delay="0">
+                  <p:tgtEl>
+                    <p:sldTgt/>
+                  </p:tgtEl>
+                </p:cond>
+              </p:nextCondLst>
+            </p:seq>
+          </p:childTnLst>
+        </p:cTn>
+      </p:par>
+    </p:tnLst>
+    <p:bldLst>
+      <p:bldP spid="5" grpId="0"/>
+    </p:bldLst>
+  </p:timing>
+</p:sld>
+</file>
+
+<file path=ppt/slides/slide11.xml><?xml version="1.0" encoding="utf-8"?>
+<p:sld xmlns:a="http://schemas.openxmlformats.org/drawingml/2006/main" xmlns:r="http://schemas.openxmlformats.org/officeDocument/2006/relationships" xmlns:p="http://schemas.openxmlformats.org/presentationml/2006/main">
+  <p:cSld>
+    <p:spTree>
+      <p:nvGrpSpPr>
+        <p:cNvPr id="1" name=""/>
+        <p:cNvGrpSpPr/>
+        <p:nvPr/>
+      </p:nvGrpSpPr>
+      <p:grpSpPr>
+        <a:xfrm>
+          <a:off x="0" y="0"/>
+          <a:ext cx="0" cy="0"/>
+          <a:chOff x="0" y="0"/>
+          <a:chExt cx="0" cy="0"/>
+        </a:xfrm>
+      </p:grpSpPr>
+      <p:sp>
+        <p:nvSpPr>
+          <p:cNvPr id="2" name="Title 1">
+            <a:extLst>
+              <a:ext uri="{FF2B5EF4-FFF2-40B4-BE49-F238E27FC236}">
                 <a16:creationId xmlns:a16="http://schemas.microsoft.com/office/drawing/2014/main" id="{D156A618-0D95-BE47-93F3-956FE1168AA9}"/>
               </a:ext>
             </a:extLst>
@@ -4329,312 +4664,6 @@
     <p:extLst>
       <p:ext uri="{BB962C8B-B14F-4D97-AF65-F5344CB8AC3E}">
         <p14:creationId xmlns:p14="http://schemas.microsoft.com/office/powerpoint/2010/main" val="588307219"/>
-      </p:ext>
-    </p:extLst>
-  </p:cSld>
-  <p:clrMapOvr>
-    <a:masterClrMapping/>
-  </p:clrMapOvr>
-</p:sld>
-</file>
-
-<file path=ppt/slides/slide11.xml><?xml version="1.0" encoding="utf-8"?>
-<p:sld xmlns:a="http://schemas.openxmlformats.org/drawingml/2006/main" xmlns:r="http://schemas.openxmlformats.org/officeDocument/2006/relationships" xmlns:p="http://schemas.openxmlformats.org/presentationml/2006/main">
-  <p:cSld>
-    <p:spTree>
-      <p:nvGrpSpPr>
-        <p:cNvPr id="1" name=""/>
-        <p:cNvGrpSpPr/>
-        <p:nvPr/>
-      </p:nvGrpSpPr>
-      <p:grpSpPr>
-        <a:xfrm>
-          <a:off x="0" y="0"/>
-          <a:ext cx="0" cy="0"/>
-          <a:chOff x="0" y="0"/>
-          <a:chExt cx="0" cy="0"/>
-        </a:xfrm>
-      </p:grpSpPr>
-      <p:sp>
-        <p:nvSpPr>
-          <p:cNvPr id="2" name="Title 1"/>
-          <p:cNvSpPr>
-            <a:spLocks noGrp="1"/>
-          </p:cNvSpPr>
-          <p:nvPr>
-            <p:ph type="title"/>
-          </p:nvPr>
-        </p:nvSpPr>
-        <p:spPr/>
-        <p:txBody>
-          <a:bodyPr/>
-          <a:lstStyle/>
-          <a:p>
-            <a:r>
-              <a:rPr lang="en-US" dirty="0"/>
-              <a:t>Adding string s to TRIE</a:t>
-            </a:r>
-          </a:p>
-        </p:txBody>
-      </p:sp>
-      <p:sp>
-        <p:nvSpPr>
-          <p:cNvPr id="3" name="Content Placeholder 2"/>
-          <p:cNvSpPr>
-            <a:spLocks noGrp="1"/>
-          </p:cNvSpPr>
-          <p:nvPr>
-            <p:ph idx="1"/>
-          </p:nvPr>
-        </p:nvSpPr>
-        <p:spPr/>
-        <p:txBody>
-          <a:bodyPr>
-            <a:normAutofit lnSpcReduction="10000"/>
-          </a:bodyPr>
-          <a:lstStyle/>
-          <a:p>
-            <a:r>
-              <a:rPr lang="en-US" dirty="0"/>
-              <a:t>TRIE can hold a big set of words and</a:t>
-            </a:r>
-            <a:br>
-              <a:rPr lang="en-US" dirty="0"/>
-            </a:br>
-            <a:r>
-              <a:rPr lang="en-US" dirty="0"/>
-              <a:t>we can search for a word superfast</a:t>
-            </a:r>
-          </a:p>
-          <a:p>
-            <a:r>
-              <a:rPr lang="en-US" dirty="0"/>
-              <a:t>Note: Now that we’re not sorting, order of</a:t>
-            </a:r>
-            <a:br>
-              <a:rPr lang="en-US" dirty="0"/>
-            </a:br>
-            <a:r>
-              <a:rPr lang="en-US" dirty="0"/>
-              <a:t>edges is not important; can use </a:t>
-            </a:r>
-            <a:r>
-              <a:rPr lang="en-US" dirty="0" err="1"/>
-              <a:t>dict</a:t>
-            </a:r>
-            <a:r>
-              <a:rPr lang="en-US" dirty="0"/>
-              <a:t>()</a:t>
-            </a:r>
-          </a:p>
-          <a:p>
-            <a:r>
-              <a:rPr lang="en-US" dirty="0"/>
-              <a:t>Starting at the root, add edge labeled with</a:t>
-            </a:r>
-            <a:br>
-              <a:rPr lang="en-US" dirty="0"/>
-            </a:br>
-            <a:r>
-              <a:rPr lang="en-US" dirty="0"/>
-              <a:t>s[0] pointing to new node</a:t>
-            </a:r>
-          </a:p>
-          <a:p>
-            <a:r>
-              <a:rPr lang="en-US" dirty="0"/>
-              <a:t>Traverse edge to child </a:t>
-            </a:r>
-            <a:r>
-              <a:rPr lang="en-US" dirty="0" err="1"/>
-              <a:t>root.child</a:t>
-            </a:r>
-            <a:r>
-              <a:rPr lang="en-US" dirty="0"/>
-              <a:t>[s[0]]</a:t>
-            </a:r>
-            <a:br>
-              <a:rPr lang="en-US" dirty="0"/>
-            </a:br>
-            <a:r>
-              <a:rPr lang="en-US" dirty="0"/>
-              <a:t>and add subtree for s[1:] to that child</a:t>
-            </a:r>
-          </a:p>
-          <a:p>
-            <a:r>
-              <a:rPr lang="en-US" dirty="0" err="1"/>
-              <a:t>Recurse</a:t>
-            </a:r>
-            <a:r>
-              <a:rPr lang="en-US" dirty="0"/>
-              <a:t> until out of chars in string s</a:t>
-            </a:r>
-          </a:p>
-          <a:p>
-            <a:r>
-              <a:rPr lang="en-US" dirty="0"/>
-              <a:t>O(n) since we must add edge for each char</a:t>
-            </a:r>
-          </a:p>
-        </p:txBody>
-      </p:sp>
-      <p:pic>
-        <p:nvPicPr>
-          <p:cNvPr id="5" name="Picture 4"/>
-          <p:cNvPicPr>
-            <a:picLocks noChangeAspect="1"/>
-          </p:cNvPicPr>
-          <p:nvPr/>
-        </p:nvPicPr>
-        <p:blipFill>
-          <a:blip r:embed="rId2"/>
-          <a:stretch>
-            <a:fillRect/>
-          </a:stretch>
-        </p:blipFill>
-        <p:spPr>
-          <a:xfrm>
-            <a:off x="7943580" y="1825625"/>
-            <a:ext cx="3289300" cy="3949700"/>
-          </a:xfrm>
-          <a:prstGeom prst="rect">
-            <a:avLst/>
-          </a:prstGeom>
-        </p:spPr>
-      </p:pic>
-      <p:sp>
-        <p:nvSpPr>
-          <p:cNvPr id="7" name="TextBox 6">
-            <a:extLst>
-              <a:ext uri="{FF2B5EF4-FFF2-40B4-BE49-F238E27FC236}">
-                <a16:creationId xmlns:a16="http://schemas.microsoft.com/office/drawing/2014/main" id="{53E89B64-E4C7-B349-8F4D-C096A24A66FC}"/>
-              </a:ext>
-            </a:extLst>
-          </p:cNvPr>
-          <p:cNvSpPr txBox="1"/>
-          <p:nvPr/>
-        </p:nvSpPr>
-        <p:spPr>
-          <a:xfrm>
-            <a:off x="7513110" y="473908"/>
-            <a:ext cx="4150239" cy="1107996"/>
-          </a:xfrm>
-          <a:prstGeom prst="rect">
-            <a:avLst/>
-          </a:prstGeom>
-          <a:noFill/>
-          <a:ln>
-            <a:solidFill>
-              <a:schemeClr val="accent1"/>
-            </a:solidFill>
-          </a:ln>
-        </p:spPr>
-        <p:txBody>
-          <a:bodyPr wrap="square" rtlCol="0">
-            <a:spAutoFit/>
-          </a:bodyPr>
-          <a:lstStyle/>
-          <a:p>
-            <a:r>
-              <a:rPr lang="en-US" sz="2200">
-                <a:latin typeface="Monaco" charset="0"/>
-                <a:ea typeface="Monaco" charset="0"/>
-                <a:cs typeface="Monaco" charset="0"/>
-              </a:rPr>
-              <a:t>class </a:t>
-            </a:r>
-            <a:r>
-              <a:rPr lang="en-US" sz="2200" dirty="0" err="1">
-                <a:latin typeface="Monaco" charset="0"/>
-                <a:ea typeface="Monaco" charset="0"/>
-                <a:cs typeface="Monaco" charset="0"/>
-              </a:rPr>
-              <a:t>TrieNode</a:t>
-            </a:r>
-            <a:r>
-              <a:rPr lang="en-US" sz="2200" dirty="0">
-                <a:latin typeface="Monaco" charset="0"/>
-                <a:ea typeface="Monaco" charset="0"/>
-                <a:cs typeface="Monaco" charset="0"/>
-              </a:rPr>
-              <a:t>:</a:t>
-            </a:r>
-          </a:p>
-          <a:p>
-            <a:r>
-              <a:rPr lang="en-US" sz="2200" dirty="0">
-                <a:latin typeface="Monaco" charset="0"/>
-                <a:ea typeface="Monaco" charset="0"/>
-                <a:cs typeface="Monaco" charset="0"/>
-              </a:rPr>
-              <a:t>    </a:t>
-            </a:r>
-            <a:r>
-              <a:rPr lang="en-US" sz="2200" dirty="0" err="1">
-                <a:latin typeface="Monaco" charset="0"/>
-                <a:ea typeface="Monaco" charset="0"/>
-                <a:cs typeface="Monaco" charset="0"/>
-              </a:rPr>
-              <a:t>def</a:t>
-            </a:r>
-            <a:r>
-              <a:rPr lang="en-US" sz="2200" dirty="0">
-                <a:latin typeface="Monaco" charset="0"/>
-                <a:ea typeface="Monaco" charset="0"/>
-                <a:cs typeface="Monaco" charset="0"/>
-              </a:rPr>
-              <a:t> __</a:t>
-            </a:r>
-            <a:r>
-              <a:rPr lang="en-US" sz="2200" dirty="0" err="1">
-                <a:latin typeface="Monaco" charset="0"/>
-                <a:ea typeface="Monaco" charset="0"/>
-                <a:cs typeface="Monaco" charset="0"/>
-              </a:rPr>
-              <a:t>init</a:t>
-            </a:r>
-            <a:r>
-              <a:rPr lang="en-US" sz="2200" dirty="0">
-                <a:latin typeface="Monaco" charset="0"/>
-                <a:ea typeface="Monaco" charset="0"/>
-                <a:cs typeface="Monaco" charset="0"/>
-              </a:rPr>
-              <a:t>__(self):</a:t>
-            </a:r>
-          </a:p>
-          <a:p>
-            <a:r>
-              <a:rPr lang="en-US" sz="2200" dirty="0">
-                <a:latin typeface="Monaco" charset="0"/>
-                <a:ea typeface="Monaco" charset="0"/>
-                <a:cs typeface="Monaco" charset="0"/>
-              </a:rPr>
-              <a:t>        </a:t>
-            </a:r>
-            <a:r>
-              <a:rPr lang="en-US" sz="2200" dirty="0" err="1">
-                <a:latin typeface="Monaco" charset="0"/>
-                <a:ea typeface="Monaco" charset="0"/>
-                <a:cs typeface="Monaco" charset="0"/>
-              </a:rPr>
-              <a:t>self.edges</a:t>
-            </a:r>
-            <a:r>
-              <a:rPr lang="en-US" sz="2200" dirty="0">
-                <a:latin typeface="Monaco" charset="0"/>
-                <a:ea typeface="Monaco" charset="0"/>
-                <a:cs typeface="Monaco" charset="0"/>
-              </a:rPr>
-              <a:t> = {}</a:t>
-            </a:r>
-          </a:p>
-        </p:txBody>
-      </p:sp>
-    </p:spTree>
-    <p:extLst>
-      <p:ext uri="{BB962C8B-B14F-4D97-AF65-F5344CB8AC3E}">
-        <p14:creationId xmlns:p14="http://schemas.microsoft.com/office/powerpoint/2010/main" val="664718945"/>
       </p:ext>
     </p:extLst>
   </p:cSld>
@@ -4678,6 +4707,312 @@
           <a:p>
             <a:r>
               <a:rPr lang="en-US" dirty="0"/>
+              <a:t>Adding string s to TRIE</a:t>
+            </a:r>
+          </a:p>
+        </p:txBody>
+      </p:sp>
+      <p:sp>
+        <p:nvSpPr>
+          <p:cNvPr id="3" name="Content Placeholder 2"/>
+          <p:cNvSpPr>
+            <a:spLocks noGrp="1"/>
+          </p:cNvSpPr>
+          <p:nvPr>
+            <p:ph idx="1"/>
+          </p:nvPr>
+        </p:nvSpPr>
+        <p:spPr/>
+        <p:txBody>
+          <a:bodyPr>
+            <a:normAutofit lnSpcReduction="10000"/>
+          </a:bodyPr>
+          <a:lstStyle/>
+          <a:p>
+            <a:r>
+              <a:rPr lang="en-US" dirty="0"/>
+              <a:t>TRIE can hold a big set of words and</a:t>
+            </a:r>
+            <a:br>
+              <a:rPr lang="en-US" dirty="0"/>
+            </a:br>
+            <a:r>
+              <a:rPr lang="en-US" dirty="0"/>
+              <a:t>we can search for a word superfast</a:t>
+            </a:r>
+          </a:p>
+          <a:p>
+            <a:r>
+              <a:rPr lang="en-US" dirty="0"/>
+              <a:t>Note: Now that we’re not sorting, order of</a:t>
+            </a:r>
+            <a:br>
+              <a:rPr lang="en-US" dirty="0"/>
+            </a:br>
+            <a:r>
+              <a:rPr lang="en-US" dirty="0"/>
+              <a:t>edges is not important; can use </a:t>
+            </a:r>
+            <a:r>
+              <a:rPr lang="en-US" dirty="0" err="1"/>
+              <a:t>dict</a:t>
+            </a:r>
+            <a:r>
+              <a:rPr lang="en-US" dirty="0"/>
+              <a:t>()</a:t>
+            </a:r>
+          </a:p>
+          <a:p>
+            <a:r>
+              <a:rPr lang="en-US" dirty="0"/>
+              <a:t>Starting at the root, add edge labeled with</a:t>
+            </a:r>
+            <a:br>
+              <a:rPr lang="en-US" dirty="0"/>
+            </a:br>
+            <a:r>
+              <a:rPr lang="en-US" dirty="0"/>
+              <a:t>s[0] pointing to new node</a:t>
+            </a:r>
+          </a:p>
+          <a:p>
+            <a:r>
+              <a:rPr lang="en-US" dirty="0"/>
+              <a:t>Traverse edge to child </a:t>
+            </a:r>
+            <a:r>
+              <a:rPr lang="en-US" dirty="0" err="1"/>
+              <a:t>root.child</a:t>
+            </a:r>
+            <a:r>
+              <a:rPr lang="en-US" dirty="0"/>
+              <a:t>[s[0]]</a:t>
+            </a:r>
+            <a:br>
+              <a:rPr lang="en-US" dirty="0"/>
+            </a:br>
+            <a:r>
+              <a:rPr lang="en-US" dirty="0"/>
+              <a:t>and add subtree for s[1:] to that child</a:t>
+            </a:r>
+          </a:p>
+          <a:p>
+            <a:r>
+              <a:rPr lang="en-US" dirty="0" err="1"/>
+              <a:t>Recurse</a:t>
+            </a:r>
+            <a:r>
+              <a:rPr lang="en-US" dirty="0"/>
+              <a:t> until out of chars in string s</a:t>
+            </a:r>
+          </a:p>
+          <a:p>
+            <a:r>
+              <a:rPr lang="en-US" dirty="0"/>
+              <a:t>O(n) since we must add edge for each char</a:t>
+            </a:r>
+          </a:p>
+        </p:txBody>
+      </p:sp>
+      <p:pic>
+        <p:nvPicPr>
+          <p:cNvPr id="5" name="Picture 4"/>
+          <p:cNvPicPr>
+            <a:picLocks noChangeAspect="1"/>
+          </p:cNvPicPr>
+          <p:nvPr/>
+        </p:nvPicPr>
+        <p:blipFill>
+          <a:blip r:embed="rId2"/>
+          <a:stretch>
+            <a:fillRect/>
+          </a:stretch>
+        </p:blipFill>
+        <p:spPr>
+          <a:xfrm>
+            <a:off x="7943580" y="1825625"/>
+            <a:ext cx="3289300" cy="3949700"/>
+          </a:xfrm>
+          <a:prstGeom prst="rect">
+            <a:avLst/>
+          </a:prstGeom>
+        </p:spPr>
+      </p:pic>
+      <p:sp>
+        <p:nvSpPr>
+          <p:cNvPr id="7" name="TextBox 6">
+            <a:extLst>
+              <a:ext uri="{FF2B5EF4-FFF2-40B4-BE49-F238E27FC236}">
+                <a16:creationId xmlns:a16="http://schemas.microsoft.com/office/drawing/2014/main" id="{53E89B64-E4C7-B349-8F4D-C096A24A66FC}"/>
+              </a:ext>
+            </a:extLst>
+          </p:cNvPr>
+          <p:cNvSpPr txBox="1"/>
+          <p:nvPr/>
+        </p:nvSpPr>
+        <p:spPr>
+          <a:xfrm>
+            <a:off x="7513110" y="473908"/>
+            <a:ext cx="4150239" cy="1107996"/>
+          </a:xfrm>
+          <a:prstGeom prst="rect">
+            <a:avLst/>
+          </a:prstGeom>
+          <a:noFill/>
+          <a:ln>
+            <a:solidFill>
+              <a:schemeClr val="accent1"/>
+            </a:solidFill>
+          </a:ln>
+        </p:spPr>
+        <p:txBody>
+          <a:bodyPr wrap="square" rtlCol="0">
+            <a:spAutoFit/>
+          </a:bodyPr>
+          <a:lstStyle/>
+          <a:p>
+            <a:r>
+              <a:rPr lang="en-US" sz="2200">
+                <a:latin typeface="Monaco" charset="0"/>
+                <a:ea typeface="Monaco" charset="0"/>
+                <a:cs typeface="Monaco" charset="0"/>
+              </a:rPr>
+              <a:t>class </a:t>
+            </a:r>
+            <a:r>
+              <a:rPr lang="en-US" sz="2200" dirty="0" err="1">
+                <a:latin typeface="Monaco" charset="0"/>
+                <a:ea typeface="Monaco" charset="0"/>
+                <a:cs typeface="Monaco" charset="0"/>
+              </a:rPr>
+              <a:t>TrieNode</a:t>
+            </a:r>
+            <a:r>
+              <a:rPr lang="en-US" sz="2200" dirty="0">
+                <a:latin typeface="Monaco" charset="0"/>
+                <a:ea typeface="Monaco" charset="0"/>
+                <a:cs typeface="Monaco" charset="0"/>
+              </a:rPr>
+              <a:t>:</a:t>
+            </a:r>
+          </a:p>
+          <a:p>
+            <a:r>
+              <a:rPr lang="en-US" sz="2200" dirty="0">
+                <a:latin typeface="Monaco" charset="0"/>
+                <a:ea typeface="Monaco" charset="0"/>
+                <a:cs typeface="Monaco" charset="0"/>
+              </a:rPr>
+              <a:t>    </a:t>
+            </a:r>
+            <a:r>
+              <a:rPr lang="en-US" sz="2200" dirty="0" err="1">
+                <a:latin typeface="Monaco" charset="0"/>
+                <a:ea typeface="Monaco" charset="0"/>
+                <a:cs typeface="Monaco" charset="0"/>
+              </a:rPr>
+              <a:t>def</a:t>
+            </a:r>
+            <a:r>
+              <a:rPr lang="en-US" sz="2200" dirty="0">
+                <a:latin typeface="Monaco" charset="0"/>
+                <a:ea typeface="Monaco" charset="0"/>
+                <a:cs typeface="Monaco" charset="0"/>
+              </a:rPr>
+              <a:t> __</a:t>
+            </a:r>
+            <a:r>
+              <a:rPr lang="en-US" sz="2200" dirty="0" err="1">
+                <a:latin typeface="Monaco" charset="0"/>
+                <a:ea typeface="Monaco" charset="0"/>
+                <a:cs typeface="Monaco" charset="0"/>
+              </a:rPr>
+              <a:t>init</a:t>
+            </a:r>
+            <a:r>
+              <a:rPr lang="en-US" sz="2200" dirty="0">
+                <a:latin typeface="Monaco" charset="0"/>
+                <a:ea typeface="Monaco" charset="0"/>
+                <a:cs typeface="Monaco" charset="0"/>
+              </a:rPr>
+              <a:t>__(self):</a:t>
+            </a:r>
+          </a:p>
+          <a:p>
+            <a:r>
+              <a:rPr lang="en-US" sz="2200" dirty="0">
+                <a:latin typeface="Monaco" charset="0"/>
+                <a:ea typeface="Monaco" charset="0"/>
+                <a:cs typeface="Monaco" charset="0"/>
+              </a:rPr>
+              <a:t>        </a:t>
+            </a:r>
+            <a:r>
+              <a:rPr lang="en-US" sz="2200" dirty="0" err="1">
+                <a:latin typeface="Monaco" charset="0"/>
+                <a:ea typeface="Monaco" charset="0"/>
+                <a:cs typeface="Monaco" charset="0"/>
+              </a:rPr>
+              <a:t>self.edges</a:t>
+            </a:r>
+            <a:r>
+              <a:rPr lang="en-US" sz="2200" dirty="0">
+                <a:latin typeface="Monaco" charset="0"/>
+                <a:ea typeface="Monaco" charset="0"/>
+                <a:cs typeface="Monaco" charset="0"/>
+              </a:rPr>
+              <a:t> = {}</a:t>
+            </a:r>
+          </a:p>
+        </p:txBody>
+      </p:sp>
+    </p:spTree>
+    <p:extLst>
+      <p:ext uri="{BB962C8B-B14F-4D97-AF65-F5344CB8AC3E}">
+        <p14:creationId xmlns:p14="http://schemas.microsoft.com/office/powerpoint/2010/main" val="664718945"/>
+      </p:ext>
+    </p:extLst>
+  </p:cSld>
+  <p:clrMapOvr>
+    <a:masterClrMapping/>
+  </p:clrMapOvr>
+</p:sld>
+</file>
+
+<file path=ppt/slides/slide13.xml><?xml version="1.0" encoding="utf-8"?>
+<p:sld xmlns:a="http://schemas.openxmlformats.org/drawingml/2006/main" xmlns:r="http://schemas.openxmlformats.org/officeDocument/2006/relationships" xmlns:p="http://schemas.openxmlformats.org/presentationml/2006/main">
+  <p:cSld>
+    <p:spTree>
+      <p:nvGrpSpPr>
+        <p:cNvPr id="1" name=""/>
+        <p:cNvGrpSpPr/>
+        <p:nvPr/>
+      </p:nvGrpSpPr>
+      <p:grpSpPr>
+        <a:xfrm>
+          <a:off x="0" y="0"/>
+          <a:ext cx="0" cy="0"/>
+          <a:chOff x="0" y="0"/>
+          <a:chExt cx="0" cy="0"/>
+        </a:xfrm>
+      </p:grpSpPr>
+      <p:sp>
+        <p:nvSpPr>
+          <p:cNvPr id="2" name="Title 1"/>
+          <p:cNvSpPr>
+            <a:spLocks noGrp="1"/>
+          </p:cNvSpPr>
+          <p:nvPr>
+            <p:ph type="title"/>
+          </p:nvPr>
+        </p:nvSpPr>
+        <p:spPr/>
+        <p:txBody>
+          <a:bodyPr/>
+          <a:lstStyle/>
+          <a:p>
+            <a:r>
+              <a:rPr lang="en-US" dirty="0"/>
               <a:t>Implementation</a:t>
             </a:r>
           </a:p>
@@ -5189,7 +5524,7 @@
 </p:sld>
 </file>
 
-<file path=ppt/slides/slide13.xml><?xml version="1.0" encoding="utf-8"?>
+<file path=ppt/slides/slide14.xml><?xml version="1.0" encoding="utf-8"?>
 <p:sld xmlns:a="http://schemas.openxmlformats.org/drawingml/2006/main" xmlns:r="http://schemas.openxmlformats.org/officeDocument/2006/relationships" xmlns:p="http://schemas.openxmlformats.org/presentationml/2006/main">
   <p:cSld>
     <p:spTree>
@@ -5784,7 +6119,7 @@
 </p:sld>
 </file>
 
-<file path=ppt/slides/slide14.xml><?xml version="1.0" encoding="utf-8"?>
+<file path=ppt/slides/slide15.xml><?xml version="1.0" encoding="utf-8"?>
 <p:sld xmlns:a="http://schemas.openxmlformats.org/drawingml/2006/main" xmlns:r="http://schemas.openxmlformats.org/officeDocument/2006/relationships" xmlns:p="http://schemas.openxmlformats.org/presentationml/2006/main">
   <p:cSld>
     <p:spTree>
@@ -6377,7 +6712,7 @@
 </p:sld>
 </file>
 
-<file path=ppt/slides/slide15.xml><?xml version="1.0" encoding="utf-8"?>
+<file path=ppt/slides/slide16.xml><?xml version="1.0" encoding="utf-8"?>
 <p:sld xmlns:a="http://schemas.openxmlformats.org/drawingml/2006/main" xmlns:r="http://schemas.openxmlformats.org/officeDocument/2006/relationships" xmlns:p="http://schemas.openxmlformats.org/presentationml/2006/main">
   <p:cSld>
     <p:spTree>
@@ -6507,7 +6842,7 @@
 </p:sld>
 </file>
 
-<file path=ppt/slides/slide16.xml><?xml version="1.0" encoding="utf-8"?>
+<file path=ppt/slides/slide17.xml><?xml version="1.0" encoding="utf-8"?>
 <p:sld xmlns:a="http://schemas.openxmlformats.org/drawingml/2006/main" xmlns:r="http://schemas.openxmlformats.org/officeDocument/2006/relationships" xmlns:p="http://schemas.openxmlformats.org/presentationml/2006/main">
   <p:cSld>
     <p:spTree>
@@ -6787,382 +7122,6 @@
 </p:sld>
 </file>
 
-<file path=ppt/slides/slide17.xml><?xml version="1.0" encoding="utf-8"?>
-<p:sld xmlns:a="http://schemas.openxmlformats.org/drawingml/2006/main" xmlns:r="http://schemas.openxmlformats.org/officeDocument/2006/relationships" xmlns:p="http://schemas.openxmlformats.org/presentationml/2006/main">
-  <p:cSld>
-    <p:spTree>
-      <p:nvGrpSpPr>
-        <p:cNvPr id="1" name=""/>
-        <p:cNvGrpSpPr/>
-        <p:nvPr/>
-      </p:nvGrpSpPr>
-      <p:grpSpPr>
-        <a:xfrm>
-          <a:off x="0" y="0"/>
-          <a:ext cx="0" cy="0"/>
-          <a:chOff x="0" y="0"/>
-          <a:chExt cx="0" cy="0"/>
-        </a:xfrm>
-      </p:grpSpPr>
-      <p:sp>
-        <p:nvSpPr>
-          <p:cNvPr id="2" name="Title 1">
-            <a:extLst>
-              <a:ext uri="{FF2B5EF4-FFF2-40B4-BE49-F238E27FC236}">
-                <a16:creationId xmlns:a16="http://schemas.microsoft.com/office/drawing/2014/main" id="{8EE0BAE5-7887-254A-94BF-F5E407B231C7}"/>
-              </a:ext>
-            </a:extLst>
-          </p:cNvPr>
-          <p:cNvSpPr>
-            <a:spLocks noGrp="1"/>
-          </p:cNvSpPr>
-          <p:nvPr>
-            <p:ph type="title"/>
-          </p:nvPr>
-        </p:nvSpPr>
-        <p:spPr>
-          <a:xfrm>
-            <a:off x="838200" y="365125"/>
-            <a:ext cx="11353800" cy="1325563"/>
-          </a:xfrm>
-        </p:spPr>
-        <p:txBody>
-          <a:bodyPr/>
-          <a:lstStyle/>
-          <a:p>
-            <a:r>
-              <a:rPr lang="en-US" b="1" dirty="0"/>
-              <a:t>Exercise</a:t>
-            </a:r>
-            <a:r>
-              <a:rPr lang="en-US" dirty="0"/>
-              <a:t>: Brute force dictionary search</a:t>
-            </a:r>
-          </a:p>
-        </p:txBody>
-      </p:sp>
-      <p:sp>
-        <p:nvSpPr>
-          <p:cNvPr id="3" name="Content Placeholder 2">
-            <a:extLst>
-              <a:ext uri="{FF2B5EF4-FFF2-40B4-BE49-F238E27FC236}">
-                <a16:creationId xmlns:a16="http://schemas.microsoft.com/office/drawing/2014/main" id="{B312B095-1A92-4D4E-8DD0-7EC38E69366B}"/>
-              </a:ext>
-            </a:extLst>
-          </p:cNvPr>
-          <p:cNvSpPr>
-            <a:spLocks noGrp="1"/>
-          </p:cNvSpPr>
-          <p:nvPr>
-            <p:ph idx="1"/>
-          </p:nvPr>
-        </p:nvSpPr>
-        <p:spPr>
-          <a:xfrm>
-            <a:off x="838200" y="1825625"/>
-            <a:ext cx="8997176" cy="4351338"/>
-          </a:xfrm>
-        </p:spPr>
-        <p:txBody>
-          <a:bodyPr>
-            <a:normAutofit/>
-          </a:bodyPr>
-          <a:lstStyle/>
-          <a:p>
-            <a:r>
-              <a:rPr lang="en-US" dirty="0"/>
-              <a:t>Load words from </a:t>
-            </a:r>
-            <a:r>
-              <a:rPr lang="en-US" b="1" dirty="0"/>
-              <a:t>/</a:t>
-            </a:r>
-            <a:r>
-              <a:rPr lang="en-US" b="1" dirty="0" err="1"/>
-              <a:t>usr</a:t>
-            </a:r>
-            <a:r>
-              <a:rPr lang="en-US" b="1" dirty="0"/>
-              <a:t>/share/</a:t>
-            </a:r>
-            <a:r>
-              <a:rPr lang="en-US" b="1" dirty="0" err="1"/>
-              <a:t>dict</a:t>
-            </a:r>
-            <a:r>
-              <a:rPr lang="en-US" b="1" dirty="0"/>
-              <a:t>/words</a:t>
-            </a:r>
-            <a:r>
-              <a:rPr lang="en-US" dirty="0"/>
-              <a:t> file (one per line) into list</a:t>
-            </a:r>
-          </a:p>
-          <a:p>
-            <a:r>
-              <a:rPr lang="en-US" dirty="0"/>
-              <a:t>Search for each word in list of words; what is complexity?</a:t>
-            </a:r>
-          </a:p>
-          <a:p>
-            <a:r>
-              <a:rPr lang="en-US" dirty="0"/>
-              <a:t>This takes almost 5 minutes on my fast computer. ugh</a:t>
-            </a:r>
-          </a:p>
-        </p:txBody>
-      </p:sp>
-      <p:sp>
-        <p:nvSpPr>
-          <p:cNvPr id="4" name="TextBox 3">
-            <a:extLst>
-              <a:ext uri="{FF2B5EF4-FFF2-40B4-BE49-F238E27FC236}">
-                <a16:creationId xmlns:a16="http://schemas.microsoft.com/office/drawing/2014/main" id="{E52E155C-C5BB-644F-A746-ECFDFF0F305D}"/>
-              </a:ext>
-            </a:extLst>
-          </p:cNvPr>
-          <p:cNvSpPr txBox="1"/>
-          <p:nvPr/>
-        </p:nvSpPr>
-        <p:spPr>
-          <a:xfrm>
-            <a:off x="0" y="6311900"/>
-            <a:ext cx="8097088" cy="369332"/>
-          </a:xfrm>
-          <a:prstGeom prst="rect">
-            <a:avLst/>
-          </a:prstGeom>
-          <a:noFill/>
-        </p:spPr>
-        <p:txBody>
-          <a:bodyPr wrap="none" rtlCol="0">
-            <a:spAutoFit/>
-          </a:bodyPr>
-          <a:lstStyle/>
-          <a:p>
-            <a:r>
-              <a:rPr lang="en-US" dirty="0"/>
-              <a:t>See solution </a:t>
-            </a:r>
-            <a:r>
-              <a:rPr lang="en-US" dirty="0">
-                <a:hlinkClick r:id="rId2"/>
-              </a:rPr>
-              <a:t>https://github.com/parrt/msds689/blob/master/notes/code/trie.py</a:t>
-            </a:r>
-            <a:endParaRPr lang="en-US" dirty="0"/>
-          </a:p>
-        </p:txBody>
-      </p:sp>
-      <p:sp>
-        <p:nvSpPr>
-          <p:cNvPr id="5" name="Rectangle 4">
-            <a:extLst>
-              <a:ext uri="{FF2B5EF4-FFF2-40B4-BE49-F238E27FC236}">
-                <a16:creationId xmlns:a16="http://schemas.microsoft.com/office/drawing/2014/main" id="{9ED212F0-4F65-164A-8728-B5FA7E840EA4}"/>
-              </a:ext>
-            </a:extLst>
-          </p:cNvPr>
-          <p:cNvSpPr/>
-          <p:nvPr/>
-        </p:nvSpPr>
-        <p:spPr>
-          <a:xfrm>
-            <a:off x="10220844" y="1690688"/>
-            <a:ext cx="1724722" cy="3693319"/>
-          </a:xfrm>
-          <a:prstGeom prst="rect">
-            <a:avLst/>
-          </a:prstGeom>
-        </p:spPr>
-        <p:txBody>
-          <a:bodyPr wrap="square">
-            <a:spAutoFit/>
-          </a:bodyPr>
-          <a:lstStyle/>
-          <a:p>
-            <a:r>
-              <a:rPr lang="en-US" dirty="0">
-                <a:solidFill>
-                  <a:srgbClr val="000000"/>
-                </a:solidFill>
-                <a:latin typeface="Monaco" pitchFamily="2" charset="77"/>
-              </a:rPr>
-              <a:t>A</a:t>
-            </a:r>
-          </a:p>
-          <a:p>
-            <a:r>
-              <a:rPr lang="en-US" dirty="0">
-                <a:solidFill>
-                  <a:srgbClr val="000000"/>
-                </a:solidFill>
-                <a:latin typeface="Monaco" pitchFamily="2" charset="77"/>
-              </a:rPr>
-              <a:t>a</a:t>
-            </a:r>
-          </a:p>
-          <a:p>
-            <a:r>
-              <a:rPr lang="en-US" dirty="0">
-                <a:solidFill>
-                  <a:srgbClr val="000000"/>
-                </a:solidFill>
-                <a:latin typeface="Monaco" pitchFamily="2" charset="77"/>
-              </a:rPr>
-              <a:t>aa</a:t>
-            </a:r>
-          </a:p>
-          <a:p>
-            <a:r>
-              <a:rPr lang="en-US" dirty="0" err="1">
-                <a:solidFill>
-                  <a:srgbClr val="000000"/>
-                </a:solidFill>
-                <a:latin typeface="Monaco" pitchFamily="2" charset="77"/>
-              </a:rPr>
-              <a:t>aal</a:t>
-            </a:r>
-            <a:endParaRPr lang="en-US" dirty="0">
-              <a:solidFill>
-                <a:srgbClr val="000000"/>
-              </a:solidFill>
-              <a:latin typeface="Monaco" pitchFamily="2" charset="77"/>
-            </a:endParaRPr>
-          </a:p>
-          <a:p>
-            <a:r>
-              <a:rPr lang="en-US" dirty="0">
-                <a:solidFill>
-                  <a:srgbClr val="000000"/>
-                </a:solidFill>
-                <a:latin typeface="Monaco" pitchFamily="2" charset="77"/>
-              </a:rPr>
-              <a:t>aalii</a:t>
-            </a:r>
-          </a:p>
-          <a:p>
-            <a:r>
-              <a:rPr lang="en-US" dirty="0" err="1">
-                <a:solidFill>
-                  <a:srgbClr val="000000"/>
-                </a:solidFill>
-                <a:latin typeface="Monaco" pitchFamily="2" charset="77"/>
-              </a:rPr>
-              <a:t>aam</a:t>
-            </a:r>
-            <a:endParaRPr lang="en-US" dirty="0">
-              <a:solidFill>
-                <a:srgbClr val="000000"/>
-              </a:solidFill>
-              <a:latin typeface="Monaco" pitchFamily="2" charset="77"/>
-            </a:endParaRPr>
-          </a:p>
-          <a:p>
-            <a:r>
-              <a:rPr lang="en-US" dirty="0" err="1">
-                <a:solidFill>
-                  <a:srgbClr val="000000"/>
-                </a:solidFill>
-                <a:latin typeface="Monaco" pitchFamily="2" charset="77"/>
-              </a:rPr>
-              <a:t>Aani</a:t>
-            </a:r>
-            <a:endParaRPr lang="en-US" dirty="0">
-              <a:solidFill>
-                <a:srgbClr val="000000"/>
-              </a:solidFill>
-              <a:latin typeface="Monaco" pitchFamily="2" charset="77"/>
-            </a:endParaRPr>
-          </a:p>
-          <a:p>
-            <a:r>
-              <a:rPr lang="en-US" dirty="0">
-                <a:solidFill>
-                  <a:srgbClr val="000000"/>
-                </a:solidFill>
-                <a:latin typeface="Monaco" pitchFamily="2" charset="77"/>
-              </a:rPr>
-              <a:t>aardvark</a:t>
-            </a:r>
-          </a:p>
-          <a:p>
-            <a:r>
-              <a:rPr lang="en-US" dirty="0">
-                <a:solidFill>
-                  <a:srgbClr val="000000"/>
-                </a:solidFill>
-                <a:latin typeface="Monaco" pitchFamily="2" charset="77"/>
-              </a:rPr>
-              <a:t>aardwolf</a:t>
-            </a:r>
-          </a:p>
-          <a:p>
-            <a:r>
-              <a:rPr lang="en-US" dirty="0">
-                <a:solidFill>
-                  <a:srgbClr val="000000"/>
-                </a:solidFill>
-                <a:latin typeface="Monaco" pitchFamily="2" charset="77"/>
-              </a:rPr>
-              <a:t>Aaron</a:t>
-            </a:r>
-          </a:p>
-          <a:p>
-            <a:r>
-              <a:rPr lang="en-US" dirty="0">
-                <a:solidFill>
-                  <a:srgbClr val="000000"/>
-                </a:solidFill>
-                <a:latin typeface="Monaco" pitchFamily="2" charset="77"/>
-              </a:rPr>
-              <a:t>Aaronic</a:t>
-            </a:r>
-          </a:p>
-          <a:p>
-            <a:r>
-              <a:rPr lang="en-US" dirty="0" err="1">
-                <a:solidFill>
-                  <a:srgbClr val="000000"/>
-                </a:solidFill>
-                <a:latin typeface="Monaco" pitchFamily="2" charset="77"/>
-              </a:rPr>
-              <a:t>Aaronical</a:t>
-            </a:r>
-            <a:endParaRPr lang="en-US" dirty="0">
-              <a:solidFill>
-                <a:srgbClr val="000000"/>
-              </a:solidFill>
-              <a:latin typeface="Monaco" pitchFamily="2" charset="77"/>
-            </a:endParaRPr>
-          </a:p>
-          <a:p>
-            <a:r>
-              <a:rPr lang="en-US" dirty="0">
-                <a:solidFill>
-                  <a:srgbClr val="000000"/>
-                </a:solidFill>
-                <a:effectLst/>
-                <a:latin typeface="Monaco" pitchFamily="2" charset="77"/>
-              </a:rPr>
-              <a:t>…</a:t>
-            </a:r>
-          </a:p>
-        </p:txBody>
-      </p:sp>
-    </p:spTree>
-    <p:extLst>
-      <p:ext uri="{BB962C8B-B14F-4D97-AF65-F5344CB8AC3E}">
-        <p14:creationId xmlns:p14="http://schemas.microsoft.com/office/powerpoint/2010/main" val="3436461503"/>
-      </p:ext>
-    </p:extLst>
-  </p:cSld>
-  <p:clrMapOvr>
-    <a:masterClrMapping/>
-  </p:clrMapOvr>
-</p:sld>
-</file>
-
 <file path=ppt/slides/slide18.xml><?xml version="1.0" encoding="utf-8"?>
 <p:sld xmlns:a="http://schemas.openxmlformats.org/drawingml/2006/main" xmlns:r="http://schemas.openxmlformats.org/officeDocument/2006/relationships" xmlns:p="http://schemas.openxmlformats.org/presentationml/2006/main">
   <p:cSld>
@@ -7185,7 +7144,7 @@
           <p:cNvPr id="2" name="Title 1">
             <a:extLst>
               <a:ext uri="{FF2B5EF4-FFF2-40B4-BE49-F238E27FC236}">
-                <a16:creationId xmlns:a16="http://schemas.microsoft.com/office/drawing/2014/main" id="{75EA49D3-0D3B-1C4C-ACF3-C67C08F637C8}"/>
+                <a16:creationId xmlns:a16="http://schemas.microsoft.com/office/drawing/2014/main" id="{8EE0BAE5-7887-254A-94BF-F5E407B231C7}"/>
               </a:ext>
             </a:extLst>
           </p:cNvPr>
@@ -7212,15 +7171,7 @@
             </a:r>
             <a:r>
               <a:rPr lang="en-US" dirty="0"/>
-              <a:t>: Build </a:t>
-            </a:r>
-            <a:r>
-              <a:rPr lang="en-US" dirty="0" err="1"/>
-              <a:t>Trie</a:t>
-            </a:r>
-            <a:r>
-              <a:rPr lang="en-US" dirty="0"/>
-              <a:t> from dictionary of words</a:t>
+              <a:t>: Brute force dictionary search</a:t>
             </a:r>
           </a:p>
         </p:txBody>
@@ -7230,7 +7181,7 @@
           <p:cNvPr id="3" name="Content Placeholder 2">
             <a:extLst>
               <a:ext uri="{FF2B5EF4-FFF2-40B4-BE49-F238E27FC236}">
-                <a16:creationId xmlns:a16="http://schemas.microsoft.com/office/drawing/2014/main" id="{E4C7E417-9DFA-CE45-979D-F475A80168FB}"/>
+                <a16:creationId xmlns:a16="http://schemas.microsoft.com/office/drawing/2014/main" id="{B312B095-1A92-4D4E-8DD0-7EC38E69366B}"/>
               </a:ext>
             </a:extLst>
           </p:cNvPr>
@@ -7241,69 +7192,57 @@
             <p:ph idx="1"/>
           </p:nvPr>
         </p:nvSpPr>
-        <p:spPr/>
-        <p:txBody>
-          <a:bodyPr/>
-          <a:lstStyle/>
-          <a:p>
-            <a:r>
-              <a:rPr lang="en-US" dirty="0"/>
-              <a:t>From searching notebook, get </a:t>
-            </a:r>
-            <a:r>
-              <a:rPr lang="en-US" dirty="0" err="1"/>
-              <a:t>Trie</a:t>
-            </a:r>
-            <a:r>
-              <a:rPr lang="en-US" dirty="0"/>
-              <a:t> implementation</a:t>
-            </a:r>
-          </a:p>
-          <a:p>
-            <a:r>
-              <a:rPr lang="en-US" dirty="0"/>
-              <a:t>Add each word to a </a:t>
-            </a:r>
-            <a:r>
-              <a:rPr lang="en-US" dirty="0" err="1"/>
-              <a:t>trie</a:t>
-            </a:r>
-            <a:r>
-              <a:rPr lang="en-US" dirty="0"/>
-              <a:t>, which takes about 6s on my machine</a:t>
-            </a:r>
-          </a:p>
-          <a:p>
-            <a:r>
-              <a:rPr lang="en-US" dirty="0"/>
-              <a:t>Search the </a:t>
-            </a:r>
-            <a:r>
-              <a:rPr lang="en-US" dirty="0" err="1"/>
-              <a:t>trie</a:t>
-            </a:r>
-            <a:r>
-              <a:rPr lang="en-US" dirty="0"/>
-              <a:t> for each of 235,886 words; takes 0.75s for me!!</a:t>
-            </a:r>
-          </a:p>
-          <a:p>
-            <a:r>
-              <a:rPr lang="en-US" dirty="0"/>
-              <a:t>Rejoice in your new super powers</a:t>
-            </a:r>
-          </a:p>
-          <a:p>
-            <a:r>
-              <a:rPr lang="en-US" dirty="0"/>
-              <a:t>Cool interview question/task:</a:t>
-            </a:r>
-            <a:br>
-              <a:rPr lang="en-US" dirty="0"/>
-            </a:br>
-            <a:r>
-              <a:rPr lang="en-US" dirty="0"/>
-              <a:t>How can you do fast spell checking on big documents?</a:t>
+        <p:spPr>
+          <a:xfrm>
+            <a:off x="838200" y="1825625"/>
+            <a:ext cx="8997176" cy="4351338"/>
+          </a:xfrm>
+        </p:spPr>
+        <p:txBody>
+          <a:bodyPr>
+            <a:normAutofit/>
+          </a:bodyPr>
+          <a:lstStyle/>
+          <a:p>
+            <a:r>
+              <a:rPr lang="en-US" dirty="0"/>
+              <a:t>Load words from </a:t>
+            </a:r>
+            <a:r>
+              <a:rPr lang="en-US" b="1" dirty="0"/>
+              <a:t>/</a:t>
+            </a:r>
+            <a:r>
+              <a:rPr lang="en-US" b="1" dirty="0" err="1"/>
+              <a:t>usr</a:t>
+            </a:r>
+            <a:r>
+              <a:rPr lang="en-US" b="1" dirty="0"/>
+              <a:t>/share/</a:t>
+            </a:r>
+            <a:r>
+              <a:rPr lang="en-US" b="1" dirty="0" err="1"/>
+              <a:t>dict</a:t>
+            </a:r>
+            <a:r>
+              <a:rPr lang="en-US" b="1" dirty="0"/>
+              <a:t>/words</a:t>
+            </a:r>
+            <a:r>
+              <a:rPr lang="en-US" dirty="0"/>
+              <a:t> file (one per line) into list</a:t>
+            </a:r>
+          </a:p>
+          <a:p>
+            <a:r>
+              <a:rPr lang="en-US" dirty="0"/>
+              <a:t>Search for each word in list of words; what is complexity?</a:t>
+            </a:r>
+          </a:p>
+          <a:p>
+            <a:r>
+              <a:rPr lang="en-US" dirty="0"/>
+              <a:t>This takes almost 5 minutes on my fast computer. ugh</a:t>
             </a:r>
           </a:p>
         </p:txBody>
@@ -7313,7 +7252,7 @@
           <p:cNvPr id="4" name="TextBox 3">
             <a:extLst>
               <a:ext uri="{FF2B5EF4-FFF2-40B4-BE49-F238E27FC236}">
-                <a16:creationId xmlns:a16="http://schemas.microsoft.com/office/drawing/2014/main" id="{47988AE6-331F-864A-963A-42008DA144C2}"/>
+                <a16:creationId xmlns:a16="http://schemas.microsoft.com/office/drawing/2014/main" id="{E52E155C-C5BB-644F-A746-ECFDFF0F305D}"/>
               </a:ext>
             </a:extLst>
           </p:cNvPr>
@@ -7344,22 +7283,212 @@
               <a:rPr lang="en-US" dirty="0">
                 <a:hlinkClick r:id="rId2"/>
               </a:rPr>
-              <a:t>https://github.com/parrt/msds689/blob/master/notes/code/</a:t>
-            </a:r>
+              <a:t>https://github.com/parrt/msds689/blob/master/notes/code/trie.py</a:t>
+            </a:r>
+            <a:endParaRPr lang="en-US" dirty="0"/>
+          </a:p>
+        </p:txBody>
+      </p:sp>
+      <p:sp>
+        <p:nvSpPr>
+          <p:cNvPr id="5" name="Rectangle 4">
+            <a:extLst>
+              <a:ext uri="{FF2B5EF4-FFF2-40B4-BE49-F238E27FC236}">
+                <a16:creationId xmlns:a16="http://schemas.microsoft.com/office/drawing/2014/main" id="{9ED212F0-4F65-164A-8728-B5FA7E840EA4}"/>
+              </a:ext>
+            </a:extLst>
+          </p:cNvPr>
+          <p:cNvSpPr/>
+          <p:nvPr/>
+        </p:nvSpPr>
+        <p:spPr>
+          <a:xfrm>
+            <a:off x="10220844" y="1690688"/>
+            <a:ext cx="1724722" cy="3693319"/>
+          </a:xfrm>
+          <a:prstGeom prst="rect">
+            <a:avLst/>
+          </a:prstGeom>
+        </p:spPr>
+        <p:txBody>
+          <a:bodyPr wrap="square">
+            <a:spAutoFit/>
+          </a:bodyPr>
+          <a:lstStyle/>
+          <a:p>
+            <a:r>
+              <a:rPr lang="en-US" dirty="0">
+                <a:solidFill>
+                  <a:srgbClr val="000000"/>
+                </a:solidFill>
+                <a:latin typeface="Monaco" pitchFamily="2" charset="77"/>
+              </a:rPr>
+              <a:t>A</a:t>
+            </a:r>
+          </a:p>
+          <a:p>
+            <a:r>
+              <a:rPr lang="en-US" dirty="0">
+                <a:solidFill>
+                  <a:srgbClr val="000000"/>
+                </a:solidFill>
+                <a:latin typeface="Monaco" pitchFamily="2" charset="77"/>
+              </a:rPr>
+              <a:t>a</a:t>
+            </a:r>
+          </a:p>
+          <a:p>
+            <a:r>
+              <a:rPr lang="en-US" dirty="0">
+                <a:solidFill>
+                  <a:srgbClr val="000000"/>
+                </a:solidFill>
+                <a:latin typeface="Monaco" pitchFamily="2" charset="77"/>
+              </a:rPr>
+              <a:t>aa</a:t>
+            </a:r>
+          </a:p>
+          <a:p>
             <a:r>
               <a:rPr lang="en-US" dirty="0" err="1">
-                <a:hlinkClick r:id="rId2"/>
-              </a:rPr>
-              <a:t>trie.py</a:t>
-            </a:r>
-            <a:endParaRPr lang="en-US" dirty="0"/>
+                <a:solidFill>
+                  <a:srgbClr val="000000"/>
+                </a:solidFill>
+                <a:latin typeface="Monaco" pitchFamily="2" charset="77"/>
+              </a:rPr>
+              <a:t>aal</a:t>
+            </a:r>
+            <a:endParaRPr lang="en-US" dirty="0">
+              <a:solidFill>
+                <a:srgbClr val="000000"/>
+              </a:solidFill>
+              <a:latin typeface="Monaco" pitchFamily="2" charset="77"/>
+            </a:endParaRPr>
+          </a:p>
+          <a:p>
+            <a:r>
+              <a:rPr lang="en-US" dirty="0">
+                <a:solidFill>
+                  <a:srgbClr val="000000"/>
+                </a:solidFill>
+                <a:latin typeface="Monaco" pitchFamily="2" charset="77"/>
+              </a:rPr>
+              <a:t>aalii</a:t>
+            </a:r>
+          </a:p>
+          <a:p>
+            <a:r>
+              <a:rPr lang="en-US" dirty="0" err="1">
+                <a:solidFill>
+                  <a:srgbClr val="000000"/>
+                </a:solidFill>
+                <a:latin typeface="Monaco" pitchFamily="2" charset="77"/>
+              </a:rPr>
+              <a:t>aam</a:t>
+            </a:r>
+            <a:endParaRPr lang="en-US" dirty="0">
+              <a:solidFill>
+                <a:srgbClr val="000000"/>
+              </a:solidFill>
+              <a:latin typeface="Monaco" pitchFamily="2" charset="77"/>
+            </a:endParaRPr>
+          </a:p>
+          <a:p>
+            <a:r>
+              <a:rPr lang="en-US" dirty="0" err="1">
+                <a:solidFill>
+                  <a:srgbClr val="000000"/>
+                </a:solidFill>
+                <a:latin typeface="Monaco" pitchFamily="2" charset="77"/>
+              </a:rPr>
+              <a:t>Aani</a:t>
+            </a:r>
+            <a:endParaRPr lang="en-US" dirty="0">
+              <a:solidFill>
+                <a:srgbClr val="000000"/>
+              </a:solidFill>
+              <a:latin typeface="Monaco" pitchFamily="2" charset="77"/>
+            </a:endParaRPr>
+          </a:p>
+          <a:p>
+            <a:r>
+              <a:rPr lang="en-US" dirty="0">
+                <a:solidFill>
+                  <a:srgbClr val="000000"/>
+                </a:solidFill>
+                <a:latin typeface="Monaco" pitchFamily="2" charset="77"/>
+              </a:rPr>
+              <a:t>aardvark</a:t>
+            </a:r>
+          </a:p>
+          <a:p>
+            <a:r>
+              <a:rPr lang="en-US" dirty="0">
+                <a:solidFill>
+                  <a:srgbClr val="000000"/>
+                </a:solidFill>
+                <a:latin typeface="Monaco" pitchFamily="2" charset="77"/>
+              </a:rPr>
+              <a:t>aardwolf</a:t>
+            </a:r>
+          </a:p>
+          <a:p>
+            <a:r>
+              <a:rPr lang="en-US" dirty="0">
+                <a:solidFill>
+                  <a:srgbClr val="000000"/>
+                </a:solidFill>
+                <a:latin typeface="Monaco" pitchFamily="2" charset="77"/>
+              </a:rPr>
+              <a:t>Aaron</a:t>
+            </a:r>
+          </a:p>
+          <a:p>
+            <a:r>
+              <a:rPr lang="en-US" dirty="0">
+                <a:solidFill>
+                  <a:srgbClr val="000000"/>
+                </a:solidFill>
+                <a:latin typeface="Monaco" pitchFamily="2" charset="77"/>
+              </a:rPr>
+              <a:t>Aaronic</a:t>
+            </a:r>
+          </a:p>
+          <a:p>
+            <a:r>
+              <a:rPr lang="en-US" dirty="0" err="1">
+                <a:solidFill>
+                  <a:srgbClr val="000000"/>
+                </a:solidFill>
+                <a:latin typeface="Monaco" pitchFamily="2" charset="77"/>
+              </a:rPr>
+              <a:t>Aaronical</a:t>
+            </a:r>
+            <a:endParaRPr lang="en-US" dirty="0">
+              <a:solidFill>
+                <a:srgbClr val="000000"/>
+              </a:solidFill>
+              <a:latin typeface="Monaco" pitchFamily="2" charset="77"/>
+            </a:endParaRPr>
+          </a:p>
+          <a:p>
+            <a:r>
+              <a:rPr lang="en-US" dirty="0">
+                <a:solidFill>
+                  <a:srgbClr val="000000"/>
+                </a:solidFill>
+                <a:effectLst/>
+                <a:latin typeface="Monaco" pitchFamily="2" charset="77"/>
+              </a:rPr>
+              <a:t>…</a:t>
+            </a:r>
           </a:p>
         </p:txBody>
       </p:sp>
     </p:spTree>
     <p:extLst>
       <p:ext uri="{BB962C8B-B14F-4D97-AF65-F5344CB8AC3E}">
-        <p14:creationId xmlns:p14="http://schemas.microsoft.com/office/powerpoint/2010/main" val="3412567043"/>
+        <p14:creationId xmlns:p14="http://schemas.microsoft.com/office/powerpoint/2010/main" val="3436461503"/>
       </p:ext>
     </p:extLst>
   </p:cSld>
@@ -7391,7 +7520,7 @@
           <p:cNvPr id="2" name="Title 1">
             <a:extLst>
               <a:ext uri="{FF2B5EF4-FFF2-40B4-BE49-F238E27FC236}">
-                <a16:creationId xmlns:a16="http://schemas.microsoft.com/office/drawing/2014/main" id="{5FDA5814-1DAA-984F-BA1F-463EB89ED728}"/>
+                <a16:creationId xmlns:a16="http://schemas.microsoft.com/office/drawing/2014/main" id="{75EA49D3-0D3B-1C4C-ACF3-C67C08F637C8}"/>
               </a:ext>
             </a:extLst>
           </p:cNvPr>
@@ -7405,7 +7534,7 @@
         <p:spPr>
           <a:xfrm>
             <a:off x="838200" y="365125"/>
-            <a:ext cx="10815536" cy="1325563"/>
+            <a:ext cx="11353800" cy="1325563"/>
           </a:xfrm>
         </p:spPr>
         <p:txBody>
@@ -7418,7 +7547,15 @@
             </a:r>
             <a:r>
               <a:rPr lang="en-US" dirty="0"/>
-              <a:t>: find all words starting with prefix</a:t>
+              <a:t>: Build </a:t>
+            </a:r>
+            <a:r>
+              <a:rPr lang="en-US" dirty="0" err="1"/>
+              <a:t>Trie</a:t>
+            </a:r>
+            <a:r>
+              <a:rPr lang="en-US" dirty="0"/>
+              <a:t> from dictionary of words</a:t>
             </a:r>
           </a:p>
         </p:txBody>
@@ -7428,7 +7565,7 @@
           <p:cNvPr id="3" name="Content Placeholder 2">
             <a:extLst>
               <a:ext uri="{FF2B5EF4-FFF2-40B4-BE49-F238E27FC236}">
-                <a16:creationId xmlns:a16="http://schemas.microsoft.com/office/drawing/2014/main" id="{4B4AFF34-0678-764B-B0E8-F54910BC3FE0}"/>
+                <a16:creationId xmlns:a16="http://schemas.microsoft.com/office/drawing/2014/main" id="{E4C7E417-9DFA-CE45-979D-F475A80168FB}"/>
               </a:ext>
             </a:extLst>
           </p:cNvPr>
@@ -7446,7 +7583,21 @@
           <a:p>
             <a:r>
               <a:rPr lang="en-US" dirty="0"/>
-              <a:t>Create a </a:t>
+              <a:t>From searching notebook, get </a:t>
+            </a:r>
+            <a:r>
+              <a:rPr lang="en-US" dirty="0" err="1"/>
+              <a:t>Trie</a:t>
+            </a:r>
+            <a:r>
+              <a:rPr lang="en-US" dirty="0"/>
+              <a:t> implementation</a:t>
+            </a:r>
+          </a:p>
+          <a:p>
+            <a:r>
+              <a:rPr lang="en-US" dirty="0"/>
+              <a:t>Add each word to a </a:t>
             </a:r>
             <a:r>
               <a:rPr lang="en-US" dirty="0" err="1"/>
@@ -7454,13 +7605,13 @@
             </a:r>
             <a:r>
               <a:rPr lang="en-US" dirty="0"/>
-              <a:t> again from the word list</a:t>
-            </a:r>
-          </a:p>
-          <a:p>
-            <a:r>
-              <a:rPr lang="en-US" dirty="0"/>
-              <a:t>Write a function that prints all words in </a:t>
+              <a:t>, which takes about 6s on my machine</a:t>
+            </a:r>
+          </a:p>
+          <a:p>
+            <a:r>
+              <a:rPr lang="en-US" dirty="0"/>
+              <a:t>Search the </a:t>
             </a:r>
             <a:r>
               <a:rPr lang="en-US" dirty="0" err="1"/>
@@ -7468,33 +7619,82 @@
             </a:r>
             <a:r>
               <a:rPr lang="en-US" dirty="0"/>
-              <a:t> that begin with a specific prefix like “app”; it should get “apple”, “application”, …</a:t>
-            </a:r>
-          </a:p>
-          <a:p>
-            <a:r>
-              <a:rPr lang="en-US" b="1" dirty="0"/>
-              <a:t>Idea</a:t>
-            </a:r>
-            <a:r>
-              <a:rPr lang="en-US" dirty="0"/>
-              <a:t>: trace prefix into </a:t>
-            </a:r>
-            <a:r>
-              <a:rPr lang="en-US" dirty="0" err="1"/>
-              <a:t>trie</a:t>
-            </a:r>
-            <a:r>
-              <a:rPr lang="en-US" dirty="0"/>
-              <a:t>, reaching specific non-leaf node p; find all reachable leaves; track string as recursion parameter for each path; print the string when you reach a leaf</a:t>
-            </a:r>
+              <a:t> for each of 235,886 words; takes 0.75s for me!!</a:t>
+            </a:r>
+          </a:p>
+          <a:p>
+            <a:r>
+              <a:rPr lang="en-US" dirty="0"/>
+              <a:t>Rejoice in your new super powers</a:t>
+            </a:r>
+          </a:p>
+          <a:p>
+            <a:r>
+              <a:rPr lang="en-US" dirty="0"/>
+              <a:t>Cool interview question/task:</a:t>
+            </a:r>
+            <a:br>
+              <a:rPr lang="en-US" dirty="0"/>
+            </a:br>
+            <a:r>
+              <a:rPr lang="en-US" dirty="0"/>
+              <a:t>How can you do fast spell checking on big documents?</a:t>
+            </a:r>
+          </a:p>
+        </p:txBody>
+      </p:sp>
+      <p:sp>
+        <p:nvSpPr>
+          <p:cNvPr id="4" name="TextBox 3">
+            <a:extLst>
+              <a:ext uri="{FF2B5EF4-FFF2-40B4-BE49-F238E27FC236}">
+                <a16:creationId xmlns:a16="http://schemas.microsoft.com/office/drawing/2014/main" id="{47988AE6-331F-864A-963A-42008DA144C2}"/>
+              </a:ext>
+            </a:extLst>
+          </p:cNvPr>
+          <p:cNvSpPr txBox="1"/>
+          <p:nvPr/>
+        </p:nvSpPr>
+        <p:spPr>
+          <a:xfrm>
+            <a:off x="0" y="6311900"/>
+            <a:ext cx="8097088" cy="369332"/>
+          </a:xfrm>
+          <a:prstGeom prst="rect">
+            <a:avLst/>
+          </a:prstGeom>
+          <a:noFill/>
+        </p:spPr>
+        <p:txBody>
+          <a:bodyPr wrap="none" rtlCol="0">
+            <a:spAutoFit/>
+          </a:bodyPr>
+          <a:lstStyle/>
+          <a:p>
+            <a:r>
+              <a:rPr lang="en-US" dirty="0"/>
+              <a:t>See solution </a:t>
+            </a:r>
+            <a:r>
+              <a:rPr lang="en-US" dirty="0">
+                <a:hlinkClick r:id="rId2"/>
+              </a:rPr>
+              <a:t>https://github.com/parrt/msds689/blob/master/notes/code/</a:t>
+            </a:r>
+            <a:r>
+              <a:rPr lang="en-US" dirty="0" err="1">
+                <a:hlinkClick r:id="rId2"/>
+              </a:rPr>
+              <a:t>trie.py</a:t>
+            </a:r>
+            <a:endParaRPr lang="en-US" dirty="0"/>
           </a:p>
         </p:txBody>
       </p:sp>
     </p:spTree>
     <p:extLst>
       <p:ext uri="{BB962C8B-B14F-4D97-AF65-F5344CB8AC3E}">
-        <p14:creationId xmlns:p14="http://schemas.microsoft.com/office/powerpoint/2010/main" val="1250205650"/>
+        <p14:creationId xmlns:p14="http://schemas.microsoft.com/office/powerpoint/2010/main" val="3412567043"/>
       </p:ext>
     </p:extLst>
   </p:cSld>
@@ -7598,7 +7798,7 @@
             </a:r>
             <a:r>
               <a:rPr lang="en-US" dirty="0"/>
-              <a:t>: if array and sorted, split recursively in half</a:t>
+              <a:t>: if in array and sorted, split recursively in half</a:t>
             </a:r>
           </a:p>
           <a:p>
@@ -7810,8 +8010,8 @@
         </p:nvSpPr>
         <p:spPr>
           <a:xfrm>
-            <a:off x="55143" y="6484319"/>
-            <a:ext cx="2909771" cy="369332"/>
+            <a:off x="13103" y="6326669"/>
+            <a:ext cx="8045792" cy="369332"/>
           </a:xfrm>
           <a:prstGeom prst="rect">
             <a:avLst/>
@@ -7830,7 +8030,15 @@
             </a:r>
             <a:r>
               <a:rPr lang="en-US" dirty="0"/>
-              <a:t> = length of search string</a:t>
+              <a:t> = length of search string, </a:t>
+            </a:r>
+            <a:r>
+              <a:rPr lang="en-US" i="1" dirty="0"/>
+              <a:t>n</a:t>
+            </a:r>
+            <a:r>
+              <a:rPr lang="en-US" dirty="0"/>
+              <a:t> vocab size, unit of work = character comparison</a:t>
             </a:r>
           </a:p>
         </p:txBody>
@@ -7849,6 +8057,141 @@
 </file>
 
 <file path=ppt/slides/slide20.xml><?xml version="1.0" encoding="utf-8"?>
+<p:sld xmlns:a="http://schemas.openxmlformats.org/drawingml/2006/main" xmlns:r="http://schemas.openxmlformats.org/officeDocument/2006/relationships" xmlns:p="http://schemas.openxmlformats.org/presentationml/2006/main">
+  <p:cSld>
+    <p:spTree>
+      <p:nvGrpSpPr>
+        <p:cNvPr id="1" name=""/>
+        <p:cNvGrpSpPr/>
+        <p:nvPr/>
+      </p:nvGrpSpPr>
+      <p:grpSpPr>
+        <a:xfrm>
+          <a:off x="0" y="0"/>
+          <a:ext cx="0" cy="0"/>
+          <a:chOff x="0" y="0"/>
+          <a:chExt cx="0" cy="0"/>
+        </a:xfrm>
+      </p:grpSpPr>
+      <p:sp>
+        <p:nvSpPr>
+          <p:cNvPr id="2" name="Title 1">
+            <a:extLst>
+              <a:ext uri="{FF2B5EF4-FFF2-40B4-BE49-F238E27FC236}">
+                <a16:creationId xmlns:a16="http://schemas.microsoft.com/office/drawing/2014/main" id="{5FDA5814-1DAA-984F-BA1F-463EB89ED728}"/>
+              </a:ext>
+            </a:extLst>
+          </p:cNvPr>
+          <p:cNvSpPr>
+            <a:spLocks noGrp="1"/>
+          </p:cNvSpPr>
+          <p:nvPr>
+            <p:ph type="title"/>
+          </p:nvPr>
+        </p:nvSpPr>
+        <p:spPr>
+          <a:xfrm>
+            <a:off x="838200" y="365125"/>
+            <a:ext cx="10815536" cy="1325563"/>
+          </a:xfrm>
+        </p:spPr>
+        <p:txBody>
+          <a:bodyPr/>
+          <a:lstStyle/>
+          <a:p>
+            <a:r>
+              <a:rPr lang="en-US" b="1" dirty="0"/>
+              <a:t>Exercise</a:t>
+            </a:r>
+            <a:r>
+              <a:rPr lang="en-US" dirty="0"/>
+              <a:t>: find all words starting with prefix</a:t>
+            </a:r>
+          </a:p>
+        </p:txBody>
+      </p:sp>
+      <p:sp>
+        <p:nvSpPr>
+          <p:cNvPr id="3" name="Content Placeholder 2">
+            <a:extLst>
+              <a:ext uri="{FF2B5EF4-FFF2-40B4-BE49-F238E27FC236}">
+                <a16:creationId xmlns:a16="http://schemas.microsoft.com/office/drawing/2014/main" id="{4B4AFF34-0678-764B-B0E8-F54910BC3FE0}"/>
+              </a:ext>
+            </a:extLst>
+          </p:cNvPr>
+          <p:cNvSpPr>
+            <a:spLocks noGrp="1"/>
+          </p:cNvSpPr>
+          <p:nvPr>
+            <p:ph idx="1"/>
+          </p:nvPr>
+        </p:nvSpPr>
+        <p:spPr/>
+        <p:txBody>
+          <a:bodyPr/>
+          <a:lstStyle/>
+          <a:p>
+            <a:r>
+              <a:rPr lang="en-US" dirty="0"/>
+              <a:t>Create a </a:t>
+            </a:r>
+            <a:r>
+              <a:rPr lang="en-US" dirty="0" err="1"/>
+              <a:t>trie</a:t>
+            </a:r>
+            <a:r>
+              <a:rPr lang="en-US" dirty="0"/>
+              <a:t> again from the word list</a:t>
+            </a:r>
+          </a:p>
+          <a:p>
+            <a:r>
+              <a:rPr lang="en-US" dirty="0"/>
+              <a:t>Write a function that prints all words in </a:t>
+            </a:r>
+            <a:r>
+              <a:rPr lang="en-US" dirty="0" err="1"/>
+              <a:t>trie</a:t>
+            </a:r>
+            <a:r>
+              <a:rPr lang="en-US" dirty="0"/>
+              <a:t> that begin with a specific prefix like “app”; it should get “apple”, “application”, …</a:t>
+            </a:r>
+          </a:p>
+          <a:p>
+            <a:r>
+              <a:rPr lang="en-US" b="1" dirty="0"/>
+              <a:t>Idea</a:t>
+            </a:r>
+            <a:r>
+              <a:rPr lang="en-US" dirty="0"/>
+              <a:t>: trace prefix into </a:t>
+            </a:r>
+            <a:r>
+              <a:rPr lang="en-US" dirty="0" err="1"/>
+              <a:t>trie</a:t>
+            </a:r>
+            <a:r>
+              <a:rPr lang="en-US" dirty="0"/>
+              <a:t>, reaching specific non-leaf node p; find all reachable leaves; track string as recursion parameter for each path; print the string when you reach a leaf</a:t>
+            </a:r>
+          </a:p>
+        </p:txBody>
+      </p:sp>
+    </p:spTree>
+    <p:extLst>
+      <p:ext uri="{BB962C8B-B14F-4D97-AF65-F5344CB8AC3E}">
+        <p14:creationId xmlns:p14="http://schemas.microsoft.com/office/powerpoint/2010/main" val="1250205650"/>
+      </p:ext>
+    </p:extLst>
+  </p:cSld>
+  <p:clrMapOvr>
+    <a:masterClrMapping/>
+  </p:clrMapOvr>
+</p:sld>
+</file>
+
+<file path=ppt/slides/slide21.xml><?xml version="1.0" encoding="utf-8"?>
 <p:sld xmlns:a="http://schemas.openxmlformats.org/drawingml/2006/main" xmlns:r="http://schemas.openxmlformats.org/officeDocument/2006/relationships" xmlns:p="http://schemas.openxmlformats.org/presentationml/2006/main">
   <p:cSld>
     <p:spTree>
@@ -8028,7 +8371,7 @@
 </p:sld>
 </file>
 
-<file path=ppt/slides/slide21.xml><?xml version="1.0" encoding="utf-8"?>
+<file path=ppt/slides/slide22.xml><?xml version="1.0" encoding="utf-8"?>
 <p:sld xmlns:a="http://schemas.openxmlformats.org/drawingml/2006/main" xmlns:r="http://schemas.openxmlformats.org/officeDocument/2006/relationships" xmlns:p="http://schemas.openxmlformats.org/presentationml/2006/main">
   <p:cSld>
     <p:spTree>
@@ -8596,7 +8939,7 @@
 </p:sld>
 </file>
 
-<file path=ppt/slides/slide22.xml><?xml version="1.0" encoding="utf-8"?>
+<file path=ppt/slides/slide23.xml><?xml version="1.0" encoding="utf-8"?>
 <p:sld xmlns:a="http://schemas.openxmlformats.org/drawingml/2006/main" xmlns:r="http://schemas.openxmlformats.org/officeDocument/2006/relationships" xmlns:p="http://schemas.openxmlformats.org/presentationml/2006/main">
   <p:cSld>
     <p:spTree>
@@ -9823,7 +10166,7 @@
           <a:p>
             <a:r>
               <a:rPr lang="en-US" dirty="0"/>
-              <a:t>Key is to avoid comparing strings unless the hash codes match</a:t>
+              <a:t>Key is to avoid comparing strings unless the hash codes match, but hash usually computation costs same as comparing strings</a:t>
             </a:r>
           </a:p>
           <a:p>
@@ -9845,7 +10188,7 @@
         </p:nvSpPr>
         <p:spPr>
           <a:xfrm>
-            <a:off x="1119883" y="6311900"/>
+            <a:off x="0" y="6488668"/>
             <a:ext cx="6853158" cy="369332"/>
           </a:xfrm>
           <a:prstGeom prst="rect">
@@ -10458,7 +10801,7 @@
           <a:p>
             <a:r>
               <a:rPr lang="en-US" dirty="0"/>
-              <a:t>Issues</a:t>
+              <a:t>More details</a:t>
             </a:r>
           </a:p>
         </p:txBody>
@@ -10479,10 +10822,15 @@
             <p:ph idx="1"/>
           </p:nvPr>
         </p:nvSpPr>
-        <p:spPr/>
+        <p:spPr>
+          <a:xfrm>
+            <a:off x="838199" y="1825625"/>
+            <a:ext cx="10786241" cy="4667250"/>
+          </a:xfrm>
+        </p:spPr>
         <p:txBody>
           <a:bodyPr>
-            <a:normAutofit fontScale="92500" lnSpcReduction="10000"/>
+            <a:normAutofit/>
           </a:bodyPr>
           <a:lstStyle/>
           <a:p>
@@ -10585,45 +10933,54 @@
               <a:rPr lang="en-US" sz="2200" dirty="0">
                 <a:latin typeface="Monaco" pitchFamily="2" charset="77"/>
               </a:rPr>
-              <a:t>]) + next  # roll it!</a:t>
-            </a:r>
-          </a:p>
-          <a:p>
-            <a:r>
-              <a:rPr lang="en-US" dirty="0"/>
-              <a:t>What about finding all occurrences?</a:t>
-            </a:r>
-          </a:p>
-          <a:p>
-            <a:r>
-              <a:rPr lang="en-US" dirty="0"/>
-              <a:t>What if search string s is very long? Could still be expensive.</a:t>
-            </a:r>
-          </a:p>
-          <a:p>
-            <a:r>
-              <a:rPr lang="en-US" dirty="0"/>
-              <a:t>Can we do better than O(nm) or even O(</a:t>
+              <a:t>]) + </a:t>
+            </a:r>
+            <a:r>
+              <a:rPr lang="en-US" sz="2200" dirty="0" err="1">
+                <a:latin typeface="Monaco" pitchFamily="2" charset="77"/>
+              </a:rPr>
+              <a:t>ord</a:t>
+            </a:r>
+            <a:r>
+              <a:rPr lang="en-US" sz="2200" dirty="0">
+                <a:latin typeface="Monaco" pitchFamily="2" charset="77"/>
+              </a:rPr>
+              <a:t>(doc[</a:t>
+            </a:r>
+            <a:r>
+              <a:rPr lang="en-US" sz="2200" dirty="0" err="1">
+                <a:latin typeface="Monaco" pitchFamily="2" charset="77"/>
+              </a:rPr>
+              <a:t>i+m</a:t>
+            </a:r>
+            <a:r>
+              <a:rPr lang="en-US" sz="2200" dirty="0">
+                <a:latin typeface="Monaco" pitchFamily="2" charset="77"/>
+              </a:rPr>
+              <a:t>])  # roll it!</a:t>
+            </a:r>
+          </a:p>
+          <a:p>
+            <a:r>
+              <a:rPr lang="en-US" dirty="0"/>
+              <a:t>What about finding all occurrences of s in doc?</a:t>
+            </a:r>
+          </a:p>
+          <a:p>
+            <a:r>
+              <a:rPr lang="en-US" dirty="0"/>
+              <a:t>Can check for k strings as we go along not just 1 using O(1) </a:t>
             </a:r>
             <a:r>
               <a:rPr lang="en-US" dirty="0" err="1"/>
-              <a:t>n+m</a:t>
-            </a:r>
-            <a:r>
-              <a:rPr lang="en-US" dirty="0"/>
-              <a:t>) algorithms?</a:t>
-            </a:r>
-          </a:p>
-          <a:p>
-            <a:r>
-              <a:rPr lang="en-US" dirty="0"/>
-              <a:t>Yes. I claim we can search for any string in doc in O(m), if we prepare a proper side data structure beforehand once for O(n), and you let me search for words instead of arbitrary strings</a:t>
-            </a:r>
-          </a:p>
-          <a:p>
-            <a:r>
-              <a:rPr lang="en-US" dirty="0"/>
-              <a:t>How is this possible?!</a:t>
+              <a:t>hashtable</a:t>
+            </a:r>
+            <a:endParaRPr lang="en-US" dirty="0"/>
+          </a:p>
+          <a:p>
+            <a:r>
+              <a:rPr lang="en-US" dirty="0"/>
+              <a:t>Algorithm is O(nm) since a weak hash function could cause us to compare s at each position</a:t>
             </a:r>
           </a:p>
         </p:txBody>
@@ -10729,7 +11086,7 @@
           <p:cNvPr id="2" name="Title 1">
             <a:extLst>
               <a:ext uri="{FF2B5EF4-FFF2-40B4-BE49-F238E27FC236}">
-                <a16:creationId xmlns:a16="http://schemas.microsoft.com/office/drawing/2014/main" id="{CF41B61C-99D7-154B-9EBE-1EED80B410E3}"/>
+                <a16:creationId xmlns:a16="http://schemas.microsoft.com/office/drawing/2014/main" id="{8C617FC3-B095-C849-923D-567A1C7B8FB7}"/>
               </a:ext>
             </a:extLst>
           </p:cNvPr>
@@ -10747,284 +11104,172 @@
           <a:p>
             <a:r>
               <a:rPr lang="en-US" dirty="0"/>
-              <a:t>Revisit recursive bucket sort</a:t>
-            </a:r>
-          </a:p>
-        </p:txBody>
-      </p:sp>
-      <p:sp>
-        <p:nvSpPr>
-          <p:cNvPr id="3" name="Content Placeholder 2">
-            <a:extLst>
-              <a:ext uri="{FF2B5EF4-FFF2-40B4-BE49-F238E27FC236}">
-                <a16:creationId xmlns:a16="http://schemas.microsoft.com/office/drawing/2014/main" id="{A7F6ED6B-73D0-064B-BCFD-979A3BDDFCAE}"/>
-              </a:ext>
-            </a:extLst>
-          </p:cNvPr>
-          <p:cNvSpPr>
-            <a:spLocks noGrp="1"/>
-          </p:cNvSpPr>
-          <p:nvPr>
-            <p:ph idx="1"/>
-          </p:nvPr>
-        </p:nvSpPr>
-        <p:spPr/>
-        <p:txBody>
-          <a:bodyPr/>
-          <a:lstStyle/>
-          <a:p>
-            <a:r>
-              <a:rPr lang="en-US" dirty="0"/>
-              <a:t>Break up doc into words, make nested</a:t>
-            </a:r>
-            <a:br>
-              <a:rPr lang="en-US" dirty="0"/>
-            </a:br>
-            <a:r>
-              <a:rPr lang="en-US" dirty="0"/>
-              <a:t>bucket structure as before</a:t>
-            </a:r>
-          </a:p>
-          <a:p>
-            <a:r>
-              <a:rPr lang="en-US" dirty="0"/>
-              <a:t>To find a word, use s[</a:t>
-            </a:r>
-            <a:r>
-              <a:rPr lang="en-US" dirty="0" err="1"/>
-              <a:t>i</a:t>
-            </a:r>
-            <a:r>
-              <a:rPr lang="en-US" dirty="0"/>
-              <a:t>] to</a:t>
-            </a:r>
-            <a:br>
-              <a:rPr lang="en-US" dirty="0"/>
-            </a:br>
-            <a:r>
-              <a:rPr lang="en-US" dirty="0"/>
-              <a:t>navigate and find final “leaf”</a:t>
-            </a:r>
-            <a:br>
-              <a:rPr lang="en-US" dirty="0"/>
-            </a:br>
-            <a:r>
-              <a:rPr lang="en-US" dirty="0"/>
-              <a:t>with list of words with same</a:t>
-            </a:r>
-            <a:br>
-              <a:rPr lang="en-US" dirty="0"/>
-            </a:br>
-            <a:r>
-              <a:rPr lang="en-US" dirty="0"/>
-              <a:t>prefix, linearly search leaf</a:t>
-            </a:r>
-          </a:p>
-          <a:p>
-            <a:r>
-              <a:rPr lang="en-US" dirty="0"/>
-              <a:t>The index says how to navigate</a:t>
-            </a:r>
-          </a:p>
-          <a:p>
-            <a:r>
-              <a:rPr lang="en-US" dirty="0"/>
-              <a:t>How long does it take to find s</a:t>
-            </a:r>
-            <a:br>
-              <a:rPr lang="en-US" dirty="0"/>
-            </a:br>
-            <a:r>
-              <a:rPr lang="en-US" dirty="0"/>
-              <a:t>for n=</a:t>
-            </a:r>
-            <a:r>
-              <a:rPr lang="en-US" dirty="0" err="1"/>
-              <a:t>len</a:t>
-            </a:r>
-            <a:r>
-              <a:rPr lang="en-US" dirty="0"/>
-              <a:t>(doc), m=</a:t>
-            </a:r>
-            <a:r>
-              <a:rPr lang="en-US" dirty="0" err="1"/>
-              <a:t>len</a:t>
-            </a:r>
-            <a:r>
-              <a:rPr lang="en-US" dirty="0"/>
-              <a:t>(s)?</a:t>
-            </a:r>
-            <a:br>
-              <a:rPr lang="en-US" dirty="0"/>
-            </a:br>
-            <a:r>
-              <a:rPr lang="en-US" dirty="0"/>
-              <a:t>T(</a:t>
-            </a:r>
-            <a:r>
-              <a:rPr lang="en-US" dirty="0" err="1"/>
-              <a:t>n,m</a:t>
-            </a:r>
-            <a:r>
-              <a:rPr lang="en-US" dirty="0"/>
-              <a:t>) =</a:t>
-            </a:r>
-          </a:p>
-        </p:txBody>
-      </p:sp>
-      <p:pic>
-        <p:nvPicPr>
-          <p:cNvPr id="4" name="Picture 3">
-            <a:extLst>
-              <a:ext uri="{FF2B5EF4-FFF2-40B4-BE49-F238E27FC236}">
-                <a16:creationId xmlns:a16="http://schemas.microsoft.com/office/drawing/2014/main" id="{52DC0C7F-5F5D-B84C-AD5B-A5950F736CDF}"/>
-              </a:ext>
-            </a:extLst>
-          </p:cNvPr>
-          <p:cNvPicPr>
-            <a:picLocks noChangeAspect="1"/>
-          </p:cNvPicPr>
-          <p:nvPr/>
-        </p:nvPicPr>
-        <p:blipFill>
-          <a:blip r:embed="rId2"/>
-          <a:stretch>
-            <a:fillRect/>
-          </a:stretch>
-        </p:blipFill>
-        <p:spPr>
-          <a:xfrm>
-            <a:off x="6309288" y="1690688"/>
-            <a:ext cx="5719640" cy="3935379"/>
-          </a:xfrm>
-          <a:prstGeom prst="rect">
-            <a:avLst/>
-          </a:prstGeom>
-        </p:spPr>
-      </p:pic>
-      <p:sp>
-        <p:nvSpPr>
-          <p:cNvPr id="5" name="TextBox 4">
-            <a:extLst>
-              <a:ext uri="{FF2B5EF4-FFF2-40B4-BE49-F238E27FC236}">
-                <a16:creationId xmlns:a16="http://schemas.microsoft.com/office/drawing/2014/main" id="{EE99548C-BBF5-2441-B596-130872DC60DB}"/>
-              </a:ext>
-            </a:extLst>
-          </p:cNvPr>
-          <p:cNvSpPr txBox="1"/>
-          <p:nvPr/>
-        </p:nvSpPr>
-        <p:spPr>
-          <a:xfrm>
-            <a:off x="2506894" y="5615793"/>
-            <a:ext cx="484428" cy="523220"/>
-          </a:xfrm>
-          <a:prstGeom prst="rect">
-            <a:avLst/>
-          </a:prstGeom>
-          <a:noFill/>
-        </p:spPr>
-        <p:txBody>
-          <a:bodyPr wrap="none" rtlCol="0">
-            <a:spAutoFit/>
-          </a:bodyPr>
-          <a:lstStyle/>
-          <a:p>
-            <a:r>
-              <a:rPr lang="en-US" sz="2800" dirty="0"/>
-              <a:t>m</a:t>
-            </a:r>
-          </a:p>
-        </p:txBody>
-      </p:sp>
+              <a:t>Is this the best we can do?</a:t>
+            </a:r>
+          </a:p>
+        </p:txBody>
+      </p:sp>
+      <mc:AlternateContent xmlns:mc="http://schemas.openxmlformats.org/markup-compatibility/2006">
+        <mc:Choice xmlns:a14="http://schemas.microsoft.com/office/drawing/2010/main" Requires="a14">
+          <p:sp>
+            <p:nvSpPr>
+              <p:cNvPr id="3" name="Content Placeholder 2">
+                <a:extLst>
+                  <a:ext uri="{FF2B5EF4-FFF2-40B4-BE49-F238E27FC236}">
+                    <a16:creationId xmlns:a16="http://schemas.microsoft.com/office/drawing/2014/main" id="{ACB1742C-16B0-E74C-A024-D4E1F6C187D6}"/>
+                  </a:ext>
+                </a:extLst>
+              </p:cNvPr>
+              <p:cNvSpPr>
+                <a:spLocks noGrp="1"/>
+              </p:cNvSpPr>
+              <p:nvPr>
+                <p:ph idx="1"/>
+              </p:nvPr>
+            </p:nvSpPr>
+            <p:spPr>
+              <a:xfrm>
+                <a:off x="651641" y="1825625"/>
+                <a:ext cx="11109435" cy="4351338"/>
+              </a:xfrm>
+            </p:spPr>
+            <p:txBody>
+              <a:bodyPr>
+                <a:normAutofit fontScale="92500"/>
+              </a:bodyPr>
+              <a:lstStyle/>
+              <a:p>
+                <a:r>
+                  <a:rPr lang="en-US" dirty="0"/>
+                  <a:t>Can we do better than this O(nm) or even O(</a:t>
+                </a:r>
+                <a:r>
+                  <a:rPr lang="en-US" dirty="0" err="1"/>
+                  <a:t>n+m</a:t>
+                </a:r>
+                <a:r>
+                  <a:rPr lang="en-US" dirty="0"/>
+                  <a:t>) algorithms?</a:t>
+                </a:r>
+              </a:p>
+              <a:p>
+                <a:r>
+                  <a:rPr lang="en-US" dirty="0"/>
+                  <a:t>Yes. First, consider a hash table, which is O(1) for n words, if we prepare a proper side data structure beforehand once for O(n), and you let me search for words instead of arbitrary strings</a:t>
+                </a:r>
+              </a:p>
+              <a:p>
+                <a:r>
+                  <a:rPr lang="en-US" dirty="0"/>
+                  <a:t>But, relies on good hash function for good distribution and we still must search buckets of average size k; that means O(1) is really hiding O(</a:t>
+                </a:r>
+                <a14:m>
+                  <m:oMath xmlns:m="http://schemas.openxmlformats.org/officeDocument/2006/math">
+                    <m:r>
+                      <a:rPr lang="en-US" b="0" i="1" smtClean="0">
+                        <a:latin typeface="Cambria Math" panose="02040503050406030204" pitchFamily="18" charset="0"/>
+                      </a:rPr>
+                      <m:t>𝑚𝑘</m:t>
+                    </m:r>
+                  </m:oMath>
+                </a14:m>
+                <a:r>
+                  <a:rPr lang="en-US" dirty="0"/>
+                  <a:t>)</a:t>
+                </a:r>
+              </a:p>
+              <a:p>
+                <a:r>
+                  <a:rPr lang="en-US" dirty="0"/>
+                  <a:t>If we are counting string compares not chars then O(</a:t>
+                </a:r>
+                <a14:m>
+                  <m:oMath xmlns:m="http://schemas.openxmlformats.org/officeDocument/2006/math">
+                    <m:r>
+                      <a:rPr lang="en-US" b="0" i="1" smtClean="0">
+                        <a:latin typeface="Cambria Math" panose="02040503050406030204" pitchFamily="18" charset="0"/>
+                      </a:rPr>
+                      <m:t>𝑚𝑘</m:t>
+                    </m:r>
+                  </m:oMath>
+                </a14:m>
+                <a:r>
+                  <a:rPr lang="en-US" dirty="0"/>
+                  <a:t>) = O(1)</a:t>
+                </a:r>
+              </a:p>
+              <a:p>
+                <a:r>
+                  <a:rPr lang="en-US" dirty="0"/>
+                  <a:t>Constant on that complexity can be kind of high</a:t>
+                </a:r>
+              </a:p>
+              <a:p>
+                <a:r>
+                  <a:rPr lang="en-US" dirty="0"/>
+                  <a:t>I claim we can search for any string in doc in O(m); how is this possible?!</a:t>
+                </a:r>
+              </a:p>
+              <a:p>
+                <a:endParaRPr lang="en-US" dirty="0"/>
+              </a:p>
+            </p:txBody>
+          </p:sp>
+        </mc:Choice>
+        <mc:Fallback>
+          <p:sp>
+            <p:nvSpPr>
+              <p:cNvPr id="3" name="Content Placeholder 2">
+                <a:extLst>
+                  <a:ext uri="{FF2B5EF4-FFF2-40B4-BE49-F238E27FC236}">
+                    <a16:creationId xmlns:a16="http://schemas.microsoft.com/office/drawing/2014/main" id="{ACB1742C-16B0-E74C-A024-D4E1F6C187D6}"/>
+                  </a:ext>
+                </a:extLst>
+              </p:cNvPr>
+              <p:cNvSpPr>
+                <a:spLocks noGrp="1" noRot="1" noChangeAspect="1" noMove="1" noResize="1" noEditPoints="1" noAdjustHandles="1" noChangeArrowheads="1" noChangeShapeType="1" noTextEdit="1"/>
+              </p:cNvSpPr>
+              <p:nvPr>
+                <p:ph idx="1"/>
+              </p:nvPr>
+            </p:nvSpPr>
+            <p:spPr>
+              <a:xfrm>
+                <a:off x="651641" y="1825625"/>
+                <a:ext cx="11109435" cy="4351338"/>
+              </a:xfrm>
+              <a:blipFill>
+                <a:blip r:embed="rId2"/>
+                <a:stretch>
+                  <a:fillRect l="-914" t="-2035" r="-1257"/>
+                </a:stretch>
+              </a:blipFill>
+            </p:spPr>
+            <p:txBody>
+              <a:bodyPr/>
+              <a:lstStyle/>
+              <a:p>
+                <a:r>
+                  <a:rPr lang="en-US">
+                    <a:noFill/>
+                  </a:rPr>
+                  <a:t> </a:t>
+                </a:r>
+              </a:p>
+            </p:txBody>
+          </p:sp>
+        </mc:Fallback>
+      </mc:AlternateContent>
     </p:spTree>
     <p:extLst>
       <p:ext uri="{BB962C8B-B14F-4D97-AF65-F5344CB8AC3E}">
-        <p14:creationId xmlns:p14="http://schemas.microsoft.com/office/powerpoint/2010/main" val="1282238752"/>
+        <p14:creationId xmlns:p14="http://schemas.microsoft.com/office/powerpoint/2010/main" val="898269504"/>
       </p:ext>
     </p:extLst>
   </p:cSld>
   <p:clrMapOvr>
     <a:masterClrMapping/>
   </p:clrMapOvr>
-  <p:timing>
-    <p:tnLst>
-      <p:par>
-        <p:cTn id="1" dur="indefinite" restart="never" nodeType="tmRoot">
-          <p:childTnLst>
-            <p:seq concurrent="1" nextAc="seek">
-              <p:cTn id="2" dur="indefinite" nodeType="mainSeq">
-                <p:childTnLst>
-                  <p:par>
-                    <p:cTn id="3" fill="hold">
-                      <p:stCondLst>
-                        <p:cond delay="indefinite"/>
-                      </p:stCondLst>
-                      <p:childTnLst>
-                        <p:par>
-                          <p:cTn id="4" fill="hold">
-                            <p:stCondLst>
-                              <p:cond delay="0"/>
-                            </p:stCondLst>
-                            <p:childTnLst>
-                              <p:par>
-                                <p:cTn id="5" presetID="1" presetClass="entr" presetSubtype="0" fill="hold" grpId="0" nodeType="clickEffect">
-                                  <p:stCondLst>
-                                    <p:cond delay="0"/>
-                                  </p:stCondLst>
-                                  <p:childTnLst>
-                                    <p:set>
-                                      <p:cBhvr>
-                                        <p:cTn id="6" dur="1" fill="hold">
-                                          <p:stCondLst>
-                                            <p:cond delay="0"/>
-                                          </p:stCondLst>
-                                        </p:cTn>
-                                        <p:tgtEl>
-                                          <p:spTgt spid="5"/>
-                                        </p:tgtEl>
-                                        <p:attrNameLst>
-                                          <p:attrName>style.visibility</p:attrName>
-                                        </p:attrNameLst>
-                                      </p:cBhvr>
-                                      <p:to>
-                                        <p:strVal val="visible"/>
-                                      </p:to>
-                                    </p:set>
-                                  </p:childTnLst>
-                                </p:cTn>
-                              </p:par>
-                            </p:childTnLst>
-                          </p:cTn>
-                        </p:par>
-                      </p:childTnLst>
-                    </p:cTn>
-                  </p:par>
-                </p:childTnLst>
-              </p:cTn>
-              <p:prevCondLst>
-                <p:cond evt="onPrev" delay="0">
-                  <p:tgtEl>
-                    <p:sldTgt/>
-                  </p:tgtEl>
-                </p:cond>
-              </p:prevCondLst>
-              <p:nextCondLst>
-                <p:cond evt="onNext" delay="0">
-                  <p:tgtEl>
-                    <p:sldTgt/>
-                  </p:tgtEl>
-                </p:cond>
-              </p:nextCondLst>
-            </p:seq>
-          </p:childTnLst>
-        </p:cTn>
-      </p:par>
-    </p:tnLst>
-    <p:bldLst>
-      <p:bldP spid="5" grpId="0"/>
-    </p:bldLst>
-  </p:timing>
 </p:sld>
 </file>
 

--- a/notes/searching.pptx
+++ b/notes/searching.pptx
@@ -4096,7 +4096,7 @@
         </p:spPr>
         <p:txBody>
           <a:bodyPr>
-            <a:normAutofit lnSpcReduction="10000"/>
+            <a:normAutofit fontScale="92500" lnSpcReduction="10000"/>
           </a:bodyPr>
           <a:lstStyle/>
           <a:p>
@@ -4109,26 +4109,26 @@
             </a:br>
             <a:r>
               <a:rPr lang="en-US" dirty="0"/>
-              <a:t>bucket structure as we saw before into</a:t>
+              <a:t>bucket structure as we saw before</a:t>
+            </a:r>
+          </a:p>
+          <a:p>
+            <a:r>
+              <a:rPr lang="en-US" dirty="0"/>
+              <a:t>Add deeper buckets if buckets</a:t>
             </a:r>
             <a:br>
               <a:rPr lang="en-US" dirty="0"/>
             </a:br>
             <a:r>
               <a:rPr lang="en-US" dirty="0"/>
-              <a:t>buckets of length one</a:t>
-            </a:r>
-          </a:p>
-          <a:p>
-            <a:r>
-              <a:rPr lang="en-US" dirty="0"/>
-              <a:t>Add deeper buckets if needed</a:t>
-            </a:r>
-          </a:p>
-          <a:p>
-            <a:r>
-              <a:rPr lang="en-US" dirty="0"/>
-              <a:t>To find a word, use s[</a:t>
+              <a:t>get too big</a:t>
+            </a:r>
+          </a:p>
+          <a:p>
+            <a:r>
+              <a:rPr lang="en-US" dirty="0"/>
+              <a:t>To find word s, use s[</a:t>
             </a:r>
             <a:r>
               <a:rPr lang="en-US" dirty="0" err="1"/>
@@ -4185,18 +4185,25 @@
             </a:r>
             <a:r>
               <a:rPr lang="en-US" dirty="0"/>
-              <a:t>(s)?</a:t>
+              <a:t>(s), k=</a:t>
             </a:r>
             <a:br>
               <a:rPr lang="en-US" dirty="0"/>
             </a:br>
             <a:r>
               <a:rPr lang="en-US" dirty="0"/>
+              <a:t>average bucket size?</a:t>
+            </a:r>
+            <a:br>
+              <a:rPr lang="en-US" dirty="0"/>
+            </a:br>
+            <a:r>
+              <a:rPr lang="en-US" dirty="0"/>
               <a:t>T(</a:t>
             </a:r>
             <a:r>
               <a:rPr lang="en-US" dirty="0" err="1"/>
-              <a:t>n,m</a:t>
+              <a:t>n,m,k</a:t>
             </a:r>
             <a:r>
               <a:rPr lang="en-US" dirty="0"/>
@@ -4249,8 +4256,8 @@
         </p:nvSpPr>
         <p:spPr>
           <a:xfrm>
-            <a:off x="2506894" y="5416098"/>
-            <a:ext cx="484428" cy="523220"/>
+            <a:off x="2651858" y="5438400"/>
+            <a:ext cx="4623382" cy="1384995"/>
           </a:xfrm>
           <a:prstGeom prst="rect">
             <a:avLst/>
@@ -4264,8 +4271,26 @@
           <a:lstStyle/>
           <a:p>
             <a:r>
+              <a:rPr lang="en-US" sz="2800" dirty="0" err="1"/>
+              <a:t>m+k</a:t>
+            </a:r>
+            <a:r>
               <a:rPr lang="en-US" sz="2800" dirty="0"/>
-              <a:t>m</a:t>
+              <a:t>*</a:t>
+            </a:r>
+            <a:r>
+              <a:rPr lang="en-US" sz="2800" dirty="0" err="1"/>
+              <a:t>avgwordsize</a:t>
+            </a:r>
+            <a:endParaRPr lang="en-US" sz="2800" dirty="0"/>
+          </a:p>
+          <a:p>
+            <a:br>
+              <a:rPr lang="en-US" sz="2800" dirty="0"/>
+            </a:br>
+            <a:r>
+              <a:rPr lang="en-US" sz="2800" dirty="0"/>
+              <a:t>Can we do better than that?</a:t>
             </a:r>
           </a:p>
         </p:txBody>
@@ -4401,7 +4426,7 @@
           <a:p>
             <a:r>
               <a:rPr lang="en-US" dirty="0"/>
-              <a:t>“</a:t>
+              <a:t>Introducing “</a:t>
             </a:r>
             <a:r>
               <a:rPr lang="en-US" i="1" dirty="0"/>
@@ -4570,7 +4595,7 @@
         <p:spPr>
           <a:xfrm>
             <a:off x="5055166" y="1383769"/>
-            <a:ext cx="7181774" cy="461665"/>
+            <a:ext cx="6598281" cy="830997"/>
           </a:xfrm>
           <a:prstGeom prst="rect">
             <a:avLst/>
@@ -4585,7 +4610,14 @@
           <a:p>
             <a:r>
               <a:rPr lang="en-US" sz="2400" dirty="0"/>
-              <a:t>Convert buckets to nodes and rotate: we get a tree!</a:t>
+              <a:t>First step, convert buckets to nodes and rotate:</a:t>
+            </a:r>
+            <a:br>
+              <a:rPr lang="en-US" sz="2400" dirty="0"/>
+            </a:br>
+            <a:r>
+              <a:rPr lang="en-US" sz="2400" dirty="0"/>
+              <a:t>we get a tree!</a:t>
             </a:r>
           </a:p>
         </p:txBody>
@@ -4722,10 +4754,15 @@
             <p:ph idx="1"/>
           </p:nvPr>
         </p:nvSpPr>
-        <p:spPr/>
+        <p:spPr>
+          <a:xfrm>
+            <a:off x="838200" y="1825625"/>
+            <a:ext cx="10515600" cy="4667250"/>
+          </a:xfrm>
+        </p:spPr>
         <p:txBody>
           <a:bodyPr>
-            <a:normAutofit lnSpcReduction="10000"/>
+            <a:normAutofit fontScale="92500" lnSpcReduction="10000"/>
           </a:bodyPr>
           <a:lstStyle/>
           <a:p>
@@ -4744,7 +4781,20 @@
           <a:p>
             <a:r>
               <a:rPr lang="en-US" dirty="0"/>
-              <a:t>Note: Now that we’re not sorting, order of</a:t>
+              <a:t>Like bucket sort but add nested buckets</a:t>
+            </a:r>
+            <a:br>
+              <a:rPr lang="en-US" dirty="0"/>
+            </a:br>
+            <a:r>
+              <a:rPr lang="en-US" dirty="0"/>
+              <a:t>for entire length of each string: pigeonhole!</a:t>
+            </a:r>
+          </a:p>
+          <a:p>
+            <a:r>
+              <a:rPr lang="en-US" dirty="0"/>
+              <a:t>Note: We’re not sorting so order of</a:t>
             </a:r>
             <a:br>
               <a:rPr lang="en-US" dirty="0"/>
@@ -4778,15 +4828,15 @@
           <a:p>
             <a:r>
               <a:rPr lang="en-US" dirty="0"/>
-              <a:t>Traverse edge to child </a:t>
+              <a:t>Traverse edge </a:t>
             </a:r>
             <a:r>
               <a:rPr lang="en-US" dirty="0" err="1"/>
-              <a:t>root.child</a:t>
-            </a:r>
-            <a:r>
-              <a:rPr lang="en-US" dirty="0"/>
-              <a:t>[s[0]]</a:t>
+              <a:t>root.edges</a:t>
+            </a:r>
+            <a:r>
+              <a:rPr lang="en-US" dirty="0"/>
+              <a:t>[s[0]] to child</a:t>
             </a:r>
             <a:br>
               <a:rPr lang="en-US" dirty="0"/>
@@ -4809,7 +4859,7 @@
           <a:p>
             <a:r>
               <a:rPr lang="en-US" dirty="0"/>
-              <a:t>O(n) since we must add edge for each char</a:t>
+              <a:t>Adding one s is O(m) since we must add edge for each char</a:t>
             </a:r>
           </a:p>
         </p:txBody>
@@ -6881,7 +6931,7 @@
         </p:blipFill>
         <p:spPr>
           <a:xfrm>
-            <a:off x="7237736" y="-540374"/>
+            <a:off x="7237736" y="-529223"/>
             <a:ext cx="5340127" cy="7758297"/>
           </a:xfrm>
           <a:prstGeom prst="rect">
@@ -6935,17 +6985,52 @@
         </p:nvSpPr>
         <p:spPr>
           <a:xfrm>
-            <a:off x="838200" y="1825625"/>
-            <a:ext cx="7034561" cy="4351338"/>
+            <a:off x="669074" y="1527717"/>
+            <a:ext cx="7326350" cy="4649246"/>
           </a:xfrm>
         </p:spPr>
         <p:txBody>
-          <a:bodyPr/>
+          <a:bodyPr>
+            <a:normAutofit/>
+          </a:bodyPr>
           <a:lstStyle/>
           <a:p>
             <a:r>
-              <a:rPr lang="en-US" dirty="0"/>
-              <a:t>…slower than array access via perfect</a:t>
+              <a:rPr lang="en-US" dirty="0" err="1"/>
+              <a:t>self.edges</a:t>
+            </a:r>
+            <a:r>
+              <a:rPr lang="en-US" dirty="0"/>
+              <a:t> = {} using general </a:t>
+            </a:r>
+            <a:r>
+              <a:rPr lang="en-US" dirty="0" err="1"/>
+              <a:t>hashtable</a:t>
+            </a:r>
+            <a:r>
+              <a:rPr lang="en-US" dirty="0"/>
+              <a:t>;</a:t>
+            </a:r>
+            <a:br>
+              <a:rPr lang="en-US" dirty="0"/>
+            </a:br>
+            <a:r>
+              <a:rPr lang="en-US" dirty="0"/>
+              <a:t>can we do faster version of </a:t>
+            </a:r>
+            <a:r>
+              <a:rPr lang="en-US" dirty="0" err="1"/>
+              <a:t>self.edges</a:t>
+            </a:r>
+            <a:r>
+              <a:rPr lang="en-US" dirty="0"/>
+              <a:t>['x']?</a:t>
+            </a:r>
+          </a:p>
+          <a:p>
+            <a:r>
+              <a:rPr lang="en-US" dirty="0"/>
+              <a:t>Yes, use array access via perfect</a:t>
             </a:r>
             <a:br>
               <a:rPr lang="en-US" dirty="0"/>
@@ -7043,6 +7128,113 @@
                                           </p:stCondLst>
                                         </p:cTn>
                                         <p:tgtEl>
+                                          <p:spTgt spid="5"/>
+                                        </p:tgtEl>
+                                        <p:attrNameLst>
+                                          <p:attrName>style.visibility</p:attrName>
+                                        </p:attrNameLst>
+                                      </p:cBhvr>
+                                      <p:to>
+                                        <p:strVal val="visible"/>
+                                      </p:to>
+                                    </p:set>
+                                  </p:childTnLst>
+                                </p:cTn>
+                              </p:par>
+                            </p:childTnLst>
+                          </p:cTn>
+                        </p:par>
+                      </p:childTnLst>
+                    </p:cTn>
+                  </p:par>
+                  <p:par>
+                    <p:cTn id="7" fill="hold">
+                      <p:stCondLst>
+                        <p:cond delay="indefinite"/>
+                      </p:stCondLst>
+                      <p:childTnLst>
+                        <p:par>
+                          <p:cTn id="8" fill="hold">
+                            <p:stCondLst>
+                              <p:cond delay="0"/>
+                            </p:stCondLst>
+                            <p:childTnLst>
+                              <p:par>
+                                <p:cTn id="9" presetID="1" presetClass="entr" presetSubtype="0" fill="hold" nodeType="clickEffect">
+                                  <p:stCondLst>
+                                    <p:cond delay="0"/>
+                                  </p:stCondLst>
+                                  <p:childTnLst>
+                                    <p:set>
+                                      <p:cBhvr>
+                                        <p:cTn id="10" dur="1" fill="hold">
+                                          <p:stCondLst>
+                                            <p:cond delay="0"/>
+                                          </p:stCondLst>
+                                        </p:cTn>
+                                        <p:tgtEl>
+                                          <p:spTgt spid="3">
+                                            <p:txEl>
+                                              <p:pRg st="1" end="1"/>
+                                            </p:txEl>
+                                          </p:spTgt>
+                                        </p:tgtEl>
+                                        <p:attrNameLst>
+                                          <p:attrName>style.visibility</p:attrName>
+                                        </p:attrNameLst>
+                                      </p:cBhvr>
+                                      <p:to>
+                                        <p:strVal val="visible"/>
+                                      </p:to>
+                                    </p:set>
+                                  </p:childTnLst>
+                                </p:cTn>
+                              </p:par>
+                              <p:par>
+                                <p:cTn id="11" presetID="1" presetClass="entr" presetSubtype="0" fill="hold" nodeType="withEffect">
+                                  <p:stCondLst>
+                                    <p:cond delay="0"/>
+                                  </p:stCondLst>
+                                  <p:childTnLst>
+                                    <p:set>
+                                      <p:cBhvr>
+                                        <p:cTn id="12" dur="1" fill="hold">
+                                          <p:stCondLst>
+                                            <p:cond delay="0"/>
+                                          </p:stCondLst>
+                                        </p:cTn>
+                                        <p:tgtEl>
+                                          <p:spTgt spid="3">
+                                            <p:txEl>
+                                              <p:pRg st="2" end="2"/>
+                                            </p:txEl>
+                                          </p:spTgt>
+                                        </p:tgtEl>
+                                        <p:attrNameLst>
+                                          <p:attrName>style.visibility</p:attrName>
+                                        </p:attrNameLst>
+                                      </p:cBhvr>
+                                      <p:to>
+                                        <p:strVal val="visible"/>
+                                      </p:to>
+                                    </p:set>
+                                  </p:childTnLst>
+                                </p:cTn>
+                              </p:par>
+                              <p:par>
+                                <p:cTn id="13" presetID="1" presetClass="entr" presetSubtype="0" fill="hold" nodeType="withEffect">
+                                  <p:stCondLst>
+                                    <p:cond delay="0"/>
+                                  </p:stCondLst>
+                                  <p:childTnLst>
+                                    <p:set>
+                                      <p:cBhvr>
+                                        <p:cTn id="14" dur="1" fill="hold">
+                                          <p:stCondLst>
+                                            <p:cond delay="0"/>
+                                          </p:stCondLst>
+                                        </p:cTn>
+                                        <p:tgtEl>
                                           <p:spTgt spid="3">
                                             <p:txEl>
                                               <p:pRg st="3" end="3"/>
@@ -7060,15 +7252,33 @@
                                   </p:childTnLst>
                                 </p:cTn>
                               </p:par>
+                            </p:childTnLst>
+                          </p:cTn>
+                        </p:par>
+                      </p:childTnLst>
+                    </p:cTn>
+                  </p:par>
+                  <p:par>
+                    <p:cTn id="15" fill="hold">
+                      <p:stCondLst>
+                        <p:cond delay="indefinite"/>
+                      </p:stCondLst>
+                      <p:childTnLst>
+                        <p:par>
+                          <p:cTn id="16" fill="hold">
+                            <p:stCondLst>
+                              <p:cond delay="0"/>
+                            </p:stCondLst>
+                            <p:childTnLst>
                               <p:par>
-                                <p:cTn id="7" presetID="1" presetClass="entr" presetSubtype="0" fill="hold" nodeType="withEffect">
+                                <p:cTn id="17" presetID="1" presetClass="entr" presetSubtype="0" fill="hold" nodeType="clickEffect">
                                   <p:stCondLst>
                                     <p:cond delay="0"/>
                                   </p:stCondLst>
                                   <p:childTnLst>
                                     <p:set>
                                       <p:cBhvr>
-                                        <p:cTn id="8" dur="1" fill="hold">
+                                        <p:cTn id="18" dur="1" fill="hold">
                                           <p:stCondLst>
                                             <p:cond delay="0"/>
                                           </p:stCondLst>
@@ -7077,6 +7287,37 @@
                                           <p:spTgt spid="3">
                                             <p:txEl>
                                               <p:pRg st="4" end="4"/>
+                                            </p:txEl>
+                                          </p:spTgt>
+                                        </p:tgtEl>
+                                        <p:attrNameLst>
+                                          <p:attrName>style.visibility</p:attrName>
+                                        </p:attrNameLst>
+                                      </p:cBhvr>
+                                      <p:to>
+                                        <p:strVal val="visible"/>
+                                      </p:to>
+                                    </p:set>
+                                  </p:childTnLst>
+                                </p:cTn>
+                              </p:par>
+                              <p:par>
+                                <p:cTn id="19" presetID="1" presetClass="entr" presetSubtype="0" fill="hold" nodeType="withEffect">
+                                  <p:stCondLst>
+                                    <p:cond delay="0"/>
+                                  </p:stCondLst>
+                                  <p:childTnLst>
+                                    <p:set>
+                                      <p:cBhvr>
+                                        <p:cTn id="20" dur="1" fill="hold">
+                                          <p:stCondLst>
+                                            <p:cond delay="0"/>
+                                          </p:stCondLst>
+                                        </p:cTn>
+                                        <p:tgtEl>
+                                          <p:spTgt spid="3">
+                                            <p:txEl>
+                                              <p:pRg st="5" end="5"/>
                                             </p:txEl>
                                           </p:spTgt>
                                         </p:tgtEl>
@@ -7242,7 +7483,13 @@
           <a:p>
             <a:r>
               <a:rPr lang="en-US" dirty="0"/>
-              <a:t>This takes almost 5 minutes on my fast computer. ugh</a:t>
+              <a:t>This takes almost 5 minutes on my fast computer. Ugh</a:t>
+            </a:r>
+          </a:p>
+          <a:p>
+            <a:r>
+              <a:rPr lang="en-US" dirty="0"/>
+              <a:t>For 50k works, takes 13s (still brutally slow)</a:t>
             </a:r>
           </a:p>
         </p:txBody>
@@ -7605,7 +7852,7 @@
             </a:r>
             <a:r>
               <a:rPr lang="en-US" dirty="0"/>
-              <a:t>, which takes about 6s on my machine</a:t>
+              <a:t>, which takes about 7s on my machine</a:t>
             </a:r>
           </a:p>
           <a:p>
@@ -7619,7 +7866,7 @@
             </a:r>
             <a:r>
               <a:rPr lang="en-US" dirty="0"/>
-              <a:t> for each of 235,886 words; takes 0.75s for me!!</a:t>
+              <a:t> for each of 235,886 words; takes 0.70s for me!!</a:t>
             </a:r>
           </a:p>
           <a:p>
@@ -8160,12 +8407,14 @@
           </a:p>
           <a:p>
             <a:r>
-              <a:rPr lang="en-US" b="1" dirty="0"/>
-              <a:t>Idea</a:t>
-            </a:r>
-            <a:r>
-              <a:rPr lang="en-US" dirty="0"/>
-              <a:t>: trace prefix into </a:t>
+              <a:rPr lang="en-US" dirty="0"/>
+              <a:t>How would this work</a:t>
+            </a:r>
+          </a:p>
+          <a:p>
+            <a:r>
+              <a:rPr lang="en-US" dirty="0"/>
+              <a:t>Trace prefix into </a:t>
             </a:r>
             <a:r>
               <a:rPr lang="en-US" dirty="0" err="1"/>
@@ -8188,6 +8437,85 @@
   <p:clrMapOvr>
     <a:masterClrMapping/>
   </p:clrMapOvr>
+  <p:timing>
+    <p:tnLst>
+      <p:par>
+        <p:cTn id="1" dur="indefinite" restart="never" nodeType="tmRoot">
+          <p:childTnLst>
+            <p:seq concurrent="1" nextAc="seek">
+              <p:cTn id="2" dur="indefinite" nodeType="mainSeq">
+                <p:childTnLst>
+                  <p:par>
+                    <p:cTn id="3" fill="hold">
+                      <p:stCondLst>
+                        <p:cond delay="indefinite"/>
+                      </p:stCondLst>
+                      <p:childTnLst>
+                        <p:par>
+                          <p:cTn id="4" fill="hold">
+                            <p:stCondLst>
+                              <p:cond delay="0"/>
+                            </p:stCondLst>
+                            <p:childTnLst>
+                              <p:par>
+                                <p:cTn id="5" presetID="1" presetClass="entr" presetSubtype="0" fill="hold" nodeType="clickEffect">
+                                  <p:stCondLst>
+                                    <p:cond delay="0"/>
+                                  </p:stCondLst>
+                                  <p:childTnLst>
+                                    <p:set>
+                                      <p:cBhvr>
+                                        <p:cTn id="6" dur="1" fill="hold">
+                                          <p:stCondLst>
+                                            <p:cond delay="0"/>
+                                          </p:stCondLst>
+                                        </p:cTn>
+                                        <p:tgtEl>
+                                          <p:spTgt spid="3">
+                                            <p:txEl>
+                                              <p:pRg st="3" end="3"/>
+                                            </p:txEl>
+                                          </p:spTgt>
+                                        </p:tgtEl>
+                                        <p:attrNameLst>
+                                          <p:attrName>style.visibility</p:attrName>
+                                        </p:attrNameLst>
+                                      </p:cBhvr>
+                                      <p:to>
+                                        <p:strVal val="visible"/>
+                                      </p:to>
+                                    </p:set>
+                                  </p:childTnLst>
+                                </p:cTn>
+                              </p:par>
+                            </p:childTnLst>
+                          </p:cTn>
+                        </p:par>
+                      </p:childTnLst>
+                    </p:cTn>
+                  </p:par>
+                </p:childTnLst>
+              </p:cTn>
+              <p:prevCondLst>
+                <p:cond evt="onPrev" delay="0">
+                  <p:tgtEl>
+                    <p:sldTgt/>
+                  </p:tgtEl>
+                </p:cond>
+              </p:prevCondLst>
+              <p:nextCondLst>
+                <p:cond evt="onNext" delay="0">
+                  <p:tgtEl>
+                    <p:sldTgt/>
+                  </p:tgtEl>
+                </p:cond>
+              </p:nextCondLst>
+            </p:seq>
+          </p:childTnLst>
+        </p:cTn>
+      </p:par>
+    </p:tnLst>
+  </p:timing>
 </p:sld>
 </file>
 
@@ -8235,7 +8563,7 @@
             </a:r>
             <a:r>
               <a:rPr lang="en-US" dirty="0"/>
-              <a:t>: Build a suffix tree</a:t>
+              <a:t>: How to build a suffix tree?</a:t>
             </a:r>
           </a:p>
         </p:txBody>
@@ -8558,7 +8886,7 @@
           <a:p>
             <a:r>
               <a:rPr lang="en-US" dirty="0"/>
-              <a:t>We only find “t” matches via ‘a’ to get “cat”</a:t>
+              <a:t>We find only “t” matches via ‘a’ to get “cat”</a:t>
             </a:r>
           </a:p>
         </p:txBody>
@@ -9003,7 +9331,7 @@
         <p:spPr/>
         <p:txBody>
           <a:bodyPr>
-            <a:normAutofit lnSpcReduction="10000"/>
+            <a:normAutofit/>
           </a:bodyPr>
           <a:lstStyle/>
           <a:p>
@@ -9021,15 +9349,7 @@
           <a:p>
             <a:r>
               <a:rPr lang="en-US" dirty="0"/>
-              <a:t>If we are willing to build a graph </a:t>
-            </a:r>
-            <a:r>
-              <a:rPr lang="en-US"/>
-              <a:t>data structure in O(n), </a:t>
-            </a:r>
-            <a:r>
-              <a:rPr lang="en-US" dirty="0"/>
-              <a:t>the TRIE is pretty hard to beat complexity and performance; looking up a word in the TRIE is O(m) for m character string!</a:t>
+              <a:t>If we are willing to build a graph data structure in O(nm), the TRIE is pretty hard to beat complexity and performance; looking up a word in the TRIE is O(m) for m-character string!</a:t>
             </a:r>
           </a:p>
           <a:p>
@@ -9041,7 +9361,7 @@
           <a:p>
             <a:r>
               <a:rPr lang="en-US" dirty="0"/>
-              <a:t>Useful as prefix and suffix trees; can find even misspelled words</a:t>
+              <a:t>Useful as prefix and suffix trees; can find misspelled words</a:t>
             </a:r>
           </a:p>
         </p:txBody>
@@ -9174,7 +9494,7 @@
         </p:nvSpPr>
         <p:spPr>
           <a:xfrm>
-            <a:off x="297415" y="6311900"/>
+            <a:off x="0" y="6551423"/>
             <a:ext cx="7453720" cy="307777"/>
           </a:xfrm>
           <a:prstGeom prst="rect">
@@ -9188,48 +9508,14 @@
           <a:lstStyle/>
           <a:p>
             <a:r>
-              <a:rPr lang="en-US" sz="1400"/>
-              <a:t>See http</a:t>
-            </a:r>
-            <a:r>
               <a:rPr lang="en-US" sz="1400" dirty="0"/>
-              <a:t>://</a:t>
-            </a:r>
-            <a:r>
-              <a:rPr lang="en-US" sz="1400" dirty="0" err="1"/>
-              <a:t>interactivepython.org</a:t>
-            </a:r>
-            <a:r>
-              <a:rPr lang="en-US" sz="1400" dirty="0"/>
-              <a:t>/</a:t>
-            </a:r>
-            <a:r>
-              <a:rPr lang="en-US" sz="1400" dirty="0" err="1"/>
-              <a:t>runestone</a:t>
-            </a:r>
-            <a:r>
-              <a:rPr lang="en-US" sz="1400" dirty="0"/>
-              <a:t>/static/</a:t>
-            </a:r>
-            <a:r>
-              <a:rPr lang="en-US" sz="1400" dirty="0" err="1"/>
-              <a:t>pythonds</a:t>
-            </a:r>
-            <a:r>
-              <a:rPr lang="en-US" sz="1400" dirty="0"/>
-              <a:t>/</a:t>
-            </a:r>
-            <a:r>
-              <a:rPr lang="en-US" sz="1400" dirty="0" err="1"/>
-              <a:t>SortSearch</a:t>
-            </a:r>
-            <a:r>
-              <a:rPr lang="en-US" sz="1400" dirty="0"/>
-              <a:t>/</a:t>
-            </a:r>
-            <a:r>
-              <a:rPr lang="en-US" sz="1400" dirty="0" err="1"/>
-              <a:t>TheBinarySearch.html</a:t>
+              <a:t>See </a:t>
+            </a:r>
+            <a:r>
+              <a:rPr lang="en-US" sz="1400" dirty="0">
+                <a:hlinkClick r:id="rId3"/>
+              </a:rPr>
+              <a:t>http://interactivepython.org/runestone/static/pythonds/SortSearch/TheBinarySearch.html</a:t>
             </a:r>
             <a:endParaRPr lang="en-US" sz="1400" dirty="0"/>
           </a:p>
@@ -9915,7 +10201,13 @@
           <a:p>
             <a:r>
               <a:rPr lang="en-US" dirty="0"/>
-              <a:t>Brute force algorithm is O(nm), but theoretical best case algorithm exists for O(n + m)</a:t>
+              <a:t>Brute force algorithm is O(nm)</a:t>
+            </a:r>
+          </a:p>
+          <a:p>
+            <a:r>
+              <a:rPr lang="en-US" dirty="0"/>
+              <a:t>Theoretical best-case algorithm exists for O(n + m)</a:t>
             </a:r>
           </a:p>
           <a:p>
@@ -10126,7 +10418,7 @@
           <a:p>
             <a:r>
               <a:rPr lang="en-US" dirty="0"/>
-              <a:t>Rabin-Karp* algorithm uses hash function to speed up but still O(nm) worst-case; works for any substring not just words</a:t>
+              <a:t>Rabin-Karp* algorithm uses hash function to speed up but is still O(nm) worst-case; works for any substring not just words</a:t>
             </a:r>
           </a:p>
           <a:p>
@@ -10166,7 +10458,7 @@
           <a:p>
             <a:r>
               <a:rPr lang="en-US" dirty="0"/>
-              <a:t>Key is to avoid comparing strings unless the hash codes match, but hash usually computation costs same as comparing strings</a:t>
+              <a:t>Key is to avoid comparing strings unless the hash codes match, but usually hash computation costs same as comparing strings</a:t>
             </a:r>
           </a:p>
           <a:p>
@@ -10690,8 +10982,8 @@
         </p:nvSpPr>
         <p:spPr>
           <a:xfrm>
-            <a:off x="927600" y="5804898"/>
-            <a:ext cx="3230372" cy="430887"/>
+            <a:off x="0" y="6427113"/>
+            <a:ext cx="6781023" cy="338554"/>
           </a:xfrm>
           <a:prstGeom prst="rect">
             <a:avLst/>
@@ -10705,9 +10997,16 @@
           <a:lstStyle/>
           <a:p>
             <a:r>
-              <a:rPr lang="en-US" sz="2200" dirty="0"/>
-              <a:t>See searching notebook</a:t>
-            </a:r>
+              <a:rPr lang="en-US" sz="1600" dirty="0"/>
+              <a:t>See </a:t>
+            </a:r>
+            <a:r>
+              <a:rPr lang="en-US" sz="1600" dirty="0">
+                <a:hlinkClick r:id="rId2"/>
+              </a:rPr>
+              <a:t>https://github.com/parrt/msds689/blob/master/notes/searching.ipynb</a:t>
+            </a:r>
+            <a:endParaRPr lang="en-US" sz="1600" dirty="0"/>
           </a:p>
         </p:txBody>
       </p:sp>
@@ -10852,7 +11151,7 @@
             </a:r>
             <a:r>
               <a:rPr lang="en-US" dirty="0"/>
-              <a:t>=1..n, so use rolling hash:</a:t>
+              <a:t>=1..n, so use rolling hash to reuse partial hash function computations:</a:t>
             </a:r>
           </a:p>
           <a:p>
@@ -10975,7 +11274,10 @@
               <a:rPr lang="en-US" dirty="0" err="1"/>
               <a:t>hashtable</a:t>
             </a:r>
-            <a:endParaRPr lang="en-US" dirty="0"/>
+            <a:r>
+              <a:rPr lang="en-US" dirty="0"/>
+              <a:t> for each of k strings</a:t>
+            </a:r>
           </a:p>
           <a:p>
             <a:r>
@@ -11051,6 +11353,41 @@
           </a:fontRef>
         </p:style>
       </p:cxnSp>
+      <p:sp>
+        <p:nvSpPr>
+          <p:cNvPr id="5" name="TextBox 4">
+            <a:extLst>
+              <a:ext uri="{FF2B5EF4-FFF2-40B4-BE49-F238E27FC236}">
+                <a16:creationId xmlns:a16="http://schemas.microsoft.com/office/drawing/2014/main" id="{E4D3A77D-1E5F-D749-9AB1-48DA0FCABF7F}"/>
+              </a:ext>
+            </a:extLst>
+          </p:cNvPr>
+          <p:cNvSpPr txBox="1"/>
+          <p:nvPr/>
+        </p:nvSpPr>
+        <p:spPr>
+          <a:xfrm>
+            <a:off x="5295139" y="78195"/>
+            <a:ext cx="1601721" cy="461665"/>
+          </a:xfrm>
+          <a:prstGeom prst="rect">
+            <a:avLst/>
+          </a:prstGeom>
+          <a:noFill/>
+        </p:spPr>
+        <p:txBody>
+          <a:bodyPr wrap="none" rtlCol="0">
+            <a:spAutoFit/>
+          </a:bodyPr>
+          <a:lstStyle/>
+          <a:p>
+            <a:r>
+              <a:rPr lang="en-US" sz="2400" dirty="0"/>
+              <a:t>Find "and"</a:t>
+            </a:r>
+          </a:p>
+        </p:txBody>
+      </p:sp>
     </p:spTree>
     <p:extLst>
       <p:ext uri="{BB962C8B-B14F-4D97-AF65-F5344CB8AC3E}">
@@ -11129,13 +11466,13 @@
             </p:nvSpPr>
             <p:spPr>
               <a:xfrm>
-                <a:off x="651641" y="1825625"/>
-                <a:ext cx="11109435" cy="4351338"/>
+                <a:off x="651641" y="1825624"/>
+                <a:ext cx="11109435" cy="4512113"/>
               </a:xfrm>
             </p:spPr>
             <p:txBody>
               <a:bodyPr>
-                <a:normAutofit fontScale="92500"/>
+                <a:normAutofit lnSpcReduction="10000"/>
               </a:bodyPr>
               <a:lstStyle/>
               <a:p>
@@ -11155,13 +11492,21 @@
               <a:p>
                 <a:r>
                   <a:rPr lang="en-US" dirty="0"/>
-                  <a:t>Yes. First, consider a hash table, which is O(1) for n words, if we prepare a proper side data structure beforehand once for O(n), and you let me search for words instead of arbitrary strings</a:t>
+                  <a:t>Yes, if we prepare a proper side data structure beforehand once for O(n), and we search for words instead of arbitrary strings. </a:t>
+                </a:r>
+                <a:r>
+                  <a:rPr lang="en-US" b="1" dirty="0"/>
+                  <a:t>How</a:t>
+                </a:r>
+                <a:r>
+                  <a:rPr lang="en-US" dirty="0"/>
+                  <a:t>?</a:t>
                 </a:r>
               </a:p>
               <a:p>
                 <a:r>
                   <a:rPr lang="en-US" dirty="0"/>
-                  <a:t>But, relies on good hash function for good distribution and we still must search buckets of average size k; that means O(1) is really hiding O(</a:t>
+                  <a:t>First, consider a hash table, which is O(1) for n words, But, relies on good hash function for good distribution and we still must search buckets of average size k; that means O(1) is really hiding O(</a:t>
                 </a:r>
                 <a14:m>
                   <m:oMath xmlns:m="http://schemas.openxmlformats.org/officeDocument/2006/math">
@@ -11235,13 +11580,13 @@
             </p:nvSpPr>
             <p:spPr>
               <a:xfrm>
-                <a:off x="651641" y="1825625"/>
-                <a:ext cx="11109435" cy="4351338"/>
+                <a:off x="651641" y="1825624"/>
+                <a:ext cx="11109435" cy="4512113"/>
               </a:xfrm>
               <a:blipFill>
                 <a:blip r:embed="rId2"/>
                 <a:stretch>
-                  <a:fillRect l="-914" t="-2035" r="-1257"/>
+                  <a:fillRect l="-1029" t="-3081" r="-1143"/>
                 </a:stretch>
               </a:blipFill>
             </p:spPr>
@@ -11270,6 +11615,178 @@
   <p:clrMapOvr>
     <a:masterClrMapping/>
   </p:clrMapOvr>
+  <p:timing>
+    <p:tnLst>
+      <p:par>
+        <p:cTn id="1" dur="indefinite" restart="never" nodeType="tmRoot">
+          <p:childTnLst>
+            <p:seq concurrent="1" nextAc="seek">
+              <p:cTn id="2" dur="indefinite" nodeType="mainSeq">
+                <p:childTnLst>
+                  <p:par>
+                    <p:cTn id="3" fill="hold">
+                      <p:stCondLst>
+                        <p:cond delay="indefinite"/>
+                      </p:stCondLst>
+                      <p:childTnLst>
+                        <p:par>
+                          <p:cTn id="4" fill="hold">
+                            <p:stCondLst>
+                              <p:cond delay="0"/>
+                            </p:stCondLst>
+                            <p:childTnLst>
+                              <p:par>
+                                <p:cTn id="5" presetID="1" presetClass="entr" presetSubtype="0" fill="hold" nodeType="clickEffect">
+                                  <p:stCondLst>
+                                    <p:cond delay="0"/>
+                                  </p:stCondLst>
+                                  <p:childTnLst>
+                                    <p:set>
+                                      <p:cBhvr>
+                                        <p:cTn id="6" dur="1" fill="hold">
+                                          <p:stCondLst>
+                                            <p:cond delay="0"/>
+                                          </p:stCondLst>
+                                        </p:cTn>
+                                        <p:tgtEl>
+                                          <p:spTgt spid="3">
+                                            <p:txEl>
+                                              <p:pRg st="2" end="2"/>
+                                            </p:txEl>
+                                          </p:spTgt>
+                                        </p:tgtEl>
+                                        <p:attrNameLst>
+                                          <p:attrName>style.visibility</p:attrName>
+                                        </p:attrNameLst>
+                                      </p:cBhvr>
+                                      <p:to>
+                                        <p:strVal val="visible"/>
+                                      </p:to>
+                                    </p:set>
+                                  </p:childTnLst>
+                                </p:cTn>
+                              </p:par>
+                              <p:par>
+                                <p:cTn id="7" presetID="1" presetClass="entr" presetSubtype="0" fill="hold" nodeType="withEffect">
+                                  <p:stCondLst>
+                                    <p:cond delay="0"/>
+                                  </p:stCondLst>
+                                  <p:childTnLst>
+                                    <p:set>
+                                      <p:cBhvr>
+                                        <p:cTn id="8" dur="1" fill="hold">
+                                          <p:stCondLst>
+                                            <p:cond delay="0"/>
+                                          </p:stCondLst>
+                                        </p:cTn>
+                                        <p:tgtEl>
+                                          <p:spTgt spid="3">
+                                            <p:txEl>
+                                              <p:pRg st="3" end="3"/>
+                                            </p:txEl>
+                                          </p:spTgt>
+                                        </p:tgtEl>
+                                        <p:attrNameLst>
+                                          <p:attrName>style.visibility</p:attrName>
+                                        </p:attrNameLst>
+                                      </p:cBhvr>
+                                      <p:to>
+                                        <p:strVal val="visible"/>
+                                      </p:to>
+                                    </p:set>
+                                  </p:childTnLst>
+                                </p:cTn>
+                              </p:par>
+                              <p:par>
+                                <p:cTn id="9" presetID="1" presetClass="entr" presetSubtype="0" fill="hold" nodeType="withEffect">
+                                  <p:stCondLst>
+                                    <p:cond delay="0"/>
+                                  </p:stCondLst>
+                                  <p:childTnLst>
+                                    <p:set>
+                                      <p:cBhvr>
+                                        <p:cTn id="10" dur="1" fill="hold">
+                                          <p:stCondLst>
+                                            <p:cond delay="0"/>
+                                          </p:stCondLst>
+                                        </p:cTn>
+                                        <p:tgtEl>
+                                          <p:spTgt spid="3">
+                                            <p:txEl>
+                                              <p:pRg st="4" end="4"/>
+                                            </p:txEl>
+                                          </p:spTgt>
+                                        </p:tgtEl>
+                                        <p:attrNameLst>
+                                          <p:attrName>style.visibility</p:attrName>
+                                        </p:attrNameLst>
+                                      </p:cBhvr>
+                                      <p:to>
+                                        <p:strVal val="visible"/>
+                                      </p:to>
+                                    </p:set>
+                                  </p:childTnLst>
+                                </p:cTn>
+                              </p:par>
+                              <p:par>
+                                <p:cTn id="11" presetID="1" presetClass="entr" presetSubtype="0" fill="hold" nodeType="withEffect">
+                                  <p:stCondLst>
+                                    <p:cond delay="0"/>
+                                  </p:stCondLst>
+                                  <p:childTnLst>
+                                    <p:set>
+                                      <p:cBhvr>
+                                        <p:cTn id="12" dur="1" fill="hold">
+                                          <p:stCondLst>
+                                            <p:cond delay="0"/>
+                                          </p:stCondLst>
+                                        </p:cTn>
+                                        <p:tgtEl>
+                                          <p:spTgt spid="3">
+                                            <p:txEl>
+                                              <p:pRg st="5" end="5"/>
+                                            </p:txEl>
+                                          </p:spTgt>
+                                        </p:tgtEl>
+                                        <p:attrNameLst>
+                                          <p:attrName>style.visibility</p:attrName>
+                                        </p:attrNameLst>
+                                      </p:cBhvr>
+                                      <p:to>
+                                        <p:strVal val="visible"/>
+                                      </p:to>
+                                    </p:set>
+                                  </p:childTnLst>
+                                </p:cTn>
+                              </p:par>
+                            </p:childTnLst>
+                          </p:cTn>
+                        </p:par>
+                      </p:childTnLst>
+                    </p:cTn>
+                  </p:par>
+                </p:childTnLst>
+              </p:cTn>
+              <p:prevCondLst>
+                <p:cond evt="onPrev" delay="0">
+                  <p:tgtEl>
+                    <p:sldTgt/>
+                  </p:tgtEl>
+                </p:cond>
+              </p:prevCondLst>
+              <p:nextCondLst>
+                <p:cond evt="onNext" delay="0">
+                  <p:tgtEl>
+                    <p:sldTgt/>
+                  </p:tgtEl>
+                </p:cond>
+              </p:nextCondLst>
+            </p:seq>
+          </p:childTnLst>
+        </p:cTn>
+      </p:par>
+    </p:tnLst>
+  </p:timing>
 </p:sld>
 </file>
 

--- a/notes/searching.pptx
+++ b/notes/searching.pptx
@@ -28,12 +28,12 @@
     <p:sldId id="301" r:id="rId16"/>
     <p:sldId id="310" r:id="rId17"/>
     <p:sldId id="302" r:id="rId18"/>
-    <p:sldId id="303" r:id="rId19"/>
-    <p:sldId id="304" r:id="rId20"/>
-    <p:sldId id="305" r:id="rId21"/>
-    <p:sldId id="306" r:id="rId22"/>
-    <p:sldId id="307" r:id="rId23"/>
-    <p:sldId id="308" r:id="rId24"/>
+    <p:sldId id="305" r:id="rId19"/>
+    <p:sldId id="306" r:id="rId20"/>
+    <p:sldId id="307" r:id="rId21"/>
+    <p:sldId id="308" r:id="rId22"/>
+    <p:sldId id="303" r:id="rId23"/>
+    <p:sldId id="304" r:id="rId24"/>
   </p:sldIdLst>
   <p:sldSz cx="12192000" cy="6858000"/>
   <p:notesSz cx="9144000" cy="6858000"/>
@@ -7385,7 +7385,7 @@
           <p:cNvPr id="2" name="Title 1">
             <a:extLst>
               <a:ext uri="{FF2B5EF4-FFF2-40B4-BE49-F238E27FC236}">
-                <a16:creationId xmlns:a16="http://schemas.microsoft.com/office/drawing/2014/main" id="{8EE0BAE5-7887-254A-94BF-F5E407B231C7}"/>
+                <a16:creationId xmlns:a16="http://schemas.microsoft.com/office/drawing/2014/main" id="{5FDA5814-1DAA-984F-BA1F-463EB89ED728}"/>
               </a:ext>
             </a:extLst>
           </p:cNvPr>
@@ -7399,7 +7399,7 @@
         <p:spPr>
           <a:xfrm>
             <a:off x="838200" y="365125"/>
-            <a:ext cx="11353800" cy="1325563"/>
+            <a:ext cx="10815536" cy="1325563"/>
           </a:xfrm>
         </p:spPr>
         <p:txBody>
@@ -7412,7 +7412,7 @@
             </a:r>
             <a:r>
               <a:rPr lang="en-US" dirty="0"/>
-              <a:t>: Brute force dictionary search</a:t>
+              <a:t>: find all words starting with prefix</a:t>
             </a:r>
           </a:p>
         </p:txBody>
@@ -7422,7 +7422,7 @@
           <p:cNvPr id="3" name="Content Placeholder 2">
             <a:extLst>
               <a:ext uri="{FF2B5EF4-FFF2-40B4-BE49-F238E27FC236}">
-                <a16:creationId xmlns:a16="http://schemas.microsoft.com/office/drawing/2014/main" id="{B312B095-1A92-4D4E-8DD0-7EC38E69366B}"/>
+                <a16:creationId xmlns:a16="http://schemas.microsoft.com/office/drawing/2014/main" id="{4B4AFF34-0678-764B-B0E8-F54910BC3FE0}"/>
               </a:ext>
             </a:extLst>
           </p:cNvPr>
@@ -7433,418 +7433,14 @@
             <p:ph idx="1"/>
           </p:nvPr>
         </p:nvSpPr>
-        <p:spPr>
-          <a:xfrm>
-            <a:off x="838200" y="1825625"/>
-            <a:ext cx="8997176" cy="4351338"/>
-          </a:xfrm>
-        </p:spPr>
-        <p:txBody>
-          <a:bodyPr>
-            <a:normAutofit/>
-          </a:bodyPr>
-          <a:lstStyle/>
-          <a:p>
-            <a:r>
-              <a:rPr lang="en-US" dirty="0"/>
-              <a:t>Load words from </a:t>
-            </a:r>
-            <a:r>
-              <a:rPr lang="en-US" b="1" dirty="0"/>
-              <a:t>/</a:t>
-            </a:r>
-            <a:r>
-              <a:rPr lang="en-US" b="1" dirty="0" err="1"/>
-              <a:t>usr</a:t>
-            </a:r>
-            <a:r>
-              <a:rPr lang="en-US" b="1" dirty="0"/>
-              <a:t>/share/</a:t>
-            </a:r>
-            <a:r>
-              <a:rPr lang="en-US" b="1" dirty="0" err="1"/>
-              <a:t>dict</a:t>
-            </a:r>
-            <a:r>
-              <a:rPr lang="en-US" b="1" dirty="0"/>
-              <a:t>/words</a:t>
-            </a:r>
-            <a:r>
-              <a:rPr lang="en-US" dirty="0"/>
-              <a:t> file (one per line) into list</a:t>
-            </a:r>
-          </a:p>
-          <a:p>
-            <a:r>
-              <a:rPr lang="en-US" dirty="0"/>
-              <a:t>Search for each word in list of words; what is complexity?</a:t>
-            </a:r>
-          </a:p>
-          <a:p>
-            <a:r>
-              <a:rPr lang="en-US" dirty="0"/>
-              <a:t>This takes almost 5 minutes on my fast computer. Ugh</a:t>
-            </a:r>
-          </a:p>
-          <a:p>
-            <a:r>
-              <a:rPr lang="en-US" dirty="0"/>
-              <a:t>For 50k works, takes 13s (still brutally slow)</a:t>
-            </a:r>
-          </a:p>
-        </p:txBody>
-      </p:sp>
-      <p:sp>
-        <p:nvSpPr>
-          <p:cNvPr id="4" name="TextBox 3">
-            <a:extLst>
-              <a:ext uri="{FF2B5EF4-FFF2-40B4-BE49-F238E27FC236}">
-                <a16:creationId xmlns:a16="http://schemas.microsoft.com/office/drawing/2014/main" id="{E52E155C-C5BB-644F-A746-ECFDFF0F305D}"/>
-              </a:ext>
-            </a:extLst>
-          </p:cNvPr>
-          <p:cNvSpPr txBox="1"/>
-          <p:nvPr/>
-        </p:nvSpPr>
-        <p:spPr>
-          <a:xfrm>
-            <a:off x="0" y="6311900"/>
-            <a:ext cx="8097088" cy="369332"/>
-          </a:xfrm>
-          <a:prstGeom prst="rect">
-            <a:avLst/>
-          </a:prstGeom>
-          <a:noFill/>
-        </p:spPr>
-        <p:txBody>
-          <a:bodyPr wrap="none" rtlCol="0">
-            <a:spAutoFit/>
-          </a:bodyPr>
-          <a:lstStyle/>
-          <a:p>
-            <a:r>
-              <a:rPr lang="en-US" dirty="0"/>
-              <a:t>See solution </a:t>
-            </a:r>
-            <a:r>
-              <a:rPr lang="en-US" dirty="0">
-                <a:hlinkClick r:id="rId2"/>
-              </a:rPr>
-              <a:t>https://github.com/parrt/msds689/blob/master/notes/code/trie.py</a:t>
-            </a:r>
-            <a:endParaRPr lang="en-US" dirty="0"/>
-          </a:p>
-        </p:txBody>
-      </p:sp>
-      <p:sp>
-        <p:nvSpPr>
-          <p:cNvPr id="5" name="Rectangle 4">
-            <a:extLst>
-              <a:ext uri="{FF2B5EF4-FFF2-40B4-BE49-F238E27FC236}">
-                <a16:creationId xmlns:a16="http://schemas.microsoft.com/office/drawing/2014/main" id="{9ED212F0-4F65-164A-8728-B5FA7E840EA4}"/>
-              </a:ext>
-            </a:extLst>
-          </p:cNvPr>
-          <p:cNvSpPr/>
-          <p:nvPr/>
-        </p:nvSpPr>
-        <p:spPr>
-          <a:xfrm>
-            <a:off x="10220844" y="1690688"/>
-            <a:ext cx="1724722" cy="3693319"/>
-          </a:xfrm>
-          <a:prstGeom prst="rect">
-            <a:avLst/>
-          </a:prstGeom>
-        </p:spPr>
-        <p:txBody>
-          <a:bodyPr wrap="square">
-            <a:spAutoFit/>
-          </a:bodyPr>
-          <a:lstStyle/>
-          <a:p>
-            <a:r>
-              <a:rPr lang="en-US" dirty="0">
-                <a:solidFill>
-                  <a:srgbClr val="000000"/>
-                </a:solidFill>
-                <a:latin typeface="Monaco" pitchFamily="2" charset="77"/>
-              </a:rPr>
-              <a:t>A</a:t>
-            </a:r>
-          </a:p>
-          <a:p>
-            <a:r>
-              <a:rPr lang="en-US" dirty="0">
-                <a:solidFill>
-                  <a:srgbClr val="000000"/>
-                </a:solidFill>
-                <a:latin typeface="Monaco" pitchFamily="2" charset="77"/>
-              </a:rPr>
-              <a:t>a</a:t>
-            </a:r>
-          </a:p>
-          <a:p>
-            <a:r>
-              <a:rPr lang="en-US" dirty="0">
-                <a:solidFill>
-                  <a:srgbClr val="000000"/>
-                </a:solidFill>
-                <a:latin typeface="Monaco" pitchFamily="2" charset="77"/>
-              </a:rPr>
-              <a:t>aa</a:t>
-            </a:r>
-          </a:p>
-          <a:p>
-            <a:r>
-              <a:rPr lang="en-US" dirty="0" err="1">
-                <a:solidFill>
-                  <a:srgbClr val="000000"/>
-                </a:solidFill>
-                <a:latin typeface="Monaco" pitchFamily="2" charset="77"/>
-              </a:rPr>
-              <a:t>aal</a:t>
-            </a:r>
-            <a:endParaRPr lang="en-US" dirty="0">
-              <a:solidFill>
-                <a:srgbClr val="000000"/>
-              </a:solidFill>
-              <a:latin typeface="Monaco" pitchFamily="2" charset="77"/>
-            </a:endParaRPr>
-          </a:p>
-          <a:p>
-            <a:r>
-              <a:rPr lang="en-US" dirty="0">
-                <a:solidFill>
-                  <a:srgbClr val="000000"/>
-                </a:solidFill>
-                <a:latin typeface="Monaco" pitchFamily="2" charset="77"/>
-              </a:rPr>
-              <a:t>aalii</a:t>
-            </a:r>
-          </a:p>
-          <a:p>
-            <a:r>
-              <a:rPr lang="en-US" dirty="0" err="1">
-                <a:solidFill>
-                  <a:srgbClr val="000000"/>
-                </a:solidFill>
-                <a:latin typeface="Monaco" pitchFamily="2" charset="77"/>
-              </a:rPr>
-              <a:t>aam</a:t>
-            </a:r>
-            <a:endParaRPr lang="en-US" dirty="0">
-              <a:solidFill>
-                <a:srgbClr val="000000"/>
-              </a:solidFill>
-              <a:latin typeface="Monaco" pitchFamily="2" charset="77"/>
-            </a:endParaRPr>
-          </a:p>
-          <a:p>
-            <a:r>
-              <a:rPr lang="en-US" dirty="0" err="1">
-                <a:solidFill>
-                  <a:srgbClr val="000000"/>
-                </a:solidFill>
-                <a:latin typeface="Monaco" pitchFamily="2" charset="77"/>
-              </a:rPr>
-              <a:t>Aani</a:t>
-            </a:r>
-            <a:endParaRPr lang="en-US" dirty="0">
-              <a:solidFill>
-                <a:srgbClr val="000000"/>
-              </a:solidFill>
-              <a:latin typeface="Monaco" pitchFamily="2" charset="77"/>
-            </a:endParaRPr>
-          </a:p>
-          <a:p>
-            <a:r>
-              <a:rPr lang="en-US" dirty="0">
-                <a:solidFill>
-                  <a:srgbClr val="000000"/>
-                </a:solidFill>
-                <a:latin typeface="Monaco" pitchFamily="2" charset="77"/>
-              </a:rPr>
-              <a:t>aardvark</a:t>
-            </a:r>
-          </a:p>
-          <a:p>
-            <a:r>
-              <a:rPr lang="en-US" dirty="0">
-                <a:solidFill>
-                  <a:srgbClr val="000000"/>
-                </a:solidFill>
-                <a:latin typeface="Monaco" pitchFamily="2" charset="77"/>
-              </a:rPr>
-              <a:t>aardwolf</a:t>
-            </a:r>
-          </a:p>
-          <a:p>
-            <a:r>
-              <a:rPr lang="en-US" dirty="0">
-                <a:solidFill>
-                  <a:srgbClr val="000000"/>
-                </a:solidFill>
-                <a:latin typeface="Monaco" pitchFamily="2" charset="77"/>
-              </a:rPr>
-              <a:t>Aaron</a:t>
-            </a:r>
-          </a:p>
-          <a:p>
-            <a:r>
-              <a:rPr lang="en-US" dirty="0">
-                <a:solidFill>
-                  <a:srgbClr val="000000"/>
-                </a:solidFill>
-                <a:latin typeface="Monaco" pitchFamily="2" charset="77"/>
-              </a:rPr>
-              <a:t>Aaronic</a:t>
-            </a:r>
-          </a:p>
-          <a:p>
-            <a:r>
-              <a:rPr lang="en-US" dirty="0" err="1">
-                <a:solidFill>
-                  <a:srgbClr val="000000"/>
-                </a:solidFill>
-                <a:latin typeface="Monaco" pitchFamily="2" charset="77"/>
-              </a:rPr>
-              <a:t>Aaronical</a:t>
-            </a:r>
-            <a:endParaRPr lang="en-US" dirty="0">
-              <a:solidFill>
-                <a:srgbClr val="000000"/>
-              </a:solidFill>
-              <a:latin typeface="Monaco" pitchFamily="2" charset="77"/>
-            </a:endParaRPr>
-          </a:p>
-          <a:p>
-            <a:r>
-              <a:rPr lang="en-US" dirty="0">
-                <a:solidFill>
-                  <a:srgbClr val="000000"/>
-                </a:solidFill>
-                <a:effectLst/>
-                <a:latin typeface="Monaco" pitchFamily="2" charset="77"/>
-              </a:rPr>
-              <a:t>…</a:t>
-            </a:r>
-          </a:p>
-        </p:txBody>
-      </p:sp>
-    </p:spTree>
-    <p:extLst>
-      <p:ext uri="{BB962C8B-B14F-4D97-AF65-F5344CB8AC3E}">
-        <p14:creationId xmlns:p14="http://schemas.microsoft.com/office/powerpoint/2010/main" val="3436461503"/>
-      </p:ext>
-    </p:extLst>
-  </p:cSld>
-  <p:clrMapOvr>
-    <a:masterClrMapping/>
-  </p:clrMapOvr>
-</p:sld>
-</file>
-
-<file path=ppt/slides/slide19.xml><?xml version="1.0" encoding="utf-8"?>
-<p:sld xmlns:a="http://schemas.openxmlformats.org/drawingml/2006/main" xmlns:r="http://schemas.openxmlformats.org/officeDocument/2006/relationships" xmlns:p="http://schemas.openxmlformats.org/presentationml/2006/main">
-  <p:cSld>
-    <p:spTree>
-      <p:nvGrpSpPr>
-        <p:cNvPr id="1" name=""/>
-        <p:cNvGrpSpPr/>
-        <p:nvPr/>
-      </p:nvGrpSpPr>
-      <p:grpSpPr>
-        <a:xfrm>
-          <a:off x="0" y="0"/>
-          <a:ext cx="0" cy="0"/>
-          <a:chOff x="0" y="0"/>
-          <a:chExt cx="0" cy="0"/>
-        </a:xfrm>
-      </p:grpSpPr>
-      <p:sp>
-        <p:nvSpPr>
-          <p:cNvPr id="2" name="Title 1">
-            <a:extLst>
-              <a:ext uri="{FF2B5EF4-FFF2-40B4-BE49-F238E27FC236}">
-                <a16:creationId xmlns:a16="http://schemas.microsoft.com/office/drawing/2014/main" id="{75EA49D3-0D3B-1C4C-ACF3-C67C08F637C8}"/>
-              </a:ext>
-            </a:extLst>
-          </p:cNvPr>
-          <p:cNvSpPr>
-            <a:spLocks noGrp="1"/>
-          </p:cNvSpPr>
-          <p:nvPr>
-            <p:ph type="title"/>
-          </p:nvPr>
-        </p:nvSpPr>
-        <p:spPr>
-          <a:xfrm>
-            <a:off x="838200" y="365125"/>
-            <a:ext cx="11353800" cy="1325563"/>
-          </a:xfrm>
-        </p:spPr>
+        <p:spPr/>
         <p:txBody>
           <a:bodyPr/>
           <a:lstStyle/>
           <a:p>
             <a:r>
-              <a:rPr lang="en-US" b="1" dirty="0"/>
-              <a:t>Exercise</a:t>
-            </a:r>
-            <a:r>
-              <a:rPr lang="en-US" dirty="0"/>
-              <a:t>: Build </a:t>
-            </a:r>
-            <a:r>
-              <a:rPr lang="en-US" dirty="0" err="1"/>
-              <a:t>Trie</a:t>
-            </a:r>
-            <a:r>
-              <a:rPr lang="en-US" dirty="0"/>
-              <a:t> from dictionary of words</a:t>
-            </a:r>
-          </a:p>
-        </p:txBody>
-      </p:sp>
-      <p:sp>
-        <p:nvSpPr>
-          <p:cNvPr id="3" name="Content Placeholder 2">
-            <a:extLst>
-              <a:ext uri="{FF2B5EF4-FFF2-40B4-BE49-F238E27FC236}">
-                <a16:creationId xmlns:a16="http://schemas.microsoft.com/office/drawing/2014/main" id="{E4C7E417-9DFA-CE45-979D-F475A80168FB}"/>
-              </a:ext>
-            </a:extLst>
-          </p:cNvPr>
-          <p:cNvSpPr>
-            <a:spLocks noGrp="1"/>
-          </p:cNvSpPr>
-          <p:nvPr>
-            <p:ph idx="1"/>
-          </p:nvPr>
-        </p:nvSpPr>
-        <p:spPr/>
-        <p:txBody>
-          <a:bodyPr/>
-          <a:lstStyle/>
-          <a:p>
-            <a:r>
-              <a:rPr lang="en-US" dirty="0"/>
-              <a:t>From searching notebook, get </a:t>
-            </a:r>
-            <a:r>
-              <a:rPr lang="en-US" dirty="0" err="1"/>
-              <a:t>Trie</a:t>
-            </a:r>
-            <a:r>
-              <a:rPr lang="en-US" dirty="0"/>
-              <a:t> implementation</a:t>
-            </a:r>
-          </a:p>
-          <a:p>
-            <a:r>
-              <a:rPr lang="en-US" dirty="0"/>
-              <a:t>Add each word to a </a:t>
+              <a:rPr lang="en-US" dirty="0"/>
+              <a:t>Create a </a:t>
             </a:r>
             <a:r>
               <a:rPr lang="en-US" dirty="0" err="1"/>
@@ -7852,13 +7448,13 @@
             </a:r>
             <a:r>
               <a:rPr lang="en-US" dirty="0"/>
-              <a:t>, which takes about 7s on my machine</a:t>
-            </a:r>
-          </a:p>
-          <a:p>
-            <a:r>
-              <a:rPr lang="en-US" dirty="0"/>
-              <a:t>Search the </a:t>
+              <a:t> again from the word list</a:t>
+            </a:r>
+          </a:p>
+          <a:p>
+            <a:r>
+              <a:rPr lang="en-US" dirty="0"/>
+              <a:t>Write a function that prints all words in </a:t>
             </a:r>
             <a:r>
               <a:rPr lang="en-US" dirty="0" err="1"/>
@@ -7866,549 +7462,13 @@
             </a:r>
             <a:r>
               <a:rPr lang="en-US" dirty="0"/>
-              <a:t> for each of 235,886 words; takes 0.70s for me!!</a:t>
-            </a:r>
-          </a:p>
-          <a:p>
-            <a:r>
-              <a:rPr lang="en-US" dirty="0"/>
-              <a:t>Rejoice in your new super powers</a:t>
-            </a:r>
-          </a:p>
-          <a:p>
-            <a:r>
-              <a:rPr lang="en-US" dirty="0"/>
-              <a:t>Cool interview question/task:</a:t>
-            </a:r>
-            <a:br>
-              <a:rPr lang="en-US" dirty="0"/>
-            </a:br>
-            <a:r>
-              <a:rPr lang="en-US" dirty="0"/>
-              <a:t>How can you do fast spell checking on big documents?</a:t>
-            </a:r>
-          </a:p>
-        </p:txBody>
-      </p:sp>
-      <p:sp>
-        <p:nvSpPr>
-          <p:cNvPr id="4" name="TextBox 3">
-            <a:extLst>
-              <a:ext uri="{FF2B5EF4-FFF2-40B4-BE49-F238E27FC236}">
-                <a16:creationId xmlns:a16="http://schemas.microsoft.com/office/drawing/2014/main" id="{47988AE6-331F-864A-963A-42008DA144C2}"/>
-              </a:ext>
-            </a:extLst>
-          </p:cNvPr>
-          <p:cNvSpPr txBox="1"/>
-          <p:nvPr/>
-        </p:nvSpPr>
-        <p:spPr>
-          <a:xfrm>
-            <a:off x="0" y="6311900"/>
-            <a:ext cx="8097088" cy="369332"/>
-          </a:xfrm>
-          <a:prstGeom prst="rect">
-            <a:avLst/>
-          </a:prstGeom>
-          <a:noFill/>
-        </p:spPr>
-        <p:txBody>
-          <a:bodyPr wrap="none" rtlCol="0">
-            <a:spAutoFit/>
-          </a:bodyPr>
-          <a:lstStyle/>
-          <a:p>
-            <a:r>
-              <a:rPr lang="en-US" dirty="0"/>
-              <a:t>See solution </a:t>
-            </a:r>
-            <a:r>
-              <a:rPr lang="en-US" dirty="0">
-                <a:hlinkClick r:id="rId2"/>
-              </a:rPr>
-              <a:t>https://github.com/parrt/msds689/blob/master/notes/code/</a:t>
-            </a:r>
-            <a:r>
-              <a:rPr lang="en-US" dirty="0" err="1">
-                <a:hlinkClick r:id="rId2"/>
-              </a:rPr>
-              <a:t>trie.py</a:t>
-            </a:r>
-            <a:endParaRPr lang="en-US" dirty="0"/>
-          </a:p>
-        </p:txBody>
-      </p:sp>
-    </p:spTree>
-    <p:extLst>
-      <p:ext uri="{BB962C8B-B14F-4D97-AF65-F5344CB8AC3E}">
-        <p14:creationId xmlns:p14="http://schemas.microsoft.com/office/powerpoint/2010/main" val="3412567043"/>
-      </p:ext>
-    </p:extLst>
-  </p:cSld>
-  <p:clrMapOvr>
-    <a:masterClrMapping/>
-  </p:clrMapOvr>
-</p:sld>
-</file>
-
-<file path=ppt/slides/slide2.xml><?xml version="1.0" encoding="utf-8"?>
-<p:sld xmlns:a="http://schemas.openxmlformats.org/drawingml/2006/main" xmlns:r="http://schemas.openxmlformats.org/officeDocument/2006/relationships" xmlns:p="http://schemas.openxmlformats.org/presentationml/2006/main">
-  <p:cSld>
-    <p:spTree>
-      <p:nvGrpSpPr>
-        <p:cNvPr id="1" name=""/>
-        <p:cNvGrpSpPr/>
-        <p:nvPr/>
-      </p:nvGrpSpPr>
-      <p:grpSpPr>
-        <a:xfrm>
-          <a:off x="0" y="0"/>
-          <a:ext cx="0" cy="0"/>
-          <a:chOff x="0" y="0"/>
-          <a:chExt cx="0" cy="0"/>
-        </a:xfrm>
-      </p:grpSpPr>
-      <p:sp>
-        <p:nvSpPr>
-          <p:cNvPr id="2" name="Title 1">
-            <a:extLst>
-              <a:ext uri="{FF2B5EF4-FFF2-40B4-BE49-F238E27FC236}">
-                <a16:creationId xmlns:a16="http://schemas.microsoft.com/office/drawing/2014/main" id="{ED798003-BDB8-ED43-9E87-05960D700963}"/>
-              </a:ext>
-            </a:extLst>
-          </p:cNvPr>
-          <p:cNvSpPr>
-            <a:spLocks noGrp="1"/>
-          </p:cNvSpPr>
-          <p:nvPr>
-            <p:ph type="title"/>
-          </p:nvPr>
-        </p:nvSpPr>
-        <p:spPr>
-          <a:xfrm>
-            <a:off x="359596" y="365125"/>
-            <a:ext cx="11281024" cy="1325563"/>
-          </a:xfrm>
-        </p:spPr>
-        <p:txBody>
-          <a:bodyPr/>
-          <a:lstStyle/>
-          <a:p>
-            <a:r>
-              <a:rPr lang="en-US" dirty="0"/>
-              <a:t>Common searching/membership strategies</a:t>
-            </a:r>
-          </a:p>
-        </p:txBody>
-      </p:sp>
-      <p:sp>
-        <p:nvSpPr>
-          <p:cNvPr id="3" name="Content Placeholder 2">
-            <a:extLst>
-              <a:ext uri="{FF2B5EF4-FFF2-40B4-BE49-F238E27FC236}">
-                <a16:creationId xmlns:a16="http://schemas.microsoft.com/office/drawing/2014/main" id="{5EB237E2-4FB5-FC4B-937F-D3E170BA652A}"/>
-              </a:ext>
-            </a:extLst>
-          </p:cNvPr>
-          <p:cNvSpPr>
-            <a:spLocks noGrp="1"/>
-          </p:cNvSpPr>
-          <p:nvPr>
-            <p:ph idx="1"/>
-          </p:nvPr>
-        </p:nvSpPr>
-        <p:spPr>
-          <a:xfrm>
-            <a:off x="1357744" y="1825625"/>
-            <a:ext cx="9996055" cy="4351338"/>
-          </a:xfrm>
-        </p:spPr>
-        <p:txBody>
-          <a:bodyPr>
-            <a:normAutofit/>
-          </a:bodyPr>
-          <a:lstStyle/>
-          <a:p>
-            <a:r>
-              <a:rPr lang="en-US" b="1" dirty="0"/>
-              <a:t>linear</a:t>
-            </a:r>
-            <a:r>
-              <a:rPr lang="en-US" dirty="0"/>
-              <a:t>: scan data structure looking for element(s)</a:t>
-            </a:r>
-          </a:p>
-          <a:p>
-            <a:r>
-              <a:rPr lang="en-US" b="1" dirty="0"/>
-              <a:t>binary search</a:t>
-            </a:r>
-            <a:r>
-              <a:rPr lang="en-US" dirty="0"/>
-              <a:t>: if in array and sorted, split recursively in half</a:t>
-            </a:r>
-          </a:p>
-          <a:p>
-            <a:r>
-              <a:rPr lang="en-US" b="1" dirty="0"/>
-              <a:t>binary search tree</a:t>
-            </a:r>
-            <a:r>
-              <a:rPr lang="en-US" dirty="0"/>
-              <a:t>: subtree to left has elements less than current node and subtree to right has elements greater than</a:t>
-            </a:r>
-          </a:p>
-          <a:p>
-            <a:r>
-              <a:rPr lang="en-US" b="1" dirty="0"/>
-              <a:t>hash table</a:t>
-            </a:r>
-            <a:r>
-              <a:rPr lang="en-US" dirty="0"/>
-              <a:t>: function maps key to bucket, linear search in bucket; recall search index project from MSDS692; for word search, not arbitrary string search in document(s)</a:t>
-            </a:r>
-          </a:p>
-          <a:p>
-            <a:r>
-              <a:rPr lang="en-US" b="1" dirty="0"/>
-              <a:t>state machines </a:t>
-            </a:r>
-            <a:r>
-              <a:rPr lang="en-US" dirty="0"/>
-              <a:t>(graphs)</a:t>
-            </a:r>
-          </a:p>
-        </p:txBody>
-      </p:sp>
-      <p:sp>
-        <p:nvSpPr>
-          <p:cNvPr id="4" name="TextBox 3"/>
-          <p:cNvSpPr txBox="1"/>
-          <p:nvPr/>
-        </p:nvSpPr>
-        <p:spPr>
-          <a:xfrm>
-            <a:off x="631251" y="1873944"/>
-            <a:ext cx="838691" cy="369332"/>
-          </a:xfrm>
-          <a:prstGeom prst="rect">
-            <a:avLst/>
-          </a:prstGeom>
-          <a:noFill/>
-        </p:spPr>
-        <p:txBody>
-          <a:bodyPr wrap="none" rtlCol="0">
-            <a:spAutoFit/>
-          </a:bodyPr>
-          <a:lstStyle/>
-          <a:p>
-            <a:r>
-              <a:rPr lang="en-US" i="1" dirty="0"/>
-              <a:t>O(</a:t>
-            </a:r>
-            <a:r>
-              <a:rPr lang="en-US" i="1" dirty="0" err="1"/>
-              <a:t>mn</a:t>
-            </a:r>
-            <a:r>
-              <a:rPr lang="en-US" i="1" dirty="0"/>
-              <a:t>)</a:t>
-            </a:r>
-          </a:p>
-        </p:txBody>
-      </p:sp>
-      <p:sp>
-        <p:nvSpPr>
-          <p:cNvPr id="5" name="TextBox 4"/>
-          <p:cNvSpPr txBox="1"/>
-          <p:nvPr/>
-        </p:nvSpPr>
-        <p:spPr>
-          <a:xfrm>
-            <a:off x="248145" y="2367376"/>
-            <a:ext cx="1300356" cy="369332"/>
-          </a:xfrm>
-          <a:prstGeom prst="rect">
-            <a:avLst/>
-          </a:prstGeom>
-          <a:noFill/>
-        </p:spPr>
-        <p:txBody>
-          <a:bodyPr wrap="none" rtlCol="0">
-            <a:spAutoFit/>
-          </a:bodyPr>
-          <a:lstStyle/>
-          <a:p>
-            <a:r>
-              <a:rPr lang="en-US" i="1" dirty="0"/>
-              <a:t>O(</a:t>
-            </a:r>
-            <a:r>
-              <a:rPr lang="en-US" i="1" dirty="0" err="1"/>
-              <a:t>mlog</a:t>
-            </a:r>
-            <a:r>
-              <a:rPr lang="en-US" i="1" dirty="0"/>
-              <a:t>(n))</a:t>
-            </a:r>
-          </a:p>
-        </p:txBody>
-      </p:sp>
-      <p:sp>
-        <p:nvSpPr>
-          <p:cNvPr id="6" name="TextBox 5"/>
-          <p:cNvSpPr txBox="1"/>
-          <p:nvPr/>
-        </p:nvSpPr>
-        <p:spPr>
-          <a:xfrm>
-            <a:off x="220882" y="2889186"/>
-            <a:ext cx="1300356" cy="369332"/>
-          </a:xfrm>
-          <a:prstGeom prst="rect">
-            <a:avLst/>
-          </a:prstGeom>
-          <a:noFill/>
-        </p:spPr>
-        <p:txBody>
-          <a:bodyPr wrap="none" rtlCol="0">
-            <a:spAutoFit/>
-          </a:bodyPr>
-          <a:lstStyle/>
-          <a:p>
-            <a:r>
-              <a:rPr lang="en-US" i="1" dirty="0"/>
-              <a:t>O(</a:t>
-            </a:r>
-            <a:r>
-              <a:rPr lang="en-US" i="1" dirty="0" err="1"/>
-              <a:t>mlog</a:t>
-            </a:r>
-            <a:r>
-              <a:rPr lang="en-US" i="1" dirty="0"/>
-              <a:t>(n))</a:t>
-            </a:r>
-          </a:p>
-        </p:txBody>
-      </p:sp>
-      <p:sp>
-        <p:nvSpPr>
-          <p:cNvPr id="7" name="TextBox 6"/>
-          <p:cNvSpPr txBox="1"/>
-          <p:nvPr/>
-        </p:nvSpPr>
-        <p:spPr>
-          <a:xfrm>
-            <a:off x="745426" y="3778737"/>
-            <a:ext cx="710451" cy="369332"/>
-          </a:xfrm>
-          <a:prstGeom prst="rect">
-            <a:avLst/>
-          </a:prstGeom>
-          <a:noFill/>
-        </p:spPr>
-        <p:txBody>
-          <a:bodyPr wrap="none" rtlCol="0">
-            <a:spAutoFit/>
-          </a:bodyPr>
-          <a:lstStyle/>
-          <a:p>
-            <a:r>
-              <a:rPr lang="en-US" i="1" dirty="0"/>
-              <a:t>O(m)</a:t>
-            </a:r>
-          </a:p>
-        </p:txBody>
-      </p:sp>
-      <p:sp>
-        <p:nvSpPr>
-          <p:cNvPr id="8" name="TextBox 7"/>
-          <p:cNvSpPr txBox="1"/>
-          <p:nvPr/>
-        </p:nvSpPr>
-        <p:spPr>
-          <a:xfrm>
-            <a:off x="745064" y="5044571"/>
-            <a:ext cx="710451" cy="369332"/>
-          </a:xfrm>
-          <a:prstGeom prst="rect">
-            <a:avLst/>
-          </a:prstGeom>
-          <a:noFill/>
-        </p:spPr>
-        <p:txBody>
-          <a:bodyPr wrap="none" rtlCol="0">
-            <a:spAutoFit/>
-          </a:bodyPr>
-          <a:lstStyle/>
-          <a:p>
-            <a:r>
-              <a:rPr lang="en-US" i="1" dirty="0"/>
-              <a:t>O(m)</a:t>
-            </a:r>
-          </a:p>
-        </p:txBody>
-      </p:sp>
-      <p:sp>
-        <p:nvSpPr>
-          <p:cNvPr id="10" name="TextBox 9"/>
-          <p:cNvSpPr txBox="1"/>
-          <p:nvPr/>
-        </p:nvSpPr>
-        <p:spPr>
-          <a:xfrm>
-            <a:off x="13103" y="6326669"/>
-            <a:ext cx="8045792" cy="369332"/>
-          </a:xfrm>
-          <a:prstGeom prst="rect">
-            <a:avLst/>
-          </a:prstGeom>
-          <a:noFill/>
-        </p:spPr>
-        <p:txBody>
-          <a:bodyPr wrap="none" rtlCol="0">
-            <a:spAutoFit/>
-          </a:bodyPr>
-          <a:lstStyle/>
-          <a:p>
-            <a:r>
-              <a:rPr lang="en-US" i="1" dirty="0"/>
-              <a:t>m</a:t>
-            </a:r>
-            <a:r>
-              <a:rPr lang="en-US" dirty="0"/>
-              <a:t> = length of search string, </a:t>
-            </a:r>
-            <a:r>
-              <a:rPr lang="en-US" i="1" dirty="0"/>
-              <a:t>n</a:t>
-            </a:r>
-            <a:r>
-              <a:rPr lang="en-US" dirty="0"/>
-              <a:t> vocab size, unit of work = character comparison</a:t>
-            </a:r>
-          </a:p>
-        </p:txBody>
-      </p:sp>
-    </p:spTree>
-    <p:extLst>
-      <p:ext uri="{BB962C8B-B14F-4D97-AF65-F5344CB8AC3E}">
-        <p14:creationId xmlns:p14="http://schemas.microsoft.com/office/powerpoint/2010/main" val="311062004"/>
-      </p:ext>
-    </p:extLst>
-  </p:cSld>
-  <p:clrMapOvr>
-    <a:masterClrMapping/>
-  </p:clrMapOvr>
-</p:sld>
-</file>
-
-<file path=ppt/slides/slide20.xml><?xml version="1.0" encoding="utf-8"?>
-<p:sld xmlns:a="http://schemas.openxmlformats.org/drawingml/2006/main" xmlns:r="http://schemas.openxmlformats.org/officeDocument/2006/relationships" xmlns:p="http://schemas.openxmlformats.org/presentationml/2006/main">
-  <p:cSld>
-    <p:spTree>
-      <p:nvGrpSpPr>
-        <p:cNvPr id="1" name=""/>
-        <p:cNvGrpSpPr/>
-        <p:nvPr/>
-      </p:nvGrpSpPr>
-      <p:grpSpPr>
-        <a:xfrm>
-          <a:off x="0" y="0"/>
-          <a:ext cx="0" cy="0"/>
-          <a:chOff x="0" y="0"/>
-          <a:chExt cx="0" cy="0"/>
-        </a:xfrm>
-      </p:grpSpPr>
-      <p:sp>
-        <p:nvSpPr>
-          <p:cNvPr id="2" name="Title 1">
-            <a:extLst>
-              <a:ext uri="{FF2B5EF4-FFF2-40B4-BE49-F238E27FC236}">
-                <a16:creationId xmlns:a16="http://schemas.microsoft.com/office/drawing/2014/main" id="{5FDA5814-1DAA-984F-BA1F-463EB89ED728}"/>
-              </a:ext>
-            </a:extLst>
-          </p:cNvPr>
-          <p:cNvSpPr>
-            <a:spLocks noGrp="1"/>
-          </p:cNvSpPr>
-          <p:nvPr>
-            <p:ph type="title"/>
-          </p:nvPr>
-        </p:nvSpPr>
-        <p:spPr>
-          <a:xfrm>
-            <a:off x="838200" y="365125"/>
-            <a:ext cx="10815536" cy="1325563"/>
-          </a:xfrm>
-        </p:spPr>
-        <p:txBody>
-          <a:bodyPr/>
-          <a:lstStyle/>
-          <a:p>
-            <a:r>
-              <a:rPr lang="en-US" b="1" dirty="0"/>
-              <a:t>Exercise</a:t>
-            </a:r>
-            <a:r>
-              <a:rPr lang="en-US" dirty="0"/>
-              <a:t>: find all words starting with prefix</a:t>
-            </a:r>
-          </a:p>
-        </p:txBody>
-      </p:sp>
-      <p:sp>
-        <p:nvSpPr>
-          <p:cNvPr id="3" name="Content Placeholder 2">
-            <a:extLst>
-              <a:ext uri="{FF2B5EF4-FFF2-40B4-BE49-F238E27FC236}">
-                <a16:creationId xmlns:a16="http://schemas.microsoft.com/office/drawing/2014/main" id="{4B4AFF34-0678-764B-B0E8-F54910BC3FE0}"/>
-              </a:ext>
-            </a:extLst>
-          </p:cNvPr>
-          <p:cNvSpPr>
-            <a:spLocks noGrp="1"/>
-          </p:cNvSpPr>
-          <p:nvPr>
-            <p:ph idx="1"/>
-          </p:nvPr>
-        </p:nvSpPr>
-        <p:spPr/>
-        <p:txBody>
-          <a:bodyPr/>
-          <a:lstStyle/>
-          <a:p>
-            <a:r>
-              <a:rPr lang="en-US" dirty="0"/>
-              <a:t>Create a </a:t>
-            </a:r>
-            <a:r>
-              <a:rPr lang="en-US" dirty="0" err="1"/>
-              <a:t>trie</a:t>
-            </a:r>
-            <a:r>
-              <a:rPr lang="en-US" dirty="0"/>
-              <a:t> again from the word list</a:t>
-            </a:r>
-          </a:p>
-          <a:p>
-            <a:r>
-              <a:rPr lang="en-US" dirty="0"/>
-              <a:t>Write a function that prints all words in </a:t>
-            </a:r>
-            <a:r>
-              <a:rPr lang="en-US" dirty="0" err="1"/>
-              <a:t>trie</a:t>
-            </a:r>
-            <a:r>
-              <a:rPr lang="en-US" dirty="0"/>
               <a:t> that begin with a specific prefix like “app”; it should get “apple”, “application”, …</a:t>
             </a:r>
           </a:p>
           <a:p>
             <a:r>
               <a:rPr lang="en-US" dirty="0"/>
-              <a:t>How would this work</a:t>
+              <a:t>How would this work?</a:t>
             </a:r>
           </a:p>
           <a:p>
@@ -8519,7 +7579,7 @@
 </p:sld>
 </file>
 
-<file path=ppt/slides/slide21.xml><?xml version="1.0" encoding="utf-8"?>
+<file path=ppt/slides/slide19.xml><?xml version="1.0" encoding="utf-8"?>
 <p:sld xmlns:a="http://schemas.openxmlformats.org/drawingml/2006/main" xmlns:r="http://schemas.openxmlformats.org/officeDocument/2006/relationships" xmlns:p="http://schemas.openxmlformats.org/presentationml/2006/main">
   <p:cSld>
     <p:spTree>
@@ -8699,7 +7759,359 @@
 </p:sld>
 </file>
 
-<file path=ppt/slides/slide22.xml><?xml version="1.0" encoding="utf-8"?>
+<file path=ppt/slides/slide2.xml><?xml version="1.0" encoding="utf-8"?>
+<p:sld xmlns:a="http://schemas.openxmlformats.org/drawingml/2006/main" xmlns:r="http://schemas.openxmlformats.org/officeDocument/2006/relationships" xmlns:p="http://schemas.openxmlformats.org/presentationml/2006/main">
+  <p:cSld>
+    <p:spTree>
+      <p:nvGrpSpPr>
+        <p:cNvPr id="1" name=""/>
+        <p:cNvGrpSpPr/>
+        <p:nvPr/>
+      </p:nvGrpSpPr>
+      <p:grpSpPr>
+        <a:xfrm>
+          <a:off x="0" y="0"/>
+          <a:ext cx="0" cy="0"/>
+          <a:chOff x="0" y="0"/>
+          <a:chExt cx="0" cy="0"/>
+        </a:xfrm>
+      </p:grpSpPr>
+      <p:sp>
+        <p:nvSpPr>
+          <p:cNvPr id="2" name="Title 1">
+            <a:extLst>
+              <a:ext uri="{FF2B5EF4-FFF2-40B4-BE49-F238E27FC236}">
+                <a16:creationId xmlns:a16="http://schemas.microsoft.com/office/drawing/2014/main" id="{ED798003-BDB8-ED43-9E87-05960D700963}"/>
+              </a:ext>
+            </a:extLst>
+          </p:cNvPr>
+          <p:cNvSpPr>
+            <a:spLocks noGrp="1"/>
+          </p:cNvSpPr>
+          <p:nvPr>
+            <p:ph type="title"/>
+          </p:nvPr>
+        </p:nvSpPr>
+        <p:spPr>
+          <a:xfrm>
+            <a:off x="359596" y="365125"/>
+            <a:ext cx="11281024" cy="1325563"/>
+          </a:xfrm>
+        </p:spPr>
+        <p:txBody>
+          <a:bodyPr/>
+          <a:lstStyle/>
+          <a:p>
+            <a:r>
+              <a:rPr lang="en-US" dirty="0"/>
+              <a:t>Common searching/membership strategies</a:t>
+            </a:r>
+          </a:p>
+        </p:txBody>
+      </p:sp>
+      <p:sp>
+        <p:nvSpPr>
+          <p:cNvPr id="3" name="Content Placeholder 2">
+            <a:extLst>
+              <a:ext uri="{FF2B5EF4-FFF2-40B4-BE49-F238E27FC236}">
+                <a16:creationId xmlns:a16="http://schemas.microsoft.com/office/drawing/2014/main" id="{5EB237E2-4FB5-FC4B-937F-D3E170BA652A}"/>
+              </a:ext>
+            </a:extLst>
+          </p:cNvPr>
+          <p:cNvSpPr>
+            <a:spLocks noGrp="1"/>
+          </p:cNvSpPr>
+          <p:nvPr>
+            <p:ph idx="1"/>
+          </p:nvPr>
+        </p:nvSpPr>
+        <p:spPr>
+          <a:xfrm>
+            <a:off x="1357744" y="1825625"/>
+            <a:ext cx="9996055" cy="4351338"/>
+          </a:xfrm>
+        </p:spPr>
+        <p:txBody>
+          <a:bodyPr>
+            <a:normAutofit/>
+          </a:bodyPr>
+          <a:lstStyle/>
+          <a:p>
+            <a:r>
+              <a:rPr lang="en-US" b="1" dirty="0"/>
+              <a:t>linear</a:t>
+            </a:r>
+            <a:r>
+              <a:rPr lang="en-US" dirty="0"/>
+              <a:t>: scan data structure looking for element(s)</a:t>
+            </a:r>
+          </a:p>
+          <a:p>
+            <a:r>
+              <a:rPr lang="en-US" b="1" dirty="0"/>
+              <a:t>binary search</a:t>
+            </a:r>
+            <a:r>
+              <a:rPr lang="en-US" dirty="0"/>
+              <a:t>: if in array and sorted, split recursively in half</a:t>
+            </a:r>
+          </a:p>
+          <a:p>
+            <a:r>
+              <a:rPr lang="en-US" b="1" dirty="0"/>
+              <a:t>binary search tree</a:t>
+            </a:r>
+            <a:r>
+              <a:rPr lang="en-US" dirty="0"/>
+              <a:t>: subtree to left has elements less than current node and subtree to right has elements greater than</a:t>
+            </a:r>
+          </a:p>
+          <a:p>
+            <a:r>
+              <a:rPr lang="en-US" b="1" dirty="0"/>
+              <a:t>hash table</a:t>
+            </a:r>
+            <a:r>
+              <a:rPr lang="en-US" dirty="0"/>
+              <a:t>: function maps key to bucket, linear search in bucket; recall search index project from MSDS692; for word search, not arbitrary string search in document(s)</a:t>
+            </a:r>
+          </a:p>
+          <a:p>
+            <a:r>
+              <a:rPr lang="en-US" b="1" dirty="0"/>
+              <a:t>state machines </a:t>
+            </a:r>
+            <a:r>
+              <a:rPr lang="en-US" dirty="0"/>
+              <a:t>(graphs)</a:t>
+            </a:r>
+          </a:p>
+        </p:txBody>
+      </p:sp>
+      <p:sp>
+        <p:nvSpPr>
+          <p:cNvPr id="4" name="TextBox 3"/>
+          <p:cNvSpPr txBox="1"/>
+          <p:nvPr/>
+        </p:nvSpPr>
+        <p:spPr>
+          <a:xfrm>
+            <a:off x="631251" y="1873944"/>
+            <a:ext cx="838691" cy="369332"/>
+          </a:xfrm>
+          <a:prstGeom prst="rect">
+            <a:avLst/>
+          </a:prstGeom>
+          <a:noFill/>
+        </p:spPr>
+        <p:txBody>
+          <a:bodyPr wrap="none" rtlCol="0">
+            <a:spAutoFit/>
+          </a:bodyPr>
+          <a:lstStyle/>
+          <a:p>
+            <a:r>
+              <a:rPr lang="en-US" i="1" dirty="0"/>
+              <a:t>O(</a:t>
+            </a:r>
+            <a:r>
+              <a:rPr lang="en-US" i="1" dirty="0" err="1"/>
+              <a:t>mn</a:t>
+            </a:r>
+            <a:r>
+              <a:rPr lang="en-US" i="1" dirty="0"/>
+              <a:t>)</a:t>
+            </a:r>
+          </a:p>
+        </p:txBody>
+      </p:sp>
+      <p:sp>
+        <p:nvSpPr>
+          <p:cNvPr id="5" name="TextBox 4"/>
+          <p:cNvSpPr txBox="1"/>
+          <p:nvPr/>
+        </p:nvSpPr>
+        <p:spPr>
+          <a:xfrm>
+            <a:off x="248145" y="2367376"/>
+            <a:ext cx="1300356" cy="369332"/>
+          </a:xfrm>
+          <a:prstGeom prst="rect">
+            <a:avLst/>
+          </a:prstGeom>
+          <a:noFill/>
+        </p:spPr>
+        <p:txBody>
+          <a:bodyPr wrap="none" rtlCol="0">
+            <a:spAutoFit/>
+          </a:bodyPr>
+          <a:lstStyle/>
+          <a:p>
+            <a:r>
+              <a:rPr lang="en-US" i="1" dirty="0"/>
+              <a:t>O(</a:t>
+            </a:r>
+            <a:r>
+              <a:rPr lang="en-US" i="1" dirty="0" err="1"/>
+              <a:t>mlog</a:t>
+            </a:r>
+            <a:r>
+              <a:rPr lang="en-US" i="1" dirty="0"/>
+              <a:t>(n))</a:t>
+            </a:r>
+          </a:p>
+        </p:txBody>
+      </p:sp>
+      <p:sp>
+        <p:nvSpPr>
+          <p:cNvPr id="6" name="TextBox 5"/>
+          <p:cNvSpPr txBox="1"/>
+          <p:nvPr/>
+        </p:nvSpPr>
+        <p:spPr>
+          <a:xfrm>
+            <a:off x="220882" y="2889186"/>
+            <a:ext cx="1300356" cy="369332"/>
+          </a:xfrm>
+          <a:prstGeom prst="rect">
+            <a:avLst/>
+          </a:prstGeom>
+          <a:noFill/>
+        </p:spPr>
+        <p:txBody>
+          <a:bodyPr wrap="none" rtlCol="0">
+            <a:spAutoFit/>
+          </a:bodyPr>
+          <a:lstStyle/>
+          <a:p>
+            <a:r>
+              <a:rPr lang="en-US" i="1" dirty="0"/>
+              <a:t>O(</a:t>
+            </a:r>
+            <a:r>
+              <a:rPr lang="en-US" i="1" dirty="0" err="1"/>
+              <a:t>mlog</a:t>
+            </a:r>
+            <a:r>
+              <a:rPr lang="en-US" i="1" dirty="0"/>
+              <a:t>(n))</a:t>
+            </a:r>
+          </a:p>
+        </p:txBody>
+      </p:sp>
+      <p:sp>
+        <p:nvSpPr>
+          <p:cNvPr id="7" name="TextBox 6"/>
+          <p:cNvSpPr txBox="1"/>
+          <p:nvPr/>
+        </p:nvSpPr>
+        <p:spPr>
+          <a:xfrm>
+            <a:off x="745426" y="3778737"/>
+            <a:ext cx="710451" cy="369332"/>
+          </a:xfrm>
+          <a:prstGeom prst="rect">
+            <a:avLst/>
+          </a:prstGeom>
+          <a:noFill/>
+        </p:spPr>
+        <p:txBody>
+          <a:bodyPr wrap="none" rtlCol="0">
+            <a:spAutoFit/>
+          </a:bodyPr>
+          <a:lstStyle/>
+          <a:p>
+            <a:r>
+              <a:rPr lang="en-US" i="1" dirty="0"/>
+              <a:t>O(m)</a:t>
+            </a:r>
+          </a:p>
+        </p:txBody>
+      </p:sp>
+      <p:sp>
+        <p:nvSpPr>
+          <p:cNvPr id="8" name="TextBox 7"/>
+          <p:cNvSpPr txBox="1"/>
+          <p:nvPr/>
+        </p:nvSpPr>
+        <p:spPr>
+          <a:xfrm>
+            <a:off x="745064" y="5044571"/>
+            <a:ext cx="710451" cy="369332"/>
+          </a:xfrm>
+          <a:prstGeom prst="rect">
+            <a:avLst/>
+          </a:prstGeom>
+          <a:noFill/>
+        </p:spPr>
+        <p:txBody>
+          <a:bodyPr wrap="none" rtlCol="0">
+            <a:spAutoFit/>
+          </a:bodyPr>
+          <a:lstStyle/>
+          <a:p>
+            <a:r>
+              <a:rPr lang="en-US" i="1" dirty="0"/>
+              <a:t>O(m)</a:t>
+            </a:r>
+          </a:p>
+        </p:txBody>
+      </p:sp>
+      <p:sp>
+        <p:nvSpPr>
+          <p:cNvPr id="10" name="TextBox 9"/>
+          <p:cNvSpPr txBox="1"/>
+          <p:nvPr/>
+        </p:nvSpPr>
+        <p:spPr>
+          <a:xfrm>
+            <a:off x="13103" y="6326669"/>
+            <a:ext cx="8045792" cy="369332"/>
+          </a:xfrm>
+          <a:prstGeom prst="rect">
+            <a:avLst/>
+          </a:prstGeom>
+          <a:noFill/>
+        </p:spPr>
+        <p:txBody>
+          <a:bodyPr wrap="none" rtlCol="0">
+            <a:spAutoFit/>
+          </a:bodyPr>
+          <a:lstStyle/>
+          <a:p>
+            <a:r>
+              <a:rPr lang="en-US" i="1" dirty="0"/>
+              <a:t>m</a:t>
+            </a:r>
+            <a:r>
+              <a:rPr lang="en-US" dirty="0"/>
+              <a:t> = length of search string, </a:t>
+            </a:r>
+            <a:r>
+              <a:rPr lang="en-US" i="1" dirty="0"/>
+              <a:t>n</a:t>
+            </a:r>
+            <a:r>
+              <a:rPr lang="en-US" dirty="0"/>
+              <a:t> vocab size, unit of work = character comparison</a:t>
+            </a:r>
+          </a:p>
+        </p:txBody>
+      </p:sp>
+    </p:spTree>
+    <p:extLst>
+      <p:ext uri="{BB962C8B-B14F-4D97-AF65-F5344CB8AC3E}">
+        <p14:creationId xmlns:p14="http://schemas.microsoft.com/office/powerpoint/2010/main" val="311062004"/>
+      </p:ext>
+    </p:extLst>
+  </p:cSld>
+  <p:clrMapOvr>
+    <a:masterClrMapping/>
+  </p:clrMapOvr>
+</p:sld>
+</file>
+
+<file path=ppt/slides/slide20.xml><?xml version="1.0" encoding="utf-8"?>
 <p:sld xmlns:a="http://schemas.openxmlformats.org/drawingml/2006/main" xmlns:r="http://schemas.openxmlformats.org/officeDocument/2006/relationships" xmlns:p="http://schemas.openxmlformats.org/presentationml/2006/main">
   <p:cSld>
     <p:spTree>
@@ -9267,6 +8679,535 @@
 </p:sld>
 </file>
 
+<file path=ppt/slides/slide21.xml><?xml version="1.0" encoding="utf-8"?>
+<p:sld xmlns:a="http://schemas.openxmlformats.org/drawingml/2006/main" xmlns:r="http://schemas.openxmlformats.org/officeDocument/2006/relationships" xmlns:p="http://schemas.openxmlformats.org/presentationml/2006/main">
+  <p:cSld>
+    <p:spTree>
+      <p:nvGrpSpPr>
+        <p:cNvPr id="1" name=""/>
+        <p:cNvGrpSpPr/>
+        <p:nvPr/>
+      </p:nvGrpSpPr>
+      <p:grpSpPr>
+        <a:xfrm>
+          <a:off x="0" y="0"/>
+          <a:ext cx="0" cy="0"/>
+          <a:chOff x="0" y="0"/>
+          <a:chExt cx="0" cy="0"/>
+        </a:xfrm>
+      </p:grpSpPr>
+      <p:sp>
+        <p:nvSpPr>
+          <p:cNvPr id="2" name="Title 1">
+            <a:extLst>
+              <a:ext uri="{FF2B5EF4-FFF2-40B4-BE49-F238E27FC236}">
+                <a16:creationId xmlns:a16="http://schemas.microsoft.com/office/drawing/2014/main" id="{F1C04A90-D1BD-4D4C-81E7-C991FC2BA43E}"/>
+              </a:ext>
+            </a:extLst>
+          </p:cNvPr>
+          <p:cNvSpPr>
+            <a:spLocks noGrp="1"/>
+          </p:cNvSpPr>
+          <p:nvPr>
+            <p:ph type="title"/>
+          </p:nvPr>
+        </p:nvSpPr>
+        <p:spPr/>
+        <p:txBody>
+          <a:bodyPr/>
+          <a:lstStyle/>
+          <a:p>
+            <a:r>
+              <a:rPr lang="en-US" dirty="0"/>
+              <a:t>Summary</a:t>
+            </a:r>
+          </a:p>
+        </p:txBody>
+      </p:sp>
+      <p:sp>
+        <p:nvSpPr>
+          <p:cNvPr id="3" name="Content Placeholder 2">
+            <a:extLst>
+              <a:ext uri="{FF2B5EF4-FFF2-40B4-BE49-F238E27FC236}">
+                <a16:creationId xmlns:a16="http://schemas.microsoft.com/office/drawing/2014/main" id="{4609F6F5-0E8A-C04C-913B-DE3F9CE0237E}"/>
+              </a:ext>
+            </a:extLst>
+          </p:cNvPr>
+          <p:cNvSpPr>
+            <a:spLocks noGrp="1"/>
+          </p:cNvSpPr>
+          <p:nvPr>
+            <p:ph idx="1"/>
+          </p:nvPr>
+        </p:nvSpPr>
+        <p:spPr/>
+        <p:txBody>
+          <a:bodyPr>
+            <a:normAutofit/>
+          </a:bodyPr>
+          <a:lstStyle/>
+          <a:p>
+            <a:r>
+              <a:rPr lang="en-US" dirty="0"/>
+              <a:t>Lots of ways to search beyond linear and binary search</a:t>
+            </a:r>
+          </a:p>
+          <a:p>
+            <a:r>
+              <a:rPr lang="en-US" dirty="0"/>
+              <a:t>String searching has some really efficient solutions such as Rabin-Karp; idea is to compare hash codes before doing string comparisons and do a rolling hash for the document substrings</a:t>
+            </a:r>
+          </a:p>
+          <a:p>
+            <a:r>
+              <a:rPr lang="en-US" dirty="0"/>
+              <a:t>If we are willing to build a graph data structure in O(nm), the TRIE is pretty hard to beat complexity and performance; looking up a word in the TRIE is O(m) for m-character string!</a:t>
+            </a:r>
+          </a:p>
+          <a:p>
+            <a:r>
+              <a:rPr lang="en-US" dirty="0"/>
+              <a:t>TRIE is just a nested pigeonhole sort turned into a graph</a:t>
+            </a:r>
+          </a:p>
+          <a:p>
+            <a:r>
+              <a:rPr lang="en-US" dirty="0"/>
+              <a:t>Useful as prefix and suffix trees; can find misspelled words</a:t>
+            </a:r>
+          </a:p>
+        </p:txBody>
+      </p:sp>
+      <p:sp>
+        <p:nvSpPr>
+          <p:cNvPr id="4" name="TextBox 3">
+            <a:extLst>
+              <a:ext uri="{FF2B5EF4-FFF2-40B4-BE49-F238E27FC236}">
+                <a16:creationId xmlns:a16="http://schemas.microsoft.com/office/drawing/2014/main" id="{92286838-4D6C-5040-8C4A-7B6024417757}"/>
+              </a:ext>
+            </a:extLst>
+          </p:cNvPr>
+          <p:cNvSpPr txBox="1"/>
+          <p:nvPr/>
+        </p:nvSpPr>
+        <p:spPr>
+          <a:xfrm>
+            <a:off x="223024" y="6299936"/>
+            <a:ext cx="2685351" cy="369332"/>
+          </a:xfrm>
+          <a:prstGeom prst="rect">
+            <a:avLst/>
+          </a:prstGeom>
+          <a:noFill/>
+        </p:spPr>
+        <p:txBody>
+          <a:bodyPr wrap="none" rtlCol="0">
+            <a:spAutoFit/>
+          </a:bodyPr>
+          <a:lstStyle/>
+          <a:p>
+            <a:r>
+              <a:rPr lang="en-US" dirty="0"/>
+              <a:t>Coding exercises next…</a:t>
+            </a:r>
+          </a:p>
+        </p:txBody>
+      </p:sp>
+    </p:spTree>
+    <p:extLst>
+      <p:ext uri="{BB962C8B-B14F-4D97-AF65-F5344CB8AC3E}">
+        <p14:creationId xmlns:p14="http://schemas.microsoft.com/office/powerpoint/2010/main" val="102616959"/>
+      </p:ext>
+    </p:extLst>
+  </p:cSld>
+  <p:clrMapOvr>
+    <a:masterClrMapping/>
+  </p:clrMapOvr>
+</p:sld>
+</file>
+
+<file path=ppt/slides/slide22.xml><?xml version="1.0" encoding="utf-8"?>
+<p:sld xmlns:a="http://schemas.openxmlformats.org/drawingml/2006/main" xmlns:r="http://schemas.openxmlformats.org/officeDocument/2006/relationships" xmlns:p="http://schemas.openxmlformats.org/presentationml/2006/main">
+  <p:cSld>
+    <p:spTree>
+      <p:nvGrpSpPr>
+        <p:cNvPr id="1" name=""/>
+        <p:cNvGrpSpPr/>
+        <p:nvPr/>
+      </p:nvGrpSpPr>
+      <p:grpSpPr>
+        <a:xfrm>
+          <a:off x="0" y="0"/>
+          <a:ext cx="0" cy="0"/>
+          <a:chOff x="0" y="0"/>
+          <a:chExt cx="0" cy="0"/>
+        </a:xfrm>
+      </p:grpSpPr>
+      <p:sp>
+        <p:nvSpPr>
+          <p:cNvPr id="2" name="Title 1">
+            <a:extLst>
+              <a:ext uri="{FF2B5EF4-FFF2-40B4-BE49-F238E27FC236}">
+                <a16:creationId xmlns:a16="http://schemas.microsoft.com/office/drawing/2014/main" id="{8EE0BAE5-7887-254A-94BF-F5E407B231C7}"/>
+              </a:ext>
+            </a:extLst>
+          </p:cNvPr>
+          <p:cNvSpPr>
+            <a:spLocks noGrp="1"/>
+          </p:cNvSpPr>
+          <p:nvPr>
+            <p:ph type="title"/>
+          </p:nvPr>
+        </p:nvSpPr>
+        <p:spPr>
+          <a:xfrm>
+            <a:off x="838200" y="365125"/>
+            <a:ext cx="11353800" cy="1325563"/>
+          </a:xfrm>
+        </p:spPr>
+        <p:txBody>
+          <a:bodyPr/>
+          <a:lstStyle/>
+          <a:p>
+            <a:r>
+              <a:rPr lang="en-US" b="1" dirty="0"/>
+              <a:t>Exercise</a:t>
+            </a:r>
+            <a:r>
+              <a:rPr lang="en-US" dirty="0"/>
+              <a:t>: Brute force dictionary search</a:t>
+            </a:r>
+          </a:p>
+        </p:txBody>
+      </p:sp>
+      <p:sp>
+        <p:nvSpPr>
+          <p:cNvPr id="3" name="Content Placeholder 2">
+            <a:extLst>
+              <a:ext uri="{FF2B5EF4-FFF2-40B4-BE49-F238E27FC236}">
+                <a16:creationId xmlns:a16="http://schemas.microsoft.com/office/drawing/2014/main" id="{B312B095-1A92-4D4E-8DD0-7EC38E69366B}"/>
+              </a:ext>
+            </a:extLst>
+          </p:cNvPr>
+          <p:cNvSpPr>
+            <a:spLocks noGrp="1"/>
+          </p:cNvSpPr>
+          <p:nvPr>
+            <p:ph idx="1"/>
+          </p:nvPr>
+        </p:nvSpPr>
+        <p:spPr>
+          <a:xfrm>
+            <a:off x="838200" y="1825625"/>
+            <a:ext cx="8997176" cy="4351338"/>
+          </a:xfrm>
+        </p:spPr>
+        <p:txBody>
+          <a:bodyPr>
+            <a:normAutofit/>
+          </a:bodyPr>
+          <a:lstStyle/>
+          <a:p>
+            <a:r>
+              <a:rPr lang="en-US" dirty="0"/>
+              <a:t>Load words from </a:t>
+            </a:r>
+            <a:r>
+              <a:rPr lang="en-US" b="1" dirty="0"/>
+              <a:t>/</a:t>
+            </a:r>
+            <a:r>
+              <a:rPr lang="en-US" b="1" dirty="0" err="1"/>
+              <a:t>usr</a:t>
+            </a:r>
+            <a:r>
+              <a:rPr lang="en-US" b="1" dirty="0"/>
+              <a:t>/share/</a:t>
+            </a:r>
+            <a:r>
+              <a:rPr lang="en-US" b="1" dirty="0" err="1"/>
+              <a:t>dict</a:t>
+            </a:r>
+            <a:r>
+              <a:rPr lang="en-US" b="1" dirty="0"/>
+              <a:t>/words</a:t>
+            </a:r>
+            <a:r>
+              <a:rPr lang="en-US" dirty="0"/>
+              <a:t> file (one per line) into list</a:t>
+            </a:r>
+          </a:p>
+          <a:p>
+            <a:r>
+              <a:rPr lang="en-US" dirty="0"/>
+              <a:t>Search for each word in list of words; what is complexity?</a:t>
+            </a:r>
+          </a:p>
+          <a:p>
+            <a:r>
+              <a:rPr lang="en-US" dirty="0"/>
+              <a:t>This takes almost 5 minutes on my fast computer. Ugh</a:t>
+            </a:r>
+          </a:p>
+          <a:p>
+            <a:r>
+              <a:rPr lang="en-US" dirty="0"/>
+              <a:t>For 50k works, takes 13s (still brutally slow)</a:t>
+            </a:r>
+          </a:p>
+        </p:txBody>
+      </p:sp>
+      <p:sp>
+        <p:nvSpPr>
+          <p:cNvPr id="4" name="TextBox 3">
+            <a:extLst>
+              <a:ext uri="{FF2B5EF4-FFF2-40B4-BE49-F238E27FC236}">
+                <a16:creationId xmlns:a16="http://schemas.microsoft.com/office/drawing/2014/main" id="{E52E155C-C5BB-644F-A746-ECFDFF0F305D}"/>
+              </a:ext>
+            </a:extLst>
+          </p:cNvPr>
+          <p:cNvSpPr txBox="1"/>
+          <p:nvPr/>
+        </p:nvSpPr>
+        <p:spPr>
+          <a:xfrm>
+            <a:off x="0" y="6311900"/>
+            <a:ext cx="8097088" cy="369332"/>
+          </a:xfrm>
+          <a:prstGeom prst="rect">
+            <a:avLst/>
+          </a:prstGeom>
+          <a:noFill/>
+        </p:spPr>
+        <p:txBody>
+          <a:bodyPr wrap="none" rtlCol="0">
+            <a:spAutoFit/>
+          </a:bodyPr>
+          <a:lstStyle/>
+          <a:p>
+            <a:r>
+              <a:rPr lang="en-US" dirty="0"/>
+              <a:t>See solution </a:t>
+            </a:r>
+            <a:r>
+              <a:rPr lang="en-US" dirty="0">
+                <a:hlinkClick r:id="rId2"/>
+              </a:rPr>
+              <a:t>https://github.com/parrt/msds689/blob/master/notes/code/trie.py</a:t>
+            </a:r>
+            <a:endParaRPr lang="en-US" dirty="0"/>
+          </a:p>
+        </p:txBody>
+      </p:sp>
+      <p:sp>
+        <p:nvSpPr>
+          <p:cNvPr id="5" name="Rectangle 4">
+            <a:extLst>
+              <a:ext uri="{FF2B5EF4-FFF2-40B4-BE49-F238E27FC236}">
+                <a16:creationId xmlns:a16="http://schemas.microsoft.com/office/drawing/2014/main" id="{9ED212F0-4F65-164A-8728-B5FA7E840EA4}"/>
+              </a:ext>
+            </a:extLst>
+          </p:cNvPr>
+          <p:cNvSpPr/>
+          <p:nvPr/>
+        </p:nvSpPr>
+        <p:spPr>
+          <a:xfrm>
+            <a:off x="10220844" y="1690688"/>
+            <a:ext cx="1724722" cy="3693319"/>
+          </a:xfrm>
+          <a:prstGeom prst="rect">
+            <a:avLst/>
+          </a:prstGeom>
+        </p:spPr>
+        <p:txBody>
+          <a:bodyPr wrap="square">
+            <a:spAutoFit/>
+          </a:bodyPr>
+          <a:lstStyle/>
+          <a:p>
+            <a:r>
+              <a:rPr lang="en-US" dirty="0">
+                <a:solidFill>
+                  <a:srgbClr val="000000"/>
+                </a:solidFill>
+                <a:latin typeface="Monaco" pitchFamily="2" charset="77"/>
+              </a:rPr>
+              <a:t>A</a:t>
+            </a:r>
+          </a:p>
+          <a:p>
+            <a:r>
+              <a:rPr lang="en-US" dirty="0">
+                <a:solidFill>
+                  <a:srgbClr val="000000"/>
+                </a:solidFill>
+                <a:latin typeface="Monaco" pitchFamily="2" charset="77"/>
+              </a:rPr>
+              <a:t>a</a:t>
+            </a:r>
+          </a:p>
+          <a:p>
+            <a:r>
+              <a:rPr lang="en-US" dirty="0">
+                <a:solidFill>
+                  <a:srgbClr val="000000"/>
+                </a:solidFill>
+                <a:latin typeface="Monaco" pitchFamily="2" charset="77"/>
+              </a:rPr>
+              <a:t>aa</a:t>
+            </a:r>
+          </a:p>
+          <a:p>
+            <a:r>
+              <a:rPr lang="en-US" dirty="0" err="1">
+                <a:solidFill>
+                  <a:srgbClr val="000000"/>
+                </a:solidFill>
+                <a:latin typeface="Monaco" pitchFamily="2" charset="77"/>
+              </a:rPr>
+              <a:t>aal</a:t>
+            </a:r>
+            <a:endParaRPr lang="en-US" dirty="0">
+              <a:solidFill>
+                <a:srgbClr val="000000"/>
+              </a:solidFill>
+              <a:latin typeface="Monaco" pitchFamily="2" charset="77"/>
+            </a:endParaRPr>
+          </a:p>
+          <a:p>
+            <a:r>
+              <a:rPr lang="en-US" dirty="0">
+                <a:solidFill>
+                  <a:srgbClr val="000000"/>
+                </a:solidFill>
+                <a:latin typeface="Monaco" pitchFamily="2" charset="77"/>
+              </a:rPr>
+              <a:t>aalii</a:t>
+            </a:r>
+          </a:p>
+          <a:p>
+            <a:r>
+              <a:rPr lang="en-US" dirty="0" err="1">
+                <a:solidFill>
+                  <a:srgbClr val="000000"/>
+                </a:solidFill>
+                <a:latin typeface="Monaco" pitchFamily="2" charset="77"/>
+              </a:rPr>
+              <a:t>aam</a:t>
+            </a:r>
+            <a:endParaRPr lang="en-US" dirty="0">
+              <a:solidFill>
+                <a:srgbClr val="000000"/>
+              </a:solidFill>
+              <a:latin typeface="Monaco" pitchFamily="2" charset="77"/>
+            </a:endParaRPr>
+          </a:p>
+          <a:p>
+            <a:r>
+              <a:rPr lang="en-US" dirty="0" err="1">
+                <a:solidFill>
+                  <a:srgbClr val="000000"/>
+                </a:solidFill>
+                <a:latin typeface="Monaco" pitchFamily="2" charset="77"/>
+              </a:rPr>
+              <a:t>Aani</a:t>
+            </a:r>
+            <a:endParaRPr lang="en-US" dirty="0">
+              <a:solidFill>
+                <a:srgbClr val="000000"/>
+              </a:solidFill>
+              <a:latin typeface="Monaco" pitchFamily="2" charset="77"/>
+            </a:endParaRPr>
+          </a:p>
+          <a:p>
+            <a:r>
+              <a:rPr lang="en-US" dirty="0">
+                <a:solidFill>
+                  <a:srgbClr val="000000"/>
+                </a:solidFill>
+                <a:latin typeface="Monaco" pitchFamily="2" charset="77"/>
+              </a:rPr>
+              <a:t>aardvark</a:t>
+            </a:r>
+          </a:p>
+          <a:p>
+            <a:r>
+              <a:rPr lang="en-US" dirty="0">
+                <a:solidFill>
+                  <a:srgbClr val="000000"/>
+                </a:solidFill>
+                <a:latin typeface="Monaco" pitchFamily="2" charset="77"/>
+              </a:rPr>
+              <a:t>aardwolf</a:t>
+            </a:r>
+          </a:p>
+          <a:p>
+            <a:r>
+              <a:rPr lang="en-US" dirty="0">
+                <a:solidFill>
+                  <a:srgbClr val="000000"/>
+                </a:solidFill>
+                <a:latin typeface="Monaco" pitchFamily="2" charset="77"/>
+              </a:rPr>
+              <a:t>Aaron</a:t>
+            </a:r>
+          </a:p>
+          <a:p>
+            <a:r>
+              <a:rPr lang="en-US" dirty="0">
+                <a:solidFill>
+                  <a:srgbClr val="000000"/>
+                </a:solidFill>
+                <a:latin typeface="Monaco" pitchFamily="2" charset="77"/>
+              </a:rPr>
+              <a:t>Aaronic</a:t>
+            </a:r>
+          </a:p>
+          <a:p>
+            <a:r>
+              <a:rPr lang="en-US" dirty="0" err="1">
+                <a:solidFill>
+                  <a:srgbClr val="000000"/>
+                </a:solidFill>
+                <a:latin typeface="Monaco" pitchFamily="2" charset="77"/>
+              </a:rPr>
+              <a:t>Aaronical</a:t>
+            </a:r>
+            <a:endParaRPr lang="en-US" dirty="0">
+              <a:solidFill>
+                <a:srgbClr val="000000"/>
+              </a:solidFill>
+              <a:latin typeface="Monaco" pitchFamily="2" charset="77"/>
+            </a:endParaRPr>
+          </a:p>
+          <a:p>
+            <a:r>
+              <a:rPr lang="en-US" dirty="0">
+                <a:solidFill>
+                  <a:srgbClr val="000000"/>
+                </a:solidFill>
+                <a:effectLst/>
+                <a:latin typeface="Monaco" pitchFamily="2" charset="77"/>
+              </a:rPr>
+              <a:t>…</a:t>
+            </a:r>
+          </a:p>
+        </p:txBody>
+      </p:sp>
+    </p:spTree>
+    <p:extLst>
+      <p:ext uri="{BB962C8B-B14F-4D97-AF65-F5344CB8AC3E}">
+        <p14:creationId xmlns:p14="http://schemas.microsoft.com/office/powerpoint/2010/main" val="2389632230"/>
+      </p:ext>
+    </p:extLst>
+  </p:cSld>
+  <p:clrMapOvr>
+    <a:masterClrMapping/>
+  </p:clrMapOvr>
+</p:sld>
+</file>
+
 <file path=ppt/slides/slide23.xml><?xml version="1.0" encoding="utf-8"?>
 <p:sld xmlns:a="http://schemas.openxmlformats.org/drawingml/2006/main" xmlns:r="http://schemas.openxmlformats.org/officeDocument/2006/relationships" xmlns:p="http://schemas.openxmlformats.org/presentationml/2006/main">
   <p:cSld>
@@ -9289,7 +9230,7 @@
           <p:cNvPr id="2" name="Title 1">
             <a:extLst>
               <a:ext uri="{FF2B5EF4-FFF2-40B4-BE49-F238E27FC236}">
-                <a16:creationId xmlns:a16="http://schemas.microsoft.com/office/drawing/2014/main" id="{F1C04A90-D1BD-4D4C-81E7-C991FC2BA43E}"/>
+                <a16:creationId xmlns:a16="http://schemas.microsoft.com/office/drawing/2014/main" id="{75EA49D3-0D3B-1C4C-ACF3-C67C08F637C8}"/>
               </a:ext>
             </a:extLst>
           </p:cNvPr>
@@ -9300,14 +9241,31 @@
             <p:ph type="title"/>
           </p:nvPr>
         </p:nvSpPr>
-        <p:spPr/>
+        <p:spPr>
+          <a:xfrm>
+            <a:off x="838200" y="365125"/>
+            <a:ext cx="11353800" cy="1325563"/>
+          </a:xfrm>
+        </p:spPr>
         <p:txBody>
           <a:bodyPr/>
           <a:lstStyle/>
           <a:p>
             <a:r>
-              <a:rPr lang="en-US" dirty="0"/>
-              <a:t>Summary</a:t>
+              <a:rPr lang="en-US" b="1" dirty="0"/>
+              <a:t>Exercise</a:t>
+            </a:r>
+            <a:r>
+              <a:rPr lang="en-US" dirty="0"/>
+              <a:t>: Build </a:t>
+            </a:r>
+            <a:r>
+              <a:rPr lang="en-US" dirty="0" err="1"/>
+              <a:t>Trie</a:t>
+            </a:r>
+            <a:r>
+              <a:rPr lang="en-US" dirty="0"/>
+              <a:t> from dictionary of words</a:t>
             </a:r>
           </a:p>
         </p:txBody>
@@ -9317,7 +9275,7 @@
           <p:cNvPr id="3" name="Content Placeholder 2">
             <a:extLst>
               <a:ext uri="{FF2B5EF4-FFF2-40B4-BE49-F238E27FC236}">
-                <a16:creationId xmlns:a16="http://schemas.microsoft.com/office/drawing/2014/main" id="{4609F6F5-0E8A-C04C-913B-DE3F9CE0237E}"/>
+                <a16:creationId xmlns:a16="http://schemas.microsoft.com/office/drawing/2014/main" id="{E4C7E417-9DFA-CE45-979D-F475A80168FB}"/>
               </a:ext>
             </a:extLst>
           </p:cNvPr>
@@ -9330,46 +9288,123 @@
         </p:nvSpPr>
         <p:spPr/>
         <p:txBody>
-          <a:bodyPr>
-            <a:normAutofit/>
+          <a:bodyPr/>
+          <a:lstStyle/>
+          <a:p>
+            <a:r>
+              <a:rPr lang="en-US" dirty="0"/>
+              <a:t>From searching notebook, get </a:t>
+            </a:r>
+            <a:r>
+              <a:rPr lang="en-US" dirty="0" err="1"/>
+              <a:t>Trie</a:t>
+            </a:r>
+            <a:r>
+              <a:rPr lang="en-US" dirty="0"/>
+              <a:t> implementation</a:t>
+            </a:r>
+          </a:p>
+          <a:p>
+            <a:r>
+              <a:rPr lang="en-US" dirty="0"/>
+              <a:t>Add each word to a </a:t>
+            </a:r>
+            <a:r>
+              <a:rPr lang="en-US" dirty="0" err="1"/>
+              <a:t>trie</a:t>
+            </a:r>
+            <a:r>
+              <a:rPr lang="en-US" dirty="0"/>
+              <a:t>, which takes about 7s on my machine</a:t>
+            </a:r>
+          </a:p>
+          <a:p>
+            <a:r>
+              <a:rPr lang="en-US" dirty="0"/>
+              <a:t>Search the </a:t>
+            </a:r>
+            <a:r>
+              <a:rPr lang="en-US" dirty="0" err="1"/>
+              <a:t>trie</a:t>
+            </a:r>
+            <a:r>
+              <a:rPr lang="en-US" dirty="0"/>
+              <a:t> for each of 235,886 words; takes 0.70s for me!!</a:t>
+            </a:r>
+          </a:p>
+          <a:p>
+            <a:r>
+              <a:rPr lang="en-US" dirty="0"/>
+              <a:t>Rejoice in your new super powers</a:t>
+            </a:r>
+          </a:p>
+          <a:p>
+            <a:r>
+              <a:rPr lang="en-US" dirty="0"/>
+              <a:t>Cool interview question/task:</a:t>
+            </a:r>
+            <a:br>
+              <a:rPr lang="en-US" dirty="0"/>
+            </a:br>
+            <a:r>
+              <a:rPr lang="en-US" dirty="0"/>
+              <a:t>How can you do fast spell checking on big documents?</a:t>
+            </a:r>
+          </a:p>
+        </p:txBody>
+      </p:sp>
+      <p:sp>
+        <p:nvSpPr>
+          <p:cNvPr id="4" name="TextBox 3">
+            <a:extLst>
+              <a:ext uri="{FF2B5EF4-FFF2-40B4-BE49-F238E27FC236}">
+                <a16:creationId xmlns:a16="http://schemas.microsoft.com/office/drawing/2014/main" id="{47988AE6-331F-864A-963A-42008DA144C2}"/>
+              </a:ext>
+            </a:extLst>
+          </p:cNvPr>
+          <p:cNvSpPr txBox="1"/>
+          <p:nvPr/>
+        </p:nvSpPr>
+        <p:spPr>
+          <a:xfrm>
+            <a:off x="0" y="6311900"/>
+            <a:ext cx="8097088" cy="369332"/>
+          </a:xfrm>
+          <a:prstGeom prst="rect">
+            <a:avLst/>
+          </a:prstGeom>
+          <a:noFill/>
+        </p:spPr>
+        <p:txBody>
+          <a:bodyPr wrap="none" rtlCol="0">
+            <a:spAutoFit/>
           </a:bodyPr>
           <a:lstStyle/>
           <a:p>
             <a:r>
               <a:rPr lang="en-US" dirty="0"/>
-              <a:t>Lots of ways to search beyond linear and binary search</a:t>
-            </a:r>
-          </a:p>
-          <a:p>
-            <a:r>
-              <a:rPr lang="en-US" dirty="0"/>
-              <a:t>String searching has some really efficient solutions such as Rabin-Karp; idea is to compare hash codes before doing string comparisons and do a rolling hash for the document substrings</a:t>
-            </a:r>
-          </a:p>
-          <a:p>
-            <a:r>
-              <a:rPr lang="en-US" dirty="0"/>
-              <a:t>If we are willing to build a graph data structure in O(nm), the TRIE is pretty hard to beat complexity and performance; looking up a word in the TRIE is O(m) for m-character string!</a:t>
-            </a:r>
-          </a:p>
-          <a:p>
-            <a:r>
-              <a:rPr lang="en-US" dirty="0"/>
-              <a:t>TRIE is just a nested pigeonhole sort turned into a graph</a:t>
-            </a:r>
-          </a:p>
-          <a:p>
-            <a:r>
-              <a:rPr lang="en-US" dirty="0"/>
-              <a:t>Useful as prefix and suffix trees; can find misspelled words</a:t>
-            </a:r>
+              <a:t>See solution </a:t>
+            </a:r>
+            <a:r>
+              <a:rPr lang="en-US" dirty="0">
+                <a:hlinkClick r:id="rId2"/>
+              </a:rPr>
+              <a:t>https://github.com/parrt/msds689/blob/master/notes/code/</a:t>
+            </a:r>
+            <a:r>
+              <a:rPr lang="en-US" dirty="0" err="1">
+                <a:hlinkClick r:id="rId2"/>
+              </a:rPr>
+              <a:t>trie.py</a:t>
+            </a:r>
+            <a:endParaRPr lang="en-US" dirty="0"/>
           </a:p>
         </p:txBody>
       </p:sp>
     </p:spTree>
     <p:extLst>
       <p:ext uri="{BB962C8B-B14F-4D97-AF65-F5344CB8AC3E}">
-        <p14:creationId xmlns:p14="http://schemas.microsoft.com/office/powerpoint/2010/main" val="102616959"/>
+        <p14:creationId xmlns:p14="http://schemas.microsoft.com/office/powerpoint/2010/main" val="4129298591"/>
       </p:ext>
     </p:extLst>
   </p:cSld>

--- a/notes/searching.pptx
+++ b/notes/searching.pptx
@@ -228,7 +228,7 @@
           <a:p>
             <a:fld id="{8A1B613A-EFF1-404F-BEE8-EFAE84A4E5E2}" type="datetimeFigureOut">
               <a:rPr lang="en-US" smtClean="0"/>
-              <a:t>4/20/21</a:t>
+              <a:t>4/23/21</a:t>
             </a:fld>
             <a:endParaRPr lang="en-US"/>
           </a:p>
@@ -393,7 +393,7 @@
           <a:p>
             <a:fld id="{690847EA-AC25-3D4E-89E1-FD3F6A9702B6}" type="datetimeFigureOut">
               <a:rPr lang="en-US" smtClean="0"/>
-              <a:t>4/20/21</a:t>
+              <a:t>4/23/21</a:t>
             </a:fld>
             <a:endParaRPr lang="en-US"/>
           </a:p>
@@ -807,7 +807,7 @@
           <a:p>
             <a:fld id="{BE5295ED-3BAF-1140-8495-3D368771D6B1}" type="datetimeFigureOut">
               <a:rPr lang="en-US" smtClean="0"/>
-              <a:t>4/20/21</a:t>
+              <a:t>4/23/21</a:t>
             </a:fld>
             <a:endParaRPr lang="en-US"/>
           </a:p>
@@ -1005,7 +1005,7 @@
           <a:p>
             <a:fld id="{BE5295ED-3BAF-1140-8495-3D368771D6B1}" type="datetimeFigureOut">
               <a:rPr lang="en-US" smtClean="0"/>
-              <a:t>4/20/21</a:t>
+              <a:t>4/23/21</a:t>
             </a:fld>
             <a:endParaRPr lang="en-US"/>
           </a:p>
@@ -1213,7 +1213,7 @@
           <a:p>
             <a:fld id="{BE5295ED-3BAF-1140-8495-3D368771D6B1}" type="datetimeFigureOut">
               <a:rPr lang="en-US" smtClean="0"/>
-              <a:t>4/20/21</a:t>
+              <a:t>4/23/21</a:t>
             </a:fld>
             <a:endParaRPr lang="en-US"/>
           </a:p>
@@ -1411,7 +1411,7 @@
           <a:p>
             <a:fld id="{BE5295ED-3BAF-1140-8495-3D368771D6B1}" type="datetimeFigureOut">
               <a:rPr lang="en-US" smtClean="0"/>
-              <a:t>4/20/21</a:t>
+              <a:t>4/23/21</a:t>
             </a:fld>
             <a:endParaRPr lang="en-US"/>
           </a:p>
@@ -1686,7 +1686,7 @@
           <a:p>
             <a:fld id="{BE5295ED-3BAF-1140-8495-3D368771D6B1}" type="datetimeFigureOut">
               <a:rPr lang="en-US" smtClean="0"/>
-              <a:t>4/20/21</a:t>
+              <a:t>4/23/21</a:t>
             </a:fld>
             <a:endParaRPr lang="en-US"/>
           </a:p>
@@ -1951,7 +1951,7 @@
           <a:p>
             <a:fld id="{BE5295ED-3BAF-1140-8495-3D368771D6B1}" type="datetimeFigureOut">
               <a:rPr lang="en-US" smtClean="0"/>
-              <a:t>4/20/21</a:t>
+              <a:t>4/23/21</a:t>
             </a:fld>
             <a:endParaRPr lang="en-US"/>
           </a:p>
@@ -2363,7 +2363,7 @@
           <a:p>
             <a:fld id="{BE5295ED-3BAF-1140-8495-3D368771D6B1}" type="datetimeFigureOut">
               <a:rPr lang="en-US" smtClean="0"/>
-              <a:t>4/20/21</a:t>
+              <a:t>4/23/21</a:t>
             </a:fld>
             <a:endParaRPr lang="en-US"/>
           </a:p>
@@ -2504,7 +2504,7 @@
           <a:p>
             <a:fld id="{BE5295ED-3BAF-1140-8495-3D368771D6B1}" type="datetimeFigureOut">
               <a:rPr lang="en-US" smtClean="0"/>
-              <a:t>4/20/21</a:t>
+              <a:t>4/23/21</a:t>
             </a:fld>
             <a:endParaRPr lang="en-US"/>
           </a:p>
@@ -2617,7 +2617,7 @@
           <a:p>
             <a:fld id="{BE5295ED-3BAF-1140-8495-3D368771D6B1}" type="datetimeFigureOut">
               <a:rPr lang="en-US" smtClean="0"/>
-              <a:t>4/20/21</a:t>
+              <a:t>4/23/21</a:t>
             </a:fld>
             <a:endParaRPr lang="en-US"/>
           </a:p>
@@ -2928,7 +2928,7 @@
           <a:p>
             <a:fld id="{BE5295ED-3BAF-1140-8495-3D368771D6B1}" type="datetimeFigureOut">
               <a:rPr lang="en-US" smtClean="0"/>
-              <a:t>4/20/21</a:t>
+              <a:t>4/23/21</a:t>
             </a:fld>
             <a:endParaRPr lang="en-US"/>
           </a:p>
@@ -3219,7 +3219,7 @@
           <a:p>
             <a:fld id="{BE5295ED-3BAF-1140-8495-3D368771D6B1}" type="datetimeFigureOut">
               <a:rPr lang="en-US" smtClean="0"/>
-              <a:t>4/20/21</a:t>
+              <a:t>4/23/21</a:t>
             </a:fld>
             <a:endParaRPr lang="en-US"/>
           </a:p>
@@ -3460,7 +3460,7 @@
           <a:p>
             <a:fld id="{BE5295ED-3BAF-1140-8495-3D368771D6B1}" type="datetimeFigureOut">
               <a:rPr lang="en-US" smtClean="0"/>
-              <a:t>4/20/21</a:t>
+              <a:t>4/23/21</a:t>
             </a:fld>
             <a:endParaRPr lang="en-US"/>
           </a:p>
@@ -4595,7 +4595,7 @@
         <p:spPr>
           <a:xfrm>
             <a:off x="5055166" y="1383769"/>
-            <a:ext cx="6598281" cy="830997"/>
+            <a:ext cx="4530407" cy="830997"/>
           </a:xfrm>
           <a:prstGeom prst="rect">
             <a:avLst/>
@@ -4610,14 +4610,14 @@
           <a:p>
             <a:r>
               <a:rPr lang="en-US" sz="2400" dirty="0"/>
-              <a:t>First step, convert buckets to nodes and rotate:</a:t>
+              <a:t>First step, convert buckets to</a:t>
             </a:r>
             <a:br>
               <a:rPr lang="en-US" sz="2400" dirty="0"/>
             </a:br>
             <a:r>
               <a:rPr lang="en-US" sz="2400" dirty="0"/>
-              <a:t>we get a tree!</a:t>
+              <a:t>nodes and rotate: we get a tree!</a:t>
             </a:r>
           </a:p>
         </p:txBody>
@@ -4692,6 +4692,36 @@
           </a:p>
         </p:txBody>
       </p:sp>
+      <p:pic>
+        <p:nvPicPr>
+          <p:cNvPr id="14" name="Picture 13">
+            <a:extLst>
+              <a:ext uri="{FF2B5EF4-FFF2-40B4-BE49-F238E27FC236}">
+                <a16:creationId xmlns:a16="http://schemas.microsoft.com/office/drawing/2014/main" id="{C3271679-F7A7-114C-BC0B-7AAA0CF62CA8}"/>
+              </a:ext>
+            </a:extLst>
+          </p:cNvPr>
+          <p:cNvPicPr>
+            <a:picLocks noChangeAspect="1"/>
+          </p:cNvPicPr>
+          <p:nvPr/>
+        </p:nvPicPr>
+        <p:blipFill>
+          <a:blip r:embed="rId4"/>
+          <a:stretch>
+            <a:fillRect/>
+          </a:stretch>
+        </p:blipFill>
+        <p:spPr>
+          <a:xfrm>
+            <a:off x="9774621" y="79143"/>
+            <a:ext cx="2325369" cy="1807005"/>
+          </a:xfrm>
+          <a:prstGeom prst="rect">
+            <a:avLst/>
+          </a:prstGeom>
+        </p:spPr>
+      </p:pic>
     </p:spTree>
     <p:extLst>
       <p:ext uri="{BB962C8B-B14F-4D97-AF65-F5344CB8AC3E}">
@@ -8952,7 +8982,7 @@
           <a:p>
             <a:r>
               <a:rPr lang="en-US" dirty="0"/>
-              <a:t>For 50k works, takes 13s (still brutally slow)</a:t>
+              <a:t>For 50k words, takes 13s (still brutally slow)</a:t>
             </a:r>
           </a:p>
         </p:txBody>
@@ -11481,8 +11511,8 @@
           </a:p>
         </p:txBody>
       </p:sp>
-      <mc:AlternateContent xmlns:mc="http://schemas.openxmlformats.org/markup-compatibility/2006">
-        <mc:Choice xmlns:a14="http://schemas.microsoft.com/office/drawing/2010/main" Requires="a14">
+      <mc:AlternateContent xmlns:mc="http://schemas.openxmlformats.org/markup-compatibility/2006" xmlns:a14="http://schemas.microsoft.com/office/drawing/2010/main">
+        <mc:Choice Requires="a14">
           <p:sp>
             <p:nvSpPr>
               <p:cNvPr id="3" name="Content Placeholder 2">
@@ -11596,7 +11626,7 @@
             </p:txBody>
           </p:sp>
         </mc:Choice>
-        <mc:Fallback>
+        <mc:Fallback xmlns="">
           <p:sp>
             <p:nvSpPr>
               <p:cNvPr id="3" name="Content Placeholder 2">

--- a/notes/searching.pptx
+++ b/notes/searching.pptx
@@ -228,7 +228,7 @@
           <a:p>
             <a:fld id="{8A1B613A-EFF1-404F-BEE8-EFAE84A4E5E2}" type="datetimeFigureOut">
               <a:rPr lang="en-US" smtClean="0"/>
-              <a:t>4/23/21</a:t>
+              <a:t>2/24/22</a:t>
             </a:fld>
             <a:endParaRPr lang="en-US"/>
           </a:p>
@@ -393,7 +393,7 @@
           <a:p>
             <a:fld id="{690847EA-AC25-3D4E-89E1-FD3F6A9702B6}" type="datetimeFigureOut">
               <a:rPr lang="en-US" smtClean="0"/>
-              <a:t>4/23/21</a:t>
+              <a:t>2/24/22</a:t>
             </a:fld>
             <a:endParaRPr lang="en-US"/>
           </a:p>
@@ -660,6 +660,90 @@
 </p:notesMaster>
 </file>
 
+<file path=ppt/notesSlides/notesSlide1.xml><?xml version="1.0" encoding="utf-8"?>
+<p:notes xmlns:a="http://schemas.openxmlformats.org/drawingml/2006/main" xmlns:r="http://schemas.openxmlformats.org/officeDocument/2006/relationships" xmlns:p="http://schemas.openxmlformats.org/presentationml/2006/main">
+  <p:cSld>
+    <p:spTree>
+      <p:nvGrpSpPr>
+        <p:cNvPr id="1" name=""/>
+        <p:cNvGrpSpPr/>
+        <p:nvPr/>
+      </p:nvGrpSpPr>
+      <p:grpSpPr>
+        <a:xfrm>
+          <a:off x="0" y="0"/>
+          <a:ext cx="0" cy="0"/>
+          <a:chOff x="0" y="0"/>
+          <a:chExt cx="0" cy="0"/>
+        </a:xfrm>
+      </p:grpSpPr>
+      <p:sp>
+        <p:nvSpPr>
+          <p:cNvPr id="2" name="Slide Image Placeholder 1"/>
+          <p:cNvSpPr>
+            <a:spLocks noGrp="1" noRot="1" noChangeAspect="1"/>
+          </p:cNvSpPr>
+          <p:nvPr>
+            <p:ph type="sldImg"/>
+          </p:nvPr>
+        </p:nvSpPr>
+        <p:spPr/>
+      </p:sp>
+      <p:sp>
+        <p:nvSpPr>
+          <p:cNvPr id="3" name="Notes Placeholder 2"/>
+          <p:cNvSpPr>
+            <a:spLocks noGrp="1"/>
+          </p:cNvSpPr>
+          <p:nvPr>
+            <p:ph type="body" idx="1"/>
+          </p:nvPr>
+        </p:nvSpPr>
+        <p:spPr/>
+        <p:txBody>
+          <a:bodyPr/>
+          <a:lstStyle/>
+          <a:p>
+            <a:endParaRPr lang="en-US" dirty="0"/>
+          </a:p>
+        </p:txBody>
+      </p:sp>
+      <p:sp>
+        <p:nvSpPr>
+          <p:cNvPr id="4" name="Slide Number Placeholder 3"/>
+          <p:cNvSpPr>
+            <a:spLocks noGrp="1"/>
+          </p:cNvSpPr>
+          <p:nvPr>
+            <p:ph type="sldNum" sz="quarter" idx="5"/>
+          </p:nvPr>
+        </p:nvSpPr>
+        <p:spPr/>
+        <p:txBody>
+          <a:bodyPr/>
+          <a:lstStyle/>
+          <a:p>
+            <a:fld id="{0DEC4948-0B79-D842-B740-510D19298355}" type="slidenum">
+              <a:rPr lang="en-US" smtClean="0"/>
+              <a:t>15</a:t>
+            </a:fld>
+            <a:endParaRPr lang="en-US"/>
+          </a:p>
+        </p:txBody>
+      </p:sp>
+    </p:spTree>
+    <p:extLst>
+      <p:ext uri="{BB962C8B-B14F-4D97-AF65-F5344CB8AC3E}">
+        <p14:creationId xmlns:p14="http://schemas.microsoft.com/office/powerpoint/2010/main" val="359274802"/>
+      </p:ext>
+    </p:extLst>
+  </p:cSld>
+  <p:clrMapOvr>
+    <a:masterClrMapping/>
+  </p:clrMapOvr>
+</p:notes>
+</file>
+
 <file path=ppt/slideLayouts/slideLayout1.xml><?xml version="1.0" encoding="utf-8"?>
 <p:sldLayout xmlns:a="http://schemas.openxmlformats.org/drawingml/2006/main" xmlns:r="http://schemas.openxmlformats.org/officeDocument/2006/relationships" xmlns:p="http://schemas.openxmlformats.org/presentationml/2006/main" type="title" preserve="1">
   <p:cSld name="Title Slide">
@@ -807,7 +891,7 @@
           <a:p>
             <a:fld id="{BE5295ED-3BAF-1140-8495-3D368771D6B1}" type="datetimeFigureOut">
               <a:rPr lang="en-US" smtClean="0"/>
-              <a:t>4/23/21</a:t>
+              <a:t>2/24/22</a:t>
             </a:fld>
             <a:endParaRPr lang="en-US"/>
           </a:p>
@@ -1005,7 +1089,7 @@
           <a:p>
             <a:fld id="{BE5295ED-3BAF-1140-8495-3D368771D6B1}" type="datetimeFigureOut">
               <a:rPr lang="en-US" smtClean="0"/>
-              <a:t>4/23/21</a:t>
+              <a:t>2/24/22</a:t>
             </a:fld>
             <a:endParaRPr lang="en-US"/>
           </a:p>
@@ -1213,7 +1297,7 @@
           <a:p>
             <a:fld id="{BE5295ED-3BAF-1140-8495-3D368771D6B1}" type="datetimeFigureOut">
               <a:rPr lang="en-US" smtClean="0"/>
-              <a:t>4/23/21</a:t>
+              <a:t>2/24/22</a:t>
             </a:fld>
             <a:endParaRPr lang="en-US"/>
           </a:p>
@@ -1411,7 +1495,7 @@
           <a:p>
             <a:fld id="{BE5295ED-3BAF-1140-8495-3D368771D6B1}" type="datetimeFigureOut">
               <a:rPr lang="en-US" smtClean="0"/>
-              <a:t>4/23/21</a:t>
+              <a:t>2/24/22</a:t>
             </a:fld>
             <a:endParaRPr lang="en-US"/>
           </a:p>
@@ -1686,7 +1770,7 @@
           <a:p>
             <a:fld id="{BE5295ED-3BAF-1140-8495-3D368771D6B1}" type="datetimeFigureOut">
               <a:rPr lang="en-US" smtClean="0"/>
-              <a:t>4/23/21</a:t>
+              <a:t>2/24/22</a:t>
             </a:fld>
             <a:endParaRPr lang="en-US"/>
           </a:p>
@@ -1951,7 +2035,7 @@
           <a:p>
             <a:fld id="{BE5295ED-3BAF-1140-8495-3D368771D6B1}" type="datetimeFigureOut">
               <a:rPr lang="en-US" smtClean="0"/>
-              <a:t>4/23/21</a:t>
+              <a:t>2/24/22</a:t>
             </a:fld>
             <a:endParaRPr lang="en-US"/>
           </a:p>
@@ -2363,7 +2447,7 @@
           <a:p>
             <a:fld id="{BE5295ED-3BAF-1140-8495-3D368771D6B1}" type="datetimeFigureOut">
               <a:rPr lang="en-US" smtClean="0"/>
-              <a:t>4/23/21</a:t>
+              <a:t>2/24/22</a:t>
             </a:fld>
             <a:endParaRPr lang="en-US"/>
           </a:p>
@@ -2504,7 +2588,7 @@
           <a:p>
             <a:fld id="{BE5295ED-3BAF-1140-8495-3D368771D6B1}" type="datetimeFigureOut">
               <a:rPr lang="en-US" smtClean="0"/>
-              <a:t>4/23/21</a:t>
+              <a:t>2/24/22</a:t>
             </a:fld>
             <a:endParaRPr lang="en-US"/>
           </a:p>
@@ -2617,7 +2701,7 @@
           <a:p>
             <a:fld id="{BE5295ED-3BAF-1140-8495-3D368771D6B1}" type="datetimeFigureOut">
               <a:rPr lang="en-US" smtClean="0"/>
-              <a:t>4/23/21</a:t>
+              <a:t>2/24/22</a:t>
             </a:fld>
             <a:endParaRPr lang="en-US"/>
           </a:p>
@@ -2928,7 +3012,7 @@
           <a:p>
             <a:fld id="{BE5295ED-3BAF-1140-8495-3D368771D6B1}" type="datetimeFigureOut">
               <a:rPr lang="en-US" smtClean="0"/>
-              <a:t>4/23/21</a:t>
+              <a:t>2/24/22</a:t>
             </a:fld>
             <a:endParaRPr lang="en-US"/>
           </a:p>
@@ -3219,7 +3303,7 @@
           <a:p>
             <a:fld id="{BE5295ED-3BAF-1140-8495-3D368771D6B1}" type="datetimeFigureOut">
               <a:rPr lang="en-US" smtClean="0"/>
-              <a:t>4/23/21</a:t>
+              <a:t>2/24/22</a:t>
             </a:fld>
             <a:endParaRPr lang="en-US"/>
           </a:p>
@@ -3460,7 +3544,7 @@
           <a:p>
             <a:fld id="{BE5295ED-3BAF-1140-8495-3D368771D6B1}" type="datetimeFigureOut">
               <a:rPr lang="en-US" smtClean="0"/>
-              <a:t>4/23/21</a:t>
+              <a:t>2/24/22</a:t>
             </a:fld>
             <a:endParaRPr lang="en-US"/>
           </a:p>
@@ -4115,20 +4199,20 @@
           <a:p>
             <a:r>
               <a:rPr lang="en-US" dirty="0"/>
-              <a:t>Add deeper buckets if buckets</a:t>
+              <a:t>Add deeper buckets until just</a:t>
             </a:r>
             <a:br>
               <a:rPr lang="en-US" dirty="0"/>
             </a:br>
             <a:r>
               <a:rPr lang="en-US" dirty="0"/>
-              <a:t>get too big</a:t>
-            </a:r>
-          </a:p>
-          <a:p>
-            <a:r>
-              <a:rPr lang="en-US" dirty="0"/>
-              <a:t>To find word s, use s[</a:t>
+              <a:t>one max of k words per bucket</a:t>
+            </a:r>
+          </a:p>
+          <a:p>
+            <a:r>
+              <a:rPr lang="en-US" dirty="0"/>
+              <a:t>To find word s, use char s[</a:t>
             </a:r>
             <a:r>
               <a:rPr lang="en-US" dirty="0" err="1"/>
@@ -4156,7 +4240,7 @@
           <a:p>
             <a:r>
               <a:rPr lang="en-US" dirty="0"/>
-              <a:t>The index says how to navigate</a:t>
+              <a:t>Navigate with index to bucket</a:t>
             </a:r>
           </a:p>
           <a:p>
@@ -4177,7 +4261,7 @@
             </a:r>
             <a:r>
               <a:rPr lang="en-US" dirty="0"/>
-              <a:t>(doc), m=</a:t>
+              <a:t>(vocab), m=</a:t>
             </a:r>
             <a:r>
               <a:rPr lang="en-US" dirty="0" err="1"/>
@@ -4192,7 +4276,7 @@
             </a:br>
             <a:r>
               <a:rPr lang="en-US" dirty="0"/>
-              <a:t>average bucket size?</a:t>
+              <a:t>max bucket size?</a:t>
             </a:r>
             <a:br>
               <a:rPr lang="en-US" dirty="0"/>
@@ -4595,7 +4679,7 @@
         <p:spPr>
           <a:xfrm>
             <a:off x="5055166" y="1383769"/>
-            <a:ext cx="4530407" cy="830997"/>
+            <a:ext cx="4530407" cy="1200329"/>
           </a:xfrm>
           <a:prstGeom prst="rect">
             <a:avLst/>
@@ -4619,6 +4703,13 @@
               <a:rPr lang="en-US" sz="2400" dirty="0"/>
               <a:t>nodes and rotate: we get a tree!</a:t>
             </a:r>
+            <a:br>
+              <a:rPr lang="en-US" sz="2400" dirty="0"/>
+            </a:br>
+            <a:r>
+              <a:rPr lang="en-US" sz="2400" dirty="0"/>
+              <a:t>Don’t need buckets anymore</a:t>
+            </a:r>
           </a:p>
         </p:txBody>
       </p:sp>
@@ -4636,7 +4727,7 @@
         </p:nvSpPr>
         <p:spPr>
           <a:xfrm>
-            <a:off x="5746261" y="5246393"/>
+            <a:off x="5753349" y="5253481"/>
             <a:ext cx="6445739" cy="430887"/>
           </a:xfrm>
           <a:prstGeom prst="rect">
@@ -4792,7 +4883,7 @@
         </p:spPr>
         <p:txBody>
           <a:bodyPr>
-            <a:normAutofit fontScale="92500" lnSpcReduction="10000"/>
+            <a:normAutofit fontScale="92500" lnSpcReduction="20000"/>
           </a:bodyPr>
           <a:lstStyle/>
           <a:p>
@@ -4819,6 +4910,13 @@
             <a:r>
               <a:rPr lang="en-US" dirty="0"/>
               <a:t>for entire length of each string: pigeonhole!</a:t>
+            </a:r>
+            <a:br>
+              <a:rPr lang="en-US" dirty="0"/>
+            </a:br>
+            <a:r>
+              <a:rPr lang="en-US" dirty="0"/>
+              <a:t>Like having max bucket size k = 1</a:t>
             </a:r>
           </a:p>
           <a:p>
@@ -4878,12 +4976,8 @@
           </a:p>
           <a:p>
             <a:r>
-              <a:rPr lang="en-US" dirty="0" err="1"/>
-              <a:t>Recurse</a:t>
-            </a:r>
-            <a:r>
-              <a:rPr lang="en-US" dirty="0"/>
-              <a:t> until out of chars in string s</a:t>
+              <a:rPr lang="en-US" dirty="0"/>
+              <a:t>Recurse until out of chars in string s</a:t>
             </a:r>
           </a:p>
           <a:p>
@@ -5571,7 +5665,7 @@
         <p:spPr>
           <a:xfrm>
             <a:off x="838200" y="5628624"/>
-            <a:ext cx="7391767" cy="430887"/>
+            <a:ext cx="7391767" cy="769441"/>
           </a:xfrm>
           <a:prstGeom prst="rect">
             <a:avLst/>
@@ -5587,6 +5681,12 @@
             <a:r>
               <a:rPr lang="en-US" sz="2200" dirty="0"/>
               <a:t>Note that nodes have no values, edges contain the letters</a:t>
+            </a:r>
+          </a:p>
+          <a:p>
+            <a:r>
+              <a:rPr lang="en-US" sz="2200" dirty="0"/>
+              <a:t>Edge field is a dictionary mapping a char to a node</a:t>
             </a:r>
           </a:p>
         </p:txBody>
@@ -6231,7 +6331,7 @@
           <p:nvPr/>
         </p:nvPicPr>
         <p:blipFill>
-          <a:blip r:embed="rId2"/>
+          <a:blip r:embed="rId3"/>
           <a:stretch>
             <a:fillRect/>
           </a:stretch>
@@ -6643,7 +6743,7 @@
           <p:nvPr/>
         </p:nvPicPr>
         <p:blipFill>
-          <a:blip r:embed="rId3"/>
+          <a:blip r:embed="rId4"/>
           <a:stretch>
             <a:fillRect/>
           </a:stretch>
@@ -6764,7 +6864,7 @@
           <p:nvPr/>
         </p:nvPicPr>
         <p:blipFill>
-          <a:blip r:embed="rId4"/>
+          <a:blip r:embed="rId5"/>
           <a:stretch>
             <a:fillRect/>
           </a:stretch>
@@ -8791,7 +8891,7 @@
           <a:p>
             <a:r>
               <a:rPr lang="en-US" dirty="0"/>
-              <a:t>If we are willing to build a graph data structure in O(nm), the TRIE is pretty hard to beat complexity and performance; looking up a word in the TRIE is O(m) for m-character string!</a:t>
+              <a:t>If we are willing to build a graph data structure in O(nm), the TRIE is pretty hard to beat in terms of complexity / performance; looking up a word in the TRIE is O(m) for m-character string!</a:t>
             </a:r>
           </a:p>
           <a:p>
@@ -8982,7 +9082,7 @@
           <a:p>
             <a:r>
               <a:rPr lang="en-US" dirty="0"/>
-              <a:t>For 50k words, takes 13s (still brutally slow)</a:t>
+              <a:t>For just 50k words, takes 13s (still brutally slow)</a:t>
             </a:r>
           </a:p>
         </p:txBody>
@@ -10463,7 +10563,7 @@
         <p:spPr/>
         <p:txBody>
           <a:bodyPr>
-            <a:normAutofit/>
+            <a:normAutofit fontScale="92500" lnSpcReduction="10000"/>
           </a:bodyPr>
           <a:lstStyle/>
           <a:p>
@@ -10493,7 +10593,29 @@
             </a:r>
             <a:r>
               <a:rPr lang="en-US" dirty="0"/>
-              <a:t>: h = hash search string s; compute hash for doc[</a:t>
+              <a:t>: h = hash search string s</a:t>
+            </a:r>
+            <a:br>
+              <a:rPr lang="en-US" dirty="0"/>
+            </a:br>
+            <a:r>
+              <a:rPr lang="en-US" dirty="0"/>
+              <a:t>We move </a:t>
+            </a:r>
+            <a:r>
+              <a:rPr lang="en-US" dirty="0" err="1"/>
+              <a:t>i</a:t>
+            </a:r>
+            <a:r>
+              <a:rPr lang="en-US" dirty="0"/>
+              <a:t> from 0 to n-m</a:t>
+            </a:r>
+            <a:br>
+              <a:rPr lang="en-US" dirty="0"/>
+            </a:br>
+            <a:r>
+              <a:rPr lang="en-US" dirty="0"/>
+              <a:t>compute hash for doc[</a:t>
             </a:r>
             <a:r>
               <a:rPr lang="en-US" dirty="0" err="1"/>
@@ -10501,7 +10623,14 @@
             </a:r>
             <a:r>
               <a:rPr lang="en-US" dirty="0"/>
-              <a:t>] and compare to h; if same, compare s to doc[</a:t>
+              <a:t>] and compare to h</a:t>
+            </a:r>
+            <a:br>
+              <a:rPr lang="en-US" dirty="0"/>
+            </a:br>
+            <a:r>
+              <a:rPr lang="en-US" dirty="0"/>
+              <a:t>if same and doc[</a:t>
             </a:r>
             <a:r>
               <a:rPr lang="en-US" dirty="0" err="1"/>
@@ -10509,21 +10638,40 @@
             </a:r>
             <a:r>
               <a:rPr lang="en-US" dirty="0"/>
-              <a:t>], return if found; move </a:t>
+              <a:t>]==s then return </a:t>
             </a:r>
             <a:r>
               <a:rPr lang="en-US" dirty="0" err="1"/>
               <a:t>i</a:t>
             </a:r>
-            <a:r>
-              <a:rPr lang="en-US" dirty="0"/>
-              <a:t> from 0 to n-m</a:t>
-            </a:r>
-          </a:p>
-          <a:p>
-            <a:r>
-              <a:rPr lang="en-US" dirty="0"/>
-              <a:t>Key is to avoid comparing strings unless the hash codes match, but usually hash computation costs same as comparing strings</a:t>
+            <a:br>
+              <a:rPr lang="en-US" dirty="0"/>
+            </a:br>
+            <a:r>
+              <a:rPr lang="en-US" dirty="0"/>
+              <a:t>else </a:t>
+            </a:r>
+            <a:r>
+              <a:rPr lang="en-US" dirty="0" err="1"/>
+              <a:t>i</a:t>
+            </a:r>
+            <a:r>
+              <a:rPr lang="en-US" dirty="0"/>
+              <a:t> = </a:t>
+            </a:r>
+            <a:r>
+              <a:rPr lang="en-US" dirty="0" err="1"/>
+              <a:t>i</a:t>
+            </a:r>
+            <a:r>
+              <a:rPr lang="en-US" dirty="0"/>
+              <a:t> + 1</a:t>
+            </a:r>
+          </a:p>
+          <a:p>
+            <a:r>
+              <a:rPr lang="en-US" dirty="0"/>
+              <a:t>Idea is to avoid comparing strings unless the hash codes match, but usually hash computation costs same as comparing strings</a:t>
             </a:r>
           </a:p>
           <a:p>
@@ -11328,20 +11476,6 @@
             <a:r>
               <a:rPr lang="en-US" dirty="0"/>
               <a:t>What about finding all occurrences of s in doc?</a:t>
-            </a:r>
-          </a:p>
-          <a:p>
-            <a:r>
-              <a:rPr lang="en-US" dirty="0"/>
-              <a:t>Can check for k strings as we go along not just 1 using O(1) </a:t>
-            </a:r>
-            <a:r>
-              <a:rPr lang="en-US" dirty="0" err="1"/>
-              <a:t>hashtable</a:t>
-            </a:r>
-            <a:r>
-              <a:rPr lang="en-US" dirty="0"/>
-              <a:t> for each of k strings</a:t>
             </a:r>
           </a:p>
           <a:p>
@@ -11511,8 +11645,8 @@
           </a:p>
         </p:txBody>
       </p:sp>
-      <mc:AlternateContent xmlns:mc="http://schemas.openxmlformats.org/markup-compatibility/2006" xmlns:a14="http://schemas.microsoft.com/office/drawing/2010/main">
-        <mc:Choice Requires="a14">
+      <mc:AlternateContent xmlns:mc="http://schemas.openxmlformats.org/markup-compatibility/2006">
+        <mc:Choice xmlns:a14="http://schemas.microsoft.com/office/drawing/2010/main" Requires="a14">
           <p:sp>
             <p:nvSpPr>
               <p:cNvPr id="3" name="Content Placeholder 2">
@@ -11605,7 +11739,21 @@
                 </a14:m>
                 <a:r>
                   <a:rPr lang="en-US" dirty="0"/>
-                  <a:t>) = O(1)</a:t>
+                  <a:t>) = O(</a:t>
+                </a:r>
+                <a14:m>
+                  <m:oMath xmlns:m="http://schemas.openxmlformats.org/officeDocument/2006/math">
+                    <m:r>
+                      <a:rPr lang="en-US" i="1">
+                        <a:latin typeface="Cambria Math" panose="02040503050406030204" pitchFamily="18" charset="0"/>
+                      </a:rPr>
+                      <m:t>𝑘</m:t>
+                    </m:r>
+                  </m:oMath>
+                </a14:m>
+                <a:r>
+                  <a:rPr lang="en-US" dirty="0"/>
+                  <a:t>)</a:t>
                 </a:r>
               </a:p>
               <a:p>
@@ -11617,7 +11765,21 @@
               <a:p>
                 <a:r>
                   <a:rPr lang="en-US" dirty="0"/>
-                  <a:t>I claim we can search for any string in doc in O(m); how is this possible?!</a:t>
+                  <a:t>I claim we can search for any single string in the vocabulary of a document in O(</a:t>
+                </a:r>
+                <a14:m>
+                  <m:oMath xmlns:m="http://schemas.openxmlformats.org/officeDocument/2006/math">
+                    <m:r>
+                      <a:rPr lang="en-US" i="1">
+                        <a:latin typeface="Cambria Math" panose="02040503050406030204" pitchFamily="18" charset="0"/>
+                      </a:rPr>
+                      <m:t>𝑚</m:t>
+                    </m:r>
+                  </m:oMath>
+                </a14:m>
+                <a:r>
+                  <a:rPr lang="en-US" dirty="0"/>
+                  <a:t>); how is this possible?!</a:t>
                 </a:r>
               </a:p>
               <a:p>
@@ -11626,7 +11788,7 @@
             </p:txBody>
           </p:sp>
         </mc:Choice>
-        <mc:Fallback xmlns="">
+        <mc:Fallback>
           <p:sp>
             <p:nvSpPr>
               <p:cNvPr id="3" name="Content Placeholder 2">
@@ -11651,7 +11813,7 @@
               <a:blipFill>
                 <a:blip r:embed="rId2"/>
                 <a:stretch>
-                  <a:fillRect l="-1029" t="-3081" r="-1143"/>
+                  <a:fillRect l="-1029" t="-3081" r="-2057"/>
                 </a:stretch>
               </a:blipFill>
             </p:spPr>
